--- a/manual.pptx
+++ b/manual.pptx
@@ -5,24 +5,25 @@
     <p:sldMasterId id="2147483648" r:id="rId1"/>
   </p:sldMasterIdLst>
   <p:notesMasterIdLst>
-    <p:notesMasterId r:id="rId17"/>
+    <p:notesMasterId r:id="rId18"/>
   </p:notesMasterIdLst>
   <p:sldIdLst>
     <p:sldId id="256" r:id="rId2"/>
-    <p:sldId id="264" r:id="rId3"/>
-    <p:sldId id="265" r:id="rId4"/>
-    <p:sldId id="257" r:id="rId5"/>
-    <p:sldId id="269" r:id="rId6"/>
-    <p:sldId id="268" r:id="rId7"/>
-    <p:sldId id="259" r:id="rId8"/>
-    <p:sldId id="260" r:id="rId9"/>
-    <p:sldId id="261" r:id="rId10"/>
-    <p:sldId id="262" r:id="rId11"/>
-    <p:sldId id="266" r:id="rId12"/>
-    <p:sldId id="263" r:id="rId13"/>
-    <p:sldId id="267" r:id="rId14"/>
-    <p:sldId id="258" r:id="rId15"/>
-    <p:sldId id="270" r:id="rId16"/>
+    <p:sldId id="271" r:id="rId3"/>
+    <p:sldId id="264" r:id="rId4"/>
+    <p:sldId id="265" r:id="rId5"/>
+    <p:sldId id="257" r:id="rId6"/>
+    <p:sldId id="269" r:id="rId7"/>
+    <p:sldId id="268" r:id="rId8"/>
+    <p:sldId id="259" r:id="rId9"/>
+    <p:sldId id="260" r:id="rId10"/>
+    <p:sldId id="261" r:id="rId11"/>
+    <p:sldId id="262" r:id="rId12"/>
+    <p:sldId id="266" r:id="rId13"/>
+    <p:sldId id="263" r:id="rId14"/>
+    <p:sldId id="267" r:id="rId15"/>
+    <p:sldId id="258" r:id="rId16"/>
+    <p:sldId id="270" r:id="rId17"/>
   </p:sldIdLst>
   <p:sldSz cx="12192000" cy="6858000"/>
   <p:notesSz cx="6858000" cy="9144000"/>
@@ -127,6 +128,7 @@
         <p14:section name="Default Section" id="{B7C785CF-A945-4738-B808-D1D58DC10BA7}">
           <p14:sldIdLst>
             <p14:sldId id="256"/>
+            <p14:sldId id="271"/>
             <p14:sldId id="264"/>
             <p14:sldId id="265"/>
           </p14:sldIdLst>
@@ -250,7 +252,7 @@
           <a:p>
             <a:fld id="{440994C5-2AEE-44F2-9B76-8FB84DF71958}" type="datetimeFigureOut">
               <a:rPr lang="th-TH" smtClean="0"/>
-              <a:t>16/04/65</a:t>
+              <a:t>21/04/65</a:t>
             </a:fld>
             <a:endParaRPr lang="th-TH"/>
           </a:p>
@@ -583,7 +585,7 @@
           <a:p>
             <a:fld id="{0824544E-F7FA-417A-B10D-2B2BDEC76D19}" type="slidenum">
               <a:rPr lang="th-TH" smtClean="0"/>
-              <a:t>5</a:t>
+              <a:t>2</a:t>
             </a:fld>
             <a:endParaRPr lang="th-TH"/>
           </a:p>
@@ -592,7 +594,7 @@
     </p:spTree>
     <p:extLst>
       <p:ext uri="{BB962C8B-B14F-4D97-AF65-F5344CB8AC3E}">
-        <p14:creationId xmlns:p14="http://schemas.microsoft.com/office/powerpoint/2010/main" val="1181167248"/>
+        <p14:creationId xmlns:p14="http://schemas.microsoft.com/office/powerpoint/2010/main" val="4062798246"/>
       </p:ext>
     </p:extLst>
   </p:cSld>
@@ -667,7 +669,7 @@
           <a:p>
             <a:fld id="{0824544E-F7FA-417A-B10D-2B2BDEC76D19}" type="slidenum">
               <a:rPr lang="th-TH" smtClean="0"/>
-              <a:t>9</a:t>
+              <a:t>6</a:t>
             </a:fld>
             <a:endParaRPr lang="th-TH"/>
           </a:p>
@@ -676,7 +678,7 @@
     </p:spTree>
     <p:extLst>
       <p:ext uri="{BB962C8B-B14F-4D97-AF65-F5344CB8AC3E}">
-        <p14:creationId xmlns:p14="http://schemas.microsoft.com/office/powerpoint/2010/main" val="1113516683"/>
+        <p14:creationId xmlns:p14="http://schemas.microsoft.com/office/powerpoint/2010/main" val="1181167248"/>
       </p:ext>
     </p:extLst>
   </p:cSld>
@@ -751,7 +753,91 @@
           <a:p>
             <a:fld id="{0824544E-F7FA-417A-B10D-2B2BDEC76D19}" type="slidenum">
               <a:rPr lang="th-TH" smtClean="0"/>
-              <a:t>13</a:t>
+              <a:t>10</a:t>
+            </a:fld>
+            <a:endParaRPr lang="th-TH"/>
+          </a:p>
+        </p:txBody>
+      </p:sp>
+    </p:spTree>
+    <p:extLst>
+      <p:ext uri="{BB962C8B-B14F-4D97-AF65-F5344CB8AC3E}">
+        <p14:creationId xmlns:p14="http://schemas.microsoft.com/office/powerpoint/2010/main" val="1113516683"/>
+      </p:ext>
+    </p:extLst>
+  </p:cSld>
+  <p:clrMapOvr>
+    <a:masterClrMapping/>
+  </p:clrMapOvr>
+</p:notes>
+</file>
+
+<file path=ppt/notesSlides/notesSlide4.xml><?xml version="1.0" encoding="utf-8"?>
+<p:notes xmlns:a="http://schemas.openxmlformats.org/drawingml/2006/main" xmlns:r="http://schemas.openxmlformats.org/officeDocument/2006/relationships" xmlns:p="http://schemas.openxmlformats.org/presentationml/2006/main">
+  <p:cSld>
+    <p:spTree>
+      <p:nvGrpSpPr>
+        <p:cNvPr id="1" name=""/>
+        <p:cNvGrpSpPr/>
+        <p:nvPr/>
+      </p:nvGrpSpPr>
+      <p:grpSpPr>
+        <a:xfrm>
+          <a:off x="0" y="0"/>
+          <a:ext cx="0" cy="0"/>
+          <a:chOff x="0" y="0"/>
+          <a:chExt cx="0" cy="0"/>
+        </a:xfrm>
+      </p:grpSpPr>
+      <p:sp>
+        <p:nvSpPr>
+          <p:cNvPr id="2" name="Slide Image Placeholder 1"/>
+          <p:cNvSpPr>
+            <a:spLocks noGrp="1" noRot="1" noChangeAspect="1"/>
+          </p:cNvSpPr>
+          <p:nvPr>
+            <p:ph type="sldImg"/>
+          </p:nvPr>
+        </p:nvSpPr>
+        <p:spPr/>
+      </p:sp>
+      <p:sp>
+        <p:nvSpPr>
+          <p:cNvPr id="3" name="Notes Placeholder 2"/>
+          <p:cNvSpPr>
+            <a:spLocks noGrp="1"/>
+          </p:cNvSpPr>
+          <p:nvPr>
+            <p:ph type="body" idx="1"/>
+          </p:nvPr>
+        </p:nvSpPr>
+        <p:spPr/>
+        <p:txBody>
+          <a:bodyPr/>
+          <a:lstStyle/>
+          <a:p>
+            <a:endParaRPr lang="th-TH" dirty="0"/>
+          </a:p>
+        </p:txBody>
+      </p:sp>
+      <p:sp>
+        <p:nvSpPr>
+          <p:cNvPr id="4" name="Slide Number Placeholder 3"/>
+          <p:cNvSpPr>
+            <a:spLocks noGrp="1"/>
+          </p:cNvSpPr>
+          <p:nvPr>
+            <p:ph type="sldNum" sz="quarter" idx="5"/>
+          </p:nvPr>
+        </p:nvSpPr>
+        <p:spPr/>
+        <p:txBody>
+          <a:bodyPr/>
+          <a:lstStyle/>
+          <a:p>
+            <a:fld id="{0824544E-F7FA-417A-B10D-2B2BDEC76D19}" type="slidenum">
+              <a:rPr lang="th-TH" smtClean="0"/>
+              <a:t>14</a:t>
             </a:fld>
             <a:endParaRPr lang="th-TH"/>
           </a:p>
@@ -919,7 +1005,7 @@
           <a:p>
             <a:fld id="{74A7171E-5335-404F-9BA2-2E83F9E2328B}" type="datetimeFigureOut">
               <a:rPr lang="th-TH" smtClean="0"/>
-              <a:t>16/04/65</a:t>
+              <a:t>21/04/65</a:t>
             </a:fld>
             <a:endParaRPr lang="th-TH"/>
           </a:p>
@@ -1119,7 +1205,7 @@
           <a:p>
             <a:fld id="{74A7171E-5335-404F-9BA2-2E83F9E2328B}" type="datetimeFigureOut">
               <a:rPr lang="th-TH" smtClean="0"/>
-              <a:t>16/04/65</a:t>
+              <a:t>21/04/65</a:t>
             </a:fld>
             <a:endParaRPr lang="th-TH"/>
           </a:p>
@@ -1329,7 +1415,7 @@
           <a:p>
             <a:fld id="{74A7171E-5335-404F-9BA2-2E83F9E2328B}" type="datetimeFigureOut">
               <a:rPr lang="th-TH" smtClean="0"/>
-              <a:t>16/04/65</a:t>
+              <a:t>21/04/65</a:t>
             </a:fld>
             <a:endParaRPr lang="th-TH"/>
           </a:p>
@@ -1529,7 +1615,7 @@
           <a:p>
             <a:fld id="{74A7171E-5335-404F-9BA2-2E83F9E2328B}" type="datetimeFigureOut">
               <a:rPr lang="th-TH" smtClean="0"/>
-              <a:t>16/04/65</a:t>
+              <a:t>21/04/65</a:t>
             </a:fld>
             <a:endParaRPr lang="th-TH"/>
           </a:p>
@@ -1805,7 +1891,7 @@
           <a:p>
             <a:fld id="{74A7171E-5335-404F-9BA2-2E83F9E2328B}" type="datetimeFigureOut">
               <a:rPr lang="th-TH" smtClean="0"/>
-              <a:t>16/04/65</a:t>
+              <a:t>21/04/65</a:t>
             </a:fld>
             <a:endParaRPr lang="th-TH"/>
           </a:p>
@@ -2073,7 +2159,7 @@
           <a:p>
             <a:fld id="{74A7171E-5335-404F-9BA2-2E83F9E2328B}" type="datetimeFigureOut">
               <a:rPr lang="th-TH" smtClean="0"/>
-              <a:t>16/04/65</a:t>
+              <a:t>21/04/65</a:t>
             </a:fld>
             <a:endParaRPr lang="th-TH"/>
           </a:p>
@@ -2488,7 +2574,7 @@
           <a:p>
             <a:fld id="{74A7171E-5335-404F-9BA2-2E83F9E2328B}" type="datetimeFigureOut">
               <a:rPr lang="th-TH" smtClean="0"/>
-              <a:t>16/04/65</a:t>
+              <a:t>21/04/65</a:t>
             </a:fld>
             <a:endParaRPr lang="th-TH"/>
           </a:p>
@@ -2630,7 +2716,7 @@
           <a:p>
             <a:fld id="{74A7171E-5335-404F-9BA2-2E83F9E2328B}" type="datetimeFigureOut">
               <a:rPr lang="th-TH" smtClean="0"/>
-              <a:t>16/04/65</a:t>
+              <a:t>21/04/65</a:t>
             </a:fld>
             <a:endParaRPr lang="th-TH"/>
           </a:p>
@@ -2743,7 +2829,7 @@
           <a:p>
             <a:fld id="{74A7171E-5335-404F-9BA2-2E83F9E2328B}" type="datetimeFigureOut">
               <a:rPr lang="th-TH" smtClean="0"/>
-              <a:t>16/04/65</a:t>
+              <a:t>21/04/65</a:t>
             </a:fld>
             <a:endParaRPr lang="th-TH"/>
           </a:p>
@@ -3056,7 +3142,7 @@
           <a:p>
             <a:fld id="{74A7171E-5335-404F-9BA2-2E83F9E2328B}" type="datetimeFigureOut">
               <a:rPr lang="th-TH" smtClean="0"/>
-              <a:t>16/04/65</a:t>
+              <a:t>21/04/65</a:t>
             </a:fld>
             <a:endParaRPr lang="th-TH"/>
           </a:p>
@@ -3345,7 +3431,7 @@
           <a:p>
             <a:fld id="{74A7171E-5335-404F-9BA2-2E83F9E2328B}" type="datetimeFigureOut">
               <a:rPr lang="th-TH" smtClean="0"/>
-              <a:t>16/04/65</a:t>
+              <a:t>21/04/65</a:t>
             </a:fld>
             <a:endParaRPr lang="th-TH"/>
           </a:p>
@@ -3588,7 +3674,7 @@
           <a:p>
             <a:fld id="{74A7171E-5335-404F-9BA2-2E83F9E2328B}" type="datetimeFigureOut">
               <a:rPr lang="th-TH" smtClean="0"/>
-              <a:t>16/04/65</a:t>
+              <a:t>21/04/65</a:t>
             </a:fld>
             <a:endParaRPr lang="th-TH"/>
           </a:p>
@@ -5553,6 +5639,671 @@
       </p:grpSpPr>
       <p:pic>
         <p:nvPicPr>
+          <p:cNvPr id="4" name="Picture 8" descr="GitHub - pirasanthan-jesugeevegan/amt-cypress-weatherAPI: This is a task to  Automate the OpenWeather API using Cypress and Mochawesome report, Please  see below for the Test Case that are automated">
+            <a:extLst>
+              <a:ext uri="{FF2B5EF4-FFF2-40B4-BE49-F238E27FC236}">
+                <a16:creationId xmlns:a16="http://schemas.microsoft.com/office/drawing/2014/main" id="{052D8DAB-52D4-4A46-B810-397E6B698B19}"/>
+              </a:ext>
+            </a:extLst>
+          </p:cNvPr>
+          <p:cNvPicPr>
+            <a:picLocks noChangeAspect="1" noChangeArrowheads="1"/>
+          </p:cNvPicPr>
+          <p:nvPr/>
+        </p:nvPicPr>
+        <p:blipFill>
+          <a:blip r:embed="rId3">
+            <a:extLst>
+              <a:ext uri="{28A0092B-C50C-407E-A947-70E740481C1C}">
+                <a14:useLocalDpi xmlns:a14="http://schemas.microsoft.com/office/drawing/2010/main" val="0"/>
+              </a:ext>
+            </a:extLst>
+          </a:blip>
+          <a:srcRect/>
+          <a:stretch>
+            <a:fillRect/>
+          </a:stretch>
+        </p:blipFill>
+        <p:spPr bwMode="auto">
+          <a:xfrm>
+            <a:off x="4281316" y="980247"/>
+            <a:ext cx="2310836" cy="985957"/>
+          </a:xfrm>
+          <a:prstGeom prst="rect">
+            <a:avLst/>
+          </a:prstGeom>
+          <a:noFill/>
+          <a:extLst>
+            <a:ext uri="{909E8E84-426E-40DD-AFC4-6F175D3DCCD1}">
+              <a14:hiddenFill xmlns:a14="http://schemas.microsoft.com/office/drawing/2010/main">
+                <a:solidFill>
+                  <a:srgbClr val="FFFFFF"/>
+                </a:solidFill>
+              </a14:hiddenFill>
+            </a:ext>
+          </a:extLst>
+        </p:spPr>
+      </p:pic>
+      <p:sp>
+        <p:nvSpPr>
+          <p:cNvPr id="5" name="Rectangle 4">
+            <a:extLst>
+              <a:ext uri="{FF2B5EF4-FFF2-40B4-BE49-F238E27FC236}">
+                <a16:creationId xmlns:a16="http://schemas.microsoft.com/office/drawing/2014/main" id="{2AD9B126-2D0F-4FF8-AA83-C73B168893D9}"/>
+              </a:ext>
+            </a:extLst>
+          </p:cNvPr>
+          <p:cNvSpPr/>
+          <p:nvPr/>
+        </p:nvSpPr>
+        <p:spPr>
+          <a:xfrm>
+            <a:off x="2316557" y="1221226"/>
+            <a:ext cx="1008000" cy="504000"/>
+          </a:xfrm>
+          <a:prstGeom prst="rect">
+            <a:avLst/>
+          </a:prstGeom>
+          <a:noFill/>
+          <a:ln>
+            <a:solidFill>
+              <a:schemeClr val="tx1"/>
+            </a:solidFill>
+          </a:ln>
+        </p:spPr>
+        <p:style>
+          <a:lnRef idx="2">
+            <a:schemeClr val="accent1">
+              <a:shade val="50000"/>
+            </a:schemeClr>
+          </a:lnRef>
+          <a:fillRef idx="1">
+            <a:schemeClr val="accent1"/>
+          </a:fillRef>
+          <a:effectRef idx="0">
+            <a:schemeClr val="accent1"/>
+          </a:effectRef>
+          <a:fontRef idx="minor">
+            <a:schemeClr val="lt1"/>
+          </a:fontRef>
+        </p:style>
+        <p:txBody>
+          <a:bodyPr rtlCol="0" anchor="ctr"/>
+          <a:lstStyle/>
+          <a:p>
+            <a:r>
+              <a:rPr lang="en-US" sz="1100" b="1" dirty="0">
+                <a:solidFill>
+                  <a:srgbClr val="212121"/>
+                </a:solidFill>
+                <a:latin typeface="Tahoma" panose="020B0604030504040204" pitchFamily="34" charset="0"/>
+                <a:ea typeface="Tahoma" panose="020B0604030504040204" pitchFamily="34" charset="0"/>
+                <a:cs typeface="Tahoma" panose="020B0604030504040204" pitchFamily="34" charset="0"/>
+              </a:rPr>
+              <a:t>Input</a:t>
+            </a:r>
+            <a:endParaRPr lang="en-US" sz="1100" b="1" i="0" dirty="0">
+              <a:solidFill>
+                <a:srgbClr val="212121"/>
+              </a:solidFill>
+              <a:effectLst/>
+              <a:latin typeface="Tahoma" panose="020B0604030504040204" pitchFamily="34" charset="0"/>
+              <a:ea typeface="Tahoma" panose="020B0604030504040204" pitchFamily="34" charset="0"/>
+              <a:cs typeface="Tahoma" panose="020B0604030504040204" pitchFamily="34" charset="0"/>
+            </a:endParaRPr>
+          </a:p>
+          <a:p>
+            <a:pPr marL="171450" indent="-171450">
+              <a:buFont typeface="Arial" panose="020B0604020202020204" pitchFamily="34" charset="0"/>
+              <a:buChar char="•"/>
+            </a:pPr>
+            <a:r>
+              <a:rPr lang="en-US" sz="1100" i="0" dirty="0">
+                <a:solidFill>
+                  <a:srgbClr val="212121"/>
+                </a:solidFill>
+                <a:effectLst/>
+                <a:latin typeface="Tahoma" panose="020B0604030504040204" pitchFamily="34" charset="0"/>
+                <a:ea typeface="Tahoma" panose="020B0604030504040204" pitchFamily="34" charset="0"/>
+                <a:cs typeface="Tahoma" panose="020B0604030504040204" pitchFamily="34" charset="0"/>
+              </a:rPr>
+              <a:t>Lat, </a:t>
+            </a:r>
+            <a:r>
+              <a:rPr lang="en-US" sz="1100" dirty="0" err="1">
+                <a:solidFill>
+                  <a:srgbClr val="212121"/>
+                </a:solidFill>
+                <a:latin typeface="Tahoma" panose="020B0604030504040204" pitchFamily="34" charset="0"/>
+                <a:ea typeface="Tahoma" panose="020B0604030504040204" pitchFamily="34" charset="0"/>
+                <a:cs typeface="Tahoma" panose="020B0604030504040204" pitchFamily="34" charset="0"/>
+              </a:rPr>
+              <a:t>lon</a:t>
+            </a:r>
+            <a:endParaRPr lang="en-US" sz="1100" dirty="0">
+              <a:solidFill>
+                <a:srgbClr val="212121"/>
+              </a:solidFill>
+              <a:latin typeface="Tahoma" panose="020B0604030504040204" pitchFamily="34" charset="0"/>
+              <a:ea typeface="Tahoma" panose="020B0604030504040204" pitchFamily="34" charset="0"/>
+              <a:cs typeface="Tahoma" panose="020B0604030504040204" pitchFamily="34" charset="0"/>
+            </a:endParaRPr>
+          </a:p>
+          <a:p>
+            <a:pPr marL="171450" indent="-171450">
+              <a:buFont typeface="Arial" panose="020B0604020202020204" pitchFamily="34" charset="0"/>
+              <a:buChar char="•"/>
+            </a:pPr>
+            <a:r>
+              <a:rPr lang="en-US" sz="1100" dirty="0">
+                <a:solidFill>
+                  <a:srgbClr val="212121"/>
+                </a:solidFill>
+                <a:latin typeface="Tahoma" panose="020B0604030504040204" pitchFamily="34" charset="0"/>
+                <a:ea typeface="Tahoma" panose="020B0604030504040204" pitchFamily="34" charset="0"/>
+                <a:cs typeface="Tahoma" panose="020B0604030504040204" pitchFamily="34" charset="0"/>
+              </a:rPr>
+              <a:t>D</a:t>
+            </a:r>
+            <a:r>
+              <a:rPr lang="en-US" sz="1100" i="0" dirty="0">
+                <a:solidFill>
+                  <a:srgbClr val="212121"/>
+                </a:solidFill>
+                <a:effectLst/>
+                <a:latin typeface="Tahoma" panose="020B0604030504040204" pitchFamily="34" charset="0"/>
+                <a:ea typeface="Tahoma" panose="020B0604030504040204" pitchFamily="34" charset="0"/>
+                <a:cs typeface="Tahoma" panose="020B0604030504040204" pitchFamily="34" charset="0"/>
+              </a:rPr>
+              <a:t>at</a:t>
+            </a:r>
+            <a:r>
+              <a:rPr lang="en-US" sz="1100" dirty="0">
+                <a:solidFill>
+                  <a:srgbClr val="212121"/>
+                </a:solidFill>
+                <a:latin typeface="Tahoma" panose="020B0604030504040204" pitchFamily="34" charset="0"/>
+                <a:ea typeface="Tahoma" panose="020B0604030504040204" pitchFamily="34" charset="0"/>
+                <a:cs typeface="Tahoma" panose="020B0604030504040204" pitchFamily="34" charset="0"/>
+              </a:rPr>
+              <a:t>e</a:t>
+            </a:r>
+            <a:endParaRPr lang="en-US" sz="1100" i="0" dirty="0">
+              <a:solidFill>
+                <a:srgbClr val="212121"/>
+              </a:solidFill>
+              <a:effectLst/>
+              <a:latin typeface="Tahoma" panose="020B0604030504040204" pitchFamily="34" charset="0"/>
+              <a:ea typeface="Tahoma" panose="020B0604030504040204" pitchFamily="34" charset="0"/>
+              <a:cs typeface="Tahoma" panose="020B0604030504040204" pitchFamily="34" charset="0"/>
+            </a:endParaRPr>
+          </a:p>
+        </p:txBody>
+      </p:sp>
+      <p:cxnSp>
+        <p:nvCxnSpPr>
+          <p:cNvPr id="6" name="Straight Arrow Connector 5">
+            <a:extLst>
+              <a:ext uri="{FF2B5EF4-FFF2-40B4-BE49-F238E27FC236}">
+                <a16:creationId xmlns:a16="http://schemas.microsoft.com/office/drawing/2014/main" id="{8677111F-6B8B-4354-9342-403D87A51109}"/>
+              </a:ext>
+            </a:extLst>
+          </p:cNvPr>
+          <p:cNvCxnSpPr>
+            <a:cxnSpLocks/>
+            <a:stCxn id="5" idx="3"/>
+            <a:endCxn id="4" idx="1"/>
+          </p:cNvCxnSpPr>
+          <p:nvPr/>
+        </p:nvCxnSpPr>
+        <p:spPr>
+          <a:xfrm>
+            <a:off x="3324557" y="1473226"/>
+            <a:ext cx="956759" cy="0"/>
+          </a:xfrm>
+          <a:prstGeom prst="straightConnector1">
+            <a:avLst/>
+          </a:prstGeom>
+          <a:ln w="28575">
+            <a:solidFill>
+              <a:srgbClr val="002060"/>
+            </a:solidFill>
+            <a:tailEnd type="triangle"/>
+          </a:ln>
+        </p:spPr>
+        <p:style>
+          <a:lnRef idx="1">
+            <a:schemeClr val="accent1"/>
+          </a:lnRef>
+          <a:fillRef idx="0">
+            <a:schemeClr val="accent1"/>
+          </a:fillRef>
+          <a:effectRef idx="0">
+            <a:schemeClr val="accent1"/>
+          </a:effectRef>
+          <a:fontRef idx="minor">
+            <a:schemeClr val="tx1"/>
+          </a:fontRef>
+        </p:style>
+      </p:cxnSp>
+      <p:cxnSp>
+        <p:nvCxnSpPr>
+          <p:cNvPr id="11" name="Straight Arrow Connector 10">
+            <a:extLst>
+              <a:ext uri="{FF2B5EF4-FFF2-40B4-BE49-F238E27FC236}">
+                <a16:creationId xmlns:a16="http://schemas.microsoft.com/office/drawing/2014/main" id="{963A716E-89BA-496E-8E79-A70AB51EC0CF}"/>
+              </a:ext>
+            </a:extLst>
+          </p:cNvPr>
+          <p:cNvCxnSpPr>
+            <a:cxnSpLocks/>
+            <a:stCxn id="4" idx="3"/>
+            <a:endCxn id="17" idx="1"/>
+          </p:cNvCxnSpPr>
+          <p:nvPr/>
+        </p:nvCxnSpPr>
+        <p:spPr>
+          <a:xfrm flipV="1">
+            <a:off x="6592152" y="1473225"/>
+            <a:ext cx="692808" cy="1"/>
+          </a:xfrm>
+          <a:prstGeom prst="straightConnector1">
+            <a:avLst/>
+          </a:prstGeom>
+          <a:ln w="28575">
+            <a:solidFill>
+              <a:srgbClr val="002060"/>
+            </a:solidFill>
+            <a:tailEnd type="triangle"/>
+          </a:ln>
+        </p:spPr>
+        <p:style>
+          <a:lnRef idx="1">
+            <a:schemeClr val="accent1"/>
+          </a:lnRef>
+          <a:fillRef idx="0">
+            <a:schemeClr val="accent1"/>
+          </a:fillRef>
+          <a:effectRef idx="0">
+            <a:schemeClr val="accent1"/>
+          </a:effectRef>
+          <a:fontRef idx="minor">
+            <a:schemeClr val="tx1"/>
+          </a:fontRef>
+        </p:style>
+      </p:cxnSp>
+      <p:sp>
+        <p:nvSpPr>
+          <p:cNvPr id="17" name="Rectangle 16">
+            <a:extLst>
+              <a:ext uri="{FF2B5EF4-FFF2-40B4-BE49-F238E27FC236}">
+                <a16:creationId xmlns:a16="http://schemas.microsoft.com/office/drawing/2014/main" id="{1A4A8C4E-D59C-49F0-9085-E653A424A69C}"/>
+              </a:ext>
+            </a:extLst>
+          </p:cNvPr>
+          <p:cNvSpPr/>
+          <p:nvPr/>
+        </p:nvSpPr>
+        <p:spPr>
+          <a:xfrm>
+            <a:off x="7284960" y="1113225"/>
+            <a:ext cx="1728000" cy="720000"/>
+          </a:xfrm>
+          <a:prstGeom prst="rect">
+            <a:avLst/>
+          </a:prstGeom>
+          <a:noFill/>
+          <a:ln>
+            <a:solidFill>
+              <a:schemeClr val="tx1"/>
+            </a:solidFill>
+          </a:ln>
+        </p:spPr>
+        <p:style>
+          <a:lnRef idx="2">
+            <a:schemeClr val="accent1">
+              <a:shade val="50000"/>
+            </a:schemeClr>
+          </a:lnRef>
+          <a:fillRef idx="1">
+            <a:schemeClr val="accent1"/>
+          </a:fillRef>
+          <a:effectRef idx="0">
+            <a:schemeClr val="accent1"/>
+          </a:effectRef>
+          <a:fontRef idx="minor">
+            <a:schemeClr val="lt1"/>
+          </a:fontRef>
+        </p:style>
+        <p:txBody>
+          <a:bodyPr rtlCol="0" anchor="ctr"/>
+          <a:lstStyle/>
+          <a:p>
+            <a:r>
+              <a:rPr lang="en-US" sz="1100" b="1" dirty="0">
+                <a:solidFill>
+                  <a:srgbClr val="212121"/>
+                </a:solidFill>
+                <a:latin typeface="Tahoma" panose="020B0604030504040204" pitchFamily="34" charset="0"/>
+                <a:ea typeface="Tahoma" panose="020B0604030504040204" pitchFamily="34" charset="0"/>
+                <a:cs typeface="Tahoma" panose="020B0604030504040204" pitchFamily="34" charset="0"/>
+              </a:rPr>
+              <a:t>Historical data</a:t>
+            </a:r>
+            <a:endParaRPr lang="en-US" sz="1100" b="1" i="0" dirty="0">
+              <a:solidFill>
+                <a:srgbClr val="212121"/>
+              </a:solidFill>
+              <a:effectLst/>
+              <a:latin typeface="Tahoma" panose="020B0604030504040204" pitchFamily="34" charset="0"/>
+              <a:ea typeface="Tahoma" panose="020B0604030504040204" pitchFamily="34" charset="0"/>
+              <a:cs typeface="Tahoma" panose="020B0604030504040204" pitchFamily="34" charset="0"/>
+            </a:endParaRPr>
+          </a:p>
+          <a:p>
+            <a:pPr marL="171450" indent="-171450">
+              <a:buFont typeface="Arial" panose="020B0604020202020204" pitchFamily="34" charset="0"/>
+              <a:buChar char="•"/>
+            </a:pPr>
+            <a:r>
+              <a:rPr lang="en-US" sz="1100" i="0" dirty="0">
+                <a:solidFill>
+                  <a:srgbClr val="212121"/>
+                </a:solidFill>
+                <a:effectLst/>
+                <a:latin typeface="Tahoma" panose="020B0604030504040204" pitchFamily="34" charset="0"/>
+                <a:ea typeface="Tahoma" panose="020B0604030504040204" pitchFamily="34" charset="0"/>
+                <a:cs typeface="Tahoma" panose="020B0604030504040204" pitchFamily="34" charset="0"/>
+              </a:rPr>
+              <a:t>Temp, </a:t>
+            </a:r>
+            <a:r>
+              <a:rPr lang="en-US" sz="1100" dirty="0">
+                <a:solidFill>
+                  <a:srgbClr val="212121"/>
+                </a:solidFill>
+                <a:latin typeface="Tahoma" panose="020B0604030504040204" pitchFamily="34" charset="0"/>
+                <a:ea typeface="Tahoma" panose="020B0604030504040204" pitchFamily="34" charset="0"/>
+                <a:cs typeface="Tahoma" panose="020B0604030504040204" pitchFamily="34" charset="0"/>
+              </a:rPr>
+              <a:t>Rh</a:t>
+            </a:r>
+          </a:p>
+          <a:p>
+            <a:pPr marL="171450" indent="-171450">
+              <a:buFont typeface="Arial" panose="020B0604020202020204" pitchFamily="34" charset="0"/>
+              <a:buChar char="•"/>
+            </a:pPr>
+            <a:r>
+              <a:rPr lang="en-US" sz="1100" i="0" dirty="0">
+                <a:solidFill>
+                  <a:srgbClr val="212121"/>
+                </a:solidFill>
+                <a:effectLst/>
+                <a:latin typeface="Tahoma" panose="020B0604030504040204" pitchFamily="34" charset="0"/>
+                <a:ea typeface="Tahoma" panose="020B0604030504040204" pitchFamily="34" charset="0"/>
+                <a:cs typeface="Tahoma" panose="020B0604030504040204" pitchFamily="34" charset="0"/>
+              </a:rPr>
+              <a:t>Hourly</a:t>
+            </a:r>
+          </a:p>
+        </p:txBody>
+      </p:sp>
+      <p:sp>
+        <p:nvSpPr>
+          <p:cNvPr id="21" name="Rectangle 20">
+            <a:extLst>
+              <a:ext uri="{FF2B5EF4-FFF2-40B4-BE49-F238E27FC236}">
+                <a16:creationId xmlns:a16="http://schemas.microsoft.com/office/drawing/2014/main" id="{72AF08E1-AC2D-487D-A48F-1EDCB3FE9A86}"/>
+              </a:ext>
+            </a:extLst>
+          </p:cNvPr>
+          <p:cNvSpPr/>
+          <p:nvPr/>
+        </p:nvSpPr>
+        <p:spPr>
+          <a:xfrm>
+            <a:off x="7284960" y="2326203"/>
+            <a:ext cx="1728000" cy="720000"/>
+          </a:xfrm>
+          <a:prstGeom prst="rect">
+            <a:avLst/>
+          </a:prstGeom>
+          <a:noFill/>
+          <a:ln>
+            <a:solidFill>
+              <a:schemeClr val="tx1"/>
+            </a:solidFill>
+          </a:ln>
+        </p:spPr>
+        <p:style>
+          <a:lnRef idx="2">
+            <a:schemeClr val="accent1">
+              <a:shade val="50000"/>
+            </a:schemeClr>
+          </a:lnRef>
+          <a:fillRef idx="1">
+            <a:schemeClr val="accent1"/>
+          </a:fillRef>
+          <a:effectRef idx="0">
+            <a:schemeClr val="accent1"/>
+          </a:effectRef>
+          <a:fontRef idx="minor">
+            <a:schemeClr val="lt1"/>
+          </a:fontRef>
+        </p:style>
+        <p:txBody>
+          <a:bodyPr rtlCol="0" anchor="ctr"/>
+          <a:lstStyle/>
+          <a:p>
+            <a:r>
+              <a:rPr lang="en-US" sz="1100" b="1" dirty="0">
+                <a:solidFill>
+                  <a:srgbClr val="212121"/>
+                </a:solidFill>
+                <a:latin typeface="Tahoma" panose="020B0604030504040204" pitchFamily="34" charset="0"/>
+                <a:ea typeface="Tahoma" panose="020B0604030504040204" pitchFamily="34" charset="0"/>
+                <a:cs typeface="Tahoma" panose="020B0604030504040204" pitchFamily="34" charset="0"/>
+              </a:rPr>
+              <a:t>Current data</a:t>
+            </a:r>
+            <a:endParaRPr lang="en-US" sz="1100" b="1" i="0" dirty="0">
+              <a:solidFill>
+                <a:srgbClr val="212121"/>
+              </a:solidFill>
+              <a:effectLst/>
+              <a:latin typeface="Tahoma" panose="020B0604030504040204" pitchFamily="34" charset="0"/>
+              <a:ea typeface="Tahoma" panose="020B0604030504040204" pitchFamily="34" charset="0"/>
+              <a:cs typeface="Tahoma" panose="020B0604030504040204" pitchFamily="34" charset="0"/>
+            </a:endParaRPr>
+          </a:p>
+          <a:p>
+            <a:pPr marL="171450" indent="-171450">
+              <a:buFont typeface="Arial" panose="020B0604020202020204" pitchFamily="34" charset="0"/>
+              <a:buChar char="•"/>
+            </a:pPr>
+            <a:r>
+              <a:rPr lang="en-US" sz="1100" i="0" dirty="0">
+                <a:solidFill>
+                  <a:srgbClr val="212121"/>
+                </a:solidFill>
+                <a:effectLst/>
+                <a:latin typeface="Tahoma" panose="020B0604030504040204" pitchFamily="34" charset="0"/>
+                <a:ea typeface="Tahoma" panose="020B0604030504040204" pitchFamily="34" charset="0"/>
+                <a:cs typeface="Tahoma" panose="020B0604030504040204" pitchFamily="34" charset="0"/>
+              </a:rPr>
+              <a:t>Temp, </a:t>
+            </a:r>
+            <a:r>
+              <a:rPr lang="en-US" sz="1100" dirty="0">
+                <a:solidFill>
+                  <a:srgbClr val="212121"/>
+                </a:solidFill>
+                <a:latin typeface="Tahoma" panose="020B0604030504040204" pitchFamily="34" charset="0"/>
+                <a:ea typeface="Tahoma" panose="020B0604030504040204" pitchFamily="34" charset="0"/>
+                <a:cs typeface="Tahoma" panose="020B0604030504040204" pitchFamily="34" charset="0"/>
+              </a:rPr>
+              <a:t>Rh</a:t>
+            </a:r>
+          </a:p>
+          <a:p>
+            <a:pPr marL="171450" indent="-171450">
+              <a:buFont typeface="Arial" panose="020B0604020202020204" pitchFamily="34" charset="0"/>
+              <a:buChar char="•"/>
+            </a:pPr>
+            <a:r>
+              <a:rPr lang="en-US" sz="1100" i="0" dirty="0">
+                <a:solidFill>
+                  <a:srgbClr val="212121"/>
+                </a:solidFill>
+                <a:effectLst/>
+                <a:latin typeface="Tahoma" panose="020B0604030504040204" pitchFamily="34" charset="0"/>
+                <a:ea typeface="Tahoma" panose="020B0604030504040204" pitchFamily="34" charset="0"/>
+                <a:cs typeface="Tahoma" panose="020B0604030504040204" pitchFamily="34" charset="0"/>
+              </a:rPr>
+              <a:t>Hourly</a:t>
+            </a:r>
+          </a:p>
+        </p:txBody>
+      </p:sp>
+      <p:pic>
+        <p:nvPicPr>
+          <p:cNvPr id="23" name="Picture 22">
+            <a:extLst>
+              <a:ext uri="{FF2B5EF4-FFF2-40B4-BE49-F238E27FC236}">
+                <a16:creationId xmlns:a16="http://schemas.microsoft.com/office/drawing/2014/main" id="{0951AC21-1339-46CD-AB4B-7BCD84C68451}"/>
+              </a:ext>
+            </a:extLst>
+          </p:cNvPr>
+          <p:cNvPicPr>
+            <a:picLocks noChangeAspect="1"/>
+          </p:cNvPicPr>
+          <p:nvPr/>
+        </p:nvPicPr>
+        <p:blipFill>
+          <a:blip r:embed="rId4"/>
+          <a:stretch>
+            <a:fillRect/>
+          </a:stretch>
+        </p:blipFill>
+        <p:spPr>
+          <a:xfrm>
+            <a:off x="864410" y="3873968"/>
+            <a:ext cx="4476873" cy="1510806"/>
+          </a:xfrm>
+          <a:prstGeom prst="rect">
+            <a:avLst/>
+          </a:prstGeom>
+        </p:spPr>
+      </p:pic>
+      <p:cxnSp>
+        <p:nvCxnSpPr>
+          <p:cNvPr id="24" name="Straight Arrow Connector 23">
+            <a:extLst>
+              <a:ext uri="{FF2B5EF4-FFF2-40B4-BE49-F238E27FC236}">
+                <a16:creationId xmlns:a16="http://schemas.microsoft.com/office/drawing/2014/main" id="{091C3F7D-6E92-40D6-B768-4235A667F15E}"/>
+              </a:ext>
+            </a:extLst>
+          </p:cNvPr>
+          <p:cNvCxnSpPr>
+            <a:cxnSpLocks/>
+            <a:stCxn id="4" idx="3"/>
+            <a:endCxn id="21" idx="1"/>
+          </p:cNvCxnSpPr>
+          <p:nvPr/>
+        </p:nvCxnSpPr>
+        <p:spPr>
+          <a:xfrm>
+            <a:off x="6592152" y="1473226"/>
+            <a:ext cx="692808" cy="1212977"/>
+          </a:xfrm>
+          <a:prstGeom prst="straightConnector1">
+            <a:avLst/>
+          </a:prstGeom>
+          <a:ln w="28575">
+            <a:solidFill>
+              <a:srgbClr val="002060"/>
+            </a:solidFill>
+            <a:tailEnd type="triangle"/>
+          </a:ln>
+        </p:spPr>
+        <p:style>
+          <a:lnRef idx="1">
+            <a:schemeClr val="accent1"/>
+          </a:lnRef>
+          <a:fillRef idx="0">
+            <a:schemeClr val="accent1"/>
+          </a:fillRef>
+          <a:effectRef idx="0">
+            <a:schemeClr val="accent1"/>
+          </a:effectRef>
+          <a:fontRef idx="minor">
+            <a:schemeClr val="tx1"/>
+          </a:fontRef>
+        </p:style>
+      </p:cxnSp>
+      <p:pic>
+        <p:nvPicPr>
+          <p:cNvPr id="28" name="Picture 27">
+            <a:extLst>
+              <a:ext uri="{FF2B5EF4-FFF2-40B4-BE49-F238E27FC236}">
+                <a16:creationId xmlns:a16="http://schemas.microsoft.com/office/drawing/2014/main" id="{ABCE3A9F-0D96-4BEB-8F1A-EF277B090733}"/>
+              </a:ext>
+            </a:extLst>
+          </p:cNvPr>
+          <p:cNvPicPr>
+            <a:picLocks noChangeAspect="1"/>
+          </p:cNvPicPr>
+          <p:nvPr/>
+        </p:nvPicPr>
+        <p:blipFill>
+          <a:blip r:embed="rId5"/>
+          <a:stretch>
+            <a:fillRect/>
+          </a:stretch>
+        </p:blipFill>
+        <p:spPr>
+          <a:xfrm>
+            <a:off x="6004066" y="4298803"/>
+            <a:ext cx="5022876" cy="849215"/>
+          </a:xfrm>
+          <a:prstGeom prst="rect">
+            <a:avLst/>
+          </a:prstGeom>
+        </p:spPr>
+      </p:pic>
+    </p:spTree>
+    <p:extLst>
+      <p:ext uri="{BB962C8B-B14F-4D97-AF65-F5344CB8AC3E}">
+        <p14:creationId xmlns:p14="http://schemas.microsoft.com/office/powerpoint/2010/main" val="1649597493"/>
+      </p:ext>
+    </p:extLst>
+  </p:cSld>
+  <p:clrMapOvr>
+    <a:masterClrMapping/>
+  </p:clrMapOvr>
+</p:sld>
+</file>
+
+<file path=ppt/slides/slide11.xml><?xml version="1.0" encoding="utf-8"?>
+<p:sld xmlns:a="http://schemas.openxmlformats.org/drawingml/2006/main" xmlns:r="http://schemas.openxmlformats.org/officeDocument/2006/relationships" xmlns:p="http://schemas.openxmlformats.org/presentationml/2006/main">
+  <p:cSld>
+    <p:spTree>
+      <p:nvGrpSpPr>
+        <p:cNvPr id="1" name=""/>
+        <p:cNvGrpSpPr/>
+        <p:nvPr/>
+      </p:nvGrpSpPr>
+      <p:grpSpPr>
+        <a:xfrm>
+          <a:off x="0" y="0"/>
+          <a:ext cx="0" cy="0"/>
+          <a:chOff x="0" y="0"/>
+          <a:chExt cx="0" cy="0"/>
+        </a:xfrm>
+      </p:grpSpPr>
+      <p:pic>
+        <p:nvPicPr>
           <p:cNvPr id="4" name="Picture 10" descr="Riskmap Dashboard.">
             <a:extLst>
               <a:ext uri="{FF2B5EF4-FFF2-40B4-BE49-F238E27FC236}">
@@ -5994,7 +6745,7 @@
 </p:sld>
 </file>
 
-<file path=ppt/slides/slide11.xml><?xml version="1.0" encoding="utf-8"?>
+<file path=ppt/slides/slide12.xml><?xml version="1.0" encoding="utf-8"?>
 <p:sld xmlns:a="http://schemas.openxmlformats.org/drawingml/2006/main" xmlns:r="http://schemas.openxmlformats.org/officeDocument/2006/relationships" xmlns:p="http://schemas.openxmlformats.org/presentationml/2006/main">
   <p:cSld>
     <p:spTree>
@@ -6059,111 +6810,6 @@
     <p:extLst>
       <p:ext uri="{BB962C8B-B14F-4D97-AF65-F5344CB8AC3E}">
         <p14:creationId xmlns:p14="http://schemas.microsoft.com/office/powerpoint/2010/main" val="51354998"/>
-      </p:ext>
-    </p:extLst>
-  </p:cSld>
-  <p:clrMapOvr>
-    <a:masterClrMapping/>
-  </p:clrMapOvr>
-</p:sld>
-</file>
-
-<file path=ppt/slides/slide12.xml><?xml version="1.0" encoding="utf-8"?>
-<p:sld xmlns:a="http://schemas.openxmlformats.org/drawingml/2006/main" xmlns:r="http://schemas.openxmlformats.org/officeDocument/2006/relationships" xmlns:p="http://schemas.openxmlformats.org/presentationml/2006/main" show="0">
-  <p:cSld>
-    <p:spTree>
-      <p:nvGrpSpPr>
-        <p:cNvPr id="1" name=""/>
-        <p:cNvGrpSpPr/>
-        <p:nvPr/>
-      </p:nvGrpSpPr>
-      <p:grpSpPr>
-        <a:xfrm>
-          <a:off x="0" y="0"/>
-          <a:ext cx="0" cy="0"/>
-          <a:chOff x="0" y="0"/>
-          <a:chExt cx="0" cy="0"/>
-        </a:xfrm>
-      </p:grpSpPr>
-      <p:sp>
-        <p:nvSpPr>
-          <p:cNvPr id="2" name="Title 1">
-            <a:extLst>
-              <a:ext uri="{FF2B5EF4-FFF2-40B4-BE49-F238E27FC236}">
-                <a16:creationId xmlns:a16="http://schemas.microsoft.com/office/drawing/2014/main" id="{1B119434-CA14-4734-9D36-AC58A1E24124}"/>
-              </a:ext>
-            </a:extLst>
-          </p:cNvPr>
-          <p:cNvSpPr>
-            <a:spLocks noGrp="1"/>
-          </p:cNvSpPr>
-          <p:nvPr>
-            <p:ph type="title"/>
-          </p:nvPr>
-        </p:nvSpPr>
-        <p:spPr/>
-        <p:txBody>
-          <a:bodyPr>
-            <a:normAutofit/>
-          </a:bodyPr>
-          <a:lstStyle/>
-          <a:p>
-            <a:pPr algn="ctr"/>
-            <a:r>
-              <a:rPr lang="en-US" sz="3600" dirty="0">
-                <a:latin typeface="Tahoma" panose="020B0604030504040204" pitchFamily="34" charset="0"/>
-                <a:ea typeface="Tahoma" panose="020B0604030504040204" pitchFamily="34" charset="0"/>
-                <a:cs typeface="Tahoma" panose="020B0604030504040204" pitchFamily="34" charset="0"/>
-              </a:rPr>
-              <a:t>Dataset</a:t>
-            </a:r>
-            <a:endParaRPr lang="th-TH" sz="3600" dirty="0">
-              <a:latin typeface="Tahoma" panose="020B0604030504040204" pitchFamily="34" charset="0"/>
-              <a:ea typeface="Tahoma" panose="020B0604030504040204" pitchFamily="34" charset="0"/>
-              <a:cs typeface="Tahoma" panose="020B0604030504040204" pitchFamily="34" charset="0"/>
-            </a:endParaRPr>
-          </a:p>
-        </p:txBody>
-      </p:sp>
-      <p:sp>
-        <p:nvSpPr>
-          <p:cNvPr id="3" name="Content Placeholder 2">
-            <a:extLst>
-              <a:ext uri="{FF2B5EF4-FFF2-40B4-BE49-F238E27FC236}">
-                <a16:creationId xmlns:a16="http://schemas.microsoft.com/office/drawing/2014/main" id="{6E40CEAE-6239-4D61-A140-FA119FF988D7}"/>
-              </a:ext>
-            </a:extLst>
-          </p:cNvPr>
-          <p:cNvSpPr>
-            <a:spLocks noGrp="1"/>
-          </p:cNvSpPr>
-          <p:nvPr>
-            <p:ph idx="1"/>
-          </p:nvPr>
-        </p:nvSpPr>
-        <p:spPr/>
-        <p:txBody>
-          <a:bodyPr/>
-          <a:lstStyle/>
-          <a:p>
-            <a:r>
-              <a:rPr lang="en-US" sz="1800" dirty="0">
-                <a:latin typeface="Tahoma" panose="020B0604030504040204" pitchFamily="34" charset="0"/>
-                <a:ea typeface="Tahoma" panose="020B0604030504040204" pitchFamily="34" charset="0"/>
-                <a:cs typeface="Tahoma" panose="020B0604030504040204" pitchFamily="34" charset="0"/>
-              </a:rPr>
-              <a:t>01/01/2565-15/01/2565</a:t>
-            </a:r>
-          </a:p>
-          <a:p>
-            <a:endParaRPr lang="th-TH" dirty="0"/>
-          </a:p>
-        </p:txBody>
-      </p:sp>
-    </p:spTree>
-    <p:extLst>
-      <p:ext uri="{BB962C8B-B14F-4D97-AF65-F5344CB8AC3E}">
-        <p14:creationId xmlns:p14="http://schemas.microsoft.com/office/powerpoint/2010/main" val="2175485464"/>
       </p:ext>
     </p:extLst>
   </p:cSld>
@@ -6195,6 +6841,111 @@
           <p:cNvPr id="2" name="Title 1">
             <a:extLst>
               <a:ext uri="{FF2B5EF4-FFF2-40B4-BE49-F238E27FC236}">
+                <a16:creationId xmlns:a16="http://schemas.microsoft.com/office/drawing/2014/main" id="{1B119434-CA14-4734-9D36-AC58A1E24124}"/>
+              </a:ext>
+            </a:extLst>
+          </p:cNvPr>
+          <p:cNvSpPr>
+            <a:spLocks noGrp="1"/>
+          </p:cNvSpPr>
+          <p:nvPr>
+            <p:ph type="title"/>
+          </p:nvPr>
+        </p:nvSpPr>
+        <p:spPr/>
+        <p:txBody>
+          <a:bodyPr>
+            <a:normAutofit/>
+          </a:bodyPr>
+          <a:lstStyle/>
+          <a:p>
+            <a:pPr algn="ctr"/>
+            <a:r>
+              <a:rPr lang="en-US" sz="3600" dirty="0">
+                <a:latin typeface="Tahoma" panose="020B0604030504040204" pitchFamily="34" charset="0"/>
+                <a:ea typeface="Tahoma" panose="020B0604030504040204" pitchFamily="34" charset="0"/>
+                <a:cs typeface="Tahoma" panose="020B0604030504040204" pitchFamily="34" charset="0"/>
+              </a:rPr>
+              <a:t>Dataset</a:t>
+            </a:r>
+            <a:endParaRPr lang="th-TH" sz="3600" dirty="0">
+              <a:latin typeface="Tahoma" panose="020B0604030504040204" pitchFamily="34" charset="0"/>
+              <a:ea typeface="Tahoma" panose="020B0604030504040204" pitchFamily="34" charset="0"/>
+              <a:cs typeface="Tahoma" panose="020B0604030504040204" pitchFamily="34" charset="0"/>
+            </a:endParaRPr>
+          </a:p>
+        </p:txBody>
+      </p:sp>
+      <p:sp>
+        <p:nvSpPr>
+          <p:cNvPr id="3" name="Content Placeholder 2">
+            <a:extLst>
+              <a:ext uri="{FF2B5EF4-FFF2-40B4-BE49-F238E27FC236}">
+                <a16:creationId xmlns:a16="http://schemas.microsoft.com/office/drawing/2014/main" id="{6E40CEAE-6239-4D61-A140-FA119FF988D7}"/>
+              </a:ext>
+            </a:extLst>
+          </p:cNvPr>
+          <p:cNvSpPr>
+            <a:spLocks noGrp="1"/>
+          </p:cNvSpPr>
+          <p:nvPr>
+            <p:ph idx="1"/>
+          </p:nvPr>
+        </p:nvSpPr>
+        <p:spPr/>
+        <p:txBody>
+          <a:bodyPr/>
+          <a:lstStyle/>
+          <a:p>
+            <a:r>
+              <a:rPr lang="en-US" sz="1800" dirty="0">
+                <a:latin typeface="Tahoma" panose="020B0604030504040204" pitchFamily="34" charset="0"/>
+                <a:ea typeface="Tahoma" panose="020B0604030504040204" pitchFamily="34" charset="0"/>
+                <a:cs typeface="Tahoma" panose="020B0604030504040204" pitchFamily="34" charset="0"/>
+              </a:rPr>
+              <a:t>01/01/2565-15/01/2565</a:t>
+            </a:r>
+          </a:p>
+          <a:p>
+            <a:endParaRPr lang="th-TH" dirty="0"/>
+          </a:p>
+        </p:txBody>
+      </p:sp>
+    </p:spTree>
+    <p:extLst>
+      <p:ext uri="{BB962C8B-B14F-4D97-AF65-F5344CB8AC3E}">
+        <p14:creationId xmlns:p14="http://schemas.microsoft.com/office/powerpoint/2010/main" val="2175485464"/>
+      </p:ext>
+    </p:extLst>
+  </p:cSld>
+  <p:clrMapOvr>
+    <a:masterClrMapping/>
+  </p:clrMapOvr>
+</p:sld>
+</file>
+
+<file path=ppt/slides/slide14.xml><?xml version="1.0" encoding="utf-8"?>
+<p:sld xmlns:a="http://schemas.openxmlformats.org/drawingml/2006/main" xmlns:r="http://schemas.openxmlformats.org/officeDocument/2006/relationships" xmlns:p="http://schemas.openxmlformats.org/presentationml/2006/main" show="0">
+  <p:cSld>
+    <p:spTree>
+      <p:nvGrpSpPr>
+        <p:cNvPr id="1" name=""/>
+        <p:cNvGrpSpPr/>
+        <p:nvPr/>
+      </p:nvGrpSpPr>
+      <p:grpSpPr>
+        <a:xfrm>
+          <a:off x="0" y="0"/>
+          <a:ext cx="0" cy="0"/>
+          <a:chOff x="0" y="0"/>
+          <a:chExt cx="0" cy="0"/>
+        </a:xfrm>
+      </p:grpSpPr>
+      <p:sp>
+        <p:nvSpPr>
+          <p:cNvPr id="2" name="Title 1">
+            <a:extLst>
+              <a:ext uri="{FF2B5EF4-FFF2-40B4-BE49-F238E27FC236}">
                 <a16:creationId xmlns:a16="http://schemas.microsoft.com/office/drawing/2014/main" id="{DAB5771F-D4B3-4FC0-84CD-73F854A891BB}"/>
               </a:ext>
             </a:extLst>
@@ -6220,7 +6971,7 @@
           <a:p>
             <a:pPr algn="ctr"/>
             <a:r>
-              <a:rPr lang="en-US" sz="3200" dirty="0" err="1">
+              <a:rPr lang="en-US" sz="3200" dirty="0">
                 <a:latin typeface="Tahoma" panose="020B0604030504040204" pitchFamily="34" charset="0"/>
                 <a:ea typeface="Tahoma" panose="020B0604030504040204" pitchFamily="34" charset="0"/>
                 <a:cs typeface="Tahoma" panose="020B0604030504040204" pitchFamily="34" charset="0"/>
@@ -8767,7 +9518,7 @@
 </p:sld>
 </file>
 
-<file path=ppt/slides/slide14.xml><?xml version="1.0" encoding="utf-8"?>
+<file path=ppt/slides/slide15.xml><?xml version="1.0" encoding="utf-8"?>
 <p:sld xmlns:a="http://schemas.openxmlformats.org/drawingml/2006/main" xmlns:r="http://schemas.openxmlformats.org/officeDocument/2006/relationships" xmlns:p="http://schemas.openxmlformats.org/presentationml/2006/main" show="0">
   <p:cSld>
     <p:spTree>
@@ -10511,7 +11262,7 @@
 </p:sld>
 </file>
 
-<file path=ppt/slides/slide15.xml><?xml version="1.0" encoding="utf-8"?>
+<file path=ppt/slides/slide16.xml><?xml version="1.0" encoding="utf-8"?>
 <p:sld xmlns:a="http://schemas.openxmlformats.org/drawingml/2006/main" xmlns:r="http://schemas.openxmlformats.org/officeDocument/2006/relationships" xmlns:p="http://schemas.openxmlformats.org/presentationml/2006/main" show="0">
   <p:cSld>
     <p:spTree>
@@ -14763,6 +15514,2723 @@
 <file path=ppt/slides/slide2.xml><?xml version="1.0" encoding="utf-8"?>
 <p:sld xmlns:a="http://schemas.openxmlformats.org/drawingml/2006/main" xmlns:r="http://schemas.openxmlformats.org/officeDocument/2006/relationships" xmlns:p="http://schemas.openxmlformats.org/presentationml/2006/main">
   <p:cSld>
+    <p:bg>
+      <p:bgPr>
+        <a:solidFill>
+          <a:schemeClr val="tx1"/>
+        </a:solidFill>
+        <a:effectLst/>
+      </p:bgPr>
+    </p:bg>
+    <p:spTree>
+      <p:nvGrpSpPr>
+        <p:cNvPr id="1" name=""/>
+        <p:cNvGrpSpPr/>
+        <p:nvPr/>
+      </p:nvGrpSpPr>
+      <p:grpSpPr>
+        <a:xfrm>
+          <a:off x="0" y="0"/>
+          <a:ext cx="0" cy="0"/>
+          <a:chOff x="0" y="0"/>
+          <a:chExt cx="0" cy="0"/>
+        </a:xfrm>
+      </p:grpSpPr>
+      <p:sp>
+        <p:nvSpPr>
+          <p:cNvPr id="9" name="TextBox 8">
+            <a:extLst>
+              <a:ext uri="{FF2B5EF4-FFF2-40B4-BE49-F238E27FC236}">
+                <a16:creationId xmlns:a16="http://schemas.microsoft.com/office/drawing/2014/main" id="{55511D75-7AB8-49A1-9581-BADF2F554C51}"/>
+              </a:ext>
+            </a:extLst>
+          </p:cNvPr>
+          <p:cNvSpPr txBox="1"/>
+          <p:nvPr/>
+        </p:nvSpPr>
+        <p:spPr>
+          <a:xfrm>
+            <a:off x="10942940" y="0"/>
+            <a:ext cx="1249060" cy="400110"/>
+          </a:xfrm>
+          <a:prstGeom prst="rect">
+            <a:avLst/>
+          </a:prstGeom>
+          <a:noFill/>
+        </p:spPr>
+        <p:txBody>
+          <a:bodyPr wrap="none" rtlCol="0">
+            <a:spAutoFit/>
+          </a:bodyPr>
+          <a:lstStyle/>
+          <a:p>
+            <a:r>
+              <a:rPr lang="en-US" sz="2000" b="1" dirty="0">
+                <a:latin typeface="Tahoma" panose="020B0604030504040204" pitchFamily="34" charset="0"/>
+                <a:ea typeface="Tahoma" panose="020B0604030504040204" pitchFamily="34" charset="0"/>
+                <a:cs typeface="Tahoma" panose="020B0604030504040204" pitchFamily="34" charset="0"/>
+              </a:rPr>
+              <a:t>Training</a:t>
+            </a:r>
+            <a:endParaRPr lang="th-TH" sz="2000" b="1" dirty="0">
+              <a:latin typeface="Tahoma" panose="020B0604030504040204" pitchFamily="34" charset="0"/>
+              <a:ea typeface="Tahoma" panose="020B0604030504040204" pitchFamily="34" charset="0"/>
+              <a:cs typeface="Tahoma" panose="020B0604030504040204" pitchFamily="34" charset="0"/>
+            </a:endParaRPr>
+          </a:p>
+        </p:txBody>
+      </p:sp>
+      <p:pic>
+        <p:nvPicPr>
+          <p:cNvPr id="47" name="Picture 4" descr="AI - Free technology icons">
+            <a:extLst>
+              <a:ext uri="{FF2B5EF4-FFF2-40B4-BE49-F238E27FC236}">
+                <a16:creationId xmlns:a16="http://schemas.microsoft.com/office/drawing/2014/main" id="{063557A4-DA6B-4A97-94A6-569318F7ECCC}"/>
+              </a:ext>
+            </a:extLst>
+          </p:cNvPr>
+          <p:cNvPicPr>
+            <a:picLocks noChangeAspect="1" noChangeArrowheads="1"/>
+          </p:cNvPicPr>
+          <p:nvPr/>
+        </p:nvPicPr>
+        <p:blipFill>
+          <a:blip r:embed="rId3">
+            <a:extLst>
+              <a:ext uri="{28A0092B-C50C-407E-A947-70E740481C1C}">
+                <a14:useLocalDpi xmlns:a14="http://schemas.microsoft.com/office/drawing/2010/main" val="0"/>
+              </a:ext>
+            </a:extLst>
+          </a:blip>
+          <a:srcRect/>
+          <a:stretch>
+            <a:fillRect/>
+          </a:stretch>
+        </p:blipFill>
+        <p:spPr bwMode="auto">
+          <a:xfrm>
+            <a:off x="5640563" y="1956802"/>
+            <a:ext cx="671164" cy="671164"/>
+          </a:xfrm>
+          <a:prstGeom prst="rect">
+            <a:avLst/>
+          </a:prstGeom>
+          <a:noFill/>
+          <a:extLst>
+            <a:ext uri="{909E8E84-426E-40DD-AFC4-6F175D3DCCD1}">
+              <a14:hiddenFill xmlns:a14="http://schemas.microsoft.com/office/drawing/2010/main">
+                <a:solidFill>
+                  <a:srgbClr val="FFFFFF"/>
+                </a:solidFill>
+              </a14:hiddenFill>
+            </a:ext>
+          </a:extLst>
+        </p:spPr>
+      </p:pic>
+      <p:sp>
+        <p:nvSpPr>
+          <p:cNvPr id="50" name="Rectangle: Rounded Corners 49">
+            <a:extLst>
+              <a:ext uri="{FF2B5EF4-FFF2-40B4-BE49-F238E27FC236}">
+                <a16:creationId xmlns:a16="http://schemas.microsoft.com/office/drawing/2014/main" id="{9D8930F7-5AD0-4D22-9954-C21BAE374701}"/>
+              </a:ext>
+            </a:extLst>
+          </p:cNvPr>
+          <p:cNvSpPr/>
+          <p:nvPr/>
+        </p:nvSpPr>
+        <p:spPr>
+          <a:xfrm>
+            <a:off x="5347561" y="1738578"/>
+            <a:ext cx="1257168" cy="180000"/>
+          </a:xfrm>
+          <a:prstGeom prst="roundRect">
+            <a:avLst>
+              <a:gd name="adj" fmla="val 5317"/>
+            </a:avLst>
+          </a:prstGeom>
+          <a:solidFill>
+            <a:schemeClr val="tx1"/>
+          </a:solidFill>
+          <a:ln>
+            <a:noFill/>
+          </a:ln>
+        </p:spPr>
+        <p:style>
+          <a:lnRef idx="2">
+            <a:schemeClr val="accent1">
+              <a:shade val="50000"/>
+            </a:schemeClr>
+          </a:lnRef>
+          <a:fillRef idx="1">
+            <a:schemeClr val="accent1"/>
+          </a:fillRef>
+          <a:effectRef idx="0">
+            <a:schemeClr val="accent1"/>
+          </a:effectRef>
+          <a:fontRef idx="minor">
+            <a:schemeClr val="lt1"/>
+          </a:fontRef>
+        </p:style>
+        <p:txBody>
+          <a:bodyPr rtlCol="0" anchor="ctr"/>
+          <a:lstStyle/>
+          <a:p>
+            <a:pPr algn="ctr"/>
+            <a:r>
+              <a:rPr lang="en-US" sz="1100" b="1" dirty="0">
+                <a:solidFill>
+                  <a:schemeClr val="bg1"/>
+                </a:solidFill>
+                <a:latin typeface="Tahoma" panose="020B0604030504040204" pitchFamily="34" charset="0"/>
+                <a:ea typeface="Tahoma" panose="020B0604030504040204" pitchFamily="34" charset="0"/>
+                <a:cs typeface="Tahoma" panose="020B0604030504040204" pitchFamily="34" charset="0"/>
+              </a:rPr>
+              <a:t>Training model</a:t>
+            </a:r>
+            <a:endParaRPr lang="th-TH" sz="1100" b="1" dirty="0">
+              <a:solidFill>
+                <a:schemeClr val="bg1"/>
+              </a:solidFill>
+              <a:latin typeface="Tahoma" panose="020B0604030504040204" pitchFamily="34" charset="0"/>
+              <a:ea typeface="Tahoma" panose="020B0604030504040204" pitchFamily="34" charset="0"/>
+              <a:cs typeface="Tahoma" panose="020B0604030504040204" pitchFamily="34" charset="0"/>
+            </a:endParaRPr>
+          </a:p>
+        </p:txBody>
+      </p:sp>
+      <p:pic>
+        <p:nvPicPr>
+          <p:cNvPr id="59" name="Picture 4" descr="Top 10 Tips for Using PowerShell ISE | Rana Omer Hussain's RegEdit">
+            <a:extLst>
+              <a:ext uri="{FF2B5EF4-FFF2-40B4-BE49-F238E27FC236}">
+                <a16:creationId xmlns:a16="http://schemas.microsoft.com/office/drawing/2014/main" id="{ABECBDF9-799F-4A2A-8E43-2D92E112AD23}"/>
+              </a:ext>
+            </a:extLst>
+          </p:cNvPr>
+          <p:cNvPicPr>
+            <a:picLocks noChangeAspect="1" noChangeArrowheads="1"/>
+          </p:cNvPicPr>
+          <p:nvPr/>
+        </p:nvPicPr>
+        <p:blipFill>
+          <a:blip r:embed="rId4">
+            <a:extLst>
+              <a:ext uri="{28A0092B-C50C-407E-A947-70E740481C1C}">
+                <a14:useLocalDpi xmlns:a14="http://schemas.microsoft.com/office/drawing/2010/main" val="0"/>
+              </a:ext>
+            </a:extLst>
+          </a:blip>
+          <a:srcRect/>
+          <a:stretch>
+            <a:fillRect/>
+          </a:stretch>
+        </p:blipFill>
+        <p:spPr bwMode="auto">
+          <a:xfrm>
+            <a:off x="1633317" y="2282132"/>
+            <a:ext cx="289849" cy="289849"/>
+          </a:xfrm>
+          <a:prstGeom prst="rect">
+            <a:avLst/>
+          </a:prstGeom>
+          <a:noFill/>
+          <a:extLst>
+            <a:ext uri="{909E8E84-426E-40DD-AFC4-6F175D3DCCD1}">
+              <a14:hiddenFill xmlns:a14="http://schemas.microsoft.com/office/drawing/2010/main">
+                <a:solidFill>
+                  <a:srgbClr val="FFFFFF"/>
+                </a:solidFill>
+              </a14:hiddenFill>
+            </a:ext>
+          </a:extLst>
+        </p:spPr>
+      </p:pic>
+      <p:sp>
+        <p:nvSpPr>
+          <p:cNvPr id="6" name="Rectangle: Rounded Corners 5">
+            <a:extLst>
+              <a:ext uri="{FF2B5EF4-FFF2-40B4-BE49-F238E27FC236}">
+                <a16:creationId xmlns:a16="http://schemas.microsoft.com/office/drawing/2014/main" id="{989B29E2-5DAF-4D3B-969C-940ABBB87A9F}"/>
+              </a:ext>
+            </a:extLst>
+          </p:cNvPr>
+          <p:cNvSpPr/>
+          <p:nvPr/>
+        </p:nvSpPr>
+        <p:spPr>
+          <a:xfrm>
+            <a:off x="1292241" y="466168"/>
+            <a:ext cx="972000" cy="180000"/>
+          </a:xfrm>
+          <a:prstGeom prst="roundRect">
+            <a:avLst>
+              <a:gd name="adj" fmla="val 5317"/>
+            </a:avLst>
+          </a:prstGeom>
+          <a:noFill/>
+          <a:ln>
+            <a:noFill/>
+          </a:ln>
+        </p:spPr>
+        <p:style>
+          <a:lnRef idx="2">
+            <a:schemeClr val="accent1">
+              <a:shade val="50000"/>
+            </a:schemeClr>
+          </a:lnRef>
+          <a:fillRef idx="1">
+            <a:schemeClr val="accent1"/>
+          </a:fillRef>
+          <a:effectRef idx="0">
+            <a:schemeClr val="accent1"/>
+          </a:effectRef>
+          <a:fontRef idx="minor">
+            <a:schemeClr val="lt1"/>
+          </a:fontRef>
+        </p:style>
+        <p:txBody>
+          <a:bodyPr rtlCol="0" anchor="ctr"/>
+          <a:lstStyle/>
+          <a:p>
+            <a:pPr algn="ctr"/>
+            <a:r>
+              <a:rPr lang="en-US" sz="1100" b="1" dirty="0">
+                <a:solidFill>
+                  <a:schemeClr val="bg1"/>
+                </a:solidFill>
+                <a:latin typeface="Tahoma" panose="020B0604030504040204" pitchFamily="34" charset="0"/>
+                <a:ea typeface="Tahoma" panose="020B0604030504040204" pitchFamily="34" charset="0"/>
+                <a:cs typeface="Tahoma" panose="020B0604030504040204" pitchFamily="34" charset="0"/>
+              </a:rPr>
+              <a:t>Meteostat</a:t>
+            </a:r>
+            <a:endParaRPr lang="th-TH" sz="1100" b="1" dirty="0">
+              <a:solidFill>
+                <a:schemeClr val="bg1"/>
+              </a:solidFill>
+              <a:latin typeface="Tahoma" panose="020B0604030504040204" pitchFamily="34" charset="0"/>
+              <a:ea typeface="Tahoma" panose="020B0604030504040204" pitchFamily="34" charset="0"/>
+              <a:cs typeface="Tahoma" panose="020B0604030504040204" pitchFamily="34" charset="0"/>
+            </a:endParaRPr>
+          </a:p>
+        </p:txBody>
+      </p:sp>
+      <p:pic>
+        <p:nvPicPr>
+          <p:cNvPr id="1028" name="Picture 4" descr="Top 10 Tips for Using PowerShell ISE | Rana Omer Hussain's RegEdit">
+            <a:extLst>
+              <a:ext uri="{FF2B5EF4-FFF2-40B4-BE49-F238E27FC236}">
+                <a16:creationId xmlns:a16="http://schemas.microsoft.com/office/drawing/2014/main" id="{CFC2D5C4-4929-473E-AFCE-0F0D110DF8E4}"/>
+              </a:ext>
+            </a:extLst>
+          </p:cNvPr>
+          <p:cNvPicPr>
+            <a:picLocks noChangeAspect="1" noChangeArrowheads="1"/>
+          </p:cNvPicPr>
+          <p:nvPr/>
+        </p:nvPicPr>
+        <p:blipFill>
+          <a:blip r:embed="rId4">
+            <a:extLst>
+              <a:ext uri="{28A0092B-C50C-407E-A947-70E740481C1C}">
+                <a14:useLocalDpi xmlns:a14="http://schemas.microsoft.com/office/drawing/2010/main" val="0"/>
+              </a:ext>
+            </a:extLst>
+          </a:blip>
+          <a:srcRect/>
+          <a:stretch>
+            <a:fillRect/>
+          </a:stretch>
+        </p:blipFill>
+        <p:spPr bwMode="auto">
+          <a:xfrm>
+            <a:off x="1633319" y="725033"/>
+            <a:ext cx="289849" cy="289849"/>
+          </a:xfrm>
+          <a:prstGeom prst="rect">
+            <a:avLst/>
+          </a:prstGeom>
+          <a:noFill/>
+          <a:extLst>
+            <a:ext uri="{909E8E84-426E-40DD-AFC4-6F175D3DCCD1}">
+              <a14:hiddenFill xmlns:a14="http://schemas.microsoft.com/office/drawing/2010/main">
+                <a:solidFill>
+                  <a:srgbClr val="FFFFFF"/>
+                </a:solidFill>
+              </a14:hiddenFill>
+            </a:ext>
+          </a:extLst>
+        </p:spPr>
+      </p:pic>
+      <p:sp>
+        <p:nvSpPr>
+          <p:cNvPr id="14" name="Rectangle 13">
+            <a:extLst>
+              <a:ext uri="{FF2B5EF4-FFF2-40B4-BE49-F238E27FC236}">
+                <a16:creationId xmlns:a16="http://schemas.microsoft.com/office/drawing/2014/main" id="{BAF7E76E-5474-42FA-95B3-A00B42000919}"/>
+              </a:ext>
+            </a:extLst>
+          </p:cNvPr>
+          <p:cNvSpPr/>
+          <p:nvPr/>
+        </p:nvSpPr>
+        <p:spPr>
+          <a:xfrm>
+            <a:off x="1220243" y="1050882"/>
+            <a:ext cx="1116000" cy="108000"/>
+          </a:xfrm>
+          <a:prstGeom prst="rect">
+            <a:avLst/>
+          </a:prstGeom>
+          <a:noFill/>
+          <a:ln>
+            <a:noFill/>
+          </a:ln>
+        </p:spPr>
+        <p:style>
+          <a:lnRef idx="2">
+            <a:schemeClr val="accent1">
+              <a:shade val="50000"/>
+            </a:schemeClr>
+          </a:lnRef>
+          <a:fillRef idx="1">
+            <a:schemeClr val="accent1"/>
+          </a:fillRef>
+          <a:effectRef idx="0">
+            <a:schemeClr val="accent1"/>
+          </a:effectRef>
+          <a:fontRef idx="minor">
+            <a:schemeClr val="lt1"/>
+          </a:fontRef>
+        </p:style>
+        <p:txBody>
+          <a:bodyPr rtlCol="0" anchor="ctr"/>
+          <a:lstStyle/>
+          <a:p>
+            <a:pPr algn="ctr"/>
+            <a:r>
+              <a:rPr lang="en-US" sz="800" b="1" dirty="0">
+                <a:solidFill>
+                  <a:schemeClr val="bg1"/>
+                </a:solidFill>
+                <a:latin typeface="Tahoma" panose="020B0604030504040204" pitchFamily="34" charset="0"/>
+                <a:ea typeface="Tahoma" panose="020B0604030504040204" pitchFamily="34" charset="0"/>
+                <a:cs typeface="Tahoma" panose="020B0604030504040204" pitchFamily="34" charset="0"/>
+              </a:rPr>
+              <a:t>his_data_point.py</a:t>
+            </a:r>
+            <a:endParaRPr lang="th-TH" sz="800" b="1" dirty="0">
+              <a:solidFill>
+                <a:schemeClr val="bg1"/>
+              </a:solidFill>
+              <a:latin typeface="Tahoma" panose="020B0604030504040204" pitchFamily="34" charset="0"/>
+              <a:ea typeface="Tahoma" panose="020B0604030504040204" pitchFamily="34" charset="0"/>
+              <a:cs typeface="Tahoma" panose="020B0604030504040204" pitchFamily="34" charset="0"/>
+            </a:endParaRPr>
+          </a:p>
+        </p:txBody>
+      </p:sp>
+      <p:sp>
+        <p:nvSpPr>
+          <p:cNvPr id="20" name="Rectangle: Rounded Corners 19">
+            <a:extLst>
+              <a:ext uri="{FF2B5EF4-FFF2-40B4-BE49-F238E27FC236}">
+                <a16:creationId xmlns:a16="http://schemas.microsoft.com/office/drawing/2014/main" id="{60120681-B594-433E-BDED-8A2780C671F5}"/>
+              </a:ext>
+            </a:extLst>
+          </p:cNvPr>
+          <p:cNvSpPr/>
+          <p:nvPr/>
+        </p:nvSpPr>
+        <p:spPr>
+          <a:xfrm>
+            <a:off x="2458852" y="797958"/>
+            <a:ext cx="565653" cy="144000"/>
+          </a:xfrm>
+          <a:prstGeom prst="roundRect">
+            <a:avLst>
+              <a:gd name="adj" fmla="val 5317"/>
+            </a:avLst>
+          </a:prstGeom>
+          <a:noFill/>
+          <a:ln>
+            <a:noFill/>
+          </a:ln>
+        </p:spPr>
+        <p:style>
+          <a:lnRef idx="2">
+            <a:schemeClr val="accent1">
+              <a:shade val="50000"/>
+            </a:schemeClr>
+          </a:lnRef>
+          <a:fillRef idx="1">
+            <a:schemeClr val="accent1"/>
+          </a:fillRef>
+          <a:effectRef idx="0">
+            <a:schemeClr val="accent1"/>
+          </a:effectRef>
+          <a:fontRef idx="minor">
+            <a:schemeClr val="lt1"/>
+          </a:fontRef>
+        </p:style>
+        <p:txBody>
+          <a:bodyPr rtlCol="0" anchor="ctr"/>
+          <a:lstStyle/>
+          <a:p>
+            <a:pPr algn="ctr"/>
+            <a:r>
+              <a:rPr lang="en-US" sz="1100" b="1" dirty="0">
+                <a:solidFill>
+                  <a:schemeClr val="bg1"/>
+                </a:solidFill>
+                <a:latin typeface="Tahoma" panose="020B0604030504040204" pitchFamily="34" charset="0"/>
+                <a:ea typeface="Tahoma" panose="020B0604030504040204" pitchFamily="34" charset="0"/>
+                <a:cs typeface="Tahoma" panose="020B0604030504040204" pitchFamily="34" charset="0"/>
+              </a:rPr>
+              <a:t>T, Rh</a:t>
+            </a:r>
+            <a:endParaRPr lang="th-TH" sz="1100" b="1" dirty="0">
+              <a:solidFill>
+                <a:schemeClr val="bg1"/>
+              </a:solidFill>
+              <a:latin typeface="Tahoma" panose="020B0604030504040204" pitchFamily="34" charset="0"/>
+              <a:ea typeface="Tahoma" panose="020B0604030504040204" pitchFamily="34" charset="0"/>
+              <a:cs typeface="Tahoma" panose="020B0604030504040204" pitchFamily="34" charset="0"/>
+            </a:endParaRPr>
+          </a:p>
+        </p:txBody>
+      </p:sp>
+      <p:cxnSp>
+        <p:nvCxnSpPr>
+          <p:cNvPr id="21" name="Straight Arrow Connector 20">
+            <a:extLst>
+              <a:ext uri="{FF2B5EF4-FFF2-40B4-BE49-F238E27FC236}">
+                <a16:creationId xmlns:a16="http://schemas.microsoft.com/office/drawing/2014/main" id="{6ADFFE60-01EB-4659-9DF6-022C4264093D}"/>
+              </a:ext>
+            </a:extLst>
+          </p:cNvPr>
+          <p:cNvCxnSpPr>
+            <a:cxnSpLocks/>
+            <a:stCxn id="1028" idx="3"/>
+            <a:endCxn id="20" idx="1"/>
+          </p:cNvCxnSpPr>
+          <p:nvPr/>
+        </p:nvCxnSpPr>
+        <p:spPr>
+          <a:xfrm>
+            <a:off x="1923168" y="869958"/>
+            <a:ext cx="540000" cy="0"/>
+          </a:xfrm>
+          <a:prstGeom prst="straightConnector1">
+            <a:avLst/>
+          </a:prstGeom>
+          <a:ln w="12700">
+            <a:solidFill>
+              <a:schemeClr val="bg1"/>
+            </a:solidFill>
+            <a:tailEnd type="triangle"/>
+          </a:ln>
+        </p:spPr>
+        <p:style>
+          <a:lnRef idx="1">
+            <a:schemeClr val="accent1"/>
+          </a:lnRef>
+          <a:fillRef idx="0">
+            <a:schemeClr val="accent1"/>
+          </a:fillRef>
+          <a:effectRef idx="0">
+            <a:schemeClr val="accent1"/>
+          </a:effectRef>
+          <a:fontRef idx="minor">
+            <a:schemeClr val="tx1"/>
+          </a:fontRef>
+        </p:style>
+      </p:cxnSp>
+      <p:sp>
+        <p:nvSpPr>
+          <p:cNvPr id="27" name="TextBox 26">
+            <a:extLst>
+              <a:ext uri="{FF2B5EF4-FFF2-40B4-BE49-F238E27FC236}">
+                <a16:creationId xmlns:a16="http://schemas.microsoft.com/office/drawing/2014/main" id="{3479E95C-ED1F-49CA-A774-D7A8B353C79C}"/>
+              </a:ext>
+            </a:extLst>
+          </p:cNvPr>
+          <p:cNvSpPr txBox="1"/>
+          <p:nvPr/>
+        </p:nvSpPr>
+        <p:spPr>
+          <a:xfrm>
+            <a:off x="2498903" y="913087"/>
+            <a:ext cx="647934" cy="184666"/>
+          </a:xfrm>
+          <a:prstGeom prst="rect">
+            <a:avLst/>
+          </a:prstGeom>
+          <a:noFill/>
+        </p:spPr>
+        <p:txBody>
+          <a:bodyPr wrap="none" rtlCol="0">
+            <a:spAutoFit/>
+          </a:bodyPr>
+          <a:lstStyle/>
+          <a:p>
+            <a:r>
+              <a:rPr lang="en-US" sz="600" u="sng" dirty="0">
+                <a:solidFill>
+                  <a:schemeClr val="accent4">
+                    <a:lumMod val="60000"/>
+                    <a:lumOff val="40000"/>
+                  </a:schemeClr>
+                </a:solidFill>
+                <a:latin typeface="Tahoma" panose="020B0604030504040204" pitchFamily="34" charset="0"/>
+                <a:ea typeface="Tahoma" panose="020B0604030504040204" pitchFamily="34" charset="0"/>
+                <a:cs typeface="Tahoma" panose="020B0604030504040204" pitchFamily="34" charset="0"/>
+              </a:rPr>
+              <a:t>Estimate data</a:t>
+            </a:r>
+            <a:endParaRPr lang="th-TH" sz="600" u="sng" dirty="0">
+              <a:solidFill>
+                <a:schemeClr val="accent4">
+                  <a:lumMod val="60000"/>
+                  <a:lumOff val="40000"/>
+                </a:schemeClr>
+              </a:solidFill>
+              <a:latin typeface="Tahoma" panose="020B0604030504040204" pitchFamily="34" charset="0"/>
+              <a:ea typeface="Tahoma" panose="020B0604030504040204" pitchFamily="34" charset="0"/>
+              <a:cs typeface="Tahoma" panose="020B0604030504040204" pitchFamily="34" charset="0"/>
+            </a:endParaRPr>
+          </a:p>
+        </p:txBody>
+      </p:sp>
+      <p:pic>
+        <p:nvPicPr>
+          <p:cNvPr id="41" name="Picture 4" descr="Top 10 Tips for Using PowerShell ISE | Rana Omer Hussain's RegEdit">
+            <a:extLst>
+              <a:ext uri="{FF2B5EF4-FFF2-40B4-BE49-F238E27FC236}">
+                <a16:creationId xmlns:a16="http://schemas.microsoft.com/office/drawing/2014/main" id="{09F1DEFA-A860-48AB-A128-6EEEFB49E95C}"/>
+              </a:ext>
+            </a:extLst>
+          </p:cNvPr>
+          <p:cNvPicPr>
+            <a:picLocks noChangeAspect="1" noChangeArrowheads="1"/>
+          </p:cNvPicPr>
+          <p:nvPr/>
+        </p:nvPicPr>
+        <p:blipFill>
+          <a:blip r:embed="rId4">
+            <a:extLst>
+              <a:ext uri="{28A0092B-C50C-407E-A947-70E740481C1C}">
+                <a14:useLocalDpi xmlns:a14="http://schemas.microsoft.com/office/drawing/2010/main" val="0"/>
+              </a:ext>
+            </a:extLst>
+          </a:blip>
+          <a:srcRect/>
+          <a:stretch>
+            <a:fillRect/>
+          </a:stretch>
+        </p:blipFill>
+        <p:spPr bwMode="auto">
+          <a:xfrm>
+            <a:off x="1633319" y="1304730"/>
+            <a:ext cx="289849" cy="289849"/>
+          </a:xfrm>
+          <a:prstGeom prst="rect">
+            <a:avLst/>
+          </a:prstGeom>
+          <a:noFill/>
+          <a:extLst>
+            <a:ext uri="{909E8E84-426E-40DD-AFC4-6F175D3DCCD1}">
+              <a14:hiddenFill xmlns:a14="http://schemas.microsoft.com/office/drawing/2010/main">
+                <a:solidFill>
+                  <a:srgbClr val="FFFFFF"/>
+                </a:solidFill>
+              </a14:hiddenFill>
+            </a:ext>
+          </a:extLst>
+        </p:spPr>
+      </p:pic>
+      <p:sp>
+        <p:nvSpPr>
+          <p:cNvPr id="42" name="Rectangle 41">
+            <a:extLst>
+              <a:ext uri="{FF2B5EF4-FFF2-40B4-BE49-F238E27FC236}">
+                <a16:creationId xmlns:a16="http://schemas.microsoft.com/office/drawing/2014/main" id="{7212C7F5-EA60-4FDC-A8C3-2A8932547C10}"/>
+              </a:ext>
+            </a:extLst>
+          </p:cNvPr>
+          <p:cNvSpPr/>
+          <p:nvPr/>
+        </p:nvSpPr>
+        <p:spPr>
+          <a:xfrm>
+            <a:off x="1170826" y="1630578"/>
+            <a:ext cx="1214833" cy="108000"/>
+          </a:xfrm>
+          <a:prstGeom prst="rect">
+            <a:avLst/>
+          </a:prstGeom>
+          <a:noFill/>
+          <a:ln>
+            <a:noFill/>
+          </a:ln>
+        </p:spPr>
+        <p:style>
+          <a:lnRef idx="2">
+            <a:schemeClr val="accent1">
+              <a:shade val="50000"/>
+            </a:schemeClr>
+          </a:lnRef>
+          <a:fillRef idx="1">
+            <a:schemeClr val="accent1"/>
+          </a:fillRef>
+          <a:effectRef idx="0">
+            <a:schemeClr val="accent1"/>
+          </a:effectRef>
+          <a:fontRef idx="minor">
+            <a:schemeClr val="lt1"/>
+          </a:fontRef>
+        </p:style>
+        <p:txBody>
+          <a:bodyPr rtlCol="0" anchor="ctr"/>
+          <a:lstStyle/>
+          <a:p>
+            <a:pPr algn="ctr"/>
+            <a:r>
+              <a:rPr lang="en-US" sz="600" b="1" dirty="0">
+                <a:solidFill>
+                  <a:schemeClr val="bg1"/>
+                </a:solidFill>
+                <a:latin typeface="Tahoma" panose="020B0604030504040204" pitchFamily="34" charset="0"/>
+                <a:ea typeface="Tahoma" panose="020B0604030504040204" pitchFamily="34" charset="0"/>
+                <a:cs typeface="Tahoma" panose="020B0604030504040204" pitchFamily="34" charset="0"/>
+              </a:rPr>
+              <a:t>station_his_data.py</a:t>
+            </a:r>
+            <a:endParaRPr lang="th-TH" sz="600" b="1" dirty="0">
+              <a:solidFill>
+                <a:schemeClr val="bg1"/>
+              </a:solidFill>
+              <a:latin typeface="Tahoma" panose="020B0604030504040204" pitchFamily="34" charset="0"/>
+              <a:ea typeface="Tahoma" panose="020B0604030504040204" pitchFamily="34" charset="0"/>
+              <a:cs typeface="Tahoma" panose="020B0604030504040204" pitchFamily="34" charset="0"/>
+            </a:endParaRPr>
+          </a:p>
+        </p:txBody>
+      </p:sp>
+      <p:sp>
+        <p:nvSpPr>
+          <p:cNvPr id="43" name="Rectangle: Rounded Corners 42">
+            <a:extLst>
+              <a:ext uri="{FF2B5EF4-FFF2-40B4-BE49-F238E27FC236}">
+                <a16:creationId xmlns:a16="http://schemas.microsoft.com/office/drawing/2014/main" id="{F546384B-FA19-4D8B-94F2-A7BCA2D339E3}"/>
+              </a:ext>
+            </a:extLst>
+          </p:cNvPr>
+          <p:cNvSpPr/>
+          <p:nvPr/>
+        </p:nvSpPr>
+        <p:spPr>
+          <a:xfrm>
+            <a:off x="2458852" y="1377655"/>
+            <a:ext cx="565653" cy="144000"/>
+          </a:xfrm>
+          <a:prstGeom prst="roundRect">
+            <a:avLst>
+              <a:gd name="adj" fmla="val 5317"/>
+            </a:avLst>
+          </a:prstGeom>
+          <a:noFill/>
+          <a:ln>
+            <a:noFill/>
+          </a:ln>
+        </p:spPr>
+        <p:style>
+          <a:lnRef idx="2">
+            <a:schemeClr val="accent1">
+              <a:shade val="50000"/>
+            </a:schemeClr>
+          </a:lnRef>
+          <a:fillRef idx="1">
+            <a:schemeClr val="accent1"/>
+          </a:fillRef>
+          <a:effectRef idx="0">
+            <a:schemeClr val="accent1"/>
+          </a:effectRef>
+          <a:fontRef idx="minor">
+            <a:schemeClr val="lt1"/>
+          </a:fontRef>
+        </p:style>
+        <p:txBody>
+          <a:bodyPr rtlCol="0" anchor="ctr"/>
+          <a:lstStyle/>
+          <a:p>
+            <a:pPr algn="ctr"/>
+            <a:r>
+              <a:rPr lang="en-US" sz="1100" b="1" dirty="0">
+                <a:solidFill>
+                  <a:schemeClr val="bg1"/>
+                </a:solidFill>
+                <a:latin typeface="Tahoma" panose="020B0604030504040204" pitchFamily="34" charset="0"/>
+                <a:ea typeface="Tahoma" panose="020B0604030504040204" pitchFamily="34" charset="0"/>
+                <a:cs typeface="Tahoma" panose="020B0604030504040204" pitchFamily="34" charset="0"/>
+              </a:rPr>
+              <a:t>T, Rh</a:t>
+            </a:r>
+            <a:endParaRPr lang="th-TH" sz="1100" b="1" dirty="0">
+              <a:solidFill>
+                <a:schemeClr val="bg1"/>
+              </a:solidFill>
+              <a:latin typeface="Tahoma" panose="020B0604030504040204" pitchFamily="34" charset="0"/>
+              <a:ea typeface="Tahoma" panose="020B0604030504040204" pitchFamily="34" charset="0"/>
+              <a:cs typeface="Tahoma" panose="020B0604030504040204" pitchFamily="34" charset="0"/>
+            </a:endParaRPr>
+          </a:p>
+        </p:txBody>
+      </p:sp>
+      <p:cxnSp>
+        <p:nvCxnSpPr>
+          <p:cNvPr id="44" name="Straight Arrow Connector 43">
+            <a:extLst>
+              <a:ext uri="{FF2B5EF4-FFF2-40B4-BE49-F238E27FC236}">
+                <a16:creationId xmlns:a16="http://schemas.microsoft.com/office/drawing/2014/main" id="{CA472A10-E2AF-4823-A420-C8CBF7B82F38}"/>
+              </a:ext>
+            </a:extLst>
+          </p:cNvPr>
+          <p:cNvCxnSpPr>
+            <a:cxnSpLocks/>
+          </p:cNvCxnSpPr>
+          <p:nvPr/>
+        </p:nvCxnSpPr>
+        <p:spPr>
+          <a:xfrm>
+            <a:off x="1923168" y="1449654"/>
+            <a:ext cx="540000" cy="0"/>
+          </a:xfrm>
+          <a:prstGeom prst="straightConnector1">
+            <a:avLst/>
+          </a:prstGeom>
+          <a:ln w="12700">
+            <a:solidFill>
+              <a:schemeClr val="bg1"/>
+            </a:solidFill>
+            <a:tailEnd type="triangle"/>
+          </a:ln>
+        </p:spPr>
+        <p:style>
+          <a:lnRef idx="1">
+            <a:schemeClr val="accent1"/>
+          </a:lnRef>
+          <a:fillRef idx="0">
+            <a:schemeClr val="accent1"/>
+          </a:fillRef>
+          <a:effectRef idx="0">
+            <a:schemeClr val="accent1"/>
+          </a:effectRef>
+          <a:fontRef idx="minor">
+            <a:schemeClr val="tx1"/>
+          </a:fontRef>
+        </p:style>
+      </p:cxnSp>
+      <p:sp>
+        <p:nvSpPr>
+          <p:cNvPr id="45" name="TextBox 44">
+            <a:extLst>
+              <a:ext uri="{FF2B5EF4-FFF2-40B4-BE49-F238E27FC236}">
+                <a16:creationId xmlns:a16="http://schemas.microsoft.com/office/drawing/2014/main" id="{57A3E247-9008-4E2A-9095-6A1C0494E27C}"/>
+              </a:ext>
+            </a:extLst>
+          </p:cNvPr>
+          <p:cNvSpPr txBox="1"/>
+          <p:nvPr/>
+        </p:nvSpPr>
+        <p:spPr>
+          <a:xfrm>
+            <a:off x="2498903" y="1492784"/>
+            <a:ext cx="559769" cy="184666"/>
+          </a:xfrm>
+          <a:prstGeom prst="rect">
+            <a:avLst/>
+          </a:prstGeom>
+          <a:noFill/>
+        </p:spPr>
+        <p:txBody>
+          <a:bodyPr wrap="none" rtlCol="0">
+            <a:spAutoFit/>
+          </a:bodyPr>
+          <a:lstStyle/>
+          <a:p>
+            <a:r>
+              <a:rPr lang="en-US" sz="600" u="sng" dirty="0">
+                <a:solidFill>
+                  <a:schemeClr val="accent4">
+                    <a:lumMod val="60000"/>
+                    <a:lumOff val="40000"/>
+                  </a:schemeClr>
+                </a:solidFill>
+                <a:latin typeface="Tahoma" panose="020B0604030504040204" pitchFamily="34" charset="0"/>
+                <a:ea typeface="Tahoma" panose="020B0604030504040204" pitchFamily="34" charset="0"/>
+                <a:cs typeface="Tahoma" panose="020B0604030504040204" pitchFamily="34" charset="0"/>
+              </a:rPr>
+              <a:t>actual data</a:t>
+            </a:r>
+            <a:endParaRPr lang="th-TH" sz="600" u="sng" dirty="0">
+              <a:solidFill>
+                <a:schemeClr val="accent4">
+                  <a:lumMod val="60000"/>
+                  <a:lumOff val="40000"/>
+                </a:schemeClr>
+              </a:solidFill>
+              <a:latin typeface="Tahoma" panose="020B0604030504040204" pitchFamily="34" charset="0"/>
+              <a:ea typeface="Tahoma" panose="020B0604030504040204" pitchFamily="34" charset="0"/>
+              <a:cs typeface="Tahoma" panose="020B0604030504040204" pitchFamily="34" charset="0"/>
+            </a:endParaRPr>
+          </a:p>
+        </p:txBody>
+      </p:sp>
+      <p:sp>
+        <p:nvSpPr>
+          <p:cNvPr id="53" name="Rectangle 52">
+            <a:extLst>
+              <a:ext uri="{FF2B5EF4-FFF2-40B4-BE49-F238E27FC236}">
+                <a16:creationId xmlns:a16="http://schemas.microsoft.com/office/drawing/2014/main" id="{2C0CDE05-7984-47CC-9DE0-581F362AFD44}"/>
+              </a:ext>
+            </a:extLst>
+          </p:cNvPr>
+          <p:cNvSpPr/>
+          <p:nvPr/>
+        </p:nvSpPr>
+        <p:spPr>
+          <a:xfrm>
+            <a:off x="253056" y="1143215"/>
+            <a:ext cx="576000" cy="108000"/>
+          </a:xfrm>
+          <a:prstGeom prst="rect">
+            <a:avLst/>
+          </a:prstGeom>
+          <a:noFill/>
+          <a:ln>
+            <a:noFill/>
+          </a:ln>
+        </p:spPr>
+        <p:style>
+          <a:lnRef idx="2">
+            <a:schemeClr val="accent1">
+              <a:shade val="50000"/>
+            </a:schemeClr>
+          </a:lnRef>
+          <a:fillRef idx="1">
+            <a:schemeClr val="accent1"/>
+          </a:fillRef>
+          <a:effectRef idx="0">
+            <a:schemeClr val="accent1"/>
+          </a:effectRef>
+          <a:fontRef idx="minor">
+            <a:schemeClr val="lt1"/>
+          </a:fontRef>
+        </p:style>
+        <p:txBody>
+          <a:bodyPr rtlCol="0" anchor="ctr"/>
+          <a:lstStyle/>
+          <a:p>
+            <a:pPr algn="ctr"/>
+            <a:r>
+              <a:rPr lang="en-US" sz="800" b="1" dirty="0">
+                <a:solidFill>
+                  <a:schemeClr val="bg1"/>
+                </a:solidFill>
+                <a:latin typeface="Tahoma" panose="020B0604030504040204" pitchFamily="34" charset="0"/>
+                <a:ea typeface="Tahoma" panose="020B0604030504040204" pitchFamily="34" charset="0"/>
+                <a:cs typeface="Tahoma" panose="020B0604030504040204" pitchFamily="34" charset="0"/>
+              </a:rPr>
+              <a:t>Lat-</a:t>
+            </a:r>
+            <a:r>
+              <a:rPr lang="en-US" sz="800" b="1" dirty="0" err="1">
+                <a:solidFill>
+                  <a:schemeClr val="bg1"/>
+                </a:solidFill>
+                <a:latin typeface="Tahoma" panose="020B0604030504040204" pitchFamily="34" charset="0"/>
+                <a:ea typeface="Tahoma" panose="020B0604030504040204" pitchFamily="34" charset="0"/>
+                <a:cs typeface="Tahoma" panose="020B0604030504040204" pitchFamily="34" charset="0"/>
+              </a:rPr>
+              <a:t>lon</a:t>
+            </a:r>
+            <a:endParaRPr lang="th-TH" sz="800" b="1" dirty="0">
+              <a:solidFill>
+                <a:schemeClr val="bg1"/>
+              </a:solidFill>
+              <a:latin typeface="Tahoma" panose="020B0604030504040204" pitchFamily="34" charset="0"/>
+              <a:ea typeface="Tahoma" panose="020B0604030504040204" pitchFamily="34" charset="0"/>
+              <a:cs typeface="Tahoma" panose="020B0604030504040204" pitchFamily="34" charset="0"/>
+            </a:endParaRPr>
+          </a:p>
+        </p:txBody>
+      </p:sp>
+      <p:sp>
+        <p:nvSpPr>
+          <p:cNvPr id="71" name="Rectangle: Rounded Corners 70">
+            <a:extLst>
+              <a:ext uri="{FF2B5EF4-FFF2-40B4-BE49-F238E27FC236}">
+                <a16:creationId xmlns:a16="http://schemas.microsoft.com/office/drawing/2014/main" id="{4FFD726F-7134-4AFD-834C-6511A9A93263}"/>
+              </a:ext>
+            </a:extLst>
+          </p:cNvPr>
+          <p:cNvSpPr/>
+          <p:nvPr/>
+        </p:nvSpPr>
+        <p:spPr>
+          <a:xfrm>
+            <a:off x="2466262" y="2352490"/>
+            <a:ext cx="565653" cy="144000"/>
+          </a:xfrm>
+          <a:prstGeom prst="roundRect">
+            <a:avLst>
+              <a:gd name="adj" fmla="val 5317"/>
+            </a:avLst>
+          </a:prstGeom>
+          <a:noFill/>
+          <a:ln>
+            <a:noFill/>
+          </a:ln>
+        </p:spPr>
+        <p:style>
+          <a:lnRef idx="2">
+            <a:schemeClr val="accent1">
+              <a:shade val="50000"/>
+            </a:schemeClr>
+          </a:lnRef>
+          <a:fillRef idx="1">
+            <a:schemeClr val="accent1"/>
+          </a:fillRef>
+          <a:effectRef idx="0">
+            <a:schemeClr val="accent1"/>
+          </a:effectRef>
+          <a:fontRef idx="minor">
+            <a:schemeClr val="lt1"/>
+          </a:fontRef>
+        </p:style>
+        <p:txBody>
+          <a:bodyPr rtlCol="0" anchor="ctr"/>
+          <a:lstStyle/>
+          <a:p>
+            <a:pPr algn="ctr"/>
+            <a:r>
+              <a:rPr lang="en-US" sz="1100" b="1" dirty="0">
+                <a:solidFill>
+                  <a:schemeClr val="bg1"/>
+                </a:solidFill>
+                <a:latin typeface="Tahoma" panose="020B0604030504040204" pitchFamily="34" charset="0"/>
+                <a:ea typeface="Tahoma" panose="020B0604030504040204" pitchFamily="34" charset="0"/>
+                <a:cs typeface="Tahoma" panose="020B0604030504040204" pitchFamily="34" charset="0"/>
+              </a:rPr>
+              <a:t>T, Rh</a:t>
+            </a:r>
+            <a:endParaRPr lang="th-TH" sz="1100" b="1" dirty="0">
+              <a:solidFill>
+                <a:schemeClr val="bg1"/>
+              </a:solidFill>
+              <a:latin typeface="Tahoma" panose="020B0604030504040204" pitchFamily="34" charset="0"/>
+              <a:ea typeface="Tahoma" panose="020B0604030504040204" pitchFamily="34" charset="0"/>
+              <a:cs typeface="Tahoma" panose="020B0604030504040204" pitchFamily="34" charset="0"/>
+            </a:endParaRPr>
+          </a:p>
+        </p:txBody>
+      </p:sp>
+      <p:cxnSp>
+        <p:nvCxnSpPr>
+          <p:cNvPr id="72" name="Straight Arrow Connector 71">
+            <a:extLst>
+              <a:ext uri="{FF2B5EF4-FFF2-40B4-BE49-F238E27FC236}">
+                <a16:creationId xmlns:a16="http://schemas.microsoft.com/office/drawing/2014/main" id="{991402A2-2D55-4738-85DD-9675BEF1E5CA}"/>
+              </a:ext>
+            </a:extLst>
+          </p:cNvPr>
+          <p:cNvCxnSpPr>
+            <a:cxnSpLocks/>
+            <a:stCxn id="59" idx="3"/>
+            <a:endCxn id="71" idx="1"/>
+          </p:cNvCxnSpPr>
+          <p:nvPr/>
+        </p:nvCxnSpPr>
+        <p:spPr>
+          <a:xfrm flipV="1">
+            <a:off x="1923166" y="2424490"/>
+            <a:ext cx="543096" cy="2567"/>
+          </a:xfrm>
+          <a:prstGeom prst="straightConnector1">
+            <a:avLst/>
+          </a:prstGeom>
+          <a:ln w="12700">
+            <a:solidFill>
+              <a:schemeClr val="bg1"/>
+            </a:solidFill>
+            <a:tailEnd type="triangle"/>
+          </a:ln>
+        </p:spPr>
+        <p:style>
+          <a:lnRef idx="1">
+            <a:schemeClr val="accent1"/>
+          </a:lnRef>
+          <a:fillRef idx="0">
+            <a:schemeClr val="accent1"/>
+          </a:fillRef>
+          <a:effectRef idx="0">
+            <a:schemeClr val="accent1"/>
+          </a:effectRef>
+          <a:fontRef idx="minor">
+            <a:schemeClr val="tx1"/>
+          </a:fontRef>
+        </p:style>
+      </p:cxnSp>
+      <p:sp>
+        <p:nvSpPr>
+          <p:cNvPr id="73" name="TextBox 72">
+            <a:extLst>
+              <a:ext uri="{FF2B5EF4-FFF2-40B4-BE49-F238E27FC236}">
+                <a16:creationId xmlns:a16="http://schemas.microsoft.com/office/drawing/2014/main" id="{D600E0D7-666B-4EB1-B254-AB0A09F57BA6}"/>
+              </a:ext>
+            </a:extLst>
+          </p:cNvPr>
+          <p:cNvSpPr txBox="1"/>
+          <p:nvPr/>
+        </p:nvSpPr>
+        <p:spPr>
+          <a:xfrm>
+            <a:off x="2603235" y="2467619"/>
+            <a:ext cx="647934" cy="184666"/>
+          </a:xfrm>
+          <a:prstGeom prst="rect">
+            <a:avLst/>
+          </a:prstGeom>
+          <a:noFill/>
+        </p:spPr>
+        <p:txBody>
+          <a:bodyPr wrap="none" rtlCol="0">
+            <a:spAutoFit/>
+          </a:bodyPr>
+          <a:lstStyle/>
+          <a:p>
+            <a:r>
+              <a:rPr lang="en-US" sz="600" u="sng" dirty="0">
+                <a:solidFill>
+                  <a:schemeClr val="accent4">
+                    <a:lumMod val="60000"/>
+                    <a:lumOff val="40000"/>
+                  </a:schemeClr>
+                </a:solidFill>
+                <a:latin typeface="Tahoma" panose="020B0604030504040204" pitchFamily="34" charset="0"/>
+                <a:ea typeface="Tahoma" panose="020B0604030504040204" pitchFamily="34" charset="0"/>
+                <a:cs typeface="Tahoma" panose="020B0604030504040204" pitchFamily="34" charset="0"/>
+              </a:rPr>
+              <a:t>Estimate data</a:t>
+            </a:r>
+            <a:endParaRPr lang="th-TH" sz="600" u="sng" dirty="0">
+              <a:solidFill>
+                <a:schemeClr val="accent4">
+                  <a:lumMod val="60000"/>
+                  <a:lumOff val="40000"/>
+                </a:schemeClr>
+              </a:solidFill>
+              <a:latin typeface="Tahoma" panose="020B0604030504040204" pitchFamily="34" charset="0"/>
+              <a:ea typeface="Tahoma" panose="020B0604030504040204" pitchFamily="34" charset="0"/>
+              <a:cs typeface="Tahoma" panose="020B0604030504040204" pitchFamily="34" charset="0"/>
+            </a:endParaRPr>
+          </a:p>
+        </p:txBody>
+      </p:sp>
+      <p:cxnSp>
+        <p:nvCxnSpPr>
+          <p:cNvPr id="88" name="Straight Arrow Connector 87">
+            <a:extLst>
+              <a:ext uri="{FF2B5EF4-FFF2-40B4-BE49-F238E27FC236}">
+                <a16:creationId xmlns:a16="http://schemas.microsoft.com/office/drawing/2014/main" id="{BBA2102A-7D5E-4E2C-BAF8-84964EA50122}"/>
+              </a:ext>
+            </a:extLst>
+          </p:cNvPr>
+          <p:cNvCxnSpPr>
+            <a:cxnSpLocks/>
+            <a:stCxn id="53" idx="3"/>
+            <a:endCxn id="1028" idx="1"/>
+          </p:cNvCxnSpPr>
+          <p:nvPr/>
+        </p:nvCxnSpPr>
+        <p:spPr>
+          <a:xfrm flipV="1">
+            <a:off x="829056" y="869958"/>
+            <a:ext cx="804263" cy="327257"/>
+          </a:xfrm>
+          <a:prstGeom prst="straightConnector1">
+            <a:avLst/>
+          </a:prstGeom>
+          <a:ln w="12700">
+            <a:solidFill>
+              <a:schemeClr val="bg1"/>
+            </a:solidFill>
+            <a:tailEnd type="triangle"/>
+          </a:ln>
+        </p:spPr>
+        <p:style>
+          <a:lnRef idx="1">
+            <a:schemeClr val="accent1"/>
+          </a:lnRef>
+          <a:fillRef idx="0">
+            <a:schemeClr val="accent1"/>
+          </a:fillRef>
+          <a:effectRef idx="0">
+            <a:schemeClr val="accent1"/>
+          </a:effectRef>
+          <a:fontRef idx="minor">
+            <a:schemeClr val="tx1"/>
+          </a:fontRef>
+        </p:style>
+      </p:cxnSp>
+      <p:cxnSp>
+        <p:nvCxnSpPr>
+          <p:cNvPr id="91" name="Straight Arrow Connector 90">
+            <a:extLst>
+              <a:ext uri="{FF2B5EF4-FFF2-40B4-BE49-F238E27FC236}">
+                <a16:creationId xmlns:a16="http://schemas.microsoft.com/office/drawing/2014/main" id="{9A2F347D-5E14-4EBD-B527-46DD8EFF476F}"/>
+              </a:ext>
+            </a:extLst>
+          </p:cNvPr>
+          <p:cNvCxnSpPr>
+            <a:cxnSpLocks/>
+            <a:stCxn id="53" idx="3"/>
+            <a:endCxn id="41" idx="1"/>
+          </p:cNvCxnSpPr>
+          <p:nvPr/>
+        </p:nvCxnSpPr>
+        <p:spPr>
+          <a:xfrm>
+            <a:off x="829056" y="1197215"/>
+            <a:ext cx="804263" cy="252440"/>
+          </a:xfrm>
+          <a:prstGeom prst="straightConnector1">
+            <a:avLst/>
+          </a:prstGeom>
+          <a:ln w="12700">
+            <a:solidFill>
+              <a:schemeClr val="bg1"/>
+            </a:solidFill>
+            <a:tailEnd type="triangle"/>
+          </a:ln>
+        </p:spPr>
+        <p:style>
+          <a:lnRef idx="1">
+            <a:schemeClr val="accent1"/>
+          </a:lnRef>
+          <a:fillRef idx="0">
+            <a:schemeClr val="accent1"/>
+          </a:fillRef>
+          <a:effectRef idx="0">
+            <a:schemeClr val="accent1"/>
+          </a:effectRef>
+          <a:fontRef idx="minor">
+            <a:schemeClr val="tx1"/>
+          </a:fontRef>
+        </p:style>
+      </p:cxnSp>
+      <p:sp>
+        <p:nvSpPr>
+          <p:cNvPr id="96" name="Rectangle 95">
+            <a:extLst>
+              <a:ext uri="{FF2B5EF4-FFF2-40B4-BE49-F238E27FC236}">
+                <a16:creationId xmlns:a16="http://schemas.microsoft.com/office/drawing/2014/main" id="{7DFD1C9A-8429-4FCC-9E7F-3CC75C8596A8}"/>
+              </a:ext>
+            </a:extLst>
+          </p:cNvPr>
+          <p:cNvSpPr/>
+          <p:nvPr/>
+        </p:nvSpPr>
+        <p:spPr>
+          <a:xfrm>
+            <a:off x="555314" y="2376816"/>
+            <a:ext cx="576000" cy="108000"/>
+          </a:xfrm>
+          <a:prstGeom prst="rect">
+            <a:avLst/>
+          </a:prstGeom>
+          <a:noFill/>
+          <a:ln>
+            <a:noFill/>
+          </a:ln>
+        </p:spPr>
+        <p:style>
+          <a:lnRef idx="2">
+            <a:schemeClr val="accent1">
+              <a:shade val="50000"/>
+            </a:schemeClr>
+          </a:lnRef>
+          <a:fillRef idx="1">
+            <a:schemeClr val="accent1"/>
+          </a:fillRef>
+          <a:effectRef idx="0">
+            <a:schemeClr val="accent1"/>
+          </a:effectRef>
+          <a:fontRef idx="minor">
+            <a:schemeClr val="lt1"/>
+          </a:fontRef>
+        </p:style>
+        <p:txBody>
+          <a:bodyPr rtlCol="0" anchor="ctr"/>
+          <a:lstStyle/>
+          <a:p>
+            <a:pPr algn="ctr"/>
+            <a:r>
+              <a:rPr lang="en-US" sz="800" b="1" dirty="0">
+                <a:solidFill>
+                  <a:schemeClr val="bg1"/>
+                </a:solidFill>
+                <a:latin typeface="Tahoma" panose="020B0604030504040204" pitchFamily="34" charset="0"/>
+                <a:ea typeface="Tahoma" panose="020B0604030504040204" pitchFamily="34" charset="0"/>
+                <a:cs typeface="Tahoma" panose="020B0604030504040204" pitchFamily="34" charset="0"/>
+              </a:rPr>
+              <a:t>Lat-</a:t>
+            </a:r>
+            <a:r>
+              <a:rPr lang="en-US" sz="800" b="1" dirty="0" err="1">
+                <a:solidFill>
+                  <a:schemeClr val="bg1"/>
+                </a:solidFill>
+                <a:latin typeface="Tahoma" panose="020B0604030504040204" pitchFamily="34" charset="0"/>
+                <a:ea typeface="Tahoma" panose="020B0604030504040204" pitchFamily="34" charset="0"/>
+                <a:cs typeface="Tahoma" panose="020B0604030504040204" pitchFamily="34" charset="0"/>
+              </a:rPr>
+              <a:t>lon</a:t>
+            </a:r>
+            <a:endParaRPr lang="th-TH" sz="800" b="1" dirty="0">
+              <a:solidFill>
+                <a:schemeClr val="bg1"/>
+              </a:solidFill>
+              <a:latin typeface="Tahoma" panose="020B0604030504040204" pitchFamily="34" charset="0"/>
+              <a:ea typeface="Tahoma" panose="020B0604030504040204" pitchFamily="34" charset="0"/>
+              <a:cs typeface="Tahoma" panose="020B0604030504040204" pitchFamily="34" charset="0"/>
+            </a:endParaRPr>
+          </a:p>
+        </p:txBody>
+      </p:sp>
+      <p:cxnSp>
+        <p:nvCxnSpPr>
+          <p:cNvPr id="97" name="Straight Arrow Connector 96">
+            <a:extLst>
+              <a:ext uri="{FF2B5EF4-FFF2-40B4-BE49-F238E27FC236}">
+                <a16:creationId xmlns:a16="http://schemas.microsoft.com/office/drawing/2014/main" id="{26981759-D2F9-4B72-B71C-88FDD24CE2EF}"/>
+              </a:ext>
+            </a:extLst>
+          </p:cNvPr>
+          <p:cNvCxnSpPr>
+            <a:cxnSpLocks/>
+            <a:stCxn id="96" idx="3"/>
+            <a:endCxn id="59" idx="1"/>
+          </p:cNvCxnSpPr>
+          <p:nvPr/>
+        </p:nvCxnSpPr>
+        <p:spPr>
+          <a:xfrm flipV="1">
+            <a:off x="1131314" y="2427057"/>
+            <a:ext cx="502003" cy="3759"/>
+          </a:xfrm>
+          <a:prstGeom prst="straightConnector1">
+            <a:avLst/>
+          </a:prstGeom>
+          <a:ln w="12700">
+            <a:solidFill>
+              <a:schemeClr val="bg1"/>
+            </a:solidFill>
+            <a:tailEnd type="triangle"/>
+          </a:ln>
+        </p:spPr>
+        <p:style>
+          <a:lnRef idx="1">
+            <a:schemeClr val="accent1"/>
+          </a:lnRef>
+          <a:fillRef idx="0">
+            <a:schemeClr val="accent1"/>
+          </a:fillRef>
+          <a:effectRef idx="0">
+            <a:schemeClr val="accent1"/>
+          </a:effectRef>
+          <a:fontRef idx="minor">
+            <a:schemeClr val="tx1"/>
+          </a:fontRef>
+        </p:style>
+      </p:cxnSp>
+      <p:pic>
+        <p:nvPicPr>
+          <p:cNvPr id="1034" name="Picture 10" descr="Database Symbol Png - Database Icon Flat - Free Transparent PNG Clipart  Images Download">
+            <a:extLst>
+              <a:ext uri="{FF2B5EF4-FFF2-40B4-BE49-F238E27FC236}">
+                <a16:creationId xmlns:a16="http://schemas.microsoft.com/office/drawing/2014/main" id="{CCB8D676-A544-4638-B5F9-CA26614ADA42}"/>
+              </a:ext>
+            </a:extLst>
+          </p:cNvPr>
+          <p:cNvPicPr>
+            <a:picLocks noChangeAspect="1" noChangeArrowheads="1"/>
+          </p:cNvPicPr>
+          <p:nvPr/>
+        </p:nvPicPr>
+        <p:blipFill>
+          <a:blip r:embed="rId5">
+            <a:lum bright="70000" contrast="-70000"/>
+            <a:extLst>
+              <a:ext uri="{BEBA8EAE-BF5A-486C-A8C5-ECC9F3942E4B}">
+                <a14:imgProps xmlns:a14="http://schemas.microsoft.com/office/drawing/2010/main">
+                  <a14:imgLayer r:embed="rId6">
+                    <a14:imgEffect>
+                      <a14:backgroundRemoval t="8113" b="89947" l="10000" r="90000">
+                        <a14:foregroundMark x1="52262" y1="8113" x2="52262" y2="8113"/>
+                        <a14:foregroundMark x1="50952" y1="49030" x2="50952" y2="49559"/>
+                        <a14:foregroundMark x1="50714" y1="69841" x2="50714" y2="69841"/>
+                        <a14:foregroundMark x1="46548" y1="84480" x2="46548" y2="84480"/>
+                      </a14:backgroundRemoval>
+                    </a14:imgEffect>
+                  </a14:imgLayer>
+                </a14:imgProps>
+              </a:ext>
+              <a:ext uri="{28A0092B-C50C-407E-A947-70E740481C1C}">
+                <a14:useLocalDpi xmlns:a14="http://schemas.microsoft.com/office/drawing/2010/main" val="0"/>
+              </a:ext>
+            </a:extLst>
+          </a:blip>
+          <a:srcRect/>
+          <a:stretch>
+            <a:fillRect/>
+          </a:stretch>
+        </p:blipFill>
+        <p:spPr bwMode="auto">
+          <a:xfrm>
+            <a:off x="2882785" y="766405"/>
+            <a:ext cx="264052" cy="178235"/>
+          </a:xfrm>
+          <a:prstGeom prst="rect">
+            <a:avLst/>
+          </a:prstGeom>
+          <a:noFill/>
+          <a:extLst>
+            <a:ext uri="{909E8E84-426E-40DD-AFC4-6F175D3DCCD1}">
+              <a14:hiddenFill xmlns:a14="http://schemas.microsoft.com/office/drawing/2010/main">
+                <a:solidFill>
+                  <a:srgbClr val="FFFFFF"/>
+                </a:solidFill>
+              </a14:hiddenFill>
+            </a:ext>
+          </a:extLst>
+        </p:spPr>
+      </p:pic>
+      <p:pic>
+        <p:nvPicPr>
+          <p:cNvPr id="113" name="Picture 10" descr="Database Symbol Png - Database Icon Flat - Free Transparent PNG Clipart  Images Download">
+            <a:extLst>
+              <a:ext uri="{FF2B5EF4-FFF2-40B4-BE49-F238E27FC236}">
+                <a16:creationId xmlns:a16="http://schemas.microsoft.com/office/drawing/2014/main" id="{AAFA50F2-6F2C-4481-83B3-43CFC19130CE}"/>
+              </a:ext>
+            </a:extLst>
+          </p:cNvPr>
+          <p:cNvPicPr>
+            <a:picLocks noChangeAspect="1" noChangeArrowheads="1"/>
+          </p:cNvPicPr>
+          <p:nvPr/>
+        </p:nvPicPr>
+        <p:blipFill>
+          <a:blip r:embed="rId5">
+            <a:lum bright="70000" contrast="-70000"/>
+            <a:extLst>
+              <a:ext uri="{BEBA8EAE-BF5A-486C-A8C5-ECC9F3942E4B}">
+                <a14:imgProps xmlns:a14="http://schemas.microsoft.com/office/drawing/2010/main">
+                  <a14:imgLayer r:embed="rId6">
+                    <a14:imgEffect>
+                      <a14:backgroundRemoval t="8113" b="89947" l="10000" r="90000">
+                        <a14:foregroundMark x1="52262" y1="8113" x2="52262" y2="8113"/>
+                        <a14:foregroundMark x1="50952" y1="49030" x2="50952" y2="49559"/>
+                        <a14:foregroundMark x1="50714" y1="69841" x2="50714" y2="69841"/>
+                        <a14:foregroundMark x1="46548" y1="84480" x2="46548" y2="84480"/>
+                      </a14:backgroundRemoval>
+                    </a14:imgEffect>
+                  </a14:imgLayer>
+                </a14:imgProps>
+              </a:ext>
+              <a:ext uri="{28A0092B-C50C-407E-A947-70E740481C1C}">
+                <a14:useLocalDpi xmlns:a14="http://schemas.microsoft.com/office/drawing/2010/main" val="0"/>
+              </a:ext>
+            </a:extLst>
+          </a:blip>
+          <a:srcRect/>
+          <a:stretch>
+            <a:fillRect/>
+          </a:stretch>
+        </p:blipFill>
+        <p:spPr bwMode="auto">
+          <a:xfrm>
+            <a:off x="2892479" y="1350192"/>
+            <a:ext cx="264052" cy="178235"/>
+          </a:xfrm>
+          <a:prstGeom prst="rect">
+            <a:avLst/>
+          </a:prstGeom>
+          <a:noFill/>
+          <a:extLst>
+            <a:ext uri="{909E8E84-426E-40DD-AFC4-6F175D3DCCD1}">
+              <a14:hiddenFill xmlns:a14="http://schemas.microsoft.com/office/drawing/2010/main">
+                <a:solidFill>
+                  <a:srgbClr val="FFFFFF"/>
+                </a:solidFill>
+              </a14:hiddenFill>
+            </a:ext>
+          </a:extLst>
+        </p:spPr>
+      </p:pic>
+      <p:pic>
+        <p:nvPicPr>
+          <p:cNvPr id="114" name="Picture 10" descr="Database Symbol Png - Database Icon Flat - Free Transparent PNG Clipart  Images Download">
+            <a:extLst>
+              <a:ext uri="{FF2B5EF4-FFF2-40B4-BE49-F238E27FC236}">
+                <a16:creationId xmlns:a16="http://schemas.microsoft.com/office/drawing/2014/main" id="{E0FD203A-BC64-46E3-B722-BA87700893DD}"/>
+              </a:ext>
+            </a:extLst>
+          </p:cNvPr>
+          <p:cNvPicPr>
+            <a:picLocks noChangeAspect="1" noChangeArrowheads="1"/>
+          </p:cNvPicPr>
+          <p:nvPr/>
+        </p:nvPicPr>
+        <p:blipFill>
+          <a:blip r:embed="rId5">
+            <a:lum bright="70000" contrast="-70000"/>
+            <a:extLst>
+              <a:ext uri="{BEBA8EAE-BF5A-486C-A8C5-ECC9F3942E4B}">
+                <a14:imgProps xmlns:a14="http://schemas.microsoft.com/office/drawing/2010/main">
+                  <a14:imgLayer r:embed="rId6">
+                    <a14:imgEffect>
+                      <a14:backgroundRemoval t="8113" b="89947" l="10000" r="90000">
+                        <a14:foregroundMark x1="52262" y1="8113" x2="52262" y2="8113"/>
+                        <a14:foregroundMark x1="50952" y1="49030" x2="50952" y2="49559"/>
+                        <a14:foregroundMark x1="50714" y1="69841" x2="50714" y2="69841"/>
+                        <a14:foregroundMark x1="46548" y1="84480" x2="46548" y2="84480"/>
+                      </a14:backgroundRemoval>
+                    </a14:imgEffect>
+                  </a14:imgLayer>
+                </a14:imgProps>
+              </a:ext>
+              <a:ext uri="{28A0092B-C50C-407E-A947-70E740481C1C}">
+                <a14:useLocalDpi xmlns:a14="http://schemas.microsoft.com/office/drawing/2010/main" val="0"/>
+              </a:ext>
+            </a:extLst>
+          </a:blip>
+          <a:srcRect/>
+          <a:stretch>
+            <a:fillRect/>
+          </a:stretch>
+        </p:blipFill>
+        <p:spPr bwMode="auto">
+          <a:xfrm>
+            <a:off x="2904836" y="2330353"/>
+            <a:ext cx="264052" cy="178235"/>
+          </a:xfrm>
+          <a:prstGeom prst="rect">
+            <a:avLst/>
+          </a:prstGeom>
+          <a:noFill/>
+          <a:extLst>
+            <a:ext uri="{909E8E84-426E-40DD-AFC4-6F175D3DCCD1}">
+              <a14:hiddenFill xmlns:a14="http://schemas.microsoft.com/office/drawing/2010/main">
+                <a:solidFill>
+                  <a:srgbClr val="FFFFFF"/>
+                </a:solidFill>
+              </a14:hiddenFill>
+            </a:ext>
+          </a:extLst>
+        </p:spPr>
+      </p:pic>
+      <p:sp>
+        <p:nvSpPr>
+          <p:cNvPr id="115" name="Rectangle 114">
+            <a:extLst>
+              <a:ext uri="{FF2B5EF4-FFF2-40B4-BE49-F238E27FC236}">
+                <a16:creationId xmlns:a16="http://schemas.microsoft.com/office/drawing/2014/main" id="{AD81E77F-83D0-4571-9B9C-6332412A6F87}"/>
+              </a:ext>
+            </a:extLst>
+          </p:cNvPr>
+          <p:cNvSpPr/>
+          <p:nvPr/>
+        </p:nvSpPr>
+        <p:spPr>
+          <a:xfrm>
+            <a:off x="1256241" y="2584787"/>
+            <a:ext cx="1044000" cy="108000"/>
+          </a:xfrm>
+          <a:prstGeom prst="rect">
+            <a:avLst/>
+          </a:prstGeom>
+          <a:noFill/>
+          <a:ln>
+            <a:noFill/>
+          </a:ln>
+        </p:spPr>
+        <p:style>
+          <a:lnRef idx="2">
+            <a:schemeClr val="accent1">
+              <a:shade val="50000"/>
+            </a:schemeClr>
+          </a:lnRef>
+          <a:fillRef idx="1">
+            <a:schemeClr val="accent1"/>
+          </a:fillRef>
+          <a:effectRef idx="0">
+            <a:schemeClr val="accent1"/>
+          </a:effectRef>
+          <a:fontRef idx="minor">
+            <a:schemeClr val="lt1"/>
+          </a:fontRef>
+        </p:style>
+        <p:txBody>
+          <a:bodyPr rtlCol="0" anchor="ctr"/>
+          <a:lstStyle/>
+          <a:p>
+            <a:pPr algn="ctr"/>
+            <a:r>
+              <a:rPr lang="en-US" sz="600" b="1" i="0" dirty="0">
+                <a:effectLst/>
+                <a:latin typeface="Tahoma" panose="020B0604030504040204" pitchFamily="34" charset="0"/>
+                <a:ea typeface="Tahoma" panose="020B0604030504040204" pitchFamily="34" charset="0"/>
+                <a:cs typeface="Tahoma" panose="020B0604030504040204" pitchFamily="34" charset="0"/>
+              </a:rPr>
+              <a:t>Visualcross_hist</a:t>
+            </a:r>
+            <a:r>
+              <a:rPr lang="en-US" sz="600" b="1" dirty="0">
+                <a:solidFill>
+                  <a:schemeClr val="bg1"/>
+                </a:solidFill>
+                <a:latin typeface="Tahoma" panose="020B0604030504040204" pitchFamily="34" charset="0"/>
+                <a:ea typeface="Tahoma" panose="020B0604030504040204" pitchFamily="34" charset="0"/>
+                <a:cs typeface="Tahoma" panose="020B0604030504040204" pitchFamily="34" charset="0"/>
+              </a:rPr>
+              <a:t>.py</a:t>
+            </a:r>
+            <a:endParaRPr lang="th-TH" sz="600" b="1" dirty="0">
+              <a:solidFill>
+                <a:schemeClr val="bg1"/>
+              </a:solidFill>
+              <a:latin typeface="Tahoma" panose="020B0604030504040204" pitchFamily="34" charset="0"/>
+              <a:ea typeface="Tahoma" panose="020B0604030504040204" pitchFamily="34" charset="0"/>
+              <a:cs typeface="Tahoma" panose="020B0604030504040204" pitchFamily="34" charset="0"/>
+            </a:endParaRPr>
+          </a:p>
+        </p:txBody>
+      </p:sp>
+      <p:pic>
+        <p:nvPicPr>
+          <p:cNvPr id="116" name="Picture 115" descr="A picture containing logo&#10;&#10;Description automatically generated">
+            <a:extLst>
+              <a:ext uri="{FF2B5EF4-FFF2-40B4-BE49-F238E27FC236}">
+                <a16:creationId xmlns:a16="http://schemas.microsoft.com/office/drawing/2014/main" id="{00DCD75D-3B96-4A75-A65E-A3ECE21B15D8}"/>
+              </a:ext>
+            </a:extLst>
+          </p:cNvPr>
+          <p:cNvPicPr>
+            <a:picLocks noChangeAspect="1"/>
+          </p:cNvPicPr>
+          <p:nvPr/>
+        </p:nvPicPr>
+        <p:blipFill>
+          <a:blip r:embed="rId7">
+            <a:lum bright="70000" contrast="-70000"/>
+            <a:extLst>
+              <a:ext uri="{28A0092B-C50C-407E-A947-70E740481C1C}">
+                <a14:useLocalDpi xmlns:a14="http://schemas.microsoft.com/office/drawing/2010/main" val="0"/>
+              </a:ext>
+            </a:extLst>
+          </a:blip>
+          <a:stretch>
+            <a:fillRect/>
+          </a:stretch>
+        </p:blipFill>
+        <p:spPr>
+          <a:xfrm>
+            <a:off x="1389766" y="2118289"/>
+            <a:ext cx="844925" cy="153803"/>
+          </a:xfrm>
+          <a:prstGeom prst="rect">
+            <a:avLst/>
+          </a:prstGeom>
+        </p:spPr>
+      </p:pic>
+      <p:pic>
+        <p:nvPicPr>
+          <p:cNvPr id="119" name="Picture 4" descr="Top 10 Tips for Using PowerShell ISE | Rana Omer Hussain's RegEdit">
+            <a:extLst>
+              <a:ext uri="{FF2B5EF4-FFF2-40B4-BE49-F238E27FC236}">
+                <a16:creationId xmlns:a16="http://schemas.microsoft.com/office/drawing/2014/main" id="{4ADEFD94-5359-4363-AECF-14D8C35DBD2D}"/>
+              </a:ext>
+            </a:extLst>
+          </p:cNvPr>
+          <p:cNvPicPr>
+            <a:picLocks noChangeAspect="1" noChangeArrowheads="1"/>
+          </p:cNvPicPr>
+          <p:nvPr/>
+        </p:nvPicPr>
+        <p:blipFill>
+          <a:blip r:embed="rId4">
+            <a:extLst>
+              <a:ext uri="{28A0092B-C50C-407E-A947-70E740481C1C}">
+                <a14:useLocalDpi xmlns:a14="http://schemas.microsoft.com/office/drawing/2010/main" val="0"/>
+              </a:ext>
+            </a:extLst>
+          </a:blip>
+          <a:srcRect/>
+          <a:stretch>
+            <a:fillRect/>
+          </a:stretch>
+        </p:blipFill>
+        <p:spPr bwMode="auto">
+          <a:xfrm>
+            <a:off x="1633317" y="3158896"/>
+            <a:ext cx="289849" cy="289849"/>
+          </a:xfrm>
+          <a:prstGeom prst="rect">
+            <a:avLst/>
+          </a:prstGeom>
+          <a:noFill/>
+          <a:extLst>
+            <a:ext uri="{909E8E84-426E-40DD-AFC4-6F175D3DCCD1}">
+              <a14:hiddenFill xmlns:a14="http://schemas.microsoft.com/office/drawing/2010/main">
+                <a:solidFill>
+                  <a:srgbClr val="FFFFFF"/>
+                </a:solidFill>
+              </a14:hiddenFill>
+            </a:ext>
+          </a:extLst>
+        </p:spPr>
+      </p:pic>
+      <p:sp>
+        <p:nvSpPr>
+          <p:cNvPr id="120" name="Rectangle: Rounded Corners 119">
+            <a:extLst>
+              <a:ext uri="{FF2B5EF4-FFF2-40B4-BE49-F238E27FC236}">
+                <a16:creationId xmlns:a16="http://schemas.microsoft.com/office/drawing/2014/main" id="{9D78F7C7-EAE1-4EF0-852D-EE6F7250324A}"/>
+              </a:ext>
+            </a:extLst>
+          </p:cNvPr>
+          <p:cNvSpPr/>
+          <p:nvPr/>
+        </p:nvSpPr>
+        <p:spPr>
+          <a:xfrm>
+            <a:off x="2466262" y="3229254"/>
+            <a:ext cx="565653" cy="144000"/>
+          </a:xfrm>
+          <a:prstGeom prst="roundRect">
+            <a:avLst>
+              <a:gd name="adj" fmla="val 5317"/>
+            </a:avLst>
+          </a:prstGeom>
+          <a:noFill/>
+          <a:ln>
+            <a:noFill/>
+          </a:ln>
+        </p:spPr>
+        <p:style>
+          <a:lnRef idx="2">
+            <a:schemeClr val="accent1">
+              <a:shade val="50000"/>
+            </a:schemeClr>
+          </a:lnRef>
+          <a:fillRef idx="1">
+            <a:schemeClr val="accent1"/>
+          </a:fillRef>
+          <a:effectRef idx="0">
+            <a:schemeClr val="accent1"/>
+          </a:effectRef>
+          <a:fontRef idx="minor">
+            <a:schemeClr val="lt1"/>
+          </a:fontRef>
+        </p:style>
+        <p:txBody>
+          <a:bodyPr rtlCol="0" anchor="ctr"/>
+          <a:lstStyle/>
+          <a:p>
+            <a:pPr algn="ctr"/>
+            <a:r>
+              <a:rPr lang="en-US" sz="1100" b="1" dirty="0">
+                <a:solidFill>
+                  <a:schemeClr val="bg1"/>
+                </a:solidFill>
+                <a:latin typeface="Tahoma" panose="020B0604030504040204" pitchFamily="34" charset="0"/>
+                <a:ea typeface="Tahoma" panose="020B0604030504040204" pitchFamily="34" charset="0"/>
+                <a:cs typeface="Tahoma" panose="020B0604030504040204" pitchFamily="34" charset="0"/>
+              </a:rPr>
+              <a:t>T, Rh</a:t>
+            </a:r>
+            <a:endParaRPr lang="th-TH" sz="1100" b="1" dirty="0">
+              <a:solidFill>
+                <a:schemeClr val="bg1"/>
+              </a:solidFill>
+              <a:latin typeface="Tahoma" panose="020B0604030504040204" pitchFamily="34" charset="0"/>
+              <a:ea typeface="Tahoma" panose="020B0604030504040204" pitchFamily="34" charset="0"/>
+              <a:cs typeface="Tahoma" panose="020B0604030504040204" pitchFamily="34" charset="0"/>
+            </a:endParaRPr>
+          </a:p>
+        </p:txBody>
+      </p:sp>
+      <p:cxnSp>
+        <p:nvCxnSpPr>
+          <p:cNvPr id="121" name="Straight Arrow Connector 120">
+            <a:extLst>
+              <a:ext uri="{FF2B5EF4-FFF2-40B4-BE49-F238E27FC236}">
+                <a16:creationId xmlns:a16="http://schemas.microsoft.com/office/drawing/2014/main" id="{F67F5414-7024-4E6F-88A0-B31BDE7A002C}"/>
+              </a:ext>
+            </a:extLst>
+          </p:cNvPr>
+          <p:cNvCxnSpPr>
+            <a:cxnSpLocks/>
+            <a:stCxn id="119" idx="3"/>
+            <a:endCxn id="120" idx="1"/>
+          </p:cNvCxnSpPr>
+          <p:nvPr/>
+        </p:nvCxnSpPr>
+        <p:spPr>
+          <a:xfrm flipV="1">
+            <a:off x="1923166" y="3301254"/>
+            <a:ext cx="543096" cy="2567"/>
+          </a:xfrm>
+          <a:prstGeom prst="straightConnector1">
+            <a:avLst/>
+          </a:prstGeom>
+          <a:ln w="12700">
+            <a:solidFill>
+              <a:schemeClr val="bg1"/>
+            </a:solidFill>
+            <a:tailEnd type="triangle"/>
+          </a:ln>
+        </p:spPr>
+        <p:style>
+          <a:lnRef idx="1">
+            <a:schemeClr val="accent1"/>
+          </a:lnRef>
+          <a:fillRef idx="0">
+            <a:schemeClr val="accent1"/>
+          </a:fillRef>
+          <a:effectRef idx="0">
+            <a:schemeClr val="accent1"/>
+          </a:effectRef>
+          <a:fontRef idx="minor">
+            <a:schemeClr val="tx1"/>
+          </a:fontRef>
+        </p:style>
+      </p:cxnSp>
+      <p:sp>
+        <p:nvSpPr>
+          <p:cNvPr id="122" name="TextBox 121">
+            <a:extLst>
+              <a:ext uri="{FF2B5EF4-FFF2-40B4-BE49-F238E27FC236}">
+                <a16:creationId xmlns:a16="http://schemas.microsoft.com/office/drawing/2014/main" id="{5A92D0DB-7E11-4E63-9303-1B642E8477DE}"/>
+              </a:ext>
+            </a:extLst>
+          </p:cNvPr>
+          <p:cNvSpPr txBox="1"/>
+          <p:nvPr/>
+        </p:nvSpPr>
+        <p:spPr>
+          <a:xfrm>
+            <a:off x="2603235" y="3344383"/>
+            <a:ext cx="647934" cy="184666"/>
+          </a:xfrm>
+          <a:prstGeom prst="rect">
+            <a:avLst/>
+          </a:prstGeom>
+          <a:noFill/>
+        </p:spPr>
+        <p:txBody>
+          <a:bodyPr wrap="none" rtlCol="0">
+            <a:spAutoFit/>
+          </a:bodyPr>
+          <a:lstStyle/>
+          <a:p>
+            <a:r>
+              <a:rPr lang="en-US" sz="600" u="sng" dirty="0">
+                <a:solidFill>
+                  <a:schemeClr val="accent4">
+                    <a:lumMod val="60000"/>
+                    <a:lumOff val="40000"/>
+                  </a:schemeClr>
+                </a:solidFill>
+                <a:latin typeface="Tahoma" panose="020B0604030504040204" pitchFamily="34" charset="0"/>
+                <a:ea typeface="Tahoma" panose="020B0604030504040204" pitchFamily="34" charset="0"/>
+                <a:cs typeface="Tahoma" panose="020B0604030504040204" pitchFamily="34" charset="0"/>
+              </a:rPr>
+              <a:t>Estimate data</a:t>
+            </a:r>
+            <a:endParaRPr lang="th-TH" sz="600" u="sng" dirty="0">
+              <a:solidFill>
+                <a:schemeClr val="accent4">
+                  <a:lumMod val="60000"/>
+                  <a:lumOff val="40000"/>
+                </a:schemeClr>
+              </a:solidFill>
+              <a:latin typeface="Tahoma" panose="020B0604030504040204" pitchFamily="34" charset="0"/>
+              <a:ea typeface="Tahoma" panose="020B0604030504040204" pitchFamily="34" charset="0"/>
+              <a:cs typeface="Tahoma" panose="020B0604030504040204" pitchFamily="34" charset="0"/>
+            </a:endParaRPr>
+          </a:p>
+        </p:txBody>
+      </p:sp>
+      <p:sp>
+        <p:nvSpPr>
+          <p:cNvPr id="123" name="Rectangle 122">
+            <a:extLst>
+              <a:ext uri="{FF2B5EF4-FFF2-40B4-BE49-F238E27FC236}">
+                <a16:creationId xmlns:a16="http://schemas.microsoft.com/office/drawing/2014/main" id="{61FD50AB-5CB6-455B-ACE6-6657E95440A5}"/>
+              </a:ext>
+            </a:extLst>
+          </p:cNvPr>
+          <p:cNvSpPr/>
+          <p:nvPr/>
+        </p:nvSpPr>
+        <p:spPr>
+          <a:xfrm>
+            <a:off x="555314" y="3253580"/>
+            <a:ext cx="576000" cy="108000"/>
+          </a:xfrm>
+          <a:prstGeom prst="rect">
+            <a:avLst/>
+          </a:prstGeom>
+          <a:noFill/>
+          <a:ln>
+            <a:noFill/>
+          </a:ln>
+        </p:spPr>
+        <p:style>
+          <a:lnRef idx="2">
+            <a:schemeClr val="accent1">
+              <a:shade val="50000"/>
+            </a:schemeClr>
+          </a:lnRef>
+          <a:fillRef idx="1">
+            <a:schemeClr val="accent1"/>
+          </a:fillRef>
+          <a:effectRef idx="0">
+            <a:schemeClr val="accent1"/>
+          </a:effectRef>
+          <a:fontRef idx="minor">
+            <a:schemeClr val="lt1"/>
+          </a:fontRef>
+        </p:style>
+        <p:txBody>
+          <a:bodyPr rtlCol="0" anchor="ctr"/>
+          <a:lstStyle/>
+          <a:p>
+            <a:pPr algn="ctr"/>
+            <a:r>
+              <a:rPr lang="en-US" sz="800" b="1" dirty="0">
+                <a:solidFill>
+                  <a:schemeClr val="bg1"/>
+                </a:solidFill>
+                <a:latin typeface="Tahoma" panose="020B0604030504040204" pitchFamily="34" charset="0"/>
+                <a:ea typeface="Tahoma" panose="020B0604030504040204" pitchFamily="34" charset="0"/>
+                <a:cs typeface="Tahoma" panose="020B0604030504040204" pitchFamily="34" charset="0"/>
+              </a:rPr>
+              <a:t>Lat-</a:t>
+            </a:r>
+            <a:r>
+              <a:rPr lang="en-US" sz="800" b="1" dirty="0" err="1">
+                <a:solidFill>
+                  <a:schemeClr val="bg1"/>
+                </a:solidFill>
+                <a:latin typeface="Tahoma" panose="020B0604030504040204" pitchFamily="34" charset="0"/>
+                <a:ea typeface="Tahoma" panose="020B0604030504040204" pitchFamily="34" charset="0"/>
+                <a:cs typeface="Tahoma" panose="020B0604030504040204" pitchFamily="34" charset="0"/>
+              </a:rPr>
+              <a:t>lon</a:t>
+            </a:r>
+            <a:endParaRPr lang="th-TH" sz="800" b="1" dirty="0">
+              <a:solidFill>
+                <a:schemeClr val="bg1"/>
+              </a:solidFill>
+              <a:latin typeface="Tahoma" panose="020B0604030504040204" pitchFamily="34" charset="0"/>
+              <a:ea typeface="Tahoma" panose="020B0604030504040204" pitchFamily="34" charset="0"/>
+              <a:cs typeface="Tahoma" panose="020B0604030504040204" pitchFamily="34" charset="0"/>
+            </a:endParaRPr>
+          </a:p>
+        </p:txBody>
+      </p:sp>
+      <p:cxnSp>
+        <p:nvCxnSpPr>
+          <p:cNvPr id="124" name="Straight Arrow Connector 123">
+            <a:extLst>
+              <a:ext uri="{FF2B5EF4-FFF2-40B4-BE49-F238E27FC236}">
+                <a16:creationId xmlns:a16="http://schemas.microsoft.com/office/drawing/2014/main" id="{D24BD1B5-E8E6-45E0-835F-22EB464B2C8F}"/>
+              </a:ext>
+            </a:extLst>
+          </p:cNvPr>
+          <p:cNvCxnSpPr>
+            <a:cxnSpLocks/>
+            <a:stCxn id="123" idx="3"/>
+            <a:endCxn id="119" idx="1"/>
+          </p:cNvCxnSpPr>
+          <p:nvPr/>
+        </p:nvCxnSpPr>
+        <p:spPr>
+          <a:xfrm flipV="1">
+            <a:off x="1131314" y="3303821"/>
+            <a:ext cx="502003" cy="3759"/>
+          </a:xfrm>
+          <a:prstGeom prst="straightConnector1">
+            <a:avLst/>
+          </a:prstGeom>
+          <a:ln w="12700">
+            <a:solidFill>
+              <a:schemeClr val="bg1"/>
+            </a:solidFill>
+            <a:tailEnd type="triangle"/>
+          </a:ln>
+        </p:spPr>
+        <p:style>
+          <a:lnRef idx="1">
+            <a:schemeClr val="accent1"/>
+          </a:lnRef>
+          <a:fillRef idx="0">
+            <a:schemeClr val="accent1"/>
+          </a:fillRef>
+          <a:effectRef idx="0">
+            <a:schemeClr val="accent1"/>
+          </a:effectRef>
+          <a:fontRef idx="minor">
+            <a:schemeClr val="tx1"/>
+          </a:fontRef>
+        </p:style>
+      </p:cxnSp>
+      <p:pic>
+        <p:nvPicPr>
+          <p:cNvPr id="125" name="Picture 10" descr="Database Symbol Png - Database Icon Flat - Free Transparent PNG Clipart  Images Download">
+            <a:extLst>
+              <a:ext uri="{FF2B5EF4-FFF2-40B4-BE49-F238E27FC236}">
+                <a16:creationId xmlns:a16="http://schemas.microsoft.com/office/drawing/2014/main" id="{F4DC1C1F-85AF-40DD-AE8E-452798536AF0}"/>
+              </a:ext>
+            </a:extLst>
+          </p:cNvPr>
+          <p:cNvPicPr>
+            <a:picLocks noChangeAspect="1" noChangeArrowheads="1"/>
+          </p:cNvPicPr>
+          <p:nvPr/>
+        </p:nvPicPr>
+        <p:blipFill>
+          <a:blip r:embed="rId5">
+            <a:lum bright="70000" contrast="-70000"/>
+            <a:extLst>
+              <a:ext uri="{BEBA8EAE-BF5A-486C-A8C5-ECC9F3942E4B}">
+                <a14:imgProps xmlns:a14="http://schemas.microsoft.com/office/drawing/2010/main">
+                  <a14:imgLayer r:embed="rId6">
+                    <a14:imgEffect>
+                      <a14:backgroundRemoval t="8113" b="89947" l="10000" r="90000">
+                        <a14:foregroundMark x1="52262" y1="8113" x2="52262" y2="8113"/>
+                        <a14:foregroundMark x1="50952" y1="49030" x2="50952" y2="49559"/>
+                        <a14:foregroundMark x1="50714" y1="69841" x2="50714" y2="69841"/>
+                        <a14:foregroundMark x1="46548" y1="84480" x2="46548" y2="84480"/>
+                      </a14:backgroundRemoval>
+                    </a14:imgEffect>
+                  </a14:imgLayer>
+                </a14:imgProps>
+              </a:ext>
+              <a:ext uri="{28A0092B-C50C-407E-A947-70E740481C1C}">
+                <a14:useLocalDpi xmlns:a14="http://schemas.microsoft.com/office/drawing/2010/main" val="0"/>
+              </a:ext>
+            </a:extLst>
+          </a:blip>
+          <a:srcRect/>
+          <a:stretch>
+            <a:fillRect/>
+          </a:stretch>
+        </p:blipFill>
+        <p:spPr bwMode="auto">
+          <a:xfrm>
+            <a:off x="2904836" y="3207117"/>
+            <a:ext cx="264052" cy="178235"/>
+          </a:xfrm>
+          <a:prstGeom prst="rect">
+            <a:avLst/>
+          </a:prstGeom>
+          <a:noFill/>
+          <a:extLst>
+            <a:ext uri="{909E8E84-426E-40DD-AFC4-6F175D3DCCD1}">
+              <a14:hiddenFill xmlns:a14="http://schemas.microsoft.com/office/drawing/2010/main">
+                <a:solidFill>
+                  <a:srgbClr val="FFFFFF"/>
+                </a:solidFill>
+              </a14:hiddenFill>
+            </a:ext>
+          </a:extLst>
+        </p:spPr>
+      </p:pic>
+      <p:sp>
+        <p:nvSpPr>
+          <p:cNvPr id="126" name="Rectangle 125">
+            <a:extLst>
+              <a:ext uri="{FF2B5EF4-FFF2-40B4-BE49-F238E27FC236}">
+                <a16:creationId xmlns:a16="http://schemas.microsoft.com/office/drawing/2014/main" id="{40957B5A-03AD-46F1-BFF0-0F7A5F580424}"/>
+              </a:ext>
+            </a:extLst>
+          </p:cNvPr>
+          <p:cNvSpPr/>
+          <p:nvPr/>
+        </p:nvSpPr>
+        <p:spPr>
+          <a:xfrm>
+            <a:off x="1256241" y="3461551"/>
+            <a:ext cx="1044000" cy="108000"/>
+          </a:xfrm>
+          <a:prstGeom prst="rect">
+            <a:avLst/>
+          </a:prstGeom>
+          <a:noFill/>
+          <a:ln>
+            <a:noFill/>
+          </a:ln>
+        </p:spPr>
+        <p:style>
+          <a:lnRef idx="2">
+            <a:schemeClr val="accent1">
+              <a:shade val="50000"/>
+            </a:schemeClr>
+          </a:lnRef>
+          <a:fillRef idx="1">
+            <a:schemeClr val="accent1"/>
+          </a:fillRef>
+          <a:effectRef idx="0">
+            <a:schemeClr val="accent1"/>
+          </a:effectRef>
+          <a:fontRef idx="minor">
+            <a:schemeClr val="lt1"/>
+          </a:fontRef>
+        </p:style>
+        <p:txBody>
+          <a:bodyPr rtlCol="0" anchor="ctr"/>
+          <a:lstStyle/>
+          <a:p>
+            <a:pPr algn="ctr"/>
+            <a:r>
+              <a:rPr lang="en-US" sz="600" b="1" i="0" dirty="0">
+                <a:effectLst/>
+                <a:latin typeface="Tahoma" panose="020B0604030504040204" pitchFamily="34" charset="0"/>
+                <a:ea typeface="Tahoma" panose="020B0604030504040204" pitchFamily="34" charset="0"/>
+                <a:cs typeface="Tahoma" panose="020B0604030504040204" pitchFamily="34" charset="0"/>
+              </a:rPr>
+              <a:t>open_his_data</a:t>
+            </a:r>
+            <a:r>
+              <a:rPr lang="en-US" sz="600" b="1" dirty="0">
+                <a:solidFill>
+                  <a:schemeClr val="bg1"/>
+                </a:solidFill>
+                <a:latin typeface="Tahoma" panose="020B0604030504040204" pitchFamily="34" charset="0"/>
+                <a:ea typeface="Tahoma" panose="020B0604030504040204" pitchFamily="34" charset="0"/>
+                <a:cs typeface="Tahoma" panose="020B0604030504040204" pitchFamily="34" charset="0"/>
+              </a:rPr>
+              <a:t>.py</a:t>
+            </a:r>
+            <a:endParaRPr lang="th-TH" sz="600" b="1" dirty="0">
+              <a:solidFill>
+                <a:schemeClr val="bg1"/>
+              </a:solidFill>
+              <a:latin typeface="Tahoma" panose="020B0604030504040204" pitchFamily="34" charset="0"/>
+              <a:ea typeface="Tahoma" panose="020B0604030504040204" pitchFamily="34" charset="0"/>
+              <a:cs typeface="Tahoma" panose="020B0604030504040204" pitchFamily="34" charset="0"/>
+            </a:endParaRPr>
+          </a:p>
+        </p:txBody>
+      </p:sp>
+      <p:pic>
+        <p:nvPicPr>
+          <p:cNvPr id="129" name="Picture 8" descr="GitHub - pirasanthan-jesugeevegan/amt-cypress-weatherAPI: This is a task to  Automate the OpenWeather API using Cypress and Mochawesome report, Please  see below for the Test Case that are automated">
+            <a:extLst>
+              <a:ext uri="{FF2B5EF4-FFF2-40B4-BE49-F238E27FC236}">
+                <a16:creationId xmlns:a16="http://schemas.microsoft.com/office/drawing/2014/main" id="{1B370C35-E923-47F0-9D77-7485EC5276F4}"/>
+              </a:ext>
+            </a:extLst>
+          </p:cNvPr>
+          <p:cNvPicPr>
+            <a:picLocks noChangeAspect="1" noChangeArrowheads="1"/>
+          </p:cNvPicPr>
+          <p:nvPr/>
+        </p:nvPicPr>
+        <p:blipFill>
+          <a:blip r:embed="rId8">
+            <a:lum bright="70000" contrast="-70000"/>
+            <a:extLst>
+              <a:ext uri="{28A0092B-C50C-407E-A947-70E740481C1C}">
+                <a14:useLocalDpi xmlns:a14="http://schemas.microsoft.com/office/drawing/2010/main" val="0"/>
+              </a:ext>
+            </a:extLst>
+          </a:blip>
+          <a:srcRect/>
+          <a:stretch>
+            <a:fillRect/>
+          </a:stretch>
+        </p:blipFill>
+        <p:spPr bwMode="auto">
+          <a:xfrm>
+            <a:off x="1568918" y="2904079"/>
+            <a:ext cx="522772" cy="223050"/>
+          </a:xfrm>
+          <a:prstGeom prst="rect">
+            <a:avLst/>
+          </a:prstGeom>
+          <a:noFill/>
+          <a:extLst>
+            <a:ext uri="{909E8E84-426E-40DD-AFC4-6F175D3DCCD1}">
+              <a14:hiddenFill xmlns:a14="http://schemas.microsoft.com/office/drawing/2010/main">
+                <a:solidFill>
+                  <a:srgbClr val="FFFFFF"/>
+                </a:solidFill>
+              </a14:hiddenFill>
+            </a:ext>
+          </a:extLst>
+        </p:spPr>
+      </p:pic>
+      <p:pic>
+        <p:nvPicPr>
+          <p:cNvPr id="131" name="Picture 4" descr="Top 10 Tips for Using PowerShell ISE | Rana Omer Hussain's RegEdit">
+            <a:extLst>
+              <a:ext uri="{FF2B5EF4-FFF2-40B4-BE49-F238E27FC236}">
+                <a16:creationId xmlns:a16="http://schemas.microsoft.com/office/drawing/2014/main" id="{635F9D71-D6AA-4ECE-92D7-8F21B3384E27}"/>
+              </a:ext>
+            </a:extLst>
+          </p:cNvPr>
+          <p:cNvPicPr>
+            <a:picLocks noChangeAspect="1" noChangeArrowheads="1"/>
+          </p:cNvPicPr>
+          <p:nvPr/>
+        </p:nvPicPr>
+        <p:blipFill>
+          <a:blip r:embed="rId4">
+            <a:extLst>
+              <a:ext uri="{28A0092B-C50C-407E-A947-70E740481C1C}">
+                <a14:useLocalDpi xmlns:a14="http://schemas.microsoft.com/office/drawing/2010/main" val="0"/>
+              </a:ext>
+            </a:extLst>
+          </a:blip>
+          <a:srcRect/>
+          <a:stretch>
+            <a:fillRect/>
+          </a:stretch>
+        </p:blipFill>
+        <p:spPr bwMode="auto">
+          <a:xfrm>
+            <a:off x="1633317" y="4019095"/>
+            <a:ext cx="289849" cy="289849"/>
+          </a:xfrm>
+          <a:prstGeom prst="rect">
+            <a:avLst/>
+          </a:prstGeom>
+          <a:noFill/>
+          <a:extLst>
+            <a:ext uri="{909E8E84-426E-40DD-AFC4-6F175D3DCCD1}">
+              <a14:hiddenFill xmlns:a14="http://schemas.microsoft.com/office/drawing/2010/main">
+                <a:solidFill>
+                  <a:srgbClr val="FFFFFF"/>
+                </a:solidFill>
+              </a14:hiddenFill>
+            </a:ext>
+          </a:extLst>
+        </p:spPr>
+      </p:pic>
+      <p:sp>
+        <p:nvSpPr>
+          <p:cNvPr id="132" name="Rectangle: Rounded Corners 131">
+            <a:extLst>
+              <a:ext uri="{FF2B5EF4-FFF2-40B4-BE49-F238E27FC236}">
+                <a16:creationId xmlns:a16="http://schemas.microsoft.com/office/drawing/2014/main" id="{421C80E5-EBEE-4BA1-A01A-02E9FA8A7047}"/>
+              </a:ext>
+            </a:extLst>
+          </p:cNvPr>
+          <p:cNvSpPr/>
+          <p:nvPr/>
+        </p:nvSpPr>
+        <p:spPr>
+          <a:xfrm>
+            <a:off x="2466262" y="4089453"/>
+            <a:ext cx="565653" cy="144000"/>
+          </a:xfrm>
+          <a:prstGeom prst="roundRect">
+            <a:avLst>
+              <a:gd name="adj" fmla="val 5317"/>
+            </a:avLst>
+          </a:prstGeom>
+          <a:noFill/>
+          <a:ln>
+            <a:noFill/>
+          </a:ln>
+        </p:spPr>
+        <p:style>
+          <a:lnRef idx="2">
+            <a:schemeClr val="accent1">
+              <a:shade val="50000"/>
+            </a:schemeClr>
+          </a:lnRef>
+          <a:fillRef idx="1">
+            <a:schemeClr val="accent1"/>
+          </a:fillRef>
+          <a:effectRef idx="0">
+            <a:schemeClr val="accent1"/>
+          </a:effectRef>
+          <a:fontRef idx="minor">
+            <a:schemeClr val="lt1"/>
+          </a:fontRef>
+        </p:style>
+        <p:txBody>
+          <a:bodyPr rtlCol="0" anchor="ctr"/>
+          <a:lstStyle/>
+          <a:p>
+            <a:pPr algn="ctr"/>
+            <a:r>
+              <a:rPr lang="en-US" sz="1100" b="1" dirty="0">
+                <a:solidFill>
+                  <a:schemeClr val="bg1"/>
+                </a:solidFill>
+                <a:latin typeface="Tahoma" panose="020B0604030504040204" pitchFamily="34" charset="0"/>
+                <a:ea typeface="Tahoma" panose="020B0604030504040204" pitchFamily="34" charset="0"/>
+                <a:cs typeface="Tahoma" panose="020B0604030504040204" pitchFamily="34" charset="0"/>
+              </a:rPr>
+              <a:t>T, Rh</a:t>
+            </a:r>
+            <a:endParaRPr lang="th-TH" sz="1100" b="1" dirty="0">
+              <a:solidFill>
+                <a:schemeClr val="bg1"/>
+              </a:solidFill>
+              <a:latin typeface="Tahoma" panose="020B0604030504040204" pitchFamily="34" charset="0"/>
+              <a:ea typeface="Tahoma" panose="020B0604030504040204" pitchFamily="34" charset="0"/>
+              <a:cs typeface="Tahoma" panose="020B0604030504040204" pitchFamily="34" charset="0"/>
+            </a:endParaRPr>
+          </a:p>
+        </p:txBody>
+      </p:sp>
+      <p:cxnSp>
+        <p:nvCxnSpPr>
+          <p:cNvPr id="133" name="Straight Arrow Connector 132">
+            <a:extLst>
+              <a:ext uri="{FF2B5EF4-FFF2-40B4-BE49-F238E27FC236}">
+                <a16:creationId xmlns:a16="http://schemas.microsoft.com/office/drawing/2014/main" id="{F58247F2-886C-4593-9A9A-2932D657ABEB}"/>
+              </a:ext>
+            </a:extLst>
+          </p:cNvPr>
+          <p:cNvCxnSpPr>
+            <a:cxnSpLocks/>
+            <a:stCxn id="131" idx="3"/>
+            <a:endCxn id="132" idx="1"/>
+          </p:cNvCxnSpPr>
+          <p:nvPr/>
+        </p:nvCxnSpPr>
+        <p:spPr>
+          <a:xfrm flipV="1">
+            <a:off x="1923166" y="4161453"/>
+            <a:ext cx="543096" cy="2567"/>
+          </a:xfrm>
+          <a:prstGeom prst="straightConnector1">
+            <a:avLst/>
+          </a:prstGeom>
+          <a:ln w="12700">
+            <a:solidFill>
+              <a:schemeClr val="bg1"/>
+            </a:solidFill>
+            <a:tailEnd type="triangle"/>
+          </a:ln>
+        </p:spPr>
+        <p:style>
+          <a:lnRef idx="1">
+            <a:schemeClr val="accent1"/>
+          </a:lnRef>
+          <a:fillRef idx="0">
+            <a:schemeClr val="accent1"/>
+          </a:fillRef>
+          <a:effectRef idx="0">
+            <a:schemeClr val="accent1"/>
+          </a:effectRef>
+          <a:fontRef idx="minor">
+            <a:schemeClr val="tx1"/>
+          </a:fontRef>
+        </p:style>
+      </p:cxnSp>
+      <p:sp>
+        <p:nvSpPr>
+          <p:cNvPr id="134" name="TextBox 133">
+            <a:extLst>
+              <a:ext uri="{FF2B5EF4-FFF2-40B4-BE49-F238E27FC236}">
+                <a16:creationId xmlns:a16="http://schemas.microsoft.com/office/drawing/2014/main" id="{5BA1ABF0-E3BE-444F-BC07-D75CBC1B1AAB}"/>
+              </a:ext>
+            </a:extLst>
+          </p:cNvPr>
+          <p:cNvSpPr txBox="1"/>
+          <p:nvPr/>
+        </p:nvSpPr>
+        <p:spPr>
+          <a:xfrm>
+            <a:off x="2603235" y="4204582"/>
+            <a:ext cx="647934" cy="184666"/>
+          </a:xfrm>
+          <a:prstGeom prst="rect">
+            <a:avLst/>
+          </a:prstGeom>
+          <a:noFill/>
+        </p:spPr>
+        <p:txBody>
+          <a:bodyPr wrap="none" rtlCol="0">
+            <a:spAutoFit/>
+          </a:bodyPr>
+          <a:lstStyle/>
+          <a:p>
+            <a:r>
+              <a:rPr lang="en-US" sz="600" u="sng" dirty="0">
+                <a:solidFill>
+                  <a:schemeClr val="accent4">
+                    <a:lumMod val="60000"/>
+                    <a:lumOff val="40000"/>
+                  </a:schemeClr>
+                </a:solidFill>
+                <a:latin typeface="Tahoma" panose="020B0604030504040204" pitchFamily="34" charset="0"/>
+                <a:ea typeface="Tahoma" panose="020B0604030504040204" pitchFamily="34" charset="0"/>
+                <a:cs typeface="Tahoma" panose="020B0604030504040204" pitchFamily="34" charset="0"/>
+              </a:rPr>
+              <a:t>Estimate data</a:t>
+            </a:r>
+            <a:endParaRPr lang="th-TH" sz="600" u="sng" dirty="0">
+              <a:solidFill>
+                <a:schemeClr val="accent4">
+                  <a:lumMod val="60000"/>
+                  <a:lumOff val="40000"/>
+                </a:schemeClr>
+              </a:solidFill>
+              <a:latin typeface="Tahoma" panose="020B0604030504040204" pitchFamily="34" charset="0"/>
+              <a:ea typeface="Tahoma" panose="020B0604030504040204" pitchFamily="34" charset="0"/>
+              <a:cs typeface="Tahoma" panose="020B0604030504040204" pitchFamily="34" charset="0"/>
+            </a:endParaRPr>
+          </a:p>
+        </p:txBody>
+      </p:sp>
+      <p:sp>
+        <p:nvSpPr>
+          <p:cNvPr id="135" name="Rectangle 134">
+            <a:extLst>
+              <a:ext uri="{FF2B5EF4-FFF2-40B4-BE49-F238E27FC236}">
+                <a16:creationId xmlns:a16="http://schemas.microsoft.com/office/drawing/2014/main" id="{4447666D-2CFE-48BB-AFA5-9E141612391E}"/>
+              </a:ext>
+            </a:extLst>
+          </p:cNvPr>
+          <p:cNvSpPr/>
+          <p:nvPr/>
+        </p:nvSpPr>
+        <p:spPr>
+          <a:xfrm>
+            <a:off x="555314" y="4113779"/>
+            <a:ext cx="576000" cy="108000"/>
+          </a:xfrm>
+          <a:prstGeom prst="rect">
+            <a:avLst/>
+          </a:prstGeom>
+          <a:noFill/>
+          <a:ln>
+            <a:noFill/>
+          </a:ln>
+        </p:spPr>
+        <p:style>
+          <a:lnRef idx="2">
+            <a:schemeClr val="accent1">
+              <a:shade val="50000"/>
+            </a:schemeClr>
+          </a:lnRef>
+          <a:fillRef idx="1">
+            <a:schemeClr val="accent1"/>
+          </a:fillRef>
+          <a:effectRef idx="0">
+            <a:schemeClr val="accent1"/>
+          </a:effectRef>
+          <a:fontRef idx="minor">
+            <a:schemeClr val="lt1"/>
+          </a:fontRef>
+        </p:style>
+        <p:txBody>
+          <a:bodyPr rtlCol="0" anchor="ctr"/>
+          <a:lstStyle/>
+          <a:p>
+            <a:pPr algn="ctr"/>
+            <a:r>
+              <a:rPr lang="en-US" sz="800" b="1" dirty="0">
+                <a:solidFill>
+                  <a:schemeClr val="bg1"/>
+                </a:solidFill>
+                <a:latin typeface="Tahoma" panose="020B0604030504040204" pitchFamily="34" charset="0"/>
+                <a:ea typeface="Tahoma" panose="020B0604030504040204" pitchFamily="34" charset="0"/>
+                <a:cs typeface="Tahoma" panose="020B0604030504040204" pitchFamily="34" charset="0"/>
+              </a:rPr>
+              <a:t>Lat-</a:t>
+            </a:r>
+            <a:r>
+              <a:rPr lang="en-US" sz="800" b="1" dirty="0" err="1">
+                <a:solidFill>
+                  <a:schemeClr val="bg1"/>
+                </a:solidFill>
+                <a:latin typeface="Tahoma" panose="020B0604030504040204" pitchFamily="34" charset="0"/>
+                <a:ea typeface="Tahoma" panose="020B0604030504040204" pitchFamily="34" charset="0"/>
+                <a:cs typeface="Tahoma" panose="020B0604030504040204" pitchFamily="34" charset="0"/>
+              </a:rPr>
+              <a:t>lon</a:t>
+            </a:r>
+            <a:endParaRPr lang="th-TH" sz="800" b="1" dirty="0">
+              <a:solidFill>
+                <a:schemeClr val="bg1"/>
+              </a:solidFill>
+              <a:latin typeface="Tahoma" panose="020B0604030504040204" pitchFamily="34" charset="0"/>
+              <a:ea typeface="Tahoma" panose="020B0604030504040204" pitchFamily="34" charset="0"/>
+              <a:cs typeface="Tahoma" panose="020B0604030504040204" pitchFamily="34" charset="0"/>
+            </a:endParaRPr>
+          </a:p>
+        </p:txBody>
+      </p:sp>
+      <p:cxnSp>
+        <p:nvCxnSpPr>
+          <p:cNvPr id="136" name="Straight Arrow Connector 135">
+            <a:extLst>
+              <a:ext uri="{FF2B5EF4-FFF2-40B4-BE49-F238E27FC236}">
+                <a16:creationId xmlns:a16="http://schemas.microsoft.com/office/drawing/2014/main" id="{ED459DC3-2F50-4447-80FE-1FB5BFEA66F0}"/>
+              </a:ext>
+            </a:extLst>
+          </p:cNvPr>
+          <p:cNvCxnSpPr>
+            <a:cxnSpLocks/>
+            <a:stCxn id="135" idx="3"/>
+            <a:endCxn id="131" idx="1"/>
+          </p:cNvCxnSpPr>
+          <p:nvPr/>
+        </p:nvCxnSpPr>
+        <p:spPr>
+          <a:xfrm flipV="1">
+            <a:off x="1131314" y="4164020"/>
+            <a:ext cx="502003" cy="3759"/>
+          </a:xfrm>
+          <a:prstGeom prst="straightConnector1">
+            <a:avLst/>
+          </a:prstGeom>
+          <a:ln w="12700">
+            <a:solidFill>
+              <a:schemeClr val="bg1"/>
+            </a:solidFill>
+            <a:tailEnd type="triangle"/>
+          </a:ln>
+        </p:spPr>
+        <p:style>
+          <a:lnRef idx="1">
+            <a:schemeClr val="accent1"/>
+          </a:lnRef>
+          <a:fillRef idx="0">
+            <a:schemeClr val="accent1"/>
+          </a:fillRef>
+          <a:effectRef idx="0">
+            <a:schemeClr val="accent1"/>
+          </a:effectRef>
+          <a:fontRef idx="minor">
+            <a:schemeClr val="tx1"/>
+          </a:fontRef>
+        </p:style>
+      </p:cxnSp>
+      <p:pic>
+        <p:nvPicPr>
+          <p:cNvPr id="137" name="Picture 10" descr="Database Symbol Png - Database Icon Flat - Free Transparent PNG Clipart  Images Download">
+            <a:extLst>
+              <a:ext uri="{FF2B5EF4-FFF2-40B4-BE49-F238E27FC236}">
+                <a16:creationId xmlns:a16="http://schemas.microsoft.com/office/drawing/2014/main" id="{5472FBF4-AD06-4117-AF3E-FA1E9EE4B184}"/>
+              </a:ext>
+            </a:extLst>
+          </p:cNvPr>
+          <p:cNvPicPr>
+            <a:picLocks noChangeAspect="1" noChangeArrowheads="1"/>
+          </p:cNvPicPr>
+          <p:nvPr/>
+        </p:nvPicPr>
+        <p:blipFill>
+          <a:blip r:embed="rId5">
+            <a:lum bright="70000" contrast="-70000"/>
+            <a:extLst>
+              <a:ext uri="{BEBA8EAE-BF5A-486C-A8C5-ECC9F3942E4B}">
+                <a14:imgProps xmlns:a14="http://schemas.microsoft.com/office/drawing/2010/main">
+                  <a14:imgLayer r:embed="rId6">
+                    <a14:imgEffect>
+                      <a14:backgroundRemoval t="8113" b="89947" l="10000" r="90000">
+                        <a14:foregroundMark x1="52262" y1="8113" x2="52262" y2="8113"/>
+                        <a14:foregroundMark x1="50952" y1="49030" x2="50952" y2="49559"/>
+                        <a14:foregroundMark x1="50714" y1="69841" x2="50714" y2="69841"/>
+                        <a14:foregroundMark x1="46548" y1="84480" x2="46548" y2="84480"/>
+                      </a14:backgroundRemoval>
+                    </a14:imgEffect>
+                  </a14:imgLayer>
+                </a14:imgProps>
+              </a:ext>
+              <a:ext uri="{28A0092B-C50C-407E-A947-70E740481C1C}">
+                <a14:useLocalDpi xmlns:a14="http://schemas.microsoft.com/office/drawing/2010/main" val="0"/>
+              </a:ext>
+            </a:extLst>
+          </a:blip>
+          <a:srcRect/>
+          <a:stretch>
+            <a:fillRect/>
+          </a:stretch>
+        </p:blipFill>
+        <p:spPr bwMode="auto">
+          <a:xfrm>
+            <a:off x="2904836" y="4067316"/>
+            <a:ext cx="264052" cy="178235"/>
+          </a:xfrm>
+          <a:prstGeom prst="rect">
+            <a:avLst/>
+          </a:prstGeom>
+          <a:noFill/>
+          <a:extLst>
+            <a:ext uri="{909E8E84-426E-40DD-AFC4-6F175D3DCCD1}">
+              <a14:hiddenFill xmlns:a14="http://schemas.microsoft.com/office/drawing/2010/main">
+                <a:solidFill>
+                  <a:srgbClr val="FFFFFF"/>
+                </a:solidFill>
+              </a14:hiddenFill>
+            </a:ext>
+          </a:extLst>
+        </p:spPr>
+      </p:pic>
+      <p:sp>
+        <p:nvSpPr>
+          <p:cNvPr id="138" name="Rectangle 137">
+            <a:extLst>
+              <a:ext uri="{FF2B5EF4-FFF2-40B4-BE49-F238E27FC236}">
+                <a16:creationId xmlns:a16="http://schemas.microsoft.com/office/drawing/2014/main" id="{9E0D6657-3363-4423-A556-276105D86741}"/>
+              </a:ext>
+            </a:extLst>
+          </p:cNvPr>
+          <p:cNvSpPr/>
+          <p:nvPr/>
+        </p:nvSpPr>
+        <p:spPr>
+          <a:xfrm>
+            <a:off x="1256241" y="4321750"/>
+            <a:ext cx="1044000" cy="108000"/>
+          </a:xfrm>
+          <a:prstGeom prst="rect">
+            <a:avLst/>
+          </a:prstGeom>
+          <a:noFill/>
+          <a:ln>
+            <a:noFill/>
+          </a:ln>
+        </p:spPr>
+        <p:style>
+          <a:lnRef idx="2">
+            <a:schemeClr val="accent1">
+              <a:shade val="50000"/>
+            </a:schemeClr>
+          </a:lnRef>
+          <a:fillRef idx="1">
+            <a:schemeClr val="accent1"/>
+          </a:fillRef>
+          <a:effectRef idx="0">
+            <a:schemeClr val="accent1"/>
+          </a:effectRef>
+          <a:fontRef idx="minor">
+            <a:schemeClr val="lt1"/>
+          </a:fontRef>
+        </p:style>
+        <p:txBody>
+          <a:bodyPr rtlCol="0" anchor="ctr"/>
+          <a:lstStyle/>
+          <a:p>
+            <a:pPr algn="ctr"/>
+            <a:r>
+              <a:rPr lang="en-US" sz="600" b="1" i="0" dirty="0">
+                <a:effectLst/>
+                <a:latin typeface="Tahoma" panose="020B0604030504040204" pitchFamily="34" charset="0"/>
+                <a:ea typeface="Tahoma" panose="020B0604030504040204" pitchFamily="34" charset="0"/>
+                <a:cs typeface="Tahoma" panose="020B0604030504040204" pitchFamily="34" charset="0"/>
+              </a:rPr>
+              <a:t>open_his_data</a:t>
+            </a:r>
+            <a:r>
+              <a:rPr lang="en-US" sz="600" b="1" dirty="0">
+                <a:solidFill>
+                  <a:schemeClr val="bg1"/>
+                </a:solidFill>
+                <a:latin typeface="Tahoma" panose="020B0604030504040204" pitchFamily="34" charset="0"/>
+                <a:ea typeface="Tahoma" panose="020B0604030504040204" pitchFamily="34" charset="0"/>
+                <a:cs typeface="Tahoma" panose="020B0604030504040204" pitchFamily="34" charset="0"/>
+              </a:rPr>
+              <a:t>.py</a:t>
+            </a:r>
+            <a:endParaRPr lang="th-TH" sz="600" b="1" dirty="0">
+              <a:solidFill>
+                <a:schemeClr val="bg1"/>
+              </a:solidFill>
+              <a:latin typeface="Tahoma" panose="020B0604030504040204" pitchFamily="34" charset="0"/>
+              <a:ea typeface="Tahoma" panose="020B0604030504040204" pitchFamily="34" charset="0"/>
+              <a:cs typeface="Tahoma" panose="020B0604030504040204" pitchFamily="34" charset="0"/>
+            </a:endParaRPr>
+          </a:p>
+        </p:txBody>
+      </p:sp>
+      <p:pic>
+        <p:nvPicPr>
+          <p:cNvPr id="1036" name="Picture 12" descr="กรมอุตุฯชี้แจงข่าวลือสภาพอากาศเลวร้ายที่เผยแพร่ตามสื่อสังคมออนไลน์">
+            <a:extLst>
+              <a:ext uri="{FF2B5EF4-FFF2-40B4-BE49-F238E27FC236}">
+                <a16:creationId xmlns:a16="http://schemas.microsoft.com/office/drawing/2014/main" id="{DD288028-0516-4185-AD93-92EA50E277AC}"/>
+              </a:ext>
+            </a:extLst>
+          </p:cNvPr>
+          <p:cNvPicPr>
+            <a:picLocks noChangeAspect="1" noChangeArrowheads="1"/>
+          </p:cNvPicPr>
+          <p:nvPr/>
+        </p:nvPicPr>
+        <p:blipFill rotWithShape="1">
+          <a:blip r:embed="rId9">
+            <a:extLst>
+              <a:ext uri="{28A0092B-C50C-407E-A947-70E740481C1C}">
+                <a14:useLocalDpi xmlns:a14="http://schemas.microsoft.com/office/drawing/2010/main" val="0"/>
+              </a:ext>
+            </a:extLst>
+          </a:blip>
+          <a:srcRect l="18063" r="20134"/>
+          <a:stretch/>
+        </p:blipFill>
+        <p:spPr bwMode="auto">
+          <a:xfrm>
+            <a:off x="1659899" y="3760224"/>
+            <a:ext cx="236683" cy="255308"/>
+          </a:xfrm>
+          <a:prstGeom prst="rect">
+            <a:avLst/>
+          </a:prstGeom>
+          <a:noFill/>
+          <a:extLst>
+            <a:ext uri="{909E8E84-426E-40DD-AFC4-6F175D3DCCD1}">
+              <a14:hiddenFill xmlns:a14="http://schemas.microsoft.com/office/drawing/2010/main">
+                <a:solidFill>
+                  <a:srgbClr val="FFFFFF"/>
+                </a:solidFill>
+              </a14:hiddenFill>
+            </a:ext>
+          </a:extLst>
+        </p:spPr>
+      </p:pic>
+    </p:spTree>
+    <p:extLst>
+      <p:ext uri="{BB962C8B-B14F-4D97-AF65-F5344CB8AC3E}">
+        <p14:creationId xmlns:p14="http://schemas.microsoft.com/office/powerpoint/2010/main" val="2200464447"/>
+      </p:ext>
+    </p:extLst>
+  </p:cSld>
+  <p:clrMapOvr>
+    <a:masterClrMapping/>
+  </p:clrMapOvr>
+</p:sld>
+</file>
+
+<file path=ppt/slides/slide3.xml><?xml version="1.0" encoding="utf-8"?>
+<p:sld xmlns:a="http://schemas.openxmlformats.org/drawingml/2006/main" xmlns:r="http://schemas.openxmlformats.org/officeDocument/2006/relationships" xmlns:p="http://schemas.openxmlformats.org/presentationml/2006/main" show="0">
+  <p:cSld>
     <p:spTree>
       <p:nvGrpSpPr>
         <p:cNvPr id="1" name=""/>
@@ -15244,7 +18712,7 @@
 </p:sld>
 </file>
 
-<file path=ppt/slides/slide3.xml><?xml version="1.0" encoding="utf-8"?>
+<file path=ppt/slides/slide4.xml><?xml version="1.0" encoding="utf-8"?>
 <p:sld xmlns:a="http://schemas.openxmlformats.org/drawingml/2006/main" xmlns:r="http://schemas.openxmlformats.org/officeDocument/2006/relationships" xmlns:p="http://schemas.openxmlformats.org/presentationml/2006/main">
   <p:cSld>
     <p:spTree>
@@ -15363,7 +18831,7 @@
 </p:sld>
 </file>
 
-<file path=ppt/slides/slide4.xml><?xml version="1.0" encoding="utf-8"?>
+<file path=ppt/slides/slide5.xml><?xml version="1.0" encoding="utf-8"?>
 <p:sld xmlns:a="http://schemas.openxmlformats.org/drawingml/2006/main" xmlns:r="http://schemas.openxmlformats.org/officeDocument/2006/relationships" xmlns:p="http://schemas.openxmlformats.org/presentationml/2006/main">
   <p:cSld>
     <p:spTree>
@@ -15974,7 +19442,7 @@
 </p:sld>
 </file>
 
-<file path=ppt/slides/slide5.xml><?xml version="1.0" encoding="utf-8"?>
+<file path=ppt/slides/slide6.xml><?xml version="1.0" encoding="utf-8"?>
 <p:sld xmlns:a="http://schemas.openxmlformats.org/drawingml/2006/main" xmlns:r="http://schemas.openxmlformats.org/officeDocument/2006/relationships" xmlns:p="http://schemas.openxmlformats.org/presentationml/2006/main">
   <p:cSld>
     <p:spTree>
@@ -16111,7 +19579,7 @@
 </p:sld>
 </file>
 
-<file path=ppt/slides/slide6.xml><?xml version="1.0" encoding="utf-8"?>
+<file path=ppt/slides/slide7.xml><?xml version="1.0" encoding="utf-8"?>
 <p:sld xmlns:a="http://schemas.openxmlformats.org/drawingml/2006/main" xmlns:r="http://schemas.openxmlformats.org/officeDocument/2006/relationships" xmlns:p="http://schemas.openxmlformats.org/presentationml/2006/main">
   <p:cSld>
     <p:spTree>
@@ -16158,7 +19626,7 @@
           <a:p>
             <a:pPr algn="ctr"/>
             <a:r>
-              <a:rPr lang="en-US" sz="2800" b="1">
+              <a:rPr lang="en-US" sz="2800" b="1" dirty="0">
                 <a:latin typeface="Tahoma" panose="020B0604030504040204" pitchFamily="34" charset="0"/>
                 <a:ea typeface="Tahoma" panose="020B0604030504040204" pitchFamily="34" charset="0"/>
                 <a:cs typeface="Tahoma" panose="020B0604030504040204" pitchFamily="34" charset="0"/>
@@ -16263,7 +19731,7 @@
 </p:sld>
 </file>
 
-<file path=ppt/slides/slide7.xml><?xml version="1.0" encoding="utf-8"?>
+<file path=ppt/slides/slide8.xml><?xml version="1.0" encoding="utf-8"?>
 <p:sld xmlns:a="http://schemas.openxmlformats.org/drawingml/2006/main" xmlns:r="http://schemas.openxmlformats.org/officeDocument/2006/relationships" xmlns:p="http://schemas.openxmlformats.org/presentationml/2006/main">
   <p:cSld>
     <p:spTree>
@@ -16703,7 +20171,7 @@
 </p:sld>
 </file>
 
-<file path=ppt/slides/slide8.xml><?xml version="1.0" encoding="utf-8"?>
+<file path=ppt/slides/slide9.xml><?xml version="1.0" encoding="utf-8"?>
 <p:sld xmlns:a="http://schemas.openxmlformats.org/drawingml/2006/main" xmlns:r="http://schemas.openxmlformats.org/officeDocument/2006/relationships" xmlns:p="http://schemas.openxmlformats.org/presentationml/2006/main">
   <p:cSld>
     <p:spTree>
@@ -18441,671 +21909,6 @@
     <p:extLst>
       <p:ext uri="{BB962C8B-B14F-4D97-AF65-F5344CB8AC3E}">
         <p14:creationId xmlns:p14="http://schemas.microsoft.com/office/powerpoint/2010/main" val="541537266"/>
-      </p:ext>
-    </p:extLst>
-  </p:cSld>
-  <p:clrMapOvr>
-    <a:masterClrMapping/>
-  </p:clrMapOvr>
-</p:sld>
-</file>
-
-<file path=ppt/slides/slide9.xml><?xml version="1.0" encoding="utf-8"?>
-<p:sld xmlns:a="http://schemas.openxmlformats.org/drawingml/2006/main" xmlns:r="http://schemas.openxmlformats.org/officeDocument/2006/relationships" xmlns:p="http://schemas.openxmlformats.org/presentationml/2006/main">
-  <p:cSld>
-    <p:spTree>
-      <p:nvGrpSpPr>
-        <p:cNvPr id="1" name=""/>
-        <p:cNvGrpSpPr/>
-        <p:nvPr/>
-      </p:nvGrpSpPr>
-      <p:grpSpPr>
-        <a:xfrm>
-          <a:off x="0" y="0"/>
-          <a:ext cx="0" cy="0"/>
-          <a:chOff x="0" y="0"/>
-          <a:chExt cx="0" cy="0"/>
-        </a:xfrm>
-      </p:grpSpPr>
-      <p:pic>
-        <p:nvPicPr>
-          <p:cNvPr id="4" name="Picture 8" descr="GitHub - pirasanthan-jesugeevegan/amt-cypress-weatherAPI: This is a task to  Automate the OpenWeather API using Cypress and Mochawesome report, Please  see below for the Test Case that are automated">
-            <a:extLst>
-              <a:ext uri="{FF2B5EF4-FFF2-40B4-BE49-F238E27FC236}">
-                <a16:creationId xmlns:a16="http://schemas.microsoft.com/office/drawing/2014/main" id="{052D8DAB-52D4-4A46-B810-397E6B698B19}"/>
-              </a:ext>
-            </a:extLst>
-          </p:cNvPr>
-          <p:cNvPicPr>
-            <a:picLocks noChangeAspect="1" noChangeArrowheads="1"/>
-          </p:cNvPicPr>
-          <p:nvPr/>
-        </p:nvPicPr>
-        <p:blipFill>
-          <a:blip r:embed="rId3">
-            <a:extLst>
-              <a:ext uri="{28A0092B-C50C-407E-A947-70E740481C1C}">
-                <a14:useLocalDpi xmlns:a14="http://schemas.microsoft.com/office/drawing/2010/main" val="0"/>
-              </a:ext>
-            </a:extLst>
-          </a:blip>
-          <a:srcRect/>
-          <a:stretch>
-            <a:fillRect/>
-          </a:stretch>
-        </p:blipFill>
-        <p:spPr bwMode="auto">
-          <a:xfrm>
-            <a:off x="4281316" y="980247"/>
-            <a:ext cx="2310836" cy="985957"/>
-          </a:xfrm>
-          <a:prstGeom prst="rect">
-            <a:avLst/>
-          </a:prstGeom>
-          <a:noFill/>
-          <a:extLst>
-            <a:ext uri="{909E8E84-426E-40DD-AFC4-6F175D3DCCD1}">
-              <a14:hiddenFill xmlns:a14="http://schemas.microsoft.com/office/drawing/2010/main">
-                <a:solidFill>
-                  <a:srgbClr val="FFFFFF"/>
-                </a:solidFill>
-              </a14:hiddenFill>
-            </a:ext>
-          </a:extLst>
-        </p:spPr>
-      </p:pic>
-      <p:sp>
-        <p:nvSpPr>
-          <p:cNvPr id="5" name="Rectangle 4">
-            <a:extLst>
-              <a:ext uri="{FF2B5EF4-FFF2-40B4-BE49-F238E27FC236}">
-                <a16:creationId xmlns:a16="http://schemas.microsoft.com/office/drawing/2014/main" id="{2AD9B126-2D0F-4FF8-AA83-C73B168893D9}"/>
-              </a:ext>
-            </a:extLst>
-          </p:cNvPr>
-          <p:cNvSpPr/>
-          <p:nvPr/>
-        </p:nvSpPr>
-        <p:spPr>
-          <a:xfrm>
-            <a:off x="2316557" y="1221226"/>
-            <a:ext cx="1008000" cy="504000"/>
-          </a:xfrm>
-          <a:prstGeom prst="rect">
-            <a:avLst/>
-          </a:prstGeom>
-          <a:noFill/>
-          <a:ln>
-            <a:solidFill>
-              <a:schemeClr val="tx1"/>
-            </a:solidFill>
-          </a:ln>
-        </p:spPr>
-        <p:style>
-          <a:lnRef idx="2">
-            <a:schemeClr val="accent1">
-              <a:shade val="50000"/>
-            </a:schemeClr>
-          </a:lnRef>
-          <a:fillRef idx="1">
-            <a:schemeClr val="accent1"/>
-          </a:fillRef>
-          <a:effectRef idx="0">
-            <a:schemeClr val="accent1"/>
-          </a:effectRef>
-          <a:fontRef idx="minor">
-            <a:schemeClr val="lt1"/>
-          </a:fontRef>
-        </p:style>
-        <p:txBody>
-          <a:bodyPr rtlCol="0" anchor="ctr"/>
-          <a:lstStyle/>
-          <a:p>
-            <a:r>
-              <a:rPr lang="en-US" sz="1100" b="1" dirty="0">
-                <a:solidFill>
-                  <a:srgbClr val="212121"/>
-                </a:solidFill>
-                <a:latin typeface="Tahoma" panose="020B0604030504040204" pitchFamily="34" charset="0"/>
-                <a:ea typeface="Tahoma" panose="020B0604030504040204" pitchFamily="34" charset="0"/>
-                <a:cs typeface="Tahoma" panose="020B0604030504040204" pitchFamily="34" charset="0"/>
-              </a:rPr>
-              <a:t>Input</a:t>
-            </a:r>
-            <a:endParaRPr lang="en-US" sz="1100" b="1" i="0" dirty="0">
-              <a:solidFill>
-                <a:srgbClr val="212121"/>
-              </a:solidFill>
-              <a:effectLst/>
-              <a:latin typeface="Tahoma" panose="020B0604030504040204" pitchFamily="34" charset="0"/>
-              <a:ea typeface="Tahoma" panose="020B0604030504040204" pitchFamily="34" charset="0"/>
-              <a:cs typeface="Tahoma" panose="020B0604030504040204" pitchFamily="34" charset="0"/>
-            </a:endParaRPr>
-          </a:p>
-          <a:p>
-            <a:pPr marL="171450" indent="-171450">
-              <a:buFont typeface="Arial" panose="020B0604020202020204" pitchFamily="34" charset="0"/>
-              <a:buChar char="•"/>
-            </a:pPr>
-            <a:r>
-              <a:rPr lang="en-US" sz="1100" i="0" dirty="0">
-                <a:solidFill>
-                  <a:srgbClr val="212121"/>
-                </a:solidFill>
-                <a:effectLst/>
-                <a:latin typeface="Tahoma" panose="020B0604030504040204" pitchFamily="34" charset="0"/>
-                <a:ea typeface="Tahoma" panose="020B0604030504040204" pitchFamily="34" charset="0"/>
-                <a:cs typeface="Tahoma" panose="020B0604030504040204" pitchFamily="34" charset="0"/>
-              </a:rPr>
-              <a:t>Lat, </a:t>
-            </a:r>
-            <a:r>
-              <a:rPr lang="en-US" sz="1100" dirty="0" err="1">
-                <a:solidFill>
-                  <a:srgbClr val="212121"/>
-                </a:solidFill>
-                <a:latin typeface="Tahoma" panose="020B0604030504040204" pitchFamily="34" charset="0"/>
-                <a:ea typeface="Tahoma" panose="020B0604030504040204" pitchFamily="34" charset="0"/>
-                <a:cs typeface="Tahoma" panose="020B0604030504040204" pitchFamily="34" charset="0"/>
-              </a:rPr>
-              <a:t>lon</a:t>
-            </a:r>
-            <a:endParaRPr lang="en-US" sz="1100" dirty="0">
-              <a:solidFill>
-                <a:srgbClr val="212121"/>
-              </a:solidFill>
-              <a:latin typeface="Tahoma" panose="020B0604030504040204" pitchFamily="34" charset="0"/>
-              <a:ea typeface="Tahoma" panose="020B0604030504040204" pitchFamily="34" charset="0"/>
-              <a:cs typeface="Tahoma" panose="020B0604030504040204" pitchFamily="34" charset="0"/>
-            </a:endParaRPr>
-          </a:p>
-          <a:p>
-            <a:pPr marL="171450" indent="-171450">
-              <a:buFont typeface="Arial" panose="020B0604020202020204" pitchFamily="34" charset="0"/>
-              <a:buChar char="•"/>
-            </a:pPr>
-            <a:r>
-              <a:rPr lang="en-US" sz="1100" dirty="0">
-                <a:solidFill>
-                  <a:srgbClr val="212121"/>
-                </a:solidFill>
-                <a:latin typeface="Tahoma" panose="020B0604030504040204" pitchFamily="34" charset="0"/>
-                <a:ea typeface="Tahoma" panose="020B0604030504040204" pitchFamily="34" charset="0"/>
-                <a:cs typeface="Tahoma" panose="020B0604030504040204" pitchFamily="34" charset="0"/>
-              </a:rPr>
-              <a:t>D</a:t>
-            </a:r>
-            <a:r>
-              <a:rPr lang="en-US" sz="1100" i="0" dirty="0">
-                <a:solidFill>
-                  <a:srgbClr val="212121"/>
-                </a:solidFill>
-                <a:effectLst/>
-                <a:latin typeface="Tahoma" panose="020B0604030504040204" pitchFamily="34" charset="0"/>
-                <a:ea typeface="Tahoma" panose="020B0604030504040204" pitchFamily="34" charset="0"/>
-                <a:cs typeface="Tahoma" panose="020B0604030504040204" pitchFamily="34" charset="0"/>
-              </a:rPr>
-              <a:t>at</a:t>
-            </a:r>
-            <a:r>
-              <a:rPr lang="en-US" sz="1100" dirty="0">
-                <a:solidFill>
-                  <a:srgbClr val="212121"/>
-                </a:solidFill>
-                <a:latin typeface="Tahoma" panose="020B0604030504040204" pitchFamily="34" charset="0"/>
-                <a:ea typeface="Tahoma" panose="020B0604030504040204" pitchFamily="34" charset="0"/>
-                <a:cs typeface="Tahoma" panose="020B0604030504040204" pitchFamily="34" charset="0"/>
-              </a:rPr>
-              <a:t>e</a:t>
-            </a:r>
-            <a:endParaRPr lang="en-US" sz="1100" i="0" dirty="0">
-              <a:solidFill>
-                <a:srgbClr val="212121"/>
-              </a:solidFill>
-              <a:effectLst/>
-              <a:latin typeface="Tahoma" panose="020B0604030504040204" pitchFamily="34" charset="0"/>
-              <a:ea typeface="Tahoma" panose="020B0604030504040204" pitchFamily="34" charset="0"/>
-              <a:cs typeface="Tahoma" panose="020B0604030504040204" pitchFamily="34" charset="0"/>
-            </a:endParaRPr>
-          </a:p>
-        </p:txBody>
-      </p:sp>
-      <p:cxnSp>
-        <p:nvCxnSpPr>
-          <p:cNvPr id="6" name="Straight Arrow Connector 5">
-            <a:extLst>
-              <a:ext uri="{FF2B5EF4-FFF2-40B4-BE49-F238E27FC236}">
-                <a16:creationId xmlns:a16="http://schemas.microsoft.com/office/drawing/2014/main" id="{8677111F-6B8B-4354-9342-403D87A51109}"/>
-              </a:ext>
-            </a:extLst>
-          </p:cNvPr>
-          <p:cNvCxnSpPr>
-            <a:cxnSpLocks/>
-            <a:stCxn id="5" idx="3"/>
-            <a:endCxn id="4" idx="1"/>
-          </p:cNvCxnSpPr>
-          <p:nvPr/>
-        </p:nvCxnSpPr>
-        <p:spPr>
-          <a:xfrm>
-            <a:off x="3324557" y="1473226"/>
-            <a:ext cx="956759" cy="0"/>
-          </a:xfrm>
-          <a:prstGeom prst="straightConnector1">
-            <a:avLst/>
-          </a:prstGeom>
-          <a:ln w="28575">
-            <a:solidFill>
-              <a:srgbClr val="002060"/>
-            </a:solidFill>
-            <a:tailEnd type="triangle"/>
-          </a:ln>
-        </p:spPr>
-        <p:style>
-          <a:lnRef idx="1">
-            <a:schemeClr val="accent1"/>
-          </a:lnRef>
-          <a:fillRef idx="0">
-            <a:schemeClr val="accent1"/>
-          </a:fillRef>
-          <a:effectRef idx="0">
-            <a:schemeClr val="accent1"/>
-          </a:effectRef>
-          <a:fontRef idx="minor">
-            <a:schemeClr val="tx1"/>
-          </a:fontRef>
-        </p:style>
-      </p:cxnSp>
-      <p:cxnSp>
-        <p:nvCxnSpPr>
-          <p:cNvPr id="11" name="Straight Arrow Connector 10">
-            <a:extLst>
-              <a:ext uri="{FF2B5EF4-FFF2-40B4-BE49-F238E27FC236}">
-                <a16:creationId xmlns:a16="http://schemas.microsoft.com/office/drawing/2014/main" id="{963A716E-89BA-496E-8E79-A70AB51EC0CF}"/>
-              </a:ext>
-            </a:extLst>
-          </p:cNvPr>
-          <p:cNvCxnSpPr>
-            <a:cxnSpLocks/>
-            <a:stCxn id="4" idx="3"/>
-            <a:endCxn id="17" idx="1"/>
-          </p:cNvCxnSpPr>
-          <p:nvPr/>
-        </p:nvCxnSpPr>
-        <p:spPr>
-          <a:xfrm flipV="1">
-            <a:off x="6592152" y="1473225"/>
-            <a:ext cx="692808" cy="1"/>
-          </a:xfrm>
-          <a:prstGeom prst="straightConnector1">
-            <a:avLst/>
-          </a:prstGeom>
-          <a:ln w="28575">
-            <a:solidFill>
-              <a:srgbClr val="002060"/>
-            </a:solidFill>
-            <a:tailEnd type="triangle"/>
-          </a:ln>
-        </p:spPr>
-        <p:style>
-          <a:lnRef idx="1">
-            <a:schemeClr val="accent1"/>
-          </a:lnRef>
-          <a:fillRef idx="0">
-            <a:schemeClr val="accent1"/>
-          </a:fillRef>
-          <a:effectRef idx="0">
-            <a:schemeClr val="accent1"/>
-          </a:effectRef>
-          <a:fontRef idx="minor">
-            <a:schemeClr val="tx1"/>
-          </a:fontRef>
-        </p:style>
-      </p:cxnSp>
-      <p:sp>
-        <p:nvSpPr>
-          <p:cNvPr id="17" name="Rectangle 16">
-            <a:extLst>
-              <a:ext uri="{FF2B5EF4-FFF2-40B4-BE49-F238E27FC236}">
-                <a16:creationId xmlns:a16="http://schemas.microsoft.com/office/drawing/2014/main" id="{1A4A8C4E-D59C-49F0-9085-E653A424A69C}"/>
-              </a:ext>
-            </a:extLst>
-          </p:cNvPr>
-          <p:cNvSpPr/>
-          <p:nvPr/>
-        </p:nvSpPr>
-        <p:spPr>
-          <a:xfrm>
-            <a:off x="7284960" y="1113225"/>
-            <a:ext cx="1728000" cy="720000"/>
-          </a:xfrm>
-          <a:prstGeom prst="rect">
-            <a:avLst/>
-          </a:prstGeom>
-          <a:noFill/>
-          <a:ln>
-            <a:solidFill>
-              <a:schemeClr val="tx1"/>
-            </a:solidFill>
-          </a:ln>
-        </p:spPr>
-        <p:style>
-          <a:lnRef idx="2">
-            <a:schemeClr val="accent1">
-              <a:shade val="50000"/>
-            </a:schemeClr>
-          </a:lnRef>
-          <a:fillRef idx="1">
-            <a:schemeClr val="accent1"/>
-          </a:fillRef>
-          <a:effectRef idx="0">
-            <a:schemeClr val="accent1"/>
-          </a:effectRef>
-          <a:fontRef idx="minor">
-            <a:schemeClr val="lt1"/>
-          </a:fontRef>
-        </p:style>
-        <p:txBody>
-          <a:bodyPr rtlCol="0" anchor="ctr"/>
-          <a:lstStyle/>
-          <a:p>
-            <a:r>
-              <a:rPr lang="en-US" sz="1100" b="1" dirty="0">
-                <a:solidFill>
-                  <a:srgbClr val="212121"/>
-                </a:solidFill>
-                <a:latin typeface="Tahoma" panose="020B0604030504040204" pitchFamily="34" charset="0"/>
-                <a:ea typeface="Tahoma" panose="020B0604030504040204" pitchFamily="34" charset="0"/>
-                <a:cs typeface="Tahoma" panose="020B0604030504040204" pitchFamily="34" charset="0"/>
-              </a:rPr>
-              <a:t>Historical data</a:t>
-            </a:r>
-            <a:endParaRPr lang="en-US" sz="1100" b="1" i="0" dirty="0">
-              <a:solidFill>
-                <a:srgbClr val="212121"/>
-              </a:solidFill>
-              <a:effectLst/>
-              <a:latin typeface="Tahoma" panose="020B0604030504040204" pitchFamily="34" charset="0"/>
-              <a:ea typeface="Tahoma" panose="020B0604030504040204" pitchFamily="34" charset="0"/>
-              <a:cs typeface="Tahoma" panose="020B0604030504040204" pitchFamily="34" charset="0"/>
-            </a:endParaRPr>
-          </a:p>
-          <a:p>
-            <a:pPr marL="171450" indent="-171450">
-              <a:buFont typeface="Arial" panose="020B0604020202020204" pitchFamily="34" charset="0"/>
-              <a:buChar char="•"/>
-            </a:pPr>
-            <a:r>
-              <a:rPr lang="en-US" sz="1100" i="0" dirty="0">
-                <a:solidFill>
-                  <a:srgbClr val="212121"/>
-                </a:solidFill>
-                <a:effectLst/>
-                <a:latin typeface="Tahoma" panose="020B0604030504040204" pitchFamily="34" charset="0"/>
-                <a:ea typeface="Tahoma" panose="020B0604030504040204" pitchFamily="34" charset="0"/>
-                <a:cs typeface="Tahoma" panose="020B0604030504040204" pitchFamily="34" charset="0"/>
-              </a:rPr>
-              <a:t>Temp, </a:t>
-            </a:r>
-            <a:r>
-              <a:rPr lang="en-US" sz="1100" dirty="0">
-                <a:solidFill>
-                  <a:srgbClr val="212121"/>
-                </a:solidFill>
-                <a:latin typeface="Tahoma" panose="020B0604030504040204" pitchFamily="34" charset="0"/>
-                <a:ea typeface="Tahoma" panose="020B0604030504040204" pitchFamily="34" charset="0"/>
-                <a:cs typeface="Tahoma" panose="020B0604030504040204" pitchFamily="34" charset="0"/>
-              </a:rPr>
-              <a:t>Rh</a:t>
-            </a:r>
-          </a:p>
-          <a:p>
-            <a:pPr marL="171450" indent="-171450">
-              <a:buFont typeface="Arial" panose="020B0604020202020204" pitchFamily="34" charset="0"/>
-              <a:buChar char="•"/>
-            </a:pPr>
-            <a:r>
-              <a:rPr lang="en-US" sz="1100" i="0" dirty="0">
-                <a:solidFill>
-                  <a:srgbClr val="212121"/>
-                </a:solidFill>
-                <a:effectLst/>
-                <a:latin typeface="Tahoma" panose="020B0604030504040204" pitchFamily="34" charset="0"/>
-                <a:ea typeface="Tahoma" panose="020B0604030504040204" pitchFamily="34" charset="0"/>
-                <a:cs typeface="Tahoma" panose="020B0604030504040204" pitchFamily="34" charset="0"/>
-              </a:rPr>
-              <a:t>Hourly</a:t>
-            </a:r>
-          </a:p>
-        </p:txBody>
-      </p:sp>
-      <p:sp>
-        <p:nvSpPr>
-          <p:cNvPr id="21" name="Rectangle 20">
-            <a:extLst>
-              <a:ext uri="{FF2B5EF4-FFF2-40B4-BE49-F238E27FC236}">
-                <a16:creationId xmlns:a16="http://schemas.microsoft.com/office/drawing/2014/main" id="{72AF08E1-AC2D-487D-A48F-1EDCB3FE9A86}"/>
-              </a:ext>
-            </a:extLst>
-          </p:cNvPr>
-          <p:cNvSpPr/>
-          <p:nvPr/>
-        </p:nvSpPr>
-        <p:spPr>
-          <a:xfrm>
-            <a:off x="7284960" y="2326203"/>
-            <a:ext cx="1728000" cy="720000"/>
-          </a:xfrm>
-          <a:prstGeom prst="rect">
-            <a:avLst/>
-          </a:prstGeom>
-          <a:noFill/>
-          <a:ln>
-            <a:solidFill>
-              <a:schemeClr val="tx1"/>
-            </a:solidFill>
-          </a:ln>
-        </p:spPr>
-        <p:style>
-          <a:lnRef idx="2">
-            <a:schemeClr val="accent1">
-              <a:shade val="50000"/>
-            </a:schemeClr>
-          </a:lnRef>
-          <a:fillRef idx="1">
-            <a:schemeClr val="accent1"/>
-          </a:fillRef>
-          <a:effectRef idx="0">
-            <a:schemeClr val="accent1"/>
-          </a:effectRef>
-          <a:fontRef idx="minor">
-            <a:schemeClr val="lt1"/>
-          </a:fontRef>
-        </p:style>
-        <p:txBody>
-          <a:bodyPr rtlCol="0" anchor="ctr"/>
-          <a:lstStyle/>
-          <a:p>
-            <a:r>
-              <a:rPr lang="en-US" sz="1100" b="1" dirty="0">
-                <a:solidFill>
-                  <a:srgbClr val="212121"/>
-                </a:solidFill>
-                <a:latin typeface="Tahoma" panose="020B0604030504040204" pitchFamily="34" charset="0"/>
-                <a:ea typeface="Tahoma" panose="020B0604030504040204" pitchFamily="34" charset="0"/>
-                <a:cs typeface="Tahoma" panose="020B0604030504040204" pitchFamily="34" charset="0"/>
-              </a:rPr>
-              <a:t>Current data</a:t>
-            </a:r>
-            <a:endParaRPr lang="en-US" sz="1100" b="1" i="0" dirty="0">
-              <a:solidFill>
-                <a:srgbClr val="212121"/>
-              </a:solidFill>
-              <a:effectLst/>
-              <a:latin typeface="Tahoma" panose="020B0604030504040204" pitchFamily="34" charset="0"/>
-              <a:ea typeface="Tahoma" panose="020B0604030504040204" pitchFamily="34" charset="0"/>
-              <a:cs typeface="Tahoma" panose="020B0604030504040204" pitchFamily="34" charset="0"/>
-            </a:endParaRPr>
-          </a:p>
-          <a:p>
-            <a:pPr marL="171450" indent="-171450">
-              <a:buFont typeface="Arial" panose="020B0604020202020204" pitchFamily="34" charset="0"/>
-              <a:buChar char="•"/>
-            </a:pPr>
-            <a:r>
-              <a:rPr lang="en-US" sz="1100" i="0" dirty="0">
-                <a:solidFill>
-                  <a:srgbClr val="212121"/>
-                </a:solidFill>
-                <a:effectLst/>
-                <a:latin typeface="Tahoma" panose="020B0604030504040204" pitchFamily="34" charset="0"/>
-                <a:ea typeface="Tahoma" panose="020B0604030504040204" pitchFamily="34" charset="0"/>
-                <a:cs typeface="Tahoma" panose="020B0604030504040204" pitchFamily="34" charset="0"/>
-              </a:rPr>
-              <a:t>Temp, </a:t>
-            </a:r>
-            <a:r>
-              <a:rPr lang="en-US" sz="1100" dirty="0">
-                <a:solidFill>
-                  <a:srgbClr val="212121"/>
-                </a:solidFill>
-                <a:latin typeface="Tahoma" panose="020B0604030504040204" pitchFamily="34" charset="0"/>
-                <a:ea typeface="Tahoma" panose="020B0604030504040204" pitchFamily="34" charset="0"/>
-                <a:cs typeface="Tahoma" panose="020B0604030504040204" pitchFamily="34" charset="0"/>
-              </a:rPr>
-              <a:t>Rh</a:t>
-            </a:r>
-          </a:p>
-          <a:p>
-            <a:pPr marL="171450" indent="-171450">
-              <a:buFont typeface="Arial" panose="020B0604020202020204" pitchFamily="34" charset="0"/>
-              <a:buChar char="•"/>
-            </a:pPr>
-            <a:r>
-              <a:rPr lang="en-US" sz="1100" i="0" dirty="0">
-                <a:solidFill>
-                  <a:srgbClr val="212121"/>
-                </a:solidFill>
-                <a:effectLst/>
-                <a:latin typeface="Tahoma" panose="020B0604030504040204" pitchFamily="34" charset="0"/>
-                <a:ea typeface="Tahoma" panose="020B0604030504040204" pitchFamily="34" charset="0"/>
-                <a:cs typeface="Tahoma" panose="020B0604030504040204" pitchFamily="34" charset="0"/>
-              </a:rPr>
-              <a:t>Hourly</a:t>
-            </a:r>
-          </a:p>
-        </p:txBody>
-      </p:sp>
-      <p:pic>
-        <p:nvPicPr>
-          <p:cNvPr id="23" name="Picture 22">
-            <a:extLst>
-              <a:ext uri="{FF2B5EF4-FFF2-40B4-BE49-F238E27FC236}">
-                <a16:creationId xmlns:a16="http://schemas.microsoft.com/office/drawing/2014/main" id="{0951AC21-1339-46CD-AB4B-7BCD84C68451}"/>
-              </a:ext>
-            </a:extLst>
-          </p:cNvPr>
-          <p:cNvPicPr>
-            <a:picLocks noChangeAspect="1"/>
-          </p:cNvPicPr>
-          <p:nvPr/>
-        </p:nvPicPr>
-        <p:blipFill>
-          <a:blip r:embed="rId4"/>
-          <a:stretch>
-            <a:fillRect/>
-          </a:stretch>
-        </p:blipFill>
-        <p:spPr>
-          <a:xfrm>
-            <a:off x="864410" y="3873968"/>
-            <a:ext cx="4476873" cy="1510806"/>
-          </a:xfrm>
-          <a:prstGeom prst="rect">
-            <a:avLst/>
-          </a:prstGeom>
-        </p:spPr>
-      </p:pic>
-      <p:cxnSp>
-        <p:nvCxnSpPr>
-          <p:cNvPr id="24" name="Straight Arrow Connector 23">
-            <a:extLst>
-              <a:ext uri="{FF2B5EF4-FFF2-40B4-BE49-F238E27FC236}">
-                <a16:creationId xmlns:a16="http://schemas.microsoft.com/office/drawing/2014/main" id="{091C3F7D-6E92-40D6-B768-4235A667F15E}"/>
-              </a:ext>
-            </a:extLst>
-          </p:cNvPr>
-          <p:cNvCxnSpPr>
-            <a:cxnSpLocks/>
-            <a:stCxn id="4" idx="3"/>
-            <a:endCxn id="21" idx="1"/>
-          </p:cNvCxnSpPr>
-          <p:nvPr/>
-        </p:nvCxnSpPr>
-        <p:spPr>
-          <a:xfrm>
-            <a:off x="6592152" y="1473226"/>
-            <a:ext cx="692808" cy="1212977"/>
-          </a:xfrm>
-          <a:prstGeom prst="straightConnector1">
-            <a:avLst/>
-          </a:prstGeom>
-          <a:ln w="28575">
-            <a:solidFill>
-              <a:srgbClr val="002060"/>
-            </a:solidFill>
-            <a:tailEnd type="triangle"/>
-          </a:ln>
-        </p:spPr>
-        <p:style>
-          <a:lnRef idx="1">
-            <a:schemeClr val="accent1"/>
-          </a:lnRef>
-          <a:fillRef idx="0">
-            <a:schemeClr val="accent1"/>
-          </a:fillRef>
-          <a:effectRef idx="0">
-            <a:schemeClr val="accent1"/>
-          </a:effectRef>
-          <a:fontRef idx="minor">
-            <a:schemeClr val="tx1"/>
-          </a:fontRef>
-        </p:style>
-      </p:cxnSp>
-      <p:pic>
-        <p:nvPicPr>
-          <p:cNvPr id="28" name="Picture 27">
-            <a:extLst>
-              <a:ext uri="{FF2B5EF4-FFF2-40B4-BE49-F238E27FC236}">
-                <a16:creationId xmlns:a16="http://schemas.microsoft.com/office/drawing/2014/main" id="{ABCE3A9F-0D96-4BEB-8F1A-EF277B090733}"/>
-              </a:ext>
-            </a:extLst>
-          </p:cNvPr>
-          <p:cNvPicPr>
-            <a:picLocks noChangeAspect="1"/>
-          </p:cNvPicPr>
-          <p:nvPr/>
-        </p:nvPicPr>
-        <p:blipFill>
-          <a:blip r:embed="rId5"/>
-          <a:stretch>
-            <a:fillRect/>
-          </a:stretch>
-        </p:blipFill>
-        <p:spPr>
-          <a:xfrm>
-            <a:off x="6004066" y="4298803"/>
-            <a:ext cx="5022876" cy="849215"/>
-          </a:xfrm>
-          <a:prstGeom prst="rect">
-            <a:avLst/>
-          </a:prstGeom>
-        </p:spPr>
-      </p:pic>
-    </p:spTree>
-    <p:extLst>
-      <p:ext uri="{BB962C8B-B14F-4D97-AF65-F5344CB8AC3E}">
-        <p14:creationId xmlns:p14="http://schemas.microsoft.com/office/powerpoint/2010/main" val="1649597493"/>
       </p:ext>
     </p:extLst>
   </p:cSld>

--- a/manual.pptx
+++ b/manual.pptx
@@ -5,27 +5,29 @@
     <p:sldMasterId id="2147483648" r:id="rId1"/>
   </p:sldMasterIdLst>
   <p:notesMasterIdLst>
-    <p:notesMasterId r:id="rId20"/>
+    <p:notesMasterId r:id="rId22"/>
   </p:notesMasterIdLst>
   <p:sldIdLst>
     <p:sldId id="256" r:id="rId2"/>
     <p:sldId id="271" r:id="rId3"/>
-    <p:sldId id="272" r:id="rId4"/>
-    <p:sldId id="264" r:id="rId5"/>
-    <p:sldId id="265" r:id="rId6"/>
-    <p:sldId id="257" r:id="rId7"/>
-    <p:sldId id="269" r:id="rId8"/>
-    <p:sldId id="268" r:id="rId9"/>
-    <p:sldId id="259" r:id="rId10"/>
-    <p:sldId id="260" r:id="rId11"/>
-    <p:sldId id="261" r:id="rId12"/>
-    <p:sldId id="262" r:id="rId13"/>
-    <p:sldId id="266" r:id="rId14"/>
-    <p:sldId id="263" r:id="rId15"/>
-    <p:sldId id="267" r:id="rId16"/>
-    <p:sldId id="273" r:id="rId17"/>
-    <p:sldId id="258" r:id="rId18"/>
-    <p:sldId id="270" r:id="rId19"/>
+    <p:sldId id="274" r:id="rId4"/>
+    <p:sldId id="275" r:id="rId5"/>
+    <p:sldId id="272" r:id="rId6"/>
+    <p:sldId id="264" r:id="rId7"/>
+    <p:sldId id="265" r:id="rId8"/>
+    <p:sldId id="257" r:id="rId9"/>
+    <p:sldId id="269" r:id="rId10"/>
+    <p:sldId id="268" r:id="rId11"/>
+    <p:sldId id="259" r:id="rId12"/>
+    <p:sldId id="260" r:id="rId13"/>
+    <p:sldId id="261" r:id="rId14"/>
+    <p:sldId id="262" r:id="rId15"/>
+    <p:sldId id="266" r:id="rId16"/>
+    <p:sldId id="263" r:id="rId17"/>
+    <p:sldId id="267" r:id="rId18"/>
+    <p:sldId id="273" r:id="rId19"/>
+    <p:sldId id="258" r:id="rId20"/>
+    <p:sldId id="270" r:id="rId21"/>
   </p:sldIdLst>
   <p:sldSz cx="12192000" cy="6858000"/>
   <p:notesSz cx="6858000" cy="9144000"/>
@@ -131,6 +133,8 @@
           <p14:sldIdLst>
             <p14:sldId id="256"/>
             <p14:sldId id="271"/>
+            <p14:sldId id="274"/>
+            <p14:sldId id="275"/>
             <p14:sldId id="272"/>
             <p14:sldId id="264"/>
             <p14:sldId id="265"/>
@@ -673,7 +677,7 @@
           <a:p>
             <a:fld id="{0824544E-F7FA-417A-B10D-2B2BDEC76D19}" type="slidenum">
               <a:rPr lang="th-TH" smtClean="0"/>
-              <a:t>7</a:t>
+              <a:t>9</a:t>
             </a:fld>
             <a:endParaRPr lang="th-TH"/>
           </a:p>
@@ -757,7 +761,7 @@
           <a:p>
             <a:fld id="{0824544E-F7FA-417A-B10D-2B2BDEC76D19}" type="slidenum">
               <a:rPr lang="th-TH" smtClean="0"/>
-              <a:t>11</a:t>
+              <a:t>13</a:t>
             </a:fld>
             <a:endParaRPr lang="th-TH"/>
           </a:p>
@@ -841,7 +845,7 @@
           <a:p>
             <a:fld id="{0824544E-F7FA-417A-B10D-2B2BDEC76D19}" type="slidenum">
               <a:rPr lang="th-TH" smtClean="0"/>
-              <a:t>15</a:t>
+              <a:t>17</a:t>
             </a:fld>
             <a:endParaRPr lang="th-TH"/>
           </a:p>
@@ -4541,6 +4545,598 @@
           <a:chExt cx="0" cy="0"/>
         </a:xfrm>
       </p:grpSpPr>
+      <p:sp>
+        <p:nvSpPr>
+          <p:cNvPr id="4" name="Title 1">
+            <a:extLst>
+              <a:ext uri="{FF2B5EF4-FFF2-40B4-BE49-F238E27FC236}">
+                <a16:creationId xmlns:a16="http://schemas.microsoft.com/office/drawing/2014/main" id="{1B0AEFB3-3A78-4689-A54C-A5BFA2010B13}"/>
+              </a:ext>
+            </a:extLst>
+          </p:cNvPr>
+          <p:cNvSpPr>
+            <a:spLocks noGrp="1"/>
+          </p:cNvSpPr>
+          <p:nvPr>
+            <p:ph type="title"/>
+          </p:nvPr>
+        </p:nvSpPr>
+        <p:spPr>
+          <a:xfrm>
+            <a:off x="0" y="0"/>
+            <a:ext cx="12192000" cy="461913"/>
+          </a:xfrm>
+        </p:spPr>
+        <p:txBody>
+          <a:bodyPr>
+            <a:noAutofit/>
+          </a:bodyPr>
+          <a:lstStyle/>
+          <a:p>
+            <a:pPr algn="ctr"/>
+            <a:r>
+              <a:rPr lang="en-US" sz="2800" b="1" dirty="0">
+                <a:latin typeface="Tahoma" panose="020B0604030504040204" pitchFamily="34" charset="0"/>
+                <a:ea typeface="Tahoma" panose="020B0604030504040204" pitchFamily="34" charset="0"/>
+                <a:cs typeface="Tahoma" panose="020B0604030504040204" pitchFamily="34" charset="0"/>
+              </a:rPr>
+              <a:t>Meteostat</a:t>
+            </a:r>
+            <a:endParaRPr lang="th-TH" sz="2800" b="1" dirty="0">
+              <a:latin typeface="Tahoma" panose="020B0604030504040204" pitchFamily="34" charset="0"/>
+              <a:ea typeface="Tahoma" panose="020B0604030504040204" pitchFamily="34" charset="0"/>
+              <a:cs typeface="Tahoma" panose="020B0604030504040204" pitchFamily="34" charset="0"/>
+            </a:endParaRPr>
+          </a:p>
+        </p:txBody>
+      </p:sp>
+      <p:pic>
+        <p:nvPicPr>
+          <p:cNvPr id="6" name="Picture 5">
+            <a:extLst>
+              <a:ext uri="{FF2B5EF4-FFF2-40B4-BE49-F238E27FC236}">
+                <a16:creationId xmlns:a16="http://schemas.microsoft.com/office/drawing/2014/main" id="{AAB6D9E7-8144-42D3-BE3D-9A72AF9739FF}"/>
+              </a:ext>
+            </a:extLst>
+          </p:cNvPr>
+          <p:cNvPicPr>
+            <a:picLocks noChangeAspect="1"/>
+          </p:cNvPicPr>
+          <p:nvPr/>
+        </p:nvPicPr>
+        <p:blipFill>
+          <a:blip r:embed="rId2"/>
+          <a:stretch>
+            <a:fillRect/>
+          </a:stretch>
+        </p:blipFill>
+        <p:spPr>
+          <a:xfrm>
+            <a:off x="2020471" y="532888"/>
+            <a:ext cx="8151058" cy="6072142"/>
+          </a:xfrm>
+          <a:prstGeom prst="rect">
+            <a:avLst/>
+          </a:prstGeom>
+        </p:spPr>
+      </p:pic>
+      <p:pic>
+        <p:nvPicPr>
+          <p:cNvPr id="7" name="Picture 4" descr="Meteonorm - Top Competitors &amp; Alternatives | Datarade">
+            <a:extLst>
+              <a:ext uri="{FF2B5EF4-FFF2-40B4-BE49-F238E27FC236}">
+                <a16:creationId xmlns:a16="http://schemas.microsoft.com/office/drawing/2014/main" id="{213F16EA-F39B-44E8-B9FC-3669A1CD56E3}"/>
+              </a:ext>
+            </a:extLst>
+          </p:cNvPr>
+          <p:cNvPicPr>
+            <a:picLocks noChangeAspect="1" noChangeArrowheads="1"/>
+          </p:cNvPicPr>
+          <p:nvPr/>
+        </p:nvPicPr>
+        <p:blipFill>
+          <a:blip r:embed="rId3">
+            <a:extLst>
+              <a:ext uri="{28A0092B-C50C-407E-A947-70E740481C1C}">
+                <a14:useLocalDpi xmlns:a14="http://schemas.microsoft.com/office/drawing/2010/main" val="0"/>
+              </a:ext>
+            </a:extLst>
+          </a:blip>
+          <a:srcRect/>
+          <a:stretch>
+            <a:fillRect/>
+          </a:stretch>
+        </p:blipFill>
+        <p:spPr bwMode="auto">
+          <a:xfrm>
+            <a:off x="9969357" y="0"/>
+            <a:ext cx="2222643" cy="485192"/>
+          </a:xfrm>
+          <a:prstGeom prst="rect">
+            <a:avLst/>
+          </a:prstGeom>
+          <a:noFill/>
+          <a:extLst>
+            <a:ext uri="{909E8E84-426E-40DD-AFC4-6F175D3DCCD1}">
+              <a14:hiddenFill xmlns:a14="http://schemas.microsoft.com/office/drawing/2010/main">
+                <a:solidFill>
+                  <a:srgbClr val="FFFFFF"/>
+                </a:solidFill>
+              </a14:hiddenFill>
+            </a:ext>
+          </a:extLst>
+        </p:spPr>
+      </p:pic>
+    </p:spTree>
+    <p:extLst>
+      <p:ext uri="{BB962C8B-B14F-4D97-AF65-F5344CB8AC3E}">
+        <p14:creationId xmlns:p14="http://schemas.microsoft.com/office/powerpoint/2010/main" val="474166525"/>
+      </p:ext>
+    </p:extLst>
+  </p:cSld>
+  <p:clrMapOvr>
+    <a:masterClrMapping/>
+  </p:clrMapOvr>
+</p:sld>
+</file>
+
+<file path=ppt/slides/slide11.xml><?xml version="1.0" encoding="utf-8"?>
+<p:sld xmlns:a="http://schemas.openxmlformats.org/drawingml/2006/main" xmlns:r="http://schemas.openxmlformats.org/officeDocument/2006/relationships" xmlns:p="http://schemas.openxmlformats.org/presentationml/2006/main">
+  <p:cSld>
+    <p:spTree>
+      <p:nvGrpSpPr>
+        <p:cNvPr id="1" name=""/>
+        <p:cNvGrpSpPr/>
+        <p:nvPr/>
+      </p:nvGrpSpPr>
+      <p:grpSpPr>
+        <a:xfrm>
+          <a:off x="0" y="0"/>
+          <a:ext cx="0" cy="0"/>
+          <a:chOff x="0" y="0"/>
+          <a:chExt cx="0" cy="0"/>
+        </a:xfrm>
+      </p:grpSpPr>
+      <p:pic>
+        <p:nvPicPr>
+          <p:cNvPr id="2052" name="Picture 4">
+            <a:extLst>
+              <a:ext uri="{FF2B5EF4-FFF2-40B4-BE49-F238E27FC236}">
+                <a16:creationId xmlns:a16="http://schemas.microsoft.com/office/drawing/2014/main" id="{2FA0094F-B4D8-4CA8-ABD9-7A5014AA3C16}"/>
+              </a:ext>
+            </a:extLst>
+          </p:cNvPr>
+          <p:cNvPicPr>
+            <a:picLocks noChangeAspect="1" noChangeArrowheads="1"/>
+          </p:cNvPicPr>
+          <p:nvPr/>
+        </p:nvPicPr>
+        <p:blipFill rotWithShape="1">
+          <a:blip r:embed="rId2">
+            <a:extLst>
+              <a:ext uri="{28A0092B-C50C-407E-A947-70E740481C1C}">
+                <a14:useLocalDpi xmlns:a14="http://schemas.microsoft.com/office/drawing/2010/main" val="0"/>
+              </a:ext>
+            </a:extLst>
+          </a:blip>
+          <a:srcRect t="29867" b="27467"/>
+          <a:stretch/>
+        </p:blipFill>
+        <p:spPr bwMode="auto">
+          <a:xfrm>
+            <a:off x="4638040" y="2786753"/>
+            <a:ext cx="2291080" cy="977527"/>
+          </a:xfrm>
+          <a:prstGeom prst="rect">
+            <a:avLst/>
+          </a:prstGeom>
+          <a:noFill/>
+          <a:extLst>
+            <a:ext uri="{909E8E84-426E-40DD-AFC4-6F175D3DCCD1}">
+              <a14:hiddenFill xmlns:a14="http://schemas.microsoft.com/office/drawing/2010/main">
+                <a:solidFill>
+                  <a:srgbClr val="FFFFFF"/>
+                </a:solidFill>
+              </a14:hiddenFill>
+            </a:ext>
+          </a:extLst>
+        </p:spPr>
+      </p:pic>
+      <p:sp>
+        <p:nvSpPr>
+          <p:cNvPr id="6" name="Rectangle 5">
+            <a:extLst>
+              <a:ext uri="{FF2B5EF4-FFF2-40B4-BE49-F238E27FC236}">
+                <a16:creationId xmlns:a16="http://schemas.microsoft.com/office/drawing/2014/main" id="{C80D2B8C-66FE-4FF4-8AE5-C3E14788BC5C}"/>
+              </a:ext>
+            </a:extLst>
+          </p:cNvPr>
+          <p:cNvSpPr/>
+          <p:nvPr/>
+        </p:nvSpPr>
+        <p:spPr>
+          <a:xfrm>
+            <a:off x="2992261" y="3023516"/>
+            <a:ext cx="1008000" cy="504000"/>
+          </a:xfrm>
+          <a:prstGeom prst="rect">
+            <a:avLst/>
+          </a:prstGeom>
+          <a:noFill/>
+          <a:ln>
+            <a:solidFill>
+              <a:schemeClr val="tx1"/>
+            </a:solidFill>
+          </a:ln>
+        </p:spPr>
+        <p:style>
+          <a:lnRef idx="2">
+            <a:schemeClr val="accent1">
+              <a:shade val="50000"/>
+            </a:schemeClr>
+          </a:lnRef>
+          <a:fillRef idx="1">
+            <a:schemeClr val="accent1"/>
+          </a:fillRef>
+          <a:effectRef idx="0">
+            <a:schemeClr val="accent1"/>
+          </a:effectRef>
+          <a:fontRef idx="minor">
+            <a:schemeClr val="lt1"/>
+          </a:fontRef>
+        </p:style>
+        <p:txBody>
+          <a:bodyPr rtlCol="0" anchor="ctr"/>
+          <a:lstStyle/>
+          <a:p>
+            <a:r>
+              <a:rPr lang="en-US" sz="1100" b="1" dirty="0">
+                <a:solidFill>
+                  <a:srgbClr val="212121"/>
+                </a:solidFill>
+                <a:latin typeface="Tahoma" panose="020B0604030504040204" pitchFamily="34" charset="0"/>
+                <a:ea typeface="Tahoma" panose="020B0604030504040204" pitchFamily="34" charset="0"/>
+                <a:cs typeface="Tahoma" panose="020B0604030504040204" pitchFamily="34" charset="0"/>
+              </a:rPr>
+              <a:t>Input</a:t>
+            </a:r>
+            <a:endParaRPr lang="en-US" sz="1100" b="1" i="0" dirty="0">
+              <a:solidFill>
+                <a:srgbClr val="212121"/>
+              </a:solidFill>
+              <a:effectLst/>
+              <a:latin typeface="Tahoma" panose="020B0604030504040204" pitchFamily="34" charset="0"/>
+              <a:ea typeface="Tahoma" panose="020B0604030504040204" pitchFamily="34" charset="0"/>
+              <a:cs typeface="Tahoma" panose="020B0604030504040204" pitchFamily="34" charset="0"/>
+            </a:endParaRPr>
+          </a:p>
+          <a:p>
+            <a:pPr marL="171450" indent="-171450">
+              <a:buFont typeface="Arial" panose="020B0604020202020204" pitchFamily="34" charset="0"/>
+              <a:buChar char="•"/>
+            </a:pPr>
+            <a:r>
+              <a:rPr lang="en-US" sz="1100" i="0" dirty="0">
+                <a:solidFill>
+                  <a:srgbClr val="212121"/>
+                </a:solidFill>
+                <a:effectLst/>
+                <a:latin typeface="Tahoma" panose="020B0604030504040204" pitchFamily="34" charset="0"/>
+                <a:ea typeface="Tahoma" panose="020B0604030504040204" pitchFamily="34" charset="0"/>
+                <a:cs typeface="Tahoma" panose="020B0604030504040204" pitchFamily="34" charset="0"/>
+              </a:rPr>
+              <a:t>Lat, </a:t>
+            </a:r>
+            <a:r>
+              <a:rPr lang="en-US" sz="1100" dirty="0" err="1">
+                <a:solidFill>
+                  <a:srgbClr val="212121"/>
+                </a:solidFill>
+                <a:latin typeface="Tahoma" panose="020B0604030504040204" pitchFamily="34" charset="0"/>
+                <a:ea typeface="Tahoma" panose="020B0604030504040204" pitchFamily="34" charset="0"/>
+                <a:cs typeface="Tahoma" panose="020B0604030504040204" pitchFamily="34" charset="0"/>
+              </a:rPr>
+              <a:t>lon</a:t>
+            </a:r>
+            <a:endParaRPr lang="en-US" sz="1100" dirty="0">
+              <a:solidFill>
+                <a:srgbClr val="212121"/>
+              </a:solidFill>
+              <a:latin typeface="Tahoma" panose="020B0604030504040204" pitchFamily="34" charset="0"/>
+              <a:ea typeface="Tahoma" panose="020B0604030504040204" pitchFamily="34" charset="0"/>
+              <a:cs typeface="Tahoma" panose="020B0604030504040204" pitchFamily="34" charset="0"/>
+            </a:endParaRPr>
+          </a:p>
+          <a:p>
+            <a:pPr marL="171450" indent="-171450">
+              <a:buFont typeface="Arial" panose="020B0604020202020204" pitchFamily="34" charset="0"/>
+              <a:buChar char="•"/>
+            </a:pPr>
+            <a:r>
+              <a:rPr lang="en-US" sz="1100" dirty="0">
+                <a:solidFill>
+                  <a:srgbClr val="212121"/>
+                </a:solidFill>
+                <a:latin typeface="Tahoma" panose="020B0604030504040204" pitchFamily="34" charset="0"/>
+                <a:ea typeface="Tahoma" panose="020B0604030504040204" pitchFamily="34" charset="0"/>
+                <a:cs typeface="Tahoma" panose="020B0604030504040204" pitchFamily="34" charset="0"/>
+              </a:rPr>
+              <a:t>D</a:t>
+            </a:r>
+            <a:r>
+              <a:rPr lang="en-US" sz="1100" i="0" dirty="0">
+                <a:solidFill>
+                  <a:srgbClr val="212121"/>
+                </a:solidFill>
+                <a:effectLst/>
+                <a:latin typeface="Tahoma" panose="020B0604030504040204" pitchFamily="34" charset="0"/>
+                <a:ea typeface="Tahoma" panose="020B0604030504040204" pitchFamily="34" charset="0"/>
+                <a:cs typeface="Tahoma" panose="020B0604030504040204" pitchFamily="34" charset="0"/>
+              </a:rPr>
+              <a:t>at</a:t>
+            </a:r>
+            <a:r>
+              <a:rPr lang="en-US" sz="1100" dirty="0">
+                <a:solidFill>
+                  <a:srgbClr val="212121"/>
+                </a:solidFill>
+                <a:latin typeface="Tahoma" panose="020B0604030504040204" pitchFamily="34" charset="0"/>
+                <a:ea typeface="Tahoma" panose="020B0604030504040204" pitchFamily="34" charset="0"/>
+                <a:cs typeface="Tahoma" panose="020B0604030504040204" pitchFamily="34" charset="0"/>
+              </a:rPr>
+              <a:t>e</a:t>
+            </a:r>
+            <a:endParaRPr lang="en-US" sz="1100" i="0" dirty="0">
+              <a:solidFill>
+                <a:srgbClr val="212121"/>
+              </a:solidFill>
+              <a:effectLst/>
+              <a:latin typeface="Tahoma" panose="020B0604030504040204" pitchFamily="34" charset="0"/>
+              <a:ea typeface="Tahoma" panose="020B0604030504040204" pitchFamily="34" charset="0"/>
+              <a:cs typeface="Tahoma" panose="020B0604030504040204" pitchFamily="34" charset="0"/>
+            </a:endParaRPr>
+          </a:p>
+        </p:txBody>
+      </p:sp>
+      <p:cxnSp>
+        <p:nvCxnSpPr>
+          <p:cNvPr id="7" name="Straight Arrow Connector 6">
+            <a:extLst>
+              <a:ext uri="{FF2B5EF4-FFF2-40B4-BE49-F238E27FC236}">
+                <a16:creationId xmlns:a16="http://schemas.microsoft.com/office/drawing/2014/main" id="{4F301F05-51F8-4064-8325-FED55EBDBE06}"/>
+              </a:ext>
+            </a:extLst>
+          </p:cNvPr>
+          <p:cNvCxnSpPr>
+            <a:cxnSpLocks/>
+            <a:stCxn id="6" idx="3"/>
+            <a:endCxn id="2052" idx="1"/>
+          </p:cNvCxnSpPr>
+          <p:nvPr/>
+        </p:nvCxnSpPr>
+        <p:spPr>
+          <a:xfrm>
+            <a:off x="4000261" y="3275516"/>
+            <a:ext cx="637779" cy="1"/>
+          </a:xfrm>
+          <a:prstGeom prst="straightConnector1">
+            <a:avLst/>
+          </a:prstGeom>
+          <a:ln w="28575">
+            <a:solidFill>
+              <a:srgbClr val="002060"/>
+            </a:solidFill>
+            <a:tailEnd type="triangle"/>
+          </a:ln>
+        </p:spPr>
+        <p:style>
+          <a:lnRef idx="1">
+            <a:schemeClr val="accent1"/>
+          </a:lnRef>
+          <a:fillRef idx="0">
+            <a:schemeClr val="accent1"/>
+          </a:fillRef>
+          <a:effectRef idx="0">
+            <a:schemeClr val="accent1"/>
+          </a:effectRef>
+          <a:fontRef idx="minor">
+            <a:schemeClr val="tx1"/>
+          </a:fontRef>
+        </p:style>
+      </p:cxnSp>
+      <p:sp>
+        <p:nvSpPr>
+          <p:cNvPr id="12" name="Rectangle 11">
+            <a:extLst>
+              <a:ext uri="{FF2B5EF4-FFF2-40B4-BE49-F238E27FC236}">
+                <a16:creationId xmlns:a16="http://schemas.microsoft.com/office/drawing/2014/main" id="{71C22F4E-63DD-4D27-8525-183799A13707}"/>
+              </a:ext>
+            </a:extLst>
+          </p:cNvPr>
+          <p:cNvSpPr/>
+          <p:nvPr/>
+        </p:nvSpPr>
+        <p:spPr>
+          <a:xfrm>
+            <a:off x="7636476" y="2915516"/>
+            <a:ext cx="1728000" cy="720000"/>
+          </a:xfrm>
+          <a:prstGeom prst="rect">
+            <a:avLst/>
+          </a:prstGeom>
+          <a:noFill/>
+          <a:ln>
+            <a:solidFill>
+              <a:schemeClr val="tx1"/>
+            </a:solidFill>
+          </a:ln>
+        </p:spPr>
+        <p:style>
+          <a:lnRef idx="2">
+            <a:schemeClr val="accent1">
+              <a:shade val="50000"/>
+            </a:schemeClr>
+          </a:lnRef>
+          <a:fillRef idx="1">
+            <a:schemeClr val="accent1"/>
+          </a:fillRef>
+          <a:effectRef idx="0">
+            <a:schemeClr val="accent1"/>
+          </a:effectRef>
+          <a:fontRef idx="minor">
+            <a:schemeClr val="lt1"/>
+          </a:fontRef>
+        </p:style>
+        <p:txBody>
+          <a:bodyPr rtlCol="0" anchor="ctr"/>
+          <a:lstStyle/>
+          <a:p>
+            <a:r>
+              <a:rPr lang="en-US" sz="1100" b="1" dirty="0">
+                <a:solidFill>
+                  <a:srgbClr val="212121"/>
+                </a:solidFill>
+                <a:latin typeface="Tahoma" panose="020B0604030504040204" pitchFamily="34" charset="0"/>
+                <a:ea typeface="Tahoma" panose="020B0604030504040204" pitchFamily="34" charset="0"/>
+                <a:cs typeface="Tahoma" panose="020B0604030504040204" pitchFamily="34" charset="0"/>
+              </a:rPr>
+              <a:t>Historical data</a:t>
+            </a:r>
+            <a:endParaRPr lang="en-US" sz="1100" b="1" i="0" dirty="0">
+              <a:solidFill>
+                <a:srgbClr val="212121"/>
+              </a:solidFill>
+              <a:effectLst/>
+              <a:latin typeface="Tahoma" panose="020B0604030504040204" pitchFamily="34" charset="0"/>
+              <a:ea typeface="Tahoma" panose="020B0604030504040204" pitchFamily="34" charset="0"/>
+              <a:cs typeface="Tahoma" panose="020B0604030504040204" pitchFamily="34" charset="0"/>
+            </a:endParaRPr>
+          </a:p>
+          <a:p>
+            <a:pPr marL="171450" indent="-171450">
+              <a:buFont typeface="Arial" panose="020B0604020202020204" pitchFamily="34" charset="0"/>
+              <a:buChar char="•"/>
+            </a:pPr>
+            <a:r>
+              <a:rPr lang="en-US" sz="1100" i="0" dirty="0">
+                <a:solidFill>
+                  <a:srgbClr val="212121"/>
+                </a:solidFill>
+                <a:effectLst/>
+                <a:latin typeface="Tahoma" panose="020B0604030504040204" pitchFamily="34" charset="0"/>
+                <a:ea typeface="Tahoma" panose="020B0604030504040204" pitchFamily="34" charset="0"/>
+                <a:cs typeface="Tahoma" panose="020B0604030504040204" pitchFamily="34" charset="0"/>
+              </a:rPr>
+              <a:t>Temp, </a:t>
+            </a:r>
+            <a:r>
+              <a:rPr lang="en-US" sz="1100" dirty="0">
+                <a:solidFill>
+                  <a:srgbClr val="212121"/>
+                </a:solidFill>
+                <a:latin typeface="Tahoma" panose="020B0604030504040204" pitchFamily="34" charset="0"/>
+                <a:ea typeface="Tahoma" panose="020B0604030504040204" pitchFamily="34" charset="0"/>
+                <a:cs typeface="Tahoma" panose="020B0604030504040204" pitchFamily="34" charset="0"/>
+              </a:rPr>
+              <a:t>Rh</a:t>
+            </a:r>
+          </a:p>
+          <a:p>
+            <a:pPr marL="171450" indent="-171450">
+              <a:buFont typeface="Arial" panose="020B0604020202020204" pitchFamily="34" charset="0"/>
+              <a:buChar char="•"/>
+            </a:pPr>
+            <a:r>
+              <a:rPr lang="en-US" sz="1100" i="0" dirty="0">
+                <a:solidFill>
+                  <a:srgbClr val="212121"/>
+                </a:solidFill>
+                <a:effectLst/>
+                <a:latin typeface="Tahoma" panose="020B0604030504040204" pitchFamily="34" charset="0"/>
+                <a:ea typeface="Tahoma" panose="020B0604030504040204" pitchFamily="34" charset="0"/>
+                <a:cs typeface="Tahoma" panose="020B0604030504040204" pitchFamily="34" charset="0"/>
+              </a:rPr>
+              <a:t>Hourly</a:t>
+            </a:r>
+          </a:p>
+        </p:txBody>
+      </p:sp>
+      <p:cxnSp>
+        <p:nvCxnSpPr>
+          <p:cNvPr id="13" name="Straight Arrow Connector 12">
+            <a:extLst>
+              <a:ext uri="{FF2B5EF4-FFF2-40B4-BE49-F238E27FC236}">
+                <a16:creationId xmlns:a16="http://schemas.microsoft.com/office/drawing/2014/main" id="{17EE1FDD-95AD-4125-8FE7-5E8FB0F378CD}"/>
+              </a:ext>
+            </a:extLst>
+          </p:cNvPr>
+          <p:cNvCxnSpPr>
+            <a:cxnSpLocks/>
+            <a:stCxn id="2052" idx="3"/>
+            <a:endCxn id="12" idx="1"/>
+          </p:cNvCxnSpPr>
+          <p:nvPr/>
+        </p:nvCxnSpPr>
+        <p:spPr>
+          <a:xfrm flipV="1">
+            <a:off x="6929120" y="3275516"/>
+            <a:ext cx="707356" cy="1"/>
+          </a:xfrm>
+          <a:prstGeom prst="straightConnector1">
+            <a:avLst/>
+          </a:prstGeom>
+          <a:ln w="28575">
+            <a:solidFill>
+              <a:srgbClr val="002060"/>
+            </a:solidFill>
+            <a:tailEnd type="triangle"/>
+          </a:ln>
+        </p:spPr>
+        <p:style>
+          <a:lnRef idx="1">
+            <a:schemeClr val="accent1"/>
+          </a:lnRef>
+          <a:fillRef idx="0">
+            <a:schemeClr val="accent1"/>
+          </a:fillRef>
+          <a:effectRef idx="0">
+            <a:schemeClr val="accent1"/>
+          </a:effectRef>
+          <a:fontRef idx="minor">
+            <a:schemeClr val="tx1"/>
+          </a:fontRef>
+        </p:style>
+      </p:cxnSp>
+    </p:spTree>
+    <p:extLst>
+      <p:ext uri="{BB962C8B-B14F-4D97-AF65-F5344CB8AC3E}">
+        <p14:creationId xmlns:p14="http://schemas.microsoft.com/office/powerpoint/2010/main" val="3247304772"/>
+      </p:ext>
+    </p:extLst>
+  </p:cSld>
+  <p:clrMapOvr>
+    <a:masterClrMapping/>
+  </p:clrMapOvr>
+</p:sld>
+</file>
+
+<file path=ppt/slides/slide12.xml><?xml version="1.0" encoding="utf-8"?>
+<p:sld xmlns:a="http://schemas.openxmlformats.org/drawingml/2006/main" xmlns:r="http://schemas.openxmlformats.org/officeDocument/2006/relationships" xmlns:p="http://schemas.openxmlformats.org/presentationml/2006/main">
+  <p:cSld>
+    <p:spTree>
+      <p:nvGrpSpPr>
+        <p:cNvPr id="1" name=""/>
+        <p:cNvGrpSpPr/>
+        <p:nvPr/>
+      </p:nvGrpSpPr>
+      <p:grpSpPr>
+        <a:xfrm>
+          <a:off x="0" y="0"/>
+          <a:ext cx="0" cy="0"/>
+          <a:chOff x="0" y="0"/>
+          <a:chExt cx="0" cy="0"/>
+        </a:xfrm>
+      </p:grpSpPr>
       <p:pic>
         <p:nvPicPr>
           <p:cNvPr id="2" name="Picture 6" descr="Weather Over STAC">
@@ -6271,7 +6867,7 @@
 </p:sld>
 </file>
 
-<file path=ppt/slides/slide11.xml><?xml version="1.0" encoding="utf-8"?>
+<file path=ppt/slides/slide13.xml><?xml version="1.0" encoding="utf-8"?>
 <p:sld xmlns:a="http://schemas.openxmlformats.org/drawingml/2006/main" xmlns:r="http://schemas.openxmlformats.org/officeDocument/2006/relationships" xmlns:p="http://schemas.openxmlformats.org/presentationml/2006/main">
   <p:cSld>
     <p:spTree>
@@ -6936,7 +7532,7 @@
 </p:sld>
 </file>
 
-<file path=ppt/slides/slide12.xml><?xml version="1.0" encoding="utf-8"?>
+<file path=ppt/slides/slide14.xml><?xml version="1.0" encoding="utf-8"?>
 <p:sld xmlns:a="http://schemas.openxmlformats.org/drawingml/2006/main" xmlns:r="http://schemas.openxmlformats.org/officeDocument/2006/relationships" xmlns:p="http://schemas.openxmlformats.org/presentationml/2006/main">
   <p:cSld>
     <p:spTree>
@@ -7396,7 +7992,7 @@
 </p:sld>
 </file>
 
-<file path=ppt/slides/slide13.xml><?xml version="1.0" encoding="utf-8"?>
+<file path=ppt/slides/slide15.xml><?xml version="1.0" encoding="utf-8"?>
 <p:sld xmlns:a="http://schemas.openxmlformats.org/drawingml/2006/main" xmlns:r="http://schemas.openxmlformats.org/officeDocument/2006/relationships" xmlns:p="http://schemas.openxmlformats.org/presentationml/2006/main">
   <p:cSld>
     <p:spTree>
@@ -7470,7 +8066,7 @@
 </p:sld>
 </file>
 
-<file path=ppt/slides/slide14.xml><?xml version="1.0" encoding="utf-8"?>
+<file path=ppt/slides/slide16.xml><?xml version="1.0" encoding="utf-8"?>
 <p:sld xmlns:a="http://schemas.openxmlformats.org/drawingml/2006/main" xmlns:r="http://schemas.openxmlformats.org/officeDocument/2006/relationships" xmlns:p="http://schemas.openxmlformats.org/presentationml/2006/main" show="0">
   <p:cSld>
     <p:spTree>
@@ -7575,7 +8171,7 @@
 </p:sld>
 </file>
 
-<file path=ppt/slides/slide15.xml><?xml version="1.0" encoding="utf-8"?>
+<file path=ppt/slides/slide17.xml><?xml version="1.0" encoding="utf-8"?>
 <p:sld xmlns:a="http://schemas.openxmlformats.org/drawingml/2006/main" xmlns:r="http://schemas.openxmlformats.org/officeDocument/2006/relationships" xmlns:p="http://schemas.openxmlformats.org/presentationml/2006/main" show="0">
   <p:cSld>
     <p:spTree>
@@ -10169,7 +10765,7 @@
 </p:sld>
 </file>
 
-<file path=ppt/slides/slide16.xml><?xml version="1.0" encoding="utf-8"?>
+<file path=ppt/slides/slide18.xml><?xml version="1.0" encoding="utf-8"?>
 <p:sld xmlns:a="http://schemas.openxmlformats.org/drawingml/2006/main" xmlns:r="http://schemas.openxmlformats.org/officeDocument/2006/relationships" xmlns:p="http://schemas.openxmlformats.org/presentationml/2006/main" show="0">
   <p:cSld>
     <p:spTree>
@@ -11703,7 +12299,7 @@
 </p:sld>
 </file>
 
-<file path=ppt/slides/slide17.xml><?xml version="1.0" encoding="utf-8"?>
+<file path=ppt/slides/slide19.xml><?xml version="1.0" encoding="utf-8"?>
 <p:sld xmlns:a="http://schemas.openxmlformats.org/drawingml/2006/main" xmlns:r="http://schemas.openxmlformats.org/officeDocument/2006/relationships" xmlns:p="http://schemas.openxmlformats.org/presentationml/2006/main" show="0">
   <p:cSld>
     <p:spTree>
@@ -13447,7 +14043,5521 @@
 </p:sld>
 </file>
 
-<file path=ppt/slides/slide18.xml><?xml version="1.0" encoding="utf-8"?>
+<file path=ppt/slides/slide2.xml><?xml version="1.0" encoding="utf-8"?>
+<p:sld xmlns:a="http://schemas.openxmlformats.org/drawingml/2006/main" xmlns:r="http://schemas.openxmlformats.org/officeDocument/2006/relationships" xmlns:p="http://schemas.openxmlformats.org/presentationml/2006/main">
+  <p:cSld>
+    <p:bg>
+      <p:bgPr>
+        <a:solidFill>
+          <a:schemeClr val="tx1"/>
+        </a:solidFill>
+        <a:effectLst/>
+      </p:bgPr>
+    </p:bg>
+    <p:spTree>
+      <p:nvGrpSpPr>
+        <p:cNvPr id="1" name=""/>
+        <p:cNvGrpSpPr/>
+        <p:nvPr/>
+      </p:nvGrpSpPr>
+      <p:grpSpPr>
+        <a:xfrm>
+          <a:off x="0" y="0"/>
+          <a:ext cx="0" cy="0"/>
+          <a:chOff x="0" y="0"/>
+          <a:chExt cx="0" cy="0"/>
+        </a:xfrm>
+      </p:grpSpPr>
+      <p:sp>
+        <p:nvSpPr>
+          <p:cNvPr id="9" name="TextBox 8">
+            <a:extLst>
+              <a:ext uri="{FF2B5EF4-FFF2-40B4-BE49-F238E27FC236}">
+                <a16:creationId xmlns:a16="http://schemas.microsoft.com/office/drawing/2014/main" id="{55511D75-7AB8-49A1-9581-BADF2F554C51}"/>
+              </a:ext>
+            </a:extLst>
+          </p:cNvPr>
+          <p:cNvSpPr txBox="1"/>
+          <p:nvPr/>
+        </p:nvSpPr>
+        <p:spPr>
+          <a:xfrm>
+            <a:off x="9880149" y="0"/>
+            <a:ext cx="2311851" cy="400110"/>
+          </a:xfrm>
+          <a:prstGeom prst="rect">
+            <a:avLst/>
+          </a:prstGeom>
+          <a:noFill/>
+        </p:spPr>
+        <p:txBody>
+          <a:bodyPr wrap="none" rtlCol="0">
+            <a:spAutoFit/>
+          </a:bodyPr>
+          <a:lstStyle/>
+          <a:p>
+            <a:r>
+              <a:rPr lang="en-US" sz="2000" b="1" dirty="0">
+                <a:solidFill>
+                  <a:schemeClr val="bg1"/>
+                </a:solidFill>
+                <a:latin typeface="Tahoma" panose="020B0604030504040204" pitchFamily="34" charset="0"/>
+                <a:ea typeface="Tahoma" panose="020B0604030504040204" pitchFamily="34" charset="0"/>
+                <a:cs typeface="Tahoma" panose="020B0604030504040204" pitchFamily="34" charset="0"/>
+              </a:rPr>
+              <a:t>Training Process</a:t>
+            </a:r>
+            <a:endParaRPr lang="th-TH" sz="2000" b="1" dirty="0">
+              <a:solidFill>
+                <a:schemeClr val="bg1"/>
+              </a:solidFill>
+              <a:latin typeface="Tahoma" panose="020B0604030504040204" pitchFamily="34" charset="0"/>
+              <a:ea typeface="Tahoma" panose="020B0604030504040204" pitchFamily="34" charset="0"/>
+              <a:cs typeface="Tahoma" panose="020B0604030504040204" pitchFamily="34" charset="0"/>
+            </a:endParaRPr>
+          </a:p>
+        </p:txBody>
+      </p:sp>
+      <p:grpSp>
+        <p:nvGrpSpPr>
+          <p:cNvPr id="11" name="Group 10">
+            <a:extLst>
+              <a:ext uri="{FF2B5EF4-FFF2-40B4-BE49-F238E27FC236}">
+                <a16:creationId xmlns:a16="http://schemas.microsoft.com/office/drawing/2014/main" id="{4FC83E9F-8A49-4429-8B0C-23D254F5FA26}"/>
+              </a:ext>
+            </a:extLst>
+          </p:cNvPr>
+          <p:cNvGrpSpPr/>
+          <p:nvPr/>
+        </p:nvGrpSpPr>
+        <p:grpSpPr>
+          <a:xfrm>
+            <a:off x="505125" y="532016"/>
+            <a:ext cx="2705355" cy="1272410"/>
+            <a:chOff x="451176" y="466168"/>
+            <a:chExt cx="2705355" cy="1272410"/>
+          </a:xfrm>
+        </p:grpSpPr>
+        <p:sp>
+          <p:nvSpPr>
+            <p:cNvPr id="6" name="Rectangle: Rounded Corners 5">
+              <a:extLst>
+                <a:ext uri="{FF2B5EF4-FFF2-40B4-BE49-F238E27FC236}">
+                  <a16:creationId xmlns:a16="http://schemas.microsoft.com/office/drawing/2014/main" id="{989B29E2-5DAF-4D3B-969C-940ABBB87A9F}"/>
+                </a:ext>
+              </a:extLst>
+            </p:cNvPr>
+            <p:cNvSpPr/>
+            <p:nvPr/>
+          </p:nvSpPr>
+          <p:spPr>
+            <a:xfrm>
+              <a:off x="1292241" y="466168"/>
+              <a:ext cx="972000" cy="180000"/>
+            </a:xfrm>
+            <a:prstGeom prst="roundRect">
+              <a:avLst>
+                <a:gd name="adj" fmla="val 5317"/>
+              </a:avLst>
+            </a:prstGeom>
+            <a:noFill/>
+            <a:ln>
+              <a:noFill/>
+            </a:ln>
+          </p:spPr>
+          <p:style>
+            <a:lnRef idx="2">
+              <a:schemeClr val="accent1">
+                <a:shade val="50000"/>
+              </a:schemeClr>
+            </a:lnRef>
+            <a:fillRef idx="1">
+              <a:schemeClr val="accent1"/>
+            </a:fillRef>
+            <a:effectRef idx="0">
+              <a:schemeClr val="accent1"/>
+            </a:effectRef>
+            <a:fontRef idx="minor">
+              <a:schemeClr val="lt1"/>
+            </a:fontRef>
+          </p:style>
+          <p:txBody>
+            <a:bodyPr rtlCol="0" anchor="ctr"/>
+            <a:lstStyle/>
+            <a:p>
+              <a:pPr algn="ctr"/>
+              <a:r>
+                <a:rPr lang="en-US" sz="1100" b="1" dirty="0">
+                  <a:solidFill>
+                    <a:schemeClr val="bg1"/>
+                  </a:solidFill>
+                  <a:latin typeface="Tahoma" panose="020B0604030504040204" pitchFamily="34" charset="0"/>
+                  <a:ea typeface="Tahoma" panose="020B0604030504040204" pitchFamily="34" charset="0"/>
+                  <a:cs typeface="Tahoma" panose="020B0604030504040204" pitchFamily="34" charset="0"/>
+                </a:rPr>
+                <a:t>Meteostat</a:t>
+              </a:r>
+              <a:endParaRPr lang="th-TH" sz="1100" b="1" dirty="0">
+                <a:solidFill>
+                  <a:schemeClr val="bg1"/>
+                </a:solidFill>
+                <a:latin typeface="Tahoma" panose="020B0604030504040204" pitchFamily="34" charset="0"/>
+                <a:ea typeface="Tahoma" panose="020B0604030504040204" pitchFamily="34" charset="0"/>
+                <a:cs typeface="Tahoma" panose="020B0604030504040204" pitchFamily="34" charset="0"/>
+              </a:endParaRPr>
+            </a:p>
+          </p:txBody>
+        </p:sp>
+        <p:pic>
+          <p:nvPicPr>
+            <p:cNvPr id="1028" name="Picture 4" descr="Top 10 Tips for Using PowerShell ISE | Rana Omer Hussain's RegEdit">
+              <a:extLst>
+                <a:ext uri="{FF2B5EF4-FFF2-40B4-BE49-F238E27FC236}">
+                  <a16:creationId xmlns:a16="http://schemas.microsoft.com/office/drawing/2014/main" id="{CFC2D5C4-4929-473E-AFCE-0F0D110DF8E4}"/>
+                </a:ext>
+              </a:extLst>
+            </p:cNvPr>
+            <p:cNvPicPr>
+              <a:picLocks noChangeAspect="1" noChangeArrowheads="1"/>
+            </p:cNvPicPr>
+            <p:nvPr/>
+          </p:nvPicPr>
+          <p:blipFill>
+            <a:blip r:embed="rId3">
+              <a:extLst>
+                <a:ext uri="{28A0092B-C50C-407E-A947-70E740481C1C}">
+                  <a14:useLocalDpi xmlns:a14="http://schemas.microsoft.com/office/drawing/2010/main" val="0"/>
+                </a:ext>
+              </a:extLst>
+            </a:blip>
+            <a:srcRect/>
+            <a:stretch>
+              <a:fillRect/>
+            </a:stretch>
+          </p:blipFill>
+          <p:spPr bwMode="auto">
+            <a:xfrm>
+              <a:off x="1633319" y="725033"/>
+              <a:ext cx="289849" cy="289849"/>
+            </a:xfrm>
+            <a:prstGeom prst="rect">
+              <a:avLst/>
+            </a:prstGeom>
+            <a:noFill/>
+            <a:extLst>
+              <a:ext uri="{909E8E84-426E-40DD-AFC4-6F175D3DCCD1}">
+                <a14:hiddenFill xmlns:a14="http://schemas.microsoft.com/office/drawing/2010/main">
+                  <a:solidFill>
+                    <a:srgbClr val="FFFFFF"/>
+                  </a:solidFill>
+                </a14:hiddenFill>
+              </a:ext>
+            </a:extLst>
+          </p:spPr>
+        </p:pic>
+        <p:sp>
+          <p:nvSpPr>
+            <p:cNvPr id="14" name="Rectangle 13">
+              <a:extLst>
+                <a:ext uri="{FF2B5EF4-FFF2-40B4-BE49-F238E27FC236}">
+                  <a16:creationId xmlns:a16="http://schemas.microsoft.com/office/drawing/2014/main" id="{BAF7E76E-5474-42FA-95B3-A00B42000919}"/>
+                </a:ext>
+              </a:extLst>
+            </p:cNvPr>
+            <p:cNvSpPr/>
+            <p:nvPr/>
+          </p:nvSpPr>
+          <p:spPr>
+            <a:xfrm>
+              <a:off x="1220243" y="1050882"/>
+              <a:ext cx="1116000" cy="108000"/>
+            </a:xfrm>
+            <a:prstGeom prst="rect">
+              <a:avLst/>
+            </a:prstGeom>
+            <a:noFill/>
+            <a:ln>
+              <a:noFill/>
+            </a:ln>
+          </p:spPr>
+          <p:style>
+            <a:lnRef idx="2">
+              <a:schemeClr val="accent1">
+                <a:shade val="50000"/>
+              </a:schemeClr>
+            </a:lnRef>
+            <a:fillRef idx="1">
+              <a:schemeClr val="accent1"/>
+            </a:fillRef>
+            <a:effectRef idx="0">
+              <a:schemeClr val="accent1"/>
+            </a:effectRef>
+            <a:fontRef idx="minor">
+              <a:schemeClr val="lt1"/>
+            </a:fontRef>
+          </p:style>
+          <p:txBody>
+            <a:bodyPr rtlCol="0" anchor="ctr"/>
+            <a:lstStyle/>
+            <a:p>
+              <a:pPr algn="ctr"/>
+              <a:r>
+                <a:rPr lang="en-US" sz="800" b="1" dirty="0">
+                  <a:solidFill>
+                    <a:schemeClr val="bg1"/>
+                  </a:solidFill>
+                  <a:latin typeface="Tahoma" panose="020B0604030504040204" pitchFamily="34" charset="0"/>
+                  <a:ea typeface="Tahoma" panose="020B0604030504040204" pitchFamily="34" charset="0"/>
+                  <a:cs typeface="Tahoma" panose="020B0604030504040204" pitchFamily="34" charset="0"/>
+                </a:rPr>
+                <a:t>his_data_point.py</a:t>
+              </a:r>
+              <a:endParaRPr lang="th-TH" sz="800" b="1" dirty="0">
+                <a:solidFill>
+                  <a:schemeClr val="bg1"/>
+                </a:solidFill>
+                <a:latin typeface="Tahoma" panose="020B0604030504040204" pitchFamily="34" charset="0"/>
+                <a:ea typeface="Tahoma" panose="020B0604030504040204" pitchFamily="34" charset="0"/>
+                <a:cs typeface="Tahoma" panose="020B0604030504040204" pitchFamily="34" charset="0"/>
+              </a:endParaRPr>
+            </a:p>
+          </p:txBody>
+        </p:sp>
+        <p:sp>
+          <p:nvSpPr>
+            <p:cNvPr id="20" name="Rectangle: Rounded Corners 19">
+              <a:extLst>
+                <a:ext uri="{FF2B5EF4-FFF2-40B4-BE49-F238E27FC236}">
+                  <a16:creationId xmlns:a16="http://schemas.microsoft.com/office/drawing/2014/main" id="{60120681-B594-433E-BDED-8A2780C671F5}"/>
+                </a:ext>
+              </a:extLst>
+            </p:cNvPr>
+            <p:cNvSpPr/>
+            <p:nvPr/>
+          </p:nvSpPr>
+          <p:spPr>
+            <a:xfrm>
+              <a:off x="2458852" y="797958"/>
+              <a:ext cx="565653" cy="144000"/>
+            </a:xfrm>
+            <a:prstGeom prst="roundRect">
+              <a:avLst>
+                <a:gd name="adj" fmla="val 5317"/>
+              </a:avLst>
+            </a:prstGeom>
+            <a:noFill/>
+            <a:ln>
+              <a:noFill/>
+            </a:ln>
+          </p:spPr>
+          <p:style>
+            <a:lnRef idx="2">
+              <a:schemeClr val="accent1">
+                <a:shade val="50000"/>
+              </a:schemeClr>
+            </a:lnRef>
+            <a:fillRef idx="1">
+              <a:schemeClr val="accent1"/>
+            </a:fillRef>
+            <a:effectRef idx="0">
+              <a:schemeClr val="accent1"/>
+            </a:effectRef>
+            <a:fontRef idx="minor">
+              <a:schemeClr val="lt1"/>
+            </a:fontRef>
+          </p:style>
+          <p:txBody>
+            <a:bodyPr rtlCol="0" anchor="ctr"/>
+            <a:lstStyle/>
+            <a:p>
+              <a:pPr algn="ctr"/>
+              <a:r>
+                <a:rPr lang="en-US" sz="1100" b="1" dirty="0">
+                  <a:solidFill>
+                    <a:schemeClr val="bg1"/>
+                  </a:solidFill>
+                  <a:latin typeface="Tahoma" panose="020B0604030504040204" pitchFamily="34" charset="0"/>
+                  <a:ea typeface="Tahoma" panose="020B0604030504040204" pitchFamily="34" charset="0"/>
+                  <a:cs typeface="Tahoma" panose="020B0604030504040204" pitchFamily="34" charset="0"/>
+                </a:rPr>
+                <a:t>T, Rh</a:t>
+              </a:r>
+              <a:endParaRPr lang="th-TH" sz="1100" b="1" dirty="0">
+                <a:solidFill>
+                  <a:schemeClr val="bg1"/>
+                </a:solidFill>
+                <a:latin typeface="Tahoma" panose="020B0604030504040204" pitchFamily="34" charset="0"/>
+                <a:ea typeface="Tahoma" panose="020B0604030504040204" pitchFamily="34" charset="0"/>
+                <a:cs typeface="Tahoma" panose="020B0604030504040204" pitchFamily="34" charset="0"/>
+              </a:endParaRPr>
+            </a:p>
+          </p:txBody>
+        </p:sp>
+        <p:cxnSp>
+          <p:nvCxnSpPr>
+            <p:cNvPr id="21" name="Straight Arrow Connector 20">
+              <a:extLst>
+                <a:ext uri="{FF2B5EF4-FFF2-40B4-BE49-F238E27FC236}">
+                  <a16:creationId xmlns:a16="http://schemas.microsoft.com/office/drawing/2014/main" id="{6ADFFE60-01EB-4659-9DF6-022C4264093D}"/>
+                </a:ext>
+              </a:extLst>
+            </p:cNvPr>
+            <p:cNvCxnSpPr>
+              <a:cxnSpLocks/>
+              <a:stCxn id="1028" idx="3"/>
+              <a:endCxn id="20" idx="1"/>
+            </p:cNvCxnSpPr>
+            <p:nvPr/>
+          </p:nvCxnSpPr>
+          <p:spPr>
+            <a:xfrm>
+              <a:off x="1923168" y="869958"/>
+              <a:ext cx="540000" cy="0"/>
+            </a:xfrm>
+            <a:prstGeom prst="straightConnector1">
+              <a:avLst/>
+            </a:prstGeom>
+            <a:ln w="12700">
+              <a:solidFill>
+                <a:schemeClr val="bg1"/>
+              </a:solidFill>
+              <a:tailEnd type="triangle"/>
+            </a:ln>
+          </p:spPr>
+          <p:style>
+            <a:lnRef idx="1">
+              <a:schemeClr val="accent1"/>
+            </a:lnRef>
+            <a:fillRef idx="0">
+              <a:schemeClr val="accent1"/>
+            </a:fillRef>
+            <a:effectRef idx="0">
+              <a:schemeClr val="accent1"/>
+            </a:effectRef>
+            <a:fontRef idx="minor">
+              <a:schemeClr val="tx1"/>
+            </a:fontRef>
+          </p:style>
+        </p:cxnSp>
+        <p:sp>
+          <p:nvSpPr>
+            <p:cNvPr id="27" name="TextBox 26">
+              <a:extLst>
+                <a:ext uri="{FF2B5EF4-FFF2-40B4-BE49-F238E27FC236}">
+                  <a16:creationId xmlns:a16="http://schemas.microsoft.com/office/drawing/2014/main" id="{3479E95C-ED1F-49CA-A774-D7A8B353C79C}"/>
+                </a:ext>
+              </a:extLst>
+            </p:cNvPr>
+            <p:cNvSpPr txBox="1"/>
+            <p:nvPr/>
+          </p:nvSpPr>
+          <p:spPr>
+            <a:xfrm>
+              <a:off x="2498903" y="913087"/>
+              <a:ext cx="647934" cy="184666"/>
+            </a:xfrm>
+            <a:prstGeom prst="rect">
+              <a:avLst/>
+            </a:prstGeom>
+            <a:noFill/>
+          </p:spPr>
+          <p:txBody>
+            <a:bodyPr wrap="none" rtlCol="0">
+              <a:spAutoFit/>
+            </a:bodyPr>
+            <a:lstStyle/>
+            <a:p>
+              <a:r>
+                <a:rPr lang="en-US" sz="600" u="sng" dirty="0">
+                  <a:solidFill>
+                    <a:schemeClr val="accent4">
+                      <a:lumMod val="60000"/>
+                      <a:lumOff val="40000"/>
+                    </a:schemeClr>
+                  </a:solidFill>
+                  <a:latin typeface="Tahoma" panose="020B0604030504040204" pitchFamily="34" charset="0"/>
+                  <a:ea typeface="Tahoma" panose="020B0604030504040204" pitchFamily="34" charset="0"/>
+                  <a:cs typeface="Tahoma" panose="020B0604030504040204" pitchFamily="34" charset="0"/>
+                </a:rPr>
+                <a:t>Estimate data</a:t>
+              </a:r>
+              <a:endParaRPr lang="th-TH" sz="600" u="sng" dirty="0">
+                <a:solidFill>
+                  <a:schemeClr val="accent4">
+                    <a:lumMod val="60000"/>
+                    <a:lumOff val="40000"/>
+                  </a:schemeClr>
+                </a:solidFill>
+                <a:latin typeface="Tahoma" panose="020B0604030504040204" pitchFamily="34" charset="0"/>
+                <a:ea typeface="Tahoma" panose="020B0604030504040204" pitchFamily="34" charset="0"/>
+                <a:cs typeface="Tahoma" panose="020B0604030504040204" pitchFamily="34" charset="0"/>
+              </a:endParaRPr>
+            </a:p>
+          </p:txBody>
+        </p:sp>
+        <p:pic>
+          <p:nvPicPr>
+            <p:cNvPr id="41" name="Picture 4" descr="Top 10 Tips for Using PowerShell ISE | Rana Omer Hussain's RegEdit">
+              <a:extLst>
+                <a:ext uri="{FF2B5EF4-FFF2-40B4-BE49-F238E27FC236}">
+                  <a16:creationId xmlns:a16="http://schemas.microsoft.com/office/drawing/2014/main" id="{09F1DEFA-A860-48AB-A128-6EEEFB49E95C}"/>
+                </a:ext>
+              </a:extLst>
+            </p:cNvPr>
+            <p:cNvPicPr>
+              <a:picLocks noChangeAspect="1" noChangeArrowheads="1"/>
+            </p:cNvPicPr>
+            <p:nvPr/>
+          </p:nvPicPr>
+          <p:blipFill>
+            <a:blip r:embed="rId3">
+              <a:extLst>
+                <a:ext uri="{28A0092B-C50C-407E-A947-70E740481C1C}">
+                  <a14:useLocalDpi xmlns:a14="http://schemas.microsoft.com/office/drawing/2010/main" val="0"/>
+                </a:ext>
+              </a:extLst>
+            </a:blip>
+            <a:srcRect/>
+            <a:stretch>
+              <a:fillRect/>
+            </a:stretch>
+          </p:blipFill>
+          <p:spPr bwMode="auto">
+            <a:xfrm>
+              <a:off x="1633319" y="1304730"/>
+              <a:ext cx="289849" cy="289849"/>
+            </a:xfrm>
+            <a:prstGeom prst="rect">
+              <a:avLst/>
+            </a:prstGeom>
+            <a:noFill/>
+            <a:extLst>
+              <a:ext uri="{909E8E84-426E-40DD-AFC4-6F175D3DCCD1}">
+                <a14:hiddenFill xmlns:a14="http://schemas.microsoft.com/office/drawing/2010/main">
+                  <a:solidFill>
+                    <a:srgbClr val="FFFFFF"/>
+                  </a:solidFill>
+                </a14:hiddenFill>
+              </a:ext>
+            </a:extLst>
+          </p:spPr>
+        </p:pic>
+        <p:sp>
+          <p:nvSpPr>
+            <p:cNvPr id="42" name="Rectangle 41">
+              <a:extLst>
+                <a:ext uri="{FF2B5EF4-FFF2-40B4-BE49-F238E27FC236}">
+                  <a16:creationId xmlns:a16="http://schemas.microsoft.com/office/drawing/2014/main" id="{7212C7F5-EA60-4FDC-A8C3-2A8932547C10}"/>
+                </a:ext>
+              </a:extLst>
+            </p:cNvPr>
+            <p:cNvSpPr/>
+            <p:nvPr/>
+          </p:nvSpPr>
+          <p:spPr>
+            <a:xfrm>
+              <a:off x="1170826" y="1630578"/>
+              <a:ext cx="1214833" cy="108000"/>
+            </a:xfrm>
+            <a:prstGeom prst="rect">
+              <a:avLst/>
+            </a:prstGeom>
+            <a:noFill/>
+            <a:ln>
+              <a:noFill/>
+            </a:ln>
+          </p:spPr>
+          <p:style>
+            <a:lnRef idx="2">
+              <a:schemeClr val="accent1">
+                <a:shade val="50000"/>
+              </a:schemeClr>
+            </a:lnRef>
+            <a:fillRef idx="1">
+              <a:schemeClr val="accent1"/>
+            </a:fillRef>
+            <a:effectRef idx="0">
+              <a:schemeClr val="accent1"/>
+            </a:effectRef>
+            <a:fontRef idx="minor">
+              <a:schemeClr val="lt1"/>
+            </a:fontRef>
+          </p:style>
+          <p:txBody>
+            <a:bodyPr rtlCol="0" anchor="ctr"/>
+            <a:lstStyle/>
+            <a:p>
+              <a:pPr algn="ctr"/>
+              <a:r>
+                <a:rPr lang="en-US" sz="600" b="1" dirty="0">
+                  <a:solidFill>
+                    <a:schemeClr val="bg1"/>
+                  </a:solidFill>
+                  <a:latin typeface="Tahoma" panose="020B0604030504040204" pitchFamily="34" charset="0"/>
+                  <a:ea typeface="Tahoma" panose="020B0604030504040204" pitchFamily="34" charset="0"/>
+                  <a:cs typeface="Tahoma" panose="020B0604030504040204" pitchFamily="34" charset="0"/>
+                </a:rPr>
+                <a:t>station_his_data.py</a:t>
+              </a:r>
+              <a:endParaRPr lang="th-TH" sz="600" b="1" dirty="0">
+                <a:solidFill>
+                  <a:schemeClr val="bg1"/>
+                </a:solidFill>
+                <a:latin typeface="Tahoma" panose="020B0604030504040204" pitchFamily="34" charset="0"/>
+                <a:ea typeface="Tahoma" panose="020B0604030504040204" pitchFamily="34" charset="0"/>
+                <a:cs typeface="Tahoma" panose="020B0604030504040204" pitchFamily="34" charset="0"/>
+              </a:endParaRPr>
+            </a:p>
+          </p:txBody>
+        </p:sp>
+        <p:sp>
+          <p:nvSpPr>
+            <p:cNvPr id="43" name="Rectangle: Rounded Corners 42">
+              <a:extLst>
+                <a:ext uri="{FF2B5EF4-FFF2-40B4-BE49-F238E27FC236}">
+                  <a16:creationId xmlns:a16="http://schemas.microsoft.com/office/drawing/2014/main" id="{F546384B-FA19-4D8B-94F2-A7BCA2D339E3}"/>
+                </a:ext>
+              </a:extLst>
+            </p:cNvPr>
+            <p:cNvSpPr/>
+            <p:nvPr/>
+          </p:nvSpPr>
+          <p:spPr>
+            <a:xfrm>
+              <a:off x="2458852" y="1377655"/>
+              <a:ext cx="565653" cy="144000"/>
+            </a:xfrm>
+            <a:prstGeom prst="roundRect">
+              <a:avLst>
+                <a:gd name="adj" fmla="val 5317"/>
+              </a:avLst>
+            </a:prstGeom>
+            <a:noFill/>
+            <a:ln>
+              <a:noFill/>
+            </a:ln>
+          </p:spPr>
+          <p:style>
+            <a:lnRef idx="2">
+              <a:schemeClr val="accent1">
+                <a:shade val="50000"/>
+              </a:schemeClr>
+            </a:lnRef>
+            <a:fillRef idx="1">
+              <a:schemeClr val="accent1"/>
+            </a:fillRef>
+            <a:effectRef idx="0">
+              <a:schemeClr val="accent1"/>
+            </a:effectRef>
+            <a:fontRef idx="minor">
+              <a:schemeClr val="lt1"/>
+            </a:fontRef>
+          </p:style>
+          <p:txBody>
+            <a:bodyPr rtlCol="0" anchor="ctr"/>
+            <a:lstStyle/>
+            <a:p>
+              <a:pPr algn="ctr"/>
+              <a:r>
+                <a:rPr lang="en-US" sz="1100" b="1" dirty="0">
+                  <a:solidFill>
+                    <a:schemeClr val="bg1"/>
+                  </a:solidFill>
+                  <a:latin typeface="Tahoma" panose="020B0604030504040204" pitchFamily="34" charset="0"/>
+                  <a:ea typeface="Tahoma" panose="020B0604030504040204" pitchFamily="34" charset="0"/>
+                  <a:cs typeface="Tahoma" panose="020B0604030504040204" pitchFamily="34" charset="0"/>
+                </a:rPr>
+                <a:t>T, Rh</a:t>
+              </a:r>
+              <a:endParaRPr lang="th-TH" sz="1100" b="1" dirty="0">
+                <a:solidFill>
+                  <a:schemeClr val="bg1"/>
+                </a:solidFill>
+                <a:latin typeface="Tahoma" panose="020B0604030504040204" pitchFamily="34" charset="0"/>
+                <a:ea typeface="Tahoma" panose="020B0604030504040204" pitchFamily="34" charset="0"/>
+                <a:cs typeface="Tahoma" panose="020B0604030504040204" pitchFamily="34" charset="0"/>
+              </a:endParaRPr>
+            </a:p>
+          </p:txBody>
+        </p:sp>
+        <p:cxnSp>
+          <p:nvCxnSpPr>
+            <p:cNvPr id="44" name="Straight Arrow Connector 43">
+              <a:extLst>
+                <a:ext uri="{FF2B5EF4-FFF2-40B4-BE49-F238E27FC236}">
+                  <a16:creationId xmlns:a16="http://schemas.microsoft.com/office/drawing/2014/main" id="{CA472A10-E2AF-4823-A420-C8CBF7B82F38}"/>
+                </a:ext>
+              </a:extLst>
+            </p:cNvPr>
+            <p:cNvCxnSpPr>
+              <a:cxnSpLocks/>
+            </p:cNvCxnSpPr>
+            <p:nvPr/>
+          </p:nvCxnSpPr>
+          <p:spPr>
+            <a:xfrm>
+              <a:off x="1923168" y="1449654"/>
+              <a:ext cx="540000" cy="0"/>
+            </a:xfrm>
+            <a:prstGeom prst="straightConnector1">
+              <a:avLst/>
+            </a:prstGeom>
+            <a:ln w="12700">
+              <a:solidFill>
+                <a:schemeClr val="bg1"/>
+              </a:solidFill>
+              <a:tailEnd type="triangle"/>
+            </a:ln>
+          </p:spPr>
+          <p:style>
+            <a:lnRef idx="1">
+              <a:schemeClr val="accent1"/>
+            </a:lnRef>
+            <a:fillRef idx="0">
+              <a:schemeClr val="accent1"/>
+            </a:fillRef>
+            <a:effectRef idx="0">
+              <a:schemeClr val="accent1"/>
+            </a:effectRef>
+            <a:fontRef idx="minor">
+              <a:schemeClr val="tx1"/>
+            </a:fontRef>
+          </p:style>
+        </p:cxnSp>
+        <p:sp>
+          <p:nvSpPr>
+            <p:cNvPr id="45" name="TextBox 44">
+              <a:extLst>
+                <a:ext uri="{FF2B5EF4-FFF2-40B4-BE49-F238E27FC236}">
+                  <a16:creationId xmlns:a16="http://schemas.microsoft.com/office/drawing/2014/main" id="{57A3E247-9008-4E2A-9095-6A1C0494E27C}"/>
+                </a:ext>
+              </a:extLst>
+            </p:cNvPr>
+            <p:cNvSpPr txBox="1"/>
+            <p:nvPr/>
+          </p:nvSpPr>
+          <p:spPr>
+            <a:xfrm>
+              <a:off x="2498903" y="1492784"/>
+              <a:ext cx="566181" cy="184666"/>
+            </a:xfrm>
+            <a:prstGeom prst="rect">
+              <a:avLst/>
+            </a:prstGeom>
+            <a:noFill/>
+          </p:spPr>
+          <p:txBody>
+            <a:bodyPr wrap="none" rtlCol="0">
+              <a:spAutoFit/>
+            </a:bodyPr>
+            <a:lstStyle/>
+            <a:p>
+              <a:r>
+                <a:rPr lang="en-US" sz="600" u="sng" dirty="0">
+                  <a:solidFill>
+                    <a:schemeClr val="accent4">
+                      <a:lumMod val="60000"/>
+                      <a:lumOff val="40000"/>
+                    </a:schemeClr>
+                  </a:solidFill>
+                  <a:latin typeface="Tahoma" panose="020B0604030504040204" pitchFamily="34" charset="0"/>
+                  <a:ea typeface="Tahoma" panose="020B0604030504040204" pitchFamily="34" charset="0"/>
+                  <a:cs typeface="Tahoma" panose="020B0604030504040204" pitchFamily="34" charset="0"/>
+                </a:rPr>
+                <a:t>Actual data</a:t>
+              </a:r>
+              <a:endParaRPr lang="th-TH" sz="600" u="sng" dirty="0">
+                <a:solidFill>
+                  <a:schemeClr val="accent4">
+                    <a:lumMod val="60000"/>
+                    <a:lumOff val="40000"/>
+                  </a:schemeClr>
+                </a:solidFill>
+                <a:latin typeface="Tahoma" panose="020B0604030504040204" pitchFamily="34" charset="0"/>
+                <a:ea typeface="Tahoma" panose="020B0604030504040204" pitchFamily="34" charset="0"/>
+                <a:cs typeface="Tahoma" panose="020B0604030504040204" pitchFamily="34" charset="0"/>
+              </a:endParaRPr>
+            </a:p>
+          </p:txBody>
+        </p:sp>
+        <p:sp>
+          <p:nvSpPr>
+            <p:cNvPr id="53" name="Rectangle 52">
+              <a:extLst>
+                <a:ext uri="{FF2B5EF4-FFF2-40B4-BE49-F238E27FC236}">
+                  <a16:creationId xmlns:a16="http://schemas.microsoft.com/office/drawing/2014/main" id="{2C0CDE05-7984-47CC-9DE0-581F362AFD44}"/>
+                </a:ext>
+              </a:extLst>
+            </p:cNvPr>
+            <p:cNvSpPr/>
+            <p:nvPr/>
+          </p:nvSpPr>
+          <p:spPr>
+            <a:xfrm>
+              <a:off x="451176" y="1143215"/>
+              <a:ext cx="576000" cy="108000"/>
+            </a:xfrm>
+            <a:prstGeom prst="rect">
+              <a:avLst/>
+            </a:prstGeom>
+            <a:noFill/>
+            <a:ln>
+              <a:noFill/>
+            </a:ln>
+          </p:spPr>
+          <p:style>
+            <a:lnRef idx="2">
+              <a:schemeClr val="accent1">
+                <a:shade val="50000"/>
+              </a:schemeClr>
+            </a:lnRef>
+            <a:fillRef idx="1">
+              <a:schemeClr val="accent1"/>
+            </a:fillRef>
+            <a:effectRef idx="0">
+              <a:schemeClr val="accent1"/>
+            </a:effectRef>
+            <a:fontRef idx="minor">
+              <a:schemeClr val="lt1"/>
+            </a:fontRef>
+          </p:style>
+          <p:txBody>
+            <a:bodyPr rtlCol="0" anchor="ctr"/>
+            <a:lstStyle/>
+            <a:p>
+              <a:pPr algn="ctr"/>
+              <a:r>
+                <a:rPr lang="en-US" sz="800" b="1" dirty="0">
+                  <a:solidFill>
+                    <a:schemeClr val="bg1"/>
+                  </a:solidFill>
+                  <a:latin typeface="Tahoma" panose="020B0604030504040204" pitchFamily="34" charset="0"/>
+                  <a:ea typeface="Tahoma" panose="020B0604030504040204" pitchFamily="34" charset="0"/>
+                  <a:cs typeface="Tahoma" panose="020B0604030504040204" pitchFamily="34" charset="0"/>
+                </a:rPr>
+                <a:t>Lat-</a:t>
+              </a:r>
+              <a:r>
+                <a:rPr lang="en-US" sz="800" b="1" dirty="0" err="1">
+                  <a:solidFill>
+                    <a:schemeClr val="bg1"/>
+                  </a:solidFill>
+                  <a:latin typeface="Tahoma" panose="020B0604030504040204" pitchFamily="34" charset="0"/>
+                  <a:ea typeface="Tahoma" panose="020B0604030504040204" pitchFamily="34" charset="0"/>
+                  <a:cs typeface="Tahoma" panose="020B0604030504040204" pitchFamily="34" charset="0"/>
+                </a:rPr>
+                <a:t>lon</a:t>
+              </a:r>
+              <a:endParaRPr lang="th-TH" sz="800" b="1" dirty="0">
+                <a:solidFill>
+                  <a:schemeClr val="bg1"/>
+                </a:solidFill>
+                <a:latin typeface="Tahoma" panose="020B0604030504040204" pitchFamily="34" charset="0"/>
+                <a:ea typeface="Tahoma" panose="020B0604030504040204" pitchFamily="34" charset="0"/>
+                <a:cs typeface="Tahoma" panose="020B0604030504040204" pitchFamily="34" charset="0"/>
+              </a:endParaRPr>
+            </a:p>
+          </p:txBody>
+        </p:sp>
+        <p:cxnSp>
+          <p:nvCxnSpPr>
+            <p:cNvPr id="88" name="Straight Arrow Connector 87">
+              <a:extLst>
+                <a:ext uri="{FF2B5EF4-FFF2-40B4-BE49-F238E27FC236}">
+                  <a16:creationId xmlns:a16="http://schemas.microsoft.com/office/drawing/2014/main" id="{BBA2102A-7D5E-4E2C-BAF8-84964EA50122}"/>
+                </a:ext>
+              </a:extLst>
+            </p:cNvPr>
+            <p:cNvCxnSpPr>
+              <a:cxnSpLocks/>
+              <a:stCxn id="53" idx="3"/>
+              <a:endCxn id="1028" idx="1"/>
+            </p:cNvCxnSpPr>
+            <p:nvPr/>
+          </p:nvCxnSpPr>
+          <p:spPr>
+            <a:xfrm flipV="1">
+              <a:off x="1027176" y="869958"/>
+              <a:ext cx="606143" cy="327257"/>
+            </a:xfrm>
+            <a:prstGeom prst="straightConnector1">
+              <a:avLst/>
+            </a:prstGeom>
+            <a:ln w="12700">
+              <a:solidFill>
+                <a:schemeClr val="bg1"/>
+              </a:solidFill>
+              <a:tailEnd type="triangle"/>
+            </a:ln>
+          </p:spPr>
+          <p:style>
+            <a:lnRef idx="1">
+              <a:schemeClr val="accent1"/>
+            </a:lnRef>
+            <a:fillRef idx="0">
+              <a:schemeClr val="accent1"/>
+            </a:fillRef>
+            <a:effectRef idx="0">
+              <a:schemeClr val="accent1"/>
+            </a:effectRef>
+            <a:fontRef idx="minor">
+              <a:schemeClr val="tx1"/>
+            </a:fontRef>
+          </p:style>
+        </p:cxnSp>
+        <p:cxnSp>
+          <p:nvCxnSpPr>
+            <p:cNvPr id="91" name="Straight Arrow Connector 90">
+              <a:extLst>
+                <a:ext uri="{FF2B5EF4-FFF2-40B4-BE49-F238E27FC236}">
+                  <a16:creationId xmlns:a16="http://schemas.microsoft.com/office/drawing/2014/main" id="{9A2F347D-5E14-4EBD-B527-46DD8EFF476F}"/>
+                </a:ext>
+              </a:extLst>
+            </p:cNvPr>
+            <p:cNvCxnSpPr>
+              <a:cxnSpLocks/>
+              <a:stCxn id="53" idx="3"/>
+              <a:endCxn id="41" idx="1"/>
+            </p:cNvCxnSpPr>
+            <p:nvPr/>
+          </p:nvCxnSpPr>
+          <p:spPr>
+            <a:xfrm>
+              <a:off x="1027176" y="1197215"/>
+              <a:ext cx="606143" cy="252440"/>
+            </a:xfrm>
+            <a:prstGeom prst="straightConnector1">
+              <a:avLst/>
+            </a:prstGeom>
+            <a:ln w="12700">
+              <a:solidFill>
+                <a:schemeClr val="bg1"/>
+              </a:solidFill>
+              <a:tailEnd type="triangle"/>
+            </a:ln>
+          </p:spPr>
+          <p:style>
+            <a:lnRef idx="1">
+              <a:schemeClr val="accent1"/>
+            </a:lnRef>
+            <a:fillRef idx="0">
+              <a:schemeClr val="accent1"/>
+            </a:fillRef>
+            <a:effectRef idx="0">
+              <a:schemeClr val="accent1"/>
+            </a:effectRef>
+            <a:fontRef idx="minor">
+              <a:schemeClr val="tx1"/>
+            </a:fontRef>
+          </p:style>
+        </p:cxnSp>
+        <p:pic>
+          <p:nvPicPr>
+            <p:cNvPr id="1034" name="Picture 10" descr="Database Symbol Png - Database Icon Flat - Free Transparent PNG Clipart  Images Download">
+              <a:extLst>
+                <a:ext uri="{FF2B5EF4-FFF2-40B4-BE49-F238E27FC236}">
+                  <a16:creationId xmlns:a16="http://schemas.microsoft.com/office/drawing/2014/main" id="{CCB8D676-A544-4638-B5F9-CA26614ADA42}"/>
+                </a:ext>
+              </a:extLst>
+            </p:cNvPr>
+            <p:cNvPicPr>
+              <a:picLocks noChangeAspect="1" noChangeArrowheads="1"/>
+            </p:cNvPicPr>
+            <p:nvPr/>
+          </p:nvPicPr>
+          <p:blipFill>
+            <a:blip r:embed="rId4">
+              <a:lum bright="70000" contrast="-70000"/>
+              <a:extLst>
+                <a:ext uri="{BEBA8EAE-BF5A-486C-A8C5-ECC9F3942E4B}">
+                  <a14:imgProps xmlns:a14="http://schemas.microsoft.com/office/drawing/2010/main">
+                    <a14:imgLayer r:embed="rId5">
+                      <a14:imgEffect>
+                        <a14:backgroundRemoval t="8113" b="89947" l="10000" r="90000">
+                          <a14:foregroundMark x1="52262" y1="8113" x2="52262" y2="8113"/>
+                          <a14:foregroundMark x1="50952" y1="49030" x2="50952" y2="49559"/>
+                          <a14:foregroundMark x1="50714" y1="69841" x2="50714" y2="69841"/>
+                          <a14:foregroundMark x1="46548" y1="84480" x2="46548" y2="84480"/>
+                        </a14:backgroundRemoval>
+                      </a14:imgEffect>
+                    </a14:imgLayer>
+                  </a14:imgProps>
+                </a:ext>
+                <a:ext uri="{28A0092B-C50C-407E-A947-70E740481C1C}">
+                  <a14:useLocalDpi xmlns:a14="http://schemas.microsoft.com/office/drawing/2010/main" val="0"/>
+                </a:ext>
+              </a:extLst>
+            </a:blip>
+            <a:srcRect/>
+            <a:stretch>
+              <a:fillRect/>
+            </a:stretch>
+          </p:blipFill>
+          <p:spPr bwMode="auto">
+            <a:xfrm>
+              <a:off x="2882785" y="766405"/>
+              <a:ext cx="264052" cy="178235"/>
+            </a:xfrm>
+            <a:prstGeom prst="rect">
+              <a:avLst/>
+            </a:prstGeom>
+            <a:noFill/>
+            <a:extLst>
+              <a:ext uri="{909E8E84-426E-40DD-AFC4-6F175D3DCCD1}">
+                <a14:hiddenFill xmlns:a14="http://schemas.microsoft.com/office/drawing/2010/main">
+                  <a:solidFill>
+                    <a:srgbClr val="FFFFFF"/>
+                  </a:solidFill>
+                </a14:hiddenFill>
+              </a:ext>
+            </a:extLst>
+          </p:spPr>
+        </p:pic>
+        <p:pic>
+          <p:nvPicPr>
+            <p:cNvPr id="113" name="Picture 10" descr="Database Symbol Png - Database Icon Flat - Free Transparent PNG Clipart  Images Download">
+              <a:extLst>
+                <a:ext uri="{FF2B5EF4-FFF2-40B4-BE49-F238E27FC236}">
+                  <a16:creationId xmlns:a16="http://schemas.microsoft.com/office/drawing/2014/main" id="{AAFA50F2-6F2C-4481-83B3-43CFC19130CE}"/>
+                </a:ext>
+              </a:extLst>
+            </p:cNvPr>
+            <p:cNvPicPr>
+              <a:picLocks noChangeAspect="1" noChangeArrowheads="1"/>
+            </p:cNvPicPr>
+            <p:nvPr/>
+          </p:nvPicPr>
+          <p:blipFill>
+            <a:blip r:embed="rId4">
+              <a:lum bright="70000" contrast="-70000"/>
+              <a:extLst>
+                <a:ext uri="{BEBA8EAE-BF5A-486C-A8C5-ECC9F3942E4B}">
+                  <a14:imgProps xmlns:a14="http://schemas.microsoft.com/office/drawing/2010/main">
+                    <a14:imgLayer r:embed="rId5">
+                      <a14:imgEffect>
+                        <a14:backgroundRemoval t="8113" b="89947" l="10000" r="90000">
+                          <a14:foregroundMark x1="52262" y1="8113" x2="52262" y2="8113"/>
+                          <a14:foregroundMark x1="50952" y1="49030" x2="50952" y2="49559"/>
+                          <a14:foregroundMark x1="50714" y1="69841" x2="50714" y2="69841"/>
+                          <a14:foregroundMark x1="46548" y1="84480" x2="46548" y2="84480"/>
+                        </a14:backgroundRemoval>
+                      </a14:imgEffect>
+                    </a14:imgLayer>
+                  </a14:imgProps>
+                </a:ext>
+                <a:ext uri="{28A0092B-C50C-407E-A947-70E740481C1C}">
+                  <a14:useLocalDpi xmlns:a14="http://schemas.microsoft.com/office/drawing/2010/main" val="0"/>
+                </a:ext>
+              </a:extLst>
+            </a:blip>
+            <a:srcRect/>
+            <a:stretch>
+              <a:fillRect/>
+            </a:stretch>
+          </p:blipFill>
+          <p:spPr bwMode="auto">
+            <a:xfrm>
+              <a:off x="2892479" y="1350192"/>
+              <a:ext cx="264052" cy="178235"/>
+            </a:xfrm>
+            <a:prstGeom prst="rect">
+              <a:avLst/>
+            </a:prstGeom>
+            <a:noFill/>
+            <a:extLst>
+              <a:ext uri="{909E8E84-426E-40DD-AFC4-6F175D3DCCD1}">
+                <a14:hiddenFill xmlns:a14="http://schemas.microsoft.com/office/drawing/2010/main">
+                  <a:solidFill>
+                    <a:srgbClr val="FFFFFF"/>
+                  </a:solidFill>
+                </a14:hiddenFill>
+              </a:ext>
+            </a:extLst>
+          </p:spPr>
+        </p:pic>
+      </p:grpSp>
+      <p:grpSp>
+        <p:nvGrpSpPr>
+          <p:cNvPr id="4" name="Group 3">
+            <a:extLst>
+              <a:ext uri="{FF2B5EF4-FFF2-40B4-BE49-F238E27FC236}">
+                <a16:creationId xmlns:a16="http://schemas.microsoft.com/office/drawing/2014/main" id="{BDAD9FC1-1BC2-4AD2-B99D-67F5AFD4ACF8}"/>
+              </a:ext>
+            </a:extLst>
+          </p:cNvPr>
+          <p:cNvGrpSpPr/>
+          <p:nvPr/>
+        </p:nvGrpSpPr>
+        <p:grpSpPr>
+          <a:xfrm>
+            <a:off x="509875" y="2004904"/>
+            <a:ext cx="2695855" cy="574498"/>
+            <a:chOff x="555314" y="2118289"/>
+            <a:chExt cx="2695855" cy="574498"/>
+          </a:xfrm>
+        </p:grpSpPr>
+        <p:pic>
+          <p:nvPicPr>
+            <p:cNvPr id="59" name="Picture 4" descr="Top 10 Tips for Using PowerShell ISE | Rana Omer Hussain's RegEdit">
+              <a:extLst>
+                <a:ext uri="{FF2B5EF4-FFF2-40B4-BE49-F238E27FC236}">
+                  <a16:creationId xmlns:a16="http://schemas.microsoft.com/office/drawing/2014/main" id="{ABECBDF9-799F-4A2A-8E43-2D92E112AD23}"/>
+                </a:ext>
+              </a:extLst>
+            </p:cNvPr>
+            <p:cNvPicPr>
+              <a:picLocks noChangeAspect="1" noChangeArrowheads="1"/>
+            </p:cNvPicPr>
+            <p:nvPr/>
+          </p:nvPicPr>
+          <p:blipFill>
+            <a:blip r:embed="rId3">
+              <a:extLst>
+                <a:ext uri="{28A0092B-C50C-407E-A947-70E740481C1C}">
+                  <a14:useLocalDpi xmlns:a14="http://schemas.microsoft.com/office/drawing/2010/main" val="0"/>
+                </a:ext>
+              </a:extLst>
+            </a:blip>
+            <a:srcRect/>
+            <a:stretch>
+              <a:fillRect/>
+            </a:stretch>
+          </p:blipFill>
+          <p:spPr bwMode="auto">
+            <a:xfrm>
+              <a:off x="1633317" y="2282132"/>
+              <a:ext cx="289849" cy="289849"/>
+            </a:xfrm>
+            <a:prstGeom prst="rect">
+              <a:avLst/>
+            </a:prstGeom>
+            <a:noFill/>
+            <a:extLst>
+              <a:ext uri="{909E8E84-426E-40DD-AFC4-6F175D3DCCD1}">
+                <a14:hiddenFill xmlns:a14="http://schemas.microsoft.com/office/drawing/2010/main">
+                  <a:solidFill>
+                    <a:srgbClr val="FFFFFF"/>
+                  </a:solidFill>
+                </a14:hiddenFill>
+              </a:ext>
+            </a:extLst>
+          </p:spPr>
+        </p:pic>
+        <p:sp>
+          <p:nvSpPr>
+            <p:cNvPr id="71" name="Rectangle: Rounded Corners 70">
+              <a:extLst>
+                <a:ext uri="{FF2B5EF4-FFF2-40B4-BE49-F238E27FC236}">
+                  <a16:creationId xmlns:a16="http://schemas.microsoft.com/office/drawing/2014/main" id="{4FFD726F-7134-4AFD-834C-6511A9A93263}"/>
+                </a:ext>
+              </a:extLst>
+            </p:cNvPr>
+            <p:cNvSpPr/>
+            <p:nvPr/>
+          </p:nvSpPr>
+          <p:spPr>
+            <a:xfrm>
+              <a:off x="2466262" y="2352490"/>
+              <a:ext cx="565653" cy="144000"/>
+            </a:xfrm>
+            <a:prstGeom prst="roundRect">
+              <a:avLst>
+                <a:gd name="adj" fmla="val 5317"/>
+              </a:avLst>
+            </a:prstGeom>
+            <a:noFill/>
+            <a:ln>
+              <a:noFill/>
+            </a:ln>
+          </p:spPr>
+          <p:style>
+            <a:lnRef idx="2">
+              <a:schemeClr val="accent1">
+                <a:shade val="50000"/>
+              </a:schemeClr>
+            </a:lnRef>
+            <a:fillRef idx="1">
+              <a:schemeClr val="accent1"/>
+            </a:fillRef>
+            <a:effectRef idx="0">
+              <a:schemeClr val="accent1"/>
+            </a:effectRef>
+            <a:fontRef idx="minor">
+              <a:schemeClr val="lt1"/>
+            </a:fontRef>
+          </p:style>
+          <p:txBody>
+            <a:bodyPr rtlCol="0" anchor="ctr"/>
+            <a:lstStyle/>
+            <a:p>
+              <a:pPr algn="ctr"/>
+              <a:r>
+                <a:rPr lang="en-US" sz="1100" b="1" dirty="0">
+                  <a:solidFill>
+                    <a:schemeClr val="bg1"/>
+                  </a:solidFill>
+                  <a:latin typeface="Tahoma" panose="020B0604030504040204" pitchFamily="34" charset="0"/>
+                  <a:ea typeface="Tahoma" panose="020B0604030504040204" pitchFamily="34" charset="0"/>
+                  <a:cs typeface="Tahoma" panose="020B0604030504040204" pitchFamily="34" charset="0"/>
+                </a:rPr>
+                <a:t>T, Rh</a:t>
+              </a:r>
+              <a:endParaRPr lang="th-TH" sz="1100" b="1" dirty="0">
+                <a:solidFill>
+                  <a:schemeClr val="bg1"/>
+                </a:solidFill>
+                <a:latin typeface="Tahoma" panose="020B0604030504040204" pitchFamily="34" charset="0"/>
+                <a:ea typeface="Tahoma" panose="020B0604030504040204" pitchFamily="34" charset="0"/>
+                <a:cs typeface="Tahoma" panose="020B0604030504040204" pitchFamily="34" charset="0"/>
+              </a:endParaRPr>
+            </a:p>
+          </p:txBody>
+        </p:sp>
+        <p:cxnSp>
+          <p:nvCxnSpPr>
+            <p:cNvPr id="72" name="Straight Arrow Connector 71">
+              <a:extLst>
+                <a:ext uri="{FF2B5EF4-FFF2-40B4-BE49-F238E27FC236}">
+                  <a16:creationId xmlns:a16="http://schemas.microsoft.com/office/drawing/2014/main" id="{991402A2-2D55-4738-85DD-9675BEF1E5CA}"/>
+                </a:ext>
+              </a:extLst>
+            </p:cNvPr>
+            <p:cNvCxnSpPr>
+              <a:cxnSpLocks/>
+              <a:stCxn id="59" idx="3"/>
+              <a:endCxn id="71" idx="1"/>
+            </p:cNvCxnSpPr>
+            <p:nvPr/>
+          </p:nvCxnSpPr>
+          <p:spPr>
+            <a:xfrm flipV="1">
+              <a:off x="1923166" y="2424490"/>
+              <a:ext cx="543096" cy="2567"/>
+            </a:xfrm>
+            <a:prstGeom prst="straightConnector1">
+              <a:avLst/>
+            </a:prstGeom>
+            <a:ln w="12700">
+              <a:solidFill>
+                <a:schemeClr val="bg1"/>
+              </a:solidFill>
+              <a:tailEnd type="triangle"/>
+            </a:ln>
+          </p:spPr>
+          <p:style>
+            <a:lnRef idx="1">
+              <a:schemeClr val="accent1"/>
+            </a:lnRef>
+            <a:fillRef idx="0">
+              <a:schemeClr val="accent1"/>
+            </a:fillRef>
+            <a:effectRef idx="0">
+              <a:schemeClr val="accent1"/>
+            </a:effectRef>
+            <a:fontRef idx="minor">
+              <a:schemeClr val="tx1"/>
+            </a:fontRef>
+          </p:style>
+        </p:cxnSp>
+        <p:sp>
+          <p:nvSpPr>
+            <p:cNvPr id="73" name="TextBox 72">
+              <a:extLst>
+                <a:ext uri="{FF2B5EF4-FFF2-40B4-BE49-F238E27FC236}">
+                  <a16:creationId xmlns:a16="http://schemas.microsoft.com/office/drawing/2014/main" id="{D600E0D7-666B-4EB1-B254-AB0A09F57BA6}"/>
+                </a:ext>
+              </a:extLst>
+            </p:cNvPr>
+            <p:cNvSpPr txBox="1"/>
+            <p:nvPr/>
+          </p:nvSpPr>
+          <p:spPr>
+            <a:xfrm>
+              <a:off x="2603235" y="2467619"/>
+              <a:ext cx="647934" cy="184666"/>
+            </a:xfrm>
+            <a:prstGeom prst="rect">
+              <a:avLst/>
+            </a:prstGeom>
+            <a:noFill/>
+          </p:spPr>
+          <p:txBody>
+            <a:bodyPr wrap="none" rtlCol="0">
+              <a:spAutoFit/>
+            </a:bodyPr>
+            <a:lstStyle/>
+            <a:p>
+              <a:r>
+                <a:rPr lang="en-US" sz="600" u="sng" dirty="0">
+                  <a:solidFill>
+                    <a:schemeClr val="accent4">
+                      <a:lumMod val="60000"/>
+                      <a:lumOff val="40000"/>
+                    </a:schemeClr>
+                  </a:solidFill>
+                  <a:latin typeface="Tahoma" panose="020B0604030504040204" pitchFamily="34" charset="0"/>
+                  <a:ea typeface="Tahoma" panose="020B0604030504040204" pitchFamily="34" charset="0"/>
+                  <a:cs typeface="Tahoma" panose="020B0604030504040204" pitchFamily="34" charset="0"/>
+                </a:rPr>
+                <a:t>Estimate data</a:t>
+              </a:r>
+              <a:endParaRPr lang="th-TH" sz="600" u="sng" dirty="0">
+                <a:solidFill>
+                  <a:schemeClr val="accent4">
+                    <a:lumMod val="60000"/>
+                    <a:lumOff val="40000"/>
+                  </a:schemeClr>
+                </a:solidFill>
+                <a:latin typeface="Tahoma" panose="020B0604030504040204" pitchFamily="34" charset="0"/>
+                <a:ea typeface="Tahoma" panose="020B0604030504040204" pitchFamily="34" charset="0"/>
+                <a:cs typeface="Tahoma" panose="020B0604030504040204" pitchFamily="34" charset="0"/>
+              </a:endParaRPr>
+            </a:p>
+          </p:txBody>
+        </p:sp>
+        <p:sp>
+          <p:nvSpPr>
+            <p:cNvPr id="96" name="Rectangle 95">
+              <a:extLst>
+                <a:ext uri="{FF2B5EF4-FFF2-40B4-BE49-F238E27FC236}">
+                  <a16:creationId xmlns:a16="http://schemas.microsoft.com/office/drawing/2014/main" id="{7DFD1C9A-8429-4FCC-9E7F-3CC75C8596A8}"/>
+                </a:ext>
+              </a:extLst>
+            </p:cNvPr>
+            <p:cNvSpPr/>
+            <p:nvPr/>
+          </p:nvSpPr>
+          <p:spPr>
+            <a:xfrm>
+              <a:off x="555314" y="2376816"/>
+              <a:ext cx="576000" cy="108000"/>
+            </a:xfrm>
+            <a:prstGeom prst="rect">
+              <a:avLst/>
+            </a:prstGeom>
+            <a:noFill/>
+            <a:ln>
+              <a:noFill/>
+            </a:ln>
+          </p:spPr>
+          <p:style>
+            <a:lnRef idx="2">
+              <a:schemeClr val="accent1">
+                <a:shade val="50000"/>
+              </a:schemeClr>
+            </a:lnRef>
+            <a:fillRef idx="1">
+              <a:schemeClr val="accent1"/>
+            </a:fillRef>
+            <a:effectRef idx="0">
+              <a:schemeClr val="accent1"/>
+            </a:effectRef>
+            <a:fontRef idx="minor">
+              <a:schemeClr val="lt1"/>
+            </a:fontRef>
+          </p:style>
+          <p:txBody>
+            <a:bodyPr rtlCol="0" anchor="ctr"/>
+            <a:lstStyle/>
+            <a:p>
+              <a:pPr algn="ctr"/>
+              <a:r>
+                <a:rPr lang="en-US" sz="800" b="1" dirty="0">
+                  <a:solidFill>
+                    <a:schemeClr val="bg1"/>
+                  </a:solidFill>
+                  <a:latin typeface="Tahoma" panose="020B0604030504040204" pitchFamily="34" charset="0"/>
+                  <a:ea typeface="Tahoma" panose="020B0604030504040204" pitchFamily="34" charset="0"/>
+                  <a:cs typeface="Tahoma" panose="020B0604030504040204" pitchFamily="34" charset="0"/>
+                </a:rPr>
+                <a:t>Lat-</a:t>
+              </a:r>
+              <a:r>
+                <a:rPr lang="en-US" sz="800" b="1" dirty="0" err="1">
+                  <a:solidFill>
+                    <a:schemeClr val="bg1"/>
+                  </a:solidFill>
+                  <a:latin typeface="Tahoma" panose="020B0604030504040204" pitchFamily="34" charset="0"/>
+                  <a:ea typeface="Tahoma" panose="020B0604030504040204" pitchFamily="34" charset="0"/>
+                  <a:cs typeface="Tahoma" panose="020B0604030504040204" pitchFamily="34" charset="0"/>
+                </a:rPr>
+                <a:t>lon</a:t>
+              </a:r>
+              <a:endParaRPr lang="th-TH" sz="800" b="1" dirty="0">
+                <a:solidFill>
+                  <a:schemeClr val="bg1"/>
+                </a:solidFill>
+                <a:latin typeface="Tahoma" panose="020B0604030504040204" pitchFamily="34" charset="0"/>
+                <a:ea typeface="Tahoma" panose="020B0604030504040204" pitchFamily="34" charset="0"/>
+                <a:cs typeface="Tahoma" panose="020B0604030504040204" pitchFamily="34" charset="0"/>
+              </a:endParaRPr>
+            </a:p>
+          </p:txBody>
+        </p:sp>
+        <p:cxnSp>
+          <p:nvCxnSpPr>
+            <p:cNvPr id="97" name="Straight Arrow Connector 96">
+              <a:extLst>
+                <a:ext uri="{FF2B5EF4-FFF2-40B4-BE49-F238E27FC236}">
+                  <a16:creationId xmlns:a16="http://schemas.microsoft.com/office/drawing/2014/main" id="{26981759-D2F9-4B72-B71C-88FDD24CE2EF}"/>
+                </a:ext>
+              </a:extLst>
+            </p:cNvPr>
+            <p:cNvCxnSpPr>
+              <a:cxnSpLocks/>
+              <a:stCxn id="96" idx="3"/>
+              <a:endCxn id="59" idx="1"/>
+            </p:cNvCxnSpPr>
+            <p:nvPr/>
+          </p:nvCxnSpPr>
+          <p:spPr>
+            <a:xfrm flipV="1">
+              <a:off x="1131314" y="2427057"/>
+              <a:ext cx="502003" cy="3759"/>
+            </a:xfrm>
+            <a:prstGeom prst="straightConnector1">
+              <a:avLst/>
+            </a:prstGeom>
+            <a:ln w="12700">
+              <a:solidFill>
+                <a:schemeClr val="bg1"/>
+              </a:solidFill>
+              <a:tailEnd type="triangle"/>
+            </a:ln>
+          </p:spPr>
+          <p:style>
+            <a:lnRef idx="1">
+              <a:schemeClr val="accent1"/>
+            </a:lnRef>
+            <a:fillRef idx="0">
+              <a:schemeClr val="accent1"/>
+            </a:fillRef>
+            <a:effectRef idx="0">
+              <a:schemeClr val="accent1"/>
+            </a:effectRef>
+            <a:fontRef idx="minor">
+              <a:schemeClr val="tx1"/>
+            </a:fontRef>
+          </p:style>
+        </p:cxnSp>
+        <p:pic>
+          <p:nvPicPr>
+            <p:cNvPr id="114" name="Picture 10" descr="Database Symbol Png - Database Icon Flat - Free Transparent PNG Clipart  Images Download">
+              <a:extLst>
+                <a:ext uri="{FF2B5EF4-FFF2-40B4-BE49-F238E27FC236}">
+                  <a16:creationId xmlns:a16="http://schemas.microsoft.com/office/drawing/2014/main" id="{E0FD203A-BC64-46E3-B722-BA87700893DD}"/>
+                </a:ext>
+              </a:extLst>
+            </p:cNvPr>
+            <p:cNvPicPr>
+              <a:picLocks noChangeAspect="1" noChangeArrowheads="1"/>
+            </p:cNvPicPr>
+            <p:nvPr/>
+          </p:nvPicPr>
+          <p:blipFill>
+            <a:blip r:embed="rId4">
+              <a:lum bright="70000" contrast="-70000"/>
+              <a:extLst>
+                <a:ext uri="{BEBA8EAE-BF5A-486C-A8C5-ECC9F3942E4B}">
+                  <a14:imgProps xmlns:a14="http://schemas.microsoft.com/office/drawing/2010/main">
+                    <a14:imgLayer r:embed="rId5">
+                      <a14:imgEffect>
+                        <a14:backgroundRemoval t="8113" b="89947" l="10000" r="90000">
+                          <a14:foregroundMark x1="52262" y1="8113" x2="52262" y2="8113"/>
+                          <a14:foregroundMark x1="50952" y1="49030" x2="50952" y2="49559"/>
+                          <a14:foregroundMark x1="50714" y1="69841" x2="50714" y2="69841"/>
+                          <a14:foregroundMark x1="46548" y1="84480" x2="46548" y2="84480"/>
+                        </a14:backgroundRemoval>
+                      </a14:imgEffect>
+                    </a14:imgLayer>
+                  </a14:imgProps>
+                </a:ext>
+                <a:ext uri="{28A0092B-C50C-407E-A947-70E740481C1C}">
+                  <a14:useLocalDpi xmlns:a14="http://schemas.microsoft.com/office/drawing/2010/main" val="0"/>
+                </a:ext>
+              </a:extLst>
+            </a:blip>
+            <a:srcRect/>
+            <a:stretch>
+              <a:fillRect/>
+            </a:stretch>
+          </p:blipFill>
+          <p:spPr bwMode="auto">
+            <a:xfrm>
+              <a:off x="2904836" y="2330353"/>
+              <a:ext cx="264052" cy="178235"/>
+            </a:xfrm>
+            <a:prstGeom prst="rect">
+              <a:avLst/>
+            </a:prstGeom>
+            <a:noFill/>
+            <a:extLst>
+              <a:ext uri="{909E8E84-426E-40DD-AFC4-6F175D3DCCD1}">
+                <a14:hiddenFill xmlns:a14="http://schemas.microsoft.com/office/drawing/2010/main">
+                  <a:solidFill>
+                    <a:srgbClr val="FFFFFF"/>
+                  </a:solidFill>
+                </a14:hiddenFill>
+              </a:ext>
+            </a:extLst>
+          </p:spPr>
+        </p:pic>
+        <p:sp>
+          <p:nvSpPr>
+            <p:cNvPr id="115" name="Rectangle 114">
+              <a:extLst>
+                <a:ext uri="{FF2B5EF4-FFF2-40B4-BE49-F238E27FC236}">
+                  <a16:creationId xmlns:a16="http://schemas.microsoft.com/office/drawing/2014/main" id="{AD81E77F-83D0-4571-9B9C-6332412A6F87}"/>
+                </a:ext>
+              </a:extLst>
+            </p:cNvPr>
+            <p:cNvSpPr/>
+            <p:nvPr/>
+          </p:nvSpPr>
+          <p:spPr>
+            <a:xfrm>
+              <a:off x="1256241" y="2584787"/>
+              <a:ext cx="1044000" cy="108000"/>
+            </a:xfrm>
+            <a:prstGeom prst="rect">
+              <a:avLst/>
+            </a:prstGeom>
+            <a:noFill/>
+            <a:ln>
+              <a:noFill/>
+            </a:ln>
+          </p:spPr>
+          <p:style>
+            <a:lnRef idx="2">
+              <a:schemeClr val="accent1">
+                <a:shade val="50000"/>
+              </a:schemeClr>
+            </a:lnRef>
+            <a:fillRef idx="1">
+              <a:schemeClr val="accent1"/>
+            </a:fillRef>
+            <a:effectRef idx="0">
+              <a:schemeClr val="accent1"/>
+            </a:effectRef>
+            <a:fontRef idx="minor">
+              <a:schemeClr val="lt1"/>
+            </a:fontRef>
+          </p:style>
+          <p:txBody>
+            <a:bodyPr rtlCol="0" anchor="ctr"/>
+            <a:lstStyle/>
+            <a:p>
+              <a:pPr algn="ctr"/>
+              <a:r>
+                <a:rPr lang="en-US" sz="600" b="1" i="0" dirty="0">
+                  <a:effectLst/>
+                  <a:latin typeface="Tahoma" panose="020B0604030504040204" pitchFamily="34" charset="0"/>
+                  <a:ea typeface="Tahoma" panose="020B0604030504040204" pitchFamily="34" charset="0"/>
+                  <a:cs typeface="Tahoma" panose="020B0604030504040204" pitchFamily="34" charset="0"/>
+                </a:rPr>
+                <a:t>Visualcross_hist</a:t>
+              </a:r>
+              <a:r>
+                <a:rPr lang="en-US" sz="600" b="1" dirty="0">
+                  <a:solidFill>
+                    <a:schemeClr val="bg1"/>
+                  </a:solidFill>
+                  <a:latin typeface="Tahoma" panose="020B0604030504040204" pitchFamily="34" charset="0"/>
+                  <a:ea typeface="Tahoma" panose="020B0604030504040204" pitchFamily="34" charset="0"/>
+                  <a:cs typeface="Tahoma" panose="020B0604030504040204" pitchFamily="34" charset="0"/>
+                </a:rPr>
+                <a:t>.py</a:t>
+              </a:r>
+              <a:endParaRPr lang="th-TH" sz="600" b="1" dirty="0">
+                <a:solidFill>
+                  <a:schemeClr val="bg1"/>
+                </a:solidFill>
+                <a:latin typeface="Tahoma" panose="020B0604030504040204" pitchFamily="34" charset="0"/>
+                <a:ea typeface="Tahoma" panose="020B0604030504040204" pitchFamily="34" charset="0"/>
+                <a:cs typeface="Tahoma" panose="020B0604030504040204" pitchFamily="34" charset="0"/>
+              </a:endParaRPr>
+            </a:p>
+          </p:txBody>
+        </p:sp>
+        <p:pic>
+          <p:nvPicPr>
+            <p:cNvPr id="116" name="Picture 115" descr="A picture containing logo&#10;&#10;Description automatically generated">
+              <a:extLst>
+                <a:ext uri="{FF2B5EF4-FFF2-40B4-BE49-F238E27FC236}">
+                  <a16:creationId xmlns:a16="http://schemas.microsoft.com/office/drawing/2014/main" id="{00DCD75D-3B96-4A75-A65E-A3ECE21B15D8}"/>
+                </a:ext>
+              </a:extLst>
+            </p:cNvPr>
+            <p:cNvPicPr>
+              <a:picLocks noChangeAspect="1"/>
+            </p:cNvPicPr>
+            <p:nvPr/>
+          </p:nvPicPr>
+          <p:blipFill>
+            <a:blip r:embed="rId6">
+              <a:lum bright="70000" contrast="-70000"/>
+              <a:extLst>
+                <a:ext uri="{28A0092B-C50C-407E-A947-70E740481C1C}">
+                  <a14:useLocalDpi xmlns:a14="http://schemas.microsoft.com/office/drawing/2010/main" val="0"/>
+                </a:ext>
+              </a:extLst>
+            </a:blip>
+            <a:stretch>
+              <a:fillRect/>
+            </a:stretch>
+          </p:blipFill>
+          <p:spPr>
+            <a:xfrm>
+              <a:off x="1389766" y="2118289"/>
+              <a:ext cx="844925" cy="153803"/>
+            </a:xfrm>
+            <a:prstGeom prst="rect">
+              <a:avLst/>
+            </a:prstGeom>
+          </p:spPr>
+        </p:pic>
+      </p:grpSp>
+      <p:grpSp>
+        <p:nvGrpSpPr>
+          <p:cNvPr id="5" name="Group 4">
+            <a:extLst>
+              <a:ext uri="{FF2B5EF4-FFF2-40B4-BE49-F238E27FC236}">
+                <a16:creationId xmlns:a16="http://schemas.microsoft.com/office/drawing/2014/main" id="{11D6B994-48C0-4698-AB25-EAE28C49FA52}"/>
+              </a:ext>
+            </a:extLst>
+          </p:cNvPr>
+          <p:cNvGrpSpPr/>
+          <p:nvPr/>
+        </p:nvGrpSpPr>
+        <p:grpSpPr>
+          <a:xfrm>
+            <a:off x="509875" y="2779880"/>
+            <a:ext cx="2695855" cy="665472"/>
+            <a:chOff x="555314" y="2904079"/>
+            <a:chExt cx="2695855" cy="665472"/>
+          </a:xfrm>
+        </p:grpSpPr>
+        <p:pic>
+          <p:nvPicPr>
+            <p:cNvPr id="119" name="Picture 4" descr="Top 10 Tips for Using PowerShell ISE | Rana Omer Hussain's RegEdit">
+              <a:extLst>
+                <a:ext uri="{FF2B5EF4-FFF2-40B4-BE49-F238E27FC236}">
+                  <a16:creationId xmlns:a16="http://schemas.microsoft.com/office/drawing/2014/main" id="{4ADEFD94-5359-4363-AECF-14D8C35DBD2D}"/>
+                </a:ext>
+              </a:extLst>
+            </p:cNvPr>
+            <p:cNvPicPr>
+              <a:picLocks noChangeAspect="1" noChangeArrowheads="1"/>
+            </p:cNvPicPr>
+            <p:nvPr/>
+          </p:nvPicPr>
+          <p:blipFill>
+            <a:blip r:embed="rId3">
+              <a:extLst>
+                <a:ext uri="{28A0092B-C50C-407E-A947-70E740481C1C}">
+                  <a14:useLocalDpi xmlns:a14="http://schemas.microsoft.com/office/drawing/2010/main" val="0"/>
+                </a:ext>
+              </a:extLst>
+            </a:blip>
+            <a:srcRect/>
+            <a:stretch>
+              <a:fillRect/>
+            </a:stretch>
+          </p:blipFill>
+          <p:spPr bwMode="auto">
+            <a:xfrm>
+              <a:off x="1633317" y="3158896"/>
+              <a:ext cx="289849" cy="289849"/>
+            </a:xfrm>
+            <a:prstGeom prst="rect">
+              <a:avLst/>
+            </a:prstGeom>
+            <a:noFill/>
+            <a:extLst>
+              <a:ext uri="{909E8E84-426E-40DD-AFC4-6F175D3DCCD1}">
+                <a14:hiddenFill xmlns:a14="http://schemas.microsoft.com/office/drawing/2010/main">
+                  <a:solidFill>
+                    <a:srgbClr val="FFFFFF"/>
+                  </a:solidFill>
+                </a14:hiddenFill>
+              </a:ext>
+            </a:extLst>
+          </p:spPr>
+        </p:pic>
+        <p:sp>
+          <p:nvSpPr>
+            <p:cNvPr id="120" name="Rectangle: Rounded Corners 119">
+              <a:extLst>
+                <a:ext uri="{FF2B5EF4-FFF2-40B4-BE49-F238E27FC236}">
+                  <a16:creationId xmlns:a16="http://schemas.microsoft.com/office/drawing/2014/main" id="{9D78F7C7-EAE1-4EF0-852D-EE6F7250324A}"/>
+                </a:ext>
+              </a:extLst>
+            </p:cNvPr>
+            <p:cNvSpPr/>
+            <p:nvPr/>
+          </p:nvSpPr>
+          <p:spPr>
+            <a:xfrm>
+              <a:off x="2466262" y="3229254"/>
+              <a:ext cx="565653" cy="144000"/>
+            </a:xfrm>
+            <a:prstGeom prst="roundRect">
+              <a:avLst>
+                <a:gd name="adj" fmla="val 5317"/>
+              </a:avLst>
+            </a:prstGeom>
+            <a:noFill/>
+            <a:ln>
+              <a:noFill/>
+            </a:ln>
+          </p:spPr>
+          <p:style>
+            <a:lnRef idx="2">
+              <a:schemeClr val="accent1">
+                <a:shade val="50000"/>
+              </a:schemeClr>
+            </a:lnRef>
+            <a:fillRef idx="1">
+              <a:schemeClr val="accent1"/>
+            </a:fillRef>
+            <a:effectRef idx="0">
+              <a:schemeClr val="accent1"/>
+            </a:effectRef>
+            <a:fontRef idx="minor">
+              <a:schemeClr val="lt1"/>
+            </a:fontRef>
+          </p:style>
+          <p:txBody>
+            <a:bodyPr rtlCol="0" anchor="ctr"/>
+            <a:lstStyle/>
+            <a:p>
+              <a:pPr algn="ctr"/>
+              <a:r>
+                <a:rPr lang="en-US" sz="1100" b="1" dirty="0">
+                  <a:solidFill>
+                    <a:schemeClr val="bg1"/>
+                  </a:solidFill>
+                  <a:latin typeface="Tahoma" panose="020B0604030504040204" pitchFamily="34" charset="0"/>
+                  <a:ea typeface="Tahoma" panose="020B0604030504040204" pitchFamily="34" charset="0"/>
+                  <a:cs typeface="Tahoma" panose="020B0604030504040204" pitchFamily="34" charset="0"/>
+                </a:rPr>
+                <a:t>T, Rh</a:t>
+              </a:r>
+              <a:endParaRPr lang="th-TH" sz="1100" b="1" dirty="0">
+                <a:solidFill>
+                  <a:schemeClr val="bg1"/>
+                </a:solidFill>
+                <a:latin typeface="Tahoma" panose="020B0604030504040204" pitchFamily="34" charset="0"/>
+                <a:ea typeface="Tahoma" panose="020B0604030504040204" pitchFamily="34" charset="0"/>
+                <a:cs typeface="Tahoma" panose="020B0604030504040204" pitchFamily="34" charset="0"/>
+              </a:endParaRPr>
+            </a:p>
+          </p:txBody>
+        </p:sp>
+        <p:cxnSp>
+          <p:nvCxnSpPr>
+            <p:cNvPr id="121" name="Straight Arrow Connector 120">
+              <a:extLst>
+                <a:ext uri="{FF2B5EF4-FFF2-40B4-BE49-F238E27FC236}">
+                  <a16:creationId xmlns:a16="http://schemas.microsoft.com/office/drawing/2014/main" id="{F67F5414-7024-4E6F-88A0-B31BDE7A002C}"/>
+                </a:ext>
+              </a:extLst>
+            </p:cNvPr>
+            <p:cNvCxnSpPr>
+              <a:cxnSpLocks/>
+              <a:stCxn id="119" idx="3"/>
+              <a:endCxn id="120" idx="1"/>
+            </p:cNvCxnSpPr>
+            <p:nvPr/>
+          </p:nvCxnSpPr>
+          <p:spPr>
+            <a:xfrm flipV="1">
+              <a:off x="1923166" y="3301254"/>
+              <a:ext cx="543096" cy="2567"/>
+            </a:xfrm>
+            <a:prstGeom prst="straightConnector1">
+              <a:avLst/>
+            </a:prstGeom>
+            <a:ln w="12700">
+              <a:solidFill>
+                <a:schemeClr val="bg1"/>
+              </a:solidFill>
+              <a:tailEnd type="triangle"/>
+            </a:ln>
+          </p:spPr>
+          <p:style>
+            <a:lnRef idx="1">
+              <a:schemeClr val="accent1"/>
+            </a:lnRef>
+            <a:fillRef idx="0">
+              <a:schemeClr val="accent1"/>
+            </a:fillRef>
+            <a:effectRef idx="0">
+              <a:schemeClr val="accent1"/>
+            </a:effectRef>
+            <a:fontRef idx="minor">
+              <a:schemeClr val="tx1"/>
+            </a:fontRef>
+          </p:style>
+        </p:cxnSp>
+        <p:sp>
+          <p:nvSpPr>
+            <p:cNvPr id="122" name="TextBox 121">
+              <a:extLst>
+                <a:ext uri="{FF2B5EF4-FFF2-40B4-BE49-F238E27FC236}">
+                  <a16:creationId xmlns:a16="http://schemas.microsoft.com/office/drawing/2014/main" id="{5A92D0DB-7E11-4E63-9303-1B642E8477DE}"/>
+                </a:ext>
+              </a:extLst>
+            </p:cNvPr>
+            <p:cNvSpPr txBox="1"/>
+            <p:nvPr/>
+          </p:nvSpPr>
+          <p:spPr>
+            <a:xfrm>
+              <a:off x="2603235" y="3344383"/>
+              <a:ext cx="647934" cy="184666"/>
+            </a:xfrm>
+            <a:prstGeom prst="rect">
+              <a:avLst/>
+            </a:prstGeom>
+            <a:noFill/>
+          </p:spPr>
+          <p:txBody>
+            <a:bodyPr wrap="none" rtlCol="0">
+              <a:spAutoFit/>
+            </a:bodyPr>
+            <a:lstStyle/>
+            <a:p>
+              <a:r>
+                <a:rPr lang="en-US" sz="600" u="sng" dirty="0">
+                  <a:solidFill>
+                    <a:schemeClr val="accent4">
+                      <a:lumMod val="60000"/>
+                      <a:lumOff val="40000"/>
+                    </a:schemeClr>
+                  </a:solidFill>
+                  <a:latin typeface="Tahoma" panose="020B0604030504040204" pitchFamily="34" charset="0"/>
+                  <a:ea typeface="Tahoma" panose="020B0604030504040204" pitchFamily="34" charset="0"/>
+                  <a:cs typeface="Tahoma" panose="020B0604030504040204" pitchFamily="34" charset="0"/>
+                </a:rPr>
+                <a:t>Estimate data</a:t>
+              </a:r>
+              <a:endParaRPr lang="th-TH" sz="600" u="sng" dirty="0">
+                <a:solidFill>
+                  <a:schemeClr val="accent4">
+                    <a:lumMod val="60000"/>
+                    <a:lumOff val="40000"/>
+                  </a:schemeClr>
+                </a:solidFill>
+                <a:latin typeface="Tahoma" panose="020B0604030504040204" pitchFamily="34" charset="0"/>
+                <a:ea typeface="Tahoma" panose="020B0604030504040204" pitchFamily="34" charset="0"/>
+                <a:cs typeface="Tahoma" panose="020B0604030504040204" pitchFamily="34" charset="0"/>
+              </a:endParaRPr>
+            </a:p>
+          </p:txBody>
+        </p:sp>
+        <p:sp>
+          <p:nvSpPr>
+            <p:cNvPr id="123" name="Rectangle 122">
+              <a:extLst>
+                <a:ext uri="{FF2B5EF4-FFF2-40B4-BE49-F238E27FC236}">
+                  <a16:creationId xmlns:a16="http://schemas.microsoft.com/office/drawing/2014/main" id="{61FD50AB-5CB6-455B-ACE6-6657E95440A5}"/>
+                </a:ext>
+              </a:extLst>
+            </p:cNvPr>
+            <p:cNvSpPr/>
+            <p:nvPr/>
+          </p:nvSpPr>
+          <p:spPr>
+            <a:xfrm>
+              <a:off x="555314" y="3253580"/>
+              <a:ext cx="576000" cy="108000"/>
+            </a:xfrm>
+            <a:prstGeom prst="rect">
+              <a:avLst/>
+            </a:prstGeom>
+            <a:noFill/>
+            <a:ln>
+              <a:noFill/>
+            </a:ln>
+          </p:spPr>
+          <p:style>
+            <a:lnRef idx="2">
+              <a:schemeClr val="accent1">
+                <a:shade val="50000"/>
+              </a:schemeClr>
+            </a:lnRef>
+            <a:fillRef idx="1">
+              <a:schemeClr val="accent1"/>
+            </a:fillRef>
+            <a:effectRef idx="0">
+              <a:schemeClr val="accent1"/>
+            </a:effectRef>
+            <a:fontRef idx="minor">
+              <a:schemeClr val="lt1"/>
+            </a:fontRef>
+          </p:style>
+          <p:txBody>
+            <a:bodyPr rtlCol="0" anchor="ctr"/>
+            <a:lstStyle/>
+            <a:p>
+              <a:pPr algn="ctr"/>
+              <a:r>
+                <a:rPr lang="en-US" sz="800" b="1" dirty="0">
+                  <a:solidFill>
+                    <a:schemeClr val="bg1"/>
+                  </a:solidFill>
+                  <a:latin typeface="Tahoma" panose="020B0604030504040204" pitchFamily="34" charset="0"/>
+                  <a:ea typeface="Tahoma" panose="020B0604030504040204" pitchFamily="34" charset="0"/>
+                  <a:cs typeface="Tahoma" panose="020B0604030504040204" pitchFamily="34" charset="0"/>
+                </a:rPr>
+                <a:t>Lat-</a:t>
+              </a:r>
+              <a:r>
+                <a:rPr lang="en-US" sz="800" b="1" dirty="0" err="1">
+                  <a:solidFill>
+                    <a:schemeClr val="bg1"/>
+                  </a:solidFill>
+                  <a:latin typeface="Tahoma" panose="020B0604030504040204" pitchFamily="34" charset="0"/>
+                  <a:ea typeface="Tahoma" panose="020B0604030504040204" pitchFamily="34" charset="0"/>
+                  <a:cs typeface="Tahoma" panose="020B0604030504040204" pitchFamily="34" charset="0"/>
+                </a:rPr>
+                <a:t>lon</a:t>
+              </a:r>
+              <a:endParaRPr lang="th-TH" sz="800" b="1" dirty="0">
+                <a:solidFill>
+                  <a:schemeClr val="bg1"/>
+                </a:solidFill>
+                <a:latin typeface="Tahoma" panose="020B0604030504040204" pitchFamily="34" charset="0"/>
+                <a:ea typeface="Tahoma" panose="020B0604030504040204" pitchFamily="34" charset="0"/>
+                <a:cs typeface="Tahoma" panose="020B0604030504040204" pitchFamily="34" charset="0"/>
+              </a:endParaRPr>
+            </a:p>
+          </p:txBody>
+        </p:sp>
+        <p:cxnSp>
+          <p:nvCxnSpPr>
+            <p:cNvPr id="124" name="Straight Arrow Connector 123">
+              <a:extLst>
+                <a:ext uri="{FF2B5EF4-FFF2-40B4-BE49-F238E27FC236}">
+                  <a16:creationId xmlns:a16="http://schemas.microsoft.com/office/drawing/2014/main" id="{D24BD1B5-E8E6-45E0-835F-22EB464B2C8F}"/>
+                </a:ext>
+              </a:extLst>
+            </p:cNvPr>
+            <p:cNvCxnSpPr>
+              <a:cxnSpLocks/>
+              <a:stCxn id="123" idx="3"/>
+              <a:endCxn id="119" idx="1"/>
+            </p:cNvCxnSpPr>
+            <p:nvPr/>
+          </p:nvCxnSpPr>
+          <p:spPr>
+            <a:xfrm flipV="1">
+              <a:off x="1131314" y="3303821"/>
+              <a:ext cx="502003" cy="3759"/>
+            </a:xfrm>
+            <a:prstGeom prst="straightConnector1">
+              <a:avLst/>
+            </a:prstGeom>
+            <a:ln w="12700">
+              <a:solidFill>
+                <a:schemeClr val="bg1"/>
+              </a:solidFill>
+              <a:tailEnd type="triangle"/>
+            </a:ln>
+          </p:spPr>
+          <p:style>
+            <a:lnRef idx="1">
+              <a:schemeClr val="accent1"/>
+            </a:lnRef>
+            <a:fillRef idx="0">
+              <a:schemeClr val="accent1"/>
+            </a:fillRef>
+            <a:effectRef idx="0">
+              <a:schemeClr val="accent1"/>
+            </a:effectRef>
+            <a:fontRef idx="minor">
+              <a:schemeClr val="tx1"/>
+            </a:fontRef>
+          </p:style>
+        </p:cxnSp>
+        <p:pic>
+          <p:nvPicPr>
+            <p:cNvPr id="125" name="Picture 10" descr="Database Symbol Png - Database Icon Flat - Free Transparent PNG Clipart  Images Download">
+              <a:extLst>
+                <a:ext uri="{FF2B5EF4-FFF2-40B4-BE49-F238E27FC236}">
+                  <a16:creationId xmlns:a16="http://schemas.microsoft.com/office/drawing/2014/main" id="{F4DC1C1F-85AF-40DD-AE8E-452798536AF0}"/>
+                </a:ext>
+              </a:extLst>
+            </p:cNvPr>
+            <p:cNvPicPr>
+              <a:picLocks noChangeAspect="1" noChangeArrowheads="1"/>
+            </p:cNvPicPr>
+            <p:nvPr/>
+          </p:nvPicPr>
+          <p:blipFill>
+            <a:blip r:embed="rId4">
+              <a:lum bright="70000" contrast="-70000"/>
+              <a:extLst>
+                <a:ext uri="{BEBA8EAE-BF5A-486C-A8C5-ECC9F3942E4B}">
+                  <a14:imgProps xmlns:a14="http://schemas.microsoft.com/office/drawing/2010/main">
+                    <a14:imgLayer r:embed="rId5">
+                      <a14:imgEffect>
+                        <a14:backgroundRemoval t="8113" b="89947" l="10000" r="90000">
+                          <a14:foregroundMark x1="52262" y1="8113" x2="52262" y2="8113"/>
+                          <a14:foregroundMark x1="50952" y1="49030" x2="50952" y2="49559"/>
+                          <a14:foregroundMark x1="50714" y1="69841" x2="50714" y2="69841"/>
+                          <a14:foregroundMark x1="46548" y1="84480" x2="46548" y2="84480"/>
+                        </a14:backgroundRemoval>
+                      </a14:imgEffect>
+                    </a14:imgLayer>
+                  </a14:imgProps>
+                </a:ext>
+                <a:ext uri="{28A0092B-C50C-407E-A947-70E740481C1C}">
+                  <a14:useLocalDpi xmlns:a14="http://schemas.microsoft.com/office/drawing/2010/main" val="0"/>
+                </a:ext>
+              </a:extLst>
+            </a:blip>
+            <a:srcRect/>
+            <a:stretch>
+              <a:fillRect/>
+            </a:stretch>
+          </p:blipFill>
+          <p:spPr bwMode="auto">
+            <a:xfrm>
+              <a:off x="2904836" y="3207117"/>
+              <a:ext cx="264052" cy="178235"/>
+            </a:xfrm>
+            <a:prstGeom prst="rect">
+              <a:avLst/>
+            </a:prstGeom>
+            <a:noFill/>
+            <a:extLst>
+              <a:ext uri="{909E8E84-426E-40DD-AFC4-6F175D3DCCD1}">
+                <a14:hiddenFill xmlns:a14="http://schemas.microsoft.com/office/drawing/2010/main">
+                  <a:solidFill>
+                    <a:srgbClr val="FFFFFF"/>
+                  </a:solidFill>
+                </a14:hiddenFill>
+              </a:ext>
+            </a:extLst>
+          </p:spPr>
+        </p:pic>
+        <p:sp>
+          <p:nvSpPr>
+            <p:cNvPr id="126" name="Rectangle 125">
+              <a:extLst>
+                <a:ext uri="{FF2B5EF4-FFF2-40B4-BE49-F238E27FC236}">
+                  <a16:creationId xmlns:a16="http://schemas.microsoft.com/office/drawing/2014/main" id="{40957B5A-03AD-46F1-BFF0-0F7A5F580424}"/>
+                </a:ext>
+              </a:extLst>
+            </p:cNvPr>
+            <p:cNvSpPr/>
+            <p:nvPr/>
+          </p:nvSpPr>
+          <p:spPr>
+            <a:xfrm>
+              <a:off x="1256241" y="3461551"/>
+              <a:ext cx="1044000" cy="108000"/>
+            </a:xfrm>
+            <a:prstGeom prst="rect">
+              <a:avLst/>
+            </a:prstGeom>
+            <a:noFill/>
+            <a:ln>
+              <a:noFill/>
+            </a:ln>
+          </p:spPr>
+          <p:style>
+            <a:lnRef idx="2">
+              <a:schemeClr val="accent1">
+                <a:shade val="50000"/>
+              </a:schemeClr>
+            </a:lnRef>
+            <a:fillRef idx="1">
+              <a:schemeClr val="accent1"/>
+            </a:fillRef>
+            <a:effectRef idx="0">
+              <a:schemeClr val="accent1"/>
+            </a:effectRef>
+            <a:fontRef idx="minor">
+              <a:schemeClr val="lt1"/>
+            </a:fontRef>
+          </p:style>
+          <p:txBody>
+            <a:bodyPr rtlCol="0" anchor="ctr"/>
+            <a:lstStyle/>
+            <a:p>
+              <a:pPr algn="ctr"/>
+              <a:r>
+                <a:rPr lang="en-US" sz="600" b="1" i="0" dirty="0">
+                  <a:effectLst/>
+                  <a:latin typeface="Tahoma" panose="020B0604030504040204" pitchFamily="34" charset="0"/>
+                  <a:ea typeface="Tahoma" panose="020B0604030504040204" pitchFamily="34" charset="0"/>
+                  <a:cs typeface="Tahoma" panose="020B0604030504040204" pitchFamily="34" charset="0"/>
+                </a:rPr>
+                <a:t>open_his_data</a:t>
+              </a:r>
+              <a:r>
+                <a:rPr lang="en-US" sz="600" b="1" dirty="0">
+                  <a:solidFill>
+                    <a:schemeClr val="bg1"/>
+                  </a:solidFill>
+                  <a:latin typeface="Tahoma" panose="020B0604030504040204" pitchFamily="34" charset="0"/>
+                  <a:ea typeface="Tahoma" panose="020B0604030504040204" pitchFamily="34" charset="0"/>
+                  <a:cs typeface="Tahoma" panose="020B0604030504040204" pitchFamily="34" charset="0"/>
+                </a:rPr>
+                <a:t>.py</a:t>
+              </a:r>
+              <a:endParaRPr lang="th-TH" sz="600" b="1" dirty="0">
+                <a:solidFill>
+                  <a:schemeClr val="bg1"/>
+                </a:solidFill>
+                <a:latin typeface="Tahoma" panose="020B0604030504040204" pitchFamily="34" charset="0"/>
+                <a:ea typeface="Tahoma" panose="020B0604030504040204" pitchFamily="34" charset="0"/>
+                <a:cs typeface="Tahoma" panose="020B0604030504040204" pitchFamily="34" charset="0"/>
+              </a:endParaRPr>
+            </a:p>
+          </p:txBody>
+        </p:sp>
+        <p:pic>
+          <p:nvPicPr>
+            <p:cNvPr id="129" name="Picture 8" descr="GitHub - pirasanthan-jesugeevegan/amt-cypress-weatherAPI: This is a task to  Automate the OpenWeather API using Cypress and Mochawesome report, Please  see below for the Test Case that are automated">
+              <a:extLst>
+                <a:ext uri="{FF2B5EF4-FFF2-40B4-BE49-F238E27FC236}">
+                  <a16:creationId xmlns:a16="http://schemas.microsoft.com/office/drawing/2014/main" id="{1B370C35-E923-47F0-9D77-7485EC5276F4}"/>
+                </a:ext>
+              </a:extLst>
+            </p:cNvPr>
+            <p:cNvPicPr>
+              <a:picLocks noChangeAspect="1" noChangeArrowheads="1"/>
+            </p:cNvPicPr>
+            <p:nvPr/>
+          </p:nvPicPr>
+          <p:blipFill>
+            <a:blip r:embed="rId7">
+              <a:lum bright="70000" contrast="-70000"/>
+              <a:extLst>
+                <a:ext uri="{28A0092B-C50C-407E-A947-70E740481C1C}">
+                  <a14:useLocalDpi xmlns:a14="http://schemas.microsoft.com/office/drawing/2010/main" val="0"/>
+                </a:ext>
+              </a:extLst>
+            </a:blip>
+            <a:srcRect/>
+            <a:stretch>
+              <a:fillRect/>
+            </a:stretch>
+          </p:blipFill>
+          <p:spPr bwMode="auto">
+            <a:xfrm>
+              <a:off x="1568918" y="2904079"/>
+              <a:ext cx="522772" cy="223050"/>
+            </a:xfrm>
+            <a:prstGeom prst="rect">
+              <a:avLst/>
+            </a:prstGeom>
+            <a:noFill/>
+            <a:extLst>
+              <a:ext uri="{909E8E84-426E-40DD-AFC4-6F175D3DCCD1}">
+                <a14:hiddenFill xmlns:a14="http://schemas.microsoft.com/office/drawing/2010/main">
+                  <a:solidFill>
+                    <a:srgbClr val="FFFFFF"/>
+                  </a:solidFill>
+                </a14:hiddenFill>
+              </a:ext>
+            </a:extLst>
+          </p:spPr>
+        </p:pic>
+      </p:grpSp>
+      <p:grpSp>
+        <p:nvGrpSpPr>
+          <p:cNvPr id="8" name="Group 7">
+            <a:extLst>
+              <a:ext uri="{FF2B5EF4-FFF2-40B4-BE49-F238E27FC236}">
+                <a16:creationId xmlns:a16="http://schemas.microsoft.com/office/drawing/2014/main" id="{698C6D7A-10F9-4B39-A6C9-521596E74C18}"/>
+              </a:ext>
+            </a:extLst>
+          </p:cNvPr>
+          <p:cNvGrpSpPr/>
+          <p:nvPr/>
+        </p:nvGrpSpPr>
+        <p:grpSpPr>
+          <a:xfrm>
+            <a:off x="505430" y="5331928"/>
+            <a:ext cx="2704745" cy="897410"/>
+            <a:chOff x="542869" y="4804092"/>
+            <a:chExt cx="2704745" cy="897410"/>
+          </a:xfrm>
+        </p:grpSpPr>
+        <p:pic>
+          <p:nvPicPr>
+            <p:cNvPr id="131" name="Picture 4" descr="Top 10 Tips for Using PowerShell ISE | Rana Omer Hussain's RegEdit">
+              <a:extLst>
+                <a:ext uri="{FF2B5EF4-FFF2-40B4-BE49-F238E27FC236}">
+                  <a16:creationId xmlns:a16="http://schemas.microsoft.com/office/drawing/2014/main" id="{635F9D71-D6AA-4ECE-92D7-8F21B3384E27}"/>
+                </a:ext>
+              </a:extLst>
+            </p:cNvPr>
+            <p:cNvPicPr>
+              <a:picLocks noChangeAspect="1" noChangeArrowheads="1"/>
+            </p:cNvPicPr>
+            <p:nvPr/>
+          </p:nvPicPr>
+          <p:blipFill>
+            <a:blip r:embed="rId3">
+              <a:extLst>
+                <a:ext uri="{28A0092B-C50C-407E-A947-70E740481C1C}">
+                  <a14:useLocalDpi xmlns:a14="http://schemas.microsoft.com/office/drawing/2010/main" val="0"/>
+                </a:ext>
+              </a:extLst>
+            </a:blip>
+            <a:srcRect/>
+            <a:stretch>
+              <a:fillRect/>
+            </a:stretch>
+          </p:blipFill>
+          <p:spPr bwMode="auto">
+            <a:xfrm>
+              <a:off x="1620872" y="5087591"/>
+              <a:ext cx="289849" cy="289849"/>
+            </a:xfrm>
+            <a:prstGeom prst="rect">
+              <a:avLst/>
+            </a:prstGeom>
+            <a:noFill/>
+            <a:extLst>
+              <a:ext uri="{909E8E84-426E-40DD-AFC4-6F175D3DCCD1}">
+                <a14:hiddenFill xmlns:a14="http://schemas.microsoft.com/office/drawing/2010/main">
+                  <a:solidFill>
+                    <a:srgbClr val="FFFFFF"/>
+                  </a:solidFill>
+                </a14:hiddenFill>
+              </a:ext>
+            </a:extLst>
+          </p:spPr>
+        </p:pic>
+        <p:sp>
+          <p:nvSpPr>
+            <p:cNvPr id="132" name="Rectangle: Rounded Corners 131">
+              <a:extLst>
+                <a:ext uri="{FF2B5EF4-FFF2-40B4-BE49-F238E27FC236}">
+                  <a16:creationId xmlns:a16="http://schemas.microsoft.com/office/drawing/2014/main" id="{421C80E5-EBEE-4BA1-A01A-02E9FA8A7047}"/>
+                </a:ext>
+              </a:extLst>
+            </p:cNvPr>
+            <p:cNvSpPr/>
+            <p:nvPr/>
+          </p:nvSpPr>
+          <p:spPr>
+            <a:xfrm>
+              <a:off x="2453817" y="5157949"/>
+              <a:ext cx="565653" cy="144000"/>
+            </a:xfrm>
+            <a:prstGeom prst="roundRect">
+              <a:avLst>
+                <a:gd name="adj" fmla="val 5317"/>
+              </a:avLst>
+            </a:prstGeom>
+            <a:noFill/>
+            <a:ln>
+              <a:noFill/>
+            </a:ln>
+          </p:spPr>
+          <p:style>
+            <a:lnRef idx="2">
+              <a:schemeClr val="accent1">
+                <a:shade val="50000"/>
+              </a:schemeClr>
+            </a:lnRef>
+            <a:fillRef idx="1">
+              <a:schemeClr val="accent1"/>
+            </a:fillRef>
+            <a:effectRef idx="0">
+              <a:schemeClr val="accent1"/>
+            </a:effectRef>
+            <a:fontRef idx="minor">
+              <a:schemeClr val="lt1"/>
+            </a:fontRef>
+          </p:style>
+          <p:txBody>
+            <a:bodyPr rtlCol="0" anchor="ctr"/>
+            <a:lstStyle/>
+            <a:p>
+              <a:pPr algn="ctr"/>
+              <a:r>
+                <a:rPr lang="en-US" sz="1100" b="1" dirty="0">
+                  <a:solidFill>
+                    <a:schemeClr val="bg1"/>
+                  </a:solidFill>
+                  <a:latin typeface="Tahoma" panose="020B0604030504040204" pitchFamily="34" charset="0"/>
+                  <a:ea typeface="Tahoma" panose="020B0604030504040204" pitchFamily="34" charset="0"/>
+                  <a:cs typeface="Tahoma" panose="020B0604030504040204" pitchFamily="34" charset="0"/>
+                </a:rPr>
+                <a:t>T, Rh</a:t>
+              </a:r>
+              <a:endParaRPr lang="th-TH" sz="1100" b="1" dirty="0">
+                <a:solidFill>
+                  <a:schemeClr val="bg1"/>
+                </a:solidFill>
+                <a:latin typeface="Tahoma" panose="020B0604030504040204" pitchFamily="34" charset="0"/>
+                <a:ea typeface="Tahoma" panose="020B0604030504040204" pitchFamily="34" charset="0"/>
+                <a:cs typeface="Tahoma" panose="020B0604030504040204" pitchFamily="34" charset="0"/>
+              </a:endParaRPr>
+            </a:p>
+          </p:txBody>
+        </p:sp>
+        <p:cxnSp>
+          <p:nvCxnSpPr>
+            <p:cNvPr id="133" name="Straight Arrow Connector 132">
+              <a:extLst>
+                <a:ext uri="{FF2B5EF4-FFF2-40B4-BE49-F238E27FC236}">
+                  <a16:creationId xmlns:a16="http://schemas.microsoft.com/office/drawing/2014/main" id="{F58247F2-886C-4593-9A9A-2932D657ABEB}"/>
+                </a:ext>
+              </a:extLst>
+            </p:cNvPr>
+            <p:cNvCxnSpPr>
+              <a:cxnSpLocks/>
+              <a:stCxn id="131" idx="3"/>
+              <a:endCxn id="132" idx="1"/>
+            </p:cNvCxnSpPr>
+            <p:nvPr/>
+          </p:nvCxnSpPr>
+          <p:spPr>
+            <a:xfrm flipV="1">
+              <a:off x="1910721" y="5229949"/>
+              <a:ext cx="543096" cy="2567"/>
+            </a:xfrm>
+            <a:prstGeom prst="straightConnector1">
+              <a:avLst/>
+            </a:prstGeom>
+            <a:ln w="12700">
+              <a:solidFill>
+                <a:schemeClr val="bg1"/>
+              </a:solidFill>
+              <a:tailEnd type="triangle"/>
+            </a:ln>
+          </p:spPr>
+          <p:style>
+            <a:lnRef idx="1">
+              <a:schemeClr val="accent1"/>
+            </a:lnRef>
+            <a:fillRef idx="0">
+              <a:schemeClr val="accent1"/>
+            </a:fillRef>
+            <a:effectRef idx="0">
+              <a:schemeClr val="accent1"/>
+            </a:effectRef>
+            <a:fontRef idx="minor">
+              <a:schemeClr val="tx1"/>
+            </a:fontRef>
+          </p:style>
+        </p:cxnSp>
+        <p:sp>
+          <p:nvSpPr>
+            <p:cNvPr id="134" name="TextBox 133">
+              <a:extLst>
+                <a:ext uri="{FF2B5EF4-FFF2-40B4-BE49-F238E27FC236}">
+                  <a16:creationId xmlns:a16="http://schemas.microsoft.com/office/drawing/2014/main" id="{5BA1ABF0-E3BE-444F-BC07-D75CBC1B1AAB}"/>
+                </a:ext>
+              </a:extLst>
+            </p:cNvPr>
+            <p:cNvSpPr txBox="1"/>
+            <p:nvPr/>
+          </p:nvSpPr>
+          <p:spPr>
+            <a:xfrm>
+              <a:off x="2590790" y="5273078"/>
+              <a:ext cx="647934" cy="184666"/>
+            </a:xfrm>
+            <a:prstGeom prst="rect">
+              <a:avLst/>
+            </a:prstGeom>
+            <a:noFill/>
+          </p:spPr>
+          <p:txBody>
+            <a:bodyPr wrap="none" rtlCol="0">
+              <a:spAutoFit/>
+            </a:bodyPr>
+            <a:lstStyle/>
+            <a:p>
+              <a:r>
+                <a:rPr lang="en-US" sz="600" u="sng" dirty="0">
+                  <a:solidFill>
+                    <a:schemeClr val="accent4">
+                      <a:lumMod val="60000"/>
+                      <a:lumOff val="40000"/>
+                    </a:schemeClr>
+                  </a:solidFill>
+                  <a:latin typeface="Tahoma" panose="020B0604030504040204" pitchFamily="34" charset="0"/>
+                  <a:ea typeface="Tahoma" panose="020B0604030504040204" pitchFamily="34" charset="0"/>
+                  <a:cs typeface="Tahoma" panose="020B0604030504040204" pitchFamily="34" charset="0"/>
+                </a:rPr>
+                <a:t>Estimate data</a:t>
+              </a:r>
+              <a:endParaRPr lang="th-TH" sz="600" u="sng" dirty="0">
+                <a:solidFill>
+                  <a:schemeClr val="accent4">
+                    <a:lumMod val="60000"/>
+                    <a:lumOff val="40000"/>
+                  </a:schemeClr>
+                </a:solidFill>
+                <a:latin typeface="Tahoma" panose="020B0604030504040204" pitchFamily="34" charset="0"/>
+                <a:ea typeface="Tahoma" panose="020B0604030504040204" pitchFamily="34" charset="0"/>
+                <a:cs typeface="Tahoma" panose="020B0604030504040204" pitchFamily="34" charset="0"/>
+              </a:endParaRPr>
+            </a:p>
+          </p:txBody>
+        </p:sp>
+        <p:sp>
+          <p:nvSpPr>
+            <p:cNvPr id="135" name="Rectangle 134">
+              <a:extLst>
+                <a:ext uri="{FF2B5EF4-FFF2-40B4-BE49-F238E27FC236}">
+                  <a16:creationId xmlns:a16="http://schemas.microsoft.com/office/drawing/2014/main" id="{4447666D-2CFE-48BB-AFA5-9E141612391E}"/>
+                </a:ext>
+              </a:extLst>
+            </p:cNvPr>
+            <p:cNvSpPr/>
+            <p:nvPr/>
+          </p:nvSpPr>
+          <p:spPr>
+            <a:xfrm>
+              <a:off x="542869" y="5182275"/>
+              <a:ext cx="576000" cy="108000"/>
+            </a:xfrm>
+            <a:prstGeom prst="rect">
+              <a:avLst/>
+            </a:prstGeom>
+            <a:noFill/>
+            <a:ln>
+              <a:noFill/>
+            </a:ln>
+          </p:spPr>
+          <p:style>
+            <a:lnRef idx="2">
+              <a:schemeClr val="accent1">
+                <a:shade val="50000"/>
+              </a:schemeClr>
+            </a:lnRef>
+            <a:fillRef idx="1">
+              <a:schemeClr val="accent1"/>
+            </a:fillRef>
+            <a:effectRef idx="0">
+              <a:schemeClr val="accent1"/>
+            </a:effectRef>
+            <a:fontRef idx="minor">
+              <a:schemeClr val="lt1"/>
+            </a:fontRef>
+          </p:style>
+          <p:txBody>
+            <a:bodyPr rtlCol="0" anchor="ctr"/>
+            <a:lstStyle/>
+            <a:p>
+              <a:pPr algn="ctr"/>
+              <a:r>
+                <a:rPr lang="en-US" sz="800" b="1" dirty="0">
+                  <a:solidFill>
+                    <a:schemeClr val="bg1"/>
+                  </a:solidFill>
+                  <a:latin typeface="Tahoma" panose="020B0604030504040204" pitchFamily="34" charset="0"/>
+                  <a:ea typeface="Tahoma" panose="020B0604030504040204" pitchFamily="34" charset="0"/>
+                  <a:cs typeface="Tahoma" panose="020B0604030504040204" pitchFamily="34" charset="0"/>
+                </a:rPr>
+                <a:t>Lat-</a:t>
+              </a:r>
+              <a:r>
+                <a:rPr lang="en-US" sz="800" b="1" dirty="0" err="1">
+                  <a:solidFill>
+                    <a:schemeClr val="bg1"/>
+                  </a:solidFill>
+                  <a:latin typeface="Tahoma" panose="020B0604030504040204" pitchFamily="34" charset="0"/>
+                  <a:ea typeface="Tahoma" panose="020B0604030504040204" pitchFamily="34" charset="0"/>
+                  <a:cs typeface="Tahoma" panose="020B0604030504040204" pitchFamily="34" charset="0"/>
+                </a:rPr>
+                <a:t>lon</a:t>
+              </a:r>
+              <a:endParaRPr lang="th-TH" sz="800" b="1" dirty="0">
+                <a:solidFill>
+                  <a:schemeClr val="bg1"/>
+                </a:solidFill>
+                <a:latin typeface="Tahoma" panose="020B0604030504040204" pitchFamily="34" charset="0"/>
+                <a:ea typeface="Tahoma" panose="020B0604030504040204" pitchFamily="34" charset="0"/>
+                <a:cs typeface="Tahoma" panose="020B0604030504040204" pitchFamily="34" charset="0"/>
+              </a:endParaRPr>
+            </a:p>
+          </p:txBody>
+        </p:sp>
+        <p:cxnSp>
+          <p:nvCxnSpPr>
+            <p:cNvPr id="136" name="Straight Arrow Connector 135">
+              <a:extLst>
+                <a:ext uri="{FF2B5EF4-FFF2-40B4-BE49-F238E27FC236}">
+                  <a16:creationId xmlns:a16="http://schemas.microsoft.com/office/drawing/2014/main" id="{ED459DC3-2F50-4447-80FE-1FB5BFEA66F0}"/>
+                </a:ext>
+              </a:extLst>
+            </p:cNvPr>
+            <p:cNvCxnSpPr>
+              <a:cxnSpLocks/>
+              <a:stCxn id="135" idx="3"/>
+              <a:endCxn id="131" idx="1"/>
+            </p:cNvCxnSpPr>
+            <p:nvPr/>
+          </p:nvCxnSpPr>
+          <p:spPr>
+            <a:xfrm flipV="1">
+              <a:off x="1118869" y="5232516"/>
+              <a:ext cx="502003" cy="3759"/>
+            </a:xfrm>
+            <a:prstGeom prst="straightConnector1">
+              <a:avLst/>
+            </a:prstGeom>
+            <a:ln w="12700">
+              <a:solidFill>
+                <a:schemeClr val="bg1"/>
+              </a:solidFill>
+              <a:tailEnd type="triangle"/>
+            </a:ln>
+          </p:spPr>
+          <p:style>
+            <a:lnRef idx="1">
+              <a:schemeClr val="accent1"/>
+            </a:lnRef>
+            <a:fillRef idx="0">
+              <a:schemeClr val="accent1"/>
+            </a:fillRef>
+            <a:effectRef idx="0">
+              <a:schemeClr val="accent1"/>
+            </a:effectRef>
+            <a:fontRef idx="minor">
+              <a:schemeClr val="tx1"/>
+            </a:fontRef>
+          </p:style>
+        </p:cxnSp>
+        <p:pic>
+          <p:nvPicPr>
+            <p:cNvPr id="137" name="Picture 10" descr="Database Symbol Png - Database Icon Flat - Free Transparent PNG Clipart  Images Download">
+              <a:extLst>
+                <a:ext uri="{FF2B5EF4-FFF2-40B4-BE49-F238E27FC236}">
+                  <a16:creationId xmlns:a16="http://schemas.microsoft.com/office/drawing/2014/main" id="{5472FBF4-AD06-4117-AF3E-FA1E9EE4B184}"/>
+                </a:ext>
+              </a:extLst>
+            </p:cNvPr>
+            <p:cNvPicPr>
+              <a:picLocks noChangeAspect="1" noChangeArrowheads="1"/>
+            </p:cNvPicPr>
+            <p:nvPr/>
+          </p:nvPicPr>
+          <p:blipFill>
+            <a:blip r:embed="rId4">
+              <a:lum bright="70000" contrast="-70000"/>
+              <a:extLst>
+                <a:ext uri="{BEBA8EAE-BF5A-486C-A8C5-ECC9F3942E4B}">
+                  <a14:imgProps xmlns:a14="http://schemas.microsoft.com/office/drawing/2010/main">
+                    <a14:imgLayer r:embed="rId5">
+                      <a14:imgEffect>
+                        <a14:backgroundRemoval t="8113" b="89947" l="10000" r="90000">
+                          <a14:foregroundMark x1="52262" y1="8113" x2="52262" y2="8113"/>
+                          <a14:foregroundMark x1="50952" y1="49030" x2="50952" y2="49559"/>
+                          <a14:foregroundMark x1="50714" y1="69841" x2="50714" y2="69841"/>
+                          <a14:foregroundMark x1="46548" y1="84480" x2="46548" y2="84480"/>
+                        </a14:backgroundRemoval>
+                      </a14:imgEffect>
+                    </a14:imgLayer>
+                  </a14:imgProps>
+                </a:ext>
+                <a:ext uri="{28A0092B-C50C-407E-A947-70E740481C1C}">
+                  <a14:useLocalDpi xmlns:a14="http://schemas.microsoft.com/office/drawing/2010/main" val="0"/>
+                </a:ext>
+              </a:extLst>
+            </a:blip>
+            <a:srcRect/>
+            <a:stretch>
+              <a:fillRect/>
+            </a:stretch>
+          </p:blipFill>
+          <p:spPr bwMode="auto">
+            <a:xfrm>
+              <a:off x="2892391" y="5135812"/>
+              <a:ext cx="264052" cy="178235"/>
+            </a:xfrm>
+            <a:prstGeom prst="rect">
+              <a:avLst/>
+            </a:prstGeom>
+            <a:noFill/>
+            <a:extLst>
+              <a:ext uri="{909E8E84-426E-40DD-AFC4-6F175D3DCCD1}">
+                <a14:hiddenFill xmlns:a14="http://schemas.microsoft.com/office/drawing/2010/main">
+                  <a:solidFill>
+                    <a:srgbClr val="FFFFFF"/>
+                  </a:solidFill>
+                </a14:hiddenFill>
+              </a:ext>
+            </a:extLst>
+          </p:spPr>
+        </p:pic>
+        <p:sp>
+          <p:nvSpPr>
+            <p:cNvPr id="138" name="Rectangle 137">
+              <a:extLst>
+                <a:ext uri="{FF2B5EF4-FFF2-40B4-BE49-F238E27FC236}">
+                  <a16:creationId xmlns:a16="http://schemas.microsoft.com/office/drawing/2014/main" id="{9E0D6657-3363-4423-A556-276105D86741}"/>
+                </a:ext>
+              </a:extLst>
+            </p:cNvPr>
+            <p:cNvSpPr/>
+            <p:nvPr/>
+          </p:nvSpPr>
+          <p:spPr>
+            <a:xfrm>
+              <a:off x="1243796" y="5390246"/>
+              <a:ext cx="1044000" cy="108000"/>
+            </a:xfrm>
+            <a:prstGeom prst="rect">
+              <a:avLst/>
+            </a:prstGeom>
+            <a:noFill/>
+            <a:ln>
+              <a:noFill/>
+            </a:ln>
+          </p:spPr>
+          <p:style>
+            <a:lnRef idx="2">
+              <a:schemeClr val="accent1">
+                <a:shade val="50000"/>
+              </a:schemeClr>
+            </a:lnRef>
+            <a:fillRef idx="1">
+              <a:schemeClr val="accent1"/>
+            </a:fillRef>
+            <a:effectRef idx="0">
+              <a:schemeClr val="accent1"/>
+            </a:effectRef>
+            <a:fontRef idx="minor">
+              <a:schemeClr val="lt1"/>
+            </a:fontRef>
+          </p:style>
+          <p:txBody>
+            <a:bodyPr rtlCol="0" anchor="ctr"/>
+            <a:lstStyle/>
+            <a:p>
+              <a:pPr algn="ctr"/>
+              <a:r>
+                <a:rPr lang="en-US" sz="600" b="1" i="0" dirty="0">
+                  <a:effectLst/>
+                  <a:latin typeface="Tahoma" panose="020B0604030504040204" pitchFamily="34" charset="0"/>
+                  <a:ea typeface="Tahoma" panose="020B0604030504040204" pitchFamily="34" charset="0"/>
+                  <a:cs typeface="Tahoma" panose="020B0604030504040204" pitchFamily="34" charset="0"/>
+                </a:rPr>
+                <a:t>tmd_forecast.py</a:t>
+              </a:r>
+              <a:endParaRPr lang="th-TH" sz="600" b="1" dirty="0">
+                <a:solidFill>
+                  <a:schemeClr val="bg1"/>
+                </a:solidFill>
+                <a:latin typeface="Tahoma" panose="020B0604030504040204" pitchFamily="34" charset="0"/>
+                <a:ea typeface="Tahoma" panose="020B0604030504040204" pitchFamily="34" charset="0"/>
+                <a:cs typeface="Tahoma" panose="020B0604030504040204" pitchFamily="34" charset="0"/>
+              </a:endParaRPr>
+            </a:p>
+          </p:txBody>
+        </p:sp>
+        <p:pic>
+          <p:nvPicPr>
+            <p:cNvPr id="1036" name="Picture 12" descr="กรมอุตุฯชี้แจงข่าวลือสภาพอากาศเลวร้ายที่เผยแพร่ตามสื่อสังคมออนไลน์">
+              <a:extLst>
+                <a:ext uri="{FF2B5EF4-FFF2-40B4-BE49-F238E27FC236}">
+                  <a16:creationId xmlns:a16="http://schemas.microsoft.com/office/drawing/2014/main" id="{DD288028-0516-4185-AD93-92EA50E277AC}"/>
+                </a:ext>
+              </a:extLst>
+            </p:cNvPr>
+            <p:cNvPicPr>
+              <a:picLocks noChangeAspect="1" noChangeArrowheads="1"/>
+            </p:cNvPicPr>
+            <p:nvPr/>
+          </p:nvPicPr>
+          <p:blipFill rotWithShape="1">
+            <a:blip r:embed="rId8">
+              <a:extLst>
+                <a:ext uri="{28A0092B-C50C-407E-A947-70E740481C1C}">
+                  <a14:useLocalDpi xmlns:a14="http://schemas.microsoft.com/office/drawing/2010/main" val="0"/>
+                </a:ext>
+              </a:extLst>
+            </a:blip>
+            <a:srcRect l="18063" r="20134"/>
+            <a:stretch/>
+          </p:blipFill>
+          <p:spPr bwMode="auto">
+            <a:xfrm>
+              <a:off x="1647454" y="4828720"/>
+              <a:ext cx="236683" cy="255308"/>
+            </a:xfrm>
+            <a:prstGeom prst="rect">
+              <a:avLst/>
+            </a:prstGeom>
+            <a:noFill/>
+            <a:extLst>
+              <a:ext uri="{909E8E84-426E-40DD-AFC4-6F175D3DCCD1}">
+                <a14:hiddenFill xmlns:a14="http://schemas.microsoft.com/office/drawing/2010/main">
+                  <a:solidFill>
+                    <a:srgbClr val="FFFFFF"/>
+                  </a:solidFill>
+                </a14:hiddenFill>
+              </a:ext>
+            </a:extLst>
+          </p:spPr>
+        </p:pic>
+        <p:sp>
+          <p:nvSpPr>
+            <p:cNvPr id="2" name="Rectangle 1">
+              <a:extLst>
+                <a:ext uri="{FF2B5EF4-FFF2-40B4-BE49-F238E27FC236}">
+                  <a16:creationId xmlns:a16="http://schemas.microsoft.com/office/drawing/2014/main" id="{D8802755-4D27-4665-99A9-7CA5CFF7BA65}"/>
+                </a:ext>
+              </a:extLst>
+            </p:cNvPr>
+            <p:cNvSpPr/>
+            <p:nvPr/>
+          </p:nvSpPr>
+          <p:spPr>
+            <a:xfrm>
+              <a:off x="607608" y="4804092"/>
+              <a:ext cx="2631116" cy="712579"/>
+            </a:xfrm>
+            <a:prstGeom prst="rect">
+              <a:avLst/>
+            </a:prstGeom>
+            <a:noFill/>
+            <a:ln>
+              <a:solidFill>
+                <a:srgbClr val="FF0000"/>
+              </a:solidFill>
+              <a:prstDash val="sysDash"/>
+            </a:ln>
+          </p:spPr>
+          <p:style>
+            <a:lnRef idx="2">
+              <a:schemeClr val="accent1">
+                <a:shade val="50000"/>
+              </a:schemeClr>
+            </a:lnRef>
+            <a:fillRef idx="1">
+              <a:schemeClr val="accent1"/>
+            </a:fillRef>
+            <a:effectRef idx="0">
+              <a:schemeClr val="accent1"/>
+            </a:effectRef>
+            <a:fontRef idx="minor">
+              <a:schemeClr val="lt1"/>
+            </a:fontRef>
+          </p:style>
+          <p:txBody>
+            <a:bodyPr rtlCol="0" anchor="ctr"/>
+            <a:lstStyle/>
+            <a:p>
+              <a:pPr algn="ctr"/>
+              <a:endParaRPr lang="th-TH"/>
+            </a:p>
+          </p:txBody>
+        </p:sp>
+        <p:sp>
+          <p:nvSpPr>
+            <p:cNvPr id="51" name="Rectangle: Rounded Corners 50">
+              <a:extLst>
+                <a:ext uri="{FF2B5EF4-FFF2-40B4-BE49-F238E27FC236}">
+                  <a16:creationId xmlns:a16="http://schemas.microsoft.com/office/drawing/2014/main" id="{9628BD76-4BCE-4EBC-B1F2-E4A038B30B44}"/>
+                </a:ext>
+              </a:extLst>
+            </p:cNvPr>
+            <p:cNvSpPr/>
+            <p:nvPr/>
+          </p:nvSpPr>
+          <p:spPr>
+            <a:xfrm>
+              <a:off x="1411614" y="5550945"/>
+              <a:ext cx="1836000" cy="150557"/>
+            </a:xfrm>
+            <a:prstGeom prst="roundRect">
+              <a:avLst>
+                <a:gd name="adj" fmla="val 5317"/>
+              </a:avLst>
+            </a:prstGeom>
+            <a:noFill/>
+            <a:ln w="9525">
+              <a:solidFill>
+                <a:srgbClr val="FF0000"/>
+              </a:solidFill>
+              <a:prstDash val="sysDash"/>
+            </a:ln>
+          </p:spPr>
+          <p:style>
+            <a:lnRef idx="2">
+              <a:schemeClr val="accent1">
+                <a:shade val="50000"/>
+              </a:schemeClr>
+            </a:lnRef>
+            <a:fillRef idx="1">
+              <a:schemeClr val="accent1"/>
+            </a:fillRef>
+            <a:effectRef idx="0">
+              <a:schemeClr val="accent1"/>
+            </a:effectRef>
+            <a:fontRef idx="minor">
+              <a:schemeClr val="lt1"/>
+            </a:fontRef>
+          </p:style>
+          <p:txBody>
+            <a:bodyPr rtlCol="0" anchor="ctr"/>
+            <a:lstStyle/>
+            <a:p>
+              <a:pPr algn="ctr"/>
+              <a:r>
+                <a:rPr lang="th-TH" sz="600" u="sng" dirty="0">
+                  <a:solidFill>
+                    <a:schemeClr val="bg1"/>
+                  </a:solidFill>
+                  <a:latin typeface="Tahoma" panose="020B0604030504040204" pitchFamily="34" charset="0"/>
+                  <a:ea typeface="Tahoma" panose="020B0604030504040204" pitchFamily="34" charset="0"/>
+                  <a:cs typeface="Tahoma" panose="020B0604030504040204" pitchFamily="34" charset="0"/>
+                </a:rPr>
+                <a:t>สามารถเก็บข้อมูลเพื่อเอามา </a:t>
+              </a:r>
+              <a:r>
+                <a:rPr lang="en-US" sz="600" u="sng" dirty="0">
+                  <a:solidFill>
+                    <a:schemeClr val="bg1"/>
+                  </a:solidFill>
+                  <a:latin typeface="Tahoma" panose="020B0604030504040204" pitchFamily="34" charset="0"/>
+                  <a:ea typeface="Tahoma" panose="020B0604030504040204" pitchFamily="34" charset="0"/>
+                  <a:cs typeface="Tahoma" panose="020B0604030504040204" pitchFamily="34" charset="0"/>
+                </a:rPr>
+                <a:t>train model </a:t>
+              </a:r>
+              <a:r>
+                <a:rPr lang="th-TH" sz="600" u="sng" dirty="0">
+                  <a:solidFill>
+                    <a:schemeClr val="bg1"/>
+                  </a:solidFill>
+                  <a:latin typeface="Tahoma" panose="020B0604030504040204" pitchFamily="34" charset="0"/>
+                  <a:ea typeface="Tahoma" panose="020B0604030504040204" pitchFamily="34" charset="0"/>
+                  <a:cs typeface="Tahoma" panose="020B0604030504040204" pitchFamily="34" charset="0"/>
+                </a:rPr>
+                <a:t>ภายหลังได้</a:t>
+              </a:r>
+            </a:p>
+          </p:txBody>
+        </p:sp>
+      </p:grpSp>
+      <p:grpSp>
+        <p:nvGrpSpPr>
+          <p:cNvPr id="7" name="Group 6">
+            <a:extLst>
+              <a:ext uri="{FF2B5EF4-FFF2-40B4-BE49-F238E27FC236}">
+                <a16:creationId xmlns:a16="http://schemas.microsoft.com/office/drawing/2014/main" id="{81AD620D-FA7C-45B3-B973-96D039622400}"/>
+              </a:ext>
+            </a:extLst>
+          </p:cNvPr>
+          <p:cNvGrpSpPr/>
+          <p:nvPr/>
+        </p:nvGrpSpPr>
+        <p:grpSpPr>
+          <a:xfrm>
+            <a:off x="550751" y="3645830"/>
+            <a:ext cx="2614102" cy="623742"/>
+            <a:chOff x="569451" y="3812210"/>
+            <a:chExt cx="2614102" cy="623742"/>
+          </a:xfrm>
+        </p:grpSpPr>
+        <p:pic>
+          <p:nvPicPr>
+            <p:cNvPr id="52" name="Picture 4" descr="Top 10 Tips for Using PowerShell ISE | Rana Omer Hussain's RegEdit">
+              <a:extLst>
+                <a:ext uri="{FF2B5EF4-FFF2-40B4-BE49-F238E27FC236}">
+                  <a16:creationId xmlns:a16="http://schemas.microsoft.com/office/drawing/2014/main" id="{6C638038-6D67-42E6-8F0D-E2FE84091720}"/>
+                </a:ext>
+              </a:extLst>
+            </p:cNvPr>
+            <p:cNvPicPr>
+              <a:picLocks noChangeAspect="1" noChangeArrowheads="1"/>
+            </p:cNvPicPr>
+            <p:nvPr/>
+          </p:nvPicPr>
+          <p:blipFill>
+            <a:blip r:embed="rId3">
+              <a:extLst>
+                <a:ext uri="{28A0092B-C50C-407E-A947-70E740481C1C}">
+                  <a14:useLocalDpi xmlns:a14="http://schemas.microsoft.com/office/drawing/2010/main" val="0"/>
+                </a:ext>
+              </a:extLst>
+            </a:blip>
+            <a:srcRect/>
+            <a:stretch>
+              <a:fillRect/>
+            </a:stretch>
+          </p:blipFill>
+          <p:spPr bwMode="auto">
+            <a:xfrm>
+              <a:off x="1647454" y="4025297"/>
+              <a:ext cx="289849" cy="289849"/>
+            </a:xfrm>
+            <a:prstGeom prst="rect">
+              <a:avLst/>
+            </a:prstGeom>
+            <a:noFill/>
+            <a:extLst>
+              <a:ext uri="{909E8E84-426E-40DD-AFC4-6F175D3DCCD1}">
+                <a14:hiddenFill xmlns:a14="http://schemas.microsoft.com/office/drawing/2010/main">
+                  <a:solidFill>
+                    <a:srgbClr val="FFFFFF"/>
+                  </a:solidFill>
+                </a14:hiddenFill>
+              </a:ext>
+            </a:extLst>
+          </p:spPr>
+        </p:pic>
+        <p:sp>
+          <p:nvSpPr>
+            <p:cNvPr id="54" name="Rectangle: Rounded Corners 53">
+              <a:extLst>
+                <a:ext uri="{FF2B5EF4-FFF2-40B4-BE49-F238E27FC236}">
+                  <a16:creationId xmlns:a16="http://schemas.microsoft.com/office/drawing/2014/main" id="{ABAB8902-F022-41E8-9C9C-84F8EF9D4BA6}"/>
+                </a:ext>
+              </a:extLst>
+            </p:cNvPr>
+            <p:cNvSpPr/>
+            <p:nvPr/>
+          </p:nvSpPr>
+          <p:spPr>
+            <a:xfrm>
+              <a:off x="2480399" y="4095655"/>
+              <a:ext cx="565653" cy="144000"/>
+            </a:xfrm>
+            <a:prstGeom prst="roundRect">
+              <a:avLst>
+                <a:gd name="adj" fmla="val 5317"/>
+              </a:avLst>
+            </a:prstGeom>
+            <a:noFill/>
+            <a:ln>
+              <a:noFill/>
+            </a:ln>
+          </p:spPr>
+          <p:style>
+            <a:lnRef idx="2">
+              <a:schemeClr val="accent1">
+                <a:shade val="50000"/>
+              </a:schemeClr>
+            </a:lnRef>
+            <a:fillRef idx="1">
+              <a:schemeClr val="accent1"/>
+            </a:fillRef>
+            <a:effectRef idx="0">
+              <a:schemeClr val="accent1"/>
+            </a:effectRef>
+            <a:fontRef idx="minor">
+              <a:schemeClr val="lt1"/>
+            </a:fontRef>
+          </p:style>
+          <p:txBody>
+            <a:bodyPr rtlCol="0" anchor="ctr"/>
+            <a:lstStyle/>
+            <a:p>
+              <a:pPr algn="ctr"/>
+              <a:r>
+                <a:rPr lang="en-US" sz="1100" b="1" dirty="0">
+                  <a:solidFill>
+                    <a:schemeClr val="bg1"/>
+                  </a:solidFill>
+                  <a:latin typeface="Tahoma" panose="020B0604030504040204" pitchFamily="34" charset="0"/>
+                  <a:ea typeface="Tahoma" panose="020B0604030504040204" pitchFamily="34" charset="0"/>
+                  <a:cs typeface="Tahoma" panose="020B0604030504040204" pitchFamily="34" charset="0"/>
+                </a:rPr>
+                <a:t>T, Rh</a:t>
+              </a:r>
+              <a:endParaRPr lang="th-TH" sz="1100" b="1" dirty="0">
+                <a:solidFill>
+                  <a:schemeClr val="bg1"/>
+                </a:solidFill>
+                <a:latin typeface="Tahoma" panose="020B0604030504040204" pitchFamily="34" charset="0"/>
+                <a:ea typeface="Tahoma" panose="020B0604030504040204" pitchFamily="34" charset="0"/>
+                <a:cs typeface="Tahoma" panose="020B0604030504040204" pitchFamily="34" charset="0"/>
+              </a:endParaRPr>
+            </a:p>
+          </p:txBody>
+        </p:sp>
+        <p:cxnSp>
+          <p:nvCxnSpPr>
+            <p:cNvPr id="55" name="Straight Arrow Connector 54">
+              <a:extLst>
+                <a:ext uri="{FF2B5EF4-FFF2-40B4-BE49-F238E27FC236}">
+                  <a16:creationId xmlns:a16="http://schemas.microsoft.com/office/drawing/2014/main" id="{83F45A9D-CC4C-4CF1-8ECC-741CC9858D38}"/>
+                </a:ext>
+              </a:extLst>
+            </p:cNvPr>
+            <p:cNvCxnSpPr>
+              <a:cxnSpLocks/>
+              <a:stCxn id="52" idx="3"/>
+              <a:endCxn id="54" idx="1"/>
+            </p:cNvCxnSpPr>
+            <p:nvPr/>
+          </p:nvCxnSpPr>
+          <p:spPr>
+            <a:xfrm flipV="1">
+              <a:off x="1937303" y="4167655"/>
+              <a:ext cx="543096" cy="2567"/>
+            </a:xfrm>
+            <a:prstGeom prst="straightConnector1">
+              <a:avLst/>
+            </a:prstGeom>
+            <a:ln w="12700">
+              <a:solidFill>
+                <a:schemeClr val="bg1"/>
+              </a:solidFill>
+              <a:tailEnd type="triangle"/>
+            </a:ln>
+          </p:spPr>
+          <p:style>
+            <a:lnRef idx="1">
+              <a:schemeClr val="accent1"/>
+            </a:lnRef>
+            <a:fillRef idx="0">
+              <a:schemeClr val="accent1"/>
+            </a:fillRef>
+            <a:effectRef idx="0">
+              <a:schemeClr val="accent1"/>
+            </a:effectRef>
+            <a:fontRef idx="minor">
+              <a:schemeClr val="tx1"/>
+            </a:fontRef>
+          </p:style>
+        </p:cxnSp>
+        <p:sp>
+          <p:nvSpPr>
+            <p:cNvPr id="56" name="TextBox 55">
+              <a:extLst>
+                <a:ext uri="{FF2B5EF4-FFF2-40B4-BE49-F238E27FC236}">
+                  <a16:creationId xmlns:a16="http://schemas.microsoft.com/office/drawing/2014/main" id="{E8A41A07-9DE5-45AA-A986-0022FB055A70}"/>
+                </a:ext>
+              </a:extLst>
+            </p:cNvPr>
+            <p:cNvSpPr txBox="1"/>
+            <p:nvPr/>
+          </p:nvSpPr>
+          <p:spPr>
+            <a:xfrm>
+              <a:off x="2617372" y="4210784"/>
+              <a:ext cx="566181" cy="184666"/>
+            </a:xfrm>
+            <a:prstGeom prst="rect">
+              <a:avLst/>
+            </a:prstGeom>
+            <a:noFill/>
+          </p:spPr>
+          <p:txBody>
+            <a:bodyPr wrap="none" rtlCol="0">
+              <a:spAutoFit/>
+            </a:bodyPr>
+            <a:lstStyle/>
+            <a:p>
+              <a:r>
+                <a:rPr lang="en-US" sz="600" u="sng" dirty="0">
+                  <a:solidFill>
+                    <a:schemeClr val="accent4">
+                      <a:lumMod val="60000"/>
+                      <a:lumOff val="40000"/>
+                    </a:schemeClr>
+                  </a:solidFill>
+                  <a:latin typeface="Tahoma" panose="020B0604030504040204" pitchFamily="34" charset="0"/>
+                  <a:ea typeface="Tahoma" panose="020B0604030504040204" pitchFamily="34" charset="0"/>
+                  <a:cs typeface="Tahoma" panose="020B0604030504040204" pitchFamily="34" charset="0"/>
+                </a:rPr>
+                <a:t>Actual data</a:t>
+              </a:r>
+              <a:endParaRPr lang="th-TH" sz="600" u="sng" dirty="0">
+                <a:solidFill>
+                  <a:schemeClr val="accent4">
+                    <a:lumMod val="60000"/>
+                    <a:lumOff val="40000"/>
+                  </a:schemeClr>
+                </a:solidFill>
+                <a:latin typeface="Tahoma" panose="020B0604030504040204" pitchFamily="34" charset="0"/>
+                <a:ea typeface="Tahoma" panose="020B0604030504040204" pitchFamily="34" charset="0"/>
+                <a:cs typeface="Tahoma" panose="020B0604030504040204" pitchFamily="34" charset="0"/>
+              </a:endParaRPr>
+            </a:p>
+          </p:txBody>
+        </p:sp>
+        <p:sp>
+          <p:nvSpPr>
+            <p:cNvPr id="57" name="Rectangle 56">
+              <a:extLst>
+                <a:ext uri="{FF2B5EF4-FFF2-40B4-BE49-F238E27FC236}">
+                  <a16:creationId xmlns:a16="http://schemas.microsoft.com/office/drawing/2014/main" id="{DF4BFC2F-B349-4F68-AC9F-6613D94526CE}"/>
+                </a:ext>
+              </a:extLst>
+            </p:cNvPr>
+            <p:cNvSpPr/>
+            <p:nvPr/>
+          </p:nvSpPr>
+          <p:spPr>
+            <a:xfrm>
+              <a:off x="569451" y="4119981"/>
+              <a:ext cx="576000" cy="108000"/>
+            </a:xfrm>
+            <a:prstGeom prst="rect">
+              <a:avLst/>
+            </a:prstGeom>
+            <a:noFill/>
+            <a:ln>
+              <a:noFill/>
+            </a:ln>
+          </p:spPr>
+          <p:style>
+            <a:lnRef idx="2">
+              <a:schemeClr val="accent1">
+                <a:shade val="50000"/>
+              </a:schemeClr>
+            </a:lnRef>
+            <a:fillRef idx="1">
+              <a:schemeClr val="accent1"/>
+            </a:fillRef>
+            <a:effectRef idx="0">
+              <a:schemeClr val="accent1"/>
+            </a:effectRef>
+            <a:fontRef idx="minor">
+              <a:schemeClr val="lt1"/>
+            </a:fontRef>
+          </p:style>
+          <p:txBody>
+            <a:bodyPr rtlCol="0" anchor="ctr"/>
+            <a:lstStyle/>
+            <a:p>
+              <a:pPr algn="ctr"/>
+              <a:r>
+                <a:rPr lang="en-US" sz="800" b="1" dirty="0">
+                  <a:solidFill>
+                    <a:schemeClr val="bg1"/>
+                  </a:solidFill>
+                  <a:latin typeface="Tahoma" panose="020B0604030504040204" pitchFamily="34" charset="0"/>
+                  <a:ea typeface="Tahoma" panose="020B0604030504040204" pitchFamily="34" charset="0"/>
+                  <a:cs typeface="Tahoma" panose="020B0604030504040204" pitchFamily="34" charset="0"/>
+                </a:rPr>
+                <a:t>Lat-</a:t>
+              </a:r>
+              <a:r>
+                <a:rPr lang="en-US" sz="800" b="1" dirty="0" err="1">
+                  <a:solidFill>
+                    <a:schemeClr val="bg1"/>
+                  </a:solidFill>
+                  <a:latin typeface="Tahoma" panose="020B0604030504040204" pitchFamily="34" charset="0"/>
+                  <a:ea typeface="Tahoma" panose="020B0604030504040204" pitchFamily="34" charset="0"/>
+                  <a:cs typeface="Tahoma" panose="020B0604030504040204" pitchFamily="34" charset="0"/>
+                </a:rPr>
+                <a:t>lon</a:t>
+              </a:r>
+              <a:endParaRPr lang="th-TH" sz="800" b="1" dirty="0">
+                <a:solidFill>
+                  <a:schemeClr val="bg1"/>
+                </a:solidFill>
+                <a:latin typeface="Tahoma" panose="020B0604030504040204" pitchFamily="34" charset="0"/>
+                <a:ea typeface="Tahoma" panose="020B0604030504040204" pitchFamily="34" charset="0"/>
+                <a:cs typeface="Tahoma" panose="020B0604030504040204" pitchFamily="34" charset="0"/>
+              </a:endParaRPr>
+            </a:p>
+          </p:txBody>
+        </p:sp>
+        <p:cxnSp>
+          <p:nvCxnSpPr>
+            <p:cNvPr id="58" name="Straight Arrow Connector 57">
+              <a:extLst>
+                <a:ext uri="{FF2B5EF4-FFF2-40B4-BE49-F238E27FC236}">
+                  <a16:creationId xmlns:a16="http://schemas.microsoft.com/office/drawing/2014/main" id="{84D0CF7F-46E1-47C5-A208-3AA1E2310379}"/>
+                </a:ext>
+              </a:extLst>
+            </p:cNvPr>
+            <p:cNvCxnSpPr>
+              <a:cxnSpLocks/>
+              <a:stCxn id="57" idx="3"/>
+              <a:endCxn id="52" idx="1"/>
+            </p:cNvCxnSpPr>
+            <p:nvPr/>
+          </p:nvCxnSpPr>
+          <p:spPr>
+            <a:xfrm flipV="1">
+              <a:off x="1145451" y="4170222"/>
+              <a:ext cx="502003" cy="3759"/>
+            </a:xfrm>
+            <a:prstGeom prst="straightConnector1">
+              <a:avLst/>
+            </a:prstGeom>
+            <a:ln w="12700">
+              <a:solidFill>
+                <a:schemeClr val="bg1"/>
+              </a:solidFill>
+              <a:tailEnd type="triangle"/>
+            </a:ln>
+          </p:spPr>
+          <p:style>
+            <a:lnRef idx="1">
+              <a:schemeClr val="accent1"/>
+            </a:lnRef>
+            <a:fillRef idx="0">
+              <a:schemeClr val="accent1"/>
+            </a:fillRef>
+            <a:effectRef idx="0">
+              <a:schemeClr val="accent1"/>
+            </a:effectRef>
+            <a:fontRef idx="minor">
+              <a:schemeClr val="tx1"/>
+            </a:fontRef>
+          </p:style>
+        </p:cxnSp>
+        <p:pic>
+          <p:nvPicPr>
+            <p:cNvPr id="60" name="Picture 10" descr="Database Symbol Png - Database Icon Flat - Free Transparent PNG Clipart  Images Download">
+              <a:extLst>
+                <a:ext uri="{FF2B5EF4-FFF2-40B4-BE49-F238E27FC236}">
+                  <a16:creationId xmlns:a16="http://schemas.microsoft.com/office/drawing/2014/main" id="{6410A124-EC4F-4D53-9103-C4C961BF67B0}"/>
+                </a:ext>
+              </a:extLst>
+            </p:cNvPr>
+            <p:cNvPicPr>
+              <a:picLocks noChangeAspect="1" noChangeArrowheads="1"/>
+            </p:cNvPicPr>
+            <p:nvPr/>
+          </p:nvPicPr>
+          <p:blipFill>
+            <a:blip r:embed="rId4">
+              <a:lum bright="70000" contrast="-70000"/>
+              <a:extLst>
+                <a:ext uri="{BEBA8EAE-BF5A-486C-A8C5-ECC9F3942E4B}">
+                  <a14:imgProps xmlns:a14="http://schemas.microsoft.com/office/drawing/2010/main">
+                    <a14:imgLayer r:embed="rId5">
+                      <a14:imgEffect>
+                        <a14:backgroundRemoval t="8113" b="89947" l="10000" r="90000">
+                          <a14:foregroundMark x1="52262" y1="8113" x2="52262" y2="8113"/>
+                          <a14:foregroundMark x1="50952" y1="49030" x2="50952" y2="49559"/>
+                          <a14:foregroundMark x1="50714" y1="69841" x2="50714" y2="69841"/>
+                          <a14:foregroundMark x1="46548" y1="84480" x2="46548" y2="84480"/>
+                        </a14:backgroundRemoval>
+                      </a14:imgEffect>
+                    </a14:imgLayer>
+                  </a14:imgProps>
+                </a:ext>
+                <a:ext uri="{28A0092B-C50C-407E-A947-70E740481C1C}">
+                  <a14:useLocalDpi xmlns:a14="http://schemas.microsoft.com/office/drawing/2010/main" val="0"/>
+                </a:ext>
+              </a:extLst>
+            </a:blip>
+            <a:srcRect/>
+            <a:stretch>
+              <a:fillRect/>
+            </a:stretch>
+          </p:blipFill>
+          <p:spPr bwMode="auto">
+            <a:xfrm>
+              <a:off x="2918973" y="4073518"/>
+              <a:ext cx="264052" cy="178235"/>
+            </a:xfrm>
+            <a:prstGeom prst="rect">
+              <a:avLst/>
+            </a:prstGeom>
+            <a:noFill/>
+            <a:extLst>
+              <a:ext uri="{909E8E84-426E-40DD-AFC4-6F175D3DCCD1}">
+                <a14:hiddenFill xmlns:a14="http://schemas.microsoft.com/office/drawing/2010/main">
+                  <a:solidFill>
+                    <a:srgbClr val="FFFFFF"/>
+                  </a:solidFill>
+                </a14:hiddenFill>
+              </a:ext>
+            </a:extLst>
+          </p:spPr>
+        </p:pic>
+        <p:sp>
+          <p:nvSpPr>
+            <p:cNvPr id="61" name="Rectangle 60">
+              <a:extLst>
+                <a:ext uri="{FF2B5EF4-FFF2-40B4-BE49-F238E27FC236}">
+                  <a16:creationId xmlns:a16="http://schemas.microsoft.com/office/drawing/2014/main" id="{6EEB7E11-AF5F-42D1-8B08-71842D8DCA0E}"/>
+                </a:ext>
+              </a:extLst>
+            </p:cNvPr>
+            <p:cNvSpPr/>
+            <p:nvPr/>
+          </p:nvSpPr>
+          <p:spPr>
+            <a:xfrm>
+              <a:off x="1270378" y="4327952"/>
+              <a:ext cx="1044000" cy="108000"/>
+            </a:xfrm>
+            <a:prstGeom prst="rect">
+              <a:avLst/>
+            </a:prstGeom>
+            <a:noFill/>
+            <a:ln>
+              <a:noFill/>
+            </a:ln>
+          </p:spPr>
+          <p:style>
+            <a:lnRef idx="2">
+              <a:schemeClr val="accent1">
+                <a:shade val="50000"/>
+              </a:schemeClr>
+            </a:lnRef>
+            <a:fillRef idx="1">
+              <a:schemeClr val="accent1"/>
+            </a:fillRef>
+            <a:effectRef idx="0">
+              <a:schemeClr val="accent1"/>
+            </a:effectRef>
+            <a:fontRef idx="minor">
+              <a:schemeClr val="lt1"/>
+            </a:fontRef>
+          </p:style>
+          <p:txBody>
+            <a:bodyPr rtlCol="0" anchor="ctr"/>
+            <a:lstStyle/>
+            <a:p>
+              <a:pPr algn="ctr"/>
+              <a:r>
+                <a:rPr lang="en-US" sz="600" b="1" i="0" dirty="0">
+                  <a:effectLst/>
+                  <a:latin typeface="Tahoma" panose="020B0604030504040204" pitchFamily="34" charset="0"/>
+                  <a:ea typeface="Tahoma" panose="020B0604030504040204" pitchFamily="34" charset="0"/>
+                  <a:cs typeface="Tahoma" panose="020B0604030504040204" pitchFamily="34" charset="0"/>
+                </a:rPr>
+                <a:t>wg_his_data.py</a:t>
+              </a:r>
+              <a:endParaRPr lang="th-TH" sz="600" b="1" dirty="0">
+                <a:solidFill>
+                  <a:schemeClr val="bg1"/>
+                </a:solidFill>
+                <a:latin typeface="Tahoma" panose="020B0604030504040204" pitchFamily="34" charset="0"/>
+                <a:ea typeface="Tahoma" panose="020B0604030504040204" pitchFamily="34" charset="0"/>
+                <a:cs typeface="Tahoma" panose="020B0604030504040204" pitchFamily="34" charset="0"/>
+              </a:endParaRPr>
+            </a:p>
+          </p:txBody>
+        </p:sp>
+        <p:pic>
+          <p:nvPicPr>
+            <p:cNvPr id="1030" name="Picture 6" descr="Climate Signals Weather Underground Free Clipart - Weather Underground -  Free Transparent PNG Clipart Images Download">
+              <a:extLst>
+                <a:ext uri="{FF2B5EF4-FFF2-40B4-BE49-F238E27FC236}">
+                  <a16:creationId xmlns:a16="http://schemas.microsoft.com/office/drawing/2014/main" id="{C30CBB66-9754-4E27-A566-F88E7996DFD4}"/>
+                </a:ext>
+              </a:extLst>
+            </p:cNvPr>
+            <p:cNvPicPr>
+              <a:picLocks noChangeAspect="1" noChangeArrowheads="1"/>
+            </p:cNvPicPr>
+            <p:nvPr/>
+          </p:nvPicPr>
+          <p:blipFill rotWithShape="1">
+            <a:blip r:embed="rId9">
+              <a:lum bright="70000" contrast="-70000"/>
+              <a:extLst>
+                <a:ext uri="{BEBA8EAE-BF5A-486C-A8C5-ECC9F3942E4B}">
+                  <a14:imgProps xmlns:a14="http://schemas.microsoft.com/office/drawing/2010/main">
+                    <a14:imgLayer r:embed="rId10">
+                      <a14:imgEffect>
+                        <a14:backgroundRemoval t="9877" b="89712" l="7143" r="94286">
+                          <a14:foregroundMark x1="7143" y1="55967" x2="8095" y2="64198"/>
+                          <a14:foregroundMark x1="27857" y1="32510" x2="27857" y2="32510"/>
+                          <a14:foregroundMark x1="38452" y1="45267" x2="38452" y2="45267"/>
+                          <a14:foregroundMark x1="41548" y1="42798" x2="41548" y2="42798"/>
+                          <a14:foregroundMark x1="48690" y1="41564" x2="48690" y2="41564"/>
+                          <a14:foregroundMark x1="53214" y1="43210" x2="53214" y2="43210"/>
+                          <a14:foregroundMark x1="56310" y1="41975" x2="56310" y2="41975"/>
+                          <a14:foregroundMark x1="59286" y1="46091" x2="59286" y2="46091"/>
+                          <a14:foregroundMark x1="65119" y1="46502" x2="65119" y2="46502"/>
+                          <a14:foregroundMark x1="70119" y1="45267" x2="70119" y2="45267"/>
+                          <a14:foregroundMark x1="41905" y1="71193" x2="41905" y2="71193"/>
+                          <a14:foregroundMark x1="43571" y1="69959" x2="43571" y2="69959"/>
+                          <a14:foregroundMark x1="49405" y1="69959" x2="49405" y2="69959"/>
+                          <a14:foregroundMark x1="54643" y1="66667" x2="54643" y2="66667"/>
+                          <a14:foregroundMark x1="61310" y1="67078" x2="61310" y2="67078"/>
+                          <a14:foregroundMark x1="65714" y1="67078" x2="65714" y2="67078"/>
+                          <a14:foregroundMark x1="70952" y1="67078" x2="70952" y2="67078"/>
+                          <a14:foregroundMark x1="76429" y1="68313" x2="76429" y2="68313"/>
+                          <a14:foregroundMark x1="80357" y1="68313" x2="80357" y2="68313"/>
+                          <a14:foregroundMark x1="85952" y1="68724" x2="85952" y2="68724"/>
+                          <a14:foregroundMark x1="92262" y1="67078" x2="92262" y2="67078"/>
+                          <a14:foregroundMark x1="94286" y1="81893" x2="94286" y2="81893"/>
+                          <a14:backgroundMark x1="28690" y1="50206" x2="28571" y2="58848"/>
+                          <a14:backgroundMark x1="21548" y1="67078" x2="21548" y2="64609"/>
+                          <a14:backgroundMark x1="22024" y1="60494" x2="22024" y2="60494"/>
+                          <a14:backgroundMark x1="17381" y1="55556" x2="17381" y2="55556"/>
+                          <a14:backgroundMark x1="13690" y1="65844" x2="13690" y2="65844"/>
+                          <a14:backgroundMark x1="22024" y1="56790" x2="22024" y2="56790"/>
+                          <a14:backgroundMark x1="21190" y1="39506" x2="21190" y2="39506"/>
+                          <a14:backgroundMark x1="19524" y1="43210" x2="19524" y2="43210"/>
+                          <a14:backgroundMark x1="52976" y1="48148" x2="52976" y2="48148"/>
+                        </a14:backgroundRemoval>
+                      </a14:imgEffect>
+                    </a14:imgLayer>
+                  </a14:imgProps>
+                </a:ext>
+                <a:ext uri="{28A0092B-C50C-407E-A947-70E740481C1C}">
+                  <a14:useLocalDpi xmlns:a14="http://schemas.microsoft.com/office/drawing/2010/main" val="0"/>
+                </a:ext>
+              </a:extLst>
+            </a:blip>
+            <a:srcRect t="16296" b="12039"/>
+            <a:stretch/>
+          </p:blipFill>
+          <p:spPr bwMode="auto">
+            <a:xfrm>
+              <a:off x="1339420" y="3812210"/>
+              <a:ext cx="907302" cy="188100"/>
+            </a:xfrm>
+            <a:prstGeom prst="rect">
+              <a:avLst/>
+            </a:prstGeom>
+            <a:noFill/>
+            <a:extLst>
+              <a:ext uri="{909E8E84-426E-40DD-AFC4-6F175D3DCCD1}">
+                <a14:hiddenFill xmlns:a14="http://schemas.microsoft.com/office/drawing/2010/main">
+                  <a:solidFill>
+                    <a:srgbClr val="FFFFFF"/>
+                  </a:solidFill>
+                </a14:hiddenFill>
+              </a:ext>
+            </a:extLst>
+          </p:spPr>
+        </p:pic>
+      </p:grpSp>
+      <p:grpSp>
+        <p:nvGrpSpPr>
+          <p:cNvPr id="10" name="Group 9">
+            <a:extLst>
+              <a:ext uri="{FF2B5EF4-FFF2-40B4-BE49-F238E27FC236}">
+                <a16:creationId xmlns:a16="http://schemas.microsoft.com/office/drawing/2014/main" id="{8B3FDF0C-F687-409C-A783-13C88A1289F9}"/>
+              </a:ext>
+            </a:extLst>
+          </p:cNvPr>
+          <p:cNvGrpSpPr/>
+          <p:nvPr/>
+        </p:nvGrpSpPr>
+        <p:grpSpPr>
+          <a:xfrm>
+            <a:off x="509875" y="4470050"/>
+            <a:ext cx="2695855" cy="661398"/>
+            <a:chOff x="568574" y="4418275"/>
+            <a:chExt cx="2695855" cy="661398"/>
+          </a:xfrm>
+        </p:grpSpPr>
+        <p:pic>
+          <p:nvPicPr>
+            <p:cNvPr id="69" name="Picture 4" descr="Top 10 Tips for Using PowerShell ISE | Rana Omer Hussain's RegEdit">
+              <a:extLst>
+                <a:ext uri="{FF2B5EF4-FFF2-40B4-BE49-F238E27FC236}">
+                  <a16:creationId xmlns:a16="http://schemas.microsoft.com/office/drawing/2014/main" id="{55195280-E670-4E9A-9E93-BD6BD0202624}"/>
+                </a:ext>
+              </a:extLst>
+            </p:cNvPr>
+            <p:cNvPicPr>
+              <a:picLocks noChangeAspect="1" noChangeArrowheads="1"/>
+            </p:cNvPicPr>
+            <p:nvPr/>
+          </p:nvPicPr>
+          <p:blipFill>
+            <a:blip r:embed="rId3">
+              <a:extLst>
+                <a:ext uri="{28A0092B-C50C-407E-A947-70E740481C1C}">
+                  <a14:useLocalDpi xmlns:a14="http://schemas.microsoft.com/office/drawing/2010/main" val="0"/>
+                </a:ext>
+              </a:extLst>
+            </a:blip>
+            <a:srcRect/>
+            <a:stretch>
+              <a:fillRect/>
+            </a:stretch>
+          </p:blipFill>
+          <p:spPr bwMode="auto">
+            <a:xfrm>
+              <a:off x="1646577" y="4669018"/>
+              <a:ext cx="289849" cy="289849"/>
+            </a:xfrm>
+            <a:prstGeom prst="rect">
+              <a:avLst/>
+            </a:prstGeom>
+            <a:noFill/>
+            <a:extLst>
+              <a:ext uri="{909E8E84-426E-40DD-AFC4-6F175D3DCCD1}">
+                <a14:hiddenFill xmlns:a14="http://schemas.microsoft.com/office/drawing/2010/main">
+                  <a:solidFill>
+                    <a:srgbClr val="FFFFFF"/>
+                  </a:solidFill>
+                </a14:hiddenFill>
+              </a:ext>
+            </a:extLst>
+          </p:spPr>
+        </p:pic>
+        <p:sp>
+          <p:nvSpPr>
+            <p:cNvPr id="70" name="Rectangle: Rounded Corners 69">
+              <a:extLst>
+                <a:ext uri="{FF2B5EF4-FFF2-40B4-BE49-F238E27FC236}">
+                  <a16:creationId xmlns:a16="http://schemas.microsoft.com/office/drawing/2014/main" id="{2E8EBEE1-8878-486C-9267-AA57A0C9A363}"/>
+                </a:ext>
+              </a:extLst>
+            </p:cNvPr>
+            <p:cNvSpPr/>
+            <p:nvPr/>
+          </p:nvSpPr>
+          <p:spPr>
+            <a:xfrm>
+              <a:off x="2479522" y="4739376"/>
+              <a:ext cx="565653" cy="144000"/>
+            </a:xfrm>
+            <a:prstGeom prst="roundRect">
+              <a:avLst>
+                <a:gd name="adj" fmla="val 5317"/>
+              </a:avLst>
+            </a:prstGeom>
+            <a:noFill/>
+            <a:ln>
+              <a:noFill/>
+            </a:ln>
+          </p:spPr>
+          <p:style>
+            <a:lnRef idx="2">
+              <a:schemeClr val="accent1">
+                <a:shade val="50000"/>
+              </a:schemeClr>
+            </a:lnRef>
+            <a:fillRef idx="1">
+              <a:schemeClr val="accent1"/>
+            </a:fillRef>
+            <a:effectRef idx="0">
+              <a:schemeClr val="accent1"/>
+            </a:effectRef>
+            <a:fontRef idx="minor">
+              <a:schemeClr val="lt1"/>
+            </a:fontRef>
+          </p:style>
+          <p:txBody>
+            <a:bodyPr rtlCol="0" anchor="ctr"/>
+            <a:lstStyle/>
+            <a:p>
+              <a:pPr algn="ctr"/>
+              <a:r>
+                <a:rPr lang="en-US" sz="1100" b="1" dirty="0">
+                  <a:solidFill>
+                    <a:schemeClr val="bg1"/>
+                  </a:solidFill>
+                  <a:latin typeface="Tahoma" panose="020B0604030504040204" pitchFamily="34" charset="0"/>
+                  <a:ea typeface="Tahoma" panose="020B0604030504040204" pitchFamily="34" charset="0"/>
+                  <a:cs typeface="Tahoma" panose="020B0604030504040204" pitchFamily="34" charset="0"/>
+                </a:rPr>
+                <a:t>T, Rh</a:t>
+              </a:r>
+              <a:endParaRPr lang="th-TH" sz="1100" b="1" dirty="0">
+                <a:solidFill>
+                  <a:schemeClr val="bg1"/>
+                </a:solidFill>
+                <a:latin typeface="Tahoma" panose="020B0604030504040204" pitchFamily="34" charset="0"/>
+                <a:ea typeface="Tahoma" panose="020B0604030504040204" pitchFamily="34" charset="0"/>
+                <a:cs typeface="Tahoma" panose="020B0604030504040204" pitchFamily="34" charset="0"/>
+              </a:endParaRPr>
+            </a:p>
+          </p:txBody>
+        </p:sp>
+        <p:cxnSp>
+          <p:nvCxnSpPr>
+            <p:cNvPr id="74" name="Straight Arrow Connector 73">
+              <a:extLst>
+                <a:ext uri="{FF2B5EF4-FFF2-40B4-BE49-F238E27FC236}">
+                  <a16:creationId xmlns:a16="http://schemas.microsoft.com/office/drawing/2014/main" id="{064BD953-095D-454F-A765-01379237825B}"/>
+                </a:ext>
+              </a:extLst>
+            </p:cNvPr>
+            <p:cNvCxnSpPr>
+              <a:cxnSpLocks/>
+              <a:stCxn id="69" idx="3"/>
+              <a:endCxn id="70" idx="1"/>
+            </p:cNvCxnSpPr>
+            <p:nvPr/>
+          </p:nvCxnSpPr>
+          <p:spPr>
+            <a:xfrm flipV="1">
+              <a:off x="1936426" y="4811376"/>
+              <a:ext cx="543096" cy="2567"/>
+            </a:xfrm>
+            <a:prstGeom prst="straightConnector1">
+              <a:avLst/>
+            </a:prstGeom>
+            <a:ln w="12700">
+              <a:solidFill>
+                <a:schemeClr val="bg1"/>
+              </a:solidFill>
+              <a:tailEnd type="triangle"/>
+            </a:ln>
+          </p:spPr>
+          <p:style>
+            <a:lnRef idx="1">
+              <a:schemeClr val="accent1"/>
+            </a:lnRef>
+            <a:fillRef idx="0">
+              <a:schemeClr val="accent1"/>
+            </a:fillRef>
+            <a:effectRef idx="0">
+              <a:schemeClr val="accent1"/>
+            </a:effectRef>
+            <a:fontRef idx="minor">
+              <a:schemeClr val="tx1"/>
+            </a:fontRef>
+          </p:style>
+        </p:cxnSp>
+        <p:sp>
+          <p:nvSpPr>
+            <p:cNvPr id="75" name="TextBox 74">
+              <a:extLst>
+                <a:ext uri="{FF2B5EF4-FFF2-40B4-BE49-F238E27FC236}">
+                  <a16:creationId xmlns:a16="http://schemas.microsoft.com/office/drawing/2014/main" id="{DF95FD34-5CFD-499C-BD8A-A85A2187FA18}"/>
+                </a:ext>
+              </a:extLst>
+            </p:cNvPr>
+            <p:cNvSpPr txBox="1"/>
+            <p:nvPr/>
+          </p:nvSpPr>
+          <p:spPr>
+            <a:xfrm>
+              <a:off x="2616495" y="4854505"/>
+              <a:ext cx="647934" cy="184666"/>
+            </a:xfrm>
+            <a:prstGeom prst="rect">
+              <a:avLst/>
+            </a:prstGeom>
+            <a:noFill/>
+          </p:spPr>
+          <p:txBody>
+            <a:bodyPr wrap="none" rtlCol="0">
+              <a:spAutoFit/>
+            </a:bodyPr>
+            <a:lstStyle/>
+            <a:p>
+              <a:r>
+                <a:rPr lang="en-US" sz="600" u="sng" dirty="0">
+                  <a:solidFill>
+                    <a:schemeClr val="accent4">
+                      <a:lumMod val="60000"/>
+                      <a:lumOff val="40000"/>
+                    </a:schemeClr>
+                  </a:solidFill>
+                  <a:latin typeface="Tahoma" panose="020B0604030504040204" pitchFamily="34" charset="0"/>
+                  <a:ea typeface="Tahoma" panose="020B0604030504040204" pitchFamily="34" charset="0"/>
+                  <a:cs typeface="Tahoma" panose="020B0604030504040204" pitchFamily="34" charset="0"/>
+                </a:rPr>
+                <a:t>Estimate data</a:t>
+              </a:r>
+              <a:endParaRPr lang="th-TH" sz="600" u="sng" dirty="0">
+                <a:solidFill>
+                  <a:schemeClr val="accent4">
+                    <a:lumMod val="60000"/>
+                    <a:lumOff val="40000"/>
+                  </a:schemeClr>
+                </a:solidFill>
+                <a:latin typeface="Tahoma" panose="020B0604030504040204" pitchFamily="34" charset="0"/>
+                <a:ea typeface="Tahoma" panose="020B0604030504040204" pitchFamily="34" charset="0"/>
+                <a:cs typeface="Tahoma" panose="020B0604030504040204" pitchFamily="34" charset="0"/>
+              </a:endParaRPr>
+            </a:p>
+          </p:txBody>
+        </p:sp>
+        <p:sp>
+          <p:nvSpPr>
+            <p:cNvPr id="76" name="Rectangle 75">
+              <a:extLst>
+                <a:ext uri="{FF2B5EF4-FFF2-40B4-BE49-F238E27FC236}">
+                  <a16:creationId xmlns:a16="http://schemas.microsoft.com/office/drawing/2014/main" id="{BE2CD412-DE50-4E66-A810-4DE47031A48B}"/>
+                </a:ext>
+              </a:extLst>
+            </p:cNvPr>
+            <p:cNvSpPr/>
+            <p:nvPr/>
+          </p:nvSpPr>
+          <p:spPr>
+            <a:xfrm>
+              <a:off x="568574" y="4763702"/>
+              <a:ext cx="576000" cy="108000"/>
+            </a:xfrm>
+            <a:prstGeom prst="rect">
+              <a:avLst/>
+            </a:prstGeom>
+            <a:noFill/>
+            <a:ln>
+              <a:noFill/>
+            </a:ln>
+          </p:spPr>
+          <p:style>
+            <a:lnRef idx="2">
+              <a:schemeClr val="accent1">
+                <a:shade val="50000"/>
+              </a:schemeClr>
+            </a:lnRef>
+            <a:fillRef idx="1">
+              <a:schemeClr val="accent1"/>
+            </a:fillRef>
+            <a:effectRef idx="0">
+              <a:schemeClr val="accent1"/>
+            </a:effectRef>
+            <a:fontRef idx="minor">
+              <a:schemeClr val="lt1"/>
+            </a:fontRef>
+          </p:style>
+          <p:txBody>
+            <a:bodyPr rtlCol="0" anchor="ctr"/>
+            <a:lstStyle/>
+            <a:p>
+              <a:pPr algn="ctr"/>
+              <a:r>
+                <a:rPr lang="en-US" sz="800" b="1" dirty="0">
+                  <a:solidFill>
+                    <a:schemeClr val="bg1"/>
+                  </a:solidFill>
+                  <a:latin typeface="Tahoma" panose="020B0604030504040204" pitchFamily="34" charset="0"/>
+                  <a:ea typeface="Tahoma" panose="020B0604030504040204" pitchFamily="34" charset="0"/>
+                  <a:cs typeface="Tahoma" panose="020B0604030504040204" pitchFamily="34" charset="0"/>
+                </a:rPr>
+                <a:t>Lat-</a:t>
+              </a:r>
+              <a:r>
+                <a:rPr lang="en-US" sz="800" b="1" dirty="0" err="1">
+                  <a:solidFill>
+                    <a:schemeClr val="bg1"/>
+                  </a:solidFill>
+                  <a:latin typeface="Tahoma" panose="020B0604030504040204" pitchFamily="34" charset="0"/>
+                  <a:ea typeface="Tahoma" panose="020B0604030504040204" pitchFamily="34" charset="0"/>
+                  <a:cs typeface="Tahoma" panose="020B0604030504040204" pitchFamily="34" charset="0"/>
+                </a:rPr>
+                <a:t>lon</a:t>
+              </a:r>
+              <a:endParaRPr lang="th-TH" sz="800" b="1" dirty="0">
+                <a:solidFill>
+                  <a:schemeClr val="bg1"/>
+                </a:solidFill>
+                <a:latin typeface="Tahoma" panose="020B0604030504040204" pitchFamily="34" charset="0"/>
+                <a:ea typeface="Tahoma" panose="020B0604030504040204" pitchFamily="34" charset="0"/>
+                <a:cs typeface="Tahoma" panose="020B0604030504040204" pitchFamily="34" charset="0"/>
+              </a:endParaRPr>
+            </a:p>
+          </p:txBody>
+        </p:sp>
+        <p:cxnSp>
+          <p:nvCxnSpPr>
+            <p:cNvPr id="77" name="Straight Arrow Connector 76">
+              <a:extLst>
+                <a:ext uri="{FF2B5EF4-FFF2-40B4-BE49-F238E27FC236}">
+                  <a16:creationId xmlns:a16="http://schemas.microsoft.com/office/drawing/2014/main" id="{E0519510-8733-46BB-BF5C-CD25A775B81F}"/>
+                </a:ext>
+              </a:extLst>
+            </p:cNvPr>
+            <p:cNvCxnSpPr>
+              <a:cxnSpLocks/>
+              <a:stCxn id="76" idx="3"/>
+              <a:endCxn id="69" idx="1"/>
+            </p:cNvCxnSpPr>
+            <p:nvPr/>
+          </p:nvCxnSpPr>
+          <p:spPr>
+            <a:xfrm flipV="1">
+              <a:off x="1144574" y="4813943"/>
+              <a:ext cx="502003" cy="3759"/>
+            </a:xfrm>
+            <a:prstGeom prst="straightConnector1">
+              <a:avLst/>
+            </a:prstGeom>
+            <a:ln w="12700">
+              <a:solidFill>
+                <a:schemeClr val="bg1"/>
+              </a:solidFill>
+              <a:tailEnd type="triangle"/>
+            </a:ln>
+          </p:spPr>
+          <p:style>
+            <a:lnRef idx="1">
+              <a:schemeClr val="accent1"/>
+            </a:lnRef>
+            <a:fillRef idx="0">
+              <a:schemeClr val="accent1"/>
+            </a:fillRef>
+            <a:effectRef idx="0">
+              <a:schemeClr val="accent1"/>
+            </a:effectRef>
+            <a:fontRef idx="minor">
+              <a:schemeClr val="tx1"/>
+            </a:fontRef>
+          </p:style>
+        </p:cxnSp>
+        <p:pic>
+          <p:nvPicPr>
+            <p:cNvPr id="78" name="Picture 10" descr="Database Symbol Png - Database Icon Flat - Free Transparent PNG Clipart  Images Download">
+              <a:extLst>
+                <a:ext uri="{FF2B5EF4-FFF2-40B4-BE49-F238E27FC236}">
+                  <a16:creationId xmlns:a16="http://schemas.microsoft.com/office/drawing/2014/main" id="{8B1D41C8-C4FC-49E8-B1DC-DE1FED72B5AA}"/>
+                </a:ext>
+              </a:extLst>
+            </p:cNvPr>
+            <p:cNvPicPr>
+              <a:picLocks noChangeAspect="1" noChangeArrowheads="1"/>
+            </p:cNvPicPr>
+            <p:nvPr/>
+          </p:nvPicPr>
+          <p:blipFill>
+            <a:blip r:embed="rId4">
+              <a:lum bright="70000" contrast="-70000"/>
+              <a:extLst>
+                <a:ext uri="{BEBA8EAE-BF5A-486C-A8C5-ECC9F3942E4B}">
+                  <a14:imgProps xmlns:a14="http://schemas.microsoft.com/office/drawing/2010/main">
+                    <a14:imgLayer r:embed="rId5">
+                      <a14:imgEffect>
+                        <a14:backgroundRemoval t="8113" b="89947" l="10000" r="90000">
+                          <a14:foregroundMark x1="52262" y1="8113" x2="52262" y2="8113"/>
+                          <a14:foregroundMark x1="50952" y1="49030" x2="50952" y2="49559"/>
+                          <a14:foregroundMark x1="50714" y1="69841" x2="50714" y2="69841"/>
+                          <a14:foregroundMark x1="46548" y1="84480" x2="46548" y2="84480"/>
+                        </a14:backgroundRemoval>
+                      </a14:imgEffect>
+                    </a14:imgLayer>
+                  </a14:imgProps>
+                </a:ext>
+                <a:ext uri="{28A0092B-C50C-407E-A947-70E740481C1C}">
+                  <a14:useLocalDpi xmlns:a14="http://schemas.microsoft.com/office/drawing/2010/main" val="0"/>
+                </a:ext>
+              </a:extLst>
+            </a:blip>
+            <a:srcRect/>
+            <a:stretch>
+              <a:fillRect/>
+            </a:stretch>
+          </p:blipFill>
+          <p:spPr bwMode="auto">
+            <a:xfrm>
+              <a:off x="2918096" y="4717239"/>
+              <a:ext cx="264052" cy="178235"/>
+            </a:xfrm>
+            <a:prstGeom prst="rect">
+              <a:avLst/>
+            </a:prstGeom>
+            <a:noFill/>
+            <a:extLst>
+              <a:ext uri="{909E8E84-426E-40DD-AFC4-6F175D3DCCD1}">
+                <a14:hiddenFill xmlns:a14="http://schemas.microsoft.com/office/drawing/2010/main">
+                  <a:solidFill>
+                    <a:srgbClr val="FFFFFF"/>
+                  </a:solidFill>
+                </a14:hiddenFill>
+              </a:ext>
+            </a:extLst>
+          </p:spPr>
+        </p:pic>
+        <p:sp>
+          <p:nvSpPr>
+            <p:cNvPr id="79" name="Rectangle 78">
+              <a:extLst>
+                <a:ext uri="{FF2B5EF4-FFF2-40B4-BE49-F238E27FC236}">
+                  <a16:creationId xmlns:a16="http://schemas.microsoft.com/office/drawing/2014/main" id="{FFEE1E76-5134-4B48-AC78-B18272CA707F}"/>
+                </a:ext>
+              </a:extLst>
+            </p:cNvPr>
+            <p:cNvSpPr/>
+            <p:nvPr/>
+          </p:nvSpPr>
+          <p:spPr>
+            <a:xfrm>
+              <a:off x="1269501" y="4971673"/>
+              <a:ext cx="1044000" cy="108000"/>
+            </a:xfrm>
+            <a:prstGeom prst="rect">
+              <a:avLst/>
+            </a:prstGeom>
+            <a:noFill/>
+            <a:ln>
+              <a:noFill/>
+            </a:ln>
+          </p:spPr>
+          <p:style>
+            <a:lnRef idx="2">
+              <a:schemeClr val="accent1">
+                <a:shade val="50000"/>
+              </a:schemeClr>
+            </a:lnRef>
+            <a:fillRef idx="1">
+              <a:schemeClr val="accent1"/>
+            </a:fillRef>
+            <a:effectRef idx="0">
+              <a:schemeClr val="accent1"/>
+            </a:effectRef>
+            <a:fontRef idx="minor">
+              <a:schemeClr val="lt1"/>
+            </a:fontRef>
+          </p:style>
+          <p:txBody>
+            <a:bodyPr rtlCol="0" anchor="ctr"/>
+            <a:lstStyle/>
+            <a:p>
+              <a:pPr algn="ctr"/>
+              <a:r>
+                <a:rPr lang="en-US" sz="600" b="1" i="0" dirty="0">
+                  <a:effectLst/>
+                  <a:latin typeface="Tahoma" panose="020B0604030504040204" pitchFamily="34" charset="0"/>
+                  <a:ea typeface="Tahoma" panose="020B0604030504040204" pitchFamily="34" charset="0"/>
+                  <a:cs typeface="Tahoma" panose="020B0604030504040204" pitchFamily="34" charset="0"/>
+                </a:rPr>
+                <a:t>wwo_his_data.py</a:t>
+              </a:r>
+              <a:endParaRPr lang="th-TH" sz="600" b="1" dirty="0">
+                <a:solidFill>
+                  <a:schemeClr val="bg1"/>
+                </a:solidFill>
+                <a:latin typeface="Tahoma" panose="020B0604030504040204" pitchFamily="34" charset="0"/>
+                <a:ea typeface="Tahoma" panose="020B0604030504040204" pitchFamily="34" charset="0"/>
+                <a:cs typeface="Tahoma" panose="020B0604030504040204" pitchFamily="34" charset="0"/>
+              </a:endParaRPr>
+            </a:p>
+          </p:txBody>
+        </p:sp>
+        <p:pic>
+          <p:nvPicPr>
+            <p:cNvPr id="81" name="Picture 4">
+              <a:extLst>
+                <a:ext uri="{FF2B5EF4-FFF2-40B4-BE49-F238E27FC236}">
+                  <a16:creationId xmlns:a16="http://schemas.microsoft.com/office/drawing/2014/main" id="{7A0251D2-2FCF-4518-9BB0-D5BFAB4FAB63}"/>
+                </a:ext>
+              </a:extLst>
+            </p:cNvPr>
+            <p:cNvPicPr>
+              <a:picLocks noChangeAspect="1" noChangeArrowheads="1"/>
+            </p:cNvPicPr>
+            <p:nvPr/>
+          </p:nvPicPr>
+          <p:blipFill rotWithShape="1">
+            <a:blip r:embed="rId11">
+              <a:lum bright="70000" contrast="-70000"/>
+              <a:extLst>
+                <a:ext uri="{28A0092B-C50C-407E-A947-70E740481C1C}">
+                  <a14:useLocalDpi xmlns:a14="http://schemas.microsoft.com/office/drawing/2010/main" val="0"/>
+                </a:ext>
+              </a:extLst>
+            </a:blip>
+            <a:srcRect t="29867" b="27467"/>
+            <a:stretch/>
+          </p:blipFill>
+          <p:spPr bwMode="auto">
+            <a:xfrm>
+              <a:off x="1510114" y="4418275"/>
+              <a:ext cx="536253" cy="228801"/>
+            </a:xfrm>
+            <a:prstGeom prst="rect">
+              <a:avLst/>
+            </a:prstGeom>
+            <a:noFill/>
+            <a:extLst>
+              <a:ext uri="{909E8E84-426E-40DD-AFC4-6F175D3DCCD1}">
+                <a14:hiddenFill xmlns:a14="http://schemas.microsoft.com/office/drawing/2010/main">
+                  <a:solidFill>
+                    <a:srgbClr val="FFFFFF"/>
+                  </a:solidFill>
+                </a14:hiddenFill>
+              </a:ext>
+            </a:extLst>
+          </p:spPr>
+        </p:pic>
+      </p:grpSp>
+      <p:cxnSp>
+        <p:nvCxnSpPr>
+          <p:cNvPr id="84" name="Straight Arrow Connector 83">
+            <a:extLst>
+              <a:ext uri="{FF2B5EF4-FFF2-40B4-BE49-F238E27FC236}">
+                <a16:creationId xmlns:a16="http://schemas.microsoft.com/office/drawing/2014/main" id="{41E2275F-2C08-41D1-916F-B54093D3B015}"/>
+              </a:ext>
+            </a:extLst>
+          </p:cNvPr>
+          <p:cNvCxnSpPr>
+            <a:cxnSpLocks/>
+            <a:stCxn id="1034" idx="3"/>
+            <a:endCxn id="1060" idx="1"/>
+          </p:cNvCxnSpPr>
+          <p:nvPr/>
+        </p:nvCxnSpPr>
+        <p:spPr>
+          <a:xfrm>
+            <a:off x="3200786" y="921371"/>
+            <a:ext cx="2361288" cy="2653729"/>
+          </a:xfrm>
+          <a:prstGeom prst="straightConnector1">
+            <a:avLst/>
+          </a:prstGeom>
+          <a:ln w="12700">
+            <a:solidFill>
+              <a:schemeClr val="bg1"/>
+            </a:solidFill>
+            <a:tailEnd type="triangle"/>
+          </a:ln>
+        </p:spPr>
+        <p:style>
+          <a:lnRef idx="1">
+            <a:schemeClr val="accent1"/>
+          </a:lnRef>
+          <a:fillRef idx="0">
+            <a:schemeClr val="accent1"/>
+          </a:fillRef>
+          <a:effectRef idx="0">
+            <a:schemeClr val="accent1"/>
+          </a:effectRef>
+          <a:fontRef idx="minor">
+            <a:schemeClr val="tx1"/>
+          </a:fontRef>
+        </p:style>
+      </p:cxnSp>
+      <p:cxnSp>
+        <p:nvCxnSpPr>
+          <p:cNvPr id="87" name="Straight Arrow Connector 86">
+            <a:extLst>
+              <a:ext uri="{FF2B5EF4-FFF2-40B4-BE49-F238E27FC236}">
+                <a16:creationId xmlns:a16="http://schemas.microsoft.com/office/drawing/2014/main" id="{305B32CD-D99E-4BDB-A780-A9BC6430BCA4}"/>
+              </a:ext>
+            </a:extLst>
+          </p:cNvPr>
+          <p:cNvCxnSpPr>
+            <a:cxnSpLocks/>
+            <a:stCxn id="113" idx="3"/>
+            <a:endCxn id="1060" idx="1"/>
+          </p:cNvCxnSpPr>
+          <p:nvPr/>
+        </p:nvCxnSpPr>
+        <p:spPr>
+          <a:xfrm>
+            <a:off x="3210480" y="1505158"/>
+            <a:ext cx="2351594" cy="2069942"/>
+          </a:xfrm>
+          <a:prstGeom prst="straightConnector1">
+            <a:avLst/>
+          </a:prstGeom>
+          <a:ln w="12700">
+            <a:solidFill>
+              <a:schemeClr val="bg1"/>
+            </a:solidFill>
+            <a:tailEnd type="triangle"/>
+          </a:ln>
+        </p:spPr>
+        <p:style>
+          <a:lnRef idx="1">
+            <a:schemeClr val="accent1"/>
+          </a:lnRef>
+          <a:fillRef idx="0">
+            <a:schemeClr val="accent1"/>
+          </a:fillRef>
+          <a:effectRef idx="0">
+            <a:schemeClr val="accent1"/>
+          </a:effectRef>
+          <a:fontRef idx="minor">
+            <a:schemeClr val="tx1"/>
+          </a:fontRef>
+        </p:style>
+      </p:cxnSp>
+      <p:cxnSp>
+        <p:nvCxnSpPr>
+          <p:cNvPr id="90" name="Straight Arrow Connector 89">
+            <a:extLst>
+              <a:ext uri="{FF2B5EF4-FFF2-40B4-BE49-F238E27FC236}">
+                <a16:creationId xmlns:a16="http://schemas.microsoft.com/office/drawing/2014/main" id="{E7D7D34B-BA02-4079-8533-52FF44AF971D}"/>
+              </a:ext>
+            </a:extLst>
+          </p:cNvPr>
+          <p:cNvCxnSpPr>
+            <a:cxnSpLocks/>
+            <a:stCxn id="114" idx="3"/>
+            <a:endCxn id="1060" idx="1"/>
+          </p:cNvCxnSpPr>
+          <p:nvPr/>
+        </p:nvCxnSpPr>
+        <p:spPr>
+          <a:xfrm>
+            <a:off x="3123449" y="2306086"/>
+            <a:ext cx="2438625" cy="1269014"/>
+          </a:xfrm>
+          <a:prstGeom prst="straightConnector1">
+            <a:avLst/>
+          </a:prstGeom>
+          <a:ln w="12700">
+            <a:solidFill>
+              <a:schemeClr val="bg1"/>
+            </a:solidFill>
+            <a:tailEnd type="triangle"/>
+          </a:ln>
+        </p:spPr>
+        <p:style>
+          <a:lnRef idx="1">
+            <a:schemeClr val="accent1"/>
+          </a:lnRef>
+          <a:fillRef idx="0">
+            <a:schemeClr val="accent1"/>
+          </a:fillRef>
+          <a:effectRef idx="0">
+            <a:schemeClr val="accent1"/>
+          </a:effectRef>
+          <a:fontRef idx="minor">
+            <a:schemeClr val="tx1"/>
+          </a:fontRef>
+        </p:style>
+      </p:cxnSp>
+      <p:cxnSp>
+        <p:nvCxnSpPr>
+          <p:cNvPr id="95" name="Straight Arrow Connector 94">
+            <a:extLst>
+              <a:ext uri="{FF2B5EF4-FFF2-40B4-BE49-F238E27FC236}">
+                <a16:creationId xmlns:a16="http://schemas.microsoft.com/office/drawing/2014/main" id="{D4E198B7-7DE8-4982-8D2C-3C405E430A26}"/>
+              </a:ext>
+            </a:extLst>
+          </p:cNvPr>
+          <p:cNvCxnSpPr>
+            <a:cxnSpLocks/>
+            <a:stCxn id="125" idx="3"/>
+            <a:endCxn id="1060" idx="1"/>
+          </p:cNvCxnSpPr>
+          <p:nvPr/>
+        </p:nvCxnSpPr>
+        <p:spPr>
+          <a:xfrm>
+            <a:off x="3123449" y="3172036"/>
+            <a:ext cx="2438625" cy="403064"/>
+          </a:xfrm>
+          <a:prstGeom prst="straightConnector1">
+            <a:avLst/>
+          </a:prstGeom>
+          <a:ln w="12700">
+            <a:solidFill>
+              <a:schemeClr val="bg1"/>
+            </a:solidFill>
+            <a:tailEnd type="triangle"/>
+          </a:ln>
+        </p:spPr>
+        <p:style>
+          <a:lnRef idx="1">
+            <a:schemeClr val="accent1"/>
+          </a:lnRef>
+          <a:fillRef idx="0">
+            <a:schemeClr val="accent1"/>
+          </a:fillRef>
+          <a:effectRef idx="0">
+            <a:schemeClr val="accent1"/>
+          </a:effectRef>
+          <a:fontRef idx="minor">
+            <a:schemeClr val="tx1"/>
+          </a:fontRef>
+        </p:style>
+      </p:cxnSp>
+      <p:cxnSp>
+        <p:nvCxnSpPr>
+          <p:cNvPr id="98" name="Straight Arrow Connector 97">
+            <a:extLst>
+              <a:ext uri="{FF2B5EF4-FFF2-40B4-BE49-F238E27FC236}">
+                <a16:creationId xmlns:a16="http://schemas.microsoft.com/office/drawing/2014/main" id="{719489D0-94E3-4D6E-AE0E-B1FBF1D9BB3D}"/>
+              </a:ext>
+            </a:extLst>
+          </p:cNvPr>
+          <p:cNvCxnSpPr>
+            <a:cxnSpLocks/>
+            <a:stCxn id="60" idx="3"/>
+            <a:endCxn id="1060" idx="1"/>
+          </p:cNvCxnSpPr>
+          <p:nvPr/>
+        </p:nvCxnSpPr>
+        <p:spPr>
+          <a:xfrm flipV="1">
+            <a:off x="3164325" y="3575100"/>
+            <a:ext cx="2397749" cy="421156"/>
+          </a:xfrm>
+          <a:prstGeom prst="straightConnector1">
+            <a:avLst/>
+          </a:prstGeom>
+          <a:ln w="12700">
+            <a:solidFill>
+              <a:schemeClr val="bg1"/>
+            </a:solidFill>
+            <a:tailEnd type="triangle"/>
+          </a:ln>
+        </p:spPr>
+        <p:style>
+          <a:lnRef idx="1">
+            <a:schemeClr val="accent1"/>
+          </a:lnRef>
+          <a:fillRef idx="0">
+            <a:schemeClr val="accent1"/>
+          </a:fillRef>
+          <a:effectRef idx="0">
+            <a:schemeClr val="accent1"/>
+          </a:effectRef>
+          <a:fontRef idx="minor">
+            <a:schemeClr val="tx1"/>
+          </a:fontRef>
+        </p:style>
+      </p:cxnSp>
+      <p:cxnSp>
+        <p:nvCxnSpPr>
+          <p:cNvPr id="101" name="Straight Arrow Connector 100">
+            <a:extLst>
+              <a:ext uri="{FF2B5EF4-FFF2-40B4-BE49-F238E27FC236}">
+                <a16:creationId xmlns:a16="http://schemas.microsoft.com/office/drawing/2014/main" id="{2C82A426-06A3-4F11-8ACD-7F606E9E3026}"/>
+              </a:ext>
+            </a:extLst>
+          </p:cNvPr>
+          <p:cNvCxnSpPr>
+            <a:cxnSpLocks/>
+            <a:stCxn id="78" idx="3"/>
+            <a:endCxn id="1060" idx="1"/>
+          </p:cNvCxnSpPr>
+          <p:nvPr/>
+        </p:nvCxnSpPr>
+        <p:spPr>
+          <a:xfrm flipV="1">
+            <a:off x="3123449" y="3575100"/>
+            <a:ext cx="2438625" cy="1283032"/>
+          </a:xfrm>
+          <a:prstGeom prst="straightConnector1">
+            <a:avLst/>
+          </a:prstGeom>
+          <a:ln w="12700">
+            <a:solidFill>
+              <a:schemeClr val="bg1"/>
+            </a:solidFill>
+            <a:tailEnd type="triangle"/>
+          </a:ln>
+        </p:spPr>
+        <p:style>
+          <a:lnRef idx="1">
+            <a:schemeClr val="accent1"/>
+          </a:lnRef>
+          <a:fillRef idx="0">
+            <a:schemeClr val="accent1"/>
+          </a:fillRef>
+          <a:effectRef idx="0">
+            <a:schemeClr val="accent1"/>
+          </a:effectRef>
+          <a:fontRef idx="minor">
+            <a:schemeClr val="tx1"/>
+          </a:fontRef>
+        </p:style>
+      </p:cxnSp>
+      <p:cxnSp>
+        <p:nvCxnSpPr>
+          <p:cNvPr id="105" name="Straight Arrow Connector 104">
+            <a:extLst>
+              <a:ext uri="{FF2B5EF4-FFF2-40B4-BE49-F238E27FC236}">
+                <a16:creationId xmlns:a16="http://schemas.microsoft.com/office/drawing/2014/main" id="{C03CBA04-0559-4BF3-A60F-147D4849D2DD}"/>
+              </a:ext>
+            </a:extLst>
+          </p:cNvPr>
+          <p:cNvCxnSpPr>
+            <a:cxnSpLocks/>
+            <a:stCxn id="137" idx="3"/>
+            <a:endCxn id="1060" idx="1"/>
+          </p:cNvCxnSpPr>
+          <p:nvPr/>
+        </p:nvCxnSpPr>
+        <p:spPr>
+          <a:xfrm flipV="1">
+            <a:off x="3119004" y="3575100"/>
+            <a:ext cx="2443070" cy="2177666"/>
+          </a:xfrm>
+          <a:prstGeom prst="straightConnector1">
+            <a:avLst/>
+          </a:prstGeom>
+          <a:ln w="12700">
+            <a:solidFill>
+              <a:schemeClr val="bg1"/>
+            </a:solidFill>
+            <a:prstDash val="sysDash"/>
+            <a:tailEnd type="triangle"/>
+          </a:ln>
+        </p:spPr>
+        <p:style>
+          <a:lnRef idx="1">
+            <a:schemeClr val="accent1"/>
+          </a:lnRef>
+          <a:fillRef idx="0">
+            <a:schemeClr val="accent1"/>
+          </a:fillRef>
+          <a:effectRef idx="0">
+            <a:schemeClr val="accent1"/>
+          </a:effectRef>
+          <a:fontRef idx="minor">
+            <a:schemeClr val="tx1"/>
+          </a:fontRef>
+        </p:style>
+      </p:cxnSp>
+      <p:sp>
+        <p:nvSpPr>
+          <p:cNvPr id="35" name="Rectangle 34">
+            <a:extLst>
+              <a:ext uri="{FF2B5EF4-FFF2-40B4-BE49-F238E27FC236}">
+                <a16:creationId xmlns:a16="http://schemas.microsoft.com/office/drawing/2014/main" id="{B98C8C86-8562-491F-B062-E1EFAFF4A237}"/>
+              </a:ext>
+            </a:extLst>
+          </p:cNvPr>
+          <p:cNvSpPr/>
+          <p:nvPr/>
+        </p:nvSpPr>
+        <p:spPr>
+          <a:xfrm>
+            <a:off x="286866" y="453151"/>
+            <a:ext cx="3126894" cy="5988290"/>
+          </a:xfrm>
+          <a:prstGeom prst="rect">
+            <a:avLst/>
+          </a:prstGeom>
+          <a:noFill/>
+          <a:ln w="19050">
+            <a:solidFill>
+              <a:srgbClr val="00B050"/>
+            </a:solidFill>
+            <a:prstDash val="sysDash"/>
+          </a:ln>
+        </p:spPr>
+        <p:style>
+          <a:lnRef idx="2">
+            <a:schemeClr val="accent1">
+              <a:shade val="50000"/>
+            </a:schemeClr>
+          </a:lnRef>
+          <a:fillRef idx="1">
+            <a:schemeClr val="accent1"/>
+          </a:fillRef>
+          <a:effectRef idx="0">
+            <a:schemeClr val="accent1"/>
+          </a:effectRef>
+          <a:fontRef idx="minor">
+            <a:schemeClr val="lt1"/>
+          </a:fontRef>
+        </p:style>
+        <p:txBody>
+          <a:bodyPr rtlCol="0" anchor="ctr"/>
+          <a:lstStyle/>
+          <a:p>
+            <a:pPr algn="ctr"/>
+            <a:endParaRPr lang="th-TH"/>
+          </a:p>
+        </p:txBody>
+      </p:sp>
+      <p:sp>
+        <p:nvSpPr>
+          <p:cNvPr id="109" name="Rectangle: Rounded Corners 108">
+            <a:extLst>
+              <a:ext uri="{FF2B5EF4-FFF2-40B4-BE49-F238E27FC236}">
+                <a16:creationId xmlns:a16="http://schemas.microsoft.com/office/drawing/2014/main" id="{0B179458-F66F-4887-8D07-A5AF97D6DB53}"/>
+              </a:ext>
+            </a:extLst>
+          </p:cNvPr>
+          <p:cNvSpPr/>
+          <p:nvPr/>
+        </p:nvSpPr>
+        <p:spPr>
+          <a:xfrm>
+            <a:off x="2887644" y="225003"/>
+            <a:ext cx="611503" cy="180000"/>
+          </a:xfrm>
+          <a:prstGeom prst="roundRect">
+            <a:avLst>
+              <a:gd name="adj" fmla="val 5317"/>
+            </a:avLst>
+          </a:prstGeom>
+          <a:noFill/>
+          <a:ln>
+            <a:noFill/>
+          </a:ln>
+        </p:spPr>
+        <p:style>
+          <a:lnRef idx="2">
+            <a:schemeClr val="accent1">
+              <a:shade val="50000"/>
+            </a:schemeClr>
+          </a:lnRef>
+          <a:fillRef idx="1">
+            <a:schemeClr val="accent1"/>
+          </a:fillRef>
+          <a:effectRef idx="0">
+            <a:schemeClr val="accent1"/>
+          </a:effectRef>
+          <a:fontRef idx="minor">
+            <a:schemeClr val="lt1"/>
+          </a:fontRef>
+        </p:style>
+        <p:txBody>
+          <a:bodyPr rtlCol="0" anchor="ctr"/>
+          <a:lstStyle/>
+          <a:p>
+            <a:pPr algn="ctr"/>
+            <a:r>
+              <a:rPr lang="en-US" sz="1200" b="1" dirty="0">
+                <a:solidFill>
+                  <a:schemeClr val="bg1"/>
+                </a:solidFill>
+                <a:latin typeface="Tahoma" panose="020B0604030504040204" pitchFamily="34" charset="0"/>
+                <a:ea typeface="Tahoma" panose="020B0604030504040204" pitchFamily="34" charset="0"/>
+                <a:cs typeface="Tahoma" panose="020B0604030504040204" pitchFamily="34" charset="0"/>
+              </a:rPr>
+              <a:t>Done</a:t>
+            </a:r>
+            <a:endParaRPr lang="th-TH" sz="1200" b="1" dirty="0">
+              <a:solidFill>
+                <a:schemeClr val="bg1"/>
+              </a:solidFill>
+              <a:latin typeface="Tahoma" panose="020B0604030504040204" pitchFamily="34" charset="0"/>
+              <a:ea typeface="Tahoma" panose="020B0604030504040204" pitchFamily="34" charset="0"/>
+              <a:cs typeface="Tahoma" panose="020B0604030504040204" pitchFamily="34" charset="0"/>
+            </a:endParaRPr>
+          </a:p>
+        </p:txBody>
+      </p:sp>
+      <p:pic>
+        <p:nvPicPr>
+          <p:cNvPr id="1040" name="Picture 16" descr="18. Working with Vector Tiles — QGIS Documentation documentation">
+            <a:extLst>
+              <a:ext uri="{FF2B5EF4-FFF2-40B4-BE49-F238E27FC236}">
+                <a16:creationId xmlns:a16="http://schemas.microsoft.com/office/drawing/2014/main" id="{3DC17224-4398-4A35-BC72-4FF9F7B840A8}"/>
+              </a:ext>
+            </a:extLst>
+          </p:cNvPr>
+          <p:cNvPicPr>
+            <a:picLocks noChangeAspect="1" noChangeArrowheads="1"/>
+          </p:cNvPicPr>
+          <p:nvPr/>
+        </p:nvPicPr>
+        <p:blipFill rotWithShape="1">
+          <a:blip r:embed="rId12">
+            <a:extLst>
+              <a:ext uri="{28A0092B-C50C-407E-A947-70E740481C1C}">
+                <a14:useLocalDpi xmlns:a14="http://schemas.microsoft.com/office/drawing/2010/main" val="0"/>
+              </a:ext>
+            </a:extLst>
+          </a:blip>
+          <a:srcRect t="8147" b="4354"/>
+          <a:stretch/>
+        </p:blipFill>
+        <p:spPr bwMode="auto">
+          <a:xfrm>
+            <a:off x="6837616" y="1080729"/>
+            <a:ext cx="5250640" cy="4761153"/>
+          </a:xfrm>
+          <a:prstGeom prst="rect">
+            <a:avLst/>
+          </a:prstGeom>
+          <a:noFill/>
+          <a:extLst>
+            <a:ext uri="{909E8E84-426E-40DD-AFC4-6F175D3DCCD1}">
+              <a14:hiddenFill xmlns:a14="http://schemas.microsoft.com/office/drawing/2010/main">
+                <a:solidFill>
+                  <a:srgbClr val="FFFFFF"/>
+                </a:solidFill>
+              </a14:hiddenFill>
+            </a:ext>
+          </a:extLst>
+        </p:spPr>
+      </p:pic>
+      <p:grpSp>
+        <p:nvGrpSpPr>
+          <p:cNvPr id="1082" name="Group 1081">
+            <a:extLst>
+              <a:ext uri="{FF2B5EF4-FFF2-40B4-BE49-F238E27FC236}">
+                <a16:creationId xmlns:a16="http://schemas.microsoft.com/office/drawing/2014/main" id="{7B7F9344-DD0E-4EB6-B01E-B932DA31DC73}"/>
+              </a:ext>
+            </a:extLst>
+          </p:cNvPr>
+          <p:cNvGrpSpPr/>
+          <p:nvPr/>
+        </p:nvGrpSpPr>
+        <p:grpSpPr>
+          <a:xfrm>
+            <a:off x="5283821" y="3002930"/>
+            <a:ext cx="1169235" cy="1000912"/>
+            <a:chOff x="5405120" y="3002930"/>
+            <a:chExt cx="1169235" cy="1000912"/>
+          </a:xfrm>
+        </p:grpSpPr>
+        <p:sp>
+          <p:nvSpPr>
+            <p:cNvPr id="110" name="Rectangle 109">
+              <a:extLst>
+                <a:ext uri="{FF2B5EF4-FFF2-40B4-BE49-F238E27FC236}">
+                  <a16:creationId xmlns:a16="http://schemas.microsoft.com/office/drawing/2014/main" id="{1DB309E0-9358-4AE2-B7B7-79D688C6A050}"/>
+                </a:ext>
+              </a:extLst>
+            </p:cNvPr>
+            <p:cNvSpPr/>
+            <p:nvPr/>
+          </p:nvSpPr>
+          <p:spPr>
+            <a:xfrm>
+              <a:off x="5405120" y="3152140"/>
+              <a:ext cx="1169235" cy="851702"/>
+            </a:xfrm>
+            <a:prstGeom prst="rect">
+              <a:avLst/>
+            </a:prstGeom>
+            <a:noFill/>
+            <a:ln w="19050">
+              <a:solidFill>
+                <a:srgbClr val="C00000"/>
+              </a:solidFill>
+              <a:prstDash val="sysDash"/>
+            </a:ln>
+          </p:spPr>
+          <p:style>
+            <a:lnRef idx="2">
+              <a:schemeClr val="accent1">
+                <a:shade val="50000"/>
+              </a:schemeClr>
+            </a:lnRef>
+            <a:fillRef idx="1">
+              <a:schemeClr val="accent1"/>
+            </a:fillRef>
+            <a:effectRef idx="0">
+              <a:schemeClr val="accent1"/>
+            </a:effectRef>
+            <a:fontRef idx="minor">
+              <a:schemeClr val="lt1"/>
+            </a:fontRef>
+          </p:style>
+          <p:txBody>
+            <a:bodyPr rtlCol="0" anchor="ctr"/>
+            <a:lstStyle/>
+            <a:p>
+              <a:pPr algn="ctr"/>
+              <a:endParaRPr lang="th-TH"/>
+            </a:p>
+          </p:txBody>
+        </p:sp>
+        <p:sp>
+          <p:nvSpPr>
+            <p:cNvPr id="111" name="Rectangle: Rounded Corners 110">
+              <a:extLst>
+                <a:ext uri="{FF2B5EF4-FFF2-40B4-BE49-F238E27FC236}">
+                  <a16:creationId xmlns:a16="http://schemas.microsoft.com/office/drawing/2014/main" id="{EB6C95BB-0D30-419E-B41D-D17B08E1E8C1}"/>
+                </a:ext>
+              </a:extLst>
+            </p:cNvPr>
+            <p:cNvSpPr/>
+            <p:nvPr/>
+          </p:nvSpPr>
+          <p:spPr>
+            <a:xfrm>
+              <a:off x="5865842" y="3002930"/>
+              <a:ext cx="708513" cy="107832"/>
+            </a:xfrm>
+            <a:prstGeom prst="roundRect">
+              <a:avLst>
+                <a:gd name="adj" fmla="val 5317"/>
+              </a:avLst>
+            </a:prstGeom>
+            <a:noFill/>
+            <a:ln>
+              <a:noFill/>
+            </a:ln>
+          </p:spPr>
+          <p:style>
+            <a:lnRef idx="2">
+              <a:schemeClr val="accent1">
+                <a:shade val="50000"/>
+              </a:schemeClr>
+            </a:lnRef>
+            <a:fillRef idx="1">
+              <a:schemeClr val="accent1"/>
+            </a:fillRef>
+            <a:effectRef idx="0">
+              <a:schemeClr val="accent1"/>
+            </a:effectRef>
+            <a:fontRef idx="minor">
+              <a:schemeClr val="lt1"/>
+            </a:fontRef>
+          </p:style>
+          <p:txBody>
+            <a:bodyPr rtlCol="0" anchor="ctr"/>
+            <a:lstStyle/>
+            <a:p>
+              <a:pPr algn="ctr"/>
+              <a:r>
+                <a:rPr lang="en-US" sz="700" b="1" dirty="0">
+                  <a:solidFill>
+                    <a:srgbClr val="FF0000"/>
+                  </a:solidFill>
+                  <a:latin typeface="Tahoma" panose="020B0604030504040204" pitchFamily="34" charset="0"/>
+                  <a:ea typeface="Tahoma" panose="020B0604030504040204" pitchFamily="34" charset="0"/>
+                  <a:cs typeface="Tahoma" panose="020B0604030504040204" pitchFamily="34" charset="0"/>
+                </a:rPr>
+                <a:t>InProgress</a:t>
+              </a:r>
+              <a:endParaRPr lang="th-TH" sz="700" b="1" dirty="0">
+                <a:solidFill>
+                  <a:srgbClr val="FF0000"/>
+                </a:solidFill>
+                <a:latin typeface="Tahoma" panose="020B0604030504040204" pitchFamily="34" charset="0"/>
+                <a:ea typeface="Tahoma" panose="020B0604030504040204" pitchFamily="34" charset="0"/>
+                <a:cs typeface="Tahoma" panose="020B0604030504040204" pitchFamily="34" charset="0"/>
+              </a:endParaRPr>
+            </a:p>
+          </p:txBody>
+        </p:sp>
+        <p:pic>
+          <p:nvPicPr>
+            <p:cNvPr id="1060" name="Picture 1059">
+              <a:extLst>
+                <a:ext uri="{FF2B5EF4-FFF2-40B4-BE49-F238E27FC236}">
+                  <a16:creationId xmlns:a16="http://schemas.microsoft.com/office/drawing/2014/main" id="{679D54D6-6F72-4AF8-88D5-0809F4188BD0}"/>
+                </a:ext>
+              </a:extLst>
+            </p:cNvPr>
+            <p:cNvPicPr>
+              <a:picLocks noChangeAspect="1"/>
+            </p:cNvPicPr>
+            <p:nvPr/>
+          </p:nvPicPr>
+          <p:blipFill>
+            <a:blip r:embed="rId13"/>
+            <a:stretch>
+              <a:fillRect/>
+            </a:stretch>
+          </p:blipFill>
+          <p:spPr>
+            <a:xfrm>
+              <a:off x="5683373" y="3212356"/>
+              <a:ext cx="743776" cy="725487"/>
+            </a:xfrm>
+            <a:prstGeom prst="rect">
+              <a:avLst/>
+            </a:prstGeom>
+          </p:spPr>
+        </p:pic>
+      </p:grpSp>
+      <p:cxnSp>
+        <p:nvCxnSpPr>
+          <p:cNvPr id="1084" name="Straight Arrow Connector 1083">
+            <a:extLst>
+              <a:ext uri="{FF2B5EF4-FFF2-40B4-BE49-F238E27FC236}">
+                <a16:creationId xmlns:a16="http://schemas.microsoft.com/office/drawing/2014/main" id="{586D784F-BDD4-4122-897E-387C2BDA248C}"/>
+              </a:ext>
+            </a:extLst>
+          </p:cNvPr>
+          <p:cNvCxnSpPr>
+            <a:cxnSpLocks/>
+            <a:stCxn id="1060" idx="3"/>
+          </p:cNvCxnSpPr>
+          <p:nvPr/>
+        </p:nvCxnSpPr>
+        <p:spPr>
+          <a:xfrm>
+            <a:off x="6305850" y="3575100"/>
+            <a:ext cx="2033478" cy="421156"/>
+          </a:xfrm>
+          <a:prstGeom prst="straightConnector1">
+            <a:avLst/>
+          </a:prstGeom>
+          <a:ln w="19050">
+            <a:solidFill>
+              <a:srgbClr val="00B050"/>
+            </a:solidFill>
+            <a:prstDash val="solid"/>
+            <a:tailEnd type="triangle"/>
+          </a:ln>
+        </p:spPr>
+        <p:style>
+          <a:lnRef idx="1">
+            <a:schemeClr val="accent1"/>
+          </a:lnRef>
+          <a:fillRef idx="0">
+            <a:schemeClr val="accent1"/>
+          </a:fillRef>
+          <a:effectRef idx="0">
+            <a:schemeClr val="accent1"/>
+          </a:effectRef>
+          <a:fontRef idx="minor">
+            <a:schemeClr val="tx1"/>
+          </a:fontRef>
+        </p:style>
+      </p:cxnSp>
+      <p:cxnSp>
+        <p:nvCxnSpPr>
+          <p:cNvPr id="205" name="Straight Arrow Connector 204">
+            <a:extLst>
+              <a:ext uri="{FF2B5EF4-FFF2-40B4-BE49-F238E27FC236}">
+                <a16:creationId xmlns:a16="http://schemas.microsoft.com/office/drawing/2014/main" id="{CD2D1F7D-8E2D-4F8D-8F00-13A74C918AA1}"/>
+              </a:ext>
+            </a:extLst>
+          </p:cNvPr>
+          <p:cNvCxnSpPr>
+            <a:cxnSpLocks/>
+            <a:stCxn id="1060" idx="2"/>
+          </p:cNvCxnSpPr>
+          <p:nvPr/>
+        </p:nvCxnSpPr>
+        <p:spPr>
+          <a:xfrm>
+            <a:off x="5933962" y="3937843"/>
+            <a:ext cx="2246870" cy="725487"/>
+          </a:xfrm>
+          <a:prstGeom prst="straightConnector1">
+            <a:avLst/>
+          </a:prstGeom>
+          <a:ln w="19050">
+            <a:solidFill>
+              <a:srgbClr val="00B050"/>
+            </a:solidFill>
+            <a:prstDash val="solid"/>
+            <a:tailEnd type="triangle"/>
+          </a:ln>
+        </p:spPr>
+        <p:style>
+          <a:lnRef idx="1">
+            <a:schemeClr val="accent1"/>
+          </a:lnRef>
+          <a:fillRef idx="0">
+            <a:schemeClr val="accent1"/>
+          </a:fillRef>
+          <a:effectRef idx="0">
+            <a:schemeClr val="accent1"/>
+          </a:effectRef>
+          <a:fontRef idx="minor">
+            <a:schemeClr val="tx1"/>
+          </a:fontRef>
+        </p:style>
+      </p:cxnSp>
+      <p:cxnSp>
+        <p:nvCxnSpPr>
+          <p:cNvPr id="208" name="Straight Arrow Connector 207">
+            <a:extLst>
+              <a:ext uri="{FF2B5EF4-FFF2-40B4-BE49-F238E27FC236}">
+                <a16:creationId xmlns:a16="http://schemas.microsoft.com/office/drawing/2014/main" id="{B0A4F280-618D-4269-B6B6-31CEED12FF94}"/>
+              </a:ext>
+            </a:extLst>
+          </p:cNvPr>
+          <p:cNvCxnSpPr>
+            <a:cxnSpLocks/>
+          </p:cNvCxnSpPr>
+          <p:nvPr/>
+        </p:nvCxnSpPr>
+        <p:spPr>
+          <a:xfrm>
+            <a:off x="6144768" y="3755136"/>
+            <a:ext cx="2706624" cy="908194"/>
+          </a:xfrm>
+          <a:prstGeom prst="straightConnector1">
+            <a:avLst/>
+          </a:prstGeom>
+          <a:ln w="19050">
+            <a:solidFill>
+              <a:srgbClr val="00B050"/>
+            </a:solidFill>
+            <a:prstDash val="sysDash"/>
+            <a:tailEnd type="triangle"/>
+          </a:ln>
+        </p:spPr>
+        <p:style>
+          <a:lnRef idx="1">
+            <a:schemeClr val="accent1"/>
+          </a:lnRef>
+          <a:fillRef idx="0">
+            <a:schemeClr val="accent1"/>
+          </a:fillRef>
+          <a:effectRef idx="0">
+            <a:schemeClr val="accent1"/>
+          </a:effectRef>
+          <a:fontRef idx="minor">
+            <a:schemeClr val="tx1"/>
+          </a:fontRef>
+        </p:style>
+      </p:cxnSp>
+      <p:sp>
+        <p:nvSpPr>
+          <p:cNvPr id="140" name="Oval 139">
+            <a:extLst>
+              <a:ext uri="{FF2B5EF4-FFF2-40B4-BE49-F238E27FC236}">
+                <a16:creationId xmlns:a16="http://schemas.microsoft.com/office/drawing/2014/main" id="{9584A2D2-3C0D-404B-837A-64280C8BBAF5}"/>
+              </a:ext>
+            </a:extLst>
+          </p:cNvPr>
+          <p:cNvSpPr/>
+          <p:nvPr/>
+        </p:nvSpPr>
+        <p:spPr>
+          <a:xfrm>
+            <a:off x="8317428" y="4036662"/>
+            <a:ext cx="36000" cy="36000"/>
+          </a:xfrm>
+          <a:prstGeom prst="ellipse">
+            <a:avLst/>
+          </a:prstGeom>
+          <a:solidFill>
+            <a:srgbClr val="FF0000"/>
+          </a:solidFill>
+          <a:ln>
+            <a:noFill/>
+          </a:ln>
+        </p:spPr>
+        <p:style>
+          <a:lnRef idx="2">
+            <a:schemeClr val="accent6">
+              <a:shade val="50000"/>
+            </a:schemeClr>
+          </a:lnRef>
+          <a:fillRef idx="1">
+            <a:schemeClr val="accent6"/>
+          </a:fillRef>
+          <a:effectRef idx="0">
+            <a:schemeClr val="accent6"/>
+          </a:effectRef>
+          <a:fontRef idx="minor">
+            <a:schemeClr val="lt1"/>
+          </a:fontRef>
+        </p:style>
+        <p:txBody>
+          <a:bodyPr rtlCol="0" anchor="ctr"/>
+          <a:lstStyle/>
+          <a:p>
+            <a:pPr algn="ctr"/>
+            <a:endParaRPr lang="th-TH"/>
+          </a:p>
+        </p:txBody>
+      </p:sp>
+      <p:sp>
+        <p:nvSpPr>
+          <p:cNvPr id="213" name="Oval 212">
+            <a:extLst>
+              <a:ext uri="{FF2B5EF4-FFF2-40B4-BE49-F238E27FC236}">
+                <a16:creationId xmlns:a16="http://schemas.microsoft.com/office/drawing/2014/main" id="{B259FFE2-0301-4FE3-BF71-435C6A1F670E}"/>
+              </a:ext>
+            </a:extLst>
+          </p:cNvPr>
+          <p:cNvSpPr/>
+          <p:nvPr/>
+        </p:nvSpPr>
+        <p:spPr>
+          <a:xfrm>
+            <a:off x="8335428" y="3916988"/>
+            <a:ext cx="36000" cy="36000"/>
+          </a:xfrm>
+          <a:prstGeom prst="ellipse">
+            <a:avLst/>
+          </a:prstGeom>
+          <a:solidFill>
+            <a:srgbClr val="FF0000"/>
+          </a:solidFill>
+          <a:ln>
+            <a:noFill/>
+          </a:ln>
+        </p:spPr>
+        <p:style>
+          <a:lnRef idx="2">
+            <a:schemeClr val="accent6">
+              <a:shade val="50000"/>
+            </a:schemeClr>
+          </a:lnRef>
+          <a:fillRef idx="1">
+            <a:schemeClr val="accent6"/>
+          </a:fillRef>
+          <a:effectRef idx="0">
+            <a:schemeClr val="accent6"/>
+          </a:effectRef>
+          <a:fontRef idx="minor">
+            <a:schemeClr val="lt1"/>
+          </a:fontRef>
+        </p:style>
+        <p:txBody>
+          <a:bodyPr rtlCol="0" anchor="ctr"/>
+          <a:lstStyle/>
+          <a:p>
+            <a:pPr algn="ctr"/>
+            <a:endParaRPr lang="th-TH"/>
+          </a:p>
+        </p:txBody>
+      </p:sp>
+      <p:sp>
+        <p:nvSpPr>
+          <p:cNvPr id="214" name="Oval 213">
+            <a:extLst>
+              <a:ext uri="{FF2B5EF4-FFF2-40B4-BE49-F238E27FC236}">
+                <a16:creationId xmlns:a16="http://schemas.microsoft.com/office/drawing/2014/main" id="{C671AD95-274C-4C53-A0A3-40176C8CF3B4}"/>
+              </a:ext>
+            </a:extLst>
+          </p:cNvPr>
+          <p:cNvSpPr/>
+          <p:nvPr/>
+        </p:nvSpPr>
+        <p:spPr>
+          <a:xfrm>
+            <a:off x="8462112" y="3978255"/>
+            <a:ext cx="36000" cy="36000"/>
+          </a:xfrm>
+          <a:prstGeom prst="ellipse">
+            <a:avLst/>
+          </a:prstGeom>
+          <a:solidFill>
+            <a:srgbClr val="FF0000"/>
+          </a:solidFill>
+          <a:ln>
+            <a:noFill/>
+          </a:ln>
+        </p:spPr>
+        <p:style>
+          <a:lnRef idx="2">
+            <a:schemeClr val="accent6">
+              <a:shade val="50000"/>
+            </a:schemeClr>
+          </a:lnRef>
+          <a:fillRef idx="1">
+            <a:schemeClr val="accent6"/>
+          </a:fillRef>
+          <a:effectRef idx="0">
+            <a:schemeClr val="accent6"/>
+          </a:effectRef>
+          <a:fontRef idx="minor">
+            <a:schemeClr val="lt1"/>
+          </a:fontRef>
+        </p:style>
+        <p:txBody>
+          <a:bodyPr rtlCol="0" anchor="ctr"/>
+          <a:lstStyle/>
+          <a:p>
+            <a:pPr algn="ctr"/>
+            <a:endParaRPr lang="th-TH"/>
+          </a:p>
+        </p:txBody>
+      </p:sp>
+      <p:sp>
+        <p:nvSpPr>
+          <p:cNvPr id="221" name="Oval 220">
+            <a:extLst>
+              <a:ext uri="{FF2B5EF4-FFF2-40B4-BE49-F238E27FC236}">
+                <a16:creationId xmlns:a16="http://schemas.microsoft.com/office/drawing/2014/main" id="{29A8D8D1-7BD7-4E76-B345-65B7635B2B4A}"/>
+              </a:ext>
+            </a:extLst>
+          </p:cNvPr>
+          <p:cNvSpPr/>
+          <p:nvPr/>
+        </p:nvSpPr>
+        <p:spPr>
+          <a:xfrm>
+            <a:off x="8182695" y="3978255"/>
+            <a:ext cx="36000" cy="36000"/>
+          </a:xfrm>
+          <a:prstGeom prst="ellipse">
+            <a:avLst/>
+          </a:prstGeom>
+          <a:solidFill>
+            <a:srgbClr val="FF0000"/>
+          </a:solidFill>
+          <a:ln>
+            <a:noFill/>
+          </a:ln>
+        </p:spPr>
+        <p:style>
+          <a:lnRef idx="2">
+            <a:schemeClr val="accent6">
+              <a:shade val="50000"/>
+            </a:schemeClr>
+          </a:lnRef>
+          <a:fillRef idx="1">
+            <a:schemeClr val="accent6"/>
+          </a:fillRef>
+          <a:effectRef idx="0">
+            <a:schemeClr val="accent6"/>
+          </a:effectRef>
+          <a:fontRef idx="minor">
+            <a:schemeClr val="lt1"/>
+          </a:fontRef>
+        </p:style>
+        <p:txBody>
+          <a:bodyPr rtlCol="0" anchor="ctr"/>
+          <a:lstStyle/>
+          <a:p>
+            <a:pPr algn="ctr"/>
+            <a:endParaRPr lang="th-TH"/>
+          </a:p>
+        </p:txBody>
+      </p:sp>
+      <p:sp>
+        <p:nvSpPr>
+          <p:cNvPr id="222" name="Oval 221">
+            <a:extLst>
+              <a:ext uri="{FF2B5EF4-FFF2-40B4-BE49-F238E27FC236}">
+                <a16:creationId xmlns:a16="http://schemas.microsoft.com/office/drawing/2014/main" id="{171B3C57-10E0-46C2-A044-EE9C7F1CA0EE}"/>
+              </a:ext>
+            </a:extLst>
+          </p:cNvPr>
+          <p:cNvSpPr/>
+          <p:nvPr/>
+        </p:nvSpPr>
+        <p:spPr>
+          <a:xfrm>
+            <a:off x="8801092" y="4566450"/>
+            <a:ext cx="36000" cy="36000"/>
+          </a:xfrm>
+          <a:prstGeom prst="ellipse">
+            <a:avLst/>
+          </a:prstGeom>
+          <a:solidFill>
+            <a:srgbClr val="FF0000"/>
+          </a:solidFill>
+          <a:ln>
+            <a:noFill/>
+          </a:ln>
+        </p:spPr>
+        <p:style>
+          <a:lnRef idx="2">
+            <a:schemeClr val="accent6">
+              <a:shade val="50000"/>
+            </a:schemeClr>
+          </a:lnRef>
+          <a:fillRef idx="1">
+            <a:schemeClr val="accent6"/>
+          </a:fillRef>
+          <a:effectRef idx="0">
+            <a:schemeClr val="accent6"/>
+          </a:effectRef>
+          <a:fontRef idx="minor">
+            <a:schemeClr val="lt1"/>
+          </a:fontRef>
+        </p:style>
+        <p:txBody>
+          <a:bodyPr rtlCol="0" anchor="ctr"/>
+          <a:lstStyle/>
+          <a:p>
+            <a:pPr algn="ctr"/>
+            <a:endParaRPr lang="th-TH"/>
+          </a:p>
+        </p:txBody>
+      </p:sp>
+      <p:sp>
+        <p:nvSpPr>
+          <p:cNvPr id="223" name="Oval 222">
+            <a:extLst>
+              <a:ext uri="{FF2B5EF4-FFF2-40B4-BE49-F238E27FC236}">
+                <a16:creationId xmlns:a16="http://schemas.microsoft.com/office/drawing/2014/main" id="{7969EEB8-25CC-4EF6-A995-E6B83B99033A}"/>
+              </a:ext>
+            </a:extLst>
+          </p:cNvPr>
+          <p:cNvSpPr/>
+          <p:nvPr/>
+        </p:nvSpPr>
+        <p:spPr>
+          <a:xfrm>
+            <a:off x="8801092" y="4697966"/>
+            <a:ext cx="36000" cy="36000"/>
+          </a:xfrm>
+          <a:prstGeom prst="ellipse">
+            <a:avLst/>
+          </a:prstGeom>
+          <a:solidFill>
+            <a:srgbClr val="FF0000"/>
+          </a:solidFill>
+          <a:ln>
+            <a:noFill/>
+          </a:ln>
+        </p:spPr>
+        <p:style>
+          <a:lnRef idx="2">
+            <a:schemeClr val="accent6">
+              <a:shade val="50000"/>
+            </a:schemeClr>
+          </a:lnRef>
+          <a:fillRef idx="1">
+            <a:schemeClr val="accent6"/>
+          </a:fillRef>
+          <a:effectRef idx="0">
+            <a:schemeClr val="accent6"/>
+          </a:effectRef>
+          <a:fontRef idx="minor">
+            <a:schemeClr val="lt1"/>
+          </a:fontRef>
+        </p:style>
+        <p:txBody>
+          <a:bodyPr rtlCol="0" anchor="ctr"/>
+          <a:lstStyle/>
+          <a:p>
+            <a:pPr algn="ctr"/>
+            <a:endParaRPr lang="th-TH"/>
+          </a:p>
+        </p:txBody>
+      </p:sp>
+      <p:sp>
+        <p:nvSpPr>
+          <p:cNvPr id="224" name="Oval 223">
+            <a:extLst>
+              <a:ext uri="{FF2B5EF4-FFF2-40B4-BE49-F238E27FC236}">
+                <a16:creationId xmlns:a16="http://schemas.microsoft.com/office/drawing/2014/main" id="{F18C6EA0-AD58-494B-BBED-28790C969832}"/>
+              </a:ext>
+            </a:extLst>
+          </p:cNvPr>
+          <p:cNvSpPr/>
+          <p:nvPr/>
+        </p:nvSpPr>
+        <p:spPr>
+          <a:xfrm>
+            <a:off x="8952682" y="4627330"/>
+            <a:ext cx="36000" cy="36000"/>
+          </a:xfrm>
+          <a:prstGeom prst="ellipse">
+            <a:avLst/>
+          </a:prstGeom>
+          <a:solidFill>
+            <a:srgbClr val="FF0000"/>
+          </a:solidFill>
+          <a:ln>
+            <a:noFill/>
+          </a:ln>
+        </p:spPr>
+        <p:style>
+          <a:lnRef idx="2">
+            <a:schemeClr val="accent6">
+              <a:shade val="50000"/>
+            </a:schemeClr>
+          </a:lnRef>
+          <a:fillRef idx="1">
+            <a:schemeClr val="accent6"/>
+          </a:fillRef>
+          <a:effectRef idx="0">
+            <a:schemeClr val="accent6"/>
+          </a:effectRef>
+          <a:fontRef idx="minor">
+            <a:schemeClr val="lt1"/>
+          </a:fontRef>
+        </p:style>
+        <p:txBody>
+          <a:bodyPr rtlCol="0" anchor="ctr"/>
+          <a:lstStyle/>
+          <a:p>
+            <a:pPr algn="ctr"/>
+            <a:endParaRPr lang="th-TH"/>
+          </a:p>
+        </p:txBody>
+      </p:sp>
+      <p:sp>
+        <p:nvSpPr>
+          <p:cNvPr id="225" name="Oval 224">
+            <a:extLst>
+              <a:ext uri="{FF2B5EF4-FFF2-40B4-BE49-F238E27FC236}">
+                <a16:creationId xmlns:a16="http://schemas.microsoft.com/office/drawing/2014/main" id="{B37E338E-7244-4171-A84C-7BF31F5954FB}"/>
+              </a:ext>
+            </a:extLst>
+          </p:cNvPr>
+          <p:cNvSpPr/>
+          <p:nvPr/>
+        </p:nvSpPr>
+        <p:spPr>
+          <a:xfrm>
+            <a:off x="8642167" y="4627330"/>
+            <a:ext cx="36000" cy="36000"/>
+          </a:xfrm>
+          <a:prstGeom prst="ellipse">
+            <a:avLst/>
+          </a:prstGeom>
+          <a:solidFill>
+            <a:srgbClr val="FF0000"/>
+          </a:solidFill>
+          <a:ln>
+            <a:noFill/>
+          </a:ln>
+        </p:spPr>
+        <p:style>
+          <a:lnRef idx="2">
+            <a:schemeClr val="accent6">
+              <a:shade val="50000"/>
+            </a:schemeClr>
+          </a:lnRef>
+          <a:fillRef idx="1">
+            <a:schemeClr val="accent6"/>
+          </a:fillRef>
+          <a:effectRef idx="0">
+            <a:schemeClr val="accent6"/>
+          </a:effectRef>
+          <a:fontRef idx="minor">
+            <a:schemeClr val="lt1"/>
+          </a:fontRef>
+        </p:style>
+        <p:txBody>
+          <a:bodyPr rtlCol="0" anchor="ctr"/>
+          <a:lstStyle/>
+          <a:p>
+            <a:pPr algn="ctr"/>
+            <a:endParaRPr lang="th-TH"/>
+          </a:p>
+        </p:txBody>
+      </p:sp>
+      <p:sp>
+        <p:nvSpPr>
+          <p:cNvPr id="226" name="Oval 225">
+            <a:extLst>
+              <a:ext uri="{FF2B5EF4-FFF2-40B4-BE49-F238E27FC236}">
+                <a16:creationId xmlns:a16="http://schemas.microsoft.com/office/drawing/2014/main" id="{049E78AF-0448-4D1D-BA0D-BE4D90FC661B}"/>
+              </a:ext>
+            </a:extLst>
+          </p:cNvPr>
+          <p:cNvSpPr/>
+          <p:nvPr/>
+        </p:nvSpPr>
+        <p:spPr>
+          <a:xfrm>
+            <a:off x="8147263" y="4700811"/>
+            <a:ext cx="36000" cy="36000"/>
+          </a:xfrm>
+          <a:prstGeom prst="ellipse">
+            <a:avLst/>
+          </a:prstGeom>
+          <a:solidFill>
+            <a:srgbClr val="FF0000"/>
+          </a:solidFill>
+          <a:ln>
+            <a:noFill/>
+          </a:ln>
+        </p:spPr>
+        <p:style>
+          <a:lnRef idx="2">
+            <a:schemeClr val="accent6">
+              <a:shade val="50000"/>
+            </a:schemeClr>
+          </a:lnRef>
+          <a:fillRef idx="1">
+            <a:schemeClr val="accent6"/>
+          </a:fillRef>
+          <a:effectRef idx="0">
+            <a:schemeClr val="accent6"/>
+          </a:effectRef>
+          <a:fontRef idx="minor">
+            <a:schemeClr val="lt1"/>
+          </a:fontRef>
+        </p:style>
+        <p:txBody>
+          <a:bodyPr rtlCol="0" anchor="ctr"/>
+          <a:lstStyle/>
+          <a:p>
+            <a:pPr algn="ctr"/>
+            <a:endParaRPr lang="th-TH"/>
+          </a:p>
+        </p:txBody>
+      </p:sp>
+      <p:sp>
+        <p:nvSpPr>
+          <p:cNvPr id="227" name="Oval 226">
+            <a:extLst>
+              <a:ext uri="{FF2B5EF4-FFF2-40B4-BE49-F238E27FC236}">
+                <a16:creationId xmlns:a16="http://schemas.microsoft.com/office/drawing/2014/main" id="{AC4BCA31-A6B0-41FA-AF66-0E1AAC888778}"/>
+              </a:ext>
+            </a:extLst>
+          </p:cNvPr>
+          <p:cNvSpPr/>
+          <p:nvPr/>
+        </p:nvSpPr>
+        <p:spPr>
+          <a:xfrm>
+            <a:off x="8147170" y="4556221"/>
+            <a:ext cx="36000" cy="36000"/>
+          </a:xfrm>
+          <a:prstGeom prst="ellipse">
+            <a:avLst/>
+          </a:prstGeom>
+          <a:solidFill>
+            <a:srgbClr val="FF0000"/>
+          </a:solidFill>
+          <a:ln>
+            <a:noFill/>
+          </a:ln>
+        </p:spPr>
+        <p:style>
+          <a:lnRef idx="2">
+            <a:schemeClr val="accent6">
+              <a:shade val="50000"/>
+            </a:schemeClr>
+          </a:lnRef>
+          <a:fillRef idx="1">
+            <a:schemeClr val="accent6"/>
+          </a:fillRef>
+          <a:effectRef idx="0">
+            <a:schemeClr val="accent6"/>
+          </a:effectRef>
+          <a:fontRef idx="minor">
+            <a:schemeClr val="lt1"/>
+          </a:fontRef>
+        </p:style>
+        <p:txBody>
+          <a:bodyPr rtlCol="0" anchor="ctr"/>
+          <a:lstStyle/>
+          <a:p>
+            <a:pPr algn="ctr"/>
+            <a:endParaRPr lang="th-TH"/>
+          </a:p>
+        </p:txBody>
+      </p:sp>
+      <p:sp>
+        <p:nvSpPr>
+          <p:cNvPr id="228" name="Oval 227">
+            <a:extLst>
+              <a:ext uri="{FF2B5EF4-FFF2-40B4-BE49-F238E27FC236}">
+                <a16:creationId xmlns:a16="http://schemas.microsoft.com/office/drawing/2014/main" id="{399C950F-E366-4343-B241-551CD74BCA02}"/>
+              </a:ext>
+            </a:extLst>
+          </p:cNvPr>
+          <p:cNvSpPr/>
+          <p:nvPr/>
+        </p:nvSpPr>
+        <p:spPr>
+          <a:xfrm>
+            <a:off x="8314457" y="4639406"/>
+            <a:ext cx="36000" cy="36000"/>
+          </a:xfrm>
+          <a:prstGeom prst="ellipse">
+            <a:avLst/>
+          </a:prstGeom>
+          <a:solidFill>
+            <a:srgbClr val="FF0000"/>
+          </a:solidFill>
+          <a:ln>
+            <a:noFill/>
+          </a:ln>
+        </p:spPr>
+        <p:style>
+          <a:lnRef idx="2">
+            <a:schemeClr val="accent6">
+              <a:shade val="50000"/>
+            </a:schemeClr>
+          </a:lnRef>
+          <a:fillRef idx="1">
+            <a:schemeClr val="accent6"/>
+          </a:fillRef>
+          <a:effectRef idx="0">
+            <a:schemeClr val="accent6"/>
+          </a:effectRef>
+          <a:fontRef idx="minor">
+            <a:schemeClr val="lt1"/>
+          </a:fontRef>
+        </p:style>
+        <p:txBody>
+          <a:bodyPr rtlCol="0" anchor="ctr"/>
+          <a:lstStyle/>
+          <a:p>
+            <a:pPr algn="ctr"/>
+            <a:endParaRPr lang="th-TH"/>
+          </a:p>
+        </p:txBody>
+      </p:sp>
+      <p:sp>
+        <p:nvSpPr>
+          <p:cNvPr id="229" name="Oval 228">
+            <a:extLst>
+              <a:ext uri="{FF2B5EF4-FFF2-40B4-BE49-F238E27FC236}">
+                <a16:creationId xmlns:a16="http://schemas.microsoft.com/office/drawing/2014/main" id="{1998548E-F895-4C02-9A11-B8D6870EEB43}"/>
+              </a:ext>
+            </a:extLst>
+          </p:cNvPr>
+          <p:cNvSpPr/>
+          <p:nvPr/>
+        </p:nvSpPr>
+        <p:spPr>
+          <a:xfrm>
+            <a:off x="7989015" y="4637812"/>
+            <a:ext cx="36000" cy="36000"/>
+          </a:xfrm>
+          <a:prstGeom prst="ellipse">
+            <a:avLst/>
+          </a:prstGeom>
+          <a:solidFill>
+            <a:srgbClr val="FF0000"/>
+          </a:solidFill>
+          <a:ln>
+            <a:noFill/>
+          </a:ln>
+        </p:spPr>
+        <p:style>
+          <a:lnRef idx="2">
+            <a:schemeClr val="accent6">
+              <a:shade val="50000"/>
+            </a:schemeClr>
+          </a:lnRef>
+          <a:fillRef idx="1">
+            <a:schemeClr val="accent6"/>
+          </a:fillRef>
+          <a:effectRef idx="0">
+            <a:schemeClr val="accent6"/>
+          </a:effectRef>
+          <a:fontRef idx="minor">
+            <a:schemeClr val="lt1"/>
+          </a:fontRef>
+        </p:style>
+        <p:txBody>
+          <a:bodyPr rtlCol="0" anchor="ctr"/>
+          <a:lstStyle/>
+          <a:p>
+            <a:pPr algn="ctr"/>
+            <a:endParaRPr lang="th-TH"/>
+          </a:p>
+        </p:txBody>
+      </p:sp>
+      <p:sp>
+        <p:nvSpPr>
+          <p:cNvPr id="102" name="Rectangle: Rounded Corners 101">
+            <a:extLst>
+              <a:ext uri="{FF2B5EF4-FFF2-40B4-BE49-F238E27FC236}">
+                <a16:creationId xmlns:a16="http://schemas.microsoft.com/office/drawing/2014/main" id="{BE565079-A8D9-47DC-BC74-FA2C118B7FAC}"/>
+              </a:ext>
+            </a:extLst>
+          </p:cNvPr>
+          <p:cNvSpPr/>
+          <p:nvPr/>
+        </p:nvSpPr>
+        <p:spPr>
+          <a:xfrm>
+            <a:off x="5138764" y="2732687"/>
+            <a:ext cx="1491164" cy="180000"/>
+          </a:xfrm>
+          <a:prstGeom prst="roundRect">
+            <a:avLst>
+              <a:gd name="adj" fmla="val 5317"/>
+            </a:avLst>
+          </a:prstGeom>
+          <a:noFill/>
+          <a:ln>
+            <a:noFill/>
+          </a:ln>
+        </p:spPr>
+        <p:style>
+          <a:lnRef idx="2">
+            <a:schemeClr val="accent1">
+              <a:shade val="50000"/>
+            </a:schemeClr>
+          </a:lnRef>
+          <a:fillRef idx="1">
+            <a:schemeClr val="accent1"/>
+          </a:fillRef>
+          <a:effectRef idx="0">
+            <a:schemeClr val="accent1"/>
+          </a:effectRef>
+          <a:fontRef idx="minor">
+            <a:schemeClr val="lt1"/>
+          </a:fontRef>
+        </p:style>
+        <p:txBody>
+          <a:bodyPr rtlCol="0" anchor="ctr"/>
+          <a:lstStyle/>
+          <a:p>
+            <a:pPr algn="ctr"/>
+            <a:r>
+              <a:rPr lang="en-US" sz="1100" b="1" dirty="0">
+                <a:solidFill>
+                  <a:schemeClr val="bg1"/>
+                </a:solidFill>
+                <a:latin typeface="Tahoma" panose="020B0604030504040204" pitchFamily="34" charset="0"/>
+                <a:ea typeface="Tahoma" panose="020B0604030504040204" pitchFamily="34" charset="0"/>
+                <a:cs typeface="Tahoma" panose="020B0604030504040204" pitchFamily="34" charset="0"/>
+              </a:rPr>
+              <a:t>Update</a:t>
+            </a:r>
+            <a:r>
+              <a:rPr lang="en-US" sz="1100" b="1" i="0" dirty="0">
+                <a:solidFill>
+                  <a:schemeClr val="bg1"/>
+                </a:solidFill>
+                <a:effectLst/>
+                <a:latin typeface="Tahoma" panose="020B0604030504040204" pitchFamily="34" charset="0"/>
+                <a:ea typeface="Tahoma" panose="020B0604030504040204" pitchFamily="34" charset="0"/>
+                <a:cs typeface="Tahoma" panose="020B0604030504040204" pitchFamily="34" charset="0"/>
+              </a:rPr>
+              <a:t> model</a:t>
+            </a:r>
+            <a:endParaRPr lang="th-TH" sz="1600" b="1" dirty="0">
+              <a:solidFill>
+                <a:schemeClr val="bg1"/>
+              </a:solidFill>
+              <a:latin typeface="Tahoma" panose="020B0604030504040204" pitchFamily="34" charset="0"/>
+              <a:ea typeface="Tahoma" panose="020B0604030504040204" pitchFamily="34" charset="0"/>
+              <a:cs typeface="Tahoma" panose="020B0604030504040204" pitchFamily="34" charset="0"/>
+            </a:endParaRPr>
+          </a:p>
+        </p:txBody>
+      </p:sp>
+      <p:sp>
+        <p:nvSpPr>
+          <p:cNvPr id="103" name="Rectangle: Rounded Corners 102">
+            <a:extLst>
+              <a:ext uri="{FF2B5EF4-FFF2-40B4-BE49-F238E27FC236}">
+                <a16:creationId xmlns:a16="http://schemas.microsoft.com/office/drawing/2014/main" id="{B2E5DF98-E92E-42EB-9B37-2C5D0CE243EA}"/>
+              </a:ext>
+            </a:extLst>
+          </p:cNvPr>
+          <p:cNvSpPr/>
+          <p:nvPr/>
+        </p:nvSpPr>
+        <p:spPr>
+          <a:xfrm>
+            <a:off x="265911" y="234470"/>
+            <a:ext cx="2016000" cy="180000"/>
+          </a:xfrm>
+          <a:prstGeom prst="roundRect">
+            <a:avLst>
+              <a:gd name="adj" fmla="val 5317"/>
+            </a:avLst>
+          </a:prstGeom>
+          <a:noFill/>
+          <a:ln>
+            <a:noFill/>
+          </a:ln>
+        </p:spPr>
+        <p:style>
+          <a:lnRef idx="2">
+            <a:schemeClr val="accent1">
+              <a:shade val="50000"/>
+            </a:schemeClr>
+          </a:lnRef>
+          <a:fillRef idx="1">
+            <a:schemeClr val="accent1"/>
+          </a:fillRef>
+          <a:effectRef idx="0">
+            <a:schemeClr val="accent1"/>
+          </a:effectRef>
+          <a:fontRef idx="minor">
+            <a:schemeClr val="lt1"/>
+          </a:fontRef>
+        </p:style>
+        <p:txBody>
+          <a:bodyPr rtlCol="0" anchor="ctr"/>
+          <a:lstStyle/>
+          <a:p>
+            <a:pPr algn="ctr"/>
+            <a:r>
+              <a:rPr lang="en-US" sz="1200" b="1" dirty="0">
+                <a:solidFill>
+                  <a:srgbClr val="00B050"/>
+                </a:solidFill>
+                <a:latin typeface="Tahoma" panose="020B0604030504040204" pitchFamily="34" charset="0"/>
+                <a:ea typeface="Tahoma" panose="020B0604030504040204" pitchFamily="34" charset="0"/>
+                <a:cs typeface="Tahoma" panose="020B0604030504040204" pitchFamily="34" charset="0"/>
+              </a:rPr>
+              <a:t>Model’s Features/Input </a:t>
+            </a:r>
+            <a:endParaRPr lang="th-TH" sz="1200" b="1" dirty="0">
+              <a:solidFill>
+                <a:srgbClr val="00B050"/>
+              </a:solidFill>
+              <a:latin typeface="Tahoma" panose="020B0604030504040204" pitchFamily="34" charset="0"/>
+              <a:ea typeface="Tahoma" panose="020B0604030504040204" pitchFamily="34" charset="0"/>
+              <a:cs typeface="Tahoma" panose="020B0604030504040204" pitchFamily="34" charset="0"/>
+            </a:endParaRPr>
+          </a:p>
+        </p:txBody>
+      </p:sp>
+    </p:spTree>
+    <p:extLst>
+      <p:ext uri="{BB962C8B-B14F-4D97-AF65-F5344CB8AC3E}">
+        <p14:creationId xmlns:p14="http://schemas.microsoft.com/office/powerpoint/2010/main" val="2200464447"/>
+      </p:ext>
+    </p:extLst>
+  </p:cSld>
+  <p:clrMapOvr>
+    <a:masterClrMapping/>
+  </p:clrMapOvr>
+</p:sld>
+</file>
+
+<file path=ppt/slides/slide20.xml><?xml version="1.0" encoding="utf-8"?>
 <p:sld xmlns:a="http://schemas.openxmlformats.org/drawingml/2006/main" xmlns:r="http://schemas.openxmlformats.org/officeDocument/2006/relationships" xmlns:p="http://schemas.openxmlformats.org/presentationml/2006/main" show="0">
   <p:cSld>
     <p:spTree>
@@ -17858,7 +23968,7 @@
 </p:sld>
 </file>
 
-<file path=ppt/slides/slide2.xml><?xml version="1.0" encoding="utf-8"?>
+<file path=ppt/slides/slide3.xml><?xml version="1.0" encoding="utf-8"?>
 <p:sld xmlns:a="http://schemas.openxmlformats.org/drawingml/2006/main" xmlns:r="http://schemas.openxmlformats.org/officeDocument/2006/relationships" xmlns:p="http://schemas.openxmlformats.org/presentationml/2006/main">
   <p:cSld>
     <p:bg>
@@ -17885,10 +23995,10 @@
       </p:grpSpPr>
       <p:sp>
         <p:nvSpPr>
-          <p:cNvPr id="9" name="TextBox 8">
+          <p:cNvPr id="4" name="TextBox 3">
             <a:extLst>
               <a:ext uri="{FF2B5EF4-FFF2-40B4-BE49-F238E27FC236}">
-                <a16:creationId xmlns:a16="http://schemas.microsoft.com/office/drawing/2014/main" id="{55511D75-7AB8-49A1-9581-BADF2F554C51}"/>
+                <a16:creationId xmlns:a16="http://schemas.microsoft.com/office/drawing/2014/main" id="{18916E30-8904-4072-826C-5EB8388DA6DB}"/>
               </a:ext>
             </a:extLst>
           </p:cNvPr>
@@ -17897,8 +24007,8 @@
         </p:nvSpPr>
         <p:spPr>
           <a:xfrm>
-            <a:off x="9880149" y="0"/>
-            <a:ext cx="2311851" cy="400110"/>
+            <a:off x="9684582" y="0"/>
+            <a:ext cx="2507418" cy="400110"/>
           </a:xfrm>
           <a:prstGeom prst="rect">
             <a:avLst/>
@@ -17920,7 +24030,7 @@
                 <a:ea typeface="Tahoma" panose="020B0604030504040204" pitchFamily="34" charset="0"/>
                 <a:cs typeface="Tahoma" panose="020B0604030504040204" pitchFamily="34" charset="0"/>
               </a:rPr>
-              <a:t>Training Process</a:t>
+              <a:t>Real-time Process</a:t>
             </a:r>
             <a:endParaRPr lang="th-TH" sz="2000" b="1" dirty="0">
               <a:solidFill>
@@ -17935,10 +24045,10 @@
       </p:sp>
       <p:grpSp>
         <p:nvGrpSpPr>
-          <p:cNvPr id="11" name="Group 10">
+          <p:cNvPr id="107" name="Group 106">
             <a:extLst>
               <a:ext uri="{FF2B5EF4-FFF2-40B4-BE49-F238E27FC236}">
-                <a16:creationId xmlns:a16="http://schemas.microsoft.com/office/drawing/2014/main" id="{4FC83E9F-8A49-4429-8B0C-23D254F5FA26}"/>
+                <a16:creationId xmlns:a16="http://schemas.microsoft.com/office/drawing/2014/main" id="{54D6B7C5-B646-4AF0-8422-5524A0EEC818}"/>
               </a:ext>
             </a:extLst>
           </p:cNvPr>
@@ -17947,10 +24057,10 @@
         </p:nvGrpSpPr>
         <p:grpSpPr>
           <a:xfrm>
-            <a:off x="505125" y="532016"/>
-            <a:ext cx="2705355" cy="1272410"/>
-            <a:chOff x="451176" y="466168"/>
-            <a:chExt cx="2705355" cy="1272410"/>
+            <a:off x="550416" y="532016"/>
+            <a:ext cx="2614469" cy="1257880"/>
+            <a:chOff x="505125" y="532016"/>
+            <a:chExt cx="2614469" cy="1257880"/>
           </a:xfrm>
         </p:grpSpPr>
         <p:sp>
@@ -17958,7 +24068,7 @@
             <p:cNvPr id="6" name="Rectangle: Rounded Corners 5">
               <a:extLst>
                 <a:ext uri="{FF2B5EF4-FFF2-40B4-BE49-F238E27FC236}">
-                  <a16:creationId xmlns:a16="http://schemas.microsoft.com/office/drawing/2014/main" id="{989B29E2-5DAF-4D3B-969C-940ABBB87A9F}"/>
+                  <a16:creationId xmlns:a16="http://schemas.microsoft.com/office/drawing/2014/main" id="{6258638C-63DF-419C-B756-09A13B5413A4}"/>
                 </a:ext>
               </a:extLst>
             </p:cNvPr>
@@ -17967,7 +24077,7 @@
           </p:nvSpPr>
           <p:spPr>
             <a:xfrm>
-              <a:off x="1292241" y="466168"/>
+              <a:off x="1346190" y="532016"/>
               <a:ext cx="972000" cy="180000"/>
             </a:xfrm>
             <a:prstGeom prst="roundRect">
@@ -18025,10 +24135,10 @@
         </p:sp>
         <p:pic>
           <p:nvPicPr>
-            <p:cNvPr id="1028" name="Picture 4" descr="Top 10 Tips for Using PowerShell ISE | Rana Omer Hussain's RegEdit">
+            <p:cNvPr id="7" name="Picture 4" descr="Top 10 Tips for Using PowerShell ISE | Rana Omer Hussain's RegEdit">
               <a:extLst>
                 <a:ext uri="{FF2B5EF4-FFF2-40B4-BE49-F238E27FC236}">
-                  <a16:creationId xmlns:a16="http://schemas.microsoft.com/office/drawing/2014/main" id="{CFC2D5C4-4929-473E-AFCE-0F0D110DF8E4}"/>
+                  <a16:creationId xmlns:a16="http://schemas.microsoft.com/office/drawing/2014/main" id="{C16297C0-9BEB-4F15-BF37-722379A7ABFF}"/>
                 </a:ext>
               </a:extLst>
             </p:cNvPr>
@@ -18038,7 +24148,7 @@
             <p:nvPr/>
           </p:nvPicPr>
           <p:blipFill>
-            <a:blip r:embed="rId3">
+            <a:blip r:embed="rId2">
               <a:extLst>
                 <a:ext uri="{28A0092B-C50C-407E-A947-70E740481C1C}">
                   <a14:useLocalDpi xmlns:a14="http://schemas.microsoft.com/office/drawing/2010/main" val="0"/>
@@ -18052,7 +24162,7 @@
           </p:blipFill>
           <p:spPr bwMode="auto">
             <a:xfrm>
-              <a:off x="1633319" y="725033"/>
+              <a:off x="1687268" y="790881"/>
               <a:ext cx="289849" cy="289849"/>
             </a:xfrm>
             <a:prstGeom prst="rect">
@@ -18072,10 +24182,10 @@
         </p:pic>
         <p:sp>
           <p:nvSpPr>
-            <p:cNvPr id="14" name="Rectangle 13">
+            <p:cNvPr id="8" name="Rectangle 7">
               <a:extLst>
                 <a:ext uri="{FF2B5EF4-FFF2-40B4-BE49-F238E27FC236}">
-                  <a16:creationId xmlns:a16="http://schemas.microsoft.com/office/drawing/2014/main" id="{BAF7E76E-5474-42FA-95B3-A00B42000919}"/>
+                  <a16:creationId xmlns:a16="http://schemas.microsoft.com/office/drawing/2014/main" id="{8580E10F-763B-4124-8D21-AFA9464F15FD}"/>
                 </a:ext>
               </a:extLst>
             </p:cNvPr>
@@ -18084,8 +24194,8 @@
           </p:nvSpPr>
           <p:spPr>
             <a:xfrm>
-              <a:off x="1220243" y="1050882"/>
-              <a:ext cx="1116000" cy="108000"/>
+              <a:off x="1390858" y="1681896"/>
+              <a:ext cx="882663" cy="108000"/>
             </a:xfrm>
             <a:prstGeom prst="rect">
               <a:avLst/>
@@ -18117,17 +24227,18 @@
             <a:p>
               <a:pPr algn="ctr"/>
               <a:r>
-                <a:rPr lang="en-US" sz="800" b="1" dirty="0">
+                <a:rPr lang="en-US" sz="600" b="1" i="0" dirty="0">
                   <a:solidFill>
                     <a:schemeClr val="bg1"/>
                   </a:solidFill>
+                  <a:effectLst/>
                   <a:latin typeface="Tahoma" panose="020B0604030504040204" pitchFamily="34" charset="0"/>
                   <a:ea typeface="Tahoma" panose="020B0604030504040204" pitchFamily="34" charset="0"/>
                   <a:cs typeface="Tahoma" panose="020B0604030504040204" pitchFamily="34" charset="0"/>
                 </a:rPr>
-                <a:t>his_data_point.py</a:t>
+                <a:t>nearby_stations_get_data.py</a:t>
               </a:r>
-              <a:endParaRPr lang="th-TH" sz="800" b="1" dirty="0">
+              <a:endParaRPr lang="th-TH" sz="600" b="1" dirty="0">
                 <a:solidFill>
                   <a:schemeClr val="bg1"/>
                 </a:solidFill>
@@ -18140,10 +24251,10 @@
         </p:sp>
         <p:sp>
           <p:nvSpPr>
-            <p:cNvPr id="20" name="Rectangle: Rounded Corners 19">
+            <p:cNvPr id="9" name="Rectangle: Rounded Corners 8">
               <a:extLst>
                 <a:ext uri="{FF2B5EF4-FFF2-40B4-BE49-F238E27FC236}">
-                  <a16:creationId xmlns:a16="http://schemas.microsoft.com/office/drawing/2014/main" id="{60120681-B594-433E-BDED-8A2780C671F5}"/>
+                  <a16:creationId xmlns:a16="http://schemas.microsoft.com/office/drawing/2014/main" id="{51788940-9AC8-4E97-8998-C3E8F8A90731}"/>
                 </a:ext>
               </a:extLst>
             </p:cNvPr>
@@ -18152,7 +24263,7 @@
           </p:nvSpPr>
           <p:spPr>
             <a:xfrm>
-              <a:off x="2458852" y="797958"/>
+              <a:off x="2512801" y="863806"/>
               <a:ext cx="565653" cy="144000"/>
             </a:xfrm>
             <a:prstGeom prst="roundRect">
@@ -18210,23 +24321,23 @@
         </p:sp>
         <p:cxnSp>
           <p:nvCxnSpPr>
-            <p:cNvPr id="21" name="Straight Arrow Connector 20">
+            <p:cNvPr id="10" name="Straight Arrow Connector 9">
               <a:extLst>
                 <a:ext uri="{FF2B5EF4-FFF2-40B4-BE49-F238E27FC236}">
-                  <a16:creationId xmlns:a16="http://schemas.microsoft.com/office/drawing/2014/main" id="{6ADFFE60-01EB-4659-9DF6-022C4264093D}"/>
+                  <a16:creationId xmlns:a16="http://schemas.microsoft.com/office/drawing/2014/main" id="{640A4F62-767C-40B5-946D-B1F8EAF6BEA6}"/>
                 </a:ext>
               </a:extLst>
             </p:cNvPr>
             <p:cNvCxnSpPr>
               <a:cxnSpLocks/>
-              <a:stCxn id="1028" idx="3"/>
-              <a:endCxn id="20" idx="1"/>
+              <a:stCxn id="7" idx="3"/>
+              <a:endCxn id="9" idx="1"/>
             </p:cNvCxnSpPr>
             <p:nvPr/>
           </p:nvCxnSpPr>
           <p:spPr>
             <a:xfrm>
-              <a:off x="1923168" y="869958"/>
+              <a:off x="1977117" y="935806"/>
               <a:ext cx="540000" cy="0"/>
             </a:xfrm>
             <a:prstGeom prst="straightConnector1">
@@ -18256,10 +24367,10 @@
         </p:cxnSp>
         <p:sp>
           <p:nvSpPr>
-            <p:cNvPr id="27" name="TextBox 26">
+            <p:cNvPr id="11" name="TextBox 10">
               <a:extLst>
                 <a:ext uri="{FF2B5EF4-FFF2-40B4-BE49-F238E27FC236}">
-                  <a16:creationId xmlns:a16="http://schemas.microsoft.com/office/drawing/2014/main" id="{3479E95C-ED1F-49CA-A774-D7A8B353C79C}"/>
+                  <a16:creationId xmlns:a16="http://schemas.microsoft.com/office/drawing/2014/main" id="{7BACB564-434C-4766-A13F-C3017EC09332}"/>
                 </a:ext>
               </a:extLst>
             </p:cNvPr>
@@ -18268,7 +24379,7 @@
           </p:nvSpPr>
           <p:spPr>
             <a:xfrm>
-              <a:off x="2498903" y="913087"/>
+              <a:off x="2471660" y="961856"/>
               <a:ext cx="647934" cy="184666"/>
             </a:xfrm>
             <a:prstGeom prst="rect">
@@ -18312,10 +24423,10 @@
         </p:sp>
         <p:pic>
           <p:nvPicPr>
-            <p:cNvPr id="41" name="Picture 4" descr="Top 10 Tips for Using PowerShell ISE | Rana Omer Hussain's RegEdit">
+            <p:cNvPr id="12" name="Picture 4" descr="Top 10 Tips for Using PowerShell ISE | Rana Omer Hussain's RegEdit">
               <a:extLst>
                 <a:ext uri="{FF2B5EF4-FFF2-40B4-BE49-F238E27FC236}">
-                  <a16:creationId xmlns:a16="http://schemas.microsoft.com/office/drawing/2014/main" id="{09F1DEFA-A860-48AB-A128-6EEEFB49E95C}"/>
+                  <a16:creationId xmlns:a16="http://schemas.microsoft.com/office/drawing/2014/main" id="{2E9AA2B1-619E-4614-8FC0-E98A7CFD2876}"/>
                 </a:ext>
               </a:extLst>
             </p:cNvPr>
@@ -18325,7 +24436,7 @@
             <p:nvPr/>
           </p:nvPicPr>
           <p:blipFill>
-            <a:blip r:embed="rId3">
+            <a:blip r:embed="rId2">
               <a:extLst>
                 <a:ext uri="{28A0092B-C50C-407E-A947-70E740481C1C}">
                   <a14:useLocalDpi xmlns:a14="http://schemas.microsoft.com/office/drawing/2010/main" val="0"/>
@@ -18339,7 +24450,7 @@
           </p:blipFill>
           <p:spPr bwMode="auto">
             <a:xfrm>
-              <a:off x="1633319" y="1304730"/>
+              <a:off x="1687268" y="1370578"/>
               <a:ext cx="289849" cy="289849"/>
             </a:xfrm>
             <a:prstGeom prst="rect">
@@ -18359,10 +24470,10 @@
         </p:pic>
         <p:sp>
           <p:nvSpPr>
-            <p:cNvPr id="42" name="Rectangle 41">
+            <p:cNvPr id="13" name="Rectangle 12">
               <a:extLst>
                 <a:ext uri="{FF2B5EF4-FFF2-40B4-BE49-F238E27FC236}">
-                  <a16:creationId xmlns:a16="http://schemas.microsoft.com/office/drawing/2014/main" id="{7212C7F5-EA60-4FDC-A8C3-2A8932547C10}"/>
+                  <a16:creationId xmlns:a16="http://schemas.microsoft.com/office/drawing/2014/main" id="{33780B51-BF6A-42A6-8827-6814C432DB17}"/>
                 </a:ext>
               </a:extLst>
             </p:cNvPr>
@@ -18371,8 +24482,8 @@
           </p:nvSpPr>
           <p:spPr>
             <a:xfrm>
-              <a:off x="1170826" y="1630578"/>
-              <a:ext cx="1214833" cy="108000"/>
+              <a:off x="1565046" y="1085488"/>
+              <a:ext cx="563304" cy="187288"/>
             </a:xfrm>
             <a:prstGeom prst="rect">
               <a:avLst/>
@@ -18412,7 +24523,7 @@
                   <a:ea typeface="Tahoma" panose="020B0604030504040204" pitchFamily="34" charset="0"/>
                   <a:cs typeface="Tahoma" panose="020B0604030504040204" pitchFamily="34" charset="0"/>
                 </a:rPr>
-                <a:t>station_his_data.py</a:t>
+                <a:t>his_data_point.py</a:t>
               </a:r>
               <a:endParaRPr lang="th-TH" sz="600" b="1" dirty="0">
                 <a:solidFill>
@@ -18427,10 +24538,10 @@
         </p:sp>
         <p:sp>
           <p:nvSpPr>
-            <p:cNvPr id="43" name="Rectangle: Rounded Corners 42">
+            <p:cNvPr id="14" name="Rectangle: Rounded Corners 13">
               <a:extLst>
                 <a:ext uri="{FF2B5EF4-FFF2-40B4-BE49-F238E27FC236}">
-                  <a16:creationId xmlns:a16="http://schemas.microsoft.com/office/drawing/2014/main" id="{F546384B-FA19-4D8B-94F2-A7BCA2D339E3}"/>
+                  <a16:creationId xmlns:a16="http://schemas.microsoft.com/office/drawing/2014/main" id="{6D5E4A9C-0EDD-4CBE-BD62-DA416A9244FB}"/>
                 </a:ext>
               </a:extLst>
             </p:cNvPr>
@@ -18439,7 +24550,7 @@
           </p:nvSpPr>
           <p:spPr>
             <a:xfrm>
-              <a:off x="2458852" y="1377655"/>
+              <a:off x="2512801" y="1443503"/>
               <a:ext cx="565653" cy="144000"/>
             </a:xfrm>
             <a:prstGeom prst="roundRect">
@@ -18497,10 +24608,10 @@
         </p:sp>
         <p:cxnSp>
           <p:nvCxnSpPr>
-            <p:cNvPr id="44" name="Straight Arrow Connector 43">
+            <p:cNvPr id="15" name="Straight Arrow Connector 14">
               <a:extLst>
                 <a:ext uri="{FF2B5EF4-FFF2-40B4-BE49-F238E27FC236}">
-                  <a16:creationId xmlns:a16="http://schemas.microsoft.com/office/drawing/2014/main" id="{CA472A10-E2AF-4823-A420-C8CBF7B82F38}"/>
+                  <a16:creationId xmlns:a16="http://schemas.microsoft.com/office/drawing/2014/main" id="{ACC5595D-6BCB-4EA3-B15D-BC75170BC392}"/>
                 </a:ext>
               </a:extLst>
             </p:cNvPr>
@@ -18511,7 +24622,7 @@
           </p:nvCxnSpPr>
           <p:spPr>
             <a:xfrm>
-              <a:off x="1923168" y="1449654"/>
+              <a:off x="1977117" y="1515502"/>
               <a:ext cx="540000" cy="0"/>
             </a:xfrm>
             <a:prstGeom prst="straightConnector1">
@@ -18541,10 +24652,10 @@
         </p:cxnSp>
         <p:sp>
           <p:nvSpPr>
-            <p:cNvPr id="45" name="TextBox 44">
+            <p:cNvPr id="16" name="TextBox 15">
               <a:extLst>
                 <a:ext uri="{FF2B5EF4-FFF2-40B4-BE49-F238E27FC236}">
-                  <a16:creationId xmlns:a16="http://schemas.microsoft.com/office/drawing/2014/main" id="{57A3E247-9008-4E2A-9095-6A1C0494E27C}"/>
+                  <a16:creationId xmlns:a16="http://schemas.microsoft.com/office/drawing/2014/main" id="{C60D9615-A574-4996-BEE5-61DE8C19C437}"/>
                 </a:ext>
               </a:extLst>
             </p:cNvPr>
@@ -18553,7 +24664,7 @@
           </p:nvSpPr>
           <p:spPr>
             <a:xfrm>
-              <a:off x="2498903" y="1492784"/>
+              <a:off x="2498406" y="1547750"/>
               <a:ext cx="566181" cy="184666"/>
             </a:xfrm>
             <a:prstGeom prst="rect">
@@ -18597,10 +24708,10 @@
         </p:sp>
         <p:sp>
           <p:nvSpPr>
-            <p:cNvPr id="53" name="Rectangle 52">
+            <p:cNvPr id="17" name="Rectangle 16">
               <a:extLst>
                 <a:ext uri="{FF2B5EF4-FFF2-40B4-BE49-F238E27FC236}">
-                  <a16:creationId xmlns:a16="http://schemas.microsoft.com/office/drawing/2014/main" id="{2C0CDE05-7984-47CC-9DE0-581F362AFD44}"/>
+                  <a16:creationId xmlns:a16="http://schemas.microsoft.com/office/drawing/2014/main" id="{E2E807B3-3906-460A-9E5C-15E040BE44C9}"/>
                 </a:ext>
               </a:extLst>
             </p:cNvPr>
@@ -18609,7 +24720,7 @@
           </p:nvSpPr>
           <p:spPr>
             <a:xfrm>
-              <a:off x="451176" y="1143215"/>
+              <a:off x="505125" y="1209063"/>
               <a:ext cx="576000" cy="108000"/>
             </a:xfrm>
             <a:prstGeom prst="rect">
@@ -18676,23 +24787,23 @@
         </p:sp>
         <p:cxnSp>
           <p:nvCxnSpPr>
-            <p:cNvPr id="88" name="Straight Arrow Connector 87">
+            <p:cNvPr id="18" name="Straight Arrow Connector 17">
               <a:extLst>
                 <a:ext uri="{FF2B5EF4-FFF2-40B4-BE49-F238E27FC236}">
-                  <a16:creationId xmlns:a16="http://schemas.microsoft.com/office/drawing/2014/main" id="{BBA2102A-7D5E-4E2C-BAF8-84964EA50122}"/>
+                  <a16:creationId xmlns:a16="http://schemas.microsoft.com/office/drawing/2014/main" id="{722D83E1-8DDB-4A91-BF63-E9391922603A}"/>
                 </a:ext>
               </a:extLst>
             </p:cNvPr>
             <p:cNvCxnSpPr>
               <a:cxnSpLocks/>
-              <a:stCxn id="53" idx="3"/>
-              <a:endCxn id="1028" idx="1"/>
+              <a:stCxn id="17" idx="3"/>
+              <a:endCxn id="7" idx="1"/>
             </p:cNvCxnSpPr>
             <p:nvPr/>
           </p:nvCxnSpPr>
           <p:spPr>
             <a:xfrm flipV="1">
-              <a:off x="1027176" y="869958"/>
+              <a:off x="1081125" y="935806"/>
               <a:ext cx="606143" cy="327257"/>
             </a:xfrm>
             <a:prstGeom prst="straightConnector1">
@@ -18722,23 +24833,23 @@
         </p:cxnSp>
         <p:cxnSp>
           <p:nvCxnSpPr>
-            <p:cNvPr id="91" name="Straight Arrow Connector 90">
+            <p:cNvPr id="19" name="Straight Arrow Connector 18">
               <a:extLst>
                 <a:ext uri="{FF2B5EF4-FFF2-40B4-BE49-F238E27FC236}">
-                  <a16:creationId xmlns:a16="http://schemas.microsoft.com/office/drawing/2014/main" id="{9A2F347D-5E14-4EBD-B527-46DD8EFF476F}"/>
+                  <a16:creationId xmlns:a16="http://schemas.microsoft.com/office/drawing/2014/main" id="{6FF43FB3-4386-4947-9FE3-E47E570C77E4}"/>
                 </a:ext>
               </a:extLst>
             </p:cNvPr>
             <p:cNvCxnSpPr>
               <a:cxnSpLocks/>
-              <a:stCxn id="53" idx="3"/>
-              <a:endCxn id="41" idx="1"/>
+              <a:stCxn id="17" idx="3"/>
+              <a:endCxn id="12" idx="1"/>
             </p:cNvCxnSpPr>
             <p:nvPr/>
           </p:nvCxnSpPr>
           <p:spPr>
             <a:xfrm>
-              <a:off x="1027176" y="1197215"/>
+              <a:off x="1081125" y="1263063"/>
               <a:ext cx="606143" cy="252440"/>
             </a:xfrm>
             <a:prstGeom prst="straightConnector1">
@@ -18766,12 +24877,33 @@
             </a:fontRef>
           </p:style>
         </p:cxnSp>
+      </p:grpSp>
+      <p:grpSp>
+        <p:nvGrpSpPr>
+          <p:cNvPr id="108" name="Group 107">
+            <a:extLst>
+              <a:ext uri="{FF2B5EF4-FFF2-40B4-BE49-F238E27FC236}">
+                <a16:creationId xmlns:a16="http://schemas.microsoft.com/office/drawing/2014/main" id="{B561D834-7726-4B11-8A05-83C42C4A2ED1}"/>
+              </a:ext>
+            </a:extLst>
+          </p:cNvPr>
+          <p:cNvGrpSpPr/>
+          <p:nvPr/>
+        </p:nvGrpSpPr>
+        <p:grpSpPr>
+          <a:xfrm>
+            <a:off x="598668" y="1990542"/>
+            <a:ext cx="2517964" cy="568599"/>
+            <a:chOff x="509875" y="2058065"/>
+            <a:chExt cx="2517964" cy="568599"/>
+          </a:xfrm>
+        </p:grpSpPr>
         <p:pic>
           <p:nvPicPr>
-            <p:cNvPr id="1034" name="Picture 10" descr="Database Symbol Png - Database Icon Flat - Free Transparent PNG Clipart  Images Download">
+            <p:cNvPr id="23" name="Picture 4" descr="Top 10 Tips for Using PowerShell ISE | Rana Omer Hussain's RegEdit">
               <a:extLst>
                 <a:ext uri="{FF2B5EF4-FFF2-40B4-BE49-F238E27FC236}">
-                  <a16:creationId xmlns:a16="http://schemas.microsoft.com/office/drawing/2014/main" id="{CCB8D676-A544-4638-B5F9-CA26614ADA42}"/>
+                  <a16:creationId xmlns:a16="http://schemas.microsoft.com/office/drawing/2014/main" id="{4F58BD41-041B-4BD5-9EC6-B78AF2DC4DCA}"/>
                 </a:ext>
               </a:extLst>
             </p:cNvPr>
@@ -18781,152 +24913,7 @@
             <p:nvPr/>
           </p:nvPicPr>
           <p:blipFill>
-            <a:blip r:embed="rId4">
-              <a:lum bright="70000" contrast="-70000"/>
-              <a:extLst>
-                <a:ext uri="{BEBA8EAE-BF5A-486C-A8C5-ECC9F3942E4B}">
-                  <a14:imgProps xmlns:a14="http://schemas.microsoft.com/office/drawing/2010/main">
-                    <a14:imgLayer r:embed="rId5">
-                      <a14:imgEffect>
-                        <a14:backgroundRemoval t="8113" b="89947" l="10000" r="90000">
-                          <a14:foregroundMark x1="52262" y1="8113" x2="52262" y2="8113"/>
-                          <a14:foregroundMark x1="50952" y1="49030" x2="50952" y2="49559"/>
-                          <a14:foregroundMark x1="50714" y1="69841" x2="50714" y2="69841"/>
-                          <a14:foregroundMark x1="46548" y1="84480" x2="46548" y2="84480"/>
-                        </a14:backgroundRemoval>
-                      </a14:imgEffect>
-                    </a14:imgLayer>
-                  </a14:imgProps>
-                </a:ext>
-                <a:ext uri="{28A0092B-C50C-407E-A947-70E740481C1C}">
-                  <a14:useLocalDpi xmlns:a14="http://schemas.microsoft.com/office/drawing/2010/main" val="0"/>
-                </a:ext>
-              </a:extLst>
-            </a:blip>
-            <a:srcRect/>
-            <a:stretch>
-              <a:fillRect/>
-            </a:stretch>
-          </p:blipFill>
-          <p:spPr bwMode="auto">
-            <a:xfrm>
-              <a:off x="2882785" y="766405"/>
-              <a:ext cx="264052" cy="178235"/>
-            </a:xfrm>
-            <a:prstGeom prst="rect">
-              <a:avLst/>
-            </a:prstGeom>
-            <a:noFill/>
-            <a:extLst>
-              <a:ext uri="{909E8E84-426E-40DD-AFC4-6F175D3DCCD1}">
-                <a14:hiddenFill xmlns:a14="http://schemas.microsoft.com/office/drawing/2010/main">
-                  <a:solidFill>
-                    <a:srgbClr val="FFFFFF"/>
-                  </a:solidFill>
-                </a14:hiddenFill>
-              </a:ext>
-            </a:extLst>
-          </p:spPr>
-        </p:pic>
-        <p:pic>
-          <p:nvPicPr>
-            <p:cNvPr id="113" name="Picture 10" descr="Database Symbol Png - Database Icon Flat - Free Transparent PNG Clipart  Images Download">
-              <a:extLst>
-                <a:ext uri="{FF2B5EF4-FFF2-40B4-BE49-F238E27FC236}">
-                  <a16:creationId xmlns:a16="http://schemas.microsoft.com/office/drawing/2014/main" id="{AAFA50F2-6F2C-4481-83B3-43CFC19130CE}"/>
-                </a:ext>
-              </a:extLst>
-            </p:cNvPr>
-            <p:cNvPicPr>
-              <a:picLocks noChangeAspect="1" noChangeArrowheads="1"/>
-            </p:cNvPicPr>
-            <p:nvPr/>
-          </p:nvPicPr>
-          <p:blipFill>
-            <a:blip r:embed="rId4">
-              <a:lum bright="70000" contrast="-70000"/>
-              <a:extLst>
-                <a:ext uri="{BEBA8EAE-BF5A-486C-A8C5-ECC9F3942E4B}">
-                  <a14:imgProps xmlns:a14="http://schemas.microsoft.com/office/drawing/2010/main">
-                    <a14:imgLayer r:embed="rId5">
-                      <a14:imgEffect>
-                        <a14:backgroundRemoval t="8113" b="89947" l="10000" r="90000">
-                          <a14:foregroundMark x1="52262" y1="8113" x2="52262" y2="8113"/>
-                          <a14:foregroundMark x1="50952" y1="49030" x2="50952" y2="49559"/>
-                          <a14:foregroundMark x1="50714" y1="69841" x2="50714" y2="69841"/>
-                          <a14:foregroundMark x1="46548" y1="84480" x2="46548" y2="84480"/>
-                        </a14:backgroundRemoval>
-                      </a14:imgEffect>
-                    </a14:imgLayer>
-                  </a14:imgProps>
-                </a:ext>
-                <a:ext uri="{28A0092B-C50C-407E-A947-70E740481C1C}">
-                  <a14:useLocalDpi xmlns:a14="http://schemas.microsoft.com/office/drawing/2010/main" val="0"/>
-                </a:ext>
-              </a:extLst>
-            </a:blip>
-            <a:srcRect/>
-            <a:stretch>
-              <a:fillRect/>
-            </a:stretch>
-          </p:blipFill>
-          <p:spPr bwMode="auto">
-            <a:xfrm>
-              <a:off x="2892479" y="1350192"/>
-              <a:ext cx="264052" cy="178235"/>
-            </a:xfrm>
-            <a:prstGeom prst="rect">
-              <a:avLst/>
-            </a:prstGeom>
-            <a:noFill/>
-            <a:extLst>
-              <a:ext uri="{909E8E84-426E-40DD-AFC4-6F175D3DCCD1}">
-                <a14:hiddenFill xmlns:a14="http://schemas.microsoft.com/office/drawing/2010/main">
-                  <a:solidFill>
-                    <a:srgbClr val="FFFFFF"/>
-                  </a:solidFill>
-                </a14:hiddenFill>
-              </a:ext>
-            </a:extLst>
-          </p:spPr>
-        </p:pic>
-      </p:grpSp>
-      <p:grpSp>
-        <p:nvGrpSpPr>
-          <p:cNvPr id="4" name="Group 3">
-            <a:extLst>
-              <a:ext uri="{FF2B5EF4-FFF2-40B4-BE49-F238E27FC236}">
-                <a16:creationId xmlns:a16="http://schemas.microsoft.com/office/drawing/2014/main" id="{BDAD9FC1-1BC2-4AD2-B99D-67F5AFD4ACF8}"/>
-              </a:ext>
-            </a:extLst>
-          </p:cNvPr>
-          <p:cNvGrpSpPr/>
-          <p:nvPr/>
-        </p:nvGrpSpPr>
-        <p:grpSpPr>
-          <a:xfrm>
-            <a:off x="509875" y="2004904"/>
-            <a:ext cx="2695855" cy="574498"/>
-            <a:chOff x="555314" y="2118289"/>
-            <a:chExt cx="2695855" cy="574498"/>
-          </a:xfrm>
-        </p:grpSpPr>
-        <p:pic>
-          <p:nvPicPr>
-            <p:cNvPr id="59" name="Picture 4" descr="Top 10 Tips for Using PowerShell ISE | Rana Omer Hussain's RegEdit">
-              <a:extLst>
-                <a:ext uri="{FF2B5EF4-FFF2-40B4-BE49-F238E27FC236}">
-                  <a16:creationId xmlns:a16="http://schemas.microsoft.com/office/drawing/2014/main" id="{ABECBDF9-799F-4A2A-8E43-2D92E112AD23}"/>
-                </a:ext>
-              </a:extLst>
-            </p:cNvPr>
-            <p:cNvPicPr>
-              <a:picLocks noChangeAspect="1" noChangeArrowheads="1"/>
-            </p:cNvPicPr>
-            <p:nvPr/>
-          </p:nvPicPr>
-          <p:blipFill>
-            <a:blip r:embed="rId3">
+            <a:blip r:embed="rId2">
               <a:extLst>
                 <a:ext uri="{28A0092B-C50C-407E-A947-70E740481C1C}">
                   <a14:useLocalDpi xmlns:a14="http://schemas.microsoft.com/office/drawing/2010/main" val="0"/>
@@ -18940,7 +24927,7 @@
           </p:blipFill>
           <p:spPr bwMode="auto">
             <a:xfrm>
-              <a:off x="1633317" y="2282132"/>
+              <a:off x="1587878" y="2168747"/>
               <a:ext cx="289849" cy="289849"/>
             </a:xfrm>
             <a:prstGeom prst="rect">
@@ -18960,10 +24947,10 @@
         </p:pic>
         <p:sp>
           <p:nvSpPr>
-            <p:cNvPr id="71" name="Rectangle: Rounded Corners 70">
+            <p:cNvPr id="24" name="Rectangle: Rounded Corners 23">
               <a:extLst>
                 <a:ext uri="{FF2B5EF4-FFF2-40B4-BE49-F238E27FC236}">
-                  <a16:creationId xmlns:a16="http://schemas.microsoft.com/office/drawing/2014/main" id="{4FFD726F-7134-4AFD-834C-6511A9A93263}"/>
+                  <a16:creationId xmlns:a16="http://schemas.microsoft.com/office/drawing/2014/main" id="{2B3BD272-0849-414C-88AC-7E710245198A}"/>
                 </a:ext>
               </a:extLst>
             </p:cNvPr>
@@ -18972,7 +24959,7 @@
           </p:nvSpPr>
           <p:spPr>
             <a:xfrm>
-              <a:off x="2466262" y="2352490"/>
+              <a:off x="2420823" y="2239105"/>
               <a:ext cx="565653" cy="144000"/>
             </a:xfrm>
             <a:prstGeom prst="roundRect">
@@ -19030,23 +25017,23 @@
         </p:sp>
         <p:cxnSp>
           <p:nvCxnSpPr>
-            <p:cNvPr id="72" name="Straight Arrow Connector 71">
+            <p:cNvPr id="25" name="Straight Arrow Connector 24">
               <a:extLst>
                 <a:ext uri="{FF2B5EF4-FFF2-40B4-BE49-F238E27FC236}">
-                  <a16:creationId xmlns:a16="http://schemas.microsoft.com/office/drawing/2014/main" id="{991402A2-2D55-4738-85DD-9675BEF1E5CA}"/>
+                  <a16:creationId xmlns:a16="http://schemas.microsoft.com/office/drawing/2014/main" id="{E0D742CD-828B-452C-94E2-581BD070A1D3}"/>
                 </a:ext>
               </a:extLst>
             </p:cNvPr>
             <p:cNvCxnSpPr>
               <a:cxnSpLocks/>
-              <a:stCxn id="59" idx="3"/>
-              <a:endCxn id="71" idx="1"/>
+              <a:stCxn id="23" idx="3"/>
+              <a:endCxn id="24" idx="1"/>
             </p:cNvCxnSpPr>
             <p:nvPr/>
           </p:nvCxnSpPr>
           <p:spPr>
             <a:xfrm flipV="1">
-              <a:off x="1923166" y="2424490"/>
+              <a:off x="1877727" y="2311105"/>
               <a:ext cx="543096" cy="2567"/>
             </a:xfrm>
             <a:prstGeom prst="straightConnector1">
@@ -19076,10 +25063,10 @@
         </p:cxnSp>
         <p:sp>
           <p:nvSpPr>
-            <p:cNvPr id="73" name="TextBox 72">
+            <p:cNvPr id="26" name="TextBox 25">
               <a:extLst>
                 <a:ext uri="{FF2B5EF4-FFF2-40B4-BE49-F238E27FC236}">
-                  <a16:creationId xmlns:a16="http://schemas.microsoft.com/office/drawing/2014/main" id="{D600E0D7-666B-4EB1-B254-AB0A09F57BA6}"/>
+                  <a16:creationId xmlns:a16="http://schemas.microsoft.com/office/drawing/2014/main" id="{C43125FF-E338-46B2-BB35-CD839BE6CDFB}"/>
                 </a:ext>
               </a:extLst>
             </p:cNvPr>
@@ -19088,7 +25075,7 @@
           </p:nvSpPr>
           <p:spPr>
             <a:xfrm>
-              <a:off x="2603235" y="2467619"/>
+              <a:off x="2379905" y="2335544"/>
               <a:ext cx="647934" cy="184666"/>
             </a:xfrm>
             <a:prstGeom prst="rect">
@@ -19132,10 +25119,10 @@
         </p:sp>
         <p:sp>
           <p:nvSpPr>
-            <p:cNvPr id="96" name="Rectangle 95">
+            <p:cNvPr id="27" name="Rectangle 26">
               <a:extLst>
                 <a:ext uri="{FF2B5EF4-FFF2-40B4-BE49-F238E27FC236}">
-                  <a16:creationId xmlns:a16="http://schemas.microsoft.com/office/drawing/2014/main" id="{7DFD1C9A-8429-4FCC-9E7F-3CC75C8596A8}"/>
+                  <a16:creationId xmlns:a16="http://schemas.microsoft.com/office/drawing/2014/main" id="{77A5E8E5-46C2-40EC-AD92-68CA790F9713}"/>
                 </a:ext>
               </a:extLst>
             </p:cNvPr>
@@ -19144,7 +25131,7 @@
           </p:nvSpPr>
           <p:spPr>
             <a:xfrm>
-              <a:off x="555314" y="2376816"/>
+              <a:off x="509875" y="2263431"/>
               <a:ext cx="576000" cy="108000"/>
             </a:xfrm>
             <a:prstGeom prst="rect">
@@ -19211,23 +25198,23 @@
         </p:sp>
         <p:cxnSp>
           <p:nvCxnSpPr>
-            <p:cNvPr id="97" name="Straight Arrow Connector 96">
+            <p:cNvPr id="28" name="Straight Arrow Connector 27">
               <a:extLst>
                 <a:ext uri="{FF2B5EF4-FFF2-40B4-BE49-F238E27FC236}">
-                  <a16:creationId xmlns:a16="http://schemas.microsoft.com/office/drawing/2014/main" id="{26981759-D2F9-4B72-B71C-88FDD24CE2EF}"/>
+                  <a16:creationId xmlns:a16="http://schemas.microsoft.com/office/drawing/2014/main" id="{66571B5A-5A84-481D-8852-0B679326AEB3}"/>
                 </a:ext>
               </a:extLst>
             </p:cNvPr>
             <p:cNvCxnSpPr>
               <a:cxnSpLocks/>
-              <a:stCxn id="96" idx="3"/>
-              <a:endCxn id="59" idx="1"/>
+              <a:stCxn id="27" idx="3"/>
+              <a:endCxn id="23" idx="1"/>
             </p:cNvCxnSpPr>
             <p:nvPr/>
           </p:nvCxnSpPr>
           <p:spPr>
             <a:xfrm flipV="1">
-              <a:off x="1131314" y="2427057"/>
+              <a:off x="1085875" y="2313672"/>
               <a:ext cx="502003" cy="3759"/>
             </a:xfrm>
             <a:prstGeom prst="straightConnector1">
@@ -19255,74 +25242,12 @@
             </a:fontRef>
           </p:style>
         </p:cxnSp>
-        <p:pic>
-          <p:nvPicPr>
-            <p:cNvPr id="114" name="Picture 10" descr="Database Symbol Png - Database Icon Flat - Free Transparent PNG Clipart  Images Download">
+        <p:sp>
+          <p:nvSpPr>
+            <p:cNvPr id="30" name="Rectangle 29">
               <a:extLst>
                 <a:ext uri="{FF2B5EF4-FFF2-40B4-BE49-F238E27FC236}">
-                  <a16:creationId xmlns:a16="http://schemas.microsoft.com/office/drawing/2014/main" id="{E0FD203A-BC64-46E3-B722-BA87700893DD}"/>
-                </a:ext>
-              </a:extLst>
-            </p:cNvPr>
-            <p:cNvPicPr>
-              <a:picLocks noChangeAspect="1" noChangeArrowheads="1"/>
-            </p:cNvPicPr>
-            <p:nvPr/>
-          </p:nvPicPr>
-          <p:blipFill>
-            <a:blip r:embed="rId4">
-              <a:lum bright="70000" contrast="-70000"/>
-              <a:extLst>
-                <a:ext uri="{BEBA8EAE-BF5A-486C-A8C5-ECC9F3942E4B}">
-                  <a14:imgProps xmlns:a14="http://schemas.microsoft.com/office/drawing/2010/main">
-                    <a14:imgLayer r:embed="rId5">
-                      <a14:imgEffect>
-                        <a14:backgroundRemoval t="8113" b="89947" l="10000" r="90000">
-                          <a14:foregroundMark x1="52262" y1="8113" x2="52262" y2="8113"/>
-                          <a14:foregroundMark x1="50952" y1="49030" x2="50952" y2="49559"/>
-                          <a14:foregroundMark x1="50714" y1="69841" x2="50714" y2="69841"/>
-                          <a14:foregroundMark x1="46548" y1="84480" x2="46548" y2="84480"/>
-                        </a14:backgroundRemoval>
-                      </a14:imgEffect>
-                    </a14:imgLayer>
-                  </a14:imgProps>
-                </a:ext>
-                <a:ext uri="{28A0092B-C50C-407E-A947-70E740481C1C}">
-                  <a14:useLocalDpi xmlns:a14="http://schemas.microsoft.com/office/drawing/2010/main" val="0"/>
-                </a:ext>
-              </a:extLst>
-            </a:blip>
-            <a:srcRect/>
-            <a:stretch>
-              <a:fillRect/>
-            </a:stretch>
-          </p:blipFill>
-          <p:spPr bwMode="auto">
-            <a:xfrm>
-              <a:off x="2904836" y="2330353"/>
-              <a:ext cx="264052" cy="178235"/>
-            </a:xfrm>
-            <a:prstGeom prst="rect">
-              <a:avLst/>
-            </a:prstGeom>
-            <a:noFill/>
-            <a:extLst>
-              <a:ext uri="{909E8E84-426E-40DD-AFC4-6F175D3DCCD1}">
-                <a14:hiddenFill xmlns:a14="http://schemas.microsoft.com/office/drawing/2010/main">
-                  <a:solidFill>
-                    <a:srgbClr val="FFFFFF"/>
-                  </a:solidFill>
-                </a14:hiddenFill>
-              </a:ext>
-            </a:extLst>
-          </p:spPr>
-        </p:pic>
-        <p:sp>
-          <p:nvSpPr>
-            <p:cNvPr id="115" name="Rectangle 114">
-              <a:extLst>
-                <a:ext uri="{FF2B5EF4-FFF2-40B4-BE49-F238E27FC236}">
-                  <a16:creationId xmlns:a16="http://schemas.microsoft.com/office/drawing/2014/main" id="{AD81E77F-83D0-4571-9B9C-6332412A6F87}"/>
+                  <a16:creationId xmlns:a16="http://schemas.microsoft.com/office/drawing/2014/main" id="{D39017AE-3082-496D-B12F-48FF523456AE}"/>
                 </a:ext>
               </a:extLst>
             </p:cNvPr>
@@ -19331,8 +25256,8 @@
           </p:nvSpPr>
           <p:spPr>
             <a:xfrm>
-              <a:off x="1256241" y="2584787"/>
-              <a:ext cx="1044000" cy="108000"/>
+              <a:off x="1422733" y="2476930"/>
+              <a:ext cx="680863" cy="149734"/>
             </a:xfrm>
             <a:prstGeom prst="rect">
               <a:avLst/>
@@ -19370,18 +25295,7 @@
                   <a:ea typeface="Tahoma" panose="020B0604030504040204" pitchFamily="34" charset="0"/>
                   <a:cs typeface="Tahoma" panose="020B0604030504040204" pitchFamily="34" charset="0"/>
                 </a:rPr>
-                <a:t>Visualcross_hist</a:t>
-              </a:r>
-              <a:r>
-                <a:rPr lang="en-US" sz="600" b="1" dirty="0">
-                  <a:solidFill>
-                    <a:schemeClr val="bg1"/>
-                  </a:solidFill>
-                  <a:latin typeface="Tahoma" panose="020B0604030504040204" pitchFamily="34" charset="0"/>
-                  <a:ea typeface="Tahoma" panose="020B0604030504040204" pitchFamily="34" charset="0"/>
-                  <a:cs typeface="Tahoma" panose="020B0604030504040204" pitchFamily="34" charset="0"/>
-                </a:rPr>
-                <a:t>.py</a:t>
+                <a:t>Visualcross_current.py</a:t>
               </a:r>
               <a:endParaRPr lang="th-TH" sz="600" b="1" dirty="0">
                 <a:solidFill>
@@ -19396,10 +25310,10 @@
         </p:sp>
         <p:pic>
           <p:nvPicPr>
-            <p:cNvPr id="116" name="Picture 115" descr="A picture containing logo&#10;&#10;Description automatically generated">
+            <p:cNvPr id="31" name="Picture 30" descr="A picture containing logo&#10;&#10;Description automatically generated">
               <a:extLst>
                 <a:ext uri="{FF2B5EF4-FFF2-40B4-BE49-F238E27FC236}">
-                  <a16:creationId xmlns:a16="http://schemas.microsoft.com/office/drawing/2014/main" id="{00DCD75D-3B96-4A75-A65E-A3ECE21B15D8}"/>
+                  <a16:creationId xmlns:a16="http://schemas.microsoft.com/office/drawing/2014/main" id="{ECECF7AD-828A-4809-952F-0154E3816CEE}"/>
                 </a:ext>
               </a:extLst>
             </p:cNvPr>
@@ -19409,7 +25323,7 @@
             <p:nvPr/>
           </p:nvPicPr>
           <p:blipFill>
-            <a:blip r:embed="rId6">
+            <a:blip r:embed="rId3">
               <a:lum bright="70000" contrast="-70000"/>
               <a:extLst>
                 <a:ext uri="{28A0092B-C50C-407E-A947-70E740481C1C}">
@@ -19423,7 +25337,7 @@
           </p:blipFill>
           <p:spPr>
             <a:xfrm>
-              <a:off x="1389766" y="2118289"/>
+              <a:off x="1264805" y="2058065"/>
               <a:ext cx="844925" cy="153803"/>
             </a:xfrm>
             <a:prstGeom prst="rect">
@@ -19434,10 +25348,10 @@
       </p:grpSp>
       <p:grpSp>
         <p:nvGrpSpPr>
-          <p:cNvPr id="5" name="Group 4">
+          <p:cNvPr id="109" name="Group 108">
             <a:extLst>
               <a:ext uri="{FF2B5EF4-FFF2-40B4-BE49-F238E27FC236}">
-                <a16:creationId xmlns:a16="http://schemas.microsoft.com/office/drawing/2014/main" id="{11D6B994-48C0-4698-AB25-EAE28C49FA52}"/>
+                <a16:creationId xmlns:a16="http://schemas.microsoft.com/office/drawing/2014/main" id="{50C187CE-3C62-4902-8EBE-CE1450A18798}"/>
               </a:ext>
             </a:extLst>
           </p:cNvPr>
@@ -19446,18 +25360,18 @@
         </p:nvGrpSpPr>
         <p:grpSpPr>
           <a:xfrm>
-            <a:off x="509875" y="2779880"/>
-            <a:ext cx="2695855" cy="665472"/>
-            <a:chOff x="555314" y="2904079"/>
-            <a:chExt cx="2695855" cy="665472"/>
+            <a:off x="601002" y="2759787"/>
+            <a:ext cx="2513296" cy="653272"/>
+            <a:chOff x="509875" y="2809520"/>
+            <a:chExt cx="2513296" cy="653272"/>
           </a:xfrm>
         </p:grpSpPr>
         <p:pic>
           <p:nvPicPr>
-            <p:cNvPr id="119" name="Picture 4" descr="Top 10 Tips for Using PowerShell ISE | Rana Omer Hussain's RegEdit">
+            <p:cNvPr id="33" name="Picture 4" descr="Top 10 Tips for Using PowerShell ISE | Rana Omer Hussain's RegEdit">
               <a:extLst>
                 <a:ext uri="{FF2B5EF4-FFF2-40B4-BE49-F238E27FC236}">
-                  <a16:creationId xmlns:a16="http://schemas.microsoft.com/office/drawing/2014/main" id="{4ADEFD94-5359-4363-AECF-14D8C35DBD2D}"/>
+                  <a16:creationId xmlns:a16="http://schemas.microsoft.com/office/drawing/2014/main" id="{C7872EF9-6FEC-47B1-AC4F-C9A3075B4399}"/>
                 </a:ext>
               </a:extLst>
             </p:cNvPr>
@@ -19467,7 +25381,7 @@
             <p:nvPr/>
           </p:nvPicPr>
           <p:blipFill>
-            <a:blip r:embed="rId3">
+            <a:blip r:embed="rId2">
               <a:extLst>
                 <a:ext uri="{28A0092B-C50C-407E-A947-70E740481C1C}">
                   <a14:useLocalDpi xmlns:a14="http://schemas.microsoft.com/office/drawing/2010/main" val="0"/>
@@ -19481,7 +25395,7 @@
           </p:blipFill>
           <p:spPr bwMode="auto">
             <a:xfrm>
-              <a:off x="1633317" y="3158896"/>
+              <a:off x="1587878" y="3034697"/>
               <a:ext cx="289849" cy="289849"/>
             </a:xfrm>
             <a:prstGeom prst="rect">
@@ -19501,10 +25415,10 @@
         </p:pic>
         <p:sp>
           <p:nvSpPr>
-            <p:cNvPr id="120" name="Rectangle: Rounded Corners 119">
+            <p:cNvPr id="34" name="Rectangle: Rounded Corners 33">
               <a:extLst>
                 <a:ext uri="{FF2B5EF4-FFF2-40B4-BE49-F238E27FC236}">
-                  <a16:creationId xmlns:a16="http://schemas.microsoft.com/office/drawing/2014/main" id="{9D78F7C7-EAE1-4EF0-852D-EE6F7250324A}"/>
+                  <a16:creationId xmlns:a16="http://schemas.microsoft.com/office/drawing/2014/main" id="{434470CF-3C0E-4B88-8F25-236BA11F10E0}"/>
                 </a:ext>
               </a:extLst>
             </p:cNvPr>
@@ -19513,7 +25427,7 @@
           </p:nvSpPr>
           <p:spPr>
             <a:xfrm>
-              <a:off x="2466262" y="3229254"/>
+              <a:off x="2420823" y="3105055"/>
               <a:ext cx="565653" cy="144000"/>
             </a:xfrm>
             <a:prstGeom prst="roundRect">
@@ -19571,23 +25485,23 @@
         </p:sp>
         <p:cxnSp>
           <p:nvCxnSpPr>
-            <p:cNvPr id="121" name="Straight Arrow Connector 120">
+            <p:cNvPr id="35" name="Straight Arrow Connector 34">
               <a:extLst>
                 <a:ext uri="{FF2B5EF4-FFF2-40B4-BE49-F238E27FC236}">
-                  <a16:creationId xmlns:a16="http://schemas.microsoft.com/office/drawing/2014/main" id="{F67F5414-7024-4E6F-88A0-B31BDE7A002C}"/>
+                  <a16:creationId xmlns:a16="http://schemas.microsoft.com/office/drawing/2014/main" id="{A08A65BB-6A91-42A1-B1D6-C73BBF2FB274}"/>
                 </a:ext>
               </a:extLst>
             </p:cNvPr>
             <p:cNvCxnSpPr>
               <a:cxnSpLocks/>
-              <a:stCxn id="119" idx="3"/>
-              <a:endCxn id="120" idx="1"/>
+              <a:stCxn id="33" idx="3"/>
+              <a:endCxn id="34" idx="1"/>
             </p:cNvCxnSpPr>
             <p:nvPr/>
           </p:nvCxnSpPr>
           <p:spPr>
             <a:xfrm flipV="1">
-              <a:off x="1923166" y="3301254"/>
+              <a:off x="1877727" y="3177055"/>
               <a:ext cx="543096" cy="2567"/>
             </a:xfrm>
             <a:prstGeom prst="straightConnector1">
@@ -19617,10 +25531,10 @@
         </p:cxnSp>
         <p:sp>
           <p:nvSpPr>
-            <p:cNvPr id="122" name="TextBox 121">
+            <p:cNvPr id="36" name="TextBox 35">
               <a:extLst>
                 <a:ext uri="{FF2B5EF4-FFF2-40B4-BE49-F238E27FC236}">
-                  <a16:creationId xmlns:a16="http://schemas.microsoft.com/office/drawing/2014/main" id="{5A92D0DB-7E11-4E63-9303-1B642E8477DE}"/>
+                  <a16:creationId xmlns:a16="http://schemas.microsoft.com/office/drawing/2014/main" id="{BEE4C6C9-CCF0-475B-B3E7-534440836FB6}"/>
                 </a:ext>
               </a:extLst>
             </p:cNvPr>
@@ -19629,7 +25543,7 @@
           </p:nvSpPr>
           <p:spPr>
             <a:xfrm>
-              <a:off x="2603235" y="3344383"/>
+              <a:off x="2375237" y="3207780"/>
               <a:ext cx="647934" cy="184666"/>
             </a:xfrm>
             <a:prstGeom prst="rect">
@@ -19673,10 +25587,10 @@
         </p:sp>
         <p:sp>
           <p:nvSpPr>
-            <p:cNvPr id="123" name="Rectangle 122">
+            <p:cNvPr id="37" name="Rectangle 36">
               <a:extLst>
                 <a:ext uri="{FF2B5EF4-FFF2-40B4-BE49-F238E27FC236}">
-                  <a16:creationId xmlns:a16="http://schemas.microsoft.com/office/drawing/2014/main" id="{61FD50AB-5CB6-455B-ACE6-6657E95440A5}"/>
+                  <a16:creationId xmlns:a16="http://schemas.microsoft.com/office/drawing/2014/main" id="{B8DE0C96-5183-489D-B07B-5EDCE9868F09}"/>
                 </a:ext>
               </a:extLst>
             </p:cNvPr>
@@ -19685,7 +25599,7 @@
           </p:nvSpPr>
           <p:spPr>
             <a:xfrm>
-              <a:off x="555314" y="3253580"/>
+              <a:off x="509875" y="3129381"/>
               <a:ext cx="576000" cy="108000"/>
             </a:xfrm>
             <a:prstGeom prst="rect">
@@ -19752,23 +25666,23 @@
         </p:sp>
         <p:cxnSp>
           <p:nvCxnSpPr>
-            <p:cNvPr id="124" name="Straight Arrow Connector 123">
+            <p:cNvPr id="38" name="Straight Arrow Connector 37">
               <a:extLst>
                 <a:ext uri="{FF2B5EF4-FFF2-40B4-BE49-F238E27FC236}">
-                  <a16:creationId xmlns:a16="http://schemas.microsoft.com/office/drawing/2014/main" id="{D24BD1B5-E8E6-45E0-835F-22EB464B2C8F}"/>
+                  <a16:creationId xmlns:a16="http://schemas.microsoft.com/office/drawing/2014/main" id="{5011A3A8-7BE9-4D5A-A615-236AC319B397}"/>
                 </a:ext>
               </a:extLst>
             </p:cNvPr>
             <p:cNvCxnSpPr>
               <a:cxnSpLocks/>
-              <a:stCxn id="123" idx="3"/>
-              <a:endCxn id="119" idx="1"/>
+              <a:stCxn id="37" idx="3"/>
+              <a:endCxn id="33" idx="1"/>
             </p:cNvCxnSpPr>
             <p:nvPr/>
           </p:nvCxnSpPr>
           <p:spPr>
             <a:xfrm flipV="1">
-              <a:off x="1131314" y="3303821"/>
+              <a:off x="1085875" y="3179622"/>
               <a:ext cx="502003" cy="3759"/>
             </a:xfrm>
             <a:prstGeom prst="straightConnector1">
@@ -19796,74 +25710,12 @@
             </a:fontRef>
           </p:style>
         </p:cxnSp>
-        <p:pic>
-          <p:nvPicPr>
-            <p:cNvPr id="125" name="Picture 10" descr="Database Symbol Png - Database Icon Flat - Free Transparent PNG Clipart  Images Download">
+        <p:sp>
+          <p:nvSpPr>
+            <p:cNvPr id="40" name="Rectangle 39">
               <a:extLst>
                 <a:ext uri="{FF2B5EF4-FFF2-40B4-BE49-F238E27FC236}">
-                  <a16:creationId xmlns:a16="http://schemas.microsoft.com/office/drawing/2014/main" id="{F4DC1C1F-85AF-40DD-AE8E-452798536AF0}"/>
-                </a:ext>
-              </a:extLst>
-            </p:cNvPr>
-            <p:cNvPicPr>
-              <a:picLocks noChangeAspect="1" noChangeArrowheads="1"/>
-            </p:cNvPicPr>
-            <p:nvPr/>
-          </p:nvPicPr>
-          <p:blipFill>
-            <a:blip r:embed="rId4">
-              <a:lum bright="70000" contrast="-70000"/>
-              <a:extLst>
-                <a:ext uri="{BEBA8EAE-BF5A-486C-A8C5-ECC9F3942E4B}">
-                  <a14:imgProps xmlns:a14="http://schemas.microsoft.com/office/drawing/2010/main">
-                    <a14:imgLayer r:embed="rId5">
-                      <a14:imgEffect>
-                        <a14:backgroundRemoval t="8113" b="89947" l="10000" r="90000">
-                          <a14:foregroundMark x1="52262" y1="8113" x2="52262" y2="8113"/>
-                          <a14:foregroundMark x1="50952" y1="49030" x2="50952" y2="49559"/>
-                          <a14:foregroundMark x1="50714" y1="69841" x2="50714" y2="69841"/>
-                          <a14:foregroundMark x1="46548" y1="84480" x2="46548" y2="84480"/>
-                        </a14:backgroundRemoval>
-                      </a14:imgEffect>
-                    </a14:imgLayer>
-                  </a14:imgProps>
-                </a:ext>
-                <a:ext uri="{28A0092B-C50C-407E-A947-70E740481C1C}">
-                  <a14:useLocalDpi xmlns:a14="http://schemas.microsoft.com/office/drawing/2010/main" val="0"/>
-                </a:ext>
-              </a:extLst>
-            </a:blip>
-            <a:srcRect/>
-            <a:stretch>
-              <a:fillRect/>
-            </a:stretch>
-          </p:blipFill>
-          <p:spPr bwMode="auto">
-            <a:xfrm>
-              <a:off x="2904836" y="3207117"/>
-              <a:ext cx="264052" cy="178235"/>
-            </a:xfrm>
-            <a:prstGeom prst="rect">
-              <a:avLst/>
-            </a:prstGeom>
-            <a:noFill/>
-            <a:extLst>
-              <a:ext uri="{909E8E84-426E-40DD-AFC4-6F175D3DCCD1}">
-                <a14:hiddenFill xmlns:a14="http://schemas.microsoft.com/office/drawing/2010/main">
-                  <a:solidFill>
-                    <a:srgbClr val="FFFFFF"/>
-                  </a:solidFill>
-                </a14:hiddenFill>
-              </a:ext>
-            </a:extLst>
-          </p:spPr>
-        </p:pic>
-        <p:sp>
-          <p:nvSpPr>
-            <p:cNvPr id="126" name="Rectangle 125">
-              <a:extLst>
-                <a:ext uri="{FF2B5EF4-FFF2-40B4-BE49-F238E27FC236}">
-                  <a16:creationId xmlns:a16="http://schemas.microsoft.com/office/drawing/2014/main" id="{40957B5A-03AD-46F1-BFF0-0F7A5F580424}"/>
+                  <a16:creationId xmlns:a16="http://schemas.microsoft.com/office/drawing/2014/main" id="{39F23D4B-D9F8-4835-B81F-C8F84257C887}"/>
                 </a:ext>
               </a:extLst>
             </p:cNvPr>
@@ -19872,8 +25724,8 @@
           </p:nvSpPr>
           <p:spPr>
             <a:xfrm>
-              <a:off x="1256241" y="3461551"/>
-              <a:ext cx="1044000" cy="108000"/>
+              <a:off x="1472268" y="3318792"/>
+              <a:ext cx="540000" cy="144000"/>
             </a:xfrm>
             <a:prstGeom prst="rect">
               <a:avLst/>
@@ -19911,18 +25763,7 @@
                   <a:ea typeface="Tahoma" panose="020B0604030504040204" pitchFamily="34" charset="0"/>
                   <a:cs typeface="Tahoma" panose="020B0604030504040204" pitchFamily="34" charset="0"/>
                 </a:rPr>
-                <a:t>open_his_data</a:t>
-              </a:r>
-              <a:r>
-                <a:rPr lang="en-US" sz="600" b="1" dirty="0">
-                  <a:solidFill>
-                    <a:schemeClr val="bg1"/>
-                  </a:solidFill>
-                  <a:latin typeface="Tahoma" panose="020B0604030504040204" pitchFamily="34" charset="0"/>
-                  <a:ea typeface="Tahoma" panose="020B0604030504040204" pitchFamily="34" charset="0"/>
-                  <a:cs typeface="Tahoma" panose="020B0604030504040204" pitchFamily="34" charset="0"/>
-                </a:rPr>
-                <a:t>.py</a:t>
+                <a:t>open_his_data.py</a:t>
               </a:r>
               <a:endParaRPr lang="th-TH" sz="600" b="1" dirty="0">
                 <a:solidFill>
@@ -19937,10 +25778,10 @@
         </p:sp>
         <p:pic>
           <p:nvPicPr>
-            <p:cNvPr id="129" name="Picture 8" descr="GitHub - pirasanthan-jesugeevegan/amt-cypress-weatherAPI: This is a task to  Automate the OpenWeather API using Cypress and Mochawesome report, Please  see below for the Test Case that are automated">
+            <p:cNvPr id="41" name="Picture 8" descr="GitHub - pirasanthan-jesugeevegan/amt-cypress-weatherAPI: This is a task to  Automate the OpenWeather API using Cypress and Mochawesome report, Please  see below for the Test Case that are automated">
               <a:extLst>
                 <a:ext uri="{FF2B5EF4-FFF2-40B4-BE49-F238E27FC236}">
-                  <a16:creationId xmlns:a16="http://schemas.microsoft.com/office/drawing/2014/main" id="{1B370C35-E923-47F0-9D77-7485EC5276F4}"/>
+                  <a16:creationId xmlns:a16="http://schemas.microsoft.com/office/drawing/2014/main" id="{1EA44DEF-5B08-423C-A6F6-01BFC33E111B}"/>
                 </a:ext>
               </a:extLst>
             </p:cNvPr>
@@ -19950,7 +25791,7 @@
             <p:nvPr/>
           </p:nvPicPr>
           <p:blipFill>
-            <a:blip r:embed="rId7">
+            <a:blip r:embed="rId4">
               <a:lum bright="70000" contrast="-70000"/>
               <a:extLst>
                 <a:ext uri="{28A0092B-C50C-407E-A947-70E740481C1C}">
@@ -19965,7 +25806,7 @@
           </p:blipFill>
           <p:spPr bwMode="auto">
             <a:xfrm>
-              <a:off x="1568918" y="2904079"/>
+              <a:off x="1512292" y="2809520"/>
               <a:ext cx="522772" cy="223050"/>
             </a:xfrm>
             <a:prstGeom prst="rect">
@@ -19986,10 +25827,10 @@
       </p:grpSp>
       <p:grpSp>
         <p:nvGrpSpPr>
-          <p:cNvPr id="8" name="Group 7">
+          <p:cNvPr id="42" name="Group 41">
             <a:extLst>
               <a:ext uri="{FF2B5EF4-FFF2-40B4-BE49-F238E27FC236}">
-                <a16:creationId xmlns:a16="http://schemas.microsoft.com/office/drawing/2014/main" id="{698C6D7A-10F9-4B39-A6C9-521596E74C18}"/>
+                <a16:creationId xmlns:a16="http://schemas.microsoft.com/office/drawing/2014/main" id="{F79F498F-576A-4F8A-808B-B42075DB2EA6}"/>
               </a:ext>
             </a:extLst>
           </p:cNvPr>
@@ -19998,7 +25839,7 @@
         </p:nvGrpSpPr>
         <p:grpSpPr>
           <a:xfrm>
-            <a:off x="505430" y="5331928"/>
+            <a:off x="505278" y="5331928"/>
             <a:ext cx="2704745" cy="897410"/>
             <a:chOff x="542869" y="4804092"/>
             <a:chExt cx="2704745" cy="897410"/>
@@ -20006,10 +25847,10 @@
         </p:grpSpPr>
         <p:pic>
           <p:nvPicPr>
-            <p:cNvPr id="131" name="Picture 4" descr="Top 10 Tips for Using PowerShell ISE | Rana Omer Hussain's RegEdit">
+            <p:cNvPr id="43" name="Picture 4" descr="Top 10 Tips for Using PowerShell ISE | Rana Omer Hussain's RegEdit">
               <a:extLst>
                 <a:ext uri="{FF2B5EF4-FFF2-40B4-BE49-F238E27FC236}">
-                  <a16:creationId xmlns:a16="http://schemas.microsoft.com/office/drawing/2014/main" id="{635F9D71-D6AA-4ECE-92D7-8F21B3384E27}"/>
+                  <a16:creationId xmlns:a16="http://schemas.microsoft.com/office/drawing/2014/main" id="{ED76ED10-DA2F-4D62-9576-4F8D7A671C0A}"/>
                 </a:ext>
               </a:extLst>
             </p:cNvPr>
@@ -20019,7 +25860,7 @@
             <p:nvPr/>
           </p:nvPicPr>
           <p:blipFill>
-            <a:blip r:embed="rId3">
+            <a:blip r:embed="rId2">
               <a:extLst>
                 <a:ext uri="{28A0092B-C50C-407E-A947-70E740481C1C}">
                   <a14:useLocalDpi xmlns:a14="http://schemas.microsoft.com/office/drawing/2010/main" val="0"/>
@@ -20053,10 +25894,10 @@
         </p:pic>
         <p:sp>
           <p:nvSpPr>
-            <p:cNvPr id="132" name="Rectangle: Rounded Corners 131">
+            <p:cNvPr id="44" name="Rectangle: Rounded Corners 43">
               <a:extLst>
                 <a:ext uri="{FF2B5EF4-FFF2-40B4-BE49-F238E27FC236}">
-                  <a16:creationId xmlns:a16="http://schemas.microsoft.com/office/drawing/2014/main" id="{421C80E5-EBEE-4BA1-A01A-02E9FA8A7047}"/>
+                  <a16:creationId xmlns:a16="http://schemas.microsoft.com/office/drawing/2014/main" id="{3EA01F0B-3CFD-4FA0-A873-AA2354C8D1C9}"/>
                 </a:ext>
               </a:extLst>
             </p:cNvPr>
@@ -20123,17 +25964,17 @@
         </p:sp>
         <p:cxnSp>
           <p:nvCxnSpPr>
-            <p:cNvPr id="133" name="Straight Arrow Connector 132">
+            <p:cNvPr id="45" name="Straight Arrow Connector 44">
               <a:extLst>
                 <a:ext uri="{FF2B5EF4-FFF2-40B4-BE49-F238E27FC236}">
-                  <a16:creationId xmlns:a16="http://schemas.microsoft.com/office/drawing/2014/main" id="{F58247F2-886C-4593-9A9A-2932D657ABEB}"/>
+                  <a16:creationId xmlns:a16="http://schemas.microsoft.com/office/drawing/2014/main" id="{0FB23CDF-15A8-447A-AEFC-6486A9596B28}"/>
                 </a:ext>
               </a:extLst>
             </p:cNvPr>
             <p:cNvCxnSpPr>
               <a:cxnSpLocks/>
-              <a:stCxn id="131" idx="3"/>
-              <a:endCxn id="132" idx="1"/>
+              <a:stCxn id="43" idx="3"/>
+              <a:endCxn id="44" idx="1"/>
             </p:cNvCxnSpPr>
             <p:nvPr/>
           </p:nvCxnSpPr>
@@ -20169,10 +26010,10 @@
         </p:cxnSp>
         <p:sp>
           <p:nvSpPr>
-            <p:cNvPr id="134" name="TextBox 133">
+            <p:cNvPr id="46" name="TextBox 45">
               <a:extLst>
                 <a:ext uri="{FF2B5EF4-FFF2-40B4-BE49-F238E27FC236}">
-                  <a16:creationId xmlns:a16="http://schemas.microsoft.com/office/drawing/2014/main" id="{5BA1ABF0-E3BE-444F-BC07-D75CBC1B1AAB}"/>
+                  <a16:creationId xmlns:a16="http://schemas.microsoft.com/office/drawing/2014/main" id="{C6668C23-999B-4040-80E3-1B4822335FB8}"/>
                 </a:ext>
               </a:extLst>
             </p:cNvPr>
@@ -20225,10 +26066,10 @@
         </p:sp>
         <p:sp>
           <p:nvSpPr>
-            <p:cNvPr id="135" name="Rectangle 134">
+            <p:cNvPr id="47" name="Rectangle 46">
               <a:extLst>
                 <a:ext uri="{FF2B5EF4-FFF2-40B4-BE49-F238E27FC236}">
-                  <a16:creationId xmlns:a16="http://schemas.microsoft.com/office/drawing/2014/main" id="{4447666D-2CFE-48BB-AFA5-9E141612391E}"/>
+                  <a16:creationId xmlns:a16="http://schemas.microsoft.com/office/drawing/2014/main" id="{711C8599-3330-400E-BB08-4F9C173DA2CB}"/>
                 </a:ext>
               </a:extLst>
             </p:cNvPr>
@@ -20304,17 +26145,17 @@
         </p:sp>
         <p:cxnSp>
           <p:nvCxnSpPr>
-            <p:cNvPr id="136" name="Straight Arrow Connector 135">
+            <p:cNvPr id="48" name="Straight Arrow Connector 47">
               <a:extLst>
                 <a:ext uri="{FF2B5EF4-FFF2-40B4-BE49-F238E27FC236}">
-                  <a16:creationId xmlns:a16="http://schemas.microsoft.com/office/drawing/2014/main" id="{ED459DC3-2F50-4447-80FE-1FB5BFEA66F0}"/>
+                  <a16:creationId xmlns:a16="http://schemas.microsoft.com/office/drawing/2014/main" id="{F16A8874-72A2-4120-8BD3-194B7DB3D5DD}"/>
                 </a:ext>
               </a:extLst>
             </p:cNvPr>
             <p:cNvCxnSpPr>
               <a:cxnSpLocks/>
-              <a:stCxn id="135" idx="3"/>
-              <a:endCxn id="131" idx="1"/>
+              <a:stCxn id="47" idx="3"/>
+              <a:endCxn id="43" idx="1"/>
             </p:cNvCxnSpPr>
             <p:nvPr/>
           </p:nvCxnSpPr>
@@ -20350,10 +26191,10 @@
         </p:cxnSp>
         <p:pic>
           <p:nvPicPr>
-            <p:cNvPr id="137" name="Picture 10" descr="Database Symbol Png - Database Icon Flat - Free Transparent PNG Clipart  Images Download">
+            <p:cNvPr id="49" name="Picture 10" descr="Database Symbol Png - Database Icon Flat - Free Transparent PNG Clipart  Images Download">
               <a:extLst>
                 <a:ext uri="{FF2B5EF4-FFF2-40B4-BE49-F238E27FC236}">
-                  <a16:creationId xmlns:a16="http://schemas.microsoft.com/office/drawing/2014/main" id="{5472FBF4-AD06-4117-AF3E-FA1E9EE4B184}"/>
+                  <a16:creationId xmlns:a16="http://schemas.microsoft.com/office/drawing/2014/main" id="{AFB66B70-F8EE-4FD5-8A5B-BA2F568799BF}"/>
                 </a:ext>
               </a:extLst>
             </p:cNvPr>
@@ -20363,12 +26204,12 @@
             <p:nvPr/>
           </p:nvPicPr>
           <p:blipFill>
-            <a:blip r:embed="rId4">
+            <a:blip r:embed="rId5">
               <a:lum bright="70000" contrast="-70000"/>
               <a:extLst>
                 <a:ext uri="{BEBA8EAE-BF5A-486C-A8C5-ECC9F3942E4B}">
                   <a14:imgProps xmlns:a14="http://schemas.microsoft.com/office/drawing/2010/main">
-                    <a14:imgLayer r:embed="rId5">
+                    <a14:imgLayer r:embed="rId6">
                       <a14:imgEffect>
                         <a14:backgroundRemoval t="8113" b="89947" l="10000" r="90000">
                           <a14:foregroundMark x1="52262" y1="8113" x2="52262" y2="8113"/>
@@ -20412,10 +26253,10 @@
         </p:pic>
         <p:sp>
           <p:nvSpPr>
-            <p:cNvPr id="138" name="Rectangle 137">
+            <p:cNvPr id="50" name="Rectangle 49">
               <a:extLst>
                 <a:ext uri="{FF2B5EF4-FFF2-40B4-BE49-F238E27FC236}">
-                  <a16:creationId xmlns:a16="http://schemas.microsoft.com/office/drawing/2014/main" id="{9E0D6657-3363-4423-A556-276105D86741}"/>
+                  <a16:creationId xmlns:a16="http://schemas.microsoft.com/office/drawing/2014/main" id="{FD21DEE0-9431-40D2-AA87-429E4512DD3C}"/>
                 </a:ext>
               </a:extLst>
             </p:cNvPr>
@@ -20463,7 +26304,7 @@
                   <a:ea typeface="Tahoma" panose="020B0604030504040204" pitchFamily="34" charset="0"/>
                   <a:cs typeface="Tahoma" panose="020B0604030504040204" pitchFamily="34" charset="0"/>
                 </a:rPr>
-                <a:t>tmd_forecast.py</a:t>
+                <a:t>current_tmd_data.py</a:t>
               </a:r>
               <a:endParaRPr lang="th-TH" sz="600" b="1" dirty="0">
                 <a:solidFill>
@@ -20478,10 +26319,10 @@
         </p:sp>
         <p:pic>
           <p:nvPicPr>
-            <p:cNvPr id="1036" name="Picture 12" descr="กรมอุตุฯชี้แจงข่าวลือสภาพอากาศเลวร้ายที่เผยแพร่ตามสื่อสังคมออนไลน์">
+            <p:cNvPr id="51" name="Picture 12" descr="กรมอุตุฯชี้แจงข่าวลือสภาพอากาศเลวร้ายที่เผยแพร่ตามสื่อสังคมออนไลน์">
               <a:extLst>
                 <a:ext uri="{FF2B5EF4-FFF2-40B4-BE49-F238E27FC236}">
-                  <a16:creationId xmlns:a16="http://schemas.microsoft.com/office/drawing/2014/main" id="{DD288028-0516-4185-AD93-92EA50E277AC}"/>
+                  <a16:creationId xmlns:a16="http://schemas.microsoft.com/office/drawing/2014/main" id="{7D6D22DD-A164-41CB-8ACA-27CB670B9F52}"/>
                 </a:ext>
               </a:extLst>
             </p:cNvPr>
@@ -20491,7 +26332,7 @@
             <p:nvPr/>
           </p:nvPicPr>
           <p:blipFill rotWithShape="1">
-            <a:blip r:embed="rId8">
+            <a:blip r:embed="rId7">
               <a:extLst>
                 <a:ext uri="{28A0092B-C50C-407E-A947-70E740481C1C}">
                   <a14:useLocalDpi xmlns:a14="http://schemas.microsoft.com/office/drawing/2010/main" val="0"/>
@@ -20523,10 +26364,10 @@
         </p:pic>
         <p:sp>
           <p:nvSpPr>
-            <p:cNvPr id="2" name="Rectangle 1">
+            <p:cNvPr id="52" name="Rectangle 51">
               <a:extLst>
                 <a:ext uri="{FF2B5EF4-FFF2-40B4-BE49-F238E27FC236}">
-                  <a16:creationId xmlns:a16="http://schemas.microsoft.com/office/drawing/2014/main" id="{D8802755-4D27-4665-99A9-7CA5CFF7BA65}"/>
+                  <a16:creationId xmlns:a16="http://schemas.microsoft.com/office/drawing/2014/main" id="{07697B14-2E36-4375-B69A-324694D308E6}"/>
                 </a:ext>
               </a:extLst>
             </p:cNvPr>
@@ -20576,10 +26417,10 @@
         </p:sp>
         <p:sp>
           <p:nvSpPr>
-            <p:cNvPr id="51" name="Rectangle: Rounded Corners 50">
+            <p:cNvPr id="53" name="Rectangle: Rounded Corners 52">
               <a:extLst>
                 <a:ext uri="{FF2B5EF4-FFF2-40B4-BE49-F238E27FC236}">
-                  <a16:creationId xmlns:a16="http://schemas.microsoft.com/office/drawing/2014/main" id="{9628BD76-4BCE-4EBC-B1F2-E4A038B30B44}"/>
+                  <a16:creationId xmlns:a16="http://schemas.microsoft.com/office/drawing/2014/main" id="{CA44C13A-CA85-4B9A-9083-178C91456EFE}"/>
                 </a:ext>
               </a:extLst>
             </p:cNvPr>
@@ -20664,10 +26505,10 @@
       </p:grpSp>
       <p:grpSp>
         <p:nvGrpSpPr>
-          <p:cNvPr id="7" name="Group 6">
+          <p:cNvPr id="110" name="Group 109">
             <a:extLst>
               <a:ext uri="{FF2B5EF4-FFF2-40B4-BE49-F238E27FC236}">
-                <a16:creationId xmlns:a16="http://schemas.microsoft.com/office/drawing/2014/main" id="{81AD620D-FA7C-45B3-B973-96D039622400}"/>
+                <a16:creationId xmlns:a16="http://schemas.microsoft.com/office/drawing/2014/main" id="{3EF380B3-73F1-42C4-813E-CB910E99CDA7}"/>
               </a:ext>
             </a:extLst>
           </p:cNvPr>
@@ -20676,18 +26517,18 @@
         </p:nvGrpSpPr>
         <p:grpSpPr>
           <a:xfrm>
-            <a:off x="550751" y="3645830"/>
-            <a:ext cx="2614102" cy="623742"/>
-            <a:chOff x="569451" y="3812210"/>
-            <a:chExt cx="2614102" cy="623742"/>
+            <a:off x="619350" y="3613705"/>
+            <a:ext cx="2476601" cy="671636"/>
+            <a:chOff x="550751" y="3645830"/>
+            <a:chExt cx="2476601" cy="671636"/>
           </a:xfrm>
         </p:grpSpPr>
         <p:pic>
           <p:nvPicPr>
-            <p:cNvPr id="52" name="Picture 4" descr="Top 10 Tips for Using PowerShell ISE | Rana Omer Hussain's RegEdit">
+            <p:cNvPr id="55" name="Picture 4" descr="Top 10 Tips for Using PowerShell ISE | Rana Omer Hussain's RegEdit">
               <a:extLst>
                 <a:ext uri="{FF2B5EF4-FFF2-40B4-BE49-F238E27FC236}">
-                  <a16:creationId xmlns:a16="http://schemas.microsoft.com/office/drawing/2014/main" id="{6C638038-6D67-42E6-8F0D-E2FE84091720}"/>
+                  <a16:creationId xmlns:a16="http://schemas.microsoft.com/office/drawing/2014/main" id="{A1B8825B-8F1A-4C57-9850-BE670E59CAB9}"/>
                 </a:ext>
               </a:extLst>
             </p:cNvPr>
@@ -20697,7 +26538,7 @@
             <p:nvPr/>
           </p:nvPicPr>
           <p:blipFill>
-            <a:blip r:embed="rId3">
+            <a:blip r:embed="rId2">
               <a:extLst>
                 <a:ext uri="{28A0092B-C50C-407E-A947-70E740481C1C}">
                   <a14:useLocalDpi xmlns:a14="http://schemas.microsoft.com/office/drawing/2010/main" val="0"/>
@@ -20711,7 +26552,7 @@
           </p:blipFill>
           <p:spPr bwMode="auto">
             <a:xfrm>
-              <a:off x="1647454" y="4025297"/>
+              <a:off x="1628754" y="3858917"/>
               <a:ext cx="289849" cy="289849"/>
             </a:xfrm>
             <a:prstGeom prst="rect">
@@ -20731,10 +26572,10 @@
         </p:pic>
         <p:sp>
           <p:nvSpPr>
-            <p:cNvPr id="54" name="Rectangle: Rounded Corners 53">
+            <p:cNvPr id="56" name="Rectangle: Rounded Corners 55">
               <a:extLst>
                 <a:ext uri="{FF2B5EF4-FFF2-40B4-BE49-F238E27FC236}">
-                  <a16:creationId xmlns:a16="http://schemas.microsoft.com/office/drawing/2014/main" id="{ABAB8902-F022-41E8-9C9C-84F8EF9D4BA6}"/>
+                  <a16:creationId xmlns:a16="http://schemas.microsoft.com/office/drawing/2014/main" id="{E2F9B735-AD52-4D5C-BB43-F1F65720B93D}"/>
                 </a:ext>
               </a:extLst>
             </p:cNvPr>
@@ -20743,7 +26584,7 @@
           </p:nvSpPr>
           <p:spPr>
             <a:xfrm>
-              <a:off x="2480399" y="4095655"/>
+              <a:off x="2461699" y="3929275"/>
               <a:ext cx="565653" cy="144000"/>
             </a:xfrm>
             <a:prstGeom prst="roundRect">
@@ -20801,23 +26642,23 @@
         </p:sp>
         <p:cxnSp>
           <p:nvCxnSpPr>
-            <p:cNvPr id="55" name="Straight Arrow Connector 54">
+            <p:cNvPr id="57" name="Straight Arrow Connector 56">
               <a:extLst>
                 <a:ext uri="{FF2B5EF4-FFF2-40B4-BE49-F238E27FC236}">
-                  <a16:creationId xmlns:a16="http://schemas.microsoft.com/office/drawing/2014/main" id="{83F45A9D-CC4C-4CF1-8ECC-741CC9858D38}"/>
+                  <a16:creationId xmlns:a16="http://schemas.microsoft.com/office/drawing/2014/main" id="{B77B291E-F17B-4E44-AD5F-6BF1FB51A90F}"/>
                 </a:ext>
               </a:extLst>
             </p:cNvPr>
             <p:cNvCxnSpPr>
               <a:cxnSpLocks/>
-              <a:stCxn id="52" idx="3"/>
-              <a:endCxn id="54" idx="1"/>
+              <a:stCxn id="55" idx="3"/>
+              <a:endCxn id="56" idx="1"/>
             </p:cNvCxnSpPr>
             <p:nvPr/>
           </p:nvCxnSpPr>
           <p:spPr>
             <a:xfrm flipV="1">
-              <a:off x="1937303" y="4167655"/>
+              <a:off x="1918603" y="4001275"/>
               <a:ext cx="543096" cy="2567"/>
             </a:xfrm>
             <a:prstGeom prst="straightConnector1">
@@ -20847,10 +26688,10 @@
         </p:cxnSp>
         <p:sp>
           <p:nvSpPr>
-            <p:cNvPr id="56" name="TextBox 55">
+            <p:cNvPr id="58" name="TextBox 57">
               <a:extLst>
                 <a:ext uri="{FF2B5EF4-FFF2-40B4-BE49-F238E27FC236}">
-                  <a16:creationId xmlns:a16="http://schemas.microsoft.com/office/drawing/2014/main" id="{E8A41A07-9DE5-45AA-A986-0022FB055A70}"/>
+                  <a16:creationId xmlns:a16="http://schemas.microsoft.com/office/drawing/2014/main" id="{C3CEB689-3134-494B-A09A-378BCA7723E7}"/>
                 </a:ext>
               </a:extLst>
             </p:cNvPr>
@@ -20859,7 +26700,7 @@
           </p:nvSpPr>
           <p:spPr>
             <a:xfrm>
-              <a:off x="2617372" y="4210784"/>
+              <a:off x="2448444" y="4021115"/>
               <a:ext cx="566181" cy="184666"/>
             </a:xfrm>
             <a:prstGeom prst="rect">
@@ -20903,10 +26744,10 @@
         </p:sp>
         <p:sp>
           <p:nvSpPr>
-            <p:cNvPr id="57" name="Rectangle 56">
+            <p:cNvPr id="59" name="Rectangle 58">
               <a:extLst>
                 <a:ext uri="{FF2B5EF4-FFF2-40B4-BE49-F238E27FC236}">
-                  <a16:creationId xmlns:a16="http://schemas.microsoft.com/office/drawing/2014/main" id="{DF4BFC2F-B349-4F68-AC9F-6613D94526CE}"/>
+                  <a16:creationId xmlns:a16="http://schemas.microsoft.com/office/drawing/2014/main" id="{83C0ACDD-1FAB-4958-85FD-8E61437D9270}"/>
                 </a:ext>
               </a:extLst>
             </p:cNvPr>
@@ -20915,7 +26756,7 @@
           </p:nvSpPr>
           <p:spPr>
             <a:xfrm>
-              <a:off x="569451" y="4119981"/>
+              <a:off x="550751" y="3953601"/>
               <a:ext cx="576000" cy="108000"/>
             </a:xfrm>
             <a:prstGeom prst="rect">
@@ -20982,23 +26823,23 @@
         </p:sp>
         <p:cxnSp>
           <p:nvCxnSpPr>
-            <p:cNvPr id="58" name="Straight Arrow Connector 57">
+            <p:cNvPr id="60" name="Straight Arrow Connector 59">
               <a:extLst>
                 <a:ext uri="{FF2B5EF4-FFF2-40B4-BE49-F238E27FC236}">
-                  <a16:creationId xmlns:a16="http://schemas.microsoft.com/office/drawing/2014/main" id="{84D0CF7F-46E1-47C5-A208-3AA1E2310379}"/>
+                  <a16:creationId xmlns:a16="http://schemas.microsoft.com/office/drawing/2014/main" id="{8C0E1B54-4D31-49C3-BD2D-35849A8DD9D6}"/>
                 </a:ext>
               </a:extLst>
             </p:cNvPr>
             <p:cNvCxnSpPr>
               <a:cxnSpLocks/>
-              <a:stCxn id="57" idx="3"/>
-              <a:endCxn id="52" idx="1"/>
+              <a:stCxn id="59" idx="3"/>
+              <a:endCxn id="55" idx="1"/>
             </p:cNvCxnSpPr>
             <p:nvPr/>
           </p:nvCxnSpPr>
           <p:spPr>
             <a:xfrm flipV="1">
-              <a:off x="1145451" y="4170222"/>
+              <a:off x="1126751" y="4003842"/>
               <a:ext cx="502003" cy="3759"/>
             </a:xfrm>
             <a:prstGeom prst="straightConnector1">
@@ -21026,74 +26867,12 @@
             </a:fontRef>
           </p:style>
         </p:cxnSp>
-        <p:pic>
-          <p:nvPicPr>
-            <p:cNvPr id="60" name="Picture 10" descr="Database Symbol Png - Database Icon Flat - Free Transparent PNG Clipart  Images Download">
+        <p:sp>
+          <p:nvSpPr>
+            <p:cNvPr id="62" name="Rectangle 61">
               <a:extLst>
                 <a:ext uri="{FF2B5EF4-FFF2-40B4-BE49-F238E27FC236}">
-                  <a16:creationId xmlns:a16="http://schemas.microsoft.com/office/drawing/2014/main" id="{6410A124-EC4F-4D53-9103-C4C961BF67B0}"/>
-                </a:ext>
-              </a:extLst>
-            </p:cNvPr>
-            <p:cNvPicPr>
-              <a:picLocks noChangeAspect="1" noChangeArrowheads="1"/>
-            </p:cNvPicPr>
-            <p:nvPr/>
-          </p:nvPicPr>
-          <p:blipFill>
-            <a:blip r:embed="rId4">
-              <a:lum bright="70000" contrast="-70000"/>
-              <a:extLst>
-                <a:ext uri="{BEBA8EAE-BF5A-486C-A8C5-ECC9F3942E4B}">
-                  <a14:imgProps xmlns:a14="http://schemas.microsoft.com/office/drawing/2010/main">
-                    <a14:imgLayer r:embed="rId5">
-                      <a14:imgEffect>
-                        <a14:backgroundRemoval t="8113" b="89947" l="10000" r="90000">
-                          <a14:foregroundMark x1="52262" y1="8113" x2="52262" y2="8113"/>
-                          <a14:foregroundMark x1="50952" y1="49030" x2="50952" y2="49559"/>
-                          <a14:foregroundMark x1="50714" y1="69841" x2="50714" y2="69841"/>
-                          <a14:foregroundMark x1="46548" y1="84480" x2="46548" y2="84480"/>
-                        </a14:backgroundRemoval>
-                      </a14:imgEffect>
-                    </a14:imgLayer>
-                  </a14:imgProps>
-                </a:ext>
-                <a:ext uri="{28A0092B-C50C-407E-A947-70E740481C1C}">
-                  <a14:useLocalDpi xmlns:a14="http://schemas.microsoft.com/office/drawing/2010/main" val="0"/>
-                </a:ext>
-              </a:extLst>
-            </a:blip>
-            <a:srcRect/>
-            <a:stretch>
-              <a:fillRect/>
-            </a:stretch>
-          </p:blipFill>
-          <p:spPr bwMode="auto">
-            <a:xfrm>
-              <a:off x="2918973" y="4073518"/>
-              <a:ext cx="264052" cy="178235"/>
-            </a:xfrm>
-            <a:prstGeom prst="rect">
-              <a:avLst/>
-            </a:prstGeom>
-            <a:noFill/>
-            <a:extLst>
-              <a:ext uri="{909E8E84-426E-40DD-AFC4-6F175D3DCCD1}">
-                <a14:hiddenFill xmlns:a14="http://schemas.microsoft.com/office/drawing/2010/main">
-                  <a:solidFill>
-                    <a:srgbClr val="FFFFFF"/>
-                  </a:solidFill>
-                </a14:hiddenFill>
-              </a:ext>
-            </a:extLst>
-          </p:spPr>
-        </p:pic>
-        <p:sp>
-          <p:nvSpPr>
-            <p:cNvPr id="61" name="Rectangle 60">
-              <a:extLst>
-                <a:ext uri="{FF2B5EF4-FFF2-40B4-BE49-F238E27FC236}">
-                  <a16:creationId xmlns:a16="http://schemas.microsoft.com/office/drawing/2014/main" id="{6EEB7E11-AF5F-42D1-8B08-71842D8DCA0E}"/>
+                  <a16:creationId xmlns:a16="http://schemas.microsoft.com/office/drawing/2014/main" id="{E5DB8CBE-580D-4D29-AD2D-30393980A454}"/>
                 </a:ext>
               </a:extLst>
             </p:cNvPr>
@@ -21102,8 +26881,8 @@
           </p:nvSpPr>
           <p:spPr>
             <a:xfrm>
-              <a:off x="1270378" y="4327952"/>
-              <a:ext cx="1044000" cy="108000"/>
+              <a:off x="1422733" y="4137466"/>
+              <a:ext cx="756000" cy="180000"/>
             </a:xfrm>
             <a:prstGeom prst="rect">
               <a:avLst/>
@@ -21141,7 +26920,7 @@
                   <a:ea typeface="Tahoma" panose="020B0604030504040204" pitchFamily="34" charset="0"/>
                   <a:cs typeface="Tahoma" panose="020B0604030504040204" pitchFamily="34" charset="0"/>
                 </a:rPr>
-                <a:t>wg_his_data.py</a:t>
+                <a:t>wunderground_current.py</a:t>
               </a:r>
               <a:endParaRPr lang="th-TH" sz="600" b="1" dirty="0">
                 <a:solidFill>
@@ -21156,10 +26935,10 @@
         </p:sp>
         <p:pic>
           <p:nvPicPr>
-            <p:cNvPr id="1030" name="Picture 6" descr="Climate Signals Weather Underground Free Clipart - Weather Underground -  Free Transparent PNG Clipart Images Download">
+            <p:cNvPr id="63" name="Picture 6" descr="Climate Signals Weather Underground Free Clipart - Weather Underground -  Free Transparent PNG Clipart Images Download">
               <a:extLst>
                 <a:ext uri="{FF2B5EF4-FFF2-40B4-BE49-F238E27FC236}">
-                  <a16:creationId xmlns:a16="http://schemas.microsoft.com/office/drawing/2014/main" id="{C30CBB66-9754-4E27-A566-F88E7996DFD4}"/>
+                  <a16:creationId xmlns:a16="http://schemas.microsoft.com/office/drawing/2014/main" id="{4FF03D8C-1BAE-42EB-A27B-0E4CC2CB03E6}"/>
                 </a:ext>
               </a:extLst>
             </p:cNvPr>
@@ -21169,12 +26948,12 @@
             <p:nvPr/>
           </p:nvPicPr>
           <p:blipFill rotWithShape="1">
-            <a:blip r:embed="rId9">
+            <a:blip r:embed="rId8">
               <a:lum bright="70000" contrast="-70000"/>
               <a:extLst>
                 <a:ext uri="{BEBA8EAE-BF5A-486C-A8C5-ECC9F3942E4B}">
                   <a14:imgProps xmlns:a14="http://schemas.microsoft.com/office/drawing/2010/main">
-                    <a14:imgLayer r:embed="rId10">
+                    <a14:imgLayer r:embed="rId9">
                       <a14:imgEffect>
                         <a14:backgroundRemoval t="9877" b="89712" l="7143" r="94286">
                           <a14:foregroundMark x1="7143" y1="55967" x2="8095" y2="64198"/>
@@ -21223,7 +27002,7 @@
           </p:blipFill>
           <p:spPr bwMode="auto">
             <a:xfrm>
-              <a:off x="1339420" y="3812210"/>
+              <a:off x="1320720" y="3645830"/>
               <a:ext cx="907302" cy="188100"/>
             </a:xfrm>
             <a:prstGeom prst="rect">
@@ -21244,10 +27023,10 @@
       </p:grpSp>
       <p:grpSp>
         <p:nvGrpSpPr>
-          <p:cNvPr id="10" name="Group 9">
+          <p:cNvPr id="111" name="Group 110">
             <a:extLst>
               <a:ext uri="{FF2B5EF4-FFF2-40B4-BE49-F238E27FC236}">
-                <a16:creationId xmlns:a16="http://schemas.microsoft.com/office/drawing/2014/main" id="{8B3FDF0C-F687-409C-A783-13C88A1289F9}"/>
+                <a16:creationId xmlns:a16="http://schemas.microsoft.com/office/drawing/2014/main" id="{ACB490AA-2FDB-439C-8DC8-FD1EFC99FC5D}"/>
               </a:ext>
             </a:extLst>
           </p:cNvPr>
@@ -21256,18 +27035,18 @@
         </p:nvGrpSpPr>
         <p:grpSpPr>
           <a:xfrm>
-            <a:off x="509875" y="4470050"/>
-            <a:ext cx="2695855" cy="661398"/>
-            <a:chOff x="568574" y="4418275"/>
-            <a:chExt cx="2695855" cy="661398"/>
+            <a:off x="548682" y="4485987"/>
+            <a:ext cx="2617937" cy="645293"/>
+            <a:chOff x="509875" y="4470050"/>
+            <a:chExt cx="2617937" cy="645293"/>
           </a:xfrm>
         </p:grpSpPr>
         <p:pic>
           <p:nvPicPr>
-            <p:cNvPr id="69" name="Picture 4" descr="Top 10 Tips for Using PowerShell ISE | Rana Omer Hussain's RegEdit">
+            <p:cNvPr id="65" name="Picture 4" descr="Top 10 Tips for Using PowerShell ISE | Rana Omer Hussain's RegEdit">
               <a:extLst>
                 <a:ext uri="{FF2B5EF4-FFF2-40B4-BE49-F238E27FC236}">
-                  <a16:creationId xmlns:a16="http://schemas.microsoft.com/office/drawing/2014/main" id="{55195280-E670-4E9A-9E93-BD6BD0202624}"/>
+                  <a16:creationId xmlns:a16="http://schemas.microsoft.com/office/drawing/2014/main" id="{50896568-8AF6-4C4B-A7AE-6904A6AF944E}"/>
                 </a:ext>
               </a:extLst>
             </p:cNvPr>
@@ -21277,7 +27056,7 @@
             <p:nvPr/>
           </p:nvPicPr>
           <p:blipFill>
-            <a:blip r:embed="rId3">
+            <a:blip r:embed="rId2">
               <a:extLst>
                 <a:ext uri="{28A0092B-C50C-407E-A947-70E740481C1C}">
                   <a14:useLocalDpi xmlns:a14="http://schemas.microsoft.com/office/drawing/2010/main" val="0"/>
@@ -21291,7 +27070,7 @@
           </p:blipFill>
           <p:spPr bwMode="auto">
             <a:xfrm>
-              <a:off x="1646577" y="4669018"/>
+              <a:off x="1587878" y="4720793"/>
               <a:ext cx="289849" cy="289849"/>
             </a:xfrm>
             <a:prstGeom prst="rect">
@@ -21311,10 +27090,10 @@
         </p:pic>
         <p:sp>
           <p:nvSpPr>
-            <p:cNvPr id="70" name="Rectangle: Rounded Corners 69">
+            <p:cNvPr id="66" name="Rectangle: Rounded Corners 65">
               <a:extLst>
                 <a:ext uri="{FF2B5EF4-FFF2-40B4-BE49-F238E27FC236}">
-                  <a16:creationId xmlns:a16="http://schemas.microsoft.com/office/drawing/2014/main" id="{2E8EBEE1-8878-486C-9267-AA57A0C9A363}"/>
+                  <a16:creationId xmlns:a16="http://schemas.microsoft.com/office/drawing/2014/main" id="{D6000B03-C48B-4FF5-8F80-BDC1D650F27C}"/>
                 </a:ext>
               </a:extLst>
             </p:cNvPr>
@@ -21323,7 +27102,7 @@
           </p:nvSpPr>
           <p:spPr>
             <a:xfrm>
-              <a:off x="2479522" y="4739376"/>
+              <a:off x="2420823" y="4791151"/>
               <a:ext cx="565653" cy="144000"/>
             </a:xfrm>
             <a:prstGeom prst="roundRect">
@@ -21381,23 +27160,23 @@
         </p:sp>
         <p:cxnSp>
           <p:nvCxnSpPr>
-            <p:cNvPr id="74" name="Straight Arrow Connector 73">
+            <p:cNvPr id="67" name="Straight Arrow Connector 66">
               <a:extLst>
                 <a:ext uri="{FF2B5EF4-FFF2-40B4-BE49-F238E27FC236}">
-                  <a16:creationId xmlns:a16="http://schemas.microsoft.com/office/drawing/2014/main" id="{064BD953-095D-454F-A765-01379237825B}"/>
+                  <a16:creationId xmlns:a16="http://schemas.microsoft.com/office/drawing/2014/main" id="{C4C30568-7FF5-465C-832D-53FB67054BDE}"/>
                 </a:ext>
               </a:extLst>
             </p:cNvPr>
             <p:cNvCxnSpPr>
               <a:cxnSpLocks/>
-              <a:stCxn id="69" idx="3"/>
-              <a:endCxn id="70" idx="1"/>
+              <a:stCxn id="65" idx="3"/>
+              <a:endCxn id="66" idx="1"/>
             </p:cNvCxnSpPr>
             <p:nvPr/>
           </p:nvCxnSpPr>
           <p:spPr>
             <a:xfrm flipV="1">
-              <a:off x="1936426" y="4811376"/>
+              <a:off x="1877727" y="4863151"/>
               <a:ext cx="543096" cy="2567"/>
             </a:xfrm>
             <a:prstGeom prst="straightConnector1">
@@ -21427,10 +27206,10 @@
         </p:cxnSp>
         <p:sp>
           <p:nvSpPr>
-            <p:cNvPr id="75" name="TextBox 74">
+            <p:cNvPr id="68" name="TextBox 67">
               <a:extLst>
                 <a:ext uri="{FF2B5EF4-FFF2-40B4-BE49-F238E27FC236}">
-                  <a16:creationId xmlns:a16="http://schemas.microsoft.com/office/drawing/2014/main" id="{DF95FD34-5CFD-499C-BD8A-A85A2187FA18}"/>
+                  <a16:creationId xmlns:a16="http://schemas.microsoft.com/office/drawing/2014/main" id="{6E8BEAC5-52D3-433D-A9A6-297E93BA0C81}"/>
                 </a:ext>
               </a:extLst>
             </p:cNvPr>
@@ -21439,7 +27218,7 @@
           </p:nvSpPr>
           <p:spPr>
             <a:xfrm>
-              <a:off x="2616495" y="4854505"/>
+              <a:off x="2479878" y="4884380"/>
               <a:ext cx="647934" cy="184666"/>
             </a:xfrm>
             <a:prstGeom prst="rect">
@@ -21483,10 +27262,10 @@
         </p:sp>
         <p:sp>
           <p:nvSpPr>
-            <p:cNvPr id="76" name="Rectangle 75">
+            <p:cNvPr id="69" name="Rectangle 68">
               <a:extLst>
                 <a:ext uri="{FF2B5EF4-FFF2-40B4-BE49-F238E27FC236}">
-                  <a16:creationId xmlns:a16="http://schemas.microsoft.com/office/drawing/2014/main" id="{BE2CD412-DE50-4E66-A810-4DE47031A48B}"/>
+                  <a16:creationId xmlns:a16="http://schemas.microsoft.com/office/drawing/2014/main" id="{6702F0ED-2EFE-4919-A0B1-B9F941B21C63}"/>
                 </a:ext>
               </a:extLst>
             </p:cNvPr>
@@ -21495,7 +27274,7 @@
           </p:nvSpPr>
           <p:spPr>
             <a:xfrm>
-              <a:off x="568574" y="4763702"/>
+              <a:off x="509875" y="4815477"/>
               <a:ext cx="576000" cy="108000"/>
             </a:xfrm>
             <a:prstGeom prst="rect">
@@ -21562,23 +27341,23 @@
         </p:sp>
         <p:cxnSp>
           <p:nvCxnSpPr>
-            <p:cNvPr id="77" name="Straight Arrow Connector 76">
+            <p:cNvPr id="70" name="Straight Arrow Connector 69">
               <a:extLst>
                 <a:ext uri="{FF2B5EF4-FFF2-40B4-BE49-F238E27FC236}">
-                  <a16:creationId xmlns:a16="http://schemas.microsoft.com/office/drawing/2014/main" id="{E0519510-8733-46BB-BF5C-CD25A775B81F}"/>
+                  <a16:creationId xmlns:a16="http://schemas.microsoft.com/office/drawing/2014/main" id="{363D28EA-EF9D-4C11-A596-0C31BD3914DA}"/>
                 </a:ext>
               </a:extLst>
             </p:cNvPr>
             <p:cNvCxnSpPr>
               <a:cxnSpLocks/>
-              <a:stCxn id="76" idx="3"/>
-              <a:endCxn id="69" idx="1"/>
+              <a:stCxn id="69" idx="3"/>
+              <a:endCxn id="65" idx="1"/>
             </p:cNvCxnSpPr>
             <p:nvPr/>
           </p:nvCxnSpPr>
           <p:spPr>
             <a:xfrm flipV="1">
-              <a:off x="1144574" y="4813943"/>
+              <a:off x="1085875" y="4865718"/>
               <a:ext cx="502003" cy="3759"/>
             </a:xfrm>
             <a:prstGeom prst="straightConnector1">
@@ -21608,10 +27387,10 @@
         </p:cxnSp>
         <p:pic>
           <p:nvPicPr>
-            <p:cNvPr id="78" name="Picture 10" descr="Database Symbol Png - Database Icon Flat - Free Transparent PNG Clipart  Images Download">
+            <p:cNvPr id="71" name="Picture 10" descr="Database Symbol Png - Database Icon Flat - Free Transparent PNG Clipart  Images Download">
               <a:extLst>
                 <a:ext uri="{FF2B5EF4-FFF2-40B4-BE49-F238E27FC236}">
-                  <a16:creationId xmlns:a16="http://schemas.microsoft.com/office/drawing/2014/main" id="{8B1D41C8-C4FC-49E8-B1DC-DE1FED72B5AA}"/>
+                  <a16:creationId xmlns:a16="http://schemas.microsoft.com/office/drawing/2014/main" id="{53189233-971A-498C-8F77-CF421D2BD951}"/>
                 </a:ext>
               </a:extLst>
             </p:cNvPr>
@@ -21621,12 +27400,12 @@
             <p:nvPr/>
           </p:nvPicPr>
           <p:blipFill>
-            <a:blip r:embed="rId4">
+            <a:blip r:embed="rId5">
               <a:lum bright="70000" contrast="-70000"/>
               <a:extLst>
                 <a:ext uri="{BEBA8EAE-BF5A-486C-A8C5-ECC9F3942E4B}">
                   <a14:imgProps xmlns:a14="http://schemas.microsoft.com/office/drawing/2010/main">
-                    <a14:imgLayer r:embed="rId5">
+                    <a14:imgLayer r:embed="rId6">
                       <a14:imgEffect>
                         <a14:backgroundRemoval t="8113" b="89947" l="10000" r="90000">
                           <a14:foregroundMark x1="52262" y1="8113" x2="52262" y2="8113"/>
@@ -21650,7 +27429,7 @@
           </p:blipFill>
           <p:spPr bwMode="auto">
             <a:xfrm>
-              <a:off x="2918096" y="4717239"/>
+              <a:off x="2859397" y="4769014"/>
               <a:ext cx="264052" cy="178235"/>
             </a:xfrm>
             <a:prstGeom prst="rect">
@@ -21670,10 +27449,10 @@
         </p:pic>
         <p:sp>
           <p:nvSpPr>
-            <p:cNvPr id="79" name="Rectangle 78">
+            <p:cNvPr id="72" name="Rectangle 71">
               <a:extLst>
                 <a:ext uri="{FF2B5EF4-FFF2-40B4-BE49-F238E27FC236}">
-                  <a16:creationId xmlns:a16="http://schemas.microsoft.com/office/drawing/2014/main" id="{FFEE1E76-5134-4B48-AC78-B18272CA707F}"/>
+                  <a16:creationId xmlns:a16="http://schemas.microsoft.com/office/drawing/2014/main" id="{96928C90-BCAC-4C6F-992D-EC29D893674A}"/>
                 </a:ext>
               </a:extLst>
             </p:cNvPr>
@@ -21682,8 +27461,8 @@
           </p:nvSpPr>
           <p:spPr>
             <a:xfrm>
-              <a:off x="1269501" y="4971673"/>
-              <a:ext cx="1044000" cy="108000"/>
+              <a:off x="1251541" y="5007343"/>
+              <a:ext cx="936000" cy="108000"/>
             </a:xfrm>
             <a:prstGeom prst="rect">
               <a:avLst/>
@@ -21721,7 +27500,7 @@
                   <a:ea typeface="Tahoma" panose="020B0604030504040204" pitchFamily="34" charset="0"/>
                   <a:cs typeface="Tahoma" panose="020B0604030504040204" pitchFamily="34" charset="0"/>
                 </a:rPr>
-                <a:t>wwo_his_data.py</a:t>
+                <a:t>wwo_curr_data.py</a:t>
               </a:r>
               <a:endParaRPr lang="th-TH" sz="600" b="1" dirty="0">
                 <a:solidFill>
@@ -21736,10 +27515,10 @@
         </p:sp>
         <p:pic>
           <p:nvPicPr>
-            <p:cNvPr id="81" name="Picture 4">
+            <p:cNvPr id="73" name="Picture 4">
               <a:extLst>
                 <a:ext uri="{FF2B5EF4-FFF2-40B4-BE49-F238E27FC236}">
-                  <a16:creationId xmlns:a16="http://schemas.microsoft.com/office/drawing/2014/main" id="{7A0251D2-2FCF-4518-9BB0-D5BFAB4FAB63}"/>
+                  <a16:creationId xmlns:a16="http://schemas.microsoft.com/office/drawing/2014/main" id="{773DE911-0287-4A11-BB17-F9AB62A2B39D}"/>
                 </a:ext>
               </a:extLst>
             </p:cNvPr>
@@ -21749,7 +27528,7 @@
             <p:nvPr/>
           </p:nvPicPr>
           <p:blipFill rotWithShape="1">
-            <a:blip r:embed="rId11">
+            <a:blip r:embed="rId10">
               <a:lum bright="70000" contrast="-70000"/>
               <a:extLst>
                 <a:ext uri="{28A0092B-C50C-407E-A947-70E740481C1C}">
@@ -21762,7 +27541,7 @@
           </p:blipFill>
           <p:spPr bwMode="auto">
             <a:xfrm>
-              <a:off x="1510114" y="4418275"/>
+              <a:off x="1451415" y="4470050"/>
               <a:ext cx="536253" cy="228801"/>
             </a:xfrm>
             <a:prstGeom prst="rect">
@@ -21783,17 +27562,16 @@
       </p:grpSp>
       <p:cxnSp>
         <p:nvCxnSpPr>
-          <p:cNvPr id="84" name="Straight Arrow Connector 83">
+          <p:cNvPr id="74" name="Straight Arrow Connector 73">
             <a:extLst>
               <a:ext uri="{FF2B5EF4-FFF2-40B4-BE49-F238E27FC236}">
-                <a16:creationId xmlns:a16="http://schemas.microsoft.com/office/drawing/2014/main" id="{41E2275F-2C08-41D1-916F-B54093D3B015}"/>
+                <a16:creationId xmlns:a16="http://schemas.microsoft.com/office/drawing/2014/main" id="{DCF3CB84-58F0-4A07-BBFA-F70786F60918}"/>
               </a:ext>
             </a:extLst>
           </p:cNvPr>
           <p:cNvCxnSpPr>
             <a:cxnSpLocks/>
-            <a:stCxn id="1034" idx="3"/>
-            <a:endCxn id="1060" idx="1"/>
+            <a:endCxn id="87" idx="1"/>
           </p:cNvCxnSpPr>
           <p:nvPr/>
         </p:nvCxnSpPr>
@@ -21829,17 +27607,16 @@
       </p:cxnSp>
       <p:cxnSp>
         <p:nvCxnSpPr>
-          <p:cNvPr id="87" name="Straight Arrow Connector 86">
+          <p:cNvPr id="75" name="Straight Arrow Connector 74">
             <a:extLst>
               <a:ext uri="{FF2B5EF4-FFF2-40B4-BE49-F238E27FC236}">
-                <a16:creationId xmlns:a16="http://schemas.microsoft.com/office/drawing/2014/main" id="{305B32CD-D99E-4BDB-A780-A9BC6430BCA4}"/>
+                <a16:creationId xmlns:a16="http://schemas.microsoft.com/office/drawing/2014/main" id="{ABAA29B8-79D2-4FAC-87E8-165AAE4EB217}"/>
               </a:ext>
             </a:extLst>
           </p:cNvPr>
           <p:cNvCxnSpPr>
             <a:cxnSpLocks/>
-            <a:stCxn id="113" idx="3"/>
-            <a:endCxn id="1060" idx="1"/>
+            <a:endCxn id="87" idx="1"/>
           </p:cNvCxnSpPr>
           <p:nvPr/>
         </p:nvCxnSpPr>
@@ -21875,17 +27652,16 @@
       </p:cxnSp>
       <p:cxnSp>
         <p:nvCxnSpPr>
-          <p:cNvPr id="90" name="Straight Arrow Connector 89">
+          <p:cNvPr id="76" name="Straight Arrow Connector 75">
             <a:extLst>
               <a:ext uri="{FF2B5EF4-FFF2-40B4-BE49-F238E27FC236}">
-                <a16:creationId xmlns:a16="http://schemas.microsoft.com/office/drawing/2014/main" id="{E7D7D34B-BA02-4079-8533-52FF44AF971D}"/>
+                <a16:creationId xmlns:a16="http://schemas.microsoft.com/office/drawing/2014/main" id="{689AC814-EAF8-43DE-9C60-CF797DE28FB2}"/>
               </a:ext>
             </a:extLst>
           </p:cNvPr>
           <p:cNvCxnSpPr>
             <a:cxnSpLocks/>
-            <a:stCxn id="114" idx="3"/>
-            <a:endCxn id="1060" idx="1"/>
+            <a:endCxn id="87" idx="1"/>
           </p:cNvCxnSpPr>
           <p:nvPr/>
         </p:nvCxnSpPr>
@@ -21921,17 +27697,16 @@
       </p:cxnSp>
       <p:cxnSp>
         <p:nvCxnSpPr>
-          <p:cNvPr id="95" name="Straight Arrow Connector 94">
+          <p:cNvPr id="77" name="Straight Arrow Connector 76">
             <a:extLst>
               <a:ext uri="{FF2B5EF4-FFF2-40B4-BE49-F238E27FC236}">
-                <a16:creationId xmlns:a16="http://schemas.microsoft.com/office/drawing/2014/main" id="{D4E198B7-7DE8-4982-8D2C-3C405E430A26}"/>
+                <a16:creationId xmlns:a16="http://schemas.microsoft.com/office/drawing/2014/main" id="{D4E1EDB9-A4BD-47D0-8235-EFDEA7B24539}"/>
               </a:ext>
             </a:extLst>
           </p:cNvPr>
           <p:cNvCxnSpPr>
             <a:cxnSpLocks/>
-            <a:stCxn id="125" idx="3"/>
-            <a:endCxn id="1060" idx="1"/>
+            <a:endCxn id="87" idx="1"/>
           </p:cNvCxnSpPr>
           <p:nvPr/>
         </p:nvCxnSpPr>
@@ -21967,17 +27742,16 @@
       </p:cxnSp>
       <p:cxnSp>
         <p:nvCxnSpPr>
-          <p:cNvPr id="98" name="Straight Arrow Connector 97">
+          <p:cNvPr id="78" name="Straight Arrow Connector 77">
             <a:extLst>
               <a:ext uri="{FF2B5EF4-FFF2-40B4-BE49-F238E27FC236}">
-                <a16:creationId xmlns:a16="http://schemas.microsoft.com/office/drawing/2014/main" id="{719489D0-94E3-4D6E-AE0E-B1FBF1D9BB3D}"/>
+                <a16:creationId xmlns:a16="http://schemas.microsoft.com/office/drawing/2014/main" id="{8098CC63-BC77-4E8B-9E68-379F2BB4664E}"/>
               </a:ext>
             </a:extLst>
           </p:cNvPr>
           <p:cNvCxnSpPr>
             <a:cxnSpLocks/>
-            <a:stCxn id="60" idx="3"/>
-            <a:endCxn id="1060" idx="1"/>
+            <a:endCxn id="87" idx="1"/>
           </p:cNvCxnSpPr>
           <p:nvPr/>
         </p:nvCxnSpPr>
@@ -22013,24 +27787,24 @@
       </p:cxnSp>
       <p:cxnSp>
         <p:nvCxnSpPr>
-          <p:cNvPr id="101" name="Straight Arrow Connector 100">
+          <p:cNvPr id="79" name="Straight Arrow Connector 78">
             <a:extLst>
               <a:ext uri="{FF2B5EF4-FFF2-40B4-BE49-F238E27FC236}">
-                <a16:creationId xmlns:a16="http://schemas.microsoft.com/office/drawing/2014/main" id="{2C82A426-06A3-4F11-8ACD-7F606E9E3026}"/>
+                <a16:creationId xmlns:a16="http://schemas.microsoft.com/office/drawing/2014/main" id="{DFDF6680-9475-4C98-BC79-1EDA39848ECB}"/>
               </a:ext>
             </a:extLst>
           </p:cNvPr>
           <p:cNvCxnSpPr>
             <a:cxnSpLocks/>
-            <a:stCxn id="78" idx="3"/>
-            <a:endCxn id="1060" idx="1"/>
+            <a:stCxn id="71" idx="3"/>
+            <a:endCxn id="87" idx="1"/>
           </p:cNvCxnSpPr>
           <p:nvPr/>
         </p:nvCxnSpPr>
         <p:spPr>
           <a:xfrm flipV="1">
-            <a:off x="3123449" y="3575100"/>
-            <a:ext cx="2438625" cy="1283032"/>
+            <a:off x="3162256" y="3575100"/>
+            <a:ext cx="2399818" cy="1298969"/>
           </a:xfrm>
           <a:prstGeom prst="straightConnector1">
             <a:avLst/>
@@ -22059,24 +27833,24 @@
       </p:cxnSp>
       <p:cxnSp>
         <p:nvCxnSpPr>
-          <p:cNvPr id="105" name="Straight Arrow Connector 104">
+          <p:cNvPr id="80" name="Straight Arrow Connector 79">
             <a:extLst>
               <a:ext uri="{FF2B5EF4-FFF2-40B4-BE49-F238E27FC236}">
-                <a16:creationId xmlns:a16="http://schemas.microsoft.com/office/drawing/2014/main" id="{C03CBA04-0559-4BF3-A60F-147D4849D2DD}"/>
+                <a16:creationId xmlns:a16="http://schemas.microsoft.com/office/drawing/2014/main" id="{439C1D46-2E59-4B4C-8E45-7787CAC279F3}"/>
               </a:ext>
             </a:extLst>
           </p:cNvPr>
           <p:cNvCxnSpPr>
             <a:cxnSpLocks/>
-            <a:stCxn id="137" idx="3"/>
-            <a:endCxn id="1060" idx="1"/>
+            <a:stCxn id="49" idx="3"/>
+            <a:endCxn id="87" idx="1"/>
           </p:cNvCxnSpPr>
           <p:nvPr/>
         </p:nvCxnSpPr>
         <p:spPr>
           <a:xfrm flipV="1">
-            <a:off x="3119004" y="3575100"/>
-            <a:ext cx="2443070" cy="2177666"/>
+            <a:off x="3118852" y="3575100"/>
+            <a:ext cx="2443222" cy="2177666"/>
           </a:xfrm>
           <a:prstGeom prst="straightConnector1">
             <a:avLst/>
@@ -22106,10 +27880,10 @@
       </p:cxnSp>
       <p:sp>
         <p:nvSpPr>
-          <p:cNvPr id="35" name="Rectangle 34">
+          <p:cNvPr id="81" name="Rectangle 80">
             <a:extLst>
               <a:ext uri="{FF2B5EF4-FFF2-40B4-BE49-F238E27FC236}">
-                <a16:creationId xmlns:a16="http://schemas.microsoft.com/office/drawing/2014/main" id="{B98C8C86-8562-491F-B062-E1EFAFF4A237}"/>
+                <a16:creationId xmlns:a16="http://schemas.microsoft.com/office/drawing/2014/main" id="{62672C19-A8A2-4AC1-97DB-582562414917}"/>
               </a:ext>
             </a:extLst>
           </p:cNvPr>
@@ -22159,10 +27933,10 @@
       </p:sp>
       <p:sp>
         <p:nvSpPr>
-          <p:cNvPr id="109" name="Rectangle: Rounded Corners 108">
+          <p:cNvPr id="82" name="Rectangle: Rounded Corners 81">
             <a:extLst>
               <a:ext uri="{FF2B5EF4-FFF2-40B4-BE49-F238E27FC236}">
-                <a16:creationId xmlns:a16="http://schemas.microsoft.com/office/drawing/2014/main" id="{0B179458-F66F-4887-8D07-A5AF97D6DB53}"/>
+                <a16:creationId xmlns:a16="http://schemas.microsoft.com/office/drawing/2014/main" id="{F19BCE64-3263-48C9-848B-21229FA881E2}"/>
               </a:ext>
             </a:extLst>
           </p:cNvPr>
@@ -22229,10 +28003,10 @@
       </p:sp>
       <p:pic>
         <p:nvPicPr>
-          <p:cNvPr id="1040" name="Picture 16" descr="18. Working with Vector Tiles — QGIS Documentation documentation">
+          <p:cNvPr id="83" name="Picture 16" descr="18. Working with Vector Tiles — QGIS Documentation documentation">
             <a:extLst>
               <a:ext uri="{FF2B5EF4-FFF2-40B4-BE49-F238E27FC236}">
-                <a16:creationId xmlns:a16="http://schemas.microsoft.com/office/drawing/2014/main" id="{3DC17224-4398-4A35-BC72-4FF9F7B840A8}"/>
+                <a16:creationId xmlns:a16="http://schemas.microsoft.com/office/drawing/2014/main" id="{084391EC-6489-47A4-82B5-3EEF49478F70}"/>
               </a:ext>
             </a:extLst>
           </p:cNvPr>
@@ -22242,7 +28016,7 @@
           <p:nvPr/>
         </p:nvPicPr>
         <p:blipFill rotWithShape="1">
-          <a:blip r:embed="rId12">
+          <a:blip r:embed="rId11">
             <a:extLst>
               <a:ext uri="{28A0092B-C50C-407E-A947-70E740481C1C}">
                 <a14:useLocalDpi xmlns:a14="http://schemas.microsoft.com/office/drawing/2010/main" val="0"/>
@@ -22274,10 +28048,10 @@
       </p:pic>
       <p:grpSp>
         <p:nvGrpSpPr>
-          <p:cNvPr id="1082" name="Group 1081">
+          <p:cNvPr id="84" name="Group 83">
             <a:extLst>
               <a:ext uri="{FF2B5EF4-FFF2-40B4-BE49-F238E27FC236}">
-                <a16:creationId xmlns:a16="http://schemas.microsoft.com/office/drawing/2014/main" id="{7B7F9344-DD0E-4EB6-B01E-B932DA31DC73}"/>
+                <a16:creationId xmlns:a16="http://schemas.microsoft.com/office/drawing/2014/main" id="{4F33C365-443C-4964-8BFA-830A54F5EE95}"/>
               </a:ext>
             </a:extLst>
           </p:cNvPr>
@@ -22294,10 +28068,10 @@
         </p:grpSpPr>
         <p:sp>
           <p:nvSpPr>
-            <p:cNvPr id="110" name="Rectangle 109">
+            <p:cNvPr id="85" name="Rectangle 84">
               <a:extLst>
                 <a:ext uri="{FF2B5EF4-FFF2-40B4-BE49-F238E27FC236}">
-                  <a16:creationId xmlns:a16="http://schemas.microsoft.com/office/drawing/2014/main" id="{1DB309E0-9358-4AE2-B7B7-79D688C6A050}"/>
+                  <a16:creationId xmlns:a16="http://schemas.microsoft.com/office/drawing/2014/main" id="{62C6F95E-B471-4FA0-B544-8028AE658B3E}"/>
                 </a:ext>
               </a:extLst>
             </p:cNvPr>
@@ -22347,10 +28121,10 @@
         </p:sp>
         <p:sp>
           <p:nvSpPr>
-            <p:cNvPr id="111" name="Rectangle: Rounded Corners 110">
+            <p:cNvPr id="86" name="Rectangle: Rounded Corners 85">
               <a:extLst>
                 <a:ext uri="{FF2B5EF4-FFF2-40B4-BE49-F238E27FC236}">
-                  <a16:creationId xmlns:a16="http://schemas.microsoft.com/office/drawing/2014/main" id="{EB6C95BB-0D30-419E-B41D-D17B08E1E8C1}"/>
+                  <a16:creationId xmlns:a16="http://schemas.microsoft.com/office/drawing/2014/main" id="{81760101-8DD5-488F-B2EF-4797072CA6FC}"/>
                 </a:ext>
               </a:extLst>
             </p:cNvPr>
@@ -22417,10 +28191,10 @@
         </p:sp>
         <p:pic>
           <p:nvPicPr>
-            <p:cNvPr id="1060" name="Picture 1059">
+            <p:cNvPr id="87" name="Picture 86">
               <a:extLst>
                 <a:ext uri="{FF2B5EF4-FFF2-40B4-BE49-F238E27FC236}">
-                  <a16:creationId xmlns:a16="http://schemas.microsoft.com/office/drawing/2014/main" id="{679D54D6-6F72-4AF8-88D5-0809F4188BD0}"/>
+                  <a16:creationId xmlns:a16="http://schemas.microsoft.com/office/drawing/2014/main" id="{2B4DE4DA-3A9B-458D-B501-13FCB3A000F4}"/>
                 </a:ext>
               </a:extLst>
             </p:cNvPr>
@@ -22430,7 +28204,7 @@
             <p:nvPr/>
           </p:nvPicPr>
           <p:blipFill>
-            <a:blip r:embed="rId13"/>
+            <a:blip r:embed="rId12"/>
             <a:stretch>
               <a:fillRect/>
             </a:stretch>
@@ -22448,16 +28222,16 @@
       </p:grpSp>
       <p:cxnSp>
         <p:nvCxnSpPr>
-          <p:cNvPr id="1084" name="Straight Arrow Connector 1083">
+          <p:cNvPr id="88" name="Straight Arrow Connector 87">
             <a:extLst>
               <a:ext uri="{FF2B5EF4-FFF2-40B4-BE49-F238E27FC236}">
-                <a16:creationId xmlns:a16="http://schemas.microsoft.com/office/drawing/2014/main" id="{586D784F-BDD4-4122-897E-387C2BDA248C}"/>
+                <a16:creationId xmlns:a16="http://schemas.microsoft.com/office/drawing/2014/main" id="{C9E3D90B-F729-41EE-A6CB-A563DD5781D1}"/>
               </a:ext>
             </a:extLst>
           </p:cNvPr>
           <p:cNvCxnSpPr>
             <a:cxnSpLocks/>
-            <a:stCxn id="1060" idx="3"/>
+            <a:stCxn id="87" idx="3"/>
           </p:cNvCxnSpPr>
           <p:nvPr/>
         </p:nvCxnSpPr>
@@ -22494,16 +28268,16 @@
       </p:cxnSp>
       <p:cxnSp>
         <p:nvCxnSpPr>
-          <p:cNvPr id="205" name="Straight Arrow Connector 204">
+          <p:cNvPr id="89" name="Straight Arrow Connector 88">
             <a:extLst>
               <a:ext uri="{FF2B5EF4-FFF2-40B4-BE49-F238E27FC236}">
-                <a16:creationId xmlns:a16="http://schemas.microsoft.com/office/drawing/2014/main" id="{CD2D1F7D-8E2D-4F8D-8F00-13A74C918AA1}"/>
+                <a16:creationId xmlns:a16="http://schemas.microsoft.com/office/drawing/2014/main" id="{4C16C548-4D4B-474E-AD30-5600C237AAD5}"/>
               </a:ext>
             </a:extLst>
           </p:cNvPr>
           <p:cNvCxnSpPr>
             <a:cxnSpLocks/>
-            <a:stCxn id="1060" idx="2"/>
+            <a:stCxn id="87" idx="2"/>
           </p:cNvCxnSpPr>
           <p:nvPr/>
         </p:nvCxnSpPr>
@@ -22540,10 +28314,10 @@
       </p:cxnSp>
       <p:cxnSp>
         <p:nvCxnSpPr>
-          <p:cNvPr id="208" name="Straight Arrow Connector 207">
+          <p:cNvPr id="90" name="Straight Arrow Connector 89">
             <a:extLst>
               <a:ext uri="{FF2B5EF4-FFF2-40B4-BE49-F238E27FC236}">
-                <a16:creationId xmlns:a16="http://schemas.microsoft.com/office/drawing/2014/main" id="{B0A4F280-618D-4269-B6B6-31CEED12FF94}"/>
+                <a16:creationId xmlns:a16="http://schemas.microsoft.com/office/drawing/2014/main" id="{3E26BE3F-2DC4-44BB-8B0F-307CC8F7DC86}"/>
               </a:ext>
             </a:extLst>
           </p:cNvPr>
@@ -22585,10 +28359,10 @@
       </p:cxnSp>
       <p:sp>
         <p:nvSpPr>
-          <p:cNvPr id="140" name="Oval 139">
+          <p:cNvPr id="91" name="Oval 90">
             <a:extLst>
               <a:ext uri="{FF2B5EF4-FFF2-40B4-BE49-F238E27FC236}">
-                <a16:creationId xmlns:a16="http://schemas.microsoft.com/office/drawing/2014/main" id="{9584A2D2-3C0D-404B-837A-64280C8BBAF5}"/>
+                <a16:creationId xmlns:a16="http://schemas.microsoft.com/office/drawing/2014/main" id="{63AE2F33-558B-403B-A505-38638FE83B1F}"/>
               </a:ext>
             </a:extLst>
           </p:cNvPr>
@@ -22637,10 +28411,10 @@
       </p:sp>
       <p:sp>
         <p:nvSpPr>
-          <p:cNvPr id="213" name="Oval 212">
+          <p:cNvPr id="92" name="Oval 91">
             <a:extLst>
               <a:ext uri="{FF2B5EF4-FFF2-40B4-BE49-F238E27FC236}">
-                <a16:creationId xmlns:a16="http://schemas.microsoft.com/office/drawing/2014/main" id="{B259FFE2-0301-4FE3-BF71-435C6A1F670E}"/>
+                <a16:creationId xmlns:a16="http://schemas.microsoft.com/office/drawing/2014/main" id="{E9113AB4-8BF5-4984-AAC6-6394ADD8E82D}"/>
               </a:ext>
             </a:extLst>
           </p:cNvPr>
@@ -22689,10 +28463,10 @@
       </p:sp>
       <p:sp>
         <p:nvSpPr>
-          <p:cNvPr id="214" name="Oval 213">
+          <p:cNvPr id="93" name="Oval 92">
             <a:extLst>
               <a:ext uri="{FF2B5EF4-FFF2-40B4-BE49-F238E27FC236}">
-                <a16:creationId xmlns:a16="http://schemas.microsoft.com/office/drawing/2014/main" id="{C671AD95-274C-4C53-A0A3-40176C8CF3B4}"/>
+                <a16:creationId xmlns:a16="http://schemas.microsoft.com/office/drawing/2014/main" id="{B06932C9-F3A7-445C-B2C6-3DBC1F1F7368}"/>
               </a:ext>
             </a:extLst>
           </p:cNvPr>
@@ -22741,10 +28515,10 @@
       </p:sp>
       <p:sp>
         <p:nvSpPr>
-          <p:cNvPr id="221" name="Oval 220">
+          <p:cNvPr id="94" name="Oval 93">
             <a:extLst>
               <a:ext uri="{FF2B5EF4-FFF2-40B4-BE49-F238E27FC236}">
-                <a16:creationId xmlns:a16="http://schemas.microsoft.com/office/drawing/2014/main" id="{29A8D8D1-7BD7-4E76-B345-65B7635B2B4A}"/>
+                <a16:creationId xmlns:a16="http://schemas.microsoft.com/office/drawing/2014/main" id="{20949D32-1E63-42D4-B64A-2DBF479268A3}"/>
               </a:ext>
             </a:extLst>
           </p:cNvPr>
@@ -22793,10 +28567,10 @@
       </p:sp>
       <p:sp>
         <p:nvSpPr>
-          <p:cNvPr id="222" name="Oval 221">
+          <p:cNvPr id="95" name="Oval 94">
             <a:extLst>
               <a:ext uri="{FF2B5EF4-FFF2-40B4-BE49-F238E27FC236}">
-                <a16:creationId xmlns:a16="http://schemas.microsoft.com/office/drawing/2014/main" id="{171B3C57-10E0-46C2-A044-EE9C7F1CA0EE}"/>
+                <a16:creationId xmlns:a16="http://schemas.microsoft.com/office/drawing/2014/main" id="{B84CE3CF-AE08-44C7-82B6-C6449D3A7A83}"/>
               </a:ext>
             </a:extLst>
           </p:cNvPr>
@@ -22845,10 +28619,10 @@
       </p:sp>
       <p:sp>
         <p:nvSpPr>
-          <p:cNvPr id="223" name="Oval 222">
+          <p:cNvPr id="96" name="Oval 95">
             <a:extLst>
               <a:ext uri="{FF2B5EF4-FFF2-40B4-BE49-F238E27FC236}">
-                <a16:creationId xmlns:a16="http://schemas.microsoft.com/office/drawing/2014/main" id="{7969EEB8-25CC-4EF6-A995-E6B83B99033A}"/>
+                <a16:creationId xmlns:a16="http://schemas.microsoft.com/office/drawing/2014/main" id="{4AAF79EF-1AC5-4C46-8E6D-45D0879DAE50}"/>
               </a:ext>
             </a:extLst>
           </p:cNvPr>
@@ -22897,10 +28671,10 @@
       </p:sp>
       <p:sp>
         <p:nvSpPr>
-          <p:cNvPr id="224" name="Oval 223">
+          <p:cNvPr id="97" name="Oval 96">
             <a:extLst>
               <a:ext uri="{FF2B5EF4-FFF2-40B4-BE49-F238E27FC236}">
-                <a16:creationId xmlns:a16="http://schemas.microsoft.com/office/drawing/2014/main" id="{F18C6EA0-AD58-494B-BBED-28790C969832}"/>
+                <a16:creationId xmlns:a16="http://schemas.microsoft.com/office/drawing/2014/main" id="{B0A71761-9FF4-4109-B0C7-28B9D471BB08}"/>
               </a:ext>
             </a:extLst>
           </p:cNvPr>
@@ -22949,10 +28723,10 @@
       </p:sp>
       <p:sp>
         <p:nvSpPr>
-          <p:cNvPr id="225" name="Oval 224">
+          <p:cNvPr id="98" name="Oval 97">
             <a:extLst>
               <a:ext uri="{FF2B5EF4-FFF2-40B4-BE49-F238E27FC236}">
-                <a16:creationId xmlns:a16="http://schemas.microsoft.com/office/drawing/2014/main" id="{B37E338E-7244-4171-A84C-7BF31F5954FB}"/>
+                <a16:creationId xmlns:a16="http://schemas.microsoft.com/office/drawing/2014/main" id="{4AA8F80B-51A5-4FD9-9A91-1CC015B9AD93}"/>
               </a:ext>
             </a:extLst>
           </p:cNvPr>
@@ -23001,10 +28775,10 @@
       </p:sp>
       <p:sp>
         <p:nvSpPr>
-          <p:cNvPr id="226" name="Oval 225">
+          <p:cNvPr id="99" name="Oval 98">
             <a:extLst>
               <a:ext uri="{FF2B5EF4-FFF2-40B4-BE49-F238E27FC236}">
-                <a16:creationId xmlns:a16="http://schemas.microsoft.com/office/drawing/2014/main" id="{049E78AF-0448-4D1D-BA0D-BE4D90FC661B}"/>
+                <a16:creationId xmlns:a16="http://schemas.microsoft.com/office/drawing/2014/main" id="{FF3DD043-6CC5-4313-AE85-800790B9D3F0}"/>
               </a:ext>
             </a:extLst>
           </p:cNvPr>
@@ -23053,10 +28827,10 @@
       </p:sp>
       <p:sp>
         <p:nvSpPr>
-          <p:cNvPr id="227" name="Oval 226">
+          <p:cNvPr id="100" name="Oval 99">
             <a:extLst>
               <a:ext uri="{FF2B5EF4-FFF2-40B4-BE49-F238E27FC236}">
-                <a16:creationId xmlns:a16="http://schemas.microsoft.com/office/drawing/2014/main" id="{AC4BCA31-A6B0-41FA-AF66-0E1AAC888778}"/>
+                <a16:creationId xmlns:a16="http://schemas.microsoft.com/office/drawing/2014/main" id="{86E50057-5C8B-4EA5-9F21-9C984C317C63}"/>
               </a:ext>
             </a:extLst>
           </p:cNvPr>
@@ -23105,10 +28879,10 @@
       </p:sp>
       <p:sp>
         <p:nvSpPr>
-          <p:cNvPr id="228" name="Oval 227">
+          <p:cNvPr id="101" name="Oval 100">
             <a:extLst>
               <a:ext uri="{FF2B5EF4-FFF2-40B4-BE49-F238E27FC236}">
-                <a16:creationId xmlns:a16="http://schemas.microsoft.com/office/drawing/2014/main" id="{399C950F-E366-4343-B241-551CD74BCA02}"/>
+                <a16:creationId xmlns:a16="http://schemas.microsoft.com/office/drawing/2014/main" id="{447A3E3D-10CB-4012-BF15-E7AB0956FD9D}"/>
               </a:ext>
             </a:extLst>
           </p:cNvPr>
@@ -23157,10 +28931,10 @@
       </p:sp>
       <p:sp>
         <p:nvSpPr>
-          <p:cNvPr id="229" name="Oval 228">
+          <p:cNvPr id="102" name="Oval 101">
             <a:extLst>
               <a:ext uri="{FF2B5EF4-FFF2-40B4-BE49-F238E27FC236}">
-                <a16:creationId xmlns:a16="http://schemas.microsoft.com/office/drawing/2014/main" id="{1998548E-F895-4C02-9A11-B8D6870EEB43}"/>
+                <a16:creationId xmlns:a16="http://schemas.microsoft.com/office/drawing/2014/main" id="{0F580681-9405-42E6-A9D6-652BD4AB26CA}"/>
               </a:ext>
             </a:extLst>
           </p:cNvPr>
@@ -23207,10 +28981,92 @@
           </a:p>
         </p:txBody>
       </p:sp>
+      <p:sp>
+        <p:nvSpPr>
+          <p:cNvPr id="106" name="Rectangle: Rounded Corners 105">
+            <a:extLst>
+              <a:ext uri="{FF2B5EF4-FFF2-40B4-BE49-F238E27FC236}">
+                <a16:creationId xmlns:a16="http://schemas.microsoft.com/office/drawing/2014/main" id="{53D142BF-646E-46EA-97E4-143F239D45D5}"/>
+              </a:ext>
+            </a:extLst>
+          </p:cNvPr>
+          <p:cNvSpPr/>
+          <p:nvPr/>
+        </p:nvSpPr>
+        <p:spPr>
+          <a:xfrm>
+            <a:off x="5090763" y="2764582"/>
+            <a:ext cx="1491164" cy="180000"/>
+          </a:xfrm>
+          <a:prstGeom prst="roundRect">
+            <a:avLst>
+              <a:gd name="adj" fmla="val 5317"/>
+            </a:avLst>
+          </a:prstGeom>
+          <a:noFill/>
+          <a:ln>
+            <a:noFill/>
+          </a:ln>
+        </p:spPr>
+        <p:style>
+          <a:lnRef idx="2">
+            <a:schemeClr val="accent1">
+              <a:shade val="50000"/>
+            </a:schemeClr>
+          </a:lnRef>
+          <a:fillRef idx="1">
+            <a:schemeClr val="accent1"/>
+          </a:fillRef>
+          <a:effectRef idx="0">
+            <a:schemeClr val="accent1"/>
+          </a:effectRef>
+          <a:fontRef idx="minor">
+            <a:schemeClr val="lt1"/>
+          </a:fontRef>
+        </p:style>
+        <p:txBody>
+          <a:bodyPr rtlCol="0" anchor="ctr"/>
+          <a:lstStyle/>
+          <a:p>
+            <a:pPr algn="ctr"/>
+            <a:r>
+              <a:rPr lang="en-US" sz="1100" b="1" dirty="0">
+                <a:solidFill>
+                  <a:schemeClr val="bg1"/>
+                </a:solidFill>
+                <a:latin typeface="Tahoma" panose="020B0604030504040204" pitchFamily="34" charset="0"/>
+                <a:ea typeface="Tahoma" panose="020B0604030504040204" pitchFamily="34" charset="0"/>
+                <a:cs typeface="Tahoma" panose="020B0604030504040204" pitchFamily="34" charset="0"/>
+              </a:rPr>
+              <a:t>P</a:t>
+            </a:r>
+            <a:r>
+              <a:rPr lang="en-US" sz="1100" b="1" i="0" dirty="0">
+                <a:solidFill>
+                  <a:schemeClr val="bg1"/>
+                </a:solidFill>
+                <a:effectLst/>
+                <a:latin typeface="Tahoma" panose="020B0604030504040204" pitchFamily="34" charset="0"/>
+                <a:ea typeface="Tahoma" panose="020B0604030504040204" pitchFamily="34" charset="0"/>
+                <a:cs typeface="Tahoma" panose="020B0604030504040204" pitchFamily="34" charset="0"/>
+              </a:rPr>
+              <a:t>re-trained model</a:t>
+            </a:r>
+            <a:endParaRPr lang="th-TH" sz="1600" b="1" dirty="0">
+              <a:solidFill>
+                <a:schemeClr val="bg1"/>
+              </a:solidFill>
+              <a:latin typeface="Tahoma" panose="020B0604030504040204" pitchFamily="34" charset="0"/>
+              <a:ea typeface="Tahoma" panose="020B0604030504040204" pitchFamily="34" charset="0"/>
+              <a:cs typeface="Tahoma" panose="020B0604030504040204" pitchFamily="34" charset="0"/>
+            </a:endParaRPr>
+          </a:p>
+        </p:txBody>
+      </p:sp>
     </p:spTree>
     <p:extLst>
       <p:ext uri="{BB962C8B-B14F-4D97-AF65-F5344CB8AC3E}">
-        <p14:creationId xmlns:p14="http://schemas.microsoft.com/office/powerpoint/2010/main" val="2200464447"/>
+        <p14:creationId xmlns:p14="http://schemas.microsoft.com/office/powerpoint/2010/main" val="4259325213"/>
       </p:ext>
     </p:extLst>
   </p:cSld>
@@ -23220,7 +29076,95 @@
 </p:sld>
 </file>
 
-<file path=ppt/slides/slide3.xml><?xml version="1.0" encoding="utf-8"?>
+<file path=ppt/slides/slide4.xml><?xml version="1.0" encoding="utf-8"?>
+<p:sld xmlns:a="http://schemas.openxmlformats.org/drawingml/2006/main" xmlns:r="http://schemas.openxmlformats.org/officeDocument/2006/relationships" xmlns:p="http://schemas.openxmlformats.org/presentationml/2006/main">
+  <p:cSld>
+    <p:bg>
+      <p:bgPr>
+        <a:solidFill>
+          <a:schemeClr val="tx1"/>
+        </a:solidFill>
+        <a:effectLst/>
+      </p:bgPr>
+    </p:bg>
+    <p:spTree>
+      <p:nvGrpSpPr>
+        <p:cNvPr id="1" name=""/>
+        <p:cNvGrpSpPr/>
+        <p:nvPr/>
+      </p:nvGrpSpPr>
+      <p:grpSpPr>
+        <a:xfrm>
+          <a:off x="0" y="0"/>
+          <a:ext cx="0" cy="0"/>
+          <a:chOff x="0" y="0"/>
+          <a:chExt cx="0" cy="0"/>
+        </a:xfrm>
+      </p:grpSpPr>
+      <p:sp>
+        <p:nvSpPr>
+          <p:cNvPr id="4" name="TextBox 3">
+            <a:extLst>
+              <a:ext uri="{FF2B5EF4-FFF2-40B4-BE49-F238E27FC236}">
+                <a16:creationId xmlns:a16="http://schemas.microsoft.com/office/drawing/2014/main" id="{DE75DBF7-EEA4-42CE-A37A-FB0933C6BD46}"/>
+              </a:ext>
+            </a:extLst>
+          </p:cNvPr>
+          <p:cNvSpPr txBox="1"/>
+          <p:nvPr/>
+        </p:nvSpPr>
+        <p:spPr>
+          <a:xfrm>
+            <a:off x="10731344" y="0"/>
+            <a:ext cx="1460656" cy="400110"/>
+          </a:xfrm>
+          <a:prstGeom prst="rect">
+            <a:avLst/>
+          </a:prstGeom>
+          <a:noFill/>
+        </p:spPr>
+        <p:txBody>
+          <a:bodyPr wrap="none" rtlCol="0">
+            <a:spAutoFit/>
+          </a:bodyPr>
+          <a:lstStyle/>
+          <a:p>
+            <a:r>
+              <a:rPr lang="en-US" sz="2000" b="1" dirty="0">
+                <a:solidFill>
+                  <a:schemeClr val="bg1"/>
+                </a:solidFill>
+                <a:latin typeface="Tahoma" panose="020B0604030504040204" pitchFamily="34" charset="0"/>
+                <a:ea typeface="Tahoma" panose="020B0604030504040204" pitchFamily="34" charset="0"/>
+                <a:cs typeface="Tahoma" panose="020B0604030504040204" pitchFamily="34" charset="0"/>
+              </a:rPr>
+              <a:t>Algorithm</a:t>
+            </a:r>
+            <a:endParaRPr lang="th-TH" sz="2000" b="1" dirty="0">
+              <a:solidFill>
+                <a:schemeClr val="bg1"/>
+              </a:solidFill>
+              <a:latin typeface="Tahoma" panose="020B0604030504040204" pitchFamily="34" charset="0"/>
+              <a:ea typeface="Tahoma" panose="020B0604030504040204" pitchFamily="34" charset="0"/>
+              <a:cs typeface="Tahoma" panose="020B0604030504040204" pitchFamily="34" charset="0"/>
+            </a:endParaRPr>
+          </a:p>
+        </p:txBody>
+      </p:sp>
+    </p:spTree>
+    <p:extLst>
+      <p:ext uri="{BB962C8B-B14F-4D97-AF65-F5344CB8AC3E}">
+        <p14:creationId xmlns:p14="http://schemas.microsoft.com/office/powerpoint/2010/main" val="1621087859"/>
+      </p:ext>
+    </p:extLst>
+  </p:cSld>
+  <p:clrMapOvr>
+    <a:masterClrMapping/>
+  </p:clrMapOvr>
+</p:sld>
+</file>
+
+<file path=ppt/slides/slide5.xml><?xml version="1.0" encoding="utf-8"?>
 <p:sld xmlns:a="http://schemas.openxmlformats.org/drawingml/2006/main" xmlns:r="http://schemas.openxmlformats.org/officeDocument/2006/relationships" xmlns:p="http://schemas.openxmlformats.org/presentationml/2006/main" show="0">
   <p:cSld>
     <p:spTree>
@@ -23265,7 +29209,7 @@
         </p:blipFill>
         <p:spPr>
           <a:xfrm>
-            <a:off x="598103" y="1480652"/>
+            <a:off x="532789" y="1489983"/>
             <a:ext cx="6160887" cy="3609508"/>
           </a:xfrm>
           <a:prstGeom prst="rect">
@@ -23286,7 +29230,7 @@
 </p:sld>
 </file>
 
-<file path=ppt/slides/slide4.xml><?xml version="1.0" encoding="utf-8"?>
+<file path=ppt/slides/slide6.xml><?xml version="1.0" encoding="utf-8"?>
 <p:sld xmlns:a="http://schemas.openxmlformats.org/drawingml/2006/main" xmlns:r="http://schemas.openxmlformats.org/officeDocument/2006/relationships" xmlns:p="http://schemas.openxmlformats.org/presentationml/2006/main" show="0">
   <p:cSld>
     <p:spTree>
@@ -23770,8 +29714,8 @@
 </p:sld>
 </file>
 
-<file path=ppt/slides/slide5.xml><?xml version="1.0" encoding="utf-8"?>
-<p:sld xmlns:a="http://schemas.openxmlformats.org/drawingml/2006/main" xmlns:r="http://schemas.openxmlformats.org/officeDocument/2006/relationships" xmlns:p="http://schemas.openxmlformats.org/presentationml/2006/main">
+<file path=ppt/slides/slide7.xml><?xml version="1.0" encoding="utf-8"?>
+<p:sld xmlns:a="http://schemas.openxmlformats.org/drawingml/2006/main" xmlns:r="http://schemas.openxmlformats.org/officeDocument/2006/relationships" xmlns:p="http://schemas.openxmlformats.org/presentationml/2006/main" show="0">
   <p:cSld>
     <p:spTree>
       <p:nvGrpSpPr>
@@ -23818,10 +29762,10 @@
       </p:pic>
       <p:pic>
         <p:nvPicPr>
-          <p:cNvPr id="13" name="Picture 12">
+          <p:cNvPr id="15" name="Picture 14">
             <a:extLst>
               <a:ext uri="{FF2B5EF4-FFF2-40B4-BE49-F238E27FC236}">
-                <a16:creationId xmlns:a16="http://schemas.microsoft.com/office/drawing/2014/main" id="{4619961E-C7D1-49E2-AACD-46B32599C538}"/>
+                <a16:creationId xmlns:a16="http://schemas.microsoft.com/office/drawing/2014/main" id="{C9B18E8D-8D88-4B7A-B802-79217479CA63}"/>
               </a:ext>
             </a:extLst>
           </p:cNvPr>
@@ -23832,36 +29776,6 @@
         </p:nvPicPr>
         <p:blipFill>
           <a:blip r:embed="rId3"/>
-          <a:stretch>
-            <a:fillRect/>
-          </a:stretch>
-        </p:blipFill>
-        <p:spPr>
-          <a:xfrm>
-            <a:off x="84841" y="5876544"/>
-            <a:ext cx="1506611" cy="273010"/>
-          </a:xfrm>
-          <a:prstGeom prst="rect">
-            <a:avLst/>
-          </a:prstGeom>
-        </p:spPr>
-      </p:pic>
-      <p:pic>
-        <p:nvPicPr>
-          <p:cNvPr id="15" name="Picture 14">
-            <a:extLst>
-              <a:ext uri="{FF2B5EF4-FFF2-40B4-BE49-F238E27FC236}">
-                <a16:creationId xmlns:a16="http://schemas.microsoft.com/office/drawing/2014/main" id="{C9B18E8D-8D88-4B7A-B802-79217479CA63}"/>
-              </a:ext>
-            </a:extLst>
-          </p:cNvPr>
-          <p:cNvPicPr>
-            <a:picLocks noChangeAspect="1"/>
-          </p:cNvPicPr>
-          <p:nvPr/>
-        </p:nvPicPr>
-        <p:blipFill>
-          <a:blip r:embed="rId4"/>
           <a:stretch>
             <a:fillRect/>
           </a:stretch>
@@ -23889,7 +29803,7 @@
 </p:sld>
 </file>
 
-<file path=ppt/slides/slide6.xml><?xml version="1.0" encoding="utf-8"?>
+<file path=ppt/slides/slide8.xml><?xml version="1.0" encoding="utf-8"?>
 <p:sld xmlns:a="http://schemas.openxmlformats.org/drawingml/2006/main" xmlns:r="http://schemas.openxmlformats.org/officeDocument/2006/relationships" xmlns:p="http://schemas.openxmlformats.org/presentationml/2006/main">
   <p:cSld>
     <p:spTree>
@@ -24500,7 +30414,7 @@
 </p:sld>
 </file>
 
-<file path=ppt/slides/slide7.xml><?xml version="1.0" encoding="utf-8"?>
+<file path=ppt/slides/slide9.xml><?xml version="1.0" encoding="utf-8"?>
 <p:sld xmlns:a="http://schemas.openxmlformats.org/drawingml/2006/main" xmlns:r="http://schemas.openxmlformats.org/officeDocument/2006/relationships" xmlns:p="http://schemas.openxmlformats.org/presentationml/2006/main">
   <p:cSld>
     <p:spTree>
@@ -24628,598 +30542,6 @@
     <p:extLst>
       <p:ext uri="{BB962C8B-B14F-4D97-AF65-F5344CB8AC3E}">
         <p14:creationId xmlns:p14="http://schemas.microsoft.com/office/powerpoint/2010/main" val="3205364100"/>
-      </p:ext>
-    </p:extLst>
-  </p:cSld>
-  <p:clrMapOvr>
-    <a:masterClrMapping/>
-  </p:clrMapOvr>
-</p:sld>
-</file>
-
-<file path=ppt/slides/slide8.xml><?xml version="1.0" encoding="utf-8"?>
-<p:sld xmlns:a="http://schemas.openxmlformats.org/drawingml/2006/main" xmlns:r="http://schemas.openxmlformats.org/officeDocument/2006/relationships" xmlns:p="http://schemas.openxmlformats.org/presentationml/2006/main">
-  <p:cSld>
-    <p:spTree>
-      <p:nvGrpSpPr>
-        <p:cNvPr id="1" name=""/>
-        <p:cNvGrpSpPr/>
-        <p:nvPr/>
-      </p:nvGrpSpPr>
-      <p:grpSpPr>
-        <a:xfrm>
-          <a:off x="0" y="0"/>
-          <a:ext cx="0" cy="0"/>
-          <a:chOff x="0" y="0"/>
-          <a:chExt cx="0" cy="0"/>
-        </a:xfrm>
-      </p:grpSpPr>
-      <p:sp>
-        <p:nvSpPr>
-          <p:cNvPr id="4" name="Title 1">
-            <a:extLst>
-              <a:ext uri="{FF2B5EF4-FFF2-40B4-BE49-F238E27FC236}">
-                <a16:creationId xmlns:a16="http://schemas.microsoft.com/office/drawing/2014/main" id="{1B0AEFB3-3A78-4689-A54C-A5BFA2010B13}"/>
-              </a:ext>
-            </a:extLst>
-          </p:cNvPr>
-          <p:cNvSpPr>
-            <a:spLocks noGrp="1"/>
-          </p:cNvSpPr>
-          <p:nvPr>
-            <p:ph type="title"/>
-          </p:nvPr>
-        </p:nvSpPr>
-        <p:spPr>
-          <a:xfrm>
-            <a:off x="0" y="0"/>
-            <a:ext cx="12192000" cy="461913"/>
-          </a:xfrm>
-        </p:spPr>
-        <p:txBody>
-          <a:bodyPr>
-            <a:noAutofit/>
-          </a:bodyPr>
-          <a:lstStyle/>
-          <a:p>
-            <a:pPr algn="ctr"/>
-            <a:r>
-              <a:rPr lang="en-US" sz="2800" b="1" dirty="0">
-                <a:latin typeface="Tahoma" panose="020B0604030504040204" pitchFamily="34" charset="0"/>
-                <a:ea typeface="Tahoma" panose="020B0604030504040204" pitchFamily="34" charset="0"/>
-                <a:cs typeface="Tahoma" panose="020B0604030504040204" pitchFamily="34" charset="0"/>
-              </a:rPr>
-              <a:t>Meteostat</a:t>
-            </a:r>
-            <a:endParaRPr lang="th-TH" sz="2800" b="1" dirty="0">
-              <a:latin typeface="Tahoma" panose="020B0604030504040204" pitchFamily="34" charset="0"/>
-              <a:ea typeface="Tahoma" panose="020B0604030504040204" pitchFamily="34" charset="0"/>
-              <a:cs typeface="Tahoma" panose="020B0604030504040204" pitchFamily="34" charset="0"/>
-            </a:endParaRPr>
-          </a:p>
-        </p:txBody>
-      </p:sp>
-      <p:pic>
-        <p:nvPicPr>
-          <p:cNvPr id="6" name="Picture 5">
-            <a:extLst>
-              <a:ext uri="{FF2B5EF4-FFF2-40B4-BE49-F238E27FC236}">
-                <a16:creationId xmlns:a16="http://schemas.microsoft.com/office/drawing/2014/main" id="{AAB6D9E7-8144-42D3-BE3D-9A72AF9739FF}"/>
-              </a:ext>
-            </a:extLst>
-          </p:cNvPr>
-          <p:cNvPicPr>
-            <a:picLocks noChangeAspect="1"/>
-          </p:cNvPicPr>
-          <p:nvPr/>
-        </p:nvPicPr>
-        <p:blipFill>
-          <a:blip r:embed="rId2"/>
-          <a:stretch>
-            <a:fillRect/>
-          </a:stretch>
-        </p:blipFill>
-        <p:spPr>
-          <a:xfrm>
-            <a:off x="2020471" y="532888"/>
-            <a:ext cx="8151058" cy="6072142"/>
-          </a:xfrm>
-          <a:prstGeom prst="rect">
-            <a:avLst/>
-          </a:prstGeom>
-        </p:spPr>
-      </p:pic>
-      <p:pic>
-        <p:nvPicPr>
-          <p:cNvPr id="7" name="Picture 4" descr="Meteonorm - Top Competitors &amp; Alternatives | Datarade">
-            <a:extLst>
-              <a:ext uri="{FF2B5EF4-FFF2-40B4-BE49-F238E27FC236}">
-                <a16:creationId xmlns:a16="http://schemas.microsoft.com/office/drawing/2014/main" id="{213F16EA-F39B-44E8-B9FC-3669A1CD56E3}"/>
-              </a:ext>
-            </a:extLst>
-          </p:cNvPr>
-          <p:cNvPicPr>
-            <a:picLocks noChangeAspect="1" noChangeArrowheads="1"/>
-          </p:cNvPicPr>
-          <p:nvPr/>
-        </p:nvPicPr>
-        <p:blipFill>
-          <a:blip r:embed="rId3">
-            <a:extLst>
-              <a:ext uri="{28A0092B-C50C-407E-A947-70E740481C1C}">
-                <a14:useLocalDpi xmlns:a14="http://schemas.microsoft.com/office/drawing/2010/main" val="0"/>
-              </a:ext>
-            </a:extLst>
-          </a:blip>
-          <a:srcRect/>
-          <a:stretch>
-            <a:fillRect/>
-          </a:stretch>
-        </p:blipFill>
-        <p:spPr bwMode="auto">
-          <a:xfrm>
-            <a:off x="9969357" y="0"/>
-            <a:ext cx="2222643" cy="485192"/>
-          </a:xfrm>
-          <a:prstGeom prst="rect">
-            <a:avLst/>
-          </a:prstGeom>
-          <a:noFill/>
-          <a:extLst>
-            <a:ext uri="{909E8E84-426E-40DD-AFC4-6F175D3DCCD1}">
-              <a14:hiddenFill xmlns:a14="http://schemas.microsoft.com/office/drawing/2010/main">
-                <a:solidFill>
-                  <a:srgbClr val="FFFFFF"/>
-                </a:solidFill>
-              </a14:hiddenFill>
-            </a:ext>
-          </a:extLst>
-        </p:spPr>
-      </p:pic>
-    </p:spTree>
-    <p:extLst>
-      <p:ext uri="{BB962C8B-B14F-4D97-AF65-F5344CB8AC3E}">
-        <p14:creationId xmlns:p14="http://schemas.microsoft.com/office/powerpoint/2010/main" val="474166525"/>
-      </p:ext>
-    </p:extLst>
-  </p:cSld>
-  <p:clrMapOvr>
-    <a:masterClrMapping/>
-  </p:clrMapOvr>
-</p:sld>
-</file>
-
-<file path=ppt/slides/slide9.xml><?xml version="1.0" encoding="utf-8"?>
-<p:sld xmlns:a="http://schemas.openxmlformats.org/drawingml/2006/main" xmlns:r="http://schemas.openxmlformats.org/officeDocument/2006/relationships" xmlns:p="http://schemas.openxmlformats.org/presentationml/2006/main">
-  <p:cSld>
-    <p:spTree>
-      <p:nvGrpSpPr>
-        <p:cNvPr id="1" name=""/>
-        <p:cNvGrpSpPr/>
-        <p:nvPr/>
-      </p:nvGrpSpPr>
-      <p:grpSpPr>
-        <a:xfrm>
-          <a:off x="0" y="0"/>
-          <a:ext cx="0" cy="0"/>
-          <a:chOff x="0" y="0"/>
-          <a:chExt cx="0" cy="0"/>
-        </a:xfrm>
-      </p:grpSpPr>
-      <p:pic>
-        <p:nvPicPr>
-          <p:cNvPr id="2052" name="Picture 4">
-            <a:extLst>
-              <a:ext uri="{FF2B5EF4-FFF2-40B4-BE49-F238E27FC236}">
-                <a16:creationId xmlns:a16="http://schemas.microsoft.com/office/drawing/2014/main" id="{2FA0094F-B4D8-4CA8-ABD9-7A5014AA3C16}"/>
-              </a:ext>
-            </a:extLst>
-          </p:cNvPr>
-          <p:cNvPicPr>
-            <a:picLocks noChangeAspect="1" noChangeArrowheads="1"/>
-          </p:cNvPicPr>
-          <p:nvPr/>
-        </p:nvPicPr>
-        <p:blipFill rotWithShape="1">
-          <a:blip r:embed="rId2">
-            <a:extLst>
-              <a:ext uri="{28A0092B-C50C-407E-A947-70E740481C1C}">
-                <a14:useLocalDpi xmlns:a14="http://schemas.microsoft.com/office/drawing/2010/main" val="0"/>
-              </a:ext>
-            </a:extLst>
-          </a:blip>
-          <a:srcRect t="29867" b="27467"/>
-          <a:stretch/>
-        </p:blipFill>
-        <p:spPr bwMode="auto">
-          <a:xfrm>
-            <a:off x="4638040" y="2786753"/>
-            <a:ext cx="2291080" cy="977527"/>
-          </a:xfrm>
-          <a:prstGeom prst="rect">
-            <a:avLst/>
-          </a:prstGeom>
-          <a:noFill/>
-          <a:extLst>
-            <a:ext uri="{909E8E84-426E-40DD-AFC4-6F175D3DCCD1}">
-              <a14:hiddenFill xmlns:a14="http://schemas.microsoft.com/office/drawing/2010/main">
-                <a:solidFill>
-                  <a:srgbClr val="FFFFFF"/>
-                </a:solidFill>
-              </a14:hiddenFill>
-            </a:ext>
-          </a:extLst>
-        </p:spPr>
-      </p:pic>
-      <p:sp>
-        <p:nvSpPr>
-          <p:cNvPr id="6" name="Rectangle 5">
-            <a:extLst>
-              <a:ext uri="{FF2B5EF4-FFF2-40B4-BE49-F238E27FC236}">
-                <a16:creationId xmlns:a16="http://schemas.microsoft.com/office/drawing/2014/main" id="{C80D2B8C-66FE-4FF4-8AE5-C3E14788BC5C}"/>
-              </a:ext>
-            </a:extLst>
-          </p:cNvPr>
-          <p:cNvSpPr/>
-          <p:nvPr/>
-        </p:nvSpPr>
-        <p:spPr>
-          <a:xfrm>
-            <a:off x="2992261" y="3023516"/>
-            <a:ext cx="1008000" cy="504000"/>
-          </a:xfrm>
-          <a:prstGeom prst="rect">
-            <a:avLst/>
-          </a:prstGeom>
-          <a:noFill/>
-          <a:ln>
-            <a:solidFill>
-              <a:schemeClr val="tx1"/>
-            </a:solidFill>
-          </a:ln>
-        </p:spPr>
-        <p:style>
-          <a:lnRef idx="2">
-            <a:schemeClr val="accent1">
-              <a:shade val="50000"/>
-            </a:schemeClr>
-          </a:lnRef>
-          <a:fillRef idx="1">
-            <a:schemeClr val="accent1"/>
-          </a:fillRef>
-          <a:effectRef idx="0">
-            <a:schemeClr val="accent1"/>
-          </a:effectRef>
-          <a:fontRef idx="minor">
-            <a:schemeClr val="lt1"/>
-          </a:fontRef>
-        </p:style>
-        <p:txBody>
-          <a:bodyPr rtlCol="0" anchor="ctr"/>
-          <a:lstStyle/>
-          <a:p>
-            <a:r>
-              <a:rPr lang="en-US" sz="1100" b="1" dirty="0">
-                <a:solidFill>
-                  <a:srgbClr val="212121"/>
-                </a:solidFill>
-                <a:latin typeface="Tahoma" panose="020B0604030504040204" pitchFamily="34" charset="0"/>
-                <a:ea typeface="Tahoma" panose="020B0604030504040204" pitchFamily="34" charset="0"/>
-                <a:cs typeface="Tahoma" panose="020B0604030504040204" pitchFamily="34" charset="0"/>
-              </a:rPr>
-              <a:t>Input</a:t>
-            </a:r>
-            <a:endParaRPr lang="en-US" sz="1100" b="1" i="0" dirty="0">
-              <a:solidFill>
-                <a:srgbClr val="212121"/>
-              </a:solidFill>
-              <a:effectLst/>
-              <a:latin typeface="Tahoma" panose="020B0604030504040204" pitchFamily="34" charset="0"/>
-              <a:ea typeface="Tahoma" panose="020B0604030504040204" pitchFamily="34" charset="0"/>
-              <a:cs typeface="Tahoma" panose="020B0604030504040204" pitchFamily="34" charset="0"/>
-            </a:endParaRPr>
-          </a:p>
-          <a:p>
-            <a:pPr marL="171450" indent="-171450">
-              <a:buFont typeface="Arial" panose="020B0604020202020204" pitchFamily="34" charset="0"/>
-              <a:buChar char="•"/>
-            </a:pPr>
-            <a:r>
-              <a:rPr lang="en-US" sz="1100" i="0" dirty="0">
-                <a:solidFill>
-                  <a:srgbClr val="212121"/>
-                </a:solidFill>
-                <a:effectLst/>
-                <a:latin typeface="Tahoma" panose="020B0604030504040204" pitchFamily="34" charset="0"/>
-                <a:ea typeface="Tahoma" panose="020B0604030504040204" pitchFamily="34" charset="0"/>
-                <a:cs typeface="Tahoma" panose="020B0604030504040204" pitchFamily="34" charset="0"/>
-              </a:rPr>
-              <a:t>Lat, </a:t>
-            </a:r>
-            <a:r>
-              <a:rPr lang="en-US" sz="1100" dirty="0" err="1">
-                <a:solidFill>
-                  <a:srgbClr val="212121"/>
-                </a:solidFill>
-                <a:latin typeface="Tahoma" panose="020B0604030504040204" pitchFamily="34" charset="0"/>
-                <a:ea typeface="Tahoma" panose="020B0604030504040204" pitchFamily="34" charset="0"/>
-                <a:cs typeface="Tahoma" panose="020B0604030504040204" pitchFamily="34" charset="0"/>
-              </a:rPr>
-              <a:t>lon</a:t>
-            </a:r>
-            <a:endParaRPr lang="en-US" sz="1100" dirty="0">
-              <a:solidFill>
-                <a:srgbClr val="212121"/>
-              </a:solidFill>
-              <a:latin typeface="Tahoma" panose="020B0604030504040204" pitchFamily="34" charset="0"/>
-              <a:ea typeface="Tahoma" panose="020B0604030504040204" pitchFamily="34" charset="0"/>
-              <a:cs typeface="Tahoma" panose="020B0604030504040204" pitchFamily="34" charset="0"/>
-            </a:endParaRPr>
-          </a:p>
-          <a:p>
-            <a:pPr marL="171450" indent="-171450">
-              <a:buFont typeface="Arial" panose="020B0604020202020204" pitchFamily="34" charset="0"/>
-              <a:buChar char="•"/>
-            </a:pPr>
-            <a:r>
-              <a:rPr lang="en-US" sz="1100" dirty="0">
-                <a:solidFill>
-                  <a:srgbClr val="212121"/>
-                </a:solidFill>
-                <a:latin typeface="Tahoma" panose="020B0604030504040204" pitchFamily="34" charset="0"/>
-                <a:ea typeface="Tahoma" panose="020B0604030504040204" pitchFamily="34" charset="0"/>
-                <a:cs typeface="Tahoma" panose="020B0604030504040204" pitchFamily="34" charset="0"/>
-              </a:rPr>
-              <a:t>D</a:t>
-            </a:r>
-            <a:r>
-              <a:rPr lang="en-US" sz="1100" i="0" dirty="0">
-                <a:solidFill>
-                  <a:srgbClr val="212121"/>
-                </a:solidFill>
-                <a:effectLst/>
-                <a:latin typeface="Tahoma" panose="020B0604030504040204" pitchFamily="34" charset="0"/>
-                <a:ea typeface="Tahoma" panose="020B0604030504040204" pitchFamily="34" charset="0"/>
-                <a:cs typeface="Tahoma" panose="020B0604030504040204" pitchFamily="34" charset="0"/>
-              </a:rPr>
-              <a:t>at</a:t>
-            </a:r>
-            <a:r>
-              <a:rPr lang="en-US" sz="1100" dirty="0">
-                <a:solidFill>
-                  <a:srgbClr val="212121"/>
-                </a:solidFill>
-                <a:latin typeface="Tahoma" panose="020B0604030504040204" pitchFamily="34" charset="0"/>
-                <a:ea typeface="Tahoma" panose="020B0604030504040204" pitchFamily="34" charset="0"/>
-                <a:cs typeface="Tahoma" panose="020B0604030504040204" pitchFamily="34" charset="0"/>
-              </a:rPr>
-              <a:t>e</a:t>
-            </a:r>
-            <a:endParaRPr lang="en-US" sz="1100" i="0" dirty="0">
-              <a:solidFill>
-                <a:srgbClr val="212121"/>
-              </a:solidFill>
-              <a:effectLst/>
-              <a:latin typeface="Tahoma" panose="020B0604030504040204" pitchFamily="34" charset="0"/>
-              <a:ea typeface="Tahoma" panose="020B0604030504040204" pitchFamily="34" charset="0"/>
-              <a:cs typeface="Tahoma" panose="020B0604030504040204" pitchFamily="34" charset="0"/>
-            </a:endParaRPr>
-          </a:p>
-        </p:txBody>
-      </p:sp>
-      <p:cxnSp>
-        <p:nvCxnSpPr>
-          <p:cNvPr id="7" name="Straight Arrow Connector 6">
-            <a:extLst>
-              <a:ext uri="{FF2B5EF4-FFF2-40B4-BE49-F238E27FC236}">
-                <a16:creationId xmlns:a16="http://schemas.microsoft.com/office/drawing/2014/main" id="{4F301F05-51F8-4064-8325-FED55EBDBE06}"/>
-              </a:ext>
-            </a:extLst>
-          </p:cNvPr>
-          <p:cNvCxnSpPr>
-            <a:cxnSpLocks/>
-            <a:stCxn id="6" idx="3"/>
-            <a:endCxn id="2052" idx="1"/>
-          </p:cNvCxnSpPr>
-          <p:nvPr/>
-        </p:nvCxnSpPr>
-        <p:spPr>
-          <a:xfrm>
-            <a:off x="4000261" y="3275516"/>
-            <a:ext cx="637779" cy="1"/>
-          </a:xfrm>
-          <a:prstGeom prst="straightConnector1">
-            <a:avLst/>
-          </a:prstGeom>
-          <a:ln w="28575">
-            <a:solidFill>
-              <a:srgbClr val="002060"/>
-            </a:solidFill>
-            <a:tailEnd type="triangle"/>
-          </a:ln>
-        </p:spPr>
-        <p:style>
-          <a:lnRef idx="1">
-            <a:schemeClr val="accent1"/>
-          </a:lnRef>
-          <a:fillRef idx="0">
-            <a:schemeClr val="accent1"/>
-          </a:fillRef>
-          <a:effectRef idx="0">
-            <a:schemeClr val="accent1"/>
-          </a:effectRef>
-          <a:fontRef idx="minor">
-            <a:schemeClr val="tx1"/>
-          </a:fontRef>
-        </p:style>
-      </p:cxnSp>
-      <p:sp>
-        <p:nvSpPr>
-          <p:cNvPr id="12" name="Rectangle 11">
-            <a:extLst>
-              <a:ext uri="{FF2B5EF4-FFF2-40B4-BE49-F238E27FC236}">
-                <a16:creationId xmlns:a16="http://schemas.microsoft.com/office/drawing/2014/main" id="{71C22F4E-63DD-4D27-8525-183799A13707}"/>
-              </a:ext>
-            </a:extLst>
-          </p:cNvPr>
-          <p:cNvSpPr/>
-          <p:nvPr/>
-        </p:nvSpPr>
-        <p:spPr>
-          <a:xfrm>
-            <a:off x="7636476" y="2915516"/>
-            <a:ext cx="1728000" cy="720000"/>
-          </a:xfrm>
-          <a:prstGeom prst="rect">
-            <a:avLst/>
-          </a:prstGeom>
-          <a:noFill/>
-          <a:ln>
-            <a:solidFill>
-              <a:schemeClr val="tx1"/>
-            </a:solidFill>
-          </a:ln>
-        </p:spPr>
-        <p:style>
-          <a:lnRef idx="2">
-            <a:schemeClr val="accent1">
-              <a:shade val="50000"/>
-            </a:schemeClr>
-          </a:lnRef>
-          <a:fillRef idx="1">
-            <a:schemeClr val="accent1"/>
-          </a:fillRef>
-          <a:effectRef idx="0">
-            <a:schemeClr val="accent1"/>
-          </a:effectRef>
-          <a:fontRef idx="minor">
-            <a:schemeClr val="lt1"/>
-          </a:fontRef>
-        </p:style>
-        <p:txBody>
-          <a:bodyPr rtlCol="0" anchor="ctr"/>
-          <a:lstStyle/>
-          <a:p>
-            <a:r>
-              <a:rPr lang="en-US" sz="1100" b="1" dirty="0">
-                <a:solidFill>
-                  <a:srgbClr val="212121"/>
-                </a:solidFill>
-                <a:latin typeface="Tahoma" panose="020B0604030504040204" pitchFamily="34" charset="0"/>
-                <a:ea typeface="Tahoma" panose="020B0604030504040204" pitchFamily="34" charset="0"/>
-                <a:cs typeface="Tahoma" panose="020B0604030504040204" pitchFamily="34" charset="0"/>
-              </a:rPr>
-              <a:t>Historical data</a:t>
-            </a:r>
-            <a:endParaRPr lang="en-US" sz="1100" b="1" i="0" dirty="0">
-              <a:solidFill>
-                <a:srgbClr val="212121"/>
-              </a:solidFill>
-              <a:effectLst/>
-              <a:latin typeface="Tahoma" panose="020B0604030504040204" pitchFamily="34" charset="0"/>
-              <a:ea typeface="Tahoma" panose="020B0604030504040204" pitchFamily="34" charset="0"/>
-              <a:cs typeface="Tahoma" panose="020B0604030504040204" pitchFamily="34" charset="0"/>
-            </a:endParaRPr>
-          </a:p>
-          <a:p>
-            <a:pPr marL="171450" indent="-171450">
-              <a:buFont typeface="Arial" panose="020B0604020202020204" pitchFamily="34" charset="0"/>
-              <a:buChar char="•"/>
-            </a:pPr>
-            <a:r>
-              <a:rPr lang="en-US" sz="1100" i="0" dirty="0">
-                <a:solidFill>
-                  <a:srgbClr val="212121"/>
-                </a:solidFill>
-                <a:effectLst/>
-                <a:latin typeface="Tahoma" panose="020B0604030504040204" pitchFamily="34" charset="0"/>
-                <a:ea typeface="Tahoma" panose="020B0604030504040204" pitchFamily="34" charset="0"/>
-                <a:cs typeface="Tahoma" panose="020B0604030504040204" pitchFamily="34" charset="0"/>
-              </a:rPr>
-              <a:t>Temp, </a:t>
-            </a:r>
-            <a:r>
-              <a:rPr lang="en-US" sz="1100" dirty="0">
-                <a:solidFill>
-                  <a:srgbClr val="212121"/>
-                </a:solidFill>
-                <a:latin typeface="Tahoma" panose="020B0604030504040204" pitchFamily="34" charset="0"/>
-                <a:ea typeface="Tahoma" panose="020B0604030504040204" pitchFamily="34" charset="0"/>
-                <a:cs typeface="Tahoma" panose="020B0604030504040204" pitchFamily="34" charset="0"/>
-              </a:rPr>
-              <a:t>Rh</a:t>
-            </a:r>
-          </a:p>
-          <a:p>
-            <a:pPr marL="171450" indent="-171450">
-              <a:buFont typeface="Arial" panose="020B0604020202020204" pitchFamily="34" charset="0"/>
-              <a:buChar char="•"/>
-            </a:pPr>
-            <a:r>
-              <a:rPr lang="en-US" sz="1100" i="0" dirty="0">
-                <a:solidFill>
-                  <a:srgbClr val="212121"/>
-                </a:solidFill>
-                <a:effectLst/>
-                <a:latin typeface="Tahoma" panose="020B0604030504040204" pitchFamily="34" charset="0"/>
-                <a:ea typeface="Tahoma" panose="020B0604030504040204" pitchFamily="34" charset="0"/>
-                <a:cs typeface="Tahoma" panose="020B0604030504040204" pitchFamily="34" charset="0"/>
-              </a:rPr>
-              <a:t>Hourly</a:t>
-            </a:r>
-          </a:p>
-        </p:txBody>
-      </p:sp>
-      <p:cxnSp>
-        <p:nvCxnSpPr>
-          <p:cNvPr id="13" name="Straight Arrow Connector 12">
-            <a:extLst>
-              <a:ext uri="{FF2B5EF4-FFF2-40B4-BE49-F238E27FC236}">
-                <a16:creationId xmlns:a16="http://schemas.microsoft.com/office/drawing/2014/main" id="{17EE1FDD-95AD-4125-8FE7-5E8FB0F378CD}"/>
-              </a:ext>
-            </a:extLst>
-          </p:cNvPr>
-          <p:cNvCxnSpPr>
-            <a:cxnSpLocks/>
-            <a:stCxn id="2052" idx="3"/>
-            <a:endCxn id="12" idx="1"/>
-          </p:cNvCxnSpPr>
-          <p:nvPr/>
-        </p:nvCxnSpPr>
-        <p:spPr>
-          <a:xfrm flipV="1">
-            <a:off x="6929120" y="3275516"/>
-            <a:ext cx="707356" cy="1"/>
-          </a:xfrm>
-          <a:prstGeom prst="straightConnector1">
-            <a:avLst/>
-          </a:prstGeom>
-          <a:ln w="28575">
-            <a:solidFill>
-              <a:srgbClr val="002060"/>
-            </a:solidFill>
-            <a:tailEnd type="triangle"/>
-          </a:ln>
-        </p:spPr>
-        <p:style>
-          <a:lnRef idx="1">
-            <a:schemeClr val="accent1"/>
-          </a:lnRef>
-          <a:fillRef idx="0">
-            <a:schemeClr val="accent1"/>
-          </a:fillRef>
-          <a:effectRef idx="0">
-            <a:schemeClr val="accent1"/>
-          </a:effectRef>
-          <a:fontRef idx="minor">
-            <a:schemeClr val="tx1"/>
-          </a:fontRef>
-        </p:style>
-      </p:cxnSp>
-    </p:spTree>
-    <p:extLst>
-      <p:ext uri="{BB962C8B-B14F-4D97-AF65-F5344CB8AC3E}">
-        <p14:creationId xmlns:p14="http://schemas.microsoft.com/office/powerpoint/2010/main" val="3247304772"/>
       </p:ext>
     </p:extLst>
   </p:cSld>

--- a/manual.pptx
+++ b/manual.pptx
@@ -5,29 +5,30 @@
     <p:sldMasterId id="2147483648" r:id="rId1"/>
   </p:sldMasterIdLst>
   <p:notesMasterIdLst>
-    <p:notesMasterId r:id="rId22"/>
+    <p:notesMasterId r:id="rId23"/>
   </p:notesMasterIdLst>
   <p:sldIdLst>
     <p:sldId id="256" r:id="rId2"/>
     <p:sldId id="271" r:id="rId3"/>
     <p:sldId id="274" r:id="rId4"/>
     <p:sldId id="275" r:id="rId5"/>
-    <p:sldId id="272" r:id="rId6"/>
-    <p:sldId id="264" r:id="rId7"/>
-    <p:sldId id="265" r:id="rId8"/>
-    <p:sldId id="257" r:id="rId9"/>
-    <p:sldId id="269" r:id="rId10"/>
-    <p:sldId id="268" r:id="rId11"/>
-    <p:sldId id="259" r:id="rId12"/>
-    <p:sldId id="260" r:id="rId13"/>
-    <p:sldId id="261" r:id="rId14"/>
-    <p:sldId id="262" r:id="rId15"/>
-    <p:sldId id="266" r:id="rId16"/>
-    <p:sldId id="263" r:id="rId17"/>
-    <p:sldId id="267" r:id="rId18"/>
-    <p:sldId id="273" r:id="rId19"/>
-    <p:sldId id="258" r:id="rId20"/>
-    <p:sldId id="270" r:id="rId21"/>
+    <p:sldId id="276" r:id="rId6"/>
+    <p:sldId id="277" r:id="rId7"/>
+    <p:sldId id="272" r:id="rId8"/>
+    <p:sldId id="264" r:id="rId9"/>
+    <p:sldId id="265" r:id="rId10"/>
+    <p:sldId id="257" r:id="rId11"/>
+    <p:sldId id="269" r:id="rId12"/>
+    <p:sldId id="268" r:id="rId13"/>
+    <p:sldId id="259" r:id="rId14"/>
+    <p:sldId id="260" r:id="rId15"/>
+    <p:sldId id="261" r:id="rId16"/>
+    <p:sldId id="262" r:id="rId17"/>
+    <p:sldId id="263" r:id="rId18"/>
+    <p:sldId id="267" r:id="rId19"/>
+    <p:sldId id="273" r:id="rId20"/>
+    <p:sldId id="258" r:id="rId21"/>
+    <p:sldId id="270" r:id="rId22"/>
   </p:sldIdLst>
   <p:sldSz cx="12192000" cy="6858000"/>
   <p:notesSz cx="6858000" cy="9144000"/>
@@ -135,6 +136,8 @@
             <p14:sldId id="271"/>
             <p14:sldId id="274"/>
             <p14:sldId id="275"/>
+            <p14:sldId id="276"/>
+            <p14:sldId id="277"/>
             <p14:sldId id="272"/>
             <p14:sldId id="264"/>
             <p14:sldId id="265"/>
@@ -157,7 +160,6 @@
             <p14:sldId id="260"/>
             <p14:sldId id="261"/>
             <p14:sldId id="262"/>
-            <p14:sldId id="266"/>
             <p14:sldId id="263"/>
           </p14:sldIdLst>
         </p14:section>
@@ -260,7 +262,7 @@
           <a:p>
             <a:fld id="{440994C5-2AEE-44F2-9B76-8FB84DF71958}" type="datetimeFigureOut">
               <a:rPr lang="th-TH" smtClean="0"/>
-              <a:t>21/04/65</a:t>
+              <a:t>22/04/65</a:t>
             </a:fld>
             <a:endParaRPr lang="th-TH"/>
           </a:p>
@@ -677,7 +679,7 @@
           <a:p>
             <a:fld id="{0824544E-F7FA-417A-B10D-2B2BDEC76D19}" type="slidenum">
               <a:rPr lang="th-TH" smtClean="0"/>
-              <a:t>9</a:t>
+              <a:t>11</a:t>
             </a:fld>
             <a:endParaRPr lang="th-TH"/>
           </a:p>
@@ -761,7 +763,7 @@
           <a:p>
             <a:fld id="{0824544E-F7FA-417A-B10D-2B2BDEC76D19}" type="slidenum">
               <a:rPr lang="th-TH" smtClean="0"/>
-              <a:t>13</a:t>
+              <a:t>15</a:t>
             </a:fld>
             <a:endParaRPr lang="th-TH"/>
           </a:p>
@@ -845,7 +847,7 @@
           <a:p>
             <a:fld id="{0824544E-F7FA-417A-B10D-2B2BDEC76D19}" type="slidenum">
               <a:rPr lang="th-TH" smtClean="0"/>
-              <a:t>17</a:t>
+              <a:t>18</a:t>
             </a:fld>
             <a:endParaRPr lang="th-TH"/>
           </a:p>
@@ -1013,7 +1015,7 @@
           <a:p>
             <a:fld id="{74A7171E-5335-404F-9BA2-2E83F9E2328B}" type="datetimeFigureOut">
               <a:rPr lang="th-TH" smtClean="0"/>
-              <a:t>21/04/65</a:t>
+              <a:t>22/04/65</a:t>
             </a:fld>
             <a:endParaRPr lang="th-TH"/>
           </a:p>
@@ -1213,7 +1215,7 @@
           <a:p>
             <a:fld id="{74A7171E-5335-404F-9BA2-2E83F9E2328B}" type="datetimeFigureOut">
               <a:rPr lang="th-TH" smtClean="0"/>
-              <a:t>21/04/65</a:t>
+              <a:t>22/04/65</a:t>
             </a:fld>
             <a:endParaRPr lang="th-TH"/>
           </a:p>
@@ -1423,7 +1425,7 @@
           <a:p>
             <a:fld id="{74A7171E-5335-404F-9BA2-2E83F9E2328B}" type="datetimeFigureOut">
               <a:rPr lang="th-TH" smtClean="0"/>
-              <a:t>21/04/65</a:t>
+              <a:t>22/04/65</a:t>
             </a:fld>
             <a:endParaRPr lang="th-TH"/>
           </a:p>
@@ -1623,7 +1625,7 @@
           <a:p>
             <a:fld id="{74A7171E-5335-404F-9BA2-2E83F9E2328B}" type="datetimeFigureOut">
               <a:rPr lang="th-TH" smtClean="0"/>
-              <a:t>21/04/65</a:t>
+              <a:t>22/04/65</a:t>
             </a:fld>
             <a:endParaRPr lang="th-TH"/>
           </a:p>
@@ -1899,7 +1901,7 @@
           <a:p>
             <a:fld id="{74A7171E-5335-404F-9BA2-2E83F9E2328B}" type="datetimeFigureOut">
               <a:rPr lang="th-TH" smtClean="0"/>
-              <a:t>21/04/65</a:t>
+              <a:t>22/04/65</a:t>
             </a:fld>
             <a:endParaRPr lang="th-TH"/>
           </a:p>
@@ -2167,7 +2169,7 @@
           <a:p>
             <a:fld id="{74A7171E-5335-404F-9BA2-2E83F9E2328B}" type="datetimeFigureOut">
               <a:rPr lang="th-TH" smtClean="0"/>
-              <a:t>21/04/65</a:t>
+              <a:t>22/04/65</a:t>
             </a:fld>
             <a:endParaRPr lang="th-TH"/>
           </a:p>
@@ -2582,7 +2584,7 @@
           <a:p>
             <a:fld id="{74A7171E-5335-404F-9BA2-2E83F9E2328B}" type="datetimeFigureOut">
               <a:rPr lang="th-TH" smtClean="0"/>
-              <a:t>21/04/65</a:t>
+              <a:t>22/04/65</a:t>
             </a:fld>
             <a:endParaRPr lang="th-TH"/>
           </a:p>
@@ -2724,7 +2726,7 @@
           <a:p>
             <a:fld id="{74A7171E-5335-404F-9BA2-2E83F9E2328B}" type="datetimeFigureOut">
               <a:rPr lang="th-TH" smtClean="0"/>
-              <a:t>21/04/65</a:t>
+              <a:t>22/04/65</a:t>
             </a:fld>
             <a:endParaRPr lang="th-TH"/>
           </a:p>
@@ -2837,7 +2839,7 @@
           <a:p>
             <a:fld id="{74A7171E-5335-404F-9BA2-2E83F9E2328B}" type="datetimeFigureOut">
               <a:rPr lang="th-TH" smtClean="0"/>
-              <a:t>21/04/65</a:t>
+              <a:t>22/04/65</a:t>
             </a:fld>
             <a:endParaRPr lang="th-TH"/>
           </a:p>
@@ -3150,7 +3152,7 @@
           <a:p>
             <a:fld id="{74A7171E-5335-404F-9BA2-2E83F9E2328B}" type="datetimeFigureOut">
               <a:rPr lang="th-TH" smtClean="0"/>
-              <a:t>21/04/65</a:t>
+              <a:t>22/04/65</a:t>
             </a:fld>
             <a:endParaRPr lang="th-TH"/>
           </a:p>
@@ -3439,7 +3441,7 @@
           <a:p>
             <a:fld id="{74A7171E-5335-404F-9BA2-2E83F9E2328B}" type="datetimeFigureOut">
               <a:rPr lang="th-TH" smtClean="0"/>
-              <a:t>21/04/65</a:t>
+              <a:t>22/04/65</a:t>
             </a:fld>
             <a:endParaRPr lang="th-TH"/>
           </a:p>
@@ -3682,7 +3684,7 @@
           <a:p>
             <a:fld id="{74A7171E-5335-404F-9BA2-2E83F9E2328B}" type="datetimeFigureOut">
               <a:rPr lang="th-TH" smtClean="0"/>
-              <a:t>21/04/65</a:t>
+              <a:t>22/04/65</a:t>
             </a:fld>
             <a:endParaRPr lang="th-TH"/>
           </a:p>
@@ -4515,6 +4517,60 @@
           </a:prstGeom>
         </p:spPr>
       </p:pic>
+      <p:pic>
+        <p:nvPicPr>
+          <p:cNvPr id="3074" name="Picture 2" descr="Vector Hand Icon, Hand Icons, Finger Icon, Gesture Icon PNG and Vector with  Transparent Background for Free Download">
+            <a:extLst>
+              <a:ext uri="{FF2B5EF4-FFF2-40B4-BE49-F238E27FC236}">
+                <a16:creationId xmlns:a16="http://schemas.microsoft.com/office/drawing/2014/main" id="{117DF25E-D2BB-4616-AEE3-46EBE2731377}"/>
+              </a:ext>
+            </a:extLst>
+          </p:cNvPr>
+          <p:cNvPicPr>
+            <a:picLocks noChangeAspect="1" noChangeArrowheads="1"/>
+          </p:cNvPicPr>
+          <p:nvPr/>
+        </p:nvPicPr>
+        <p:blipFill rotWithShape="1">
+          <a:blip r:embed="rId7">
+            <a:extLst>
+              <a:ext uri="{BEBA8EAE-BF5A-486C-A8C5-ECC9F3942E4B}">
+                <a14:imgProps xmlns:a14="http://schemas.microsoft.com/office/drawing/2010/main">
+                  <a14:imgLayer r:embed="rId8">
+                    <a14:imgEffect>
+                      <a14:backgroundRemoval t="10000" b="90000" l="10000" r="90000"/>
+                    </a14:imgEffect>
+                  </a14:imgLayer>
+                </a14:imgProps>
+              </a:ext>
+              <a:ext uri="{28A0092B-C50C-407E-A947-70E740481C1C}">
+                <a14:useLocalDpi xmlns:a14="http://schemas.microsoft.com/office/drawing/2010/main" val="0"/>
+              </a:ext>
+            </a:extLst>
+          </a:blip>
+          <a:srcRect l="10089" t="15092" r="9978" b="15225"/>
+          <a:stretch/>
+        </p:blipFill>
+        <p:spPr bwMode="auto">
+          <a:xfrm>
+            <a:off x="2301240" y="6023035"/>
+            <a:ext cx="579120" cy="504859"/>
+          </a:xfrm>
+          <a:prstGeom prst="rect">
+            <a:avLst/>
+          </a:prstGeom>
+          <a:noFill/>
+          <a:extLst>
+            <a:ext uri="{909E8E84-426E-40DD-AFC4-6F175D3DCCD1}">
+              <a14:hiddenFill xmlns:a14="http://schemas.microsoft.com/office/drawing/2010/main">
+                <a:solidFill>
+                  <a:srgbClr val="FFFFFF"/>
+                </a:solidFill>
+              </a14:hiddenFill>
+            </a:ext>
+          </a:extLst>
+        </p:spPr>
+      </p:pic>
     </p:spTree>
     <p:extLst>
       <p:ext uri="{BB962C8B-B14F-4D97-AF65-F5344CB8AC3E}">
@@ -4529,7 +4585,755 @@
 </file>
 
 <file path=ppt/slides/slide10.xml><?xml version="1.0" encoding="utf-8"?>
-<p:sld xmlns:a="http://schemas.openxmlformats.org/drawingml/2006/main" xmlns:r="http://schemas.openxmlformats.org/officeDocument/2006/relationships" xmlns:p="http://schemas.openxmlformats.org/presentationml/2006/main">
+<p:sld xmlns:a="http://schemas.openxmlformats.org/drawingml/2006/main" xmlns:r="http://schemas.openxmlformats.org/officeDocument/2006/relationships" xmlns:p="http://schemas.openxmlformats.org/presentationml/2006/main" show="0">
+  <p:cSld>
+    <p:spTree>
+      <p:nvGrpSpPr>
+        <p:cNvPr id="1" name=""/>
+        <p:cNvGrpSpPr/>
+        <p:nvPr/>
+      </p:nvGrpSpPr>
+      <p:grpSpPr>
+        <a:xfrm>
+          <a:off x="0" y="0"/>
+          <a:ext cx="0" cy="0"/>
+          <a:chOff x="0" y="0"/>
+          <a:chExt cx="0" cy="0"/>
+        </a:xfrm>
+      </p:grpSpPr>
+      <p:pic>
+        <p:nvPicPr>
+          <p:cNvPr id="11" name="Picture 10" descr="A picture containing logo&#10;&#10;Description automatically generated">
+            <a:extLst>
+              <a:ext uri="{FF2B5EF4-FFF2-40B4-BE49-F238E27FC236}">
+                <a16:creationId xmlns:a16="http://schemas.microsoft.com/office/drawing/2014/main" id="{F011E30A-FDD6-475C-B7CD-82190ED17857}"/>
+              </a:ext>
+            </a:extLst>
+          </p:cNvPr>
+          <p:cNvPicPr>
+            <a:picLocks noChangeAspect="1"/>
+          </p:cNvPicPr>
+          <p:nvPr/>
+        </p:nvPicPr>
+        <p:blipFill>
+          <a:blip r:embed="rId2">
+            <a:extLst>
+              <a:ext uri="{28A0092B-C50C-407E-A947-70E740481C1C}">
+                <a14:useLocalDpi xmlns:a14="http://schemas.microsoft.com/office/drawing/2010/main" val="0"/>
+              </a:ext>
+            </a:extLst>
+          </a:blip>
+          <a:stretch>
+            <a:fillRect/>
+          </a:stretch>
+        </p:blipFill>
+        <p:spPr>
+          <a:xfrm>
+            <a:off x="3123208" y="717768"/>
+            <a:ext cx="1349766" cy="245700"/>
+          </a:xfrm>
+          <a:prstGeom prst="rect">
+            <a:avLst/>
+          </a:prstGeom>
+        </p:spPr>
+      </p:pic>
+      <p:sp>
+        <p:nvSpPr>
+          <p:cNvPr id="14" name="Rectangle 13">
+            <a:extLst>
+              <a:ext uri="{FF2B5EF4-FFF2-40B4-BE49-F238E27FC236}">
+                <a16:creationId xmlns:a16="http://schemas.microsoft.com/office/drawing/2014/main" id="{469ECB73-30C3-42F5-AFB8-06EFCAEA0AA7}"/>
+              </a:ext>
+            </a:extLst>
+          </p:cNvPr>
+          <p:cNvSpPr/>
+          <p:nvPr/>
+        </p:nvSpPr>
+        <p:spPr>
+          <a:xfrm>
+            <a:off x="5061227" y="480618"/>
+            <a:ext cx="1728000" cy="720000"/>
+          </a:xfrm>
+          <a:prstGeom prst="rect">
+            <a:avLst/>
+          </a:prstGeom>
+          <a:noFill/>
+          <a:ln>
+            <a:solidFill>
+              <a:schemeClr val="tx1"/>
+            </a:solidFill>
+          </a:ln>
+        </p:spPr>
+        <p:style>
+          <a:lnRef idx="2">
+            <a:schemeClr val="accent1">
+              <a:shade val="50000"/>
+            </a:schemeClr>
+          </a:lnRef>
+          <a:fillRef idx="1">
+            <a:schemeClr val="accent1"/>
+          </a:fillRef>
+          <a:effectRef idx="0">
+            <a:schemeClr val="accent1"/>
+          </a:effectRef>
+          <a:fontRef idx="minor">
+            <a:schemeClr val="lt1"/>
+          </a:fontRef>
+        </p:style>
+        <p:txBody>
+          <a:bodyPr rtlCol="0" anchor="ctr"/>
+          <a:lstStyle/>
+          <a:p>
+            <a:r>
+              <a:rPr lang="en-US" sz="1100" b="1" dirty="0">
+                <a:solidFill>
+                  <a:srgbClr val="212121"/>
+                </a:solidFill>
+                <a:latin typeface="Tahoma" panose="020B0604030504040204" pitchFamily="34" charset="0"/>
+                <a:ea typeface="Tahoma" panose="020B0604030504040204" pitchFamily="34" charset="0"/>
+                <a:cs typeface="Tahoma" panose="020B0604030504040204" pitchFamily="34" charset="0"/>
+              </a:rPr>
+              <a:t>Forecast data</a:t>
+            </a:r>
+            <a:endParaRPr lang="en-US" sz="1100" b="1" i="0" dirty="0">
+              <a:solidFill>
+                <a:srgbClr val="212121"/>
+              </a:solidFill>
+              <a:effectLst/>
+              <a:latin typeface="Tahoma" panose="020B0604030504040204" pitchFamily="34" charset="0"/>
+              <a:ea typeface="Tahoma" panose="020B0604030504040204" pitchFamily="34" charset="0"/>
+              <a:cs typeface="Tahoma" panose="020B0604030504040204" pitchFamily="34" charset="0"/>
+            </a:endParaRPr>
+          </a:p>
+          <a:p>
+            <a:pPr marL="171450" indent="-171450">
+              <a:buFont typeface="Arial" panose="020B0604020202020204" pitchFamily="34" charset="0"/>
+              <a:buChar char="•"/>
+            </a:pPr>
+            <a:r>
+              <a:rPr lang="en-US" sz="1100" i="0" dirty="0">
+                <a:solidFill>
+                  <a:srgbClr val="212121"/>
+                </a:solidFill>
+                <a:effectLst/>
+                <a:latin typeface="Tahoma" panose="020B0604030504040204" pitchFamily="34" charset="0"/>
+                <a:ea typeface="Tahoma" panose="020B0604030504040204" pitchFamily="34" charset="0"/>
+                <a:cs typeface="Tahoma" panose="020B0604030504040204" pitchFamily="34" charset="0"/>
+              </a:rPr>
+              <a:t>Temp, </a:t>
+            </a:r>
+            <a:r>
+              <a:rPr lang="en-US" sz="1100" dirty="0">
+                <a:solidFill>
+                  <a:srgbClr val="212121"/>
+                </a:solidFill>
+                <a:latin typeface="Tahoma" panose="020B0604030504040204" pitchFamily="34" charset="0"/>
+                <a:ea typeface="Tahoma" panose="020B0604030504040204" pitchFamily="34" charset="0"/>
+                <a:cs typeface="Tahoma" panose="020B0604030504040204" pitchFamily="34" charset="0"/>
+              </a:rPr>
+              <a:t>Rh</a:t>
+            </a:r>
+          </a:p>
+          <a:p>
+            <a:pPr marL="171450" indent="-171450">
+              <a:buFont typeface="Arial" panose="020B0604020202020204" pitchFamily="34" charset="0"/>
+              <a:buChar char="•"/>
+            </a:pPr>
+            <a:r>
+              <a:rPr lang="en-US" sz="1100" i="0" dirty="0">
+                <a:solidFill>
+                  <a:srgbClr val="212121"/>
+                </a:solidFill>
+                <a:effectLst/>
+                <a:latin typeface="Tahoma" panose="020B0604030504040204" pitchFamily="34" charset="0"/>
+                <a:ea typeface="Tahoma" panose="020B0604030504040204" pitchFamily="34" charset="0"/>
+                <a:cs typeface="Tahoma" panose="020B0604030504040204" pitchFamily="34" charset="0"/>
+              </a:rPr>
+              <a:t>Hourly</a:t>
+            </a:r>
+          </a:p>
+          <a:p>
+            <a:pPr marL="171450" indent="-171450">
+              <a:buFont typeface="Arial" panose="020B0604020202020204" pitchFamily="34" charset="0"/>
+              <a:buChar char="•"/>
+            </a:pPr>
+            <a:r>
+              <a:rPr lang="en-US" sz="1100" dirty="0">
+                <a:solidFill>
+                  <a:srgbClr val="212121"/>
+                </a:solidFill>
+                <a:latin typeface="Tahoma" panose="020B0604030504040204" pitchFamily="34" charset="0"/>
+                <a:ea typeface="Tahoma" panose="020B0604030504040204" pitchFamily="34" charset="0"/>
+                <a:cs typeface="Tahoma" panose="020B0604030504040204" pitchFamily="34" charset="0"/>
+              </a:rPr>
+              <a:t>Forecast (T to T+14 )</a:t>
+            </a:r>
+            <a:endParaRPr lang="en-US" sz="1100" i="0" dirty="0">
+              <a:solidFill>
+                <a:srgbClr val="212121"/>
+              </a:solidFill>
+              <a:effectLst/>
+              <a:latin typeface="Tahoma" panose="020B0604030504040204" pitchFamily="34" charset="0"/>
+              <a:ea typeface="Tahoma" panose="020B0604030504040204" pitchFamily="34" charset="0"/>
+              <a:cs typeface="Tahoma" panose="020B0604030504040204" pitchFamily="34" charset="0"/>
+            </a:endParaRPr>
+          </a:p>
+        </p:txBody>
+      </p:sp>
+      <p:cxnSp>
+        <p:nvCxnSpPr>
+          <p:cNvPr id="15" name="Straight Arrow Connector 14">
+            <a:extLst>
+              <a:ext uri="{FF2B5EF4-FFF2-40B4-BE49-F238E27FC236}">
+                <a16:creationId xmlns:a16="http://schemas.microsoft.com/office/drawing/2014/main" id="{A22B356F-F308-449A-800D-53DA3D775605}"/>
+              </a:ext>
+            </a:extLst>
+          </p:cNvPr>
+          <p:cNvCxnSpPr>
+            <a:cxnSpLocks/>
+            <a:stCxn id="11" idx="3"/>
+            <a:endCxn id="14" idx="1"/>
+          </p:cNvCxnSpPr>
+          <p:nvPr/>
+        </p:nvCxnSpPr>
+        <p:spPr>
+          <a:xfrm>
+            <a:off x="4472974" y="840618"/>
+            <a:ext cx="588253" cy="0"/>
+          </a:xfrm>
+          <a:prstGeom prst="straightConnector1">
+            <a:avLst/>
+          </a:prstGeom>
+          <a:ln w="28575">
+            <a:solidFill>
+              <a:srgbClr val="002060"/>
+            </a:solidFill>
+            <a:tailEnd type="triangle"/>
+          </a:ln>
+        </p:spPr>
+        <p:style>
+          <a:lnRef idx="1">
+            <a:schemeClr val="accent1"/>
+          </a:lnRef>
+          <a:fillRef idx="0">
+            <a:schemeClr val="accent1"/>
+          </a:fillRef>
+          <a:effectRef idx="0">
+            <a:schemeClr val="accent1"/>
+          </a:effectRef>
+          <a:fontRef idx="minor">
+            <a:schemeClr val="tx1"/>
+          </a:fontRef>
+        </p:style>
+      </p:cxnSp>
+      <p:sp>
+        <p:nvSpPr>
+          <p:cNvPr id="21" name="Rectangle 20">
+            <a:extLst>
+              <a:ext uri="{FF2B5EF4-FFF2-40B4-BE49-F238E27FC236}">
+                <a16:creationId xmlns:a16="http://schemas.microsoft.com/office/drawing/2014/main" id="{445ED57A-07E5-4145-9987-E08B423CE17F}"/>
+              </a:ext>
+            </a:extLst>
+          </p:cNvPr>
+          <p:cNvSpPr/>
+          <p:nvPr/>
+        </p:nvSpPr>
+        <p:spPr>
+          <a:xfrm>
+            <a:off x="5061227" y="1560618"/>
+            <a:ext cx="1728000" cy="720000"/>
+          </a:xfrm>
+          <a:prstGeom prst="rect">
+            <a:avLst/>
+          </a:prstGeom>
+          <a:noFill/>
+          <a:ln>
+            <a:solidFill>
+              <a:schemeClr val="tx1"/>
+            </a:solidFill>
+          </a:ln>
+        </p:spPr>
+        <p:style>
+          <a:lnRef idx="2">
+            <a:schemeClr val="accent1">
+              <a:shade val="50000"/>
+            </a:schemeClr>
+          </a:lnRef>
+          <a:fillRef idx="1">
+            <a:schemeClr val="accent1"/>
+          </a:fillRef>
+          <a:effectRef idx="0">
+            <a:schemeClr val="accent1"/>
+          </a:effectRef>
+          <a:fontRef idx="minor">
+            <a:schemeClr val="lt1"/>
+          </a:fontRef>
+        </p:style>
+        <p:txBody>
+          <a:bodyPr rtlCol="0" anchor="ctr"/>
+          <a:lstStyle/>
+          <a:p>
+            <a:r>
+              <a:rPr lang="en-US" sz="1100" b="1" dirty="0">
+                <a:solidFill>
+                  <a:srgbClr val="212121"/>
+                </a:solidFill>
+                <a:latin typeface="Tahoma" panose="020B0604030504040204" pitchFamily="34" charset="0"/>
+                <a:ea typeface="Tahoma" panose="020B0604030504040204" pitchFamily="34" charset="0"/>
+                <a:cs typeface="Tahoma" panose="020B0604030504040204" pitchFamily="34" charset="0"/>
+              </a:rPr>
+              <a:t>Historical data</a:t>
+            </a:r>
+            <a:endParaRPr lang="en-US" sz="1100" b="1" i="0" dirty="0">
+              <a:solidFill>
+                <a:srgbClr val="212121"/>
+              </a:solidFill>
+              <a:effectLst/>
+              <a:latin typeface="Tahoma" panose="020B0604030504040204" pitchFamily="34" charset="0"/>
+              <a:ea typeface="Tahoma" panose="020B0604030504040204" pitchFamily="34" charset="0"/>
+              <a:cs typeface="Tahoma" panose="020B0604030504040204" pitchFamily="34" charset="0"/>
+            </a:endParaRPr>
+          </a:p>
+          <a:p>
+            <a:pPr marL="171450" indent="-171450">
+              <a:buFont typeface="Arial" panose="020B0604020202020204" pitchFamily="34" charset="0"/>
+              <a:buChar char="•"/>
+            </a:pPr>
+            <a:r>
+              <a:rPr lang="en-US" sz="1100" i="0" dirty="0">
+                <a:solidFill>
+                  <a:srgbClr val="212121"/>
+                </a:solidFill>
+                <a:effectLst/>
+                <a:latin typeface="Tahoma" panose="020B0604030504040204" pitchFamily="34" charset="0"/>
+                <a:ea typeface="Tahoma" panose="020B0604030504040204" pitchFamily="34" charset="0"/>
+                <a:cs typeface="Tahoma" panose="020B0604030504040204" pitchFamily="34" charset="0"/>
+              </a:rPr>
+              <a:t>Temp, </a:t>
+            </a:r>
+            <a:r>
+              <a:rPr lang="en-US" sz="1100" dirty="0">
+                <a:solidFill>
+                  <a:srgbClr val="212121"/>
+                </a:solidFill>
+                <a:latin typeface="Tahoma" panose="020B0604030504040204" pitchFamily="34" charset="0"/>
+                <a:ea typeface="Tahoma" panose="020B0604030504040204" pitchFamily="34" charset="0"/>
+                <a:cs typeface="Tahoma" panose="020B0604030504040204" pitchFamily="34" charset="0"/>
+              </a:rPr>
+              <a:t>Rh</a:t>
+            </a:r>
+          </a:p>
+          <a:p>
+            <a:pPr marL="171450" indent="-171450">
+              <a:buFont typeface="Arial" panose="020B0604020202020204" pitchFamily="34" charset="0"/>
+              <a:buChar char="•"/>
+            </a:pPr>
+            <a:r>
+              <a:rPr lang="en-US" sz="1100" i="0" dirty="0">
+                <a:solidFill>
+                  <a:srgbClr val="212121"/>
+                </a:solidFill>
+                <a:effectLst/>
+                <a:latin typeface="Tahoma" panose="020B0604030504040204" pitchFamily="34" charset="0"/>
+                <a:ea typeface="Tahoma" panose="020B0604030504040204" pitchFamily="34" charset="0"/>
+                <a:cs typeface="Tahoma" panose="020B0604030504040204" pitchFamily="34" charset="0"/>
+              </a:rPr>
+              <a:t>Hourly</a:t>
+            </a:r>
+          </a:p>
+        </p:txBody>
+      </p:sp>
+      <p:cxnSp>
+        <p:nvCxnSpPr>
+          <p:cNvPr id="22" name="Connector: Elbow 21">
+            <a:extLst>
+              <a:ext uri="{FF2B5EF4-FFF2-40B4-BE49-F238E27FC236}">
+                <a16:creationId xmlns:a16="http://schemas.microsoft.com/office/drawing/2014/main" id="{BF070342-590D-4973-901F-93DC58A61200}"/>
+              </a:ext>
+            </a:extLst>
+          </p:cNvPr>
+          <p:cNvCxnSpPr>
+            <a:cxnSpLocks/>
+            <a:stCxn id="11" idx="3"/>
+            <a:endCxn id="21" idx="1"/>
+          </p:cNvCxnSpPr>
+          <p:nvPr/>
+        </p:nvCxnSpPr>
+        <p:spPr>
+          <a:xfrm>
+            <a:off x="4472974" y="840618"/>
+            <a:ext cx="588253" cy="1080000"/>
+          </a:xfrm>
+          <a:prstGeom prst="bentConnector3">
+            <a:avLst>
+              <a:gd name="adj1" fmla="val 50000"/>
+            </a:avLst>
+          </a:prstGeom>
+          <a:ln w="28575">
+            <a:solidFill>
+              <a:srgbClr val="002060"/>
+            </a:solidFill>
+            <a:tailEnd type="triangle"/>
+          </a:ln>
+        </p:spPr>
+        <p:style>
+          <a:lnRef idx="1">
+            <a:schemeClr val="accent1"/>
+          </a:lnRef>
+          <a:fillRef idx="0">
+            <a:schemeClr val="accent1"/>
+          </a:fillRef>
+          <a:effectRef idx="0">
+            <a:schemeClr val="accent1"/>
+          </a:effectRef>
+          <a:fontRef idx="minor">
+            <a:schemeClr val="tx1"/>
+          </a:fontRef>
+        </p:style>
+      </p:cxnSp>
+      <p:sp>
+        <p:nvSpPr>
+          <p:cNvPr id="30" name="Rectangle 29">
+            <a:extLst>
+              <a:ext uri="{FF2B5EF4-FFF2-40B4-BE49-F238E27FC236}">
+                <a16:creationId xmlns:a16="http://schemas.microsoft.com/office/drawing/2014/main" id="{17C6B3F0-90D6-47FB-9D60-81C8AA55F1B9}"/>
+              </a:ext>
+            </a:extLst>
+          </p:cNvPr>
+          <p:cNvSpPr/>
+          <p:nvPr/>
+        </p:nvSpPr>
+        <p:spPr>
+          <a:xfrm>
+            <a:off x="1016974" y="588618"/>
+            <a:ext cx="1728000" cy="504000"/>
+          </a:xfrm>
+          <a:prstGeom prst="rect">
+            <a:avLst/>
+          </a:prstGeom>
+          <a:noFill/>
+          <a:ln>
+            <a:solidFill>
+              <a:schemeClr val="tx1"/>
+            </a:solidFill>
+          </a:ln>
+        </p:spPr>
+        <p:style>
+          <a:lnRef idx="2">
+            <a:schemeClr val="accent1">
+              <a:shade val="50000"/>
+            </a:schemeClr>
+          </a:lnRef>
+          <a:fillRef idx="1">
+            <a:schemeClr val="accent1"/>
+          </a:fillRef>
+          <a:effectRef idx="0">
+            <a:schemeClr val="accent1"/>
+          </a:effectRef>
+          <a:fontRef idx="minor">
+            <a:schemeClr val="lt1"/>
+          </a:fontRef>
+        </p:style>
+        <p:txBody>
+          <a:bodyPr rtlCol="0" anchor="ctr"/>
+          <a:lstStyle/>
+          <a:p>
+            <a:r>
+              <a:rPr lang="en-US" sz="1100" b="1" dirty="0">
+                <a:solidFill>
+                  <a:srgbClr val="212121"/>
+                </a:solidFill>
+                <a:latin typeface="Tahoma" panose="020B0604030504040204" pitchFamily="34" charset="0"/>
+                <a:ea typeface="Tahoma" panose="020B0604030504040204" pitchFamily="34" charset="0"/>
+                <a:cs typeface="Tahoma" panose="020B0604030504040204" pitchFamily="34" charset="0"/>
+              </a:rPr>
+              <a:t>Input</a:t>
+            </a:r>
+            <a:endParaRPr lang="en-US" sz="1100" b="1" i="0" dirty="0">
+              <a:solidFill>
+                <a:srgbClr val="212121"/>
+              </a:solidFill>
+              <a:effectLst/>
+              <a:latin typeface="Tahoma" panose="020B0604030504040204" pitchFamily="34" charset="0"/>
+              <a:ea typeface="Tahoma" panose="020B0604030504040204" pitchFamily="34" charset="0"/>
+              <a:cs typeface="Tahoma" panose="020B0604030504040204" pitchFamily="34" charset="0"/>
+            </a:endParaRPr>
+          </a:p>
+          <a:p>
+            <a:pPr marL="171450" indent="-171450">
+              <a:buFont typeface="Arial" panose="020B0604020202020204" pitchFamily="34" charset="0"/>
+              <a:buChar char="•"/>
+            </a:pPr>
+            <a:r>
+              <a:rPr lang="en-US" sz="1100" i="0" dirty="0">
+                <a:solidFill>
+                  <a:srgbClr val="212121"/>
+                </a:solidFill>
+                <a:effectLst/>
+                <a:latin typeface="Tahoma" panose="020B0604030504040204" pitchFamily="34" charset="0"/>
+                <a:ea typeface="Tahoma" panose="020B0604030504040204" pitchFamily="34" charset="0"/>
+                <a:cs typeface="Tahoma" panose="020B0604030504040204" pitchFamily="34" charset="0"/>
+              </a:rPr>
+              <a:t>Lat, </a:t>
+            </a:r>
+            <a:r>
+              <a:rPr lang="en-US" sz="1100" dirty="0" err="1">
+                <a:solidFill>
+                  <a:srgbClr val="212121"/>
+                </a:solidFill>
+                <a:latin typeface="Tahoma" panose="020B0604030504040204" pitchFamily="34" charset="0"/>
+                <a:ea typeface="Tahoma" panose="020B0604030504040204" pitchFamily="34" charset="0"/>
+                <a:cs typeface="Tahoma" panose="020B0604030504040204" pitchFamily="34" charset="0"/>
+              </a:rPr>
+              <a:t>lon</a:t>
+            </a:r>
+            <a:endParaRPr lang="en-US" sz="1100" dirty="0">
+              <a:solidFill>
+                <a:srgbClr val="212121"/>
+              </a:solidFill>
+              <a:latin typeface="Tahoma" panose="020B0604030504040204" pitchFamily="34" charset="0"/>
+              <a:ea typeface="Tahoma" panose="020B0604030504040204" pitchFamily="34" charset="0"/>
+              <a:cs typeface="Tahoma" panose="020B0604030504040204" pitchFamily="34" charset="0"/>
+            </a:endParaRPr>
+          </a:p>
+          <a:p>
+            <a:pPr marL="171450" indent="-171450">
+              <a:buFont typeface="Arial" panose="020B0604020202020204" pitchFamily="34" charset="0"/>
+              <a:buChar char="•"/>
+            </a:pPr>
+            <a:r>
+              <a:rPr lang="en-US" sz="1100" i="0" dirty="0">
+                <a:solidFill>
+                  <a:srgbClr val="212121"/>
+                </a:solidFill>
+                <a:effectLst/>
+                <a:latin typeface="Tahoma" panose="020B0604030504040204" pitchFamily="34" charset="0"/>
+                <a:ea typeface="Tahoma" panose="020B0604030504040204" pitchFamily="34" charset="0"/>
+                <a:cs typeface="Tahoma" panose="020B0604030504040204" pitchFamily="34" charset="0"/>
+              </a:rPr>
+              <a:t>Start dat</a:t>
+            </a:r>
+            <a:r>
+              <a:rPr lang="en-US" sz="1100" dirty="0">
+                <a:solidFill>
+                  <a:srgbClr val="212121"/>
+                </a:solidFill>
+                <a:latin typeface="Tahoma" panose="020B0604030504040204" pitchFamily="34" charset="0"/>
+                <a:ea typeface="Tahoma" panose="020B0604030504040204" pitchFamily="34" charset="0"/>
+                <a:cs typeface="Tahoma" panose="020B0604030504040204" pitchFamily="34" charset="0"/>
+              </a:rPr>
+              <a:t>e to End date</a:t>
+            </a:r>
+            <a:endParaRPr lang="en-US" sz="1100" i="0" dirty="0">
+              <a:solidFill>
+                <a:srgbClr val="212121"/>
+              </a:solidFill>
+              <a:effectLst/>
+              <a:latin typeface="Tahoma" panose="020B0604030504040204" pitchFamily="34" charset="0"/>
+              <a:ea typeface="Tahoma" panose="020B0604030504040204" pitchFamily="34" charset="0"/>
+              <a:cs typeface="Tahoma" panose="020B0604030504040204" pitchFamily="34" charset="0"/>
+            </a:endParaRPr>
+          </a:p>
+        </p:txBody>
+      </p:sp>
+      <p:cxnSp>
+        <p:nvCxnSpPr>
+          <p:cNvPr id="31" name="Straight Arrow Connector 30">
+            <a:extLst>
+              <a:ext uri="{FF2B5EF4-FFF2-40B4-BE49-F238E27FC236}">
+                <a16:creationId xmlns:a16="http://schemas.microsoft.com/office/drawing/2014/main" id="{80D6D4BD-FCE7-4287-B445-9FDC0C9DAFA2}"/>
+              </a:ext>
+            </a:extLst>
+          </p:cNvPr>
+          <p:cNvCxnSpPr>
+            <a:cxnSpLocks/>
+            <a:stCxn id="30" idx="3"/>
+            <a:endCxn id="11" idx="1"/>
+          </p:cNvCxnSpPr>
+          <p:nvPr/>
+        </p:nvCxnSpPr>
+        <p:spPr>
+          <a:xfrm>
+            <a:off x="2744974" y="840618"/>
+            <a:ext cx="378234" cy="0"/>
+          </a:xfrm>
+          <a:prstGeom prst="straightConnector1">
+            <a:avLst/>
+          </a:prstGeom>
+          <a:ln w="28575">
+            <a:solidFill>
+              <a:srgbClr val="002060"/>
+            </a:solidFill>
+            <a:tailEnd type="triangle"/>
+          </a:ln>
+        </p:spPr>
+        <p:style>
+          <a:lnRef idx="1">
+            <a:schemeClr val="accent1"/>
+          </a:lnRef>
+          <a:fillRef idx="0">
+            <a:schemeClr val="accent1"/>
+          </a:fillRef>
+          <a:effectRef idx="0">
+            <a:schemeClr val="accent1"/>
+          </a:effectRef>
+          <a:fontRef idx="minor">
+            <a:schemeClr val="tx1"/>
+          </a:fontRef>
+        </p:style>
+      </p:cxnSp>
+    </p:spTree>
+    <p:extLst>
+      <p:ext uri="{BB962C8B-B14F-4D97-AF65-F5344CB8AC3E}">
+        <p14:creationId xmlns:p14="http://schemas.microsoft.com/office/powerpoint/2010/main" val="2462861717"/>
+      </p:ext>
+    </p:extLst>
+  </p:cSld>
+  <p:clrMapOvr>
+    <a:masterClrMapping/>
+  </p:clrMapOvr>
+</p:sld>
+</file>
+
+<file path=ppt/slides/slide11.xml><?xml version="1.0" encoding="utf-8"?>
+<p:sld xmlns:a="http://schemas.openxmlformats.org/drawingml/2006/main" xmlns:r="http://schemas.openxmlformats.org/officeDocument/2006/relationships" xmlns:p="http://schemas.openxmlformats.org/presentationml/2006/main" show="0">
+  <p:cSld>
+    <p:spTree>
+      <p:nvGrpSpPr>
+        <p:cNvPr id="1" name=""/>
+        <p:cNvGrpSpPr/>
+        <p:nvPr/>
+      </p:nvGrpSpPr>
+      <p:grpSpPr>
+        <a:xfrm>
+          <a:off x="0" y="0"/>
+          <a:ext cx="0" cy="0"/>
+          <a:chOff x="0" y="0"/>
+          <a:chExt cx="0" cy="0"/>
+        </a:xfrm>
+      </p:grpSpPr>
+      <p:pic>
+        <p:nvPicPr>
+          <p:cNvPr id="2" name="Picture 4" descr="Meteonorm - Top Competitors &amp; Alternatives | Datarade">
+            <a:extLst>
+              <a:ext uri="{FF2B5EF4-FFF2-40B4-BE49-F238E27FC236}">
+                <a16:creationId xmlns:a16="http://schemas.microsoft.com/office/drawing/2014/main" id="{ACE25D53-1EEE-4F07-9B43-D991689D24AA}"/>
+              </a:ext>
+            </a:extLst>
+          </p:cNvPr>
+          <p:cNvPicPr>
+            <a:picLocks noChangeAspect="1" noChangeArrowheads="1"/>
+          </p:cNvPicPr>
+          <p:nvPr/>
+        </p:nvPicPr>
+        <p:blipFill>
+          <a:blip r:embed="rId3">
+            <a:extLst>
+              <a:ext uri="{28A0092B-C50C-407E-A947-70E740481C1C}">
+                <a14:useLocalDpi xmlns:a14="http://schemas.microsoft.com/office/drawing/2010/main" val="0"/>
+              </a:ext>
+            </a:extLst>
+          </a:blip>
+          <a:srcRect/>
+          <a:stretch>
+            <a:fillRect/>
+          </a:stretch>
+        </p:blipFill>
+        <p:spPr bwMode="auto">
+          <a:xfrm>
+            <a:off x="9969357" y="0"/>
+            <a:ext cx="2222643" cy="485192"/>
+          </a:xfrm>
+          <a:prstGeom prst="rect">
+            <a:avLst/>
+          </a:prstGeom>
+          <a:noFill/>
+          <a:extLst>
+            <a:ext uri="{909E8E84-426E-40DD-AFC4-6F175D3DCCD1}">
+              <a14:hiddenFill xmlns:a14="http://schemas.microsoft.com/office/drawing/2010/main">
+                <a:solidFill>
+                  <a:srgbClr val="FFFFFF"/>
+                </a:solidFill>
+              </a14:hiddenFill>
+            </a:ext>
+          </a:extLst>
+        </p:spPr>
+      </p:pic>
+      <p:pic>
+        <p:nvPicPr>
+          <p:cNvPr id="69" name="Picture 68">
+            <a:extLst>
+              <a:ext uri="{FF2B5EF4-FFF2-40B4-BE49-F238E27FC236}">
+                <a16:creationId xmlns:a16="http://schemas.microsoft.com/office/drawing/2014/main" id="{1BDAF41D-9897-4848-BDAE-A929437E688F}"/>
+              </a:ext>
+            </a:extLst>
+          </p:cNvPr>
+          <p:cNvPicPr>
+            <a:picLocks noChangeAspect="1"/>
+          </p:cNvPicPr>
+          <p:nvPr/>
+        </p:nvPicPr>
+        <p:blipFill>
+          <a:blip r:embed="rId4"/>
+          <a:stretch>
+            <a:fillRect/>
+          </a:stretch>
+        </p:blipFill>
+        <p:spPr>
+          <a:xfrm>
+            <a:off x="2380615" y="572773"/>
+            <a:ext cx="2603218" cy="5712447"/>
+          </a:xfrm>
+          <a:prstGeom prst="rect">
+            <a:avLst/>
+          </a:prstGeom>
+        </p:spPr>
+      </p:pic>
+      <p:pic>
+        <p:nvPicPr>
+          <p:cNvPr id="96" name="Picture 95">
+            <a:extLst>
+              <a:ext uri="{FF2B5EF4-FFF2-40B4-BE49-F238E27FC236}">
+                <a16:creationId xmlns:a16="http://schemas.microsoft.com/office/drawing/2014/main" id="{21BD8701-EF56-4A96-B2C1-548D8240771E}"/>
+              </a:ext>
+            </a:extLst>
+          </p:cNvPr>
+          <p:cNvPicPr>
+            <a:picLocks noChangeAspect="1"/>
+          </p:cNvPicPr>
+          <p:nvPr/>
+        </p:nvPicPr>
+        <p:blipFill>
+          <a:blip r:embed="rId5"/>
+          <a:stretch>
+            <a:fillRect/>
+          </a:stretch>
+        </p:blipFill>
+        <p:spPr>
+          <a:xfrm>
+            <a:off x="6354833" y="758716"/>
+            <a:ext cx="2767824" cy="5340559"/>
+          </a:xfrm>
+          <a:prstGeom prst="rect">
+            <a:avLst/>
+          </a:prstGeom>
+        </p:spPr>
+      </p:pic>
+    </p:spTree>
+    <p:extLst>
+      <p:ext uri="{BB962C8B-B14F-4D97-AF65-F5344CB8AC3E}">
+        <p14:creationId xmlns:p14="http://schemas.microsoft.com/office/powerpoint/2010/main" val="3205364100"/>
+      </p:ext>
+    </p:extLst>
+  </p:cSld>
+  <p:clrMapOvr>
+    <a:masterClrMapping/>
+  </p:clrMapOvr>
+</p:sld>
+</file>
+
+<file path=ppt/slides/slide12.xml><?xml version="1.0" encoding="utf-8"?>
+<p:sld xmlns:a="http://schemas.openxmlformats.org/drawingml/2006/main" xmlns:r="http://schemas.openxmlformats.org/officeDocument/2006/relationships" xmlns:p="http://schemas.openxmlformats.org/presentationml/2006/main" show="0">
   <p:cSld>
     <p:spTree>
       <p:nvGrpSpPr>
@@ -4680,8 +5484,8 @@
 </p:sld>
 </file>
 
-<file path=ppt/slides/slide11.xml><?xml version="1.0" encoding="utf-8"?>
-<p:sld xmlns:a="http://schemas.openxmlformats.org/drawingml/2006/main" xmlns:r="http://schemas.openxmlformats.org/officeDocument/2006/relationships" xmlns:p="http://schemas.openxmlformats.org/presentationml/2006/main">
+<file path=ppt/slides/slide13.xml><?xml version="1.0" encoding="utf-8"?>
+<p:sld xmlns:a="http://schemas.openxmlformats.org/drawingml/2006/main" xmlns:r="http://schemas.openxmlformats.org/officeDocument/2006/relationships" xmlns:p="http://schemas.openxmlformats.org/presentationml/2006/main" show="0">
   <p:cSld>
     <p:spTree>
       <p:nvGrpSpPr>
@@ -5120,8 +5924,8 @@
 </p:sld>
 </file>
 
-<file path=ppt/slides/slide12.xml><?xml version="1.0" encoding="utf-8"?>
-<p:sld xmlns:a="http://schemas.openxmlformats.org/drawingml/2006/main" xmlns:r="http://schemas.openxmlformats.org/officeDocument/2006/relationships" xmlns:p="http://schemas.openxmlformats.org/presentationml/2006/main">
+<file path=ppt/slides/slide14.xml><?xml version="1.0" encoding="utf-8"?>
+<p:sld xmlns:a="http://schemas.openxmlformats.org/drawingml/2006/main" xmlns:r="http://schemas.openxmlformats.org/officeDocument/2006/relationships" xmlns:p="http://schemas.openxmlformats.org/presentationml/2006/main" show="0">
   <p:cSld>
     <p:spTree>
       <p:nvGrpSpPr>
@@ -6867,8 +7671,8 @@
 </p:sld>
 </file>
 
-<file path=ppt/slides/slide13.xml><?xml version="1.0" encoding="utf-8"?>
-<p:sld xmlns:a="http://schemas.openxmlformats.org/drawingml/2006/main" xmlns:r="http://schemas.openxmlformats.org/officeDocument/2006/relationships" xmlns:p="http://schemas.openxmlformats.org/presentationml/2006/main">
+<file path=ppt/slides/slide15.xml><?xml version="1.0" encoding="utf-8"?>
+<p:sld xmlns:a="http://schemas.openxmlformats.org/drawingml/2006/main" xmlns:r="http://schemas.openxmlformats.org/officeDocument/2006/relationships" xmlns:p="http://schemas.openxmlformats.org/presentationml/2006/main" show="0">
   <p:cSld>
     <p:spTree>
       <p:nvGrpSpPr>
@@ -7532,8 +8336,8 @@
 </p:sld>
 </file>
 
-<file path=ppt/slides/slide14.xml><?xml version="1.0" encoding="utf-8"?>
-<p:sld xmlns:a="http://schemas.openxmlformats.org/drawingml/2006/main" xmlns:r="http://schemas.openxmlformats.org/officeDocument/2006/relationships" xmlns:p="http://schemas.openxmlformats.org/presentationml/2006/main">
+<file path=ppt/slides/slide16.xml><?xml version="1.0" encoding="utf-8"?>
+<p:sld xmlns:a="http://schemas.openxmlformats.org/drawingml/2006/main" xmlns:r="http://schemas.openxmlformats.org/officeDocument/2006/relationships" xmlns:p="http://schemas.openxmlformats.org/presentationml/2006/main" show="0">
   <p:cSld>
     <p:spTree>
       <p:nvGrpSpPr>
@@ -7992,81 +8796,7 @@
 </p:sld>
 </file>
 
-<file path=ppt/slides/slide15.xml><?xml version="1.0" encoding="utf-8"?>
-<p:sld xmlns:a="http://schemas.openxmlformats.org/drawingml/2006/main" xmlns:r="http://schemas.openxmlformats.org/officeDocument/2006/relationships" xmlns:p="http://schemas.openxmlformats.org/presentationml/2006/main">
-  <p:cSld>
-    <p:spTree>
-      <p:nvGrpSpPr>
-        <p:cNvPr id="1" name=""/>
-        <p:cNvGrpSpPr/>
-        <p:nvPr/>
-      </p:nvGrpSpPr>
-      <p:grpSpPr>
-        <a:xfrm>
-          <a:off x="0" y="0"/>
-          <a:ext cx="0" cy="0"/>
-          <a:chOff x="0" y="0"/>
-          <a:chExt cx="0" cy="0"/>
-        </a:xfrm>
-      </p:grpSpPr>
-      <p:sp>
-        <p:nvSpPr>
-          <p:cNvPr id="4" name="TextBox 3">
-            <a:extLst>
-              <a:ext uri="{FF2B5EF4-FFF2-40B4-BE49-F238E27FC236}">
-                <a16:creationId xmlns:a16="http://schemas.microsoft.com/office/drawing/2014/main" id="{8EDA4519-CB11-452F-BF21-B39D15A260DA}"/>
-              </a:ext>
-            </a:extLst>
-          </p:cNvPr>
-          <p:cNvSpPr txBox="1"/>
-          <p:nvPr/>
-        </p:nvSpPr>
-        <p:spPr>
-          <a:xfrm>
-            <a:off x="731520" y="447040"/>
-            <a:ext cx="1117614" cy="400110"/>
-          </a:xfrm>
-          <a:prstGeom prst="rect">
-            <a:avLst/>
-          </a:prstGeom>
-          <a:noFill/>
-        </p:spPr>
-        <p:txBody>
-          <a:bodyPr wrap="none" rtlCol="0">
-            <a:spAutoFit/>
-          </a:bodyPr>
-          <a:lstStyle/>
-          <a:p>
-            <a:r>
-              <a:rPr lang="en-US" sz="2000" dirty="0">
-                <a:latin typeface="Tahoma" panose="020B0604030504040204" pitchFamily="34" charset="0"/>
-                <a:ea typeface="Tahoma" panose="020B0604030504040204" pitchFamily="34" charset="0"/>
-                <a:cs typeface="Tahoma" panose="020B0604030504040204" pitchFamily="34" charset="0"/>
-              </a:rPr>
-              <a:t>Test site</a:t>
-            </a:r>
-            <a:endParaRPr lang="th-TH" sz="2000" dirty="0">
-              <a:latin typeface="Tahoma" panose="020B0604030504040204" pitchFamily="34" charset="0"/>
-              <a:ea typeface="Tahoma" panose="020B0604030504040204" pitchFamily="34" charset="0"/>
-              <a:cs typeface="Tahoma" panose="020B0604030504040204" pitchFamily="34" charset="0"/>
-            </a:endParaRPr>
-          </a:p>
-        </p:txBody>
-      </p:sp>
-    </p:spTree>
-    <p:extLst>
-      <p:ext uri="{BB962C8B-B14F-4D97-AF65-F5344CB8AC3E}">
-        <p14:creationId xmlns:p14="http://schemas.microsoft.com/office/powerpoint/2010/main" val="51354998"/>
-      </p:ext>
-    </p:extLst>
-  </p:cSld>
-  <p:clrMapOvr>
-    <a:masterClrMapping/>
-  </p:clrMapOvr>
-</p:sld>
-</file>
-
-<file path=ppt/slides/slide16.xml><?xml version="1.0" encoding="utf-8"?>
+<file path=ppt/slides/slide17.xml><?xml version="1.0" encoding="utf-8"?>
 <p:sld xmlns:a="http://schemas.openxmlformats.org/drawingml/2006/main" xmlns:r="http://schemas.openxmlformats.org/officeDocument/2006/relationships" xmlns:p="http://schemas.openxmlformats.org/presentationml/2006/main" show="0">
   <p:cSld>
     <p:spTree>
@@ -8171,7 +8901,7 @@
 </p:sld>
 </file>
 
-<file path=ppt/slides/slide17.xml><?xml version="1.0" encoding="utf-8"?>
+<file path=ppt/slides/slide18.xml><?xml version="1.0" encoding="utf-8"?>
 <p:sld xmlns:a="http://schemas.openxmlformats.org/drawingml/2006/main" xmlns:r="http://schemas.openxmlformats.org/officeDocument/2006/relationships" xmlns:p="http://schemas.openxmlformats.org/presentationml/2006/main" show="0">
   <p:cSld>
     <p:spTree>
@@ -10765,7 +11495,7 @@
 </p:sld>
 </file>
 
-<file path=ppt/slides/slide18.xml><?xml version="1.0" encoding="utf-8"?>
+<file path=ppt/slides/slide19.xml><?xml version="1.0" encoding="utf-8"?>
 <p:sld xmlns:a="http://schemas.openxmlformats.org/drawingml/2006/main" xmlns:r="http://schemas.openxmlformats.org/officeDocument/2006/relationships" xmlns:p="http://schemas.openxmlformats.org/presentationml/2006/main" show="0">
   <p:cSld>
     <p:spTree>
@@ -12290,1750 +13020,6 @@
     <p:extLst>
       <p:ext uri="{BB962C8B-B14F-4D97-AF65-F5344CB8AC3E}">
         <p14:creationId xmlns:p14="http://schemas.microsoft.com/office/powerpoint/2010/main" val="3900022707"/>
-      </p:ext>
-    </p:extLst>
-  </p:cSld>
-  <p:clrMapOvr>
-    <a:masterClrMapping/>
-  </p:clrMapOvr>
-</p:sld>
-</file>
-
-<file path=ppt/slides/slide19.xml><?xml version="1.0" encoding="utf-8"?>
-<p:sld xmlns:a="http://schemas.openxmlformats.org/drawingml/2006/main" xmlns:r="http://schemas.openxmlformats.org/officeDocument/2006/relationships" xmlns:p="http://schemas.openxmlformats.org/presentationml/2006/main" show="0">
-  <p:cSld>
-    <p:spTree>
-      <p:nvGrpSpPr>
-        <p:cNvPr id="1" name=""/>
-        <p:cNvGrpSpPr/>
-        <p:nvPr/>
-      </p:nvGrpSpPr>
-      <p:grpSpPr>
-        <a:xfrm>
-          <a:off x="0" y="0"/>
-          <a:ext cx="0" cy="0"/>
-          <a:chOff x="0" y="0"/>
-          <a:chExt cx="0" cy="0"/>
-        </a:xfrm>
-      </p:grpSpPr>
-      <p:pic>
-        <p:nvPicPr>
-          <p:cNvPr id="2" name="Picture 4" descr="Meteonorm - Top Competitors &amp; Alternatives | Datarade">
-            <a:extLst>
-              <a:ext uri="{FF2B5EF4-FFF2-40B4-BE49-F238E27FC236}">
-                <a16:creationId xmlns:a16="http://schemas.microsoft.com/office/drawing/2014/main" id="{ACE25D53-1EEE-4F07-9B43-D991689D24AA}"/>
-              </a:ext>
-            </a:extLst>
-          </p:cNvPr>
-          <p:cNvPicPr>
-            <a:picLocks noChangeAspect="1" noChangeArrowheads="1"/>
-          </p:cNvPicPr>
-          <p:nvPr/>
-        </p:nvPicPr>
-        <p:blipFill>
-          <a:blip r:embed="rId2">
-            <a:extLst>
-              <a:ext uri="{28A0092B-C50C-407E-A947-70E740481C1C}">
-                <a14:useLocalDpi xmlns:a14="http://schemas.microsoft.com/office/drawing/2010/main" val="0"/>
-              </a:ext>
-            </a:extLst>
-          </a:blip>
-          <a:srcRect/>
-          <a:stretch>
-            <a:fillRect/>
-          </a:stretch>
-        </p:blipFill>
-        <p:spPr bwMode="auto">
-          <a:xfrm>
-            <a:off x="2691436" y="1256806"/>
-            <a:ext cx="1405372" cy="306786"/>
-          </a:xfrm>
-          <a:prstGeom prst="rect">
-            <a:avLst/>
-          </a:prstGeom>
-          <a:noFill/>
-          <a:extLst>
-            <a:ext uri="{909E8E84-426E-40DD-AFC4-6F175D3DCCD1}">
-              <a14:hiddenFill xmlns:a14="http://schemas.microsoft.com/office/drawing/2010/main">
-                <a:solidFill>
-                  <a:srgbClr val="FFFFFF"/>
-                </a:solidFill>
-              </a14:hiddenFill>
-            </a:ext>
-          </a:extLst>
-        </p:spPr>
-      </p:pic>
-      <p:sp>
-        <p:nvSpPr>
-          <p:cNvPr id="3" name="Rectangle 2">
-            <a:extLst>
-              <a:ext uri="{FF2B5EF4-FFF2-40B4-BE49-F238E27FC236}">
-                <a16:creationId xmlns:a16="http://schemas.microsoft.com/office/drawing/2014/main" id="{92487B22-3BFE-4EE1-96B6-299AEB2BF341}"/>
-              </a:ext>
-            </a:extLst>
-          </p:cNvPr>
-          <p:cNvSpPr/>
-          <p:nvPr/>
-        </p:nvSpPr>
-        <p:spPr>
-          <a:xfrm>
-            <a:off x="585202" y="1158199"/>
-            <a:ext cx="1728000" cy="504000"/>
-          </a:xfrm>
-          <a:prstGeom prst="rect">
-            <a:avLst/>
-          </a:prstGeom>
-          <a:noFill/>
-          <a:ln>
-            <a:solidFill>
-              <a:schemeClr val="tx1"/>
-            </a:solidFill>
-          </a:ln>
-        </p:spPr>
-        <p:style>
-          <a:lnRef idx="2">
-            <a:schemeClr val="accent1">
-              <a:shade val="50000"/>
-            </a:schemeClr>
-          </a:lnRef>
-          <a:fillRef idx="1">
-            <a:schemeClr val="accent1"/>
-          </a:fillRef>
-          <a:effectRef idx="0">
-            <a:schemeClr val="accent1"/>
-          </a:effectRef>
-          <a:fontRef idx="minor">
-            <a:schemeClr val="lt1"/>
-          </a:fontRef>
-        </p:style>
-        <p:txBody>
-          <a:bodyPr rtlCol="0" anchor="ctr"/>
-          <a:lstStyle/>
-          <a:p>
-            <a:r>
-              <a:rPr lang="en-US" sz="1100" b="1" dirty="0">
-                <a:solidFill>
-                  <a:srgbClr val="212121"/>
-                </a:solidFill>
-                <a:latin typeface="Tahoma" panose="020B0604030504040204" pitchFamily="34" charset="0"/>
-                <a:ea typeface="Tahoma" panose="020B0604030504040204" pitchFamily="34" charset="0"/>
-                <a:cs typeface="Tahoma" panose="020B0604030504040204" pitchFamily="34" charset="0"/>
-              </a:rPr>
-              <a:t>Input</a:t>
-            </a:r>
-            <a:endParaRPr lang="en-US" sz="1100" b="1" i="0" dirty="0">
-              <a:solidFill>
-                <a:srgbClr val="212121"/>
-              </a:solidFill>
-              <a:effectLst/>
-              <a:latin typeface="Tahoma" panose="020B0604030504040204" pitchFamily="34" charset="0"/>
-              <a:ea typeface="Tahoma" panose="020B0604030504040204" pitchFamily="34" charset="0"/>
-              <a:cs typeface="Tahoma" panose="020B0604030504040204" pitchFamily="34" charset="0"/>
-            </a:endParaRPr>
-          </a:p>
-          <a:p>
-            <a:pPr marL="171450" indent="-171450">
-              <a:buFont typeface="Arial" panose="020B0604020202020204" pitchFamily="34" charset="0"/>
-              <a:buChar char="•"/>
-            </a:pPr>
-            <a:r>
-              <a:rPr lang="en-US" sz="1100" i="0" dirty="0">
-                <a:solidFill>
-                  <a:srgbClr val="212121"/>
-                </a:solidFill>
-                <a:effectLst/>
-                <a:latin typeface="Tahoma" panose="020B0604030504040204" pitchFamily="34" charset="0"/>
-                <a:ea typeface="Tahoma" panose="020B0604030504040204" pitchFamily="34" charset="0"/>
-                <a:cs typeface="Tahoma" panose="020B0604030504040204" pitchFamily="34" charset="0"/>
-              </a:rPr>
-              <a:t>Lat, </a:t>
-            </a:r>
-            <a:r>
-              <a:rPr lang="en-US" sz="1100" dirty="0" err="1">
-                <a:solidFill>
-                  <a:srgbClr val="212121"/>
-                </a:solidFill>
-                <a:latin typeface="Tahoma" panose="020B0604030504040204" pitchFamily="34" charset="0"/>
-                <a:ea typeface="Tahoma" panose="020B0604030504040204" pitchFamily="34" charset="0"/>
-                <a:cs typeface="Tahoma" panose="020B0604030504040204" pitchFamily="34" charset="0"/>
-              </a:rPr>
-              <a:t>lon</a:t>
-            </a:r>
-            <a:endParaRPr lang="en-US" sz="1100" dirty="0">
-              <a:solidFill>
-                <a:srgbClr val="212121"/>
-              </a:solidFill>
-              <a:latin typeface="Tahoma" panose="020B0604030504040204" pitchFamily="34" charset="0"/>
-              <a:ea typeface="Tahoma" panose="020B0604030504040204" pitchFamily="34" charset="0"/>
-              <a:cs typeface="Tahoma" panose="020B0604030504040204" pitchFamily="34" charset="0"/>
-            </a:endParaRPr>
-          </a:p>
-          <a:p>
-            <a:pPr marL="171450" indent="-171450">
-              <a:buFont typeface="Arial" panose="020B0604020202020204" pitchFamily="34" charset="0"/>
-              <a:buChar char="•"/>
-            </a:pPr>
-            <a:r>
-              <a:rPr lang="en-US" sz="1100" i="0" dirty="0">
-                <a:solidFill>
-                  <a:srgbClr val="212121"/>
-                </a:solidFill>
-                <a:effectLst/>
-                <a:latin typeface="Tahoma" panose="020B0604030504040204" pitchFamily="34" charset="0"/>
-                <a:ea typeface="Tahoma" panose="020B0604030504040204" pitchFamily="34" charset="0"/>
-                <a:cs typeface="Tahoma" panose="020B0604030504040204" pitchFamily="34" charset="0"/>
-              </a:rPr>
-              <a:t>Start dat</a:t>
-            </a:r>
-            <a:r>
-              <a:rPr lang="en-US" sz="1100" dirty="0">
-                <a:solidFill>
-                  <a:srgbClr val="212121"/>
-                </a:solidFill>
-                <a:latin typeface="Tahoma" panose="020B0604030504040204" pitchFamily="34" charset="0"/>
-                <a:ea typeface="Tahoma" panose="020B0604030504040204" pitchFamily="34" charset="0"/>
-                <a:cs typeface="Tahoma" panose="020B0604030504040204" pitchFamily="34" charset="0"/>
-              </a:rPr>
-              <a:t>e to End date</a:t>
-            </a:r>
-            <a:endParaRPr lang="en-US" sz="1100" i="0" dirty="0">
-              <a:solidFill>
-                <a:srgbClr val="212121"/>
-              </a:solidFill>
-              <a:effectLst/>
-              <a:latin typeface="Tahoma" panose="020B0604030504040204" pitchFamily="34" charset="0"/>
-              <a:ea typeface="Tahoma" panose="020B0604030504040204" pitchFamily="34" charset="0"/>
-              <a:cs typeface="Tahoma" panose="020B0604030504040204" pitchFamily="34" charset="0"/>
-            </a:endParaRPr>
-          </a:p>
-        </p:txBody>
-      </p:sp>
-      <p:sp>
-        <p:nvSpPr>
-          <p:cNvPr id="4" name="Rectangle 3">
-            <a:extLst>
-              <a:ext uri="{FF2B5EF4-FFF2-40B4-BE49-F238E27FC236}">
-                <a16:creationId xmlns:a16="http://schemas.microsoft.com/office/drawing/2014/main" id="{D5A97EE5-33AF-4BFF-8701-34E930923A10}"/>
-              </a:ext>
-            </a:extLst>
-          </p:cNvPr>
-          <p:cNvSpPr/>
-          <p:nvPr/>
-        </p:nvSpPr>
-        <p:spPr>
-          <a:xfrm>
-            <a:off x="4629454" y="996199"/>
-            <a:ext cx="3194815" cy="828000"/>
-          </a:xfrm>
-          <a:prstGeom prst="rect">
-            <a:avLst/>
-          </a:prstGeom>
-          <a:noFill/>
-          <a:ln>
-            <a:solidFill>
-              <a:schemeClr val="tx1"/>
-            </a:solidFill>
-          </a:ln>
-        </p:spPr>
-        <p:style>
-          <a:lnRef idx="2">
-            <a:schemeClr val="accent1">
-              <a:shade val="50000"/>
-            </a:schemeClr>
-          </a:lnRef>
-          <a:fillRef idx="1">
-            <a:schemeClr val="accent1"/>
-          </a:fillRef>
-          <a:effectRef idx="0">
-            <a:schemeClr val="accent1"/>
-          </a:effectRef>
-          <a:fontRef idx="minor">
-            <a:schemeClr val="lt1"/>
-          </a:fontRef>
-        </p:style>
-        <p:txBody>
-          <a:bodyPr rtlCol="0" anchor="ctr"/>
-          <a:lstStyle/>
-          <a:p>
-            <a:r>
-              <a:rPr lang="en-US" sz="1100" b="1" dirty="0">
-                <a:solidFill>
-                  <a:srgbClr val="212121"/>
-                </a:solidFill>
-                <a:latin typeface="Tahoma" panose="020B0604030504040204" pitchFamily="34" charset="0"/>
-                <a:ea typeface="Tahoma" panose="020B0604030504040204" pitchFamily="34" charset="0"/>
-                <a:cs typeface="Tahoma" panose="020B0604030504040204" pitchFamily="34" charset="0"/>
-              </a:rPr>
-              <a:t>Historical data </a:t>
-            </a:r>
-          </a:p>
-          <a:p>
-            <a:r>
-              <a:rPr lang="en-US" sz="1000" dirty="0">
-                <a:solidFill>
-                  <a:srgbClr val="212121"/>
-                </a:solidFill>
-                <a:latin typeface="Tahoma" panose="020B0604030504040204" pitchFamily="34" charset="0"/>
-                <a:ea typeface="Tahoma" panose="020B0604030504040204" pitchFamily="34" charset="0"/>
-                <a:cs typeface="Tahoma" panose="020B0604030504040204" pitchFamily="34" charset="0"/>
-              </a:rPr>
-              <a:t>*actual data from station</a:t>
-            </a:r>
-            <a:endParaRPr lang="en-US" sz="1000" i="0" dirty="0">
-              <a:solidFill>
-                <a:srgbClr val="212121"/>
-              </a:solidFill>
-              <a:effectLst/>
-              <a:latin typeface="Tahoma" panose="020B0604030504040204" pitchFamily="34" charset="0"/>
-              <a:ea typeface="Tahoma" panose="020B0604030504040204" pitchFamily="34" charset="0"/>
-              <a:cs typeface="Tahoma" panose="020B0604030504040204" pitchFamily="34" charset="0"/>
-            </a:endParaRPr>
-          </a:p>
-          <a:p>
-            <a:pPr marL="171450" indent="-171450">
-              <a:buFont typeface="Arial" panose="020B0604020202020204" pitchFamily="34" charset="0"/>
-              <a:buChar char="•"/>
-            </a:pPr>
-            <a:r>
-              <a:rPr lang="en-US" sz="1100" i="0" dirty="0">
-                <a:solidFill>
-                  <a:srgbClr val="212121"/>
-                </a:solidFill>
-                <a:effectLst/>
-                <a:latin typeface="Tahoma" panose="020B0604030504040204" pitchFamily="34" charset="0"/>
-                <a:ea typeface="Tahoma" panose="020B0604030504040204" pitchFamily="34" charset="0"/>
-                <a:cs typeface="Tahoma" panose="020B0604030504040204" pitchFamily="34" charset="0"/>
-              </a:rPr>
-              <a:t>Temp, </a:t>
-            </a:r>
-            <a:r>
-              <a:rPr lang="en-US" sz="1100" dirty="0">
-                <a:solidFill>
-                  <a:srgbClr val="212121"/>
-                </a:solidFill>
-                <a:latin typeface="Tahoma" panose="020B0604030504040204" pitchFamily="34" charset="0"/>
-                <a:ea typeface="Tahoma" panose="020B0604030504040204" pitchFamily="34" charset="0"/>
-                <a:cs typeface="Tahoma" panose="020B0604030504040204" pitchFamily="34" charset="0"/>
-              </a:rPr>
-              <a:t>Rh</a:t>
-            </a:r>
-          </a:p>
-          <a:p>
-            <a:pPr marL="171450" indent="-171450">
-              <a:buFont typeface="Arial" panose="020B0604020202020204" pitchFamily="34" charset="0"/>
-              <a:buChar char="•"/>
-            </a:pPr>
-            <a:r>
-              <a:rPr lang="en-US" sz="1100" i="0" dirty="0">
-                <a:solidFill>
-                  <a:srgbClr val="212121"/>
-                </a:solidFill>
-                <a:effectLst/>
-                <a:latin typeface="Tahoma" panose="020B0604030504040204" pitchFamily="34" charset="0"/>
-                <a:ea typeface="Tahoma" panose="020B0604030504040204" pitchFamily="34" charset="0"/>
-                <a:cs typeface="Tahoma" panose="020B0604030504040204" pitchFamily="34" charset="0"/>
-              </a:rPr>
-              <a:t>Hourly</a:t>
-            </a:r>
-          </a:p>
-          <a:p>
-            <a:pPr marL="171450" indent="-171450">
-              <a:buFont typeface="Arial" panose="020B0604020202020204" pitchFamily="34" charset="0"/>
-              <a:buChar char="•"/>
-            </a:pPr>
-            <a:r>
-              <a:rPr lang="th-TH" sz="1100" dirty="0">
-                <a:solidFill>
-                  <a:srgbClr val="212121"/>
-                </a:solidFill>
-                <a:latin typeface="Tahoma" panose="020B0604030504040204" pitchFamily="34" charset="0"/>
-                <a:ea typeface="Tahoma" panose="020B0604030504040204" pitchFamily="34" charset="0"/>
-                <a:cs typeface="Tahoma" panose="020B0604030504040204" pitchFamily="34" charset="0"/>
-              </a:rPr>
-              <a:t>เป็นค่าจาก </a:t>
-            </a:r>
-            <a:r>
-              <a:rPr lang="en-US" sz="1100" dirty="0">
-                <a:solidFill>
-                  <a:srgbClr val="212121"/>
-                </a:solidFill>
-                <a:latin typeface="Tahoma" panose="020B0604030504040204" pitchFamily="34" charset="0"/>
-                <a:ea typeface="Tahoma" panose="020B0604030504040204" pitchFamily="34" charset="0"/>
-                <a:cs typeface="Tahoma" panose="020B0604030504040204" pitchFamily="34" charset="0"/>
-              </a:rPr>
-              <a:t>station </a:t>
-            </a:r>
-            <a:r>
-              <a:rPr lang="th-TH" sz="1100" dirty="0">
-                <a:solidFill>
-                  <a:srgbClr val="212121"/>
-                </a:solidFill>
-                <a:latin typeface="Tahoma" panose="020B0604030504040204" pitchFamily="34" charset="0"/>
-                <a:ea typeface="Tahoma" panose="020B0604030504040204" pitchFamily="34" charset="0"/>
-                <a:cs typeface="Tahoma" panose="020B0604030504040204" pitchFamily="34" charset="0"/>
-              </a:rPr>
-              <a:t>ที่ใกล้ที่สุดจาก </a:t>
-            </a:r>
-            <a:r>
-              <a:rPr lang="en-US" sz="1100" dirty="0" err="1">
-                <a:solidFill>
-                  <a:srgbClr val="212121"/>
-                </a:solidFill>
-                <a:latin typeface="Tahoma" panose="020B0604030504040204" pitchFamily="34" charset="0"/>
-                <a:ea typeface="Tahoma" panose="020B0604030504040204" pitchFamily="34" charset="0"/>
-                <a:cs typeface="Tahoma" panose="020B0604030504040204" pitchFamily="34" charset="0"/>
-              </a:rPr>
-              <a:t>lat</a:t>
-            </a:r>
-            <a:r>
-              <a:rPr lang="en-US" sz="1100" dirty="0">
-                <a:solidFill>
-                  <a:srgbClr val="212121"/>
-                </a:solidFill>
-                <a:latin typeface="Tahoma" panose="020B0604030504040204" pitchFamily="34" charset="0"/>
-                <a:ea typeface="Tahoma" panose="020B0604030504040204" pitchFamily="34" charset="0"/>
-                <a:cs typeface="Tahoma" panose="020B0604030504040204" pitchFamily="34" charset="0"/>
-              </a:rPr>
-              <a:t> </a:t>
-            </a:r>
-            <a:r>
-              <a:rPr lang="en-US" sz="1100" dirty="0" err="1">
-                <a:solidFill>
-                  <a:srgbClr val="212121"/>
-                </a:solidFill>
-                <a:latin typeface="Tahoma" panose="020B0604030504040204" pitchFamily="34" charset="0"/>
-                <a:ea typeface="Tahoma" panose="020B0604030504040204" pitchFamily="34" charset="0"/>
-                <a:cs typeface="Tahoma" panose="020B0604030504040204" pitchFamily="34" charset="0"/>
-              </a:rPr>
-              <a:t>lon</a:t>
-            </a:r>
-            <a:r>
-              <a:rPr lang="en-US" sz="1100" dirty="0">
-                <a:solidFill>
-                  <a:srgbClr val="212121"/>
-                </a:solidFill>
-                <a:latin typeface="Tahoma" panose="020B0604030504040204" pitchFamily="34" charset="0"/>
-                <a:ea typeface="Tahoma" panose="020B0604030504040204" pitchFamily="34" charset="0"/>
-                <a:cs typeface="Tahoma" panose="020B0604030504040204" pitchFamily="34" charset="0"/>
-              </a:rPr>
-              <a:t> </a:t>
-            </a:r>
-            <a:r>
-              <a:rPr lang="th-TH" sz="1100" dirty="0">
-                <a:solidFill>
-                  <a:srgbClr val="212121"/>
-                </a:solidFill>
-                <a:latin typeface="Tahoma" panose="020B0604030504040204" pitchFamily="34" charset="0"/>
-                <a:ea typeface="Tahoma" panose="020B0604030504040204" pitchFamily="34" charset="0"/>
-                <a:cs typeface="Tahoma" panose="020B0604030504040204" pitchFamily="34" charset="0"/>
-              </a:rPr>
-              <a:t>ที่ป้อน</a:t>
-            </a:r>
-            <a:endParaRPr lang="en-US" sz="1100" i="0" dirty="0">
-              <a:solidFill>
-                <a:srgbClr val="212121"/>
-              </a:solidFill>
-              <a:effectLst/>
-              <a:latin typeface="Tahoma" panose="020B0604030504040204" pitchFamily="34" charset="0"/>
-              <a:ea typeface="Tahoma" panose="020B0604030504040204" pitchFamily="34" charset="0"/>
-              <a:cs typeface="Tahoma" panose="020B0604030504040204" pitchFamily="34" charset="0"/>
-            </a:endParaRPr>
-          </a:p>
-        </p:txBody>
-      </p:sp>
-      <p:cxnSp>
-        <p:nvCxnSpPr>
-          <p:cNvPr id="5" name="Straight Arrow Connector 4">
-            <a:extLst>
-              <a:ext uri="{FF2B5EF4-FFF2-40B4-BE49-F238E27FC236}">
-                <a16:creationId xmlns:a16="http://schemas.microsoft.com/office/drawing/2014/main" id="{A8BDC5A8-A10D-479B-A62B-FCC7CAE78D12}"/>
-              </a:ext>
-            </a:extLst>
-          </p:cNvPr>
-          <p:cNvCxnSpPr>
-            <a:cxnSpLocks/>
-            <a:stCxn id="3" idx="3"/>
-            <a:endCxn id="2" idx="1"/>
-          </p:cNvCxnSpPr>
-          <p:nvPr/>
-        </p:nvCxnSpPr>
-        <p:spPr>
-          <a:xfrm>
-            <a:off x="2313202" y="1410199"/>
-            <a:ext cx="378234" cy="0"/>
-          </a:xfrm>
-          <a:prstGeom prst="straightConnector1">
-            <a:avLst/>
-          </a:prstGeom>
-          <a:ln w="28575">
-            <a:solidFill>
-              <a:srgbClr val="002060"/>
-            </a:solidFill>
-            <a:tailEnd type="triangle"/>
-          </a:ln>
-        </p:spPr>
-        <p:style>
-          <a:lnRef idx="1">
-            <a:schemeClr val="accent1"/>
-          </a:lnRef>
-          <a:fillRef idx="0">
-            <a:schemeClr val="accent1"/>
-          </a:fillRef>
-          <a:effectRef idx="0">
-            <a:schemeClr val="accent1"/>
-          </a:effectRef>
-          <a:fontRef idx="minor">
-            <a:schemeClr val="tx1"/>
-          </a:fontRef>
-        </p:style>
-      </p:cxnSp>
-      <p:cxnSp>
-        <p:nvCxnSpPr>
-          <p:cNvPr id="6" name="Straight Arrow Connector 5">
-            <a:extLst>
-              <a:ext uri="{FF2B5EF4-FFF2-40B4-BE49-F238E27FC236}">
-                <a16:creationId xmlns:a16="http://schemas.microsoft.com/office/drawing/2014/main" id="{F04B3E10-2E3E-40DE-9056-03DFA0892CDE}"/>
-              </a:ext>
-            </a:extLst>
-          </p:cNvPr>
-          <p:cNvCxnSpPr>
-            <a:cxnSpLocks/>
-            <a:stCxn id="2" idx="3"/>
-            <a:endCxn id="4" idx="1"/>
-          </p:cNvCxnSpPr>
-          <p:nvPr/>
-        </p:nvCxnSpPr>
-        <p:spPr>
-          <a:xfrm>
-            <a:off x="4096808" y="1410199"/>
-            <a:ext cx="532646" cy="0"/>
-          </a:xfrm>
-          <a:prstGeom prst="straightConnector1">
-            <a:avLst/>
-          </a:prstGeom>
-          <a:ln w="28575">
-            <a:solidFill>
-              <a:srgbClr val="002060"/>
-            </a:solidFill>
-            <a:tailEnd type="triangle"/>
-          </a:ln>
-        </p:spPr>
-        <p:style>
-          <a:lnRef idx="1">
-            <a:schemeClr val="accent1"/>
-          </a:lnRef>
-          <a:fillRef idx="0">
-            <a:schemeClr val="accent1"/>
-          </a:fillRef>
-          <a:effectRef idx="0">
-            <a:schemeClr val="accent1"/>
-          </a:effectRef>
-          <a:fontRef idx="minor">
-            <a:schemeClr val="tx1"/>
-          </a:fontRef>
-        </p:style>
-      </p:cxnSp>
-      <p:sp>
-        <p:nvSpPr>
-          <p:cNvPr id="7" name="Rectangle 6">
-            <a:extLst>
-              <a:ext uri="{FF2B5EF4-FFF2-40B4-BE49-F238E27FC236}">
-                <a16:creationId xmlns:a16="http://schemas.microsoft.com/office/drawing/2014/main" id="{9E3E4BE1-6A68-4AB5-BB29-314208CF8510}"/>
-              </a:ext>
-            </a:extLst>
-          </p:cNvPr>
-          <p:cNvSpPr/>
-          <p:nvPr/>
-        </p:nvSpPr>
-        <p:spPr>
-          <a:xfrm>
-            <a:off x="4629454" y="2424542"/>
-            <a:ext cx="3194815" cy="327599"/>
-          </a:xfrm>
-          <a:prstGeom prst="rect">
-            <a:avLst/>
-          </a:prstGeom>
-          <a:noFill/>
-          <a:ln>
-            <a:solidFill>
-              <a:schemeClr val="tx1"/>
-            </a:solidFill>
-          </a:ln>
-        </p:spPr>
-        <p:style>
-          <a:lnRef idx="2">
-            <a:schemeClr val="accent1">
-              <a:shade val="50000"/>
-            </a:schemeClr>
-          </a:lnRef>
-          <a:fillRef idx="1">
-            <a:schemeClr val="accent1"/>
-          </a:fillRef>
-          <a:effectRef idx="0">
-            <a:schemeClr val="accent1"/>
-          </a:effectRef>
-          <a:fontRef idx="minor">
-            <a:schemeClr val="lt1"/>
-          </a:fontRef>
-        </p:style>
-        <p:txBody>
-          <a:bodyPr rtlCol="0" anchor="ctr"/>
-          <a:lstStyle/>
-          <a:p>
-            <a:pPr marL="171450" indent="-171450">
-              <a:buFont typeface="Arial" panose="020B0604020202020204" pitchFamily="34" charset="0"/>
-              <a:buChar char="•"/>
-            </a:pPr>
-            <a:r>
-              <a:rPr lang="th-TH" sz="1100" dirty="0">
-                <a:solidFill>
-                  <a:srgbClr val="212121"/>
-                </a:solidFill>
-                <a:latin typeface="Tahoma" panose="020B0604030504040204" pitchFamily="34" charset="0"/>
-                <a:ea typeface="Tahoma" panose="020B0604030504040204" pitchFamily="34" charset="0"/>
-                <a:cs typeface="Tahoma" panose="020B0604030504040204" pitchFamily="34" charset="0"/>
-              </a:rPr>
-              <a:t>สามารถค้นหาสถานีที่ใกล้ที่สุดรอบๆได้</a:t>
-            </a:r>
-            <a:endParaRPr lang="en-US" sz="1100" i="0" dirty="0">
-              <a:solidFill>
-                <a:srgbClr val="212121"/>
-              </a:solidFill>
-              <a:effectLst/>
-              <a:latin typeface="Tahoma" panose="020B0604030504040204" pitchFamily="34" charset="0"/>
-              <a:ea typeface="Tahoma" panose="020B0604030504040204" pitchFamily="34" charset="0"/>
-              <a:cs typeface="Tahoma" panose="020B0604030504040204" pitchFamily="34" charset="0"/>
-            </a:endParaRPr>
-          </a:p>
-        </p:txBody>
-      </p:sp>
-      <p:pic>
-        <p:nvPicPr>
-          <p:cNvPr id="8" name="Picture 7">
-            <a:extLst>
-              <a:ext uri="{FF2B5EF4-FFF2-40B4-BE49-F238E27FC236}">
-                <a16:creationId xmlns:a16="http://schemas.microsoft.com/office/drawing/2014/main" id="{68031B91-109B-4347-9110-B0AA1EDB3E37}"/>
-              </a:ext>
-            </a:extLst>
-          </p:cNvPr>
-          <p:cNvPicPr>
-            <a:picLocks noChangeAspect="1"/>
-          </p:cNvPicPr>
-          <p:nvPr/>
-        </p:nvPicPr>
-        <p:blipFill>
-          <a:blip r:embed="rId3"/>
-          <a:stretch>
-            <a:fillRect/>
-          </a:stretch>
-        </p:blipFill>
-        <p:spPr>
-          <a:xfrm>
-            <a:off x="8292081" y="1864898"/>
-            <a:ext cx="2192251" cy="1446885"/>
-          </a:xfrm>
-          <a:prstGeom prst="rect">
-            <a:avLst/>
-          </a:prstGeom>
-          <a:ln>
-            <a:solidFill>
-              <a:srgbClr val="002060"/>
-            </a:solidFill>
-          </a:ln>
-        </p:spPr>
-      </p:pic>
-      <p:pic>
-        <p:nvPicPr>
-          <p:cNvPr id="9" name="Picture 4" descr="Meteonorm - Top Competitors &amp; Alternatives | Datarade">
-            <a:extLst>
-              <a:ext uri="{FF2B5EF4-FFF2-40B4-BE49-F238E27FC236}">
-                <a16:creationId xmlns:a16="http://schemas.microsoft.com/office/drawing/2014/main" id="{6E54A6AC-6A6A-4763-B462-70E23B18312D}"/>
-              </a:ext>
-            </a:extLst>
-          </p:cNvPr>
-          <p:cNvPicPr>
-            <a:picLocks noChangeAspect="1" noChangeArrowheads="1"/>
-          </p:cNvPicPr>
-          <p:nvPr/>
-        </p:nvPicPr>
-        <p:blipFill>
-          <a:blip r:embed="rId2">
-            <a:extLst>
-              <a:ext uri="{28A0092B-C50C-407E-A947-70E740481C1C}">
-                <a14:useLocalDpi xmlns:a14="http://schemas.microsoft.com/office/drawing/2010/main" val="0"/>
-              </a:ext>
-            </a:extLst>
-          </a:blip>
-          <a:srcRect/>
-          <a:stretch>
-            <a:fillRect/>
-          </a:stretch>
-        </p:blipFill>
-        <p:spPr bwMode="auto">
-          <a:xfrm>
-            <a:off x="2756270" y="2445355"/>
-            <a:ext cx="1405372" cy="306786"/>
-          </a:xfrm>
-          <a:prstGeom prst="rect">
-            <a:avLst/>
-          </a:prstGeom>
-          <a:noFill/>
-          <a:extLst>
-            <a:ext uri="{909E8E84-426E-40DD-AFC4-6F175D3DCCD1}">
-              <a14:hiddenFill xmlns:a14="http://schemas.microsoft.com/office/drawing/2010/main">
-                <a:solidFill>
-                  <a:srgbClr val="FFFFFF"/>
-                </a:solidFill>
-              </a14:hiddenFill>
-            </a:ext>
-          </a:extLst>
-        </p:spPr>
-      </p:pic>
-      <p:cxnSp>
-        <p:nvCxnSpPr>
-          <p:cNvPr id="10" name="Straight Arrow Connector 9">
-            <a:extLst>
-              <a:ext uri="{FF2B5EF4-FFF2-40B4-BE49-F238E27FC236}">
-                <a16:creationId xmlns:a16="http://schemas.microsoft.com/office/drawing/2014/main" id="{EE1F1F75-5837-45B1-87A1-676CAFC3E948}"/>
-              </a:ext>
-            </a:extLst>
-          </p:cNvPr>
-          <p:cNvCxnSpPr>
-            <a:cxnSpLocks/>
-            <a:stCxn id="9" idx="3"/>
-            <a:endCxn id="7" idx="1"/>
-          </p:cNvCxnSpPr>
-          <p:nvPr/>
-        </p:nvCxnSpPr>
-        <p:spPr>
-          <a:xfrm flipV="1">
-            <a:off x="4161642" y="2588342"/>
-            <a:ext cx="467812" cy="10406"/>
-          </a:xfrm>
-          <a:prstGeom prst="straightConnector1">
-            <a:avLst/>
-          </a:prstGeom>
-          <a:ln w="28575">
-            <a:solidFill>
-              <a:srgbClr val="002060"/>
-            </a:solidFill>
-            <a:tailEnd type="triangle"/>
-          </a:ln>
-        </p:spPr>
-        <p:style>
-          <a:lnRef idx="1">
-            <a:schemeClr val="accent1"/>
-          </a:lnRef>
-          <a:fillRef idx="0">
-            <a:schemeClr val="accent1"/>
-          </a:fillRef>
-          <a:effectRef idx="0">
-            <a:schemeClr val="accent1"/>
-          </a:effectRef>
-          <a:fontRef idx="minor">
-            <a:schemeClr val="tx1"/>
-          </a:fontRef>
-        </p:style>
-      </p:cxnSp>
-      <p:sp>
-        <p:nvSpPr>
-          <p:cNvPr id="15" name="Rectangle 14">
-            <a:extLst>
-              <a:ext uri="{FF2B5EF4-FFF2-40B4-BE49-F238E27FC236}">
-                <a16:creationId xmlns:a16="http://schemas.microsoft.com/office/drawing/2014/main" id="{2B3573DC-8500-4E9B-B25A-82D44DEFCF1D}"/>
-              </a:ext>
-            </a:extLst>
-          </p:cNvPr>
-          <p:cNvSpPr/>
-          <p:nvPr/>
-        </p:nvSpPr>
-        <p:spPr>
-          <a:xfrm>
-            <a:off x="585202" y="2346748"/>
-            <a:ext cx="1728000" cy="504000"/>
-          </a:xfrm>
-          <a:prstGeom prst="rect">
-            <a:avLst/>
-          </a:prstGeom>
-          <a:noFill/>
-          <a:ln>
-            <a:solidFill>
-              <a:schemeClr val="tx1"/>
-            </a:solidFill>
-          </a:ln>
-        </p:spPr>
-        <p:style>
-          <a:lnRef idx="2">
-            <a:schemeClr val="accent1">
-              <a:shade val="50000"/>
-            </a:schemeClr>
-          </a:lnRef>
-          <a:fillRef idx="1">
-            <a:schemeClr val="accent1"/>
-          </a:fillRef>
-          <a:effectRef idx="0">
-            <a:schemeClr val="accent1"/>
-          </a:effectRef>
-          <a:fontRef idx="minor">
-            <a:schemeClr val="lt1"/>
-          </a:fontRef>
-        </p:style>
-        <p:txBody>
-          <a:bodyPr rtlCol="0" anchor="ctr"/>
-          <a:lstStyle/>
-          <a:p>
-            <a:r>
-              <a:rPr lang="en-US" sz="1100" b="1" dirty="0">
-                <a:solidFill>
-                  <a:srgbClr val="212121"/>
-                </a:solidFill>
-                <a:latin typeface="Tahoma" panose="020B0604030504040204" pitchFamily="34" charset="0"/>
-                <a:ea typeface="Tahoma" panose="020B0604030504040204" pitchFamily="34" charset="0"/>
-                <a:cs typeface="Tahoma" panose="020B0604030504040204" pitchFamily="34" charset="0"/>
-              </a:rPr>
-              <a:t>Input</a:t>
-            </a:r>
-            <a:endParaRPr lang="en-US" sz="1100" b="1" i="0" dirty="0">
-              <a:solidFill>
-                <a:srgbClr val="212121"/>
-              </a:solidFill>
-              <a:effectLst/>
-              <a:latin typeface="Tahoma" panose="020B0604030504040204" pitchFamily="34" charset="0"/>
-              <a:ea typeface="Tahoma" panose="020B0604030504040204" pitchFamily="34" charset="0"/>
-              <a:cs typeface="Tahoma" panose="020B0604030504040204" pitchFamily="34" charset="0"/>
-            </a:endParaRPr>
-          </a:p>
-          <a:p>
-            <a:pPr marL="171450" indent="-171450">
-              <a:buFont typeface="Arial" panose="020B0604020202020204" pitchFamily="34" charset="0"/>
-              <a:buChar char="•"/>
-            </a:pPr>
-            <a:r>
-              <a:rPr lang="en-US" sz="1100" i="0" dirty="0">
-                <a:solidFill>
-                  <a:srgbClr val="212121"/>
-                </a:solidFill>
-                <a:effectLst/>
-                <a:latin typeface="Tahoma" panose="020B0604030504040204" pitchFamily="34" charset="0"/>
-                <a:ea typeface="Tahoma" panose="020B0604030504040204" pitchFamily="34" charset="0"/>
-                <a:cs typeface="Tahoma" panose="020B0604030504040204" pitchFamily="34" charset="0"/>
-              </a:rPr>
-              <a:t>Lat, </a:t>
-            </a:r>
-            <a:r>
-              <a:rPr lang="en-US" sz="1100" dirty="0" err="1">
-                <a:solidFill>
-                  <a:srgbClr val="212121"/>
-                </a:solidFill>
-                <a:latin typeface="Tahoma" panose="020B0604030504040204" pitchFamily="34" charset="0"/>
-                <a:ea typeface="Tahoma" panose="020B0604030504040204" pitchFamily="34" charset="0"/>
-                <a:cs typeface="Tahoma" panose="020B0604030504040204" pitchFamily="34" charset="0"/>
-              </a:rPr>
-              <a:t>lon</a:t>
-            </a:r>
-            <a:endParaRPr lang="en-US" sz="1100" dirty="0">
-              <a:solidFill>
-                <a:srgbClr val="212121"/>
-              </a:solidFill>
-              <a:latin typeface="Tahoma" panose="020B0604030504040204" pitchFamily="34" charset="0"/>
-              <a:ea typeface="Tahoma" panose="020B0604030504040204" pitchFamily="34" charset="0"/>
-              <a:cs typeface="Tahoma" panose="020B0604030504040204" pitchFamily="34" charset="0"/>
-            </a:endParaRPr>
-          </a:p>
-        </p:txBody>
-      </p:sp>
-      <p:cxnSp>
-        <p:nvCxnSpPr>
-          <p:cNvPr id="16" name="Straight Arrow Connector 15">
-            <a:extLst>
-              <a:ext uri="{FF2B5EF4-FFF2-40B4-BE49-F238E27FC236}">
-                <a16:creationId xmlns:a16="http://schemas.microsoft.com/office/drawing/2014/main" id="{58DA0889-2A90-4CEA-8E01-ACAA94895494}"/>
-              </a:ext>
-            </a:extLst>
-          </p:cNvPr>
-          <p:cNvCxnSpPr>
-            <a:cxnSpLocks/>
-            <a:stCxn id="15" idx="3"/>
-            <a:endCxn id="9" idx="1"/>
-          </p:cNvCxnSpPr>
-          <p:nvPr/>
-        </p:nvCxnSpPr>
-        <p:spPr>
-          <a:xfrm>
-            <a:off x="2313202" y="2598748"/>
-            <a:ext cx="443068" cy="0"/>
-          </a:xfrm>
-          <a:prstGeom prst="straightConnector1">
-            <a:avLst/>
-          </a:prstGeom>
-          <a:ln w="28575">
-            <a:solidFill>
-              <a:srgbClr val="002060"/>
-            </a:solidFill>
-            <a:tailEnd type="triangle"/>
-          </a:ln>
-        </p:spPr>
-        <p:style>
-          <a:lnRef idx="1">
-            <a:schemeClr val="accent1"/>
-          </a:lnRef>
-          <a:fillRef idx="0">
-            <a:schemeClr val="accent1"/>
-          </a:fillRef>
-          <a:effectRef idx="0">
-            <a:schemeClr val="accent1"/>
-          </a:effectRef>
-          <a:fontRef idx="minor">
-            <a:schemeClr val="tx1"/>
-          </a:fontRef>
-        </p:style>
-      </p:cxnSp>
-      <p:sp>
-        <p:nvSpPr>
-          <p:cNvPr id="21" name="Rectangle 20">
-            <a:extLst>
-              <a:ext uri="{FF2B5EF4-FFF2-40B4-BE49-F238E27FC236}">
-                <a16:creationId xmlns:a16="http://schemas.microsoft.com/office/drawing/2014/main" id="{85B0658E-C95C-4CD5-B962-E2AFE27774F0}"/>
-              </a:ext>
-            </a:extLst>
-          </p:cNvPr>
-          <p:cNvSpPr/>
-          <p:nvPr/>
-        </p:nvSpPr>
-        <p:spPr>
-          <a:xfrm>
-            <a:off x="585202" y="3471345"/>
-            <a:ext cx="1728000" cy="755828"/>
-          </a:xfrm>
-          <a:prstGeom prst="rect">
-            <a:avLst/>
-          </a:prstGeom>
-          <a:noFill/>
-          <a:ln>
-            <a:solidFill>
-              <a:schemeClr val="tx1"/>
-            </a:solidFill>
-          </a:ln>
-        </p:spPr>
-        <p:style>
-          <a:lnRef idx="2">
-            <a:schemeClr val="accent1">
-              <a:shade val="50000"/>
-            </a:schemeClr>
-          </a:lnRef>
-          <a:fillRef idx="1">
-            <a:schemeClr val="accent1"/>
-          </a:fillRef>
-          <a:effectRef idx="0">
-            <a:schemeClr val="accent1"/>
-          </a:effectRef>
-          <a:fontRef idx="minor">
-            <a:schemeClr val="lt1"/>
-          </a:fontRef>
-        </p:style>
-        <p:txBody>
-          <a:bodyPr rtlCol="0" anchor="ctr"/>
-          <a:lstStyle/>
-          <a:p>
-            <a:r>
-              <a:rPr lang="en-US" sz="1100" b="1" dirty="0">
-                <a:solidFill>
-                  <a:srgbClr val="212121"/>
-                </a:solidFill>
-                <a:latin typeface="Tahoma" panose="020B0604030504040204" pitchFamily="34" charset="0"/>
-                <a:ea typeface="Tahoma" panose="020B0604030504040204" pitchFamily="34" charset="0"/>
-                <a:cs typeface="Tahoma" panose="020B0604030504040204" pitchFamily="34" charset="0"/>
-              </a:rPr>
-              <a:t>Input</a:t>
-            </a:r>
-            <a:endParaRPr lang="en-US" sz="1100" b="1" i="0" dirty="0">
-              <a:solidFill>
-                <a:srgbClr val="212121"/>
-              </a:solidFill>
-              <a:effectLst/>
-              <a:latin typeface="Tahoma" panose="020B0604030504040204" pitchFamily="34" charset="0"/>
-              <a:ea typeface="Tahoma" panose="020B0604030504040204" pitchFamily="34" charset="0"/>
-              <a:cs typeface="Tahoma" panose="020B0604030504040204" pitchFamily="34" charset="0"/>
-            </a:endParaRPr>
-          </a:p>
-          <a:p>
-            <a:pPr marL="171450" indent="-171450">
-              <a:buFont typeface="Arial" panose="020B0604020202020204" pitchFamily="34" charset="0"/>
-              <a:buChar char="•"/>
-            </a:pPr>
-            <a:r>
-              <a:rPr lang="en-US" sz="1100" i="0" dirty="0">
-                <a:solidFill>
-                  <a:srgbClr val="212121"/>
-                </a:solidFill>
-                <a:effectLst/>
-                <a:latin typeface="Tahoma" panose="020B0604030504040204" pitchFamily="34" charset="0"/>
-                <a:ea typeface="Tahoma" panose="020B0604030504040204" pitchFamily="34" charset="0"/>
-                <a:cs typeface="Tahoma" panose="020B0604030504040204" pitchFamily="34" charset="0"/>
-              </a:rPr>
-              <a:t>Station</a:t>
-            </a:r>
-          </a:p>
-          <a:p>
-            <a:pPr marL="171450" indent="-171450">
-              <a:buFont typeface="Arial" panose="020B0604020202020204" pitchFamily="34" charset="0"/>
-              <a:buChar char="•"/>
-            </a:pPr>
-            <a:r>
-              <a:rPr lang="en-US" sz="1100" dirty="0">
-                <a:solidFill>
-                  <a:srgbClr val="212121"/>
-                </a:solidFill>
-                <a:latin typeface="Tahoma" panose="020B0604030504040204" pitchFamily="34" charset="0"/>
-                <a:ea typeface="Tahoma" panose="020B0604030504040204" pitchFamily="34" charset="0"/>
-                <a:cs typeface="Tahoma" panose="020B0604030504040204" pitchFamily="34" charset="0"/>
-              </a:rPr>
-              <a:t>Start date</a:t>
-            </a:r>
-          </a:p>
-          <a:p>
-            <a:pPr marL="171450" indent="-171450">
-              <a:buFont typeface="Arial" panose="020B0604020202020204" pitchFamily="34" charset="0"/>
-              <a:buChar char="•"/>
-            </a:pPr>
-            <a:r>
-              <a:rPr lang="en-US" sz="1100" dirty="0">
-                <a:solidFill>
-                  <a:srgbClr val="212121"/>
-                </a:solidFill>
-                <a:latin typeface="Tahoma" panose="020B0604030504040204" pitchFamily="34" charset="0"/>
-                <a:ea typeface="Tahoma" panose="020B0604030504040204" pitchFamily="34" charset="0"/>
-                <a:cs typeface="Tahoma" panose="020B0604030504040204" pitchFamily="34" charset="0"/>
-              </a:rPr>
-              <a:t>End date</a:t>
-            </a:r>
-          </a:p>
-        </p:txBody>
-      </p:sp>
-      <p:pic>
-        <p:nvPicPr>
-          <p:cNvPr id="24" name="Picture 4" descr="Meteonorm - Top Competitors &amp; Alternatives | Datarade">
-            <a:extLst>
-              <a:ext uri="{FF2B5EF4-FFF2-40B4-BE49-F238E27FC236}">
-                <a16:creationId xmlns:a16="http://schemas.microsoft.com/office/drawing/2014/main" id="{41C5460B-5B2D-4EE6-86BA-8E251FB04828}"/>
-              </a:ext>
-            </a:extLst>
-          </p:cNvPr>
-          <p:cNvPicPr>
-            <a:picLocks noChangeAspect="1" noChangeArrowheads="1"/>
-          </p:cNvPicPr>
-          <p:nvPr/>
-        </p:nvPicPr>
-        <p:blipFill>
-          <a:blip r:embed="rId2">
-            <a:extLst>
-              <a:ext uri="{28A0092B-C50C-407E-A947-70E740481C1C}">
-                <a14:useLocalDpi xmlns:a14="http://schemas.microsoft.com/office/drawing/2010/main" val="0"/>
-              </a:ext>
-            </a:extLst>
-          </a:blip>
-          <a:srcRect/>
-          <a:stretch>
-            <a:fillRect/>
-          </a:stretch>
-        </p:blipFill>
-        <p:spPr bwMode="auto">
-          <a:xfrm>
-            <a:off x="2756270" y="3695866"/>
-            <a:ext cx="1405372" cy="306786"/>
-          </a:xfrm>
-          <a:prstGeom prst="rect">
-            <a:avLst/>
-          </a:prstGeom>
-          <a:noFill/>
-          <a:extLst>
-            <a:ext uri="{909E8E84-426E-40DD-AFC4-6F175D3DCCD1}">
-              <a14:hiddenFill xmlns:a14="http://schemas.microsoft.com/office/drawing/2010/main">
-                <a:solidFill>
-                  <a:srgbClr val="FFFFFF"/>
-                </a:solidFill>
-              </a14:hiddenFill>
-            </a:ext>
-          </a:extLst>
-        </p:spPr>
-      </p:pic>
-      <p:cxnSp>
-        <p:nvCxnSpPr>
-          <p:cNvPr id="25" name="Straight Arrow Connector 24">
-            <a:extLst>
-              <a:ext uri="{FF2B5EF4-FFF2-40B4-BE49-F238E27FC236}">
-                <a16:creationId xmlns:a16="http://schemas.microsoft.com/office/drawing/2014/main" id="{915D1FC0-E895-4085-B247-B0055944D02F}"/>
-              </a:ext>
-            </a:extLst>
-          </p:cNvPr>
-          <p:cNvCxnSpPr>
-            <a:cxnSpLocks/>
-            <a:stCxn id="21" idx="3"/>
-            <a:endCxn id="24" idx="1"/>
-          </p:cNvCxnSpPr>
-          <p:nvPr/>
-        </p:nvCxnSpPr>
-        <p:spPr>
-          <a:xfrm>
-            <a:off x="2313202" y="3849259"/>
-            <a:ext cx="443068" cy="0"/>
-          </a:xfrm>
-          <a:prstGeom prst="straightConnector1">
-            <a:avLst/>
-          </a:prstGeom>
-          <a:ln w="28575">
-            <a:solidFill>
-              <a:srgbClr val="002060"/>
-            </a:solidFill>
-            <a:tailEnd type="triangle"/>
-          </a:ln>
-        </p:spPr>
-        <p:style>
-          <a:lnRef idx="1">
-            <a:schemeClr val="accent1"/>
-          </a:lnRef>
-          <a:fillRef idx="0">
-            <a:schemeClr val="accent1"/>
-          </a:fillRef>
-          <a:effectRef idx="0">
-            <a:schemeClr val="accent1"/>
-          </a:effectRef>
-          <a:fontRef idx="minor">
-            <a:schemeClr val="tx1"/>
-          </a:fontRef>
-        </p:style>
-      </p:cxnSp>
-      <p:sp>
-        <p:nvSpPr>
-          <p:cNvPr id="30" name="Rectangle 29">
-            <a:extLst>
-              <a:ext uri="{FF2B5EF4-FFF2-40B4-BE49-F238E27FC236}">
-                <a16:creationId xmlns:a16="http://schemas.microsoft.com/office/drawing/2014/main" id="{E5324A3B-BBC3-4C2F-ACFB-9E9A5B18E14E}"/>
-              </a:ext>
-            </a:extLst>
-          </p:cNvPr>
-          <p:cNvSpPr/>
-          <p:nvPr/>
-        </p:nvSpPr>
-        <p:spPr>
-          <a:xfrm>
-            <a:off x="4629454" y="3435259"/>
-            <a:ext cx="3194815" cy="828000"/>
-          </a:xfrm>
-          <a:prstGeom prst="rect">
-            <a:avLst/>
-          </a:prstGeom>
-          <a:noFill/>
-          <a:ln>
-            <a:solidFill>
-              <a:schemeClr val="tx1"/>
-            </a:solidFill>
-          </a:ln>
-        </p:spPr>
-        <p:style>
-          <a:lnRef idx="2">
-            <a:schemeClr val="accent1">
-              <a:shade val="50000"/>
-            </a:schemeClr>
-          </a:lnRef>
-          <a:fillRef idx="1">
-            <a:schemeClr val="accent1"/>
-          </a:fillRef>
-          <a:effectRef idx="0">
-            <a:schemeClr val="accent1"/>
-          </a:effectRef>
-          <a:fontRef idx="minor">
-            <a:schemeClr val="lt1"/>
-          </a:fontRef>
-        </p:style>
-        <p:txBody>
-          <a:bodyPr rtlCol="0" anchor="ctr"/>
-          <a:lstStyle/>
-          <a:p>
-            <a:r>
-              <a:rPr lang="en-US" sz="1100" b="1" dirty="0">
-                <a:solidFill>
-                  <a:srgbClr val="212121"/>
-                </a:solidFill>
-                <a:latin typeface="Tahoma" panose="020B0604030504040204" pitchFamily="34" charset="0"/>
-                <a:ea typeface="Tahoma" panose="020B0604030504040204" pitchFamily="34" charset="0"/>
-                <a:cs typeface="Tahoma" panose="020B0604030504040204" pitchFamily="34" charset="0"/>
-              </a:rPr>
-              <a:t>Historical data </a:t>
-            </a:r>
-          </a:p>
-          <a:p>
-            <a:r>
-              <a:rPr lang="en-US" sz="1000" dirty="0">
-                <a:solidFill>
-                  <a:srgbClr val="212121"/>
-                </a:solidFill>
-                <a:latin typeface="Tahoma" panose="020B0604030504040204" pitchFamily="34" charset="0"/>
-                <a:ea typeface="Tahoma" panose="020B0604030504040204" pitchFamily="34" charset="0"/>
-                <a:cs typeface="Tahoma" panose="020B0604030504040204" pitchFamily="34" charset="0"/>
-              </a:rPr>
-              <a:t>*actual data from station</a:t>
-            </a:r>
-            <a:endParaRPr lang="en-US" sz="1000" i="0" dirty="0">
-              <a:solidFill>
-                <a:srgbClr val="212121"/>
-              </a:solidFill>
-              <a:effectLst/>
-              <a:latin typeface="Tahoma" panose="020B0604030504040204" pitchFamily="34" charset="0"/>
-              <a:ea typeface="Tahoma" panose="020B0604030504040204" pitchFamily="34" charset="0"/>
-              <a:cs typeface="Tahoma" panose="020B0604030504040204" pitchFamily="34" charset="0"/>
-            </a:endParaRPr>
-          </a:p>
-          <a:p>
-            <a:pPr marL="171450" indent="-171450">
-              <a:buFont typeface="Arial" panose="020B0604020202020204" pitchFamily="34" charset="0"/>
-              <a:buChar char="•"/>
-            </a:pPr>
-            <a:r>
-              <a:rPr lang="en-US" sz="1100" i="0" dirty="0">
-                <a:solidFill>
-                  <a:srgbClr val="212121"/>
-                </a:solidFill>
-                <a:effectLst/>
-                <a:latin typeface="Tahoma" panose="020B0604030504040204" pitchFamily="34" charset="0"/>
-                <a:ea typeface="Tahoma" panose="020B0604030504040204" pitchFamily="34" charset="0"/>
-                <a:cs typeface="Tahoma" panose="020B0604030504040204" pitchFamily="34" charset="0"/>
-              </a:rPr>
-              <a:t>Temp, </a:t>
-            </a:r>
-            <a:r>
-              <a:rPr lang="en-US" sz="1100" dirty="0">
-                <a:solidFill>
-                  <a:srgbClr val="212121"/>
-                </a:solidFill>
-                <a:latin typeface="Tahoma" panose="020B0604030504040204" pitchFamily="34" charset="0"/>
-                <a:ea typeface="Tahoma" panose="020B0604030504040204" pitchFamily="34" charset="0"/>
-                <a:cs typeface="Tahoma" panose="020B0604030504040204" pitchFamily="34" charset="0"/>
-              </a:rPr>
-              <a:t>Rh</a:t>
-            </a:r>
-          </a:p>
-          <a:p>
-            <a:pPr marL="171450" indent="-171450">
-              <a:buFont typeface="Arial" panose="020B0604020202020204" pitchFamily="34" charset="0"/>
-              <a:buChar char="•"/>
-            </a:pPr>
-            <a:r>
-              <a:rPr lang="en-US" sz="1100" i="0" dirty="0">
-                <a:solidFill>
-                  <a:srgbClr val="212121"/>
-                </a:solidFill>
-                <a:effectLst/>
-                <a:latin typeface="Tahoma" panose="020B0604030504040204" pitchFamily="34" charset="0"/>
-                <a:ea typeface="Tahoma" panose="020B0604030504040204" pitchFamily="34" charset="0"/>
-                <a:cs typeface="Tahoma" panose="020B0604030504040204" pitchFamily="34" charset="0"/>
-              </a:rPr>
-              <a:t>Hourly</a:t>
-            </a:r>
-          </a:p>
-        </p:txBody>
-      </p:sp>
-      <p:cxnSp>
-        <p:nvCxnSpPr>
-          <p:cNvPr id="31" name="Straight Arrow Connector 30">
-            <a:extLst>
-              <a:ext uri="{FF2B5EF4-FFF2-40B4-BE49-F238E27FC236}">
-                <a16:creationId xmlns:a16="http://schemas.microsoft.com/office/drawing/2014/main" id="{9AD44729-9A9D-46AE-AB8D-4D30972AA88F}"/>
-              </a:ext>
-            </a:extLst>
-          </p:cNvPr>
-          <p:cNvCxnSpPr>
-            <a:cxnSpLocks/>
-            <a:stCxn id="24" idx="3"/>
-            <a:endCxn id="30" idx="1"/>
-          </p:cNvCxnSpPr>
-          <p:nvPr/>
-        </p:nvCxnSpPr>
-        <p:spPr>
-          <a:xfrm>
-            <a:off x="4161642" y="3849259"/>
-            <a:ext cx="467812" cy="0"/>
-          </a:xfrm>
-          <a:prstGeom prst="straightConnector1">
-            <a:avLst/>
-          </a:prstGeom>
-          <a:ln w="28575">
-            <a:solidFill>
-              <a:srgbClr val="002060"/>
-            </a:solidFill>
-            <a:tailEnd type="triangle"/>
-          </a:ln>
-        </p:spPr>
-        <p:style>
-          <a:lnRef idx="1">
-            <a:schemeClr val="accent1"/>
-          </a:lnRef>
-          <a:fillRef idx="0">
-            <a:schemeClr val="accent1"/>
-          </a:fillRef>
-          <a:effectRef idx="0">
-            <a:schemeClr val="accent1"/>
-          </a:effectRef>
-          <a:fontRef idx="minor">
-            <a:schemeClr val="tx1"/>
-          </a:fontRef>
-        </p:style>
-      </p:cxnSp>
-      <p:cxnSp>
-        <p:nvCxnSpPr>
-          <p:cNvPr id="34" name="Straight Arrow Connector 33">
-            <a:extLst>
-              <a:ext uri="{FF2B5EF4-FFF2-40B4-BE49-F238E27FC236}">
-                <a16:creationId xmlns:a16="http://schemas.microsoft.com/office/drawing/2014/main" id="{8C313FC9-09B8-412B-9F4F-6BAECE3D9F70}"/>
-              </a:ext>
-            </a:extLst>
-          </p:cNvPr>
-          <p:cNvCxnSpPr>
-            <a:cxnSpLocks/>
-            <a:stCxn id="7" idx="3"/>
-            <a:endCxn id="8" idx="1"/>
-          </p:cNvCxnSpPr>
-          <p:nvPr/>
-        </p:nvCxnSpPr>
-        <p:spPr>
-          <a:xfrm flipV="1">
-            <a:off x="7824269" y="2588341"/>
-            <a:ext cx="467812" cy="1"/>
-          </a:xfrm>
-          <a:prstGeom prst="straightConnector1">
-            <a:avLst/>
-          </a:prstGeom>
-          <a:ln w="28575">
-            <a:solidFill>
-              <a:srgbClr val="002060"/>
-            </a:solidFill>
-            <a:tailEnd type="triangle"/>
-          </a:ln>
-        </p:spPr>
-        <p:style>
-          <a:lnRef idx="1">
-            <a:schemeClr val="accent1"/>
-          </a:lnRef>
-          <a:fillRef idx="0">
-            <a:schemeClr val="accent1"/>
-          </a:fillRef>
-          <a:effectRef idx="0">
-            <a:schemeClr val="accent1"/>
-          </a:effectRef>
-          <a:fontRef idx="minor">
-            <a:schemeClr val="tx1"/>
-          </a:fontRef>
-        </p:style>
-      </p:cxnSp>
-      <p:sp>
-        <p:nvSpPr>
-          <p:cNvPr id="39" name="Rectangle 38">
-            <a:extLst>
-              <a:ext uri="{FF2B5EF4-FFF2-40B4-BE49-F238E27FC236}">
-                <a16:creationId xmlns:a16="http://schemas.microsoft.com/office/drawing/2014/main" id="{6DD62366-C57C-4AF0-870C-66E9909FDD77}"/>
-              </a:ext>
-            </a:extLst>
-          </p:cNvPr>
-          <p:cNvSpPr/>
-          <p:nvPr/>
-        </p:nvSpPr>
-        <p:spPr>
-          <a:xfrm>
-            <a:off x="609946" y="5074283"/>
-            <a:ext cx="1728000" cy="504000"/>
-          </a:xfrm>
-          <a:prstGeom prst="rect">
-            <a:avLst/>
-          </a:prstGeom>
-          <a:noFill/>
-          <a:ln>
-            <a:solidFill>
-              <a:schemeClr val="tx1"/>
-            </a:solidFill>
-          </a:ln>
-        </p:spPr>
-        <p:style>
-          <a:lnRef idx="2">
-            <a:schemeClr val="accent1">
-              <a:shade val="50000"/>
-            </a:schemeClr>
-          </a:lnRef>
-          <a:fillRef idx="1">
-            <a:schemeClr val="accent1"/>
-          </a:fillRef>
-          <a:effectRef idx="0">
-            <a:schemeClr val="accent1"/>
-          </a:effectRef>
-          <a:fontRef idx="minor">
-            <a:schemeClr val="lt1"/>
-          </a:fontRef>
-        </p:style>
-        <p:txBody>
-          <a:bodyPr rtlCol="0" anchor="ctr"/>
-          <a:lstStyle/>
-          <a:p>
-            <a:r>
-              <a:rPr lang="en-US" sz="1100" b="1" dirty="0">
-                <a:solidFill>
-                  <a:srgbClr val="212121"/>
-                </a:solidFill>
-                <a:latin typeface="Tahoma" panose="020B0604030504040204" pitchFamily="34" charset="0"/>
-                <a:ea typeface="Tahoma" panose="020B0604030504040204" pitchFamily="34" charset="0"/>
-                <a:cs typeface="Tahoma" panose="020B0604030504040204" pitchFamily="34" charset="0"/>
-              </a:rPr>
-              <a:t>Input</a:t>
-            </a:r>
-            <a:endParaRPr lang="en-US" sz="1100" b="1" i="0" dirty="0">
-              <a:solidFill>
-                <a:srgbClr val="212121"/>
-              </a:solidFill>
-              <a:effectLst/>
-              <a:latin typeface="Tahoma" panose="020B0604030504040204" pitchFamily="34" charset="0"/>
-              <a:ea typeface="Tahoma" panose="020B0604030504040204" pitchFamily="34" charset="0"/>
-              <a:cs typeface="Tahoma" panose="020B0604030504040204" pitchFamily="34" charset="0"/>
-            </a:endParaRPr>
-          </a:p>
-          <a:p>
-            <a:pPr marL="171450" indent="-171450">
-              <a:buFont typeface="Arial" panose="020B0604020202020204" pitchFamily="34" charset="0"/>
-              <a:buChar char="•"/>
-            </a:pPr>
-            <a:r>
-              <a:rPr lang="en-US" sz="1100" i="0" dirty="0">
-                <a:solidFill>
-                  <a:srgbClr val="212121"/>
-                </a:solidFill>
-                <a:effectLst/>
-                <a:latin typeface="Tahoma" panose="020B0604030504040204" pitchFamily="34" charset="0"/>
-                <a:ea typeface="Tahoma" panose="020B0604030504040204" pitchFamily="34" charset="0"/>
-                <a:cs typeface="Tahoma" panose="020B0604030504040204" pitchFamily="34" charset="0"/>
-              </a:rPr>
-              <a:t>Lat, </a:t>
-            </a:r>
-            <a:r>
-              <a:rPr lang="en-US" sz="1100" dirty="0" err="1">
-                <a:solidFill>
-                  <a:srgbClr val="212121"/>
-                </a:solidFill>
-                <a:latin typeface="Tahoma" panose="020B0604030504040204" pitchFamily="34" charset="0"/>
-                <a:ea typeface="Tahoma" panose="020B0604030504040204" pitchFamily="34" charset="0"/>
-                <a:cs typeface="Tahoma" panose="020B0604030504040204" pitchFamily="34" charset="0"/>
-              </a:rPr>
-              <a:t>lon</a:t>
-            </a:r>
-            <a:endParaRPr lang="en-US" sz="1100" dirty="0">
-              <a:solidFill>
-                <a:srgbClr val="212121"/>
-              </a:solidFill>
-              <a:latin typeface="Tahoma" panose="020B0604030504040204" pitchFamily="34" charset="0"/>
-              <a:ea typeface="Tahoma" panose="020B0604030504040204" pitchFamily="34" charset="0"/>
-              <a:cs typeface="Tahoma" panose="020B0604030504040204" pitchFamily="34" charset="0"/>
-            </a:endParaRPr>
-          </a:p>
-          <a:p>
-            <a:pPr marL="171450" indent="-171450">
-              <a:buFont typeface="Arial" panose="020B0604020202020204" pitchFamily="34" charset="0"/>
-              <a:buChar char="•"/>
-            </a:pPr>
-            <a:r>
-              <a:rPr lang="en-US" sz="1100" i="0" dirty="0">
-                <a:solidFill>
-                  <a:srgbClr val="212121"/>
-                </a:solidFill>
-                <a:effectLst/>
-                <a:latin typeface="Tahoma" panose="020B0604030504040204" pitchFamily="34" charset="0"/>
-                <a:ea typeface="Tahoma" panose="020B0604030504040204" pitchFamily="34" charset="0"/>
-                <a:cs typeface="Tahoma" panose="020B0604030504040204" pitchFamily="34" charset="0"/>
-              </a:rPr>
-              <a:t>Start dat</a:t>
-            </a:r>
-            <a:r>
-              <a:rPr lang="en-US" sz="1100" dirty="0">
-                <a:solidFill>
-                  <a:srgbClr val="212121"/>
-                </a:solidFill>
-                <a:latin typeface="Tahoma" panose="020B0604030504040204" pitchFamily="34" charset="0"/>
-                <a:ea typeface="Tahoma" panose="020B0604030504040204" pitchFamily="34" charset="0"/>
-                <a:cs typeface="Tahoma" panose="020B0604030504040204" pitchFamily="34" charset="0"/>
-              </a:rPr>
-              <a:t>e to End date</a:t>
-            </a:r>
-            <a:endParaRPr lang="en-US" sz="1100" i="0" dirty="0">
-              <a:solidFill>
-                <a:srgbClr val="212121"/>
-              </a:solidFill>
-              <a:effectLst/>
-              <a:latin typeface="Tahoma" panose="020B0604030504040204" pitchFamily="34" charset="0"/>
-              <a:ea typeface="Tahoma" panose="020B0604030504040204" pitchFamily="34" charset="0"/>
-              <a:cs typeface="Tahoma" panose="020B0604030504040204" pitchFamily="34" charset="0"/>
-            </a:endParaRPr>
-          </a:p>
-        </p:txBody>
-      </p:sp>
-      <p:pic>
-        <p:nvPicPr>
-          <p:cNvPr id="42" name="Picture 4" descr="Meteonorm - Top Competitors &amp; Alternatives | Datarade">
-            <a:extLst>
-              <a:ext uri="{FF2B5EF4-FFF2-40B4-BE49-F238E27FC236}">
-                <a16:creationId xmlns:a16="http://schemas.microsoft.com/office/drawing/2014/main" id="{B9A4A42E-E759-4936-8CB7-E449335A01B3}"/>
-              </a:ext>
-            </a:extLst>
-          </p:cNvPr>
-          <p:cNvPicPr>
-            <a:picLocks noChangeAspect="1" noChangeArrowheads="1"/>
-          </p:cNvPicPr>
-          <p:nvPr/>
-        </p:nvPicPr>
-        <p:blipFill>
-          <a:blip r:embed="rId2">
-            <a:extLst>
-              <a:ext uri="{28A0092B-C50C-407E-A947-70E740481C1C}">
-                <a14:useLocalDpi xmlns:a14="http://schemas.microsoft.com/office/drawing/2010/main" val="0"/>
-              </a:ext>
-            </a:extLst>
-          </a:blip>
-          <a:srcRect/>
-          <a:stretch>
-            <a:fillRect/>
-          </a:stretch>
-        </p:blipFill>
-        <p:spPr bwMode="auto">
-          <a:xfrm>
-            <a:off x="2781014" y="5172890"/>
-            <a:ext cx="1405372" cy="306786"/>
-          </a:xfrm>
-          <a:prstGeom prst="rect">
-            <a:avLst/>
-          </a:prstGeom>
-          <a:noFill/>
-          <a:extLst>
-            <a:ext uri="{909E8E84-426E-40DD-AFC4-6F175D3DCCD1}">
-              <a14:hiddenFill xmlns:a14="http://schemas.microsoft.com/office/drawing/2010/main">
-                <a:solidFill>
-                  <a:srgbClr val="FFFFFF"/>
-                </a:solidFill>
-              </a14:hiddenFill>
-            </a:ext>
-          </a:extLst>
-        </p:spPr>
-      </p:pic>
-      <p:cxnSp>
-        <p:nvCxnSpPr>
-          <p:cNvPr id="43" name="Straight Arrow Connector 42">
-            <a:extLst>
-              <a:ext uri="{FF2B5EF4-FFF2-40B4-BE49-F238E27FC236}">
-                <a16:creationId xmlns:a16="http://schemas.microsoft.com/office/drawing/2014/main" id="{85669063-4F9B-4B37-9494-DCBEC991EB01}"/>
-              </a:ext>
-            </a:extLst>
-          </p:cNvPr>
-          <p:cNvCxnSpPr>
-            <a:cxnSpLocks/>
-            <a:stCxn id="39" idx="3"/>
-            <a:endCxn id="42" idx="1"/>
-          </p:cNvCxnSpPr>
-          <p:nvPr/>
-        </p:nvCxnSpPr>
-        <p:spPr>
-          <a:xfrm>
-            <a:off x="2337946" y="5326283"/>
-            <a:ext cx="443068" cy="0"/>
-          </a:xfrm>
-          <a:prstGeom prst="straightConnector1">
-            <a:avLst/>
-          </a:prstGeom>
-          <a:ln w="28575">
-            <a:solidFill>
-              <a:srgbClr val="002060"/>
-            </a:solidFill>
-            <a:tailEnd type="triangle"/>
-          </a:ln>
-        </p:spPr>
-        <p:style>
-          <a:lnRef idx="1">
-            <a:schemeClr val="accent1"/>
-          </a:lnRef>
-          <a:fillRef idx="0">
-            <a:schemeClr val="accent1"/>
-          </a:fillRef>
-          <a:effectRef idx="0">
-            <a:schemeClr val="accent1"/>
-          </a:effectRef>
-          <a:fontRef idx="minor">
-            <a:schemeClr val="tx1"/>
-          </a:fontRef>
-        </p:style>
-      </p:cxnSp>
-      <p:sp>
-        <p:nvSpPr>
-          <p:cNvPr id="47" name="Rectangle 46">
-            <a:extLst>
-              <a:ext uri="{FF2B5EF4-FFF2-40B4-BE49-F238E27FC236}">
-                <a16:creationId xmlns:a16="http://schemas.microsoft.com/office/drawing/2014/main" id="{C31EEDEC-177A-4F81-A56E-092027E73A70}"/>
-              </a:ext>
-            </a:extLst>
-          </p:cNvPr>
-          <p:cNvSpPr/>
-          <p:nvPr/>
-        </p:nvSpPr>
-        <p:spPr>
-          <a:xfrm>
-            <a:off x="4629454" y="4912283"/>
-            <a:ext cx="3194815" cy="828000"/>
-          </a:xfrm>
-          <a:prstGeom prst="rect">
-            <a:avLst/>
-          </a:prstGeom>
-          <a:noFill/>
-          <a:ln>
-            <a:solidFill>
-              <a:schemeClr val="tx1"/>
-            </a:solidFill>
-          </a:ln>
-        </p:spPr>
-        <p:style>
-          <a:lnRef idx="2">
-            <a:schemeClr val="accent1">
-              <a:shade val="50000"/>
-            </a:schemeClr>
-          </a:lnRef>
-          <a:fillRef idx="1">
-            <a:schemeClr val="accent1"/>
-          </a:fillRef>
-          <a:effectRef idx="0">
-            <a:schemeClr val="accent1"/>
-          </a:effectRef>
-          <a:fontRef idx="minor">
-            <a:schemeClr val="lt1"/>
-          </a:fontRef>
-        </p:style>
-        <p:txBody>
-          <a:bodyPr rtlCol="0" anchor="ctr"/>
-          <a:lstStyle/>
-          <a:p>
-            <a:r>
-              <a:rPr lang="en-US" sz="1100" b="1" dirty="0">
-                <a:solidFill>
-                  <a:srgbClr val="212121"/>
-                </a:solidFill>
-                <a:latin typeface="Tahoma" panose="020B0604030504040204" pitchFamily="34" charset="0"/>
-                <a:ea typeface="Tahoma" panose="020B0604030504040204" pitchFamily="34" charset="0"/>
-                <a:cs typeface="Tahoma" panose="020B0604030504040204" pitchFamily="34" charset="0"/>
-              </a:rPr>
-              <a:t>Historical data </a:t>
-            </a:r>
-          </a:p>
-          <a:p>
-            <a:r>
-              <a:rPr lang="en-US" sz="1100" dirty="0">
-                <a:solidFill>
-                  <a:srgbClr val="212121"/>
-                </a:solidFill>
-                <a:latin typeface="Tahoma" panose="020B0604030504040204" pitchFamily="34" charset="0"/>
-                <a:ea typeface="Tahoma" panose="020B0604030504040204" pitchFamily="34" charset="0"/>
-                <a:cs typeface="Tahoma" panose="020B0604030504040204" pitchFamily="34" charset="0"/>
-              </a:rPr>
-              <a:t>* predicted data (point data)</a:t>
-            </a:r>
-          </a:p>
-          <a:p>
-            <a:pPr marL="171450" indent="-171450">
-              <a:buFont typeface="Arial" panose="020B0604020202020204" pitchFamily="34" charset="0"/>
-              <a:buChar char="•"/>
-            </a:pPr>
-            <a:r>
-              <a:rPr lang="en-US" sz="1100" i="0" dirty="0">
-                <a:solidFill>
-                  <a:srgbClr val="212121"/>
-                </a:solidFill>
-                <a:effectLst/>
-                <a:latin typeface="Tahoma" panose="020B0604030504040204" pitchFamily="34" charset="0"/>
-                <a:ea typeface="Tahoma" panose="020B0604030504040204" pitchFamily="34" charset="0"/>
-                <a:cs typeface="Tahoma" panose="020B0604030504040204" pitchFamily="34" charset="0"/>
-              </a:rPr>
-              <a:t>Temp, </a:t>
-            </a:r>
-            <a:r>
-              <a:rPr lang="en-US" sz="1100" dirty="0">
-                <a:solidFill>
-                  <a:srgbClr val="212121"/>
-                </a:solidFill>
-                <a:latin typeface="Tahoma" panose="020B0604030504040204" pitchFamily="34" charset="0"/>
-                <a:ea typeface="Tahoma" panose="020B0604030504040204" pitchFamily="34" charset="0"/>
-                <a:cs typeface="Tahoma" panose="020B0604030504040204" pitchFamily="34" charset="0"/>
-              </a:rPr>
-              <a:t>Rh</a:t>
-            </a:r>
-          </a:p>
-          <a:p>
-            <a:pPr marL="171450" indent="-171450">
-              <a:buFont typeface="Arial" panose="020B0604020202020204" pitchFamily="34" charset="0"/>
-              <a:buChar char="•"/>
-            </a:pPr>
-            <a:r>
-              <a:rPr lang="en-US" sz="1100" i="0" dirty="0">
-                <a:solidFill>
-                  <a:srgbClr val="212121"/>
-                </a:solidFill>
-                <a:effectLst/>
-                <a:latin typeface="Tahoma" panose="020B0604030504040204" pitchFamily="34" charset="0"/>
-                <a:ea typeface="Tahoma" panose="020B0604030504040204" pitchFamily="34" charset="0"/>
-                <a:cs typeface="Tahoma" panose="020B0604030504040204" pitchFamily="34" charset="0"/>
-              </a:rPr>
-              <a:t>Hourly</a:t>
-            </a:r>
-          </a:p>
-        </p:txBody>
-      </p:sp>
-      <p:cxnSp>
-        <p:nvCxnSpPr>
-          <p:cNvPr id="48" name="Straight Arrow Connector 47">
-            <a:extLst>
-              <a:ext uri="{FF2B5EF4-FFF2-40B4-BE49-F238E27FC236}">
-                <a16:creationId xmlns:a16="http://schemas.microsoft.com/office/drawing/2014/main" id="{2BCED572-3EAD-4919-BB54-D4AB3B4616E8}"/>
-              </a:ext>
-            </a:extLst>
-          </p:cNvPr>
-          <p:cNvCxnSpPr>
-            <a:cxnSpLocks/>
-            <a:stCxn id="42" idx="3"/>
-            <a:endCxn id="47" idx="1"/>
-          </p:cNvCxnSpPr>
-          <p:nvPr/>
-        </p:nvCxnSpPr>
-        <p:spPr>
-          <a:xfrm>
-            <a:off x="4186386" y="5326283"/>
-            <a:ext cx="443068" cy="0"/>
-          </a:xfrm>
-          <a:prstGeom prst="straightConnector1">
-            <a:avLst/>
-          </a:prstGeom>
-          <a:ln w="28575">
-            <a:solidFill>
-              <a:srgbClr val="002060"/>
-            </a:solidFill>
-            <a:tailEnd type="triangle"/>
-          </a:ln>
-        </p:spPr>
-        <p:style>
-          <a:lnRef idx="1">
-            <a:schemeClr val="accent1"/>
-          </a:lnRef>
-          <a:fillRef idx="0">
-            <a:schemeClr val="accent1"/>
-          </a:fillRef>
-          <a:effectRef idx="0">
-            <a:schemeClr val="accent1"/>
-          </a:effectRef>
-          <a:fontRef idx="minor">
-            <a:schemeClr val="tx1"/>
-          </a:fontRef>
-        </p:style>
-      </p:cxnSp>
-    </p:spTree>
-    <p:extLst>
-      <p:ext uri="{BB962C8B-B14F-4D97-AF65-F5344CB8AC3E}">
-        <p14:creationId xmlns:p14="http://schemas.microsoft.com/office/powerpoint/2010/main" val="3082896787"/>
       </p:ext>
     </p:extLst>
   </p:cSld>
@@ -19544,6 +18530,76 @@
           </a:p>
         </p:txBody>
       </p:sp>
+      <p:sp>
+        <p:nvSpPr>
+          <p:cNvPr id="104" name="Rectangle: Rounded Corners 103">
+            <a:extLst>
+              <a:ext uri="{FF2B5EF4-FFF2-40B4-BE49-F238E27FC236}">
+                <a16:creationId xmlns:a16="http://schemas.microsoft.com/office/drawing/2014/main" id="{5F32D6F4-C02B-48D3-9A0E-223CF8366FA4}"/>
+              </a:ext>
+            </a:extLst>
+          </p:cNvPr>
+          <p:cNvSpPr/>
+          <p:nvPr/>
+        </p:nvSpPr>
+        <p:spPr>
+          <a:xfrm>
+            <a:off x="2128838" y="6478438"/>
+            <a:ext cx="1306440" cy="180000"/>
+          </a:xfrm>
+          <a:prstGeom prst="roundRect">
+            <a:avLst>
+              <a:gd name="adj" fmla="val 5317"/>
+            </a:avLst>
+          </a:prstGeom>
+          <a:noFill/>
+          <a:ln>
+            <a:noFill/>
+          </a:ln>
+        </p:spPr>
+        <p:style>
+          <a:lnRef idx="2">
+            <a:schemeClr val="accent1">
+              <a:shade val="50000"/>
+            </a:schemeClr>
+          </a:lnRef>
+          <a:fillRef idx="1">
+            <a:schemeClr val="accent1"/>
+          </a:fillRef>
+          <a:effectRef idx="0">
+            <a:schemeClr val="accent1"/>
+          </a:effectRef>
+          <a:fontRef idx="minor">
+            <a:schemeClr val="lt1"/>
+          </a:fontRef>
+        </p:style>
+        <p:txBody>
+          <a:bodyPr rtlCol="0" anchor="ctr"/>
+          <a:lstStyle/>
+          <a:p>
+            <a:pPr algn="ctr"/>
+            <a:r>
+              <a:rPr lang="en-US" sz="1200" b="1" dirty="0">
+                <a:solidFill>
+                  <a:schemeClr val="bg1"/>
+                </a:solidFill>
+                <a:latin typeface="Tahoma" panose="020B0604030504040204" pitchFamily="34" charset="0"/>
+                <a:ea typeface="Tahoma" panose="020B0604030504040204" pitchFamily="34" charset="0"/>
+                <a:cs typeface="Tahoma" panose="020B0604030504040204" pitchFamily="34" charset="0"/>
+              </a:rPr>
+              <a:t>Historical data</a:t>
+            </a:r>
+            <a:endParaRPr lang="th-TH" sz="1200" b="1" dirty="0">
+              <a:solidFill>
+                <a:schemeClr val="bg1"/>
+              </a:solidFill>
+              <a:latin typeface="Tahoma" panose="020B0604030504040204" pitchFamily="34" charset="0"/>
+              <a:ea typeface="Tahoma" panose="020B0604030504040204" pitchFamily="34" charset="0"/>
+              <a:cs typeface="Tahoma" panose="020B0604030504040204" pitchFamily="34" charset="0"/>
+            </a:endParaRPr>
+          </a:p>
+        </p:txBody>
+      </p:sp>
     </p:spTree>
     <p:extLst>
       <p:ext uri="{BB962C8B-B14F-4D97-AF65-F5344CB8AC3E}">
@@ -19558,6 +18614,1750 @@
 </file>
 
 <file path=ppt/slides/slide20.xml><?xml version="1.0" encoding="utf-8"?>
+<p:sld xmlns:a="http://schemas.openxmlformats.org/drawingml/2006/main" xmlns:r="http://schemas.openxmlformats.org/officeDocument/2006/relationships" xmlns:p="http://schemas.openxmlformats.org/presentationml/2006/main" show="0">
+  <p:cSld>
+    <p:spTree>
+      <p:nvGrpSpPr>
+        <p:cNvPr id="1" name=""/>
+        <p:cNvGrpSpPr/>
+        <p:nvPr/>
+      </p:nvGrpSpPr>
+      <p:grpSpPr>
+        <a:xfrm>
+          <a:off x="0" y="0"/>
+          <a:ext cx="0" cy="0"/>
+          <a:chOff x="0" y="0"/>
+          <a:chExt cx="0" cy="0"/>
+        </a:xfrm>
+      </p:grpSpPr>
+      <p:pic>
+        <p:nvPicPr>
+          <p:cNvPr id="2" name="Picture 4" descr="Meteonorm - Top Competitors &amp; Alternatives | Datarade">
+            <a:extLst>
+              <a:ext uri="{FF2B5EF4-FFF2-40B4-BE49-F238E27FC236}">
+                <a16:creationId xmlns:a16="http://schemas.microsoft.com/office/drawing/2014/main" id="{ACE25D53-1EEE-4F07-9B43-D991689D24AA}"/>
+              </a:ext>
+            </a:extLst>
+          </p:cNvPr>
+          <p:cNvPicPr>
+            <a:picLocks noChangeAspect="1" noChangeArrowheads="1"/>
+          </p:cNvPicPr>
+          <p:nvPr/>
+        </p:nvPicPr>
+        <p:blipFill>
+          <a:blip r:embed="rId2">
+            <a:extLst>
+              <a:ext uri="{28A0092B-C50C-407E-A947-70E740481C1C}">
+                <a14:useLocalDpi xmlns:a14="http://schemas.microsoft.com/office/drawing/2010/main" val="0"/>
+              </a:ext>
+            </a:extLst>
+          </a:blip>
+          <a:srcRect/>
+          <a:stretch>
+            <a:fillRect/>
+          </a:stretch>
+        </p:blipFill>
+        <p:spPr bwMode="auto">
+          <a:xfrm>
+            <a:off x="2691436" y="1256806"/>
+            <a:ext cx="1405372" cy="306786"/>
+          </a:xfrm>
+          <a:prstGeom prst="rect">
+            <a:avLst/>
+          </a:prstGeom>
+          <a:noFill/>
+          <a:extLst>
+            <a:ext uri="{909E8E84-426E-40DD-AFC4-6F175D3DCCD1}">
+              <a14:hiddenFill xmlns:a14="http://schemas.microsoft.com/office/drawing/2010/main">
+                <a:solidFill>
+                  <a:srgbClr val="FFFFFF"/>
+                </a:solidFill>
+              </a14:hiddenFill>
+            </a:ext>
+          </a:extLst>
+        </p:spPr>
+      </p:pic>
+      <p:sp>
+        <p:nvSpPr>
+          <p:cNvPr id="3" name="Rectangle 2">
+            <a:extLst>
+              <a:ext uri="{FF2B5EF4-FFF2-40B4-BE49-F238E27FC236}">
+                <a16:creationId xmlns:a16="http://schemas.microsoft.com/office/drawing/2014/main" id="{92487B22-3BFE-4EE1-96B6-299AEB2BF341}"/>
+              </a:ext>
+            </a:extLst>
+          </p:cNvPr>
+          <p:cNvSpPr/>
+          <p:nvPr/>
+        </p:nvSpPr>
+        <p:spPr>
+          <a:xfrm>
+            <a:off x="585202" y="1158199"/>
+            <a:ext cx="1728000" cy="504000"/>
+          </a:xfrm>
+          <a:prstGeom prst="rect">
+            <a:avLst/>
+          </a:prstGeom>
+          <a:noFill/>
+          <a:ln>
+            <a:solidFill>
+              <a:schemeClr val="tx1"/>
+            </a:solidFill>
+          </a:ln>
+        </p:spPr>
+        <p:style>
+          <a:lnRef idx="2">
+            <a:schemeClr val="accent1">
+              <a:shade val="50000"/>
+            </a:schemeClr>
+          </a:lnRef>
+          <a:fillRef idx="1">
+            <a:schemeClr val="accent1"/>
+          </a:fillRef>
+          <a:effectRef idx="0">
+            <a:schemeClr val="accent1"/>
+          </a:effectRef>
+          <a:fontRef idx="minor">
+            <a:schemeClr val="lt1"/>
+          </a:fontRef>
+        </p:style>
+        <p:txBody>
+          <a:bodyPr rtlCol="0" anchor="ctr"/>
+          <a:lstStyle/>
+          <a:p>
+            <a:r>
+              <a:rPr lang="en-US" sz="1100" b="1" dirty="0">
+                <a:solidFill>
+                  <a:srgbClr val="212121"/>
+                </a:solidFill>
+                <a:latin typeface="Tahoma" panose="020B0604030504040204" pitchFamily="34" charset="0"/>
+                <a:ea typeface="Tahoma" panose="020B0604030504040204" pitchFamily="34" charset="0"/>
+                <a:cs typeface="Tahoma" panose="020B0604030504040204" pitchFamily="34" charset="0"/>
+              </a:rPr>
+              <a:t>Input</a:t>
+            </a:r>
+            <a:endParaRPr lang="en-US" sz="1100" b="1" i="0" dirty="0">
+              <a:solidFill>
+                <a:srgbClr val="212121"/>
+              </a:solidFill>
+              <a:effectLst/>
+              <a:latin typeface="Tahoma" panose="020B0604030504040204" pitchFamily="34" charset="0"/>
+              <a:ea typeface="Tahoma" panose="020B0604030504040204" pitchFamily="34" charset="0"/>
+              <a:cs typeface="Tahoma" panose="020B0604030504040204" pitchFamily="34" charset="0"/>
+            </a:endParaRPr>
+          </a:p>
+          <a:p>
+            <a:pPr marL="171450" indent="-171450">
+              <a:buFont typeface="Arial" panose="020B0604020202020204" pitchFamily="34" charset="0"/>
+              <a:buChar char="•"/>
+            </a:pPr>
+            <a:r>
+              <a:rPr lang="en-US" sz="1100" i="0" dirty="0">
+                <a:solidFill>
+                  <a:srgbClr val="212121"/>
+                </a:solidFill>
+                <a:effectLst/>
+                <a:latin typeface="Tahoma" panose="020B0604030504040204" pitchFamily="34" charset="0"/>
+                <a:ea typeface="Tahoma" panose="020B0604030504040204" pitchFamily="34" charset="0"/>
+                <a:cs typeface="Tahoma" panose="020B0604030504040204" pitchFamily="34" charset="0"/>
+              </a:rPr>
+              <a:t>Lat, </a:t>
+            </a:r>
+            <a:r>
+              <a:rPr lang="en-US" sz="1100" dirty="0" err="1">
+                <a:solidFill>
+                  <a:srgbClr val="212121"/>
+                </a:solidFill>
+                <a:latin typeface="Tahoma" panose="020B0604030504040204" pitchFamily="34" charset="0"/>
+                <a:ea typeface="Tahoma" panose="020B0604030504040204" pitchFamily="34" charset="0"/>
+                <a:cs typeface="Tahoma" panose="020B0604030504040204" pitchFamily="34" charset="0"/>
+              </a:rPr>
+              <a:t>lon</a:t>
+            </a:r>
+            <a:endParaRPr lang="en-US" sz="1100" dirty="0">
+              <a:solidFill>
+                <a:srgbClr val="212121"/>
+              </a:solidFill>
+              <a:latin typeface="Tahoma" panose="020B0604030504040204" pitchFamily="34" charset="0"/>
+              <a:ea typeface="Tahoma" panose="020B0604030504040204" pitchFamily="34" charset="0"/>
+              <a:cs typeface="Tahoma" panose="020B0604030504040204" pitchFamily="34" charset="0"/>
+            </a:endParaRPr>
+          </a:p>
+          <a:p>
+            <a:pPr marL="171450" indent="-171450">
+              <a:buFont typeface="Arial" panose="020B0604020202020204" pitchFamily="34" charset="0"/>
+              <a:buChar char="•"/>
+            </a:pPr>
+            <a:r>
+              <a:rPr lang="en-US" sz="1100" i="0" dirty="0">
+                <a:solidFill>
+                  <a:srgbClr val="212121"/>
+                </a:solidFill>
+                <a:effectLst/>
+                <a:latin typeface="Tahoma" panose="020B0604030504040204" pitchFamily="34" charset="0"/>
+                <a:ea typeface="Tahoma" panose="020B0604030504040204" pitchFamily="34" charset="0"/>
+                <a:cs typeface="Tahoma" panose="020B0604030504040204" pitchFamily="34" charset="0"/>
+              </a:rPr>
+              <a:t>Start dat</a:t>
+            </a:r>
+            <a:r>
+              <a:rPr lang="en-US" sz="1100" dirty="0">
+                <a:solidFill>
+                  <a:srgbClr val="212121"/>
+                </a:solidFill>
+                <a:latin typeface="Tahoma" panose="020B0604030504040204" pitchFamily="34" charset="0"/>
+                <a:ea typeface="Tahoma" panose="020B0604030504040204" pitchFamily="34" charset="0"/>
+                <a:cs typeface="Tahoma" panose="020B0604030504040204" pitchFamily="34" charset="0"/>
+              </a:rPr>
+              <a:t>e to End date</a:t>
+            </a:r>
+            <a:endParaRPr lang="en-US" sz="1100" i="0" dirty="0">
+              <a:solidFill>
+                <a:srgbClr val="212121"/>
+              </a:solidFill>
+              <a:effectLst/>
+              <a:latin typeface="Tahoma" panose="020B0604030504040204" pitchFamily="34" charset="0"/>
+              <a:ea typeface="Tahoma" panose="020B0604030504040204" pitchFamily="34" charset="0"/>
+              <a:cs typeface="Tahoma" panose="020B0604030504040204" pitchFamily="34" charset="0"/>
+            </a:endParaRPr>
+          </a:p>
+        </p:txBody>
+      </p:sp>
+      <p:sp>
+        <p:nvSpPr>
+          <p:cNvPr id="4" name="Rectangle 3">
+            <a:extLst>
+              <a:ext uri="{FF2B5EF4-FFF2-40B4-BE49-F238E27FC236}">
+                <a16:creationId xmlns:a16="http://schemas.microsoft.com/office/drawing/2014/main" id="{D5A97EE5-33AF-4BFF-8701-34E930923A10}"/>
+              </a:ext>
+            </a:extLst>
+          </p:cNvPr>
+          <p:cNvSpPr/>
+          <p:nvPr/>
+        </p:nvSpPr>
+        <p:spPr>
+          <a:xfrm>
+            <a:off x="4629454" y="996199"/>
+            <a:ext cx="3194815" cy="828000"/>
+          </a:xfrm>
+          <a:prstGeom prst="rect">
+            <a:avLst/>
+          </a:prstGeom>
+          <a:noFill/>
+          <a:ln>
+            <a:solidFill>
+              <a:schemeClr val="tx1"/>
+            </a:solidFill>
+          </a:ln>
+        </p:spPr>
+        <p:style>
+          <a:lnRef idx="2">
+            <a:schemeClr val="accent1">
+              <a:shade val="50000"/>
+            </a:schemeClr>
+          </a:lnRef>
+          <a:fillRef idx="1">
+            <a:schemeClr val="accent1"/>
+          </a:fillRef>
+          <a:effectRef idx="0">
+            <a:schemeClr val="accent1"/>
+          </a:effectRef>
+          <a:fontRef idx="minor">
+            <a:schemeClr val="lt1"/>
+          </a:fontRef>
+        </p:style>
+        <p:txBody>
+          <a:bodyPr rtlCol="0" anchor="ctr"/>
+          <a:lstStyle/>
+          <a:p>
+            <a:r>
+              <a:rPr lang="en-US" sz="1100" b="1" dirty="0">
+                <a:solidFill>
+                  <a:srgbClr val="212121"/>
+                </a:solidFill>
+                <a:latin typeface="Tahoma" panose="020B0604030504040204" pitchFamily="34" charset="0"/>
+                <a:ea typeface="Tahoma" panose="020B0604030504040204" pitchFamily="34" charset="0"/>
+                <a:cs typeface="Tahoma" panose="020B0604030504040204" pitchFamily="34" charset="0"/>
+              </a:rPr>
+              <a:t>Historical data </a:t>
+            </a:r>
+          </a:p>
+          <a:p>
+            <a:r>
+              <a:rPr lang="en-US" sz="1000" dirty="0">
+                <a:solidFill>
+                  <a:srgbClr val="212121"/>
+                </a:solidFill>
+                <a:latin typeface="Tahoma" panose="020B0604030504040204" pitchFamily="34" charset="0"/>
+                <a:ea typeface="Tahoma" panose="020B0604030504040204" pitchFamily="34" charset="0"/>
+                <a:cs typeface="Tahoma" panose="020B0604030504040204" pitchFamily="34" charset="0"/>
+              </a:rPr>
+              <a:t>*actual data from station</a:t>
+            </a:r>
+            <a:endParaRPr lang="en-US" sz="1000" i="0" dirty="0">
+              <a:solidFill>
+                <a:srgbClr val="212121"/>
+              </a:solidFill>
+              <a:effectLst/>
+              <a:latin typeface="Tahoma" panose="020B0604030504040204" pitchFamily="34" charset="0"/>
+              <a:ea typeface="Tahoma" panose="020B0604030504040204" pitchFamily="34" charset="0"/>
+              <a:cs typeface="Tahoma" panose="020B0604030504040204" pitchFamily="34" charset="0"/>
+            </a:endParaRPr>
+          </a:p>
+          <a:p>
+            <a:pPr marL="171450" indent="-171450">
+              <a:buFont typeface="Arial" panose="020B0604020202020204" pitchFamily="34" charset="0"/>
+              <a:buChar char="•"/>
+            </a:pPr>
+            <a:r>
+              <a:rPr lang="en-US" sz="1100" i="0" dirty="0">
+                <a:solidFill>
+                  <a:srgbClr val="212121"/>
+                </a:solidFill>
+                <a:effectLst/>
+                <a:latin typeface="Tahoma" panose="020B0604030504040204" pitchFamily="34" charset="0"/>
+                <a:ea typeface="Tahoma" panose="020B0604030504040204" pitchFamily="34" charset="0"/>
+                <a:cs typeface="Tahoma" panose="020B0604030504040204" pitchFamily="34" charset="0"/>
+              </a:rPr>
+              <a:t>Temp, </a:t>
+            </a:r>
+            <a:r>
+              <a:rPr lang="en-US" sz="1100" dirty="0">
+                <a:solidFill>
+                  <a:srgbClr val="212121"/>
+                </a:solidFill>
+                <a:latin typeface="Tahoma" panose="020B0604030504040204" pitchFamily="34" charset="0"/>
+                <a:ea typeface="Tahoma" panose="020B0604030504040204" pitchFamily="34" charset="0"/>
+                <a:cs typeface="Tahoma" panose="020B0604030504040204" pitchFamily="34" charset="0"/>
+              </a:rPr>
+              <a:t>Rh</a:t>
+            </a:r>
+          </a:p>
+          <a:p>
+            <a:pPr marL="171450" indent="-171450">
+              <a:buFont typeface="Arial" panose="020B0604020202020204" pitchFamily="34" charset="0"/>
+              <a:buChar char="•"/>
+            </a:pPr>
+            <a:r>
+              <a:rPr lang="en-US" sz="1100" i="0" dirty="0">
+                <a:solidFill>
+                  <a:srgbClr val="212121"/>
+                </a:solidFill>
+                <a:effectLst/>
+                <a:latin typeface="Tahoma" panose="020B0604030504040204" pitchFamily="34" charset="0"/>
+                <a:ea typeface="Tahoma" panose="020B0604030504040204" pitchFamily="34" charset="0"/>
+                <a:cs typeface="Tahoma" panose="020B0604030504040204" pitchFamily="34" charset="0"/>
+              </a:rPr>
+              <a:t>Hourly</a:t>
+            </a:r>
+          </a:p>
+          <a:p>
+            <a:pPr marL="171450" indent="-171450">
+              <a:buFont typeface="Arial" panose="020B0604020202020204" pitchFamily="34" charset="0"/>
+              <a:buChar char="•"/>
+            </a:pPr>
+            <a:r>
+              <a:rPr lang="th-TH" sz="1100" dirty="0">
+                <a:solidFill>
+                  <a:srgbClr val="212121"/>
+                </a:solidFill>
+                <a:latin typeface="Tahoma" panose="020B0604030504040204" pitchFamily="34" charset="0"/>
+                <a:ea typeface="Tahoma" panose="020B0604030504040204" pitchFamily="34" charset="0"/>
+                <a:cs typeface="Tahoma" panose="020B0604030504040204" pitchFamily="34" charset="0"/>
+              </a:rPr>
+              <a:t>เป็นค่าจาก </a:t>
+            </a:r>
+            <a:r>
+              <a:rPr lang="en-US" sz="1100" dirty="0">
+                <a:solidFill>
+                  <a:srgbClr val="212121"/>
+                </a:solidFill>
+                <a:latin typeface="Tahoma" panose="020B0604030504040204" pitchFamily="34" charset="0"/>
+                <a:ea typeface="Tahoma" panose="020B0604030504040204" pitchFamily="34" charset="0"/>
+                <a:cs typeface="Tahoma" panose="020B0604030504040204" pitchFamily="34" charset="0"/>
+              </a:rPr>
+              <a:t>station </a:t>
+            </a:r>
+            <a:r>
+              <a:rPr lang="th-TH" sz="1100" dirty="0">
+                <a:solidFill>
+                  <a:srgbClr val="212121"/>
+                </a:solidFill>
+                <a:latin typeface="Tahoma" panose="020B0604030504040204" pitchFamily="34" charset="0"/>
+                <a:ea typeface="Tahoma" panose="020B0604030504040204" pitchFamily="34" charset="0"/>
+                <a:cs typeface="Tahoma" panose="020B0604030504040204" pitchFamily="34" charset="0"/>
+              </a:rPr>
+              <a:t>ที่ใกล้ที่สุดจาก </a:t>
+            </a:r>
+            <a:r>
+              <a:rPr lang="en-US" sz="1100" dirty="0" err="1">
+                <a:solidFill>
+                  <a:srgbClr val="212121"/>
+                </a:solidFill>
+                <a:latin typeface="Tahoma" panose="020B0604030504040204" pitchFamily="34" charset="0"/>
+                <a:ea typeface="Tahoma" panose="020B0604030504040204" pitchFamily="34" charset="0"/>
+                <a:cs typeface="Tahoma" panose="020B0604030504040204" pitchFamily="34" charset="0"/>
+              </a:rPr>
+              <a:t>lat</a:t>
+            </a:r>
+            <a:r>
+              <a:rPr lang="en-US" sz="1100" dirty="0">
+                <a:solidFill>
+                  <a:srgbClr val="212121"/>
+                </a:solidFill>
+                <a:latin typeface="Tahoma" panose="020B0604030504040204" pitchFamily="34" charset="0"/>
+                <a:ea typeface="Tahoma" panose="020B0604030504040204" pitchFamily="34" charset="0"/>
+                <a:cs typeface="Tahoma" panose="020B0604030504040204" pitchFamily="34" charset="0"/>
+              </a:rPr>
+              <a:t> </a:t>
+            </a:r>
+            <a:r>
+              <a:rPr lang="en-US" sz="1100" dirty="0" err="1">
+                <a:solidFill>
+                  <a:srgbClr val="212121"/>
+                </a:solidFill>
+                <a:latin typeface="Tahoma" panose="020B0604030504040204" pitchFamily="34" charset="0"/>
+                <a:ea typeface="Tahoma" panose="020B0604030504040204" pitchFamily="34" charset="0"/>
+                <a:cs typeface="Tahoma" panose="020B0604030504040204" pitchFamily="34" charset="0"/>
+              </a:rPr>
+              <a:t>lon</a:t>
+            </a:r>
+            <a:r>
+              <a:rPr lang="en-US" sz="1100" dirty="0">
+                <a:solidFill>
+                  <a:srgbClr val="212121"/>
+                </a:solidFill>
+                <a:latin typeface="Tahoma" panose="020B0604030504040204" pitchFamily="34" charset="0"/>
+                <a:ea typeface="Tahoma" panose="020B0604030504040204" pitchFamily="34" charset="0"/>
+                <a:cs typeface="Tahoma" panose="020B0604030504040204" pitchFamily="34" charset="0"/>
+              </a:rPr>
+              <a:t> </a:t>
+            </a:r>
+            <a:r>
+              <a:rPr lang="th-TH" sz="1100" dirty="0">
+                <a:solidFill>
+                  <a:srgbClr val="212121"/>
+                </a:solidFill>
+                <a:latin typeface="Tahoma" panose="020B0604030504040204" pitchFamily="34" charset="0"/>
+                <a:ea typeface="Tahoma" panose="020B0604030504040204" pitchFamily="34" charset="0"/>
+                <a:cs typeface="Tahoma" panose="020B0604030504040204" pitchFamily="34" charset="0"/>
+              </a:rPr>
+              <a:t>ที่ป้อน</a:t>
+            </a:r>
+            <a:endParaRPr lang="en-US" sz="1100" i="0" dirty="0">
+              <a:solidFill>
+                <a:srgbClr val="212121"/>
+              </a:solidFill>
+              <a:effectLst/>
+              <a:latin typeface="Tahoma" panose="020B0604030504040204" pitchFamily="34" charset="0"/>
+              <a:ea typeface="Tahoma" panose="020B0604030504040204" pitchFamily="34" charset="0"/>
+              <a:cs typeface="Tahoma" panose="020B0604030504040204" pitchFamily="34" charset="0"/>
+            </a:endParaRPr>
+          </a:p>
+        </p:txBody>
+      </p:sp>
+      <p:cxnSp>
+        <p:nvCxnSpPr>
+          <p:cNvPr id="5" name="Straight Arrow Connector 4">
+            <a:extLst>
+              <a:ext uri="{FF2B5EF4-FFF2-40B4-BE49-F238E27FC236}">
+                <a16:creationId xmlns:a16="http://schemas.microsoft.com/office/drawing/2014/main" id="{A8BDC5A8-A10D-479B-A62B-FCC7CAE78D12}"/>
+              </a:ext>
+            </a:extLst>
+          </p:cNvPr>
+          <p:cNvCxnSpPr>
+            <a:cxnSpLocks/>
+            <a:stCxn id="3" idx="3"/>
+            <a:endCxn id="2" idx="1"/>
+          </p:cNvCxnSpPr>
+          <p:nvPr/>
+        </p:nvCxnSpPr>
+        <p:spPr>
+          <a:xfrm>
+            <a:off x="2313202" y="1410199"/>
+            <a:ext cx="378234" cy="0"/>
+          </a:xfrm>
+          <a:prstGeom prst="straightConnector1">
+            <a:avLst/>
+          </a:prstGeom>
+          <a:ln w="28575">
+            <a:solidFill>
+              <a:srgbClr val="002060"/>
+            </a:solidFill>
+            <a:tailEnd type="triangle"/>
+          </a:ln>
+        </p:spPr>
+        <p:style>
+          <a:lnRef idx="1">
+            <a:schemeClr val="accent1"/>
+          </a:lnRef>
+          <a:fillRef idx="0">
+            <a:schemeClr val="accent1"/>
+          </a:fillRef>
+          <a:effectRef idx="0">
+            <a:schemeClr val="accent1"/>
+          </a:effectRef>
+          <a:fontRef idx="minor">
+            <a:schemeClr val="tx1"/>
+          </a:fontRef>
+        </p:style>
+      </p:cxnSp>
+      <p:cxnSp>
+        <p:nvCxnSpPr>
+          <p:cNvPr id="6" name="Straight Arrow Connector 5">
+            <a:extLst>
+              <a:ext uri="{FF2B5EF4-FFF2-40B4-BE49-F238E27FC236}">
+                <a16:creationId xmlns:a16="http://schemas.microsoft.com/office/drawing/2014/main" id="{F04B3E10-2E3E-40DE-9056-03DFA0892CDE}"/>
+              </a:ext>
+            </a:extLst>
+          </p:cNvPr>
+          <p:cNvCxnSpPr>
+            <a:cxnSpLocks/>
+            <a:stCxn id="2" idx="3"/>
+            <a:endCxn id="4" idx="1"/>
+          </p:cNvCxnSpPr>
+          <p:nvPr/>
+        </p:nvCxnSpPr>
+        <p:spPr>
+          <a:xfrm>
+            <a:off x="4096808" y="1410199"/>
+            <a:ext cx="532646" cy="0"/>
+          </a:xfrm>
+          <a:prstGeom prst="straightConnector1">
+            <a:avLst/>
+          </a:prstGeom>
+          <a:ln w="28575">
+            <a:solidFill>
+              <a:srgbClr val="002060"/>
+            </a:solidFill>
+            <a:tailEnd type="triangle"/>
+          </a:ln>
+        </p:spPr>
+        <p:style>
+          <a:lnRef idx="1">
+            <a:schemeClr val="accent1"/>
+          </a:lnRef>
+          <a:fillRef idx="0">
+            <a:schemeClr val="accent1"/>
+          </a:fillRef>
+          <a:effectRef idx="0">
+            <a:schemeClr val="accent1"/>
+          </a:effectRef>
+          <a:fontRef idx="minor">
+            <a:schemeClr val="tx1"/>
+          </a:fontRef>
+        </p:style>
+      </p:cxnSp>
+      <p:sp>
+        <p:nvSpPr>
+          <p:cNvPr id="7" name="Rectangle 6">
+            <a:extLst>
+              <a:ext uri="{FF2B5EF4-FFF2-40B4-BE49-F238E27FC236}">
+                <a16:creationId xmlns:a16="http://schemas.microsoft.com/office/drawing/2014/main" id="{9E3E4BE1-6A68-4AB5-BB29-314208CF8510}"/>
+              </a:ext>
+            </a:extLst>
+          </p:cNvPr>
+          <p:cNvSpPr/>
+          <p:nvPr/>
+        </p:nvSpPr>
+        <p:spPr>
+          <a:xfrm>
+            <a:off x="4629454" y="2424542"/>
+            <a:ext cx="3194815" cy="327599"/>
+          </a:xfrm>
+          <a:prstGeom prst="rect">
+            <a:avLst/>
+          </a:prstGeom>
+          <a:noFill/>
+          <a:ln>
+            <a:solidFill>
+              <a:schemeClr val="tx1"/>
+            </a:solidFill>
+          </a:ln>
+        </p:spPr>
+        <p:style>
+          <a:lnRef idx="2">
+            <a:schemeClr val="accent1">
+              <a:shade val="50000"/>
+            </a:schemeClr>
+          </a:lnRef>
+          <a:fillRef idx="1">
+            <a:schemeClr val="accent1"/>
+          </a:fillRef>
+          <a:effectRef idx="0">
+            <a:schemeClr val="accent1"/>
+          </a:effectRef>
+          <a:fontRef idx="minor">
+            <a:schemeClr val="lt1"/>
+          </a:fontRef>
+        </p:style>
+        <p:txBody>
+          <a:bodyPr rtlCol="0" anchor="ctr"/>
+          <a:lstStyle/>
+          <a:p>
+            <a:pPr marL="171450" indent="-171450">
+              <a:buFont typeface="Arial" panose="020B0604020202020204" pitchFamily="34" charset="0"/>
+              <a:buChar char="•"/>
+            </a:pPr>
+            <a:r>
+              <a:rPr lang="th-TH" sz="1100" dirty="0">
+                <a:solidFill>
+                  <a:srgbClr val="212121"/>
+                </a:solidFill>
+                <a:latin typeface="Tahoma" panose="020B0604030504040204" pitchFamily="34" charset="0"/>
+                <a:ea typeface="Tahoma" panose="020B0604030504040204" pitchFamily="34" charset="0"/>
+                <a:cs typeface="Tahoma" panose="020B0604030504040204" pitchFamily="34" charset="0"/>
+              </a:rPr>
+              <a:t>สามารถค้นหาสถานีที่ใกล้ที่สุดรอบๆได้</a:t>
+            </a:r>
+            <a:endParaRPr lang="en-US" sz="1100" i="0" dirty="0">
+              <a:solidFill>
+                <a:srgbClr val="212121"/>
+              </a:solidFill>
+              <a:effectLst/>
+              <a:latin typeface="Tahoma" panose="020B0604030504040204" pitchFamily="34" charset="0"/>
+              <a:ea typeface="Tahoma" panose="020B0604030504040204" pitchFamily="34" charset="0"/>
+              <a:cs typeface="Tahoma" panose="020B0604030504040204" pitchFamily="34" charset="0"/>
+            </a:endParaRPr>
+          </a:p>
+        </p:txBody>
+      </p:sp>
+      <p:pic>
+        <p:nvPicPr>
+          <p:cNvPr id="8" name="Picture 7">
+            <a:extLst>
+              <a:ext uri="{FF2B5EF4-FFF2-40B4-BE49-F238E27FC236}">
+                <a16:creationId xmlns:a16="http://schemas.microsoft.com/office/drawing/2014/main" id="{68031B91-109B-4347-9110-B0AA1EDB3E37}"/>
+              </a:ext>
+            </a:extLst>
+          </p:cNvPr>
+          <p:cNvPicPr>
+            <a:picLocks noChangeAspect="1"/>
+          </p:cNvPicPr>
+          <p:nvPr/>
+        </p:nvPicPr>
+        <p:blipFill>
+          <a:blip r:embed="rId3"/>
+          <a:stretch>
+            <a:fillRect/>
+          </a:stretch>
+        </p:blipFill>
+        <p:spPr>
+          <a:xfrm>
+            <a:off x="8292081" y="1864898"/>
+            <a:ext cx="2192251" cy="1446885"/>
+          </a:xfrm>
+          <a:prstGeom prst="rect">
+            <a:avLst/>
+          </a:prstGeom>
+          <a:ln>
+            <a:solidFill>
+              <a:srgbClr val="002060"/>
+            </a:solidFill>
+          </a:ln>
+        </p:spPr>
+      </p:pic>
+      <p:pic>
+        <p:nvPicPr>
+          <p:cNvPr id="9" name="Picture 4" descr="Meteonorm - Top Competitors &amp; Alternatives | Datarade">
+            <a:extLst>
+              <a:ext uri="{FF2B5EF4-FFF2-40B4-BE49-F238E27FC236}">
+                <a16:creationId xmlns:a16="http://schemas.microsoft.com/office/drawing/2014/main" id="{6E54A6AC-6A6A-4763-B462-70E23B18312D}"/>
+              </a:ext>
+            </a:extLst>
+          </p:cNvPr>
+          <p:cNvPicPr>
+            <a:picLocks noChangeAspect="1" noChangeArrowheads="1"/>
+          </p:cNvPicPr>
+          <p:nvPr/>
+        </p:nvPicPr>
+        <p:blipFill>
+          <a:blip r:embed="rId2">
+            <a:extLst>
+              <a:ext uri="{28A0092B-C50C-407E-A947-70E740481C1C}">
+                <a14:useLocalDpi xmlns:a14="http://schemas.microsoft.com/office/drawing/2010/main" val="0"/>
+              </a:ext>
+            </a:extLst>
+          </a:blip>
+          <a:srcRect/>
+          <a:stretch>
+            <a:fillRect/>
+          </a:stretch>
+        </p:blipFill>
+        <p:spPr bwMode="auto">
+          <a:xfrm>
+            <a:off x="2756270" y="2445355"/>
+            <a:ext cx="1405372" cy="306786"/>
+          </a:xfrm>
+          <a:prstGeom prst="rect">
+            <a:avLst/>
+          </a:prstGeom>
+          <a:noFill/>
+          <a:extLst>
+            <a:ext uri="{909E8E84-426E-40DD-AFC4-6F175D3DCCD1}">
+              <a14:hiddenFill xmlns:a14="http://schemas.microsoft.com/office/drawing/2010/main">
+                <a:solidFill>
+                  <a:srgbClr val="FFFFFF"/>
+                </a:solidFill>
+              </a14:hiddenFill>
+            </a:ext>
+          </a:extLst>
+        </p:spPr>
+      </p:pic>
+      <p:cxnSp>
+        <p:nvCxnSpPr>
+          <p:cNvPr id="10" name="Straight Arrow Connector 9">
+            <a:extLst>
+              <a:ext uri="{FF2B5EF4-FFF2-40B4-BE49-F238E27FC236}">
+                <a16:creationId xmlns:a16="http://schemas.microsoft.com/office/drawing/2014/main" id="{EE1F1F75-5837-45B1-87A1-676CAFC3E948}"/>
+              </a:ext>
+            </a:extLst>
+          </p:cNvPr>
+          <p:cNvCxnSpPr>
+            <a:cxnSpLocks/>
+            <a:stCxn id="9" idx="3"/>
+            <a:endCxn id="7" idx="1"/>
+          </p:cNvCxnSpPr>
+          <p:nvPr/>
+        </p:nvCxnSpPr>
+        <p:spPr>
+          <a:xfrm flipV="1">
+            <a:off x="4161642" y="2588342"/>
+            <a:ext cx="467812" cy="10406"/>
+          </a:xfrm>
+          <a:prstGeom prst="straightConnector1">
+            <a:avLst/>
+          </a:prstGeom>
+          <a:ln w="28575">
+            <a:solidFill>
+              <a:srgbClr val="002060"/>
+            </a:solidFill>
+            <a:tailEnd type="triangle"/>
+          </a:ln>
+        </p:spPr>
+        <p:style>
+          <a:lnRef idx="1">
+            <a:schemeClr val="accent1"/>
+          </a:lnRef>
+          <a:fillRef idx="0">
+            <a:schemeClr val="accent1"/>
+          </a:fillRef>
+          <a:effectRef idx="0">
+            <a:schemeClr val="accent1"/>
+          </a:effectRef>
+          <a:fontRef idx="minor">
+            <a:schemeClr val="tx1"/>
+          </a:fontRef>
+        </p:style>
+      </p:cxnSp>
+      <p:sp>
+        <p:nvSpPr>
+          <p:cNvPr id="15" name="Rectangle 14">
+            <a:extLst>
+              <a:ext uri="{FF2B5EF4-FFF2-40B4-BE49-F238E27FC236}">
+                <a16:creationId xmlns:a16="http://schemas.microsoft.com/office/drawing/2014/main" id="{2B3573DC-8500-4E9B-B25A-82D44DEFCF1D}"/>
+              </a:ext>
+            </a:extLst>
+          </p:cNvPr>
+          <p:cNvSpPr/>
+          <p:nvPr/>
+        </p:nvSpPr>
+        <p:spPr>
+          <a:xfrm>
+            <a:off x="585202" y="2346748"/>
+            <a:ext cx="1728000" cy="504000"/>
+          </a:xfrm>
+          <a:prstGeom prst="rect">
+            <a:avLst/>
+          </a:prstGeom>
+          <a:noFill/>
+          <a:ln>
+            <a:solidFill>
+              <a:schemeClr val="tx1"/>
+            </a:solidFill>
+          </a:ln>
+        </p:spPr>
+        <p:style>
+          <a:lnRef idx="2">
+            <a:schemeClr val="accent1">
+              <a:shade val="50000"/>
+            </a:schemeClr>
+          </a:lnRef>
+          <a:fillRef idx="1">
+            <a:schemeClr val="accent1"/>
+          </a:fillRef>
+          <a:effectRef idx="0">
+            <a:schemeClr val="accent1"/>
+          </a:effectRef>
+          <a:fontRef idx="minor">
+            <a:schemeClr val="lt1"/>
+          </a:fontRef>
+        </p:style>
+        <p:txBody>
+          <a:bodyPr rtlCol="0" anchor="ctr"/>
+          <a:lstStyle/>
+          <a:p>
+            <a:r>
+              <a:rPr lang="en-US" sz="1100" b="1" dirty="0">
+                <a:solidFill>
+                  <a:srgbClr val="212121"/>
+                </a:solidFill>
+                <a:latin typeface="Tahoma" panose="020B0604030504040204" pitchFamily="34" charset="0"/>
+                <a:ea typeface="Tahoma" panose="020B0604030504040204" pitchFamily="34" charset="0"/>
+                <a:cs typeface="Tahoma" panose="020B0604030504040204" pitchFamily="34" charset="0"/>
+              </a:rPr>
+              <a:t>Input</a:t>
+            </a:r>
+            <a:endParaRPr lang="en-US" sz="1100" b="1" i="0" dirty="0">
+              <a:solidFill>
+                <a:srgbClr val="212121"/>
+              </a:solidFill>
+              <a:effectLst/>
+              <a:latin typeface="Tahoma" panose="020B0604030504040204" pitchFamily="34" charset="0"/>
+              <a:ea typeface="Tahoma" panose="020B0604030504040204" pitchFamily="34" charset="0"/>
+              <a:cs typeface="Tahoma" panose="020B0604030504040204" pitchFamily="34" charset="0"/>
+            </a:endParaRPr>
+          </a:p>
+          <a:p>
+            <a:pPr marL="171450" indent="-171450">
+              <a:buFont typeface="Arial" panose="020B0604020202020204" pitchFamily="34" charset="0"/>
+              <a:buChar char="•"/>
+            </a:pPr>
+            <a:r>
+              <a:rPr lang="en-US" sz="1100" i="0" dirty="0">
+                <a:solidFill>
+                  <a:srgbClr val="212121"/>
+                </a:solidFill>
+                <a:effectLst/>
+                <a:latin typeface="Tahoma" panose="020B0604030504040204" pitchFamily="34" charset="0"/>
+                <a:ea typeface="Tahoma" panose="020B0604030504040204" pitchFamily="34" charset="0"/>
+                <a:cs typeface="Tahoma" panose="020B0604030504040204" pitchFamily="34" charset="0"/>
+              </a:rPr>
+              <a:t>Lat, </a:t>
+            </a:r>
+            <a:r>
+              <a:rPr lang="en-US" sz="1100" dirty="0" err="1">
+                <a:solidFill>
+                  <a:srgbClr val="212121"/>
+                </a:solidFill>
+                <a:latin typeface="Tahoma" panose="020B0604030504040204" pitchFamily="34" charset="0"/>
+                <a:ea typeface="Tahoma" panose="020B0604030504040204" pitchFamily="34" charset="0"/>
+                <a:cs typeface="Tahoma" panose="020B0604030504040204" pitchFamily="34" charset="0"/>
+              </a:rPr>
+              <a:t>lon</a:t>
+            </a:r>
+            <a:endParaRPr lang="en-US" sz="1100" dirty="0">
+              <a:solidFill>
+                <a:srgbClr val="212121"/>
+              </a:solidFill>
+              <a:latin typeface="Tahoma" panose="020B0604030504040204" pitchFamily="34" charset="0"/>
+              <a:ea typeface="Tahoma" panose="020B0604030504040204" pitchFamily="34" charset="0"/>
+              <a:cs typeface="Tahoma" panose="020B0604030504040204" pitchFamily="34" charset="0"/>
+            </a:endParaRPr>
+          </a:p>
+        </p:txBody>
+      </p:sp>
+      <p:cxnSp>
+        <p:nvCxnSpPr>
+          <p:cNvPr id="16" name="Straight Arrow Connector 15">
+            <a:extLst>
+              <a:ext uri="{FF2B5EF4-FFF2-40B4-BE49-F238E27FC236}">
+                <a16:creationId xmlns:a16="http://schemas.microsoft.com/office/drawing/2014/main" id="{58DA0889-2A90-4CEA-8E01-ACAA94895494}"/>
+              </a:ext>
+            </a:extLst>
+          </p:cNvPr>
+          <p:cNvCxnSpPr>
+            <a:cxnSpLocks/>
+            <a:stCxn id="15" idx="3"/>
+            <a:endCxn id="9" idx="1"/>
+          </p:cNvCxnSpPr>
+          <p:nvPr/>
+        </p:nvCxnSpPr>
+        <p:spPr>
+          <a:xfrm>
+            <a:off x="2313202" y="2598748"/>
+            <a:ext cx="443068" cy="0"/>
+          </a:xfrm>
+          <a:prstGeom prst="straightConnector1">
+            <a:avLst/>
+          </a:prstGeom>
+          <a:ln w="28575">
+            <a:solidFill>
+              <a:srgbClr val="002060"/>
+            </a:solidFill>
+            <a:tailEnd type="triangle"/>
+          </a:ln>
+        </p:spPr>
+        <p:style>
+          <a:lnRef idx="1">
+            <a:schemeClr val="accent1"/>
+          </a:lnRef>
+          <a:fillRef idx="0">
+            <a:schemeClr val="accent1"/>
+          </a:fillRef>
+          <a:effectRef idx="0">
+            <a:schemeClr val="accent1"/>
+          </a:effectRef>
+          <a:fontRef idx="minor">
+            <a:schemeClr val="tx1"/>
+          </a:fontRef>
+        </p:style>
+      </p:cxnSp>
+      <p:sp>
+        <p:nvSpPr>
+          <p:cNvPr id="21" name="Rectangle 20">
+            <a:extLst>
+              <a:ext uri="{FF2B5EF4-FFF2-40B4-BE49-F238E27FC236}">
+                <a16:creationId xmlns:a16="http://schemas.microsoft.com/office/drawing/2014/main" id="{85B0658E-C95C-4CD5-B962-E2AFE27774F0}"/>
+              </a:ext>
+            </a:extLst>
+          </p:cNvPr>
+          <p:cNvSpPr/>
+          <p:nvPr/>
+        </p:nvSpPr>
+        <p:spPr>
+          <a:xfrm>
+            <a:off x="585202" y="3471345"/>
+            <a:ext cx="1728000" cy="755828"/>
+          </a:xfrm>
+          <a:prstGeom prst="rect">
+            <a:avLst/>
+          </a:prstGeom>
+          <a:noFill/>
+          <a:ln>
+            <a:solidFill>
+              <a:schemeClr val="tx1"/>
+            </a:solidFill>
+          </a:ln>
+        </p:spPr>
+        <p:style>
+          <a:lnRef idx="2">
+            <a:schemeClr val="accent1">
+              <a:shade val="50000"/>
+            </a:schemeClr>
+          </a:lnRef>
+          <a:fillRef idx="1">
+            <a:schemeClr val="accent1"/>
+          </a:fillRef>
+          <a:effectRef idx="0">
+            <a:schemeClr val="accent1"/>
+          </a:effectRef>
+          <a:fontRef idx="minor">
+            <a:schemeClr val="lt1"/>
+          </a:fontRef>
+        </p:style>
+        <p:txBody>
+          <a:bodyPr rtlCol="0" anchor="ctr"/>
+          <a:lstStyle/>
+          <a:p>
+            <a:r>
+              <a:rPr lang="en-US" sz="1100" b="1" dirty="0">
+                <a:solidFill>
+                  <a:srgbClr val="212121"/>
+                </a:solidFill>
+                <a:latin typeface="Tahoma" panose="020B0604030504040204" pitchFamily="34" charset="0"/>
+                <a:ea typeface="Tahoma" panose="020B0604030504040204" pitchFamily="34" charset="0"/>
+                <a:cs typeface="Tahoma" panose="020B0604030504040204" pitchFamily="34" charset="0"/>
+              </a:rPr>
+              <a:t>Input</a:t>
+            </a:r>
+            <a:endParaRPr lang="en-US" sz="1100" b="1" i="0" dirty="0">
+              <a:solidFill>
+                <a:srgbClr val="212121"/>
+              </a:solidFill>
+              <a:effectLst/>
+              <a:latin typeface="Tahoma" panose="020B0604030504040204" pitchFamily="34" charset="0"/>
+              <a:ea typeface="Tahoma" panose="020B0604030504040204" pitchFamily="34" charset="0"/>
+              <a:cs typeface="Tahoma" panose="020B0604030504040204" pitchFamily="34" charset="0"/>
+            </a:endParaRPr>
+          </a:p>
+          <a:p>
+            <a:pPr marL="171450" indent="-171450">
+              <a:buFont typeface="Arial" panose="020B0604020202020204" pitchFamily="34" charset="0"/>
+              <a:buChar char="•"/>
+            </a:pPr>
+            <a:r>
+              <a:rPr lang="en-US" sz="1100" i="0" dirty="0">
+                <a:solidFill>
+                  <a:srgbClr val="212121"/>
+                </a:solidFill>
+                <a:effectLst/>
+                <a:latin typeface="Tahoma" panose="020B0604030504040204" pitchFamily="34" charset="0"/>
+                <a:ea typeface="Tahoma" panose="020B0604030504040204" pitchFamily="34" charset="0"/>
+                <a:cs typeface="Tahoma" panose="020B0604030504040204" pitchFamily="34" charset="0"/>
+              </a:rPr>
+              <a:t>Station</a:t>
+            </a:r>
+          </a:p>
+          <a:p>
+            <a:pPr marL="171450" indent="-171450">
+              <a:buFont typeface="Arial" panose="020B0604020202020204" pitchFamily="34" charset="0"/>
+              <a:buChar char="•"/>
+            </a:pPr>
+            <a:r>
+              <a:rPr lang="en-US" sz="1100" dirty="0">
+                <a:solidFill>
+                  <a:srgbClr val="212121"/>
+                </a:solidFill>
+                <a:latin typeface="Tahoma" panose="020B0604030504040204" pitchFamily="34" charset="0"/>
+                <a:ea typeface="Tahoma" panose="020B0604030504040204" pitchFamily="34" charset="0"/>
+                <a:cs typeface="Tahoma" panose="020B0604030504040204" pitchFamily="34" charset="0"/>
+              </a:rPr>
+              <a:t>Start date</a:t>
+            </a:r>
+          </a:p>
+          <a:p>
+            <a:pPr marL="171450" indent="-171450">
+              <a:buFont typeface="Arial" panose="020B0604020202020204" pitchFamily="34" charset="0"/>
+              <a:buChar char="•"/>
+            </a:pPr>
+            <a:r>
+              <a:rPr lang="en-US" sz="1100" dirty="0">
+                <a:solidFill>
+                  <a:srgbClr val="212121"/>
+                </a:solidFill>
+                <a:latin typeface="Tahoma" panose="020B0604030504040204" pitchFamily="34" charset="0"/>
+                <a:ea typeface="Tahoma" panose="020B0604030504040204" pitchFamily="34" charset="0"/>
+                <a:cs typeface="Tahoma" panose="020B0604030504040204" pitchFamily="34" charset="0"/>
+              </a:rPr>
+              <a:t>End date</a:t>
+            </a:r>
+          </a:p>
+        </p:txBody>
+      </p:sp>
+      <p:pic>
+        <p:nvPicPr>
+          <p:cNvPr id="24" name="Picture 4" descr="Meteonorm - Top Competitors &amp; Alternatives | Datarade">
+            <a:extLst>
+              <a:ext uri="{FF2B5EF4-FFF2-40B4-BE49-F238E27FC236}">
+                <a16:creationId xmlns:a16="http://schemas.microsoft.com/office/drawing/2014/main" id="{41C5460B-5B2D-4EE6-86BA-8E251FB04828}"/>
+              </a:ext>
+            </a:extLst>
+          </p:cNvPr>
+          <p:cNvPicPr>
+            <a:picLocks noChangeAspect="1" noChangeArrowheads="1"/>
+          </p:cNvPicPr>
+          <p:nvPr/>
+        </p:nvPicPr>
+        <p:blipFill>
+          <a:blip r:embed="rId2">
+            <a:extLst>
+              <a:ext uri="{28A0092B-C50C-407E-A947-70E740481C1C}">
+                <a14:useLocalDpi xmlns:a14="http://schemas.microsoft.com/office/drawing/2010/main" val="0"/>
+              </a:ext>
+            </a:extLst>
+          </a:blip>
+          <a:srcRect/>
+          <a:stretch>
+            <a:fillRect/>
+          </a:stretch>
+        </p:blipFill>
+        <p:spPr bwMode="auto">
+          <a:xfrm>
+            <a:off x="2756270" y="3695866"/>
+            <a:ext cx="1405372" cy="306786"/>
+          </a:xfrm>
+          <a:prstGeom prst="rect">
+            <a:avLst/>
+          </a:prstGeom>
+          <a:noFill/>
+          <a:extLst>
+            <a:ext uri="{909E8E84-426E-40DD-AFC4-6F175D3DCCD1}">
+              <a14:hiddenFill xmlns:a14="http://schemas.microsoft.com/office/drawing/2010/main">
+                <a:solidFill>
+                  <a:srgbClr val="FFFFFF"/>
+                </a:solidFill>
+              </a14:hiddenFill>
+            </a:ext>
+          </a:extLst>
+        </p:spPr>
+      </p:pic>
+      <p:cxnSp>
+        <p:nvCxnSpPr>
+          <p:cNvPr id="25" name="Straight Arrow Connector 24">
+            <a:extLst>
+              <a:ext uri="{FF2B5EF4-FFF2-40B4-BE49-F238E27FC236}">
+                <a16:creationId xmlns:a16="http://schemas.microsoft.com/office/drawing/2014/main" id="{915D1FC0-E895-4085-B247-B0055944D02F}"/>
+              </a:ext>
+            </a:extLst>
+          </p:cNvPr>
+          <p:cNvCxnSpPr>
+            <a:cxnSpLocks/>
+            <a:stCxn id="21" idx="3"/>
+            <a:endCxn id="24" idx="1"/>
+          </p:cNvCxnSpPr>
+          <p:nvPr/>
+        </p:nvCxnSpPr>
+        <p:spPr>
+          <a:xfrm>
+            <a:off x="2313202" y="3849259"/>
+            <a:ext cx="443068" cy="0"/>
+          </a:xfrm>
+          <a:prstGeom prst="straightConnector1">
+            <a:avLst/>
+          </a:prstGeom>
+          <a:ln w="28575">
+            <a:solidFill>
+              <a:srgbClr val="002060"/>
+            </a:solidFill>
+            <a:tailEnd type="triangle"/>
+          </a:ln>
+        </p:spPr>
+        <p:style>
+          <a:lnRef idx="1">
+            <a:schemeClr val="accent1"/>
+          </a:lnRef>
+          <a:fillRef idx="0">
+            <a:schemeClr val="accent1"/>
+          </a:fillRef>
+          <a:effectRef idx="0">
+            <a:schemeClr val="accent1"/>
+          </a:effectRef>
+          <a:fontRef idx="minor">
+            <a:schemeClr val="tx1"/>
+          </a:fontRef>
+        </p:style>
+      </p:cxnSp>
+      <p:sp>
+        <p:nvSpPr>
+          <p:cNvPr id="30" name="Rectangle 29">
+            <a:extLst>
+              <a:ext uri="{FF2B5EF4-FFF2-40B4-BE49-F238E27FC236}">
+                <a16:creationId xmlns:a16="http://schemas.microsoft.com/office/drawing/2014/main" id="{E5324A3B-BBC3-4C2F-ACFB-9E9A5B18E14E}"/>
+              </a:ext>
+            </a:extLst>
+          </p:cNvPr>
+          <p:cNvSpPr/>
+          <p:nvPr/>
+        </p:nvSpPr>
+        <p:spPr>
+          <a:xfrm>
+            <a:off x="4629454" y="3435259"/>
+            <a:ext cx="3194815" cy="828000"/>
+          </a:xfrm>
+          <a:prstGeom prst="rect">
+            <a:avLst/>
+          </a:prstGeom>
+          <a:noFill/>
+          <a:ln>
+            <a:solidFill>
+              <a:schemeClr val="tx1"/>
+            </a:solidFill>
+          </a:ln>
+        </p:spPr>
+        <p:style>
+          <a:lnRef idx="2">
+            <a:schemeClr val="accent1">
+              <a:shade val="50000"/>
+            </a:schemeClr>
+          </a:lnRef>
+          <a:fillRef idx="1">
+            <a:schemeClr val="accent1"/>
+          </a:fillRef>
+          <a:effectRef idx="0">
+            <a:schemeClr val="accent1"/>
+          </a:effectRef>
+          <a:fontRef idx="minor">
+            <a:schemeClr val="lt1"/>
+          </a:fontRef>
+        </p:style>
+        <p:txBody>
+          <a:bodyPr rtlCol="0" anchor="ctr"/>
+          <a:lstStyle/>
+          <a:p>
+            <a:r>
+              <a:rPr lang="en-US" sz="1100" b="1" dirty="0">
+                <a:solidFill>
+                  <a:srgbClr val="212121"/>
+                </a:solidFill>
+                <a:latin typeface="Tahoma" panose="020B0604030504040204" pitchFamily="34" charset="0"/>
+                <a:ea typeface="Tahoma" panose="020B0604030504040204" pitchFamily="34" charset="0"/>
+                <a:cs typeface="Tahoma" panose="020B0604030504040204" pitchFamily="34" charset="0"/>
+              </a:rPr>
+              <a:t>Historical data </a:t>
+            </a:r>
+          </a:p>
+          <a:p>
+            <a:r>
+              <a:rPr lang="en-US" sz="1000" dirty="0">
+                <a:solidFill>
+                  <a:srgbClr val="212121"/>
+                </a:solidFill>
+                <a:latin typeface="Tahoma" panose="020B0604030504040204" pitchFamily="34" charset="0"/>
+                <a:ea typeface="Tahoma" panose="020B0604030504040204" pitchFamily="34" charset="0"/>
+                <a:cs typeface="Tahoma" panose="020B0604030504040204" pitchFamily="34" charset="0"/>
+              </a:rPr>
+              <a:t>*actual data from station</a:t>
+            </a:r>
+            <a:endParaRPr lang="en-US" sz="1000" i="0" dirty="0">
+              <a:solidFill>
+                <a:srgbClr val="212121"/>
+              </a:solidFill>
+              <a:effectLst/>
+              <a:latin typeface="Tahoma" panose="020B0604030504040204" pitchFamily="34" charset="0"/>
+              <a:ea typeface="Tahoma" panose="020B0604030504040204" pitchFamily="34" charset="0"/>
+              <a:cs typeface="Tahoma" panose="020B0604030504040204" pitchFamily="34" charset="0"/>
+            </a:endParaRPr>
+          </a:p>
+          <a:p>
+            <a:pPr marL="171450" indent="-171450">
+              <a:buFont typeface="Arial" panose="020B0604020202020204" pitchFamily="34" charset="0"/>
+              <a:buChar char="•"/>
+            </a:pPr>
+            <a:r>
+              <a:rPr lang="en-US" sz="1100" i="0" dirty="0">
+                <a:solidFill>
+                  <a:srgbClr val="212121"/>
+                </a:solidFill>
+                <a:effectLst/>
+                <a:latin typeface="Tahoma" panose="020B0604030504040204" pitchFamily="34" charset="0"/>
+                <a:ea typeface="Tahoma" panose="020B0604030504040204" pitchFamily="34" charset="0"/>
+                <a:cs typeface="Tahoma" panose="020B0604030504040204" pitchFamily="34" charset="0"/>
+              </a:rPr>
+              <a:t>Temp, </a:t>
+            </a:r>
+            <a:r>
+              <a:rPr lang="en-US" sz="1100" dirty="0">
+                <a:solidFill>
+                  <a:srgbClr val="212121"/>
+                </a:solidFill>
+                <a:latin typeface="Tahoma" panose="020B0604030504040204" pitchFamily="34" charset="0"/>
+                <a:ea typeface="Tahoma" panose="020B0604030504040204" pitchFamily="34" charset="0"/>
+                <a:cs typeface="Tahoma" panose="020B0604030504040204" pitchFamily="34" charset="0"/>
+              </a:rPr>
+              <a:t>Rh</a:t>
+            </a:r>
+          </a:p>
+          <a:p>
+            <a:pPr marL="171450" indent="-171450">
+              <a:buFont typeface="Arial" panose="020B0604020202020204" pitchFamily="34" charset="0"/>
+              <a:buChar char="•"/>
+            </a:pPr>
+            <a:r>
+              <a:rPr lang="en-US" sz="1100" i="0" dirty="0">
+                <a:solidFill>
+                  <a:srgbClr val="212121"/>
+                </a:solidFill>
+                <a:effectLst/>
+                <a:latin typeface="Tahoma" panose="020B0604030504040204" pitchFamily="34" charset="0"/>
+                <a:ea typeface="Tahoma" panose="020B0604030504040204" pitchFamily="34" charset="0"/>
+                <a:cs typeface="Tahoma" panose="020B0604030504040204" pitchFamily="34" charset="0"/>
+              </a:rPr>
+              <a:t>Hourly</a:t>
+            </a:r>
+          </a:p>
+        </p:txBody>
+      </p:sp>
+      <p:cxnSp>
+        <p:nvCxnSpPr>
+          <p:cNvPr id="31" name="Straight Arrow Connector 30">
+            <a:extLst>
+              <a:ext uri="{FF2B5EF4-FFF2-40B4-BE49-F238E27FC236}">
+                <a16:creationId xmlns:a16="http://schemas.microsoft.com/office/drawing/2014/main" id="{9AD44729-9A9D-46AE-AB8D-4D30972AA88F}"/>
+              </a:ext>
+            </a:extLst>
+          </p:cNvPr>
+          <p:cNvCxnSpPr>
+            <a:cxnSpLocks/>
+            <a:stCxn id="24" idx="3"/>
+            <a:endCxn id="30" idx="1"/>
+          </p:cNvCxnSpPr>
+          <p:nvPr/>
+        </p:nvCxnSpPr>
+        <p:spPr>
+          <a:xfrm>
+            <a:off x="4161642" y="3849259"/>
+            <a:ext cx="467812" cy="0"/>
+          </a:xfrm>
+          <a:prstGeom prst="straightConnector1">
+            <a:avLst/>
+          </a:prstGeom>
+          <a:ln w="28575">
+            <a:solidFill>
+              <a:srgbClr val="002060"/>
+            </a:solidFill>
+            <a:tailEnd type="triangle"/>
+          </a:ln>
+        </p:spPr>
+        <p:style>
+          <a:lnRef idx="1">
+            <a:schemeClr val="accent1"/>
+          </a:lnRef>
+          <a:fillRef idx="0">
+            <a:schemeClr val="accent1"/>
+          </a:fillRef>
+          <a:effectRef idx="0">
+            <a:schemeClr val="accent1"/>
+          </a:effectRef>
+          <a:fontRef idx="minor">
+            <a:schemeClr val="tx1"/>
+          </a:fontRef>
+        </p:style>
+      </p:cxnSp>
+      <p:cxnSp>
+        <p:nvCxnSpPr>
+          <p:cNvPr id="34" name="Straight Arrow Connector 33">
+            <a:extLst>
+              <a:ext uri="{FF2B5EF4-FFF2-40B4-BE49-F238E27FC236}">
+                <a16:creationId xmlns:a16="http://schemas.microsoft.com/office/drawing/2014/main" id="{8C313FC9-09B8-412B-9F4F-6BAECE3D9F70}"/>
+              </a:ext>
+            </a:extLst>
+          </p:cNvPr>
+          <p:cNvCxnSpPr>
+            <a:cxnSpLocks/>
+            <a:stCxn id="7" idx="3"/>
+            <a:endCxn id="8" idx="1"/>
+          </p:cNvCxnSpPr>
+          <p:nvPr/>
+        </p:nvCxnSpPr>
+        <p:spPr>
+          <a:xfrm flipV="1">
+            <a:off x="7824269" y="2588341"/>
+            <a:ext cx="467812" cy="1"/>
+          </a:xfrm>
+          <a:prstGeom prst="straightConnector1">
+            <a:avLst/>
+          </a:prstGeom>
+          <a:ln w="28575">
+            <a:solidFill>
+              <a:srgbClr val="002060"/>
+            </a:solidFill>
+            <a:tailEnd type="triangle"/>
+          </a:ln>
+        </p:spPr>
+        <p:style>
+          <a:lnRef idx="1">
+            <a:schemeClr val="accent1"/>
+          </a:lnRef>
+          <a:fillRef idx="0">
+            <a:schemeClr val="accent1"/>
+          </a:fillRef>
+          <a:effectRef idx="0">
+            <a:schemeClr val="accent1"/>
+          </a:effectRef>
+          <a:fontRef idx="minor">
+            <a:schemeClr val="tx1"/>
+          </a:fontRef>
+        </p:style>
+      </p:cxnSp>
+      <p:sp>
+        <p:nvSpPr>
+          <p:cNvPr id="39" name="Rectangle 38">
+            <a:extLst>
+              <a:ext uri="{FF2B5EF4-FFF2-40B4-BE49-F238E27FC236}">
+                <a16:creationId xmlns:a16="http://schemas.microsoft.com/office/drawing/2014/main" id="{6DD62366-C57C-4AF0-870C-66E9909FDD77}"/>
+              </a:ext>
+            </a:extLst>
+          </p:cNvPr>
+          <p:cNvSpPr/>
+          <p:nvPr/>
+        </p:nvSpPr>
+        <p:spPr>
+          <a:xfrm>
+            <a:off x="609946" y="5074283"/>
+            <a:ext cx="1728000" cy="504000"/>
+          </a:xfrm>
+          <a:prstGeom prst="rect">
+            <a:avLst/>
+          </a:prstGeom>
+          <a:noFill/>
+          <a:ln>
+            <a:solidFill>
+              <a:schemeClr val="tx1"/>
+            </a:solidFill>
+          </a:ln>
+        </p:spPr>
+        <p:style>
+          <a:lnRef idx="2">
+            <a:schemeClr val="accent1">
+              <a:shade val="50000"/>
+            </a:schemeClr>
+          </a:lnRef>
+          <a:fillRef idx="1">
+            <a:schemeClr val="accent1"/>
+          </a:fillRef>
+          <a:effectRef idx="0">
+            <a:schemeClr val="accent1"/>
+          </a:effectRef>
+          <a:fontRef idx="minor">
+            <a:schemeClr val="lt1"/>
+          </a:fontRef>
+        </p:style>
+        <p:txBody>
+          <a:bodyPr rtlCol="0" anchor="ctr"/>
+          <a:lstStyle/>
+          <a:p>
+            <a:r>
+              <a:rPr lang="en-US" sz="1100" b="1" dirty="0">
+                <a:solidFill>
+                  <a:srgbClr val="212121"/>
+                </a:solidFill>
+                <a:latin typeface="Tahoma" panose="020B0604030504040204" pitchFamily="34" charset="0"/>
+                <a:ea typeface="Tahoma" panose="020B0604030504040204" pitchFamily="34" charset="0"/>
+                <a:cs typeface="Tahoma" panose="020B0604030504040204" pitchFamily="34" charset="0"/>
+              </a:rPr>
+              <a:t>Input</a:t>
+            </a:r>
+            <a:endParaRPr lang="en-US" sz="1100" b="1" i="0" dirty="0">
+              <a:solidFill>
+                <a:srgbClr val="212121"/>
+              </a:solidFill>
+              <a:effectLst/>
+              <a:latin typeface="Tahoma" panose="020B0604030504040204" pitchFamily="34" charset="0"/>
+              <a:ea typeface="Tahoma" panose="020B0604030504040204" pitchFamily="34" charset="0"/>
+              <a:cs typeface="Tahoma" panose="020B0604030504040204" pitchFamily="34" charset="0"/>
+            </a:endParaRPr>
+          </a:p>
+          <a:p>
+            <a:pPr marL="171450" indent="-171450">
+              <a:buFont typeface="Arial" panose="020B0604020202020204" pitchFamily="34" charset="0"/>
+              <a:buChar char="•"/>
+            </a:pPr>
+            <a:r>
+              <a:rPr lang="en-US" sz="1100" i="0" dirty="0">
+                <a:solidFill>
+                  <a:srgbClr val="212121"/>
+                </a:solidFill>
+                <a:effectLst/>
+                <a:latin typeface="Tahoma" panose="020B0604030504040204" pitchFamily="34" charset="0"/>
+                <a:ea typeface="Tahoma" panose="020B0604030504040204" pitchFamily="34" charset="0"/>
+                <a:cs typeface="Tahoma" panose="020B0604030504040204" pitchFamily="34" charset="0"/>
+              </a:rPr>
+              <a:t>Lat, </a:t>
+            </a:r>
+            <a:r>
+              <a:rPr lang="en-US" sz="1100" dirty="0" err="1">
+                <a:solidFill>
+                  <a:srgbClr val="212121"/>
+                </a:solidFill>
+                <a:latin typeface="Tahoma" panose="020B0604030504040204" pitchFamily="34" charset="0"/>
+                <a:ea typeface="Tahoma" panose="020B0604030504040204" pitchFamily="34" charset="0"/>
+                <a:cs typeface="Tahoma" panose="020B0604030504040204" pitchFamily="34" charset="0"/>
+              </a:rPr>
+              <a:t>lon</a:t>
+            </a:r>
+            <a:endParaRPr lang="en-US" sz="1100" dirty="0">
+              <a:solidFill>
+                <a:srgbClr val="212121"/>
+              </a:solidFill>
+              <a:latin typeface="Tahoma" panose="020B0604030504040204" pitchFamily="34" charset="0"/>
+              <a:ea typeface="Tahoma" panose="020B0604030504040204" pitchFamily="34" charset="0"/>
+              <a:cs typeface="Tahoma" panose="020B0604030504040204" pitchFamily="34" charset="0"/>
+            </a:endParaRPr>
+          </a:p>
+          <a:p>
+            <a:pPr marL="171450" indent="-171450">
+              <a:buFont typeface="Arial" panose="020B0604020202020204" pitchFamily="34" charset="0"/>
+              <a:buChar char="•"/>
+            </a:pPr>
+            <a:r>
+              <a:rPr lang="en-US" sz="1100" i="0" dirty="0">
+                <a:solidFill>
+                  <a:srgbClr val="212121"/>
+                </a:solidFill>
+                <a:effectLst/>
+                <a:latin typeface="Tahoma" panose="020B0604030504040204" pitchFamily="34" charset="0"/>
+                <a:ea typeface="Tahoma" panose="020B0604030504040204" pitchFamily="34" charset="0"/>
+                <a:cs typeface="Tahoma" panose="020B0604030504040204" pitchFamily="34" charset="0"/>
+              </a:rPr>
+              <a:t>Start dat</a:t>
+            </a:r>
+            <a:r>
+              <a:rPr lang="en-US" sz="1100" dirty="0">
+                <a:solidFill>
+                  <a:srgbClr val="212121"/>
+                </a:solidFill>
+                <a:latin typeface="Tahoma" panose="020B0604030504040204" pitchFamily="34" charset="0"/>
+                <a:ea typeface="Tahoma" panose="020B0604030504040204" pitchFamily="34" charset="0"/>
+                <a:cs typeface="Tahoma" panose="020B0604030504040204" pitchFamily="34" charset="0"/>
+              </a:rPr>
+              <a:t>e to End date</a:t>
+            </a:r>
+            <a:endParaRPr lang="en-US" sz="1100" i="0" dirty="0">
+              <a:solidFill>
+                <a:srgbClr val="212121"/>
+              </a:solidFill>
+              <a:effectLst/>
+              <a:latin typeface="Tahoma" panose="020B0604030504040204" pitchFamily="34" charset="0"/>
+              <a:ea typeface="Tahoma" panose="020B0604030504040204" pitchFamily="34" charset="0"/>
+              <a:cs typeface="Tahoma" panose="020B0604030504040204" pitchFamily="34" charset="0"/>
+            </a:endParaRPr>
+          </a:p>
+        </p:txBody>
+      </p:sp>
+      <p:pic>
+        <p:nvPicPr>
+          <p:cNvPr id="42" name="Picture 4" descr="Meteonorm - Top Competitors &amp; Alternatives | Datarade">
+            <a:extLst>
+              <a:ext uri="{FF2B5EF4-FFF2-40B4-BE49-F238E27FC236}">
+                <a16:creationId xmlns:a16="http://schemas.microsoft.com/office/drawing/2014/main" id="{B9A4A42E-E759-4936-8CB7-E449335A01B3}"/>
+              </a:ext>
+            </a:extLst>
+          </p:cNvPr>
+          <p:cNvPicPr>
+            <a:picLocks noChangeAspect="1" noChangeArrowheads="1"/>
+          </p:cNvPicPr>
+          <p:nvPr/>
+        </p:nvPicPr>
+        <p:blipFill>
+          <a:blip r:embed="rId2">
+            <a:extLst>
+              <a:ext uri="{28A0092B-C50C-407E-A947-70E740481C1C}">
+                <a14:useLocalDpi xmlns:a14="http://schemas.microsoft.com/office/drawing/2010/main" val="0"/>
+              </a:ext>
+            </a:extLst>
+          </a:blip>
+          <a:srcRect/>
+          <a:stretch>
+            <a:fillRect/>
+          </a:stretch>
+        </p:blipFill>
+        <p:spPr bwMode="auto">
+          <a:xfrm>
+            <a:off x="2781014" y="5172890"/>
+            <a:ext cx="1405372" cy="306786"/>
+          </a:xfrm>
+          <a:prstGeom prst="rect">
+            <a:avLst/>
+          </a:prstGeom>
+          <a:noFill/>
+          <a:extLst>
+            <a:ext uri="{909E8E84-426E-40DD-AFC4-6F175D3DCCD1}">
+              <a14:hiddenFill xmlns:a14="http://schemas.microsoft.com/office/drawing/2010/main">
+                <a:solidFill>
+                  <a:srgbClr val="FFFFFF"/>
+                </a:solidFill>
+              </a14:hiddenFill>
+            </a:ext>
+          </a:extLst>
+        </p:spPr>
+      </p:pic>
+      <p:cxnSp>
+        <p:nvCxnSpPr>
+          <p:cNvPr id="43" name="Straight Arrow Connector 42">
+            <a:extLst>
+              <a:ext uri="{FF2B5EF4-FFF2-40B4-BE49-F238E27FC236}">
+                <a16:creationId xmlns:a16="http://schemas.microsoft.com/office/drawing/2014/main" id="{85669063-4F9B-4B37-9494-DCBEC991EB01}"/>
+              </a:ext>
+            </a:extLst>
+          </p:cNvPr>
+          <p:cNvCxnSpPr>
+            <a:cxnSpLocks/>
+            <a:stCxn id="39" idx="3"/>
+            <a:endCxn id="42" idx="1"/>
+          </p:cNvCxnSpPr>
+          <p:nvPr/>
+        </p:nvCxnSpPr>
+        <p:spPr>
+          <a:xfrm>
+            <a:off x="2337946" y="5326283"/>
+            <a:ext cx="443068" cy="0"/>
+          </a:xfrm>
+          <a:prstGeom prst="straightConnector1">
+            <a:avLst/>
+          </a:prstGeom>
+          <a:ln w="28575">
+            <a:solidFill>
+              <a:srgbClr val="002060"/>
+            </a:solidFill>
+            <a:tailEnd type="triangle"/>
+          </a:ln>
+        </p:spPr>
+        <p:style>
+          <a:lnRef idx="1">
+            <a:schemeClr val="accent1"/>
+          </a:lnRef>
+          <a:fillRef idx="0">
+            <a:schemeClr val="accent1"/>
+          </a:fillRef>
+          <a:effectRef idx="0">
+            <a:schemeClr val="accent1"/>
+          </a:effectRef>
+          <a:fontRef idx="minor">
+            <a:schemeClr val="tx1"/>
+          </a:fontRef>
+        </p:style>
+      </p:cxnSp>
+      <p:sp>
+        <p:nvSpPr>
+          <p:cNvPr id="47" name="Rectangle 46">
+            <a:extLst>
+              <a:ext uri="{FF2B5EF4-FFF2-40B4-BE49-F238E27FC236}">
+                <a16:creationId xmlns:a16="http://schemas.microsoft.com/office/drawing/2014/main" id="{C31EEDEC-177A-4F81-A56E-092027E73A70}"/>
+              </a:ext>
+            </a:extLst>
+          </p:cNvPr>
+          <p:cNvSpPr/>
+          <p:nvPr/>
+        </p:nvSpPr>
+        <p:spPr>
+          <a:xfrm>
+            <a:off x="4629454" y="4912283"/>
+            <a:ext cx="3194815" cy="828000"/>
+          </a:xfrm>
+          <a:prstGeom prst="rect">
+            <a:avLst/>
+          </a:prstGeom>
+          <a:noFill/>
+          <a:ln>
+            <a:solidFill>
+              <a:schemeClr val="tx1"/>
+            </a:solidFill>
+          </a:ln>
+        </p:spPr>
+        <p:style>
+          <a:lnRef idx="2">
+            <a:schemeClr val="accent1">
+              <a:shade val="50000"/>
+            </a:schemeClr>
+          </a:lnRef>
+          <a:fillRef idx="1">
+            <a:schemeClr val="accent1"/>
+          </a:fillRef>
+          <a:effectRef idx="0">
+            <a:schemeClr val="accent1"/>
+          </a:effectRef>
+          <a:fontRef idx="minor">
+            <a:schemeClr val="lt1"/>
+          </a:fontRef>
+        </p:style>
+        <p:txBody>
+          <a:bodyPr rtlCol="0" anchor="ctr"/>
+          <a:lstStyle/>
+          <a:p>
+            <a:r>
+              <a:rPr lang="en-US" sz="1100" b="1" dirty="0">
+                <a:solidFill>
+                  <a:srgbClr val="212121"/>
+                </a:solidFill>
+                <a:latin typeface="Tahoma" panose="020B0604030504040204" pitchFamily="34" charset="0"/>
+                <a:ea typeface="Tahoma" panose="020B0604030504040204" pitchFamily="34" charset="0"/>
+                <a:cs typeface="Tahoma" panose="020B0604030504040204" pitchFamily="34" charset="0"/>
+              </a:rPr>
+              <a:t>Historical data </a:t>
+            </a:r>
+          </a:p>
+          <a:p>
+            <a:r>
+              <a:rPr lang="en-US" sz="1100" dirty="0">
+                <a:solidFill>
+                  <a:srgbClr val="212121"/>
+                </a:solidFill>
+                <a:latin typeface="Tahoma" panose="020B0604030504040204" pitchFamily="34" charset="0"/>
+                <a:ea typeface="Tahoma" panose="020B0604030504040204" pitchFamily="34" charset="0"/>
+                <a:cs typeface="Tahoma" panose="020B0604030504040204" pitchFamily="34" charset="0"/>
+              </a:rPr>
+              <a:t>* predicted data (point data)</a:t>
+            </a:r>
+          </a:p>
+          <a:p>
+            <a:pPr marL="171450" indent="-171450">
+              <a:buFont typeface="Arial" panose="020B0604020202020204" pitchFamily="34" charset="0"/>
+              <a:buChar char="•"/>
+            </a:pPr>
+            <a:r>
+              <a:rPr lang="en-US" sz="1100" i="0" dirty="0">
+                <a:solidFill>
+                  <a:srgbClr val="212121"/>
+                </a:solidFill>
+                <a:effectLst/>
+                <a:latin typeface="Tahoma" panose="020B0604030504040204" pitchFamily="34" charset="0"/>
+                <a:ea typeface="Tahoma" panose="020B0604030504040204" pitchFamily="34" charset="0"/>
+                <a:cs typeface="Tahoma" panose="020B0604030504040204" pitchFamily="34" charset="0"/>
+              </a:rPr>
+              <a:t>Temp, </a:t>
+            </a:r>
+            <a:r>
+              <a:rPr lang="en-US" sz="1100" dirty="0">
+                <a:solidFill>
+                  <a:srgbClr val="212121"/>
+                </a:solidFill>
+                <a:latin typeface="Tahoma" panose="020B0604030504040204" pitchFamily="34" charset="0"/>
+                <a:ea typeface="Tahoma" panose="020B0604030504040204" pitchFamily="34" charset="0"/>
+                <a:cs typeface="Tahoma" panose="020B0604030504040204" pitchFamily="34" charset="0"/>
+              </a:rPr>
+              <a:t>Rh</a:t>
+            </a:r>
+          </a:p>
+          <a:p>
+            <a:pPr marL="171450" indent="-171450">
+              <a:buFont typeface="Arial" panose="020B0604020202020204" pitchFamily="34" charset="0"/>
+              <a:buChar char="•"/>
+            </a:pPr>
+            <a:r>
+              <a:rPr lang="en-US" sz="1100" i="0" dirty="0">
+                <a:solidFill>
+                  <a:srgbClr val="212121"/>
+                </a:solidFill>
+                <a:effectLst/>
+                <a:latin typeface="Tahoma" panose="020B0604030504040204" pitchFamily="34" charset="0"/>
+                <a:ea typeface="Tahoma" panose="020B0604030504040204" pitchFamily="34" charset="0"/>
+                <a:cs typeface="Tahoma" panose="020B0604030504040204" pitchFamily="34" charset="0"/>
+              </a:rPr>
+              <a:t>Hourly</a:t>
+            </a:r>
+          </a:p>
+        </p:txBody>
+      </p:sp>
+      <p:cxnSp>
+        <p:nvCxnSpPr>
+          <p:cNvPr id="48" name="Straight Arrow Connector 47">
+            <a:extLst>
+              <a:ext uri="{FF2B5EF4-FFF2-40B4-BE49-F238E27FC236}">
+                <a16:creationId xmlns:a16="http://schemas.microsoft.com/office/drawing/2014/main" id="{2BCED572-3EAD-4919-BB54-D4AB3B4616E8}"/>
+              </a:ext>
+            </a:extLst>
+          </p:cNvPr>
+          <p:cNvCxnSpPr>
+            <a:cxnSpLocks/>
+            <a:stCxn id="42" idx="3"/>
+            <a:endCxn id="47" idx="1"/>
+          </p:cNvCxnSpPr>
+          <p:nvPr/>
+        </p:nvCxnSpPr>
+        <p:spPr>
+          <a:xfrm>
+            <a:off x="4186386" y="5326283"/>
+            <a:ext cx="443068" cy="0"/>
+          </a:xfrm>
+          <a:prstGeom prst="straightConnector1">
+            <a:avLst/>
+          </a:prstGeom>
+          <a:ln w="28575">
+            <a:solidFill>
+              <a:srgbClr val="002060"/>
+            </a:solidFill>
+            <a:tailEnd type="triangle"/>
+          </a:ln>
+        </p:spPr>
+        <p:style>
+          <a:lnRef idx="1">
+            <a:schemeClr val="accent1"/>
+          </a:lnRef>
+          <a:fillRef idx="0">
+            <a:schemeClr val="accent1"/>
+          </a:fillRef>
+          <a:effectRef idx="0">
+            <a:schemeClr val="accent1"/>
+          </a:effectRef>
+          <a:fontRef idx="minor">
+            <a:schemeClr val="tx1"/>
+          </a:fontRef>
+        </p:style>
+      </p:cxnSp>
+    </p:spTree>
+    <p:extLst>
+      <p:ext uri="{BB962C8B-B14F-4D97-AF65-F5344CB8AC3E}">
+        <p14:creationId xmlns:p14="http://schemas.microsoft.com/office/powerpoint/2010/main" val="3082896787"/>
+      </p:ext>
+    </p:extLst>
+  </p:cSld>
+  <p:clrMapOvr>
+    <a:masterClrMapping/>
+  </p:clrMapOvr>
+</p:sld>
+</file>
+
+<file path=ppt/slides/slide21.xml><?xml version="1.0" encoding="utf-8"?>
 <p:sld xmlns:a="http://schemas.openxmlformats.org/drawingml/2006/main" xmlns:r="http://schemas.openxmlformats.org/officeDocument/2006/relationships" xmlns:p="http://schemas.openxmlformats.org/presentationml/2006/main" show="0">
   <p:cSld>
     <p:spTree>
@@ -23955,6 +24755,356 @@
           </p:spPr>
         </p:pic>
       </p:grpSp>
+      <p:grpSp>
+        <p:nvGrpSpPr>
+          <p:cNvPr id="61" name="Group 60">
+            <a:extLst>
+              <a:ext uri="{FF2B5EF4-FFF2-40B4-BE49-F238E27FC236}">
+                <a16:creationId xmlns:a16="http://schemas.microsoft.com/office/drawing/2014/main" id="{62885376-53D5-45BD-B1A7-9EAA6163BD02}"/>
+              </a:ext>
+            </a:extLst>
+          </p:cNvPr>
+          <p:cNvGrpSpPr/>
+          <p:nvPr/>
+        </p:nvGrpSpPr>
+        <p:grpSpPr>
+          <a:xfrm>
+            <a:off x="9759842" y="1252302"/>
+            <a:ext cx="546946" cy="338554"/>
+            <a:chOff x="3288704" y="998159"/>
+            <a:chExt cx="546946" cy="338554"/>
+          </a:xfrm>
+        </p:grpSpPr>
+        <p:sp>
+          <p:nvSpPr>
+            <p:cNvPr id="62" name="TextBox 61">
+              <a:extLst>
+                <a:ext uri="{FF2B5EF4-FFF2-40B4-BE49-F238E27FC236}">
+                  <a16:creationId xmlns:a16="http://schemas.microsoft.com/office/drawing/2014/main" id="{20BEDD2D-4340-4A4B-B9D7-8487D30F6E6E}"/>
+                </a:ext>
+              </a:extLst>
+            </p:cNvPr>
+            <p:cNvSpPr txBox="1"/>
+            <p:nvPr/>
+          </p:nvSpPr>
+          <p:spPr>
+            <a:xfrm>
+              <a:off x="3288704" y="998159"/>
+              <a:ext cx="546946" cy="338554"/>
+            </a:xfrm>
+            <a:prstGeom prst="rect">
+              <a:avLst/>
+            </a:prstGeom>
+            <a:noFill/>
+          </p:spPr>
+          <p:txBody>
+            <a:bodyPr wrap="none" rtlCol="0">
+              <a:spAutoFit/>
+            </a:bodyPr>
+            <a:lstStyle/>
+            <a:p>
+              <a:pPr algn="ctr"/>
+              <a:r>
+                <a:rPr lang="en-US" sz="800" b="1" dirty="0">
+                  <a:solidFill>
+                    <a:schemeClr val="bg1"/>
+                  </a:solidFill>
+                  <a:latin typeface="Tahoma" panose="020B0604030504040204" pitchFamily="34" charset="0"/>
+                  <a:ea typeface="Tahoma" panose="020B0604030504040204" pitchFamily="34" charset="0"/>
+                  <a:cs typeface="Tahoma" panose="020B0604030504040204" pitchFamily="34" charset="0"/>
+                </a:rPr>
+                <a:t>Mean </a:t>
+              </a:r>
+            </a:p>
+            <a:p>
+              <a:pPr algn="ctr"/>
+              <a:r>
+                <a:rPr lang="en-US" sz="800" b="1" dirty="0">
+                  <a:solidFill>
+                    <a:schemeClr val="bg1"/>
+                  </a:solidFill>
+                  <a:latin typeface="Tahoma" panose="020B0604030504040204" pitchFamily="34" charset="0"/>
+                  <a:ea typeface="Tahoma" panose="020B0604030504040204" pitchFamily="34" charset="0"/>
+                  <a:cs typeface="Tahoma" panose="020B0604030504040204" pitchFamily="34" charset="0"/>
+                </a:rPr>
+                <a:t>predict</a:t>
+              </a:r>
+              <a:endParaRPr lang="th-TH" sz="800" b="1" dirty="0">
+                <a:solidFill>
+                  <a:schemeClr val="bg1"/>
+                </a:solidFill>
+                <a:latin typeface="Tahoma" panose="020B0604030504040204" pitchFamily="34" charset="0"/>
+                <a:ea typeface="Tahoma" panose="020B0604030504040204" pitchFamily="34" charset="0"/>
+                <a:cs typeface="Tahoma" panose="020B0604030504040204" pitchFamily="34" charset="0"/>
+              </a:endParaRPr>
+            </a:p>
+          </p:txBody>
+        </p:sp>
+        <p:sp>
+          <p:nvSpPr>
+            <p:cNvPr id="63" name="Oval 62">
+              <a:extLst>
+                <a:ext uri="{FF2B5EF4-FFF2-40B4-BE49-F238E27FC236}">
+                  <a16:creationId xmlns:a16="http://schemas.microsoft.com/office/drawing/2014/main" id="{E518386E-5051-47C4-A27A-19F28A81B735}"/>
+                </a:ext>
+              </a:extLst>
+            </p:cNvPr>
+            <p:cNvSpPr/>
+            <p:nvPr/>
+          </p:nvSpPr>
+          <p:spPr>
+            <a:xfrm>
+              <a:off x="3288704" y="1075550"/>
+              <a:ext cx="91440" cy="91440"/>
+            </a:xfrm>
+            <a:prstGeom prst="ellipse">
+              <a:avLst/>
+            </a:prstGeom>
+            <a:solidFill>
+              <a:srgbClr val="FF0000"/>
+            </a:solidFill>
+            <a:ln>
+              <a:noFill/>
+            </a:ln>
+          </p:spPr>
+          <p:style>
+            <a:lnRef idx="2">
+              <a:schemeClr val="accent1">
+                <a:shade val="50000"/>
+              </a:schemeClr>
+            </a:lnRef>
+            <a:fillRef idx="1">
+              <a:schemeClr val="accent1"/>
+            </a:fillRef>
+            <a:effectRef idx="0">
+              <a:schemeClr val="accent1"/>
+            </a:effectRef>
+            <a:fontRef idx="minor">
+              <a:schemeClr val="lt1"/>
+            </a:fontRef>
+          </p:style>
+          <p:txBody>
+            <a:bodyPr rtlCol="0" anchor="ctr"/>
+            <a:lstStyle/>
+            <a:p>
+              <a:pPr algn="ctr"/>
+              <a:endParaRPr lang="en-US"/>
+            </a:p>
+          </p:txBody>
+        </p:sp>
+      </p:grpSp>
+      <p:grpSp>
+        <p:nvGrpSpPr>
+          <p:cNvPr id="64" name="Group 63">
+            <a:extLst>
+              <a:ext uri="{FF2B5EF4-FFF2-40B4-BE49-F238E27FC236}">
+                <a16:creationId xmlns:a16="http://schemas.microsoft.com/office/drawing/2014/main" id="{3CC0C804-A635-47FD-AE84-7A8D613D7319}"/>
+              </a:ext>
+            </a:extLst>
+          </p:cNvPr>
+          <p:cNvGrpSpPr/>
+          <p:nvPr/>
+        </p:nvGrpSpPr>
+        <p:grpSpPr>
+          <a:xfrm>
+            <a:off x="6514167" y="4935967"/>
+            <a:ext cx="1324908" cy="357552"/>
+            <a:chOff x="6514167" y="4935967"/>
+            <a:chExt cx="1324908" cy="357552"/>
+          </a:xfrm>
+        </p:grpSpPr>
+        <p:sp>
+          <p:nvSpPr>
+            <p:cNvPr id="65" name="Rectangle: Rounded Corners 64">
+              <a:extLst>
+                <a:ext uri="{FF2B5EF4-FFF2-40B4-BE49-F238E27FC236}">
+                  <a16:creationId xmlns:a16="http://schemas.microsoft.com/office/drawing/2014/main" id="{DB1DBD3F-F986-4291-A906-68CD418197F4}"/>
+                </a:ext>
+              </a:extLst>
+            </p:cNvPr>
+            <p:cNvSpPr/>
+            <p:nvPr/>
+          </p:nvSpPr>
+          <p:spPr>
+            <a:xfrm>
+              <a:off x="6514167" y="4935967"/>
+              <a:ext cx="1324908" cy="357552"/>
+            </a:xfrm>
+            <a:prstGeom prst="roundRect">
+              <a:avLst>
+                <a:gd name="adj" fmla="val 2498"/>
+              </a:avLst>
+            </a:prstGeom>
+            <a:solidFill>
+              <a:schemeClr val="accent5">
+                <a:lumMod val="20000"/>
+                <a:lumOff val="80000"/>
+              </a:schemeClr>
+            </a:solidFill>
+            <a:ln>
+              <a:noFill/>
+            </a:ln>
+          </p:spPr>
+          <p:style>
+            <a:lnRef idx="2">
+              <a:schemeClr val="accent1">
+                <a:shade val="50000"/>
+              </a:schemeClr>
+            </a:lnRef>
+            <a:fillRef idx="1">
+              <a:schemeClr val="accent1"/>
+            </a:fillRef>
+            <a:effectRef idx="0">
+              <a:schemeClr val="accent1"/>
+            </a:effectRef>
+            <a:fontRef idx="minor">
+              <a:schemeClr val="lt1"/>
+            </a:fontRef>
+          </p:style>
+          <p:txBody>
+            <a:bodyPr rtlCol="0" anchor="ctr"/>
+            <a:lstStyle/>
+            <a:p>
+              <a:pPr marL="171450" indent="-171450">
+                <a:buFont typeface="Arial" panose="020B0604020202020204" pitchFamily="34" charset="0"/>
+                <a:buChar char="•"/>
+              </a:pPr>
+              <a:r>
+                <a:rPr lang="en-US" sz="1000" b="1" dirty="0">
+                  <a:solidFill>
+                    <a:schemeClr val="tx1"/>
+                  </a:solidFill>
+                  <a:latin typeface="Tahoma" panose="020B0604030504040204" pitchFamily="34" charset="0"/>
+                  <a:ea typeface="Tahoma" panose="020B0604030504040204" pitchFamily="34" charset="0"/>
+                  <a:cs typeface="Tahoma" panose="020B0604030504040204" pitchFamily="34" charset="0"/>
+                </a:rPr>
+                <a:t>Final result</a:t>
+              </a:r>
+            </a:p>
+            <a:p>
+              <a:pPr marL="171450" indent="-171450">
+                <a:buFont typeface="Arial" panose="020B0604020202020204" pitchFamily="34" charset="0"/>
+                <a:buChar char="•"/>
+              </a:pPr>
+              <a:r>
+                <a:rPr lang="en-US" sz="1000" b="1" dirty="0">
+                  <a:solidFill>
+                    <a:schemeClr val="tx1"/>
+                  </a:solidFill>
+                  <a:latin typeface="Tahoma" panose="020B0604030504040204" pitchFamily="34" charset="0"/>
+                  <a:ea typeface="Tahoma" panose="020B0604030504040204" pitchFamily="34" charset="0"/>
+                  <a:cs typeface="Tahoma" panose="020B0604030504040204" pitchFamily="34" charset="0"/>
+                </a:rPr>
+                <a:t>Expected temp </a:t>
+              </a:r>
+            </a:p>
+          </p:txBody>
+        </p:sp>
+        <p:sp>
+          <p:nvSpPr>
+            <p:cNvPr id="66" name="Oval 65">
+              <a:extLst>
+                <a:ext uri="{FF2B5EF4-FFF2-40B4-BE49-F238E27FC236}">
+                  <a16:creationId xmlns:a16="http://schemas.microsoft.com/office/drawing/2014/main" id="{3931F117-7214-435C-BC50-1478CCAC6A27}"/>
+                </a:ext>
+              </a:extLst>
+            </p:cNvPr>
+            <p:cNvSpPr/>
+            <p:nvPr/>
+          </p:nvSpPr>
+          <p:spPr>
+            <a:xfrm>
+              <a:off x="6590397" y="4997404"/>
+              <a:ext cx="91440" cy="91440"/>
+            </a:xfrm>
+            <a:prstGeom prst="ellipse">
+              <a:avLst/>
+            </a:prstGeom>
+            <a:solidFill>
+              <a:srgbClr val="00B050"/>
+            </a:solidFill>
+            <a:ln>
+              <a:noFill/>
+            </a:ln>
+          </p:spPr>
+          <p:style>
+            <a:lnRef idx="2">
+              <a:schemeClr val="accent1">
+                <a:shade val="50000"/>
+              </a:schemeClr>
+            </a:lnRef>
+            <a:fillRef idx="1">
+              <a:schemeClr val="accent1"/>
+            </a:fillRef>
+            <a:effectRef idx="0">
+              <a:schemeClr val="accent1"/>
+            </a:effectRef>
+            <a:fontRef idx="minor">
+              <a:schemeClr val="lt1"/>
+            </a:fontRef>
+          </p:style>
+          <p:txBody>
+            <a:bodyPr rtlCol="0" anchor="ctr"/>
+            <a:lstStyle/>
+            <a:p>
+              <a:pPr algn="ctr"/>
+              <a:endParaRPr lang="en-US"/>
+            </a:p>
+          </p:txBody>
+        </p:sp>
+        <p:sp>
+          <p:nvSpPr>
+            <p:cNvPr id="67" name="Oval 66">
+              <a:extLst>
+                <a:ext uri="{FF2B5EF4-FFF2-40B4-BE49-F238E27FC236}">
+                  <a16:creationId xmlns:a16="http://schemas.microsoft.com/office/drawing/2014/main" id="{3E94ED15-3E08-4B09-9FA7-8783C8E3D788}"/>
+                </a:ext>
+              </a:extLst>
+            </p:cNvPr>
+            <p:cNvSpPr/>
+            <p:nvPr/>
+          </p:nvSpPr>
+          <p:spPr>
+            <a:xfrm>
+              <a:off x="6590397" y="5150280"/>
+              <a:ext cx="91440" cy="91440"/>
+            </a:xfrm>
+            <a:prstGeom prst="ellipse">
+              <a:avLst/>
+            </a:prstGeom>
+            <a:solidFill>
+              <a:srgbClr val="CC00FF"/>
+            </a:solidFill>
+            <a:ln>
+              <a:noFill/>
+            </a:ln>
+          </p:spPr>
+          <p:style>
+            <a:lnRef idx="2">
+              <a:schemeClr val="accent1">
+                <a:shade val="50000"/>
+              </a:schemeClr>
+            </a:lnRef>
+            <a:fillRef idx="1">
+              <a:schemeClr val="accent1"/>
+            </a:fillRef>
+            <a:effectRef idx="0">
+              <a:schemeClr val="accent1"/>
+            </a:effectRef>
+            <a:fontRef idx="minor">
+              <a:schemeClr val="lt1"/>
+            </a:fontRef>
+          </p:style>
+          <p:txBody>
+            <a:bodyPr rtlCol="0" anchor="ctr"/>
+            <a:lstStyle/>
+            <a:p>
+              <a:pPr algn="ctr"/>
+              <a:endParaRPr lang="en-US"/>
+            </a:p>
+          </p:txBody>
+        </p:sp>
+      </p:grpSp>
     </p:spTree>
     <p:extLst>
       <p:ext uri="{BB962C8B-B14F-4D97-AF65-F5344CB8AC3E}">
@@ -29063,6 +30213,76 @@
           </a:p>
         </p:txBody>
       </p:sp>
+      <p:sp>
+        <p:nvSpPr>
+          <p:cNvPr id="104" name="Rectangle: Rounded Corners 103">
+            <a:extLst>
+              <a:ext uri="{FF2B5EF4-FFF2-40B4-BE49-F238E27FC236}">
+                <a16:creationId xmlns:a16="http://schemas.microsoft.com/office/drawing/2014/main" id="{F74B69AA-93E2-4FF0-B035-A672674F0922}"/>
+              </a:ext>
+            </a:extLst>
+          </p:cNvPr>
+          <p:cNvSpPr/>
+          <p:nvPr/>
+        </p:nvSpPr>
+        <p:spPr>
+          <a:xfrm>
+            <a:off x="2246558" y="6478438"/>
+            <a:ext cx="1188720" cy="180000"/>
+          </a:xfrm>
+          <a:prstGeom prst="roundRect">
+            <a:avLst>
+              <a:gd name="adj" fmla="val 5317"/>
+            </a:avLst>
+          </a:prstGeom>
+          <a:noFill/>
+          <a:ln>
+            <a:noFill/>
+          </a:ln>
+        </p:spPr>
+        <p:style>
+          <a:lnRef idx="2">
+            <a:schemeClr val="accent1">
+              <a:shade val="50000"/>
+            </a:schemeClr>
+          </a:lnRef>
+          <a:fillRef idx="1">
+            <a:schemeClr val="accent1"/>
+          </a:fillRef>
+          <a:effectRef idx="0">
+            <a:schemeClr val="accent1"/>
+          </a:effectRef>
+          <a:fontRef idx="minor">
+            <a:schemeClr val="lt1"/>
+          </a:fontRef>
+        </p:style>
+        <p:txBody>
+          <a:bodyPr rtlCol="0" anchor="ctr"/>
+          <a:lstStyle/>
+          <a:p>
+            <a:pPr algn="ctr"/>
+            <a:r>
+              <a:rPr lang="en-US" sz="1200" b="1" dirty="0">
+                <a:solidFill>
+                  <a:schemeClr val="bg1"/>
+                </a:solidFill>
+                <a:latin typeface="Tahoma" panose="020B0604030504040204" pitchFamily="34" charset="0"/>
+                <a:ea typeface="Tahoma" panose="020B0604030504040204" pitchFamily="34" charset="0"/>
+                <a:cs typeface="Tahoma" panose="020B0604030504040204" pitchFamily="34" charset="0"/>
+              </a:rPr>
+              <a:t>Current data</a:t>
+            </a:r>
+            <a:endParaRPr lang="th-TH" sz="1200" b="1" dirty="0">
+              <a:solidFill>
+                <a:schemeClr val="bg1"/>
+              </a:solidFill>
+              <a:latin typeface="Tahoma" panose="020B0604030504040204" pitchFamily="34" charset="0"/>
+              <a:ea typeface="Tahoma" panose="020B0604030504040204" pitchFamily="34" charset="0"/>
+              <a:cs typeface="Tahoma" panose="020B0604030504040204" pitchFamily="34" charset="0"/>
+            </a:endParaRPr>
+          </a:p>
+        </p:txBody>
+      </p:sp>
     </p:spTree>
     <p:extLst>
       <p:ext uri="{BB962C8B-B14F-4D97-AF65-F5344CB8AC3E}">
@@ -29103,54 +30323,2082 @@
       </p:grpSpPr>
       <p:sp>
         <p:nvSpPr>
-          <p:cNvPr id="4" name="TextBox 3">
+          <p:cNvPr id="122" name="Rectangle: Rounded Corners 121">
             <a:extLst>
               <a:ext uri="{FF2B5EF4-FFF2-40B4-BE49-F238E27FC236}">
-                <a16:creationId xmlns:a16="http://schemas.microsoft.com/office/drawing/2014/main" id="{DE75DBF7-EEA4-42CE-A37A-FB0933C6BD46}"/>
+                <a16:creationId xmlns:a16="http://schemas.microsoft.com/office/drawing/2014/main" id="{98CC49B4-2FD7-4655-AD05-689A8B706C38}"/>
               </a:ext>
             </a:extLst>
           </p:cNvPr>
-          <p:cNvSpPr txBox="1"/>
+          <p:cNvSpPr/>
           <p:nvPr/>
         </p:nvSpPr>
         <p:spPr>
           <a:xfrm>
-            <a:off x="10731344" y="0"/>
-            <a:ext cx="1460656" cy="400110"/>
+            <a:off x="5382245" y="2915378"/>
+            <a:ext cx="473360" cy="1027243"/>
+          </a:xfrm>
+          <a:prstGeom prst="roundRect">
+            <a:avLst>
+              <a:gd name="adj" fmla="val 2498"/>
+            </a:avLst>
+          </a:prstGeom>
+          <a:solidFill>
+            <a:schemeClr val="accent5">
+              <a:lumMod val="20000"/>
+              <a:lumOff val="80000"/>
+            </a:schemeClr>
+          </a:solidFill>
+          <a:ln>
+            <a:noFill/>
+          </a:ln>
+        </p:spPr>
+        <p:style>
+          <a:lnRef idx="2">
+            <a:schemeClr val="accent1">
+              <a:shade val="50000"/>
+            </a:schemeClr>
+          </a:lnRef>
+          <a:fillRef idx="1">
+            <a:schemeClr val="accent1"/>
+          </a:fillRef>
+          <a:effectRef idx="0">
+            <a:schemeClr val="accent1"/>
+          </a:effectRef>
+          <a:fontRef idx="minor">
+            <a:schemeClr val="lt1"/>
+          </a:fontRef>
+        </p:style>
+        <p:txBody>
+          <a:bodyPr rtlCol="0" anchor="ctr"/>
+          <a:lstStyle/>
+          <a:p>
+            <a:pPr algn="ctr"/>
+            <a:endParaRPr lang="en-US"/>
+          </a:p>
+        </p:txBody>
+      </p:sp>
+      <p:grpSp>
+        <p:nvGrpSpPr>
+          <p:cNvPr id="26" name="Group 25">
+            <a:extLst>
+              <a:ext uri="{FF2B5EF4-FFF2-40B4-BE49-F238E27FC236}">
+                <a16:creationId xmlns:a16="http://schemas.microsoft.com/office/drawing/2014/main" id="{AC03D57F-B298-4351-97D5-5F0FC295F24A}"/>
+              </a:ext>
+            </a:extLst>
+          </p:cNvPr>
+          <p:cNvGrpSpPr/>
+          <p:nvPr/>
+        </p:nvGrpSpPr>
+        <p:grpSpPr>
+          <a:xfrm>
+            <a:off x="6590397" y="1970188"/>
+            <a:ext cx="4356551" cy="2705363"/>
+            <a:chOff x="5020408" y="1073393"/>
+            <a:chExt cx="4959961" cy="3640017"/>
+          </a:xfrm>
+        </p:grpSpPr>
+        <p:pic>
+          <p:nvPicPr>
+            <p:cNvPr id="1028" name="Picture 4" descr="Tiles à la Google Maps: Coordinates, Tile Bounds and Projection -  conversion to EPSG:3785 and EPSG:4326 (WGS84) | MapTiler">
+              <a:extLst>
+                <a:ext uri="{FF2B5EF4-FFF2-40B4-BE49-F238E27FC236}">
+                  <a16:creationId xmlns:a16="http://schemas.microsoft.com/office/drawing/2014/main" id="{9E97DC5C-FFF7-40FF-BD9C-7426BED228FB}"/>
+                </a:ext>
+              </a:extLst>
+            </p:cNvPr>
+            <p:cNvPicPr>
+              <a:picLocks noChangeAspect="1" noChangeArrowheads="1"/>
+            </p:cNvPicPr>
+            <p:nvPr/>
+          </p:nvPicPr>
+          <p:blipFill rotWithShape="1">
+            <a:blip r:embed="rId2">
+              <a:extLst>
+                <a:ext uri="{28A0092B-C50C-407E-A947-70E740481C1C}">
+                  <a14:useLocalDpi xmlns:a14="http://schemas.microsoft.com/office/drawing/2010/main" val="0"/>
+                </a:ext>
+              </a:extLst>
+            </a:blip>
+            <a:srcRect l="6846" t="13718" b="16418"/>
+            <a:stretch/>
+          </p:blipFill>
+          <p:spPr bwMode="auto">
+            <a:xfrm>
+              <a:off x="5020408" y="1073393"/>
+              <a:ext cx="4959961" cy="3640017"/>
+            </a:xfrm>
+            <a:prstGeom prst="rect">
+              <a:avLst/>
+            </a:prstGeom>
+            <a:noFill/>
+            <a:extLst>
+              <a:ext uri="{909E8E84-426E-40DD-AFC4-6F175D3DCCD1}">
+                <a14:hiddenFill xmlns:a14="http://schemas.microsoft.com/office/drawing/2010/main">
+                  <a:solidFill>
+                    <a:srgbClr val="FFFFFF"/>
+                  </a:solidFill>
+                </a14:hiddenFill>
+              </a:ext>
+            </a:extLst>
+          </p:spPr>
+        </p:pic>
+        <p:sp>
+          <p:nvSpPr>
+            <p:cNvPr id="11" name="Oval 10">
+              <a:extLst>
+                <a:ext uri="{FF2B5EF4-FFF2-40B4-BE49-F238E27FC236}">
+                  <a16:creationId xmlns:a16="http://schemas.microsoft.com/office/drawing/2014/main" id="{EAACB249-A453-429B-A11B-82B96B1FD2AA}"/>
+                </a:ext>
+              </a:extLst>
+            </p:cNvPr>
+            <p:cNvSpPr/>
+            <p:nvPr/>
+          </p:nvSpPr>
+          <p:spPr>
+            <a:xfrm>
+              <a:off x="5890420" y="3629501"/>
+              <a:ext cx="104105" cy="123031"/>
+            </a:xfrm>
+            <a:prstGeom prst="ellipse">
+              <a:avLst/>
+            </a:prstGeom>
+            <a:solidFill>
+              <a:srgbClr val="CC00FF"/>
+            </a:solidFill>
+            <a:ln>
+              <a:noFill/>
+            </a:ln>
+          </p:spPr>
+          <p:style>
+            <a:lnRef idx="2">
+              <a:schemeClr val="accent1">
+                <a:shade val="50000"/>
+              </a:schemeClr>
+            </a:lnRef>
+            <a:fillRef idx="1">
+              <a:schemeClr val="accent1"/>
+            </a:fillRef>
+            <a:effectRef idx="0">
+              <a:schemeClr val="accent1"/>
+            </a:effectRef>
+            <a:fontRef idx="minor">
+              <a:schemeClr val="lt1"/>
+            </a:fontRef>
+          </p:style>
+          <p:txBody>
+            <a:bodyPr rtlCol="0" anchor="ctr"/>
+            <a:lstStyle/>
+            <a:p>
+              <a:pPr algn="ctr"/>
+              <a:endParaRPr lang="en-US"/>
+            </a:p>
+          </p:txBody>
+        </p:sp>
+        <p:sp>
+          <p:nvSpPr>
+            <p:cNvPr id="12" name="Oval 11">
+              <a:extLst>
+                <a:ext uri="{FF2B5EF4-FFF2-40B4-BE49-F238E27FC236}">
+                  <a16:creationId xmlns:a16="http://schemas.microsoft.com/office/drawing/2014/main" id="{6E0FB933-B964-454C-9250-0D696B950ECE}"/>
+                </a:ext>
+              </a:extLst>
+            </p:cNvPr>
+            <p:cNvSpPr/>
+            <p:nvPr/>
+          </p:nvSpPr>
+          <p:spPr>
+            <a:xfrm>
+              <a:off x="6096000" y="3605688"/>
+              <a:ext cx="104105" cy="123031"/>
+            </a:xfrm>
+            <a:prstGeom prst="ellipse">
+              <a:avLst/>
+            </a:prstGeom>
+            <a:solidFill>
+              <a:srgbClr val="00B050"/>
+            </a:solidFill>
+            <a:ln>
+              <a:noFill/>
+            </a:ln>
+          </p:spPr>
+          <p:style>
+            <a:lnRef idx="2">
+              <a:schemeClr val="accent1">
+                <a:shade val="50000"/>
+              </a:schemeClr>
+            </a:lnRef>
+            <a:fillRef idx="1">
+              <a:schemeClr val="accent1"/>
+            </a:fillRef>
+            <a:effectRef idx="0">
+              <a:schemeClr val="accent1"/>
+            </a:effectRef>
+            <a:fontRef idx="minor">
+              <a:schemeClr val="lt1"/>
+            </a:fontRef>
+          </p:style>
+          <p:txBody>
+            <a:bodyPr rtlCol="0" anchor="ctr"/>
+            <a:lstStyle/>
+            <a:p>
+              <a:pPr algn="ctr"/>
+              <a:endParaRPr lang="en-US"/>
+            </a:p>
+          </p:txBody>
+        </p:sp>
+      </p:grpSp>
+      <p:grpSp>
+        <p:nvGrpSpPr>
+          <p:cNvPr id="50" name="Group 49">
+            <a:extLst>
+              <a:ext uri="{FF2B5EF4-FFF2-40B4-BE49-F238E27FC236}">
+                <a16:creationId xmlns:a16="http://schemas.microsoft.com/office/drawing/2014/main" id="{71A03A55-F868-4124-AECD-59FB1392A791}"/>
+              </a:ext>
+            </a:extLst>
+          </p:cNvPr>
+          <p:cNvGrpSpPr/>
+          <p:nvPr/>
+        </p:nvGrpSpPr>
+        <p:grpSpPr>
+          <a:xfrm>
+            <a:off x="974042" y="1258068"/>
+            <a:ext cx="2086195" cy="424945"/>
+            <a:chOff x="679988" y="1121270"/>
+            <a:chExt cx="2086195" cy="424945"/>
+          </a:xfrm>
+        </p:grpSpPr>
+        <p:pic>
+          <p:nvPicPr>
+            <p:cNvPr id="47" name="Picture 46">
+              <a:extLst>
+                <a:ext uri="{FF2B5EF4-FFF2-40B4-BE49-F238E27FC236}">
+                  <a16:creationId xmlns:a16="http://schemas.microsoft.com/office/drawing/2014/main" id="{6AE3F278-7847-4B61-A906-56CFF5866BAD}"/>
+                </a:ext>
+              </a:extLst>
+            </p:cNvPr>
+            <p:cNvPicPr>
+              <a:picLocks noChangeAspect="1"/>
+            </p:cNvPicPr>
+            <p:nvPr/>
+          </p:nvPicPr>
+          <p:blipFill>
+            <a:blip r:embed="rId3"/>
+            <a:stretch>
+              <a:fillRect/>
+            </a:stretch>
+          </p:blipFill>
+          <p:spPr>
+            <a:xfrm>
+              <a:off x="1794183" y="1121270"/>
+              <a:ext cx="972000" cy="424945"/>
+            </a:xfrm>
+            <a:prstGeom prst="rect">
+              <a:avLst/>
+            </a:prstGeom>
+          </p:spPr>
+        </p:pic>
+        <p:sp>
+          <p:nvSpPr>
+            <p:cNvPr id="55" name="Rectangle: Rounded Corners 54">
+              <a:extLst>
+                <a:ext uri="{FF2B5EF4-FFF2-40B4-BE49-F238E27FC236}">
+                  <a16:creationId xmlns:a16="http://schemas.microsoft.com/office/drawing/2014/main" id="{5F1C5B67-7A57-40DF-81DF-0B5CC1546AD2}"/>
+                </a:ext>
+              </a:extLst>
+            </p:cNvPr>
+            <p:cNvSpPr/>
+            <p:nvPr/>
+          </p:nvSpPr>
+          <p:spPr>
+            <a:xfrm>
+              <a:off x="679988" y="1243743"/>
+              <a:ext cx="972000" cy="180000"/>
+            </a:xfrm>
+            <a:prstGeom prst="roundRect">
+              <a:avLst>
+                <a:gd name="adj" fmla="val 5317"/>
+              </a:avLst>
+            </a:prstGeom>
+            <a:noFill/>
+            <a:ln>
+              <a:noFill/>
+            </a:ln>
+          </p:spPr>
+          <p:style>
+            <a:lnRef idx="2">
+              <a:schemeClr val="accent1">
+                <a:shade val="50000"/>
+              </a:schemeClr>
+            </a:lnRef>
+            <a:fillRef idx="1">
+              <a:schemeClr val="accent1"/>
+            </a:fillRef>
+            <a:effectRef idx="0">
+              <a:schemeClr val="accent1"/>
+            </a:effectRef>
+            <a:fontRef idx="minor">
+              <a:schemeClr val="lt1"/>
+            </a:fontRef>
+          </p:style>
+          <p:txBody>
+            <a:bodyPr rtlCol="0" anchor="ctr"/>
+            <a:lstStyle/>
+            <a:p>
+              <a:pPr algn="ctr"/>
+              <a:r>
+                <a:rPr lang="en-US" sz="1000" b="1" dirty="0">
+                  <a:solidFill>
+                    <a:schemeClr val="accent2">
+                      <a:lumMod val="75000"/>
+                    </a:schemeClr>
+                  </a:solidFill>
+                  <a:latin typeface="Tahoma" panose="020B0604030504040204" pitchFamily="34" charset="0"/>
+                  <a:ea typeface="Tahoma" panose="020B0604030504040204" pitchFamily="34" charset="0"/>
+                  <a:cs typeface="Tahoma" panose="020B0604030504040204" pitchFamily="34" charset="0"/>
+                </a:rPr>
+                <a:t>Meteostat</a:t>
+              </a:r>
+              <a:endParaRPr lang="th-TH" sz="1000" b="1" dirty="0">
+                <a:solidFill>
+                  <a:schemeClr val="accent2">
+                    <a:lumMod val="75000"/>
+                  </a:schemeClr>
+                </a:solidFill>
+                <a:latin typeface="Tahoma" panose="020B0604030504040204" pitchFamily="34" charset="0"/>
+                <a:ea typeface="Tahoma" panose="020B0604030504040204" pitchFamily="34" charset="0"/>
+                <a:cs typeface="Tahoma" panose="020B0604030504040204" pitchFamily="34" charset="0"/>
+              </a:endParaRPr>
+            </a:p>
+          </p:txBody>
+        </p:sp>
+      </p:grpSp>
+      <p:grpSp>
+        <p:nvGrpSpPr>
+          <p:cNvPr id="53" name="Group 52">
+            <a:extLst>
+              <a:ext uri="{FF2B5EF4-FFF2-40B4-BE49-F238E27FC236}">
+                <a16:creationId xmlns:a16="http://schemas.microsoft.com/office/drawing/2014/main" id="{0E34FEA1-11CC-4E0E-9164-8548BD510874}"/>
+              </a:ext>
+            </a:extLst>
+          </p:cNvPr>
+          <p:cNvGrpSpPr/>
+          <p:nvPr/>
+        </p:nvGrpSpPr>
+        <p:grpSpPr>
+          <a:xfrm>
+            <a:off x="1037580" y="2070408"/>
+            <a:ext cx="2022657" cy="424945"/>
+            <a:chOff x="743526" y="1933610"/>
+            <a:chExt cx="2022657" cy="424945"/>
+          </a:xfrm>
+        </p:grpSpPr>
+        <p:pic>
+          <p:nvPicPr>
+            <p:cNvPr id="56" name="Picture 55" descr="A picture containing logo&#10;&#10;Description automatically generated">
+              <a:extLst>
+                <a:ext uri="{FF2B5EF4-FFF2-40B4-BE49-F238E27FC236}">
+                  <a16:creationId xmlns:a16="http://schemas.microsoft.com/office/drawing/2014/main" id="{FF91ED7C-D2B0-4D02-85D8-D725E6132F63}"/>
+                </a:ext>
+              </a:extLst>
+            </p:cNvPr>
+            <p:cNvPicPr>
+              <a:picLocks noChangeAspect="1"/>
+            </p:cNvPicPr>
+            <p:nvPr/>
+          </p:nvPicPr>
+          <p:blipFill>
+            <a:blip r:embed="rId4">
+              <a:duotone>
+                <a:schemeClr val="accent2">
+                  <a:shade val="45000"/>
+                  <a:satMod val="135000"/>
+                </a:schemeClr>
+                <a:prstClr val="white"/>
+              </a:duotone>
+              <a:extLst>
+                <a:ext uri="{28A0092B-C50C-407E-A947-70E740481C1C}">
+                  <a14:useLocalDpi xmlns:a14="http://schemas.microsoft.com/office/drawing/2010/main" val="0"/>
+                </a:ext>
+              </a:extLst>
+            </a:blip>
+            <a:stretch>
+              <a:fillRect/>
+            </a:stretch>
+          </p:blipFill>
+          <p:spPr>
+            <a:xfrm>
+              <a:off x="743526" y="2033801"/>
+              <a:ext cx="844925" cy="153803"/>
+            </a:xfrm>
+            <a:prstGeom prst="rect">
+              <a:avLst/>
+            </a:prstGeom>
+          </p:spPr>
+        </p:pic>
+        <p:pic>
+          <p:nvPicPr>
+            <p:cNvPr id="61" name="Picture 60">
+              <a:extLst>
+                <a:ext uri="{FF2B5EF4-FFF2-40B4-BE49-F238E27FC236}">
+                  <a16:creationId xmlns:a16="http://schemas.microsoft.com/office/drawing/2014/main" id="{2ABE4E33-2A07-474C-A1FE-6DB3C99B3766}"/>
+                </a:ext>
+              </a:extLst>
+            </p:cNvPr>
+            <p:cNvPicPr>
+              <a:picLocks noChangeAspect="1"/>
+            </p:cNvPicPr>
+            <p:nvPr/>
+          </p:nvPicPr>
+          <p:blipFill>
+            <a:blip r:embed="rId3"/>
+            <a:stretch>
+              <a:fillRect/>
+            </a:stretch>
+          </p:blipFill>
+          <p:spPr>
+            <a:xfrm>
+              <a:off x="1794183" y="1933610"/>
+              <a:ext cx="972000" cy="424945"/>
+            </a:xfrm>
+            <a:prstGeom prst="rect">
+              <a:avLst/>
+            </a:prstGeom>
+          </p:spPr>
+        </p:pic>
+      </p:grpSp>
+      <p:grpSp>
+        <p:nvGrpSpPr>
+          <p:cNvPr id="54" name="Group 53">
+            <a:extLst>
+              <a:ext uri="{FF2B5EF4-FFF2-40B4-BE49-F238E27FC236}">
+                <a16:creationId xmlns:a16="http://schemas.microsoft.com/office/drawing/2014/main" id="{3A020067-24F4-4EDA-80B0-CF36D8EB8F06}"/>
+              </a:ext>
+            </a:extLst>
+          </p:cNvPr>
+          <p:cNvGrpSpPr/>
+          <p:nvPr/>
+        </p:nvGrpSpPr>
+        <p:grpSpPr>
+          <a:xfrm>
+            <a:off x="1198656" y="2882748"/>
+            <a:ext cx="1861581" cy="424945"/>
+            <a:chOff x="904602" y="2745950"/>
+            <a:chExt cx="1861581" cy="424945"/>
+          </a:xfrm>
+        </p:grpSpPr>
+        <p:pic>
+          <p:nvPicPr>
+            <p:cNvPr id="57" name="Picture 8" descr="GitHub - pirasanthan-jesugeevegan/amt-cypress-weatherAPI: This is a task to  Automate the OpenWeather API using Cypress and Mochawesome report, Please  see below for the Test Case that are automated">
+              <a:extLst>
+                <a:ext uri="{FF2B5EF4-FFF2-40B4-BE49-F238E27FC236}">
+                  <a16:creationId xmlns:a16="http://schemas.microsoft.com/office/drawing/2014/main" id="{B0751443-1425-4E52-B30F-CB29DCFC02B4}"/>
+                </a:ext>
+              </a:extLst>
+            </p:cNvPr>
+            <p:cNvPicPr>
+              <a:picLocks noChangeAspect="1" noChangeArrowheads="1"/>
+            </p:cNvPicPr>
+            <p:nvPr/>
+          </p:nvPicPr>
+          <p:blipFill>
+            <a:blip r:embed="rId5">
+              <a:duotone>
+                <a:schemeClr val="accent2">
+                  <a:shade val="45000"/>
+                  <a:satMod val="135000"/>
+                </a:schemeClr>
+                <a:prstClr val="white"/>
+              </a:duotone>
+              <a:extLst>
+                <a:ext uri="{28A0092B-C50C-407E-A947-70E740481C1C}">
+                  <a14:useLocalDpi xmlns:a14="http://schemas.microsoft.com/office/drawing/2010/main" val="0"/>
+                </a:ext>
+              </a:extLst>
+            </a:blip>
+            <a:srcRect/>
+            <a:stretch>
+              <a:fillRect/>
+            </a:stretch>
+          </p:blipFill>
+          <p:spPr bwMode="auto">
+            <a:xfrm>
+              <a:off x="904602" y="2797662"/>
+              <a:ext cx="522772" cy="223050"/>
+            </a:xfrm>
+            <a:prstGeom prst="rect">
+              <a:avLst/>
+            </a:prstGeom>
+            <a:noFill/>
+            <a:extLst>
+              <a:ext uri="{909E8E84-426E-40DD-AFC4-6F175D3DCCD1}">
+                <a14:hiddenFill xmlns:a14="http://schemas.microsoft.com/office/drawing/2010/main">
+                  <a:solidFill>
+                    <a:srgbClr val="FFFFFF"/>
+                  </a:solidFill>
+                </a14:hiddenFill>
+              </a:ext>
+            </a:extLst>
+          </p:spPr>
+        </p:pic>
+        <p:pic>
+          <p:nvPicPr>
+            <p:cNvPr id="62" name="Picture 61">
+              <a:extLst>
+                <a:ext uri="{FF2B5EF4-FFF2-40B4-BE49-F238E27FC236}">
+                  <a16:creationId xmlns:a16="http://schemas.microsoft.com/office/drawing/2014/main" id="{68386B76-E9BF-45F1-9D1A-DF141DC747D0}"/>
+                </a:ext>
+              </a:extLst>
+            </p:cNvPr>
+            <p:cNvPicPr>
+              <a:picLocks noChangeAspect="1"/>
+            </p:cNvPicPr>
+            <p:nvPr/>
+          </p:nvPicPr>
+          <p:blipFill>
+            <a:blip r:embed="rId3"/>
+            <a:stretch>
+              <a:fillRect/>
+            </a:stretch>
+          </p:blipFill>
+          <p:spPr>
+            <a:xfrm>
+              <a:off x="1794183" y="2745950"/>
+              <a:ext cx="972000" cy="424945"/>
+            </a:xfrm>
+            <a:prstGeom prst="rect">
+              <a:avLst/>
+            </a:prstGeom>
+          </p:spPr>
+        </p:pic>
+      </p:grpSp>
+      <p:grpSp>
+        <p:nvGrpSpPr>
+          <p:cNvPr id="66" name="Group 65">
+            <a:extLst>
+              <a:ext uri="{FF2B5EF4-FFF2-40B4-BE49-F238E27FC236}">
+                <a16:creationId xmlns:a16="http://schemas.microsoft.com/office/drawing/2014/main" id="{61ECCCBF-CD74-4670-83E1-D82F1DB962C5}"/>
+              </a:ext>
+            </a:extLst>
+          </p:cNvPr>
+          <p:cNvGrpSpPr/>
+          <p:nvPr/>
+        </p:nvGrpSpPr>
+        <p:grpSpPr>
+          <a:xfrm>
+            <a:off x="1006391" y="3695088"/>
+            <a:ext cx="2053846" cy="424945"/>
+            <a:chOff x="712337" y="3558290"/>
+            <a:chExt cx="2053846" cy="424945"/>
+          </a:xfrm>
+        </p:grpSpPr>
+        <p:pic>
+          <p:nvPicPr>
+            <p:cNvPr id="58" name="Picture 6" descr="Climate Signals Weather Underground Free Clipart - Weather Underground -  Free Transparent PNG Clipart Images Download">
+              <a:extLst>
+                <a:ext uri="{FF2B5EF4-FFF2-40B4-BE49-F238E27FC236}">
+                  <a16:creationId xmlns:a16="http://schemas.microsoft.com/office/drawing/2014/main" id="{7B806BA1-6184-4ADC-9FB8-08E360137627}"/>
+                </a:ext>
+              </a:extLst>
+            </p:cNvPr>
+            <p:cNvPicPr>
+              <a:picLocks noChangeAspect="1" noChangeArrowheads="1"/>
+            </p:cNvPicPr>
+            <p:nvPr/>
+          </p:nvPicPr>
+          <p:blipFill rotWithShape="1">
+            <a:blip r:embed="rId6">
+              <a:duotone>
+                <a:schemeClr val="accent2">
+                  <a:shade val="45000"/>
+                  <a:satMod val="135000"/>
+                </a:schemeClr>
+                <a:prstClr val="white"/>
+              </a:duotone>
+              <a:extLst>
+                <a:ext uri="{BEBA8EAE-BF5A-486C-A8C5-ECC9F3942E4B}">
+                  <a14:imgProps xmlns:a14="http://schemas.microsoft.com/office/drawing/2010/main">
+                    <a14:imgLayer r:embed="rId7">
+                      <a14:imgEffect>
+                        <a14:backgroundRemoval t="9877" b="89712" l="7143" r="94286">
+                          <a14:foregroundMark x1="7143" y1="55967" x2="8095" y2="64198"/>
+                          <a14:foregroundMark x1="27857" y1="32510" x2="27857" y2="32510"/>
+                          <a14:foregroundMark x1="38452" y1="45267" x2="38452" y2="45267"/>
+                          <a14:foregroundMark x1="41548" y1="42798" x2="41548" y2="42798"/>
+                          <a14:foregroundMark x1="48690" y1="41564" x2="48690" y2="41564"/>
+                          <a14:foregroundMark x1="53214" y1="43210" x2="53214" y2="43210"/>
+                          <a14:foregroundMark x1="56310" y1="41975" x2="56310" y2="41975"/>
+                          <a14:foregroundMark x1="59286" y1="46091" x2="59286" y2="46091"/>
+                          <a14:foregroundMark x1="65119" y1="46502" x2="65119" y2="46502"/>
+                          <a14:foregroundMark x1="70119" y1="45267" x2="70119" y2="45267"/>
+                          <a14:foregroundMark x1="41905" y1="71193" x2="41905" y2="71193"/>
+                          <a14:foregroundMark x1="43571" y1="69959" x2="43571" y2="69959"/>
+                          <a14:foregroundMark x1="49405" y1="69959" x2="49405" y2="69959"/>
+                          <a14:foregroundMark x1="54643" y1="66667" x2="54643" y2="66667"/>
+                          <a14:foregroundMark x1="61310" y1="67078" x2="61310" y2="67078"/>
+                          <a14:foregroundMark x1="65714" y1="67078" x2="65714" y2="67078"/>
+                          <a14:foregroundMark x1="70952" y1="67078" x2="70952" y2="67078"/>
+                          <a14:foregroundMark x1="76429" y1="68313" x2="76429" y2="68313"/>
+                          <a14:foregroundMark x1="80357" y1="68313" x2="80357" y2="68313"/>
+                          <a14:foregroundMark x1="85952" y1="68724" x2="85952" y2="68724"/>
+                          <a14:foregroundMark x1="92262" y1="67078" x2="92262" y2="67078"/>
+                          <a14:foregroundMark x1="94286" y1="81893" x2="94286" y2="81893"/>
+                          <a14:backgroundMark x1="28690" y1="50206" x2="28571" y2="58848"/>
+                          <a14:backgroundMark x1="21548" y1="67078" x2="21548" y2="64609"/>
+                          <a14:backgroundMark x1="22024" y1="60494" x2="22024" y2="60494"/>
+                          <a14:backgroundMark x1="17381" y1="55556" x2="17381" y2="55556"/>
+                          <a14:backgroundMark x1="13690" y1="65844" x2="13690" y2="65844"/>
+                          <a14:backgroundMark x1="22024" y1="56790" x2="22024" y2="56790"/>
+                          <a14:backgroundMark x1="21190" y1="39506" x2="21190" y2="39506"/>
+                          <a14:backgroundMark x1="19524" y1="43210" x2="19524" y2="43210"/>
+                          <a14:backgroundMark x1="52976" y1="48148" x2="52976" y2="48148"/>
+                        </a14:backgroundRemoval>
+                      </a14:imgEffect>
+                    </a14:imgLayer>
+                  </a14:imgProps>
+                </a:ext>
+                <a:ext uri="{28A0092B-C50C-407E-A947-70E740481C1C}">
+                  <a14:useLocalDpi xmlns:a14="http://schemas.microsoft.com/office/drawing/2010/main" val="0"/>
+                </a:ext>
+              </a:extLst>
+            </a:blip>
+            <a:srcRect t="16296" b="12039"/>
+            <a:stretch/>
+          </p:blipFill>
+          <p:spPr bwMode="auto">
+            <a:xfrm>
+              <a:off x="712337" y="3630770"/>
+              <a:ext cx="907302" cy="188100"/>
+            </a:xfrm>
+            <a:prstGeom prst="rect">
+              <a:avLst/>
+            </a:prstGeom>
+            <a:noFill/>
+            <a:extLst>
+              <a:ext uri="{909E8E84-426E-40DD-AFC4-6F175D3DCCD1}">
+                <a14:hiddenFill xmlns:a14="http://schemas.microsoft.com/office/drawing/2010/main">
+                  <a:solidFill>
+                    <a:srgbClr val="FFFFFF"/>
+                  </a:solidFill>
+                </a14:hiddenFill>
+              </a:ext>
+            </a:extLst>
+          </p:spPr>
+        </p:pic>
+        <p:pic>
+          <p:nvPicPr>
+            <p:cNvPr id="63" name="Picture 62">
+              <a:extLst>
+                <a:ext uri="{FF2B5EF4-FFF2-40B4-BE49-F238E27FC236}">
+                  <a16:creationId xmlns:a16="http://schemas.microsoft.com/office/drawing/2014/main" id="{1051805D-CC3F-4336-AB57-ABFFF25731AB}"/>
+                </a:ext>
+              </a:extLst>
+            </p:cNvPr>
+            <p:cNvPicPr>
+              <a:picLocks noChangeAspect="1"/>
+            </p:cNvPicPr>
+            <p:nvPr/>
+          </p:nvPicPr>
+          <p:blipFill>
+            <a:blip r:embed="rId3"/>
+            <a:stretch>
+              <a:fillRect/>
+            </a:stretch>
+          </p:blipFill>
+          <p:spPr>
+            <a:xfrm>
+              <a:off x="1794183" y="3558290"/>
+              <a:ext cx="972000" cy="424945"/>
+            </a:xfrm>
+            <a:prstGeom prst="rect">
+              <a:avLst/>
+            </a:prstGeom>
+          </p:spPr>
+        </p:pic>
+      </p:grpSp>
+      <p:grpSp>
+        <p:nvGrpSpPr>
+          <p:cNvPr id="67" name="Group 66">
+            <a:extLst>
+              <a:ext uri="{FF2B5EF4-FFF2-40B4-BE49-F238E27FC236}">
+                <a16:creationId xmlns:a16="http://schemas.microsoft.com/office/drawing/2014/main" id="{69FD3379-F567-4CDE-89FB-7134A8F736B1}"/>
+              </a:ext>
+            </a:extLst>
+          </p:cNvPr>
+          <p:cNvGrpSpPr/>
+          <p:nvPr/>
+        </p:nvGrpSpPr>
+        <p:grpSpPr>
+          <a:xfrm>
+            <a:off x="1191916" y="4507428"/>
+            <a:ext cx="1868321" cy="424945"/>
+            <a:chOff x="897862" y="4370630"/>
+            <a:chExt cx="1868321" cy="424945"/>
+          </a:xfrm>
+        </p:grpSpPr>
+        <p:pic>
+          <p:nvPicPr>
+            <p:cNvPr id="59" name="Picture 4">
+              <a:extLst>
+                <a:ext uri="{FF2B5EF4-FFF2-40B4-BE49-F238E27FC236}">
+                  <a16:creationId xmlns:a16="http://schemas.microsoft.com/office/drawing/2014/main" id="{44C890B1-81ED-4829-A7FB-A58304AD0EB4}"/>
+                </a:ext>
+              </a:extLst>
+            </p:cNvPr>
+            <p:cNvPicPr>
+              <a:picLocks noChangeAspect="1" noChangeArrowheads="1"/>
+            </p:cNvPicPr>
+            <p:nvPr/>
+          </p:nvPicPr>
+          <p:blipFill rotWithShape="1">
+            <a:blip r:embed="rId8">
+              <a:duotone>
+                <a:schemeClr val="accent2">
+                  <a:shade val="45000"/>
+                  <a:satMod val="135000"/>
+                </a:schemeClr>
+                <a:prstClr val="white"/>
+              </a:duotone>
+              <a:extLst>
+                <a:ext uri="{28A0092B-C50C-407E-A947-70E740481C1C}">
+                  <a14:useLocalDpi xmlns:a14="http://schemas.microsoft.com/office/drawing/2010/main" val="0"/>
+                </a:ext>
+              </a:extLst>
+            </a:blip>
+            <a:srcRect t="29867" b="27467"/>
+            <a:stretch/>
+          </p:blipFill>
+          <p:spPr bwMode="auto">
+            <a:xfrm>
+              <a:off x="897862" y="4428928"/>
+              <a:ext cx="536253" cy="228801"/>
+            </a:xfrm>
+            <a:prstGeom prst="rect">
+              <a:avLst/>
+            </a:prstGeom>
+            <a:noFill/>
+            <a:extLst>
+              <a:ext uri="{909E8E84-426E-40DD-AFC4-6F175D3DCCD1}">
+                <a14:hiddenFill xmlns:a14="http://schemas.microsoft.com/office/drawing/2010/main">
+                  <a:solidFill>
+                    <a:srgbClr val="FFFFFF"/>
+                  </a:solidFill>
+                </a14:hiddenFill>
+              </a:ext>
+            </a:extLst>
+          </p:spPr>
+        </p:pic>
+        <p:pic>
+          <p:nvPicPr>
+            <p:cNvPr id="64" name="Picture 63">
+              <a:extLst>
+                <a:ext uri="{FF2B5EF4-FFF2-40B4-BE49-F238E27FC236}">
+                  <a16:creationId xmlns:a16="http://schemas.microsoft.com/office/drawing/2014/main" id="{E923A292-DD68-469D-85B4-3B63720DC907}"/>
+                </a:ext>
+              </a:extLst>
+            </p:cNvPr>
+            <p:cNvPicPr>
+              <a:picLocks noChangeAspect="1"/>
+            </p:cNvPicPr>
+            <p:nvPr/>
+          </p:nvPicPr>
+          <p:blipFill>
+            <a:blip r:embed="rId3"/>
+            <a:stretch>
+              <a:fillRect/>
+            </a:stretch>
+          </p:blipFill>
+          <p:spPr>
+            <a:xfrm>
+              <a:off x="1794183" y="4370630"/>
+              <a:ext cx="972000" cy="424945"/>
+            </a:xfrm>
+            <a:prstGeom prst="rect">
+              <a:avLst/>
+            </a:prstGeom>
+          </p:spPr>
+        </p:pic>
+      </p:grpSp>
+      <p:grpSp>
+        <p:nvGrpSpPr>
+          <p:cNvPr id="68" name="Group 67">
+            <a:extLst>
+              <a:ext uri="{FF2B5EF4-FFF2-40B4-BE49-F238E27FC236}">
+                <a16:creationId xmlns:a16="http://schemas.microsoft.com/office/drawing/2014/main" id="{647325DA-905B-483D-97A4-1583D86311E0}"/>
+              </a:ext>
+            </a:extLst>
+          </p:cNvPr>
+          <p:cNvGrpSpPr/>
+          <p:nvPr/>
+        </p:nvGrpSpPr>
+        <p:grpSpPr>
+          <a:xfrm>
+            <a:off x="1341701" y="5319769"/>
+            <a:ext cx="1718536" cy="424945"/>
+            <a:chOff x="1047647" y="5182971"/>
+            <a:chExt cx="1718536" cy="424945"/>
+          </a:xfrm>
+        </p:grpSpPr>
+        <p:pic>
+          <p:nvPicPr>
+            <p:cNvPr id="60" name="Picture 12" descr="กรมอุตุฯชี้แจงข่าวลือสภาพอากาศเลวร้ายที่เผยแพร่ตามสื่อสังคมออนไลน์">
+              <a:extLst>
+                <a:ext uri="{FF2B5EF4-FFF2-40B4-BE49-F238E27FC236}">
+                  <a16:creationId xmlns:a16="http://schemas.microsoft.com/office/drawing/2014/main" id="{169EC1BC-A8A0-4C0C-9B19-D71273898A26}"/>
+                </a:ext>
+              </a:extLst>
+            </p:cNvPr>
+            <p:cNvPicPr>
+              <a:picLocks noChangeAspect="1" noChangeArrowheads="1"/>
+            </p:cNvPicPr>
+            <p:nvPr/>
+          </p:nvPicPr>
+          <p:blipFill rotWithShape="1">
+            <a:blip r:embed="rId9">
+              <a:duotone>
+                <a:schemeClr val="accent2">
+                  <a:shade val="45000"/>
+                  <a:satMod val="135000"/>
+                </a:schemeClr>
+                <a:prstClr val="white"/>
+              </a:duotone>
+              <a:extLst>
+                <a:ext uri="{28A0092B-C50C-407E-A947-70E740481C1C}">
+                  <a14:useLocalDpi xmlns:a14="http://schemas.microsoft.com/office/drawing/2010/main" val="0"/>
+                </a:ext>
+              </a:extLst>
+            </a:blip>
+            <a:srcRect l="18063" r="20134"/>
+            <a:stretch/>
+          </p:blipFill>
+          <p:spPr bwMode="auto">
+            <a:xfrm>
+              <a:off x="1047647" y="5267789"/>
+              <a:ext cx="236683" cy="255308"/>
+            </a:xfrm>
+            <a:prstGeom prst="rect">
+              <a:avLst/>
+            </a:prstGeom>
+            <a:noFill/>
+            <a:extLst>
+              <a:ext uri="{909E8E84-426E-40DD-AFC4-6F175D3DCCD1}">
+                <a14:hiddenFill xmlns:a14="http://schemas.microsoft.com/office/drawing/2010/main">
+                  <a:solidFill>
+                    <a:srgbClr val="FFFFFF"/>
+                  </a:solidFill>
+                </a14:hiddenFill>
+              </a:ext>
+            </a:extLst>
+          </p:spPr>
+        </p:pic>
+        <p:pic>
+          <p:nvPicPr>
+            <p:cNvPr id="65" name="Picture 64">
+              <a:extLst>
+                <a:ext uri="{FF2B5EF4-FFF2-40B4-BE49-F238E27FC236}">
+                  <a16:creationId xmlns:a16="http://schemas.microsoft.com/office/drawing/2014/main" id="{931802D2-4BBE-44B4-ADD6-E265036D89FA}"/>
+                </a:ext>
+              </a:extLst>
+            </p:cNvPr>
+            <p:cNvPicPr>
+              <a:picLocks noChangeAspect="1"/>
+            </p:cNvPicPr>
+            <p:nvPr/>
+          </p:nvPicPr>
+          <p:blipFill>
+            <a:blip r:embed="rId3"/>
+            <a:stretch>
+              <a:fillRect/>
+            </a:stretch>
+          </p:blipFill>
+          <p:spPr>
+            <a:xfrm>
+              <a:off x="1794183" y="5182971"/>
+              <a:ext cx="972000" cy="424945"/>
+            </a:xfrm>
+            <a:prstGeom prst="rect">
+              <a:avLst/>
+            </a:prstGeom>
+          </p:spPr>
+        </p:pic>
+      </p:grpSp>
+      <p:sp>
+        <p:nvSpPr>
+          <p:cNvPr id="72" name="Arrow: Right 71">
+            <a:extLst>
+              <a:ext uri="{FF2B5EF4-FFF2-40B4-BE49-F238E27FC236}">
+                <a16:creationId xmlns:a16="http://schemas.microsoft.com/office/drawing/2014/main" id="{664978BF-1784-4350-B1D3-7BE189752174}"/>
+              </a:ext>
+            </a:extLst>
+          </p:cNvPr>
+          <p:cNvSpPr/>
+          <p:nvPr/>
+        </p:nvSpPr>
+        <p:spPr>
+          <a:xfrm>
+            <a:off x="3234616" y="1410673"/>
+            <a:ext cx="160373" cy="118110"/>
+          </a:xfrm>
+          <a:prstGeom prst="rightArrow">
+            <a:avLst/>
+          </a:prstGeom>
+          <a:solidFill>
+            <a:schemeClr val="bg1"/>
+          </a:solidFill>
+          <a:ln>
+            <a:noFill/>
+          </a:ln>
+        </p:spPr>
+        <p:style>
+          <a:lnRef idx="2">
+            <a:schemeClr val="accent1">
+              <a:shade val="50000"/>
+            </a:schemeClr>
+          </a:lnRef>
+          <a:fillRef idx="1">
+            <a:schemeClr val="accent1"/>
+          </a:fillRef>
+          <a:effectRef idx="0">
+            <a:schemeClr val="accent1"/>
+          </a:effectRef>
+          <a:fontRef idx="minor">
+            <a:schemeClr val="lt1"/>
+          </a:fontRef>
+        </p:style>
+        <p:txBody>
+          <a:bodyPr rtlCol="0" anchor="ctr"/>
+          <a:lstStyle/>
+          <a:p>
+            <a:pPr algn="ctr"/>
+            <a:endParaRPr lang="en-US"/>
+          </a:p>
+        </p:txBody>
+      </p:sp>
+      <p:sp>
+        <p:nvSpPr>
+          <p:cNvPr id="82" name="Arrow: Right 81">
+            <a:extLst>
+              <a:ext uri="{FF2B5EF4-FFF2-40B4-BE49-F238E27FC236}">
+                <a16:creationId xmlns:a16="http://schemas.microsoft.com/office/drawing/2014/main" id="{820C2A7B-416B-40F9-A203-4FFAD4B0DE69}"/>
+              </a:ext>
+            </a:extLst>
+          </p:cNvPr>
+          <p:cNvSpPr/>
+          <p:nvPr/>
+        </p:nvSpPr>
+        <p:spPr>
+          <a:xfrm>
+            <a:off x="3239418" y="2194420"/>
+            <a:ext cx="160373" cy="118110"/>
+          </a:xfrm>
+          <a:prstGeom prst="rightArrow">
+            <a:avLst/>
+          </a:prstGeom>
+          <a:solidFill>
+            <a:schemeClr val="bg1"/>
+          </a:solidFill>
+          <a:ln>
+            <a:noFill/>
+          </a:ln>
+        </p:spPr>
+        <p:style>
+          <a:lnRef idx="2">
+            <a:schemeClr val="accent1">
+              <a:shade val="50000"/>
+            </a:schemeClr>
+          </a:lnRef>
+          <a:fillRef idx="1">
+            <a:schemeClr val="accent1"/>
+          </a:fillRef>
+          <a:effectRef idx="0">
+            <a:schemeClr val="accent1"/>
+          </a:effectRef>
+          <a:fontRef idx="minor">
+            <a:schemeClr val="lt1"/>
+          </a:fontRef>
+        </p:style>
+        <p:txBody>
+          <a:bodyPr rtlCol="0" anchor="ctr"/>
+          <a:lstStyle/>
+          <a:p>
+            <a:pPr algn="ctr"/>
+            <a:endParaRPr lang="en-US"/>
+          </a:p>
+        </p:txBody>
+      </p:sp>
+      <p:sp>
+        <p:nvSpPr>
+          <p:cNvPr id="83" name="Arrow: Right 82">
+            <a:extLst>
+              <a:ext uri="{FF2B5EF4-FFF2-40B4-BE49-F238E27FC236}">
+                <a16:creationId xmlns:a16="http://schemas.microsoft.com/office/drawing/2014/main" id="{919C902B-C7D7-4BC0-8B79-81873F2F0048}"/>
+              </a:ext>
+            </a:extLst>
+          </p:cNvPr>
+          <p:cNvSpPr/>
+          <p:nvPr/>
+        </p:nvSpPr>
+        <p:spPr>
+          <a:xfrm>
+            <a:off x="3234615" y="3085961"/>
+            <a:ext cx="160373" cy="118110"/>
+          </a:xfrm>
+          <a:prstGeom prst="rightArrow">
+            <a:avLst/>
+          </a:prstGeom>
+          <a:solidFill>
+            <a:schemeClr val="bg1"/>
+          </a:solidFill>
+          <a:ln>
+            <a:noFill/>
+          </a:ln>
+        </p:spPr>
+        <p:style>
+          <a:lnRef idx="2">
+            <a:schemeClr val="accent1">
+              <a:shade val="50000"/>
+            </a:schemeClr>
+          </a:lnRef>
+          <a:fillRef idx="1">
+            <a:schemeClr val="accent1"/>
+          </a:fillRef>
+          <a:effectRef idx="0">
+            <a:schemeClr val="accent1"/>
+          </a:effectRef>
+          <a:fontRef idx="minor">
+            <a:schemeClr val="lt1"/>
+          </a:fontRef>
+        </p:style>
+        <p:txBody>
+          <a:bodyPr rtlCol="0" anchor="ctr"/>
+          <a:lstStyle/>
+          <a:p>
+            <a:pPr algn="ctr"/>
+            <a:endParaRPr lang="en-US"/>
+          </a:p>
+        </p:txBody>
+      </p:sp>
+      <p:sp>
+        <p:nvSpPr>
+          <p:cNvPr id="84" name="Arrow: Right 83">
+            <a:extLst>
+              <a:ext uri="{FF2B5EF4-FFF2-40B4-BE49-F238E27FC236}">
+                <a16:creationId xmlns:a16="http://schemas.microsoft.com/office/drawing/2014/main" id="{9D56AE0D-44AB-4DE4-ACB0-862F5D07B785}"/>
+              </a:ext>
+            </a:extLst>
+          </p:cNvPr>
+          <p:cNvSpPr/>
+          <p:nvPr/>
+        </p:nvSpPr>
+        <p:spPr>
+          <a:xfrm>
+            <a:off x="3234615" y="3848504"/>
+            <a:ext cx="160373" cy="118110"/>
+          </a:xfrm>
+          <a:prstGeom prst="rightArrow">
+            <a:avLst/>
+          </a:prstGeom>
+          <a:solidFill>
+            <a:schemeClr val="bg1"/>
+          </a:solidFill>
+          <a:ln>
+            <a:noFill/>
+          </a:ln>
+        </p:spPr>
+        <p:style>
+          <a:lnRef idx="2">
+            <a:schemeClr val="accent1">
+              <a:shade val="50000"/>
+            </a:schemeClr>
+          </a:lnRef>
+          <a:fillRef idx="1">
+            <a:schemeClr val="accent1"/>
+          </a:fillRef>
+          <a:effectRef idx="0">
+            <a:schemeClr val="accent1"/>
+          </a:effectRef>
+          <a:fontRef idx="minor">
+            <a:schemeClr val="lt1"/>
+          </a:fontRef>
+        </p:style>
+        <p:txBody>
+          <a:bodyPr rtlCol="0" anchor="ctr"/>
+          <a:lstStyle/>
+          <a:p>
+            <a:pPr algn="ctr"/>
+            <a:endParaRPr lang="en-US"/>
+          </a:p>
+        </p:txBody>
+      </p:sp>
+      <p:sp>
+        <p:nvSpPr>
+          <p:cNvPr id="85" name="Arrow: Right 84">
+            <a:extLst>
+              <a:ext uri="{FF2B5EF4-FFF2-40B4-BE49-F238E27FC236}">
+                <a16:creationId xmlns:a16="http://schemas.microsoft.com/office/drawing/2014/main" id="{89544355-D3F3-4596-ABB6-13877E8DF7E3}"/>
+              </a:ext>
+            </a:extLst>
+          </p:cNvPr>
+          <p:cNvSpPr/>
+          <p:nvPr/>
+        </p:nvSpPr>
+        <p:spPr>
+          <a:xfrm>
+            <a:off x="3233047" y="4666254"/>
+            <a:ext cx="160373" cy="118110"/>
+          </a:xfrm>
+          <a:prstGeom prst="rightArrow">
+            <a:avLst/>
+          </a:prstGeom>
+          <a:solidFill>
+            <a:schemeClr val="bg1"/>
+          </a:solidFill>
+          <a:ln>
+            <a:noFill/>
+          </a:ln>
+        </p:spPr>
+        <p:style>
+          <a:lnRef idx="2">
+            <a:schemeClr val="accent1">
+              <a:shade val="50000"/>
+            </a:schemeClr>
+          </a:lnRef>
+          <a:fillRef idx="1">
+            <a:schemeClr val="accent1"/>
+          </a:fillRef>
+          <a:effectRef idx="0">
+            <a:schemeClr val="accent1"/>
+          </a:effectRef>
+          <a:fontRef idx="minor">
+            <a:schemeClr val="lt1"/>
+          </a:fontRef>
+        </p:style>
+        <p:txBody>
+          <a:bodyPr rtlCol="0" anchor="ctr"/>
+          <a:lstStyle/>
+          <a:p>
+            <a:pPr algn="ctr"/>
+            <a:endParaRPr lang="en-US"/>
+          </a:p>
+        </p:txBody>
+      </p:sp>
+      <p:sp>
+        <p:nvSpPr>
+          <p:cNvPr id="86" name="Arrow: Right 85">
+            <a:extLst>
+              <a:ext uri="{FF2B5EF4-FFF2-40B4-BE49-F238E27FC236}">
+                <a16:creationId xmlns:a16="http://schemas.microsoft.com/office/drawing/2014/main" id="{BC90B7A7-FCB8-4589-96E5-C37E355471D8}"/>
+              </a:ext>
+            </a:extLst>
+          </p:cNvPr>
+          <p:cNvSpPr/>
+          <p:nvPr/>
+        </p:nvSpPr>
+        <p:spPr>
+          <a:xfrm>
+            <a:off x="3231439" y="5473107"/>
+            <a:ext cx="160373" cy="118110"/>
+          </a:xfrm>
+          <a:prstGeom prst="rightArrow">
+            <a:avLst/>
+          </a:prstGeom>
+          <a:solidFill>
+            <a:schemeClr val="bg1"/>
+          </a:solidFill>
+          <a:ln>
+            <a:noFill/>
+          </a:ln>
+        </p:spPr>
+        <p:style>
+          <a:lnRef idx="2">
+            <a:schemeClr val="accent1">
+              <a:shade val="50000"/>
+            </a:schemeClr>
+          </a:lnRef>
+          <a:fillRef idx="1">
+            <a:schemeClr val="accent1"/>
+          </a:fillRef>
+          <a:effectRef idx="0">
+            <a:schemeClr val="accent1"/>
+          </a:effectRef>
+          <a:fontRef idx="minor">
+            <a:schemeClr val="lt1"/>
+          </a:fontRef>
+        </p:style>
+        <p:txBody>
+          <a:bodyPr rtlCol="0" anchor="ctr"/>
+          <a:lstStyle/>
+          <a:p>
+            <a:pPr algn="ctr"/>
+            <a:endParaRPr lang="en-US"/>
+          </a:p>
+        </p:txBody>
+      </p:sp>
+      <p:cxnSp>
+        <p:nvCxnSpPr>
+          <p:cNvPr id="87" name="Straight Arrow Connector 86">
+            <a:extLst>
+              <a:ext uri="{FF2B5EF4-FFF2-40B4-BE49-F238E27FC236}">
+                <a16:creationId xmlns:a16="http://schemas.microsoft.com/office/drawing/2014/main" id="{C2B35837-A05A-468B-9166-8AE33B0F416C}"/>
+              </a:ext>
+            </a:extLst>
+          </p:cNvPr>
+          <p:cNvCxnSpPr>
+            <a:cxnSpLocks/>
+            <a:stCxn id="183" idx="3"/>
+            <a:endCxn id="122" idx="1"/>
+          </p:cNvCxnSpPr>
+          <p:nvPr/>
+        </p:nvCxnSpPr>
+        <p:spPr>
+          <a:xfrm>
+            <a:off x="3755548" y="3150458"/>
+            <a:ext cx="1626697" cy="278542"/>
+          </a:xfrm>
+          <a:prstGeom prst="straightConnector1">
+            <a:avLst/>
+          </a:prstGeom>
+          <a:ln w="12700">
+            <a:solidFill>
+              <a:schemeClr val="bg1"/>
+            </a:solidFill>
+            <a:tailEnd type="triangle"/>
+          </a:ln>
+        </p:spPr>
+        <p:style>
+          <a:lnRef idx="1">
+            <a:schemeClr val="accent1"/>
+          </a:lnRef>
+          <a:fillRef idx="0">
+            <a:schemeClr val="accent1"/>
+          </a:fillRef>
+          <a:effectRef idx="0">
+            <a:schemeClr val="accent1"/>
+          </a:effectRef>
+          <a:fontRef idx="minor">
+            <a:schemeClr val="tx1"/>
+          </a:fontRef>
+        </p:style>
+      </p:cxnSp>
+      <p:cxnSp>
+        <p:nvCxnSpPr>
+          <p:cNvPr id="92" name="Straight Arrow Connector 91">
+            <a:extLst>
+              <a:ext uri="{FF2B5EF4-FFF2-40B4-BE49-F238E27FC236}">
+                <a16:creationId xmlns:a16="http://schemas.microsoft.com/office/drawing/2014/main" id="{FCF87FE3-9971-4784-863F-5CA44612046F}"/>
+              </a:ext>
+            </a:extLst>
+          </p:cNvPr>
+          <p:cNvCxnSpPr>
+            <a:cxnSpLocks/>
+            <a:stCxn id="184" idx="3"/>
+            <a:endCxn id="122" idx="1"/>
+          </p:cNvCxnSpPr>
+          <p:nvPr/>
+        </p:nvCxnSpPr>
+        <p:spPr>
+          <a:xfrm flipV="1">
+            <a:off x="3754180" y="3429000"/>
+            <a:ext cx="1628065" cy="468981"/>
+          </a:xfrm>
+          <a:prstGeom prst="straightConnector1">
+            <a:avLst/>
+          </a:prstGeom>
+          <a:ln w="12700">
+            <a:solidFill>
+              <a:schemeClr val="bg1"/>
+            </a:solidFill>
+            <a:tailEnd type="triangle"/>
+          </a:ln>
+        </p:spPr>
+        <p:style>
+          <a:lnRef idx="1">
+            <a:schemeClr val="accent1"/>
+          </a:lnRef>
+          <a:fillRef idx="0">
+            <a:schemeClr val="accent1"/>
+          </a:fillRef>
+          <a:effectRef idx="0">
+            <a:schemeClr val="accent1"/>
+          </a:effectRef>
+          <a:fontRef idx="minor">
+            <a:schemeClr val="tx1"/>
+          </a:fontRef>
+        </p:style>
+      </p:cxnSp>
+      <p:cxnSp>
+        <p:nvCxnSpPr>
+          <p:cNvPr id="95" name="Straight Arrow Connector 94">
+            <a:extLst>
+              <a:ext uri="{FF2B5EF4-FFF2-40B4-BE49-F238E27FC236}">
+                <a16:creationId xmlns:a16="http://schemas.microsoft.com/office/drawing/2014/main" id="{77ABDEA4-A39A-4932-BEEF-09712F0A3B3C}"/>
+              </a:ext>
+            </a:extLst>
+          </p:cNvPr>
+          <p:cNvCxnSpPr>
+            <a:cxnSpLocks/>
+            <a:stCxn id="185" idx="3"/>
+            <a:endCxn id="122" idx="1"/>
+          </p:cNvCxnSpPr>
+          <p:nvPr/>
+        </p:nvCxnSpPr>
+        <p:spPr>
+          <a:xfrm flipV="1">
+            <a:off x="3750040" y="3429000"/>
+            <a:ext cx="1632205" cy="1288803"/>
+          </a:xfrm>
+          <a:prstGeom prst="straightConnector1">
+            <a:avLst/>
+          </a:prstGeom>
+          <a:ln w="12700">
+            <a:solidFill>
+              <a:schemeClr val="bg1"/>
+            </a:solidFill>
+            <a:tailEnd type="triangle"/>
+          </a:ln>
+        </p:spPr>
+        <p:style>
+          <a:lnRef idx="1">
+            <a:schemeClr val="accent1"/>
+          </a:lnRef>
+          <a:fillRef idx="0">
+            <a:schemeClr val="accent1"/>
+          </a:fillRef>
+          <a:effectRef idx="0">
+            <a:schemeClr val="accent1"/>
+          </a:effectRef>
+          <a:fontRef idx="minor">
+            <a:schemeClr val="tx1"/>
+          </a:fontRef>
+        </p:style>
+      </p:cxnSp>
+      <p:cxnSp>
+        <p:nvCxnSpPr>
+          <p:cNvPr id="98" name="Straight Arrow Connector 97">
+            <a:extLst>
+              <a:ext uri="{FF2B5EF4-FFF2-40B4-BE49-F238E27FC236}">
+                <a16:creationId xmlns:a16="http://schemas.microsoft.com/office/drawing/2014/main" id="{14F60CE1-FFDD-4EA9-AFFD-38481C482C81}"/>
+              </a:ext>
+            </a:extLst>
+          </p:cNvPr>
+          <p:cNvCxnSpPr>
+            <a:cxnSpLocks/>
+            <a:stCxn id="186" idx="3"/>
+            <a:endCxn id="122" idx="1"/>
+          </p:cNvCxnSpPr>
+          <p:nvPr/>
+        </p:nvCxnSpPr>
+        <p:spPr>
+          <a:xfrm flipV="1">
+            <a:off x="3750039" y="3429000"/>
+            <a:ext cx="1632206" cy="2103162"/>
+          </a:xfrm>
+          <a:prstGeom prst="straightConnector1">
+            <a:avLst/>
+          </a:prstGeom>
+          <a:ln w="12700">
+            <a:solidFill>
+              <a:schemeClr val="bg1"/>
+            </a:solidFill>
+            <a:tailEnd type="triangle"/>
+          </a:ln>
+        </p:spPr>
+        <p:style>
+          <a:lnRef idx="1">
+            <a:schemeClr val="accent1"/>
+          </a:lnRef>
+          <a:fillRef idx="0">
+            <a:schemeClr val="accent1"/>
+          </a:fillRef>
+          <a:effectRef idx="0">
+            <a:schemeClr val="accent1"/>
+          </a:effectRef>
+          <a:fontRef idx="minor">
+            <a:schemeClr val="tx1"/>
+          </a:fontRef>
+        </p:style>
+      </p:cxnSp>
+      <p:cxnSp>
+        <p:nvCxnSpPr>
+          <p:cNvPr id="101" name="Straight Arrow Connector 100">
+            <a:extLst>
+              <a:ext uri="{FF2B5EF4-FFF2-40B4-BE49-F238E27FC236}">
+                <a16:creationId xmlns:a16="http://schemas.microsoft.com/office/drawing/2014/main" id="{5FD90B37-2A81-4D98-A985-23C801F3CA64}"/>
+              </a:ext>
+            </a:extLst>
+          </p:cNvPr>
+          <p:cNvCxnSpPr>
+            <a:cxnSpLocks/>
+            <a:stCxn id="182" idx="3"/>
+            <a:endCxn id="122" idx="1"/>
+          </p:cNvCxnSpPr>
+          <p:nvPr/>
+        </p:nvCxnSpPr>
+        <p:spPr>
+          <a:xfrm>
+            <a:off x="3755548" y="2249163"/>
+            <a:ext cx="1626697" cy="1179837"/>
+          </a:xfrm>
+          <a:prstGeom prst="straightConnector1">
+            <a:avLst/>
+          </a:prstGeom>
+          <a:ln w="12700">
+            <a:solidFill>
+              <a:schemeClr val="bg1"/>
+            </a:solidFill>
+            <a:tailEnd type="triangle"/>
+          </a:ln>
+        </p:spPr>
+        <p:style>
+          <a:lnRef idx="1">
+            <a:schemeClr val="accent1"/>
+          </a:lnRef>
+          <a:fillRef idx="0">
+            <a:schemeClr val="accent1"/>
+          </a:fillRef>
+          <a:effectRef idx="0">
+            <a:schemeClr val="accent1"/>
+          </a:effectRef>
+          <a:fontRef idx="minor">
+            <a:schemeClr val="tx1"/>
+          </a:fontRef>
+        </p:style>
+      </p:cxnSp>
+      <p:cxnSp>
+        <p:nvCxnSpPr>
+          <p:cNvPr id="104" name="Straight Arrow Connector 103">
+            <a:extLst>
+              <a:ext uri="{FF2B5EF4-FFF2-40B4-BE49-F238E27FC236}">
+                <a16:creationId xmlns:a16="http://schemas.microsoft.com/office/drawing/2014/main" id="{1C791439-7F6E-463C-8D43-D4DB9938AD04}"/>
+              </a:ext>
+            </a:extLst>
+          </p:cNvPr>
+          <p:cNvCxnSpPr>
+            <a:cxnSpLocks/>
+            <a:stCxn id="179" idx="3"/>
+            <a:endCxn id="122" idx="1"/>
+          </p:cNvCxnSpPr>
+          <p:nvPr/>
+        </p:nvCxnSpPr>
+        <p:spPr>
+          <a:xfrm>
+            <a:off x="3755548" y="1469728"/>
+            <a:ext cx="1626697" cy="1959272"/>
+          </a:xfrm>
+          <a:prstGeom prst="straightConnector1">
+            <a:avLst/>
+          </a:prstGeom>
+          <a:ln w="12700">
+            <a:solidFill>
+              <a:schemeClr val="bg1"/>
+            </a:solidFill>
+            <a:tailEnd type="triangle"/>
+          </a:ln>
+        </p:spPr>
+        <p:style>
+          <a:lnRef idx="1">
+            <a:schemeClr val="accent1"/>
+          </a:lnRef>
+          <a:fillRef idx="0">
+            <a:schemeClr val="accent1"/>
+          </a:fillRef>
+          <a:effectRef idx="0">
+            <a:schemeClr val="accent1"/>
+          </a:effectRef>
+          <a:fontRef idx="minor">
+            <a:schemeClr val="tx1"/>
+          </a:fontRef>
+        </p:style>
+      </p:cxnSp>
+      <p:pic>
+        <p:nvPicPr>
+          <p:cNvPr id="115" name="Picture 20" descr="AI - Free technology icons">
+            <a:extLst>
+              <a:ext uri="{FF2B5EF4-FFF2-40B4-BE49-F238E27FC236}">
+                <a16:creationId xmlns:a16="http://schemas.microsoft.com/office/drawing/2014/main" id="{51E478DA-6898-45E5-8C7F-9B68F873CD3C}"/>
+              </a:ext>
+            </a:extLst>
+          </p:cNvPr>
+          <p:cNvPicPr>
+            <a:picLocks noChangeAspect="1" noChangeArrowheads="1"/>
+          </p:cNvPicPr>
+          <p:nvPr/>
+        </p:nvPicPr>
+        <p:blipFill>
+          <a:blip r:embed="rId10">
+            <a:extLst>
+              <a:ext uri="{28A0092B-C50C-407E-A947-70E740481C1C}">
+                <a14:useLocalDpi xmlns:a14="http://schemas.microsoft.com/office/drawing/2010/main" val="0"/>
+              </a:ext>
+            </a:extLst>
+          </a:blip>
+          <a:srcRect/>
+          <a:stretch>
+            <a:fillRect/>
+          </a:stretch>
+        </p:blipFill>
+        <p:spPr bwMode="auto">
+          <a:xfrm>
+            <a:off x="5454057" y="3483349"/>
+            <a:ext cx="329735" cy="329735"/>
           </a:xfrm>
           <a:prstGeom prst="rect">
             <a:avLst/>
           </a:prstGeom>
           <a:noFill/>
+          <a:extLst>
+            <a:ext uri="{909E8E84-426E-40DD-AFC4-6F175D3DCCD1}">
+              <a14:hiddenFill xmlns:a14="http://schemas.microsoft.com/office/drawing/2010/main">
+                <a:solidFill>
+                  <a:srgbClr val="FFFFFF"/>
+                </a:solidFill>
+              </a14:hiddenFill>
+            </a:ext>
+          </a:extLst>
         </p:spPr>
+      </p:pic>
+      <p:pic>
+        <p:nvPicPr>
+          <p:cNvPr id="1034" name="Picture 10" descr="Arithmetic mean Statistics Symbol Sample mean and covariance, normal  distribution, angle, text png | PNGEgg">
+            <a:extLst>
+              <a:ext uri="{FF2B5EF4-FFF2-40B4-BE49-F238E27FC236}">
+                <a16:creationId xmlns:a16="http://schemas.microsoft.com/office/drawing/2014/main" id="{45C0F6F5-C6AD-4A72-87B8-727689331443}"/>
+              </a:ext>
+            </a:extLst>
+          </p:cNvPr>
+          <p:cNvPicPr>
+            <a:picLocks noChangeAspect="1" noChangeArrowheads="1"/>
+          </p:cNvPicPr>
+          <p:nvPr/>
+        </p:nvPicPr>
+        <p:blipFill rotWithShape="1">
+          <a:blip r:embed="rId11">
+            <a:duotone>
+              <a:prstClr val="black"/>
+              <a:schemeClr val="accent3">
+                <a:tint val="45000"/>
+                <a:satMod val="400000"/>
+              </a:schemeClr>
+            </a:duotone>
+            <a:extLst>
+              <a:ext uri="{BEBA8EAE-BF5A-486C-A8C5-ECC9F3942E4B}">
+                <a14:imgProps xmlns:a14="http://schemas.microsoft.com/office/drawing/2010/main">
+                  <a14:imgLayer r:embed="rId12">
+                    <a14:imgEffect>
+                      <a14:backgroundRemoval t="10000" b="90000" l="10000" r="90000">
+                        <a14:foregroundMark x1="34222" y1="17005" x2="34222" y2="17005"/>
+                      </a14:backgroundRemoval>
+                    </a14:imgEffect>
+                  </a14:imgLayer>
+                </a14:imgProps>
+              </a:ext>
+              <a:ext uri="{28A0092B-C50C-407E-A947-70E740481C1C}">
+                <a14:useLocalDpi xmlns:a14="http://schemas.microsoft.com/office/drawing/2010/main" val="0"/>
+              </a:ext>
+            </a:extLst>
+          </a:blip>
+          <a:srcRect l="5694" t="9232" r="13076" b="9876"/>
+          <a:stretch/>
+        </p:blipFill>
+        <p:spPr bwMode="auto">
+          <a:xfrm>
+            <a:off x="5433075" y="3033489"/>
+            <a:ext cx="329735" cy="341163"/>
+          </a:xfrm>
+          <a:prstGeom prst="rect">
+            <a:avLst/>
+          </a:prstGeom>
+          <a:noFill/>
+          <a:extLst>
+            <a:ext uri="{909E8E84-426E-40DD-AFC4-6F175D3DCCD1}">
+              <a14:hiddenFill xmlns:a14="http://schemas.microsoft.com/office/drawing/2010/main">
+                <a:solidFill>
+                  <a:srgbClr val="FFFFFF"/>
+                </a:solidFill>
+              </a14:hiddenFill>
+            </a:ext>
+          </a:extLst>
+        </p:spPr>
+      </p:pic>
+      <p:sp>
+        <p:nvSpPr>
+          <p:cNvPr id="139" name="Arrow: Right 138">
+            <a:extLst>
+              <a:ext uri="{FF2B5EF4-FFF2-40B4-BE49-F238E27FC236}">
+                <a16:creationId xmlns:a16="http://schemas.microsoft.com/office/drawing/2014/main" id="{31B07027-A6D2-4F9B-BF66-A0114352D8C4}"/>
+              </a:ext>
+            </a:extLst>
+          </p:cNvPr>
+          <p:cNvSpPr/>
+          <p:nvPr/>
+        </p:nvSpPr>
+        <p:spPr>
+          <a:xfrm>
+            <a:off x="6045599" y="3335246"/>
+            <a:ext cx="382947" cy="225846"/>
+          </a:xfrm>
+          <a:prstGeom prst="rightArrow">
+            <a:avLst/>
+          </a:prstGeom>
+          <a:solidFill>
+            <a:schemeClr val="bg1"/>
+          </a:solidFill>
+          <a:ln>
+            <a:noFill/>
+          </a:ln>
+        </p:spPr>
+        <p:style>
+          <a:lnRef idx="2">
+            <a:schemeClr val="accent1">
+              <a:shade val="50000"/>
+            </a:schemeClr>
+          </a:lnRef>
+          <a:fillRef idx="1">
+            <a:schemeClr val="accent1"/>
+          </a:fillRef>
+          <a:effectRef idx="0">
+            <a:schemeClr val="accent1"/>
+          </a:effectRef>
+          <a:fontRef idx="minor">
+            <a:schemeClr val="lt1"/>
+          </a:fontRef>
+        </p:style>
         <p:txBody>
-          <a:bodyPr wrap="none" rtlCol="0">
-            <a:spAutoFit/>
-          </a:bodyPr>
+          <a:bodyPr rtlCol="0" anchor="ctr"/>
           <a:lstStyle/>
           <a:p>
+            <a:pPr algn="ctr"/>
+            <a:endParaRPr lang="en-US"/>
+          </a:p>
+        </p:txBody>
+      </p:sp>
+      <p:pic>
+        <p:nvPicPr>
+          <p:cNvPr id="1052" name="Picture 1051">
+            <a:extLst>
+              <a:ext uri="{FF2B5EF4-FFF2-40B4-BE49-F238E27FC236}">
+                <a16:creationId xmlns:a16="http://schemas.microsoft.com/office/drawing/2014/main" id="{CC013F1E-10C3-4BEB-A066-2B6B4180E9C6}"/>
+              </a:ext>
+            </a:extLst>
+          </p:cNvPr>
+          <p:cNvPicPr>
+            <a:picLocks noChangeAspect="1"/>
+          </p:cNvPicPr>
+          <p:nvPr/>
+        </p:nvPicPr>
+        <p:blipFill>
+          <a:blip r:embed="rId13"/>
+          <a:stretch>
+            <a:fillRect/>
+          </a:stretch>
+        </p:blipFill>
+        <p:spPr>
+          <a:xfrm>
+            <a:off x="7006381" y="3181209"/>
+            <a:ext cx="787812" cy="252967"/>
+          </a:xfrm>
+          <a:prstGeom prst="rect">
+            <a:avLst/>
+          </a:prstGeom>
+        </p:spPr>
+      </p:pic>
+      <p:sp>
+        <p:nvSpPr>
+          <p:cNvPr id="1054" name="Rectangle: Rounded Corners 1053">
+            <a:extLst>
+              <a:ext uri="{FF2B5EF4-FFF2-40B4-BE49-F238E27FC236}">
+                <a16:creationId xmlns:a16="http://schemas.microsoft.com/office/drawing/2014/main" id="{C816072A-FC66-4ECD-A2DD-9D86101D6FBB}"/>
+              </a:ext>
+            </a:extLst>
+          </p:cNvPr>
+          <p:cNvSpPr/>
+          <p:nvPr/>
+        </p:nvSpPr>
+        <p:spPr>
+          <a:xfrm>
+            <a:off x="5382245" y="2729543"/>
+            <a:ext cx="473360" cy="182880"/>
+          </a:xfrm>
+          <a:prstGeom prst="roundRect">
+            <a:avLst>
+              <a:gd name="adj" fmla="val 5069"/>
+            </a:avLst>
+          </a:prstGeom>
+          <a:ln>
+            <a:noFill/>
+          </a:ln>
+        </p:spPr>
+        <p:style>
+          <a:lnRef idx="2">
+            <a:schemeClr val="accent1">
+              <a:shade val="50000"/>
+            </a:schemeClr>
+          </a:lnRef>
+          <a:fillRef idx="1">
+            <a:schemeClr val="accent1"/>
+          </a:fillRef>
+          <a:effectRef idx="0">
+            <a:schemeClr val="accent1"/>
+          </a:effectRef>
+          <a:fontRef idx="minor">
+            <a:schemeClr val="lt1"/>
+          </a:fontRef>
+        </p:style>
+        <p:txBody>
+          <a:bodyPr rtlCol="0" anchor="ctr"/>
+          <a:lstStyle/>
+          <a:p>
+            <a:pPr algn="ctr"/>
             <a:r>
-              <a:rPr lang="en-US" sz="2000" b="1" dirty="0">
-                <a:solidFill>
-                  <a:schemeClr val="bg1"/>
-                </a:solidFill>
+              <a:rPr lang="en-US" sz="800" b="1" dirty="0">
+                <a:latin typeface="Tahoma" panose="020B0604030504040204" pitchFamily="34" charset="0"/>
+                <a:ea typeface="Tahoma" panose="020B0604030504040204" pitchFamily="34" charset="0"/>
+                <a:cs typeface="Tahoma" panose="020B0604030504040204" pitchFamily="34" charset="0"/>
+              </a:rPr>
+              <a:t>Algo.</a:t>
+            </a:r>
+          </a:p>
+        </p:txBody>
+      </p:sp>
+      <p:sp>
+        <p:nvSpPr>
+          <p:cNvPr id="178" name="Rectangle 177">
+            <a:extLst>
+              <a:ext uri="{FF2B5EF4-FFF2-40B4-BE49-F238E27FC236}">
+                <a16:creationId xmlns:a16="http://schemas.microsoft.com/office/drawing/2014/main" id="{9BF16B37-3E72-4FBC-976B-AF18BA543214}"/>
+              </a:ext>
+            </a:extLst>
+          </p:cNvPr>
+          <p:cNvSpPr/>
+          <p:nvPr/>
+        </p:nvSpPr>
+        <p:spPr>
+          <a:xfrm>
+            <a:off x="10823331" y="0"/>
+            <a:ext cx="1368669" cy="224021"/>
+          </a:xfrm>
+          <a:prstGeom prst="rect">
+            <a:avLst/>
+          </a:prstGeom>
+          <a:noFill/>
+          <a:ln>
+            <a:noFill/>
+          </a:ln>
+        </p:spPr>
+        <p:style>
+          <a:lnRef idx="2">
+            <a:schemeClr val="accent1">
+              <a:shade val="50000"/>
+            </a:schemeClr>
+          </a:lnRef>
+          <a:fillRef idx="1">
+            <a:schemeClr val="accent1"/>
+          </a:fillRef>
+          <a:effectRef idx="0">
+            <a:schemeClr val="accent1"/>
+          </a:effectRef>
+          <a:fontRef idx="minor">
+            <a:schemeClr val="lt1"/>
+          </a:fontRef>
+        </p:style>
+        <p:txBody>
+          <a:bodyPr rtlCol="0" anchor="ctr"/>
+          <a:lstStyle/>
+          <a:p>
+            <a:pPr algn="ctr"/>
+            <a:r>
+              <a:rPr lang="en-US" sz="1800" b="1" dirty="0">
                 <a:latin typeface="Tahoma" panose="020B0604030504040204" pitchFamily="34" charset="0"/>
                 <a:ea typeface="Tahoma" panose="020B0604030504040204" pitchFamily="34" charset="0"/>
                 <a:cs typeface="Tahoma" panose="020B0604030504040204" pitchFamily="34" charset="0"/>
               </a:rPr>
               <a:t>Algorithm</a:t>
             </a:r>
-            <a:endParaRPr lang="th-TH" sz="2000" b="1" dirty="0">
-              <a:solidFill>
-                <a:schemeClr val="bg1"/>
-              </a:solidFill>
-              <a:latin typeface="Tahoma" panose="020B0604030504040204" pitchFamily="34" charset="0"/>
-              <a:ea typeface="Tahoma" panose="020B0604030504040204" pitchFamily="34" charset="0"/>
-              <a:cs typeface="Tahoma" panose="020B0604030504040204" pitchFamily="34" charset="0"/>
-            </a:endParaRPr>
           </a:p>
         </p:txBody>
       </p:sp>
+      <p:pic>
+        <p:nvPicPr>
+          <p:cNvPr id="179" name="Picture 20" descr="AI - Free technology icons">
+            <a:extLst>
+              <a:ext uri="{FF2B5EF4-FFF2-40B4-BE49-F238E27FC236}">
+                <a16:creationId xmlns:a16="http://schemas.microsoft.com/office/drawing/2014/main" id="{89F1E78D-6342-4C92-8E35-1255719A6081}"/>
+              </a:ext>
+            </a:extLst>
+          </p:cNvPr>
+          <p:cNvPicPr>
+            <a:picLocks noChangeAspect="1" noChangeArrowheads="1"/>
+          </p:cNvPicPr>
+          <p:nvPr/>
+        </p:nvPicPr>
+        <p:blipFill>
+          <a:blip r:embed="rId10">
+            <a:extLst>
+              <a:ext uri="{28A0092B-C50C-407E-A947-70E740481C1C}">
+                <a14:useLocalDpi xmlns:a14="http://schemas.microsoft.com/office/drawing/2010/main" val="0"/>
+              </a:ext>
+            </a:extLst>
+          </a:blip>
+          <a:srcRect/>
+          <a:stretch>
+            <a:fillRect/>
+          </a:stretch>
+        </p:blipFill>
+        <p:spPr bwMode="auto">
+          <a:xfrm>
+            <a:off x="3425813" y="1304860"/>
+            <a:ext cx="329735" cy="329735"/>
+          </a:xfrm>
+          <a:prstGeom prst="rect">
+            <a:avLst/>
+          </a:prstGeom>
+          <a:noFill/>
+          <a:extLst>
+            <a:ext uri="{909E8E84-426E-40DD-AFC4-6F175D3DCCD1}">
+              <a14:hiddenFill xmlns:a14="http://schemas.microsoft.com/office/drawing/2010/main">
+                <a:solidFill>
+                  <a:srgbClr val="FFFFFF"/>
+                </a:solidFill>
+              </a14:hiddenFill>
+            </a:ext>
+          </a:extLst>
+        </p:spPr>
+      </p:pic>
+      <p:pic>
+        <p:nvPicPr>
+          <p:cNvPr id="182" name="Picture 20" descr="AI - Free technology icons">
+            <a:extLst>
+              <a:ext uri="{FF2B5EF4-FFF2-40B4-BE49-F238E27FC236}">
+                <a16:creationId xmlns:a16="http://schemas.microsoft.com/office/drawing/2014/main" id="{A64AC513-02B6-4DCC-8C6D-F867DDE981D5}"/>
+              </a:ext>
+            </a:extLst>
+          </p:cNvPr>
+          <p:cNvPicPr>
+            <a:picLocks noChangeAspect="1" noChangeArrowheads="1"/>
+          </p:cNvPicPr>
+          <p:nvPr/>
+        </p:nvPicPr>
+        <p:blipFill>
+          <a:blip r:embed="rId10">
+            <a:extLst>
+              <a:ext uri="{28A0092B-C50C-407E-A947-70E740481C1C}">
+                <a14:useLocalDpi xmlns:a14="http://schemas.microsoft.com/office/drawing/2010/main" val="0"/>
+              </a:ext>
+            </a:extLst>
+          </a:blip>
+          <a:srcRect/>
+          <a:stretch>
+            <a:fillRect/>
+          </a:stretch>
+        </p:blipFill>
+        <p:spPr bwMode="auto">
+          <a:xfrm>
+            <a:off x="3425813" y="2084295"/>
+            <a:ext cx="329735" cy="329735"/>
+          </a:xfrm>
+          <a:prstGeom prst="rect">
+            <a:avLst/>
+          </a:prstGeom>
+          <a:noFill/>
+          <a:extLst>
+            <a:ext uri="{909E8E84-426E-40DD-AFC4-6F175D3DCCD1}">
+              <a14:hiddenFill xmlns:a14="http://schemas.microsoft.com/office/drawing/2010/main">
+                <a:solidFill>
+                  <a:srgbClr val="FFFFFF"/>
+                </a:solidFill>
+              </a14:hiddenFill>
+            </a:ext>
+          </a:extLst>
+        </p:spPr>
+      </p:pic>
+      <p:pic>
+        <p:nvPicPr>
+          <p:cNvPr id="183" name="Picture 20" descr="AI - Free technology icons">
+            <a:extLst>
+              <a:ext uri="{FF2B5EF4-FFF2-40B4-BE49-F238E27FC236}">
+                <a16:creationId xmlns:a16="http://schemas.microsoft.com/office/drawing/2014/main" id="{A4A7A61E-4A4E-492E-BD3C-231C8E0DB1FA}"/>
+              </a:ext>
+            </a:extLst>
+          </p:cNvPr>
+          <p:cNvPicPr>
+            <a:picLocks noChangeAspect="1" noChangeArrowheads="1"/>
+          </p:cNvPicPr>
+          <p:nvPr/>
+        </p:nvPicPr>
+        <p:blipFill>
+          <a:blip r:embed="rId10">
+            <a:extLst>
+              <a:ext uri="{28A0092B-C50C-407E-A947-70E740481C1C}">
+                <a14:useLocalDpi xmlns:a14="http://schemas.microsoft.com/office/drawing/2010/main" val="0"/>
+              </a:ext>
+            </a:extLst>
+          </a:blip>
+          <a:srcRect/>
+          <a:stretch>
+            <a:fillRect/>
+          </a:stretch>
+        </p:blipFill>
+        <p:spPr bwMode="auto">
+          <a:xfrm>
+            <a:off x="3425813" y="2985590"/>
+            <a:ext cx="329735" cy="329735"/>
+          </a:xfrm>
+          <a:prstGeom prst="rect">
+            <a:avLst/>
+          </a:prstGeom>
+          <a:noFill/>
+          <a:extLst>
+            <a:ext uri="{909E8E84-426E-40DD-AFC4-6F175D3DCCD1}">
+              <a14:hiddenFill xmlns:a14="http://schemas.microsoft.com/office/drawing/2010/main">
+                <a:solidFill>
+                  <a:srgbClr val="FFFFFF"/>
+                </a:solidFill>
+              </a14:hiddenFill>
+            </a:ext>
+          </a:extLst>
+        </p:spPr>
+      </p:pic>
+      <p:pic>
+        <p:nvPicPr>
+          <p:cNvPr id="184" name="Picture 20" descr="AI - Free technology icons">
+            <a:extLst>
+              <a:ext uri="{FF2B5EF4-FFF2-40B4-BE49-F238E27FC236}">
+                <a16:creationId xmlns:a16="http://schemas.microsoft.com/office/drawing/2014/main" id="{18195716-6451-415A-9DB2-A63B92AB5B8B}"/>
+              </a:ext>
+            </a:extLst>
+          </p:cNvPr>
+          <p:cNvPicPr>
+            <a:picLocks noChangeAspect="1" noChangeArrowheads="1"/>
+          </p:cNvPicPr>
+          <p:nvPr/>
+        </p:nvPicPr>
+        <p:blipFill>
+          <a:blip r:embed="rId10">
+            <a:extLst>
+              <a:ext uri="{28A0092B-C50C-407E-A947-70E740481C1C}">
+                <a14:useLocalDpi xmlns:a14="http://schemas.microsoft.com/office/drawing/2010/main" val="0"/>
+              </a:ext>
+            </a:extLst>
+          </a:blip>
+          <a:srcRect/>
+          <a:stretch>
+            <a:fillRect/>
+          </a:stretch>
+        </p:blipFill>
+        <p:spPr bwMode="auto">
+          <a:xfrm>
+            <a:off x="3424445" y="3733113"/>
+            <a:ext cx="329735" cy="329735"/>
+          </a:xfrm>
+          <a:prstGeom prst="rect">
+            <a:avLst/>
+          </a:prstGeom>
+          <a:noFill/>
+          <a:extLst>
+            <a:ext uri="{909E8E84-426E-40DD-AFC4-6F175D3DCCD1}">
+              <a14:hiddenFill xmlns:a14="http://schemas.microsoft.com/office/drawing/2010/main">
+                <a:solidFill>
+                  <a:srgbClr val="FFFFFF"/>
+                </a:solidFill>
+              </a14:hiddenFill>
+            </a:ext>
+          </a:extLst>
+        </p:spPr>
+      </p:pic>
+      <p:pic>
+        <p:nvPicPr>
+          <p:cNvPr id="185" name="Picture 20" descr="AI - Free technology icons">
+            <a:extLst>
+              <a:ext uri="{FF2B5EF4-FFF2-40B4-BE49-F238E27FC236}">
+                <a16:creationId xmlns:a16="http://schemas.microsoft.com/office/drawing/2014/main" id="{C2AA407E-E7A3-461F-84B8-E41A693AB8BD}"/>
+              </a:ext>
+            </a:extLst>
+          </p:cNvPr>
+          <p:cNvPicPr>
+            <a:picLocks noChangeAspect="1" noChangeArrowheads="1"/>
+          </p:cNvPicPr>
+          <p:nvPr/>
+        </p:nvPicPr>
+        <p:blipFill>
+          <a:blip r:embed="rId10">
+            <a:extLst>
+              <a:ext uri="{28A0092B-C50C-407E-A947-70E740481C1C}">
+                <a14:useLocalDpi xmlns:a14="http://schemas.microsoft.com/office/drawing/2010/main" val="0"/>
+              </a:ext>
+            </a:extLst>
+          </a:blip>
+          <a:srcRect/>
+          <a:stretch>
+            <a:fillRect/>
+          </a:stretch>
+        </p:blipFill>
+        <p:spPr bwMode="auto">
+          <a:xfrm>
+            <a:off x="3420305" y="4552935"/>
+            <a:ext cx="329735" cy="329735"/>
+          </a:xfrm>
+          <a:prstGeom prst="rect">
+            <a:avLst/>
+          </a:prstGeom>
+          <a:noFill/>
+          <a:extLst>
+            <a:ext uri="{909E8E84-426E-40DD-AFC4-6F175D3DCCD1}">
+              <a14:hiddenFill xmlns:a14="http://schemas.microsoft.com/office/drawing/2010/main">
+                <a:solidFill>
+                  <a:srgbClr val="FFFFFF"/>
+                </a:solidFill>
+              </a14:hiddenFill>
+            </a:ext>
+          </a:extLst>
+        </p:spPr>
+      </p:pic>
+      <p:pic>
+        <p:nvPicPr>
+          <p:cNvPr id="186" name="Picture 20" descr="AI - Free technology icons">
+            <a:extLst>
+              <a:ext uri="{FF2B5EF4-FFF2-40B4-BE49-F238E27FC236}">
+                <a16:creationId xmlns:a16="http://schemas.microsoft.com/office/drawing/2014/main" id="{94712042-F22B-4905-B525-02E4750C8366}"/>
+              </a:ext>
+            </a:extLst>
+          </p:cNvPr>
+          <p:cNvPicPr>
+            <a:picLocks noChangeAspect="1" noChangeArrowheads="1"/>
+          </p:cNvPicPr>
+          <p:nvPr/>
+        </p:nvPicPr>
+        <p:blipFill>
+          <a:blip r:embed="rId10">
+            <a:extLst>
+              <a:ext uri="{28A0092B-C50C-407E-A947-70E740481C1C}">
+                <a14:useLocalDpi xmlns:a14="http://schemas.microsoft.com/office/drawing/2010/main" val="0"/>
+              </a:ext>
+            </a:extLst>
+          </a:blip>
+          <a:srcRect/>
+          <a:stretch>
+            <a:fillRect/>
+          </a:stretch>
+        </p:blipFill>
+        <p:spPr bwMode="auto">
+          <a:xfrm>
+            <a:off x="3420304" y="5367294"/>
+            <a:ext cx="329735" cy="329735"/>
+          </a:xfrm>
+          <a:prstGeom prst="rect">
+            <a:avLst/>
+          </a:prstGeom>
+          <a:noFill/>
+          <a:extLst>
+            <a:ext uri="{909E8E84-426E-40DD-AFC4-6F175D3DCCD1}">
+              <a14:hiddenFill xmlns:a14="http://schemas.microsoft.com/office/drawing/2010/main">
+                <a:solidFill>
+                  <a:srgbClr val="FFFFFF"/>
+                </a:solidFill>
+              </a14:hiddenFill>
+            </a:ext>
+          </a:extLst>
+        </p:spPr>
+      </p:pic>
     </p:spTree>
     <p:extLst>
       <p:ext uri="{BB962C8B-B14F-4D97-AF65-F5344CB8AC3E}">
@@ -29165,6 +32413,283 @@
 </file>
 
 <file path=ppt/slides/slide5.xml><?xml version="1.0" encoding="utf-8"?>
+<p:sld xmlns:a="http://schemas.openxmlformats.org/drawingml/2006/main" xmlns:r="http://schemas.openxmlformats.org/officeDocument/2006/relationships" xmlns:p="http://schemas.openxmlformats.org/presentationml/2006/main">
+  <p:cSld>
+    <p:bg>
+      <p:bgPr>
+        <a:solidFill>
+          <a:schemeClr val="tx1"/>
+        </a:solidFill>
+        <a:effectLst/>
+      </p:bgPr>
+    </p:bg>
+    <p:spTree>
+      <p:nvGrpSpPr>
+        <p:cNvPr id="1" name=""/>
+        <p:cNvGrpSpPr/>
+        <p:nvPr/>
+      </p:nvGrpSpPr>
+      <p:grpSpPr>
+        <a:xfrm>
+          <a:off x="0" y="0"/>
+          <a:ext cx="0" cy="0"/>
+          <a:chOff x="0" y="0"/>
+          <a:chExt cx="0" cy="0"/>
+        </a:xfrm>
+      </p:grpSpPr>
+      <p:sp>
+        <p:nvSpPr>
+          <p:cNvPr id="4" name="Rectangle 3">
+            <a:extLst>
+              <a:ext uri="{FF2B5EF4-FFF2-40B4-BE49-F238E27FC236}">
+                <a16:creationId xmlns:a16="http://schemas.microsoft.com/office/drawing/2014/main" id="{FE755F91-D50A-4E9E-A693-64DB3F98E1DF}"/>
+              </a:ext>
+            </a:extLst>
+          </p:cNvPr>
+          <p:cNvSpPr/>
+          <p:nvPr/>
+        </p:nvSpPr>
+        <p:spPr>
+          <a:xfrm>
+            <a:off x="11236569" y="0"/>
+            <a:ext cx="955431" cy="224021"/>
+          </a:xfrm>
+          <a:prstGeom prst="rect">
+            <a:avLst/>
+          </a:prstGeom>
+          <a:noFill/>
+          <a:ln>
+            <a:noFill/>
+          </a:ln>
+        </p:spPr>
+        <p:style>
+          <a:lnRef idx="2">
+            <a:schemeClr val="accent1">
+              <a:shade val="50000"/>
+            </a:schemeClr>
+          </a:lnRef>
+          <a:fillRef idx="1">
+            <a:schemeClr val="accent1"/>
+          </a:fillRef>
+          <a:effectRef idx="0">
+            <a:schemeClr val="accent1"/>
+          </a:effectRef>
+          <a:fontRef idx="minor">
+            <a:schemeClr val="lt1"/>
+          </a:fontRef>
+        </p:style>
+        <p:txBody>
+          <a:bodyPr rtlCol="0" anchor="ctr"/>
+          <a:lstStyle/>
+          <a:p>
+            <a:pPr algn="ctr"/>
+            <a:r>
+              <a:rPr lang="en-US" sz="1800" b="1" dirty="0">
+                <a:latin typeface="Tahoma" panose="020B0604030504040204" pitchFamily="34" charset="0"/>
+                <a:ea typeface="Tahoma" panose="020B0604030504040204" pitchFamily="34" charset="0"/>
+                <a:cs typeface="Tahoma" panose="020B0604030504040204" pitchFamily="34" charset="0"/>
+              </a:rPr>
+              <a:t>Result</a:t>
+            </a:r>
+          </a:p>
+        </p:txBody>
+      </p:sp>
+      <p:sp>
+        <p:nvSpPr>
+          <p:cNvPr id="7" name="Rectangle 6">
+            <a:extLst>
+              <a:ext uri="{FF2B5EF4-FFF2-40B4-BE49-F238E27FC236}">
+                <a16:creationId xmlns:a16="http://schemas.microsoft.com/office/drawing/2014/main" id="{9FD6A215-22B0-4A64-A50C-97A7FB24591F}"/>
+              </a:ext>
+            </a:extLst>
+          </p:cNvPr>
+          <p:cNvSpPr/>
+          <p:nvPr/>
+        </p:nvSpPr>
+        <p:spPr>
+          <a:xfrm>
+            <a:off x="0" y="224021"/>
+            <a:ext cx="1990725" cy="224021"/>
+          </a:xfrm>
+          <a:prstGeom prst="rect">
+            <a:avLst/>
+          </a:prstGeom>
+          <a:noFill/>
+          <a:ln>
+            <a:noFill/>
+          </a:ln>
+        </p:spPr>
+        <p:style>
+          <a:lnRef idx="2">
+            <a:schemeClr val="accent1">
+              <a:shade val="50000"/>
+            </a:schemeClr>
+          </a:lnRef>
+          <a:fillRef idx="1">
+            <a:schemeClr val="accent1"/>
+          </a:fillRef>
+          <a:effectRef idx="0">
+            <a:schemeClr val="accent1"/>
+          </a:effectRef>
+          <a:fontRef idx="minor">
+            <a:schemeClr val="lt1"/>
+          </a:fontRef>
+        </p:style>
+        <p:txBody>
+          <a:bodyPr rtlCol="0" anchor="ctr"/>
+          <a:lstStyle/>
+          <a:p>
+            <a:pPr algn="ctr"/>
+            <a:r>
+              <a:rPr lang="en-US" sz="1800" b="1" dirty="0">
+                <a:latin typeface="Tahoma" panose="020B0604030504040204" pitchFamily="34" charset="0"/>
+                <a:ea typeface="Tahoma" panose="020B0604030504040204" pitchFamily="34" charset="0"/>
+                <a:cs typeface="Tahoma" panose="020B0604030504040204" pitchFamily="34" charset="0"/>
+              </a:rPr>
+              <a:t>Test site : EECU </a:t>
+            </a:r>
+          </a:p>
+        </p:txBody>
+      </p:sp>
+      <p:pic>
+        <p:nvPicPr>
+          <p:cNvPr id="9" name="Picture 8">
+            <a:extLst>
+              <a:ext uri="{FF2B5EF4-FFF2-40B4-BE49-F238E27FC236}">
+                <a16:creationId xmlns:a16="http://schemas.microsoft.com/office/drawing/2014/main" id="{D5A36F81-44A2-4139-9174-8AA6464203E5}"/>
+              </a:ext>
+            </a:extLst>
+          </p:cNvPr>
+          <p:cNvPicPr>
+            <a:picLocks noChangeAspect="1"/>
+          </p:cNvPicPr>
+          <p:nvPr/>
+        </p:nvPicPr>
+        <p:blipFill>
+          <a:blip r:embed="rId2"/>
+          <a:stretch>
+            <a:fillRect/>
+          </a:stretch>
+        </p:blipFill>
+        <p:spPr>
+          <a:xfrm>
+            <a:off x="0" y="2651088"/>
+            <a:ext cx="12192000" cy="1555823"/>
+          </a:xfrm>
+          <a:prstGeom prst="rect">
+            <a:avLst/>
+          </a:prstGeom>
+        </p:spPr>
+      </p:pic>
+    </p:spTree>
+    <p:extLst>
+      <p:ext uri="{BB962C8B-B14F-4D97-AF65-F5344CB8AC3E}">
+        <p14:creationId xmlns:p14="http://schemas.microsoft.com/office/powerpoint/2010/main" val="1570120534"/>
+      </p:ext>
+    </p:extLst>
+  </p:cSld>
+  <p:clrMapOvr>
+    <a:masterClrMapping/>
+  </p:clrMapOvr>
+</p:sld>
+</file>
+
+<file path=ppt/slides/slide6.xml><?xml version="1.0" encoding="utf-8"?>
+<p:sld xmlns:a="http://schemas.openxmlformats.org/drawingml/2006/main" xmlns:r="http://schemas.openxmlformats.org/officeDocument/2006/relationships" xmlns:p="http://schemas.openxmlformats.org/presentationml/2006/main" show="0">
+  <p:cSld>
+    <p:bg>
+      <p:bgPr>
+        <a:solidFill>
+          <a:schemeClr val="tx1"/>
+        </a:solidFill>
+        <a:effectLst/>
+      </p:bgPr>
+    </p:bg>
+    <p:spTree>
+      <p:nvGrpSpPr>
+        <p:cNvPr id="1" name=""/>
+        <p:cNvGrpSpPr/>
+        <p:nvPr/>
+      </p:nvGrpSpPr>
+      <p:grpSpPr>
+        <a:xfrm>
+          <a:off x="0" y="0"/>
+          <a:ext cx="0" cy="0"/>
+          <a:chOff x="0" y="0"/>
+          <a:chExt cx="0" cy="0"/>
+        </a:xfrm>
+      </p:grpSpPr>
+      <p:sp>
+        <p:nvSpPr>
+          <p:cNvPr id="4" name="Rectangle 3">
+            <a:extLst>
+              <a:ext uri="{FF2B5EF4-FFF2-40B4-BE49-F238E27FC236}">
+                <a16:creationId xmlns:a16="http://schemas.microsoft.com/office/drawing/2014/main" id="{6B020352-34EC-4F5A-8D09-C5910A2CFD70}"/>
+              </a:ext>
+            </a:extLst>
+          </p:cNvPr>
+          <p:cNvSpPr/>
+          <p:nvPr/>
+        </p:nvSpPr>
+        <p:spPr>
+          <a:xfrm>
+            <a:off x="10489223" y="0"/>
+            <a:ext cx="1702777" cy="224021"/>
+          </a:xfrm>
+          <a:prstGeom prst="rect">
+            <a:avLst/>
+          </a:prstGeom>
+          <a:noFill/>
+          <a:ln>
+            <a:noFill/>
+          </a:ln>
+        </p:spPr>
+        <p:style>
+          <a:lnRef idx="2">
+            <a:schemeClr val="accent1">
+              <a:shade val="50000"/>
+            </a:schemeClr>
+          </a:lnRef>
+          <a:fillRef idx="1">
+            <a:schemeClr val="accent1"/>
+          </a:fillRef>
+          <a:effectRef idx="0">
+            <a:schemeClr val="accent1"/>
+          </a:effectRef>
+          <a:fontRef idx="minor">
+            <a:schemeClr val="lt1"/>
+          </a:fontRef>
+        </p:style>
+        <p:txBody>
+          <a:bodyPr rtlCol="0" anchor="ctr"/>
+          <a:lstStyle/>
+          <a:p>
+            <a:pPr algn="ctr"/>
+            <a:r>
+              <a:rPr lang="en-US" sz="1800" b="1" dirty="0">
+                <a:latin typeface="Tahoma" panose="020B0604030504040204" pitchFamily="34" charset="0"/>
+                <a:ea typeface="Tahoma" panose="020B0604030504040204" pitchFamily="34" charset="0"/>
+                <a:cs typeface="Tahoma" panose="020B0604030504040204" pitchFamily="34" charset="0"/>
+              </a:rPr>
+              <a:t>Visualization</a:t>
+            </a:r>
+          </a:p>
+        </p:txBody>
+      </p:sp>
+    </p:spTree>
+    <p:extLst>
+      <p:ext uri="{BB962C8B-B14F-4D97-AF65-F5344CB8AC3E}">
+        <p14:creationId xmlns:p14="http://schemas.microsoft.com/office/powerpoint/2010/main" val="144713293"/>
+      </p:ext>
+    </p:extLst>
+  </p:cSld>
+  <p:clrMapOvr>
+    <a:masterClrMapping/>
+  </p:clrMapOvr>
+</p:sld>
+</file>
+
+<file path=ppt/slides/slide7.xml><?xml version="1.0" encoding="utf-8"?>
 <p:sld xmlns:a="http://schemas.openxmlformats.org/drawingml/2006/main" xmlns:r="http://schemas.openxmlformats.org/officeDocument/2006/relationships" xmlns:p="http://schemas.openxmlformats.org/presentationml/2006/main" show="0">
   <p:cSld>
     <p:spTree>
@@ -29230,7 +32755,7 @@
 </p:sld>
 </file>
 
-<file path=ppt/slides/slide6.xml><?xml version="1.0" encoding="utf-8"?>
+<file path=ppt/slides/slide8.xml><?xml version="1.0" encoding="utf-8"?>
 <p:sld xmlns:a="http://schemas.openxmlformats.org/drawingml/2006/main" xmlns:r="http://schemas.openxmlformats.org/officeDocument/2006/relationships" xmlns:p="http://schemas.openxmlformats.org/presentationml/2006/main" show="0">
   <p:cSld>
     <p:spTree>
@@ -29714,7 +33239,7 @@
 </p:sld>
 </file>
 
-<file path=ppt/slides/slide7.xml><?xml version="1.0" encoding="utf-8"?>
+<file path=ppt/slides/slide9.xml><?xml version="1.0" encoding="utf-8"?>
 <p:sld xmlns:a="http://schemas.openxmlformats.org/drawingml/2006/main" xmlns:r="http://schemas.openxmlformats.org/officeDocument/2006/relationships" xmlns:p="http://schemas.openxmlformats.org/presentationml/2006/main" show="0">
   <p:cSld>
     <p:spTree>
@@ -29794,754 +33319,6 @@
     <p:extLst>
       <p:ext uri="{BB962C8B-B14F-4D97-AF65-F5344CB8AC3E}">
         <p14:creationId xmlns:p14="http://schemas.microsoft.com/office/powerpoint/2010/main" val="3522425629"/>
-      </p:ext>
-    </p:extLst>
-  </p:cSld>
-  <p:clrMapOvr>
-    <a:masterClrMapping/>
-  </p:clrMapOvr>
-</p:sld>
-</file>
-
-<file path=ppt/slides/slide8.xml><?xml version="1.0" encoding="utf-8"?>
-<p:sld xmlns:a="http://schemas.openxmlformats.org/drawingml/2006/main" xmlns:r="http://schemas.openxmlformats.org/officeDocument/2006/relationships" xmlns:p="http://schemas.openxmlformats.org/presentationml/2006/main">
-  <p:cSld>
-    <p:spTree>
-      <p:nvGrpSpPr>
-        <p:cNvPr id="1" name=""/>
-        <p:cNvGrpSpPr/>
-        <p:nvPr/>
-      </p:nvGrpSpPr>
-      <p:grpSpPr>
-        <a:xfrm>
-          <a:off x="0" y="0"/>
-          <a:ext cx="0" cy="0"/>
-          <a:chOff x="0" y="0"/>
-          <a:chExt cx="0" cy="0"/>
-        </a:xfrm>
-      </p:grpSpPr>
-      <p:pic>
-        <p:nvPicPr>
-          <p:cNvPr id="11" name="Picture 10" descr="A picture containing logo&#10;&#10;Description automatically generated">
-            <a:extLst>
-              <a:ext uri="{FF2B5EF4-FFF2-40B4-BE49-F238E27FC236}">
-                <a16:creationId xmlns:a16="http://schemas.microsoft.com/office/drawing/2014/main" id="{F011E30A-FDD6-475C-B7CD-82190ED17857}"/>
-              </a:ext>
-            </a:extLst>
-          </p:cNvPr>
-          <p:cNvPicPr>
-            <a:picLocks noChangeAspect="1"/>
-          </p:cNvPicPr>
-          <p:nvPr/>
-        </p:nvPicPr>
-        <p:blipFill>
-          <a:blip r:embed="rId2">
-            <a:extLst>
-              <a:ext uri="{28A0092B-C50C-407E-A947-70E740481C1C}">
-                <a14:useLocalDpi xmlns:a14="http://schemas.microsoft.com/office/drawing/2010/main" val="0"/>
-              </a:ext>
-            </a:extLst>
-          </a:blip>
-          <a:stretch>
-            <a:fillRect/>
-          </a:stretch>
-        </p:blipFill>
-        <p:spPr>
-          <a:xfrm>
-            <a:off x="3123208" y="717768"/>
-            <a:ext cx="1349766" cy="245700"/>
-          </a:xfrm>
-          <a:prstGeom prst="rect">
-            <a:avLst/>
-          </a:prstGeom>
-        </p:spPr>
-      </p:pic>
-      <p:sp>
-        <p:nvSpPr>
-          <p:cNvPr id="14" name="Rectangle 13">
-            <a:extLst>
-              <a:ext uri="{FF2B5EF4-FFF2-40B4-BE49-F238E27FC236}">
-                <a16:creationId xmlns:a16="http://schemas.microsoft.com/office/drawing/2014/main" id="{469ECB73-30C3-42F5-AFB8-06EFCAEA0AA7}"/>
-              </a:ext>
-            </a:extLst>
-          </p:cNvPr>
-          <p:cNvSpPr/>
-          <p:nvPr/>
-        </p:nvSpPr>
-        <p:spPr>
-          <a:xfrm>
-            <a:off x="5061227" y="480618"/>
-            <a:ext cx="1728000" cy="720000"/>
-          </a:xfrm>
-          <a:prstGeom prst="rect">
-            <a:avLst/>
-          </a:prstGeom>
-          <a:noFill/>
-          <a:ln>
-            <a:solidFill>
-              <a:schemeClr val="tx1"/>
-            </a:solidFill>
-          </a:ln>
-        </p:spPr>
-        <p:style>
-          <a:lnRef idx="2">
-            <a:schemeClr val="accent1">
-              <a:shade val="50000"/>
-            </a:schemeClr>
-          </a:lnRef>
-          <a:fillRef idx="1">
-            <a:schemeClr val="accent1"/>
-          </a:fillRef>
-          <a:effectRef idx="0">
-            <a:schemeClr val="accent1"/>
-          </a:effectRef>
-          <a:fontRef idx="minor">
-            <a:schemeClr val="lt1"/>
-          </a:fontRef>
-        </p:style>
-        <p:txBody>
-          <a:bodyPr rtlCol="0" anchor="ctr"/>
-          <a:lstStyle/>
-          <a:p>
-            <a:r>
-              <a:rPr lang="en-US" sz="1100" b="1" dirty="0">
-                <a:solidFill>
-                  <a:srgbClr val="212121"/>
-                </a:solidFill>
-                <a:latin typeface="Tahoma" panose="020B0604030504040204" pitchFamily="34" charset="0"/>
-                <a:ea typeface="Tahoma" panose="020B0604030504040204" pitchFamily="34" charset="0"/>
-                <a:cs typeface="Tahoma" panose="020B0604030504040204" pitchFamily="34" charset="0"/>
-              </a:rPr>
-              <a:t>Forecast data</a:t>
-            </a:r>
-            <a:endParaRPr lang="en-US" sz="1100" b="1" i="0" dirty="0">
-              <a:solidFill>
-                <a:srgbClr val="212121"/>
-              </a:solidFill>
-              <a:effectLst/>
-              <a:latin typeface="Tahoma" panose="020B0604030504040204" pitchFamily="34" charset="0"/>
-              <a:ea typeface="Tahoma" panose="020B0604030504040204" pitchFamily="34" charset="0"/>
-              <a:cs typeface="Tahoma" panose="020B0604030504040204" pitchFamily="34" charset="0"/>
-            </a:endParaRPr>
-          </a:p>
-          <a:p>
-            <a:pPr marL="171450" indent="-171450">
-              <a:buFont typeface="Arial" panose="020B0604020202020204" pitchFamily="34" charset="0"/>
-              <a:buChar char="•"/>
-            </a:pPr>
-            <a:r>
-              <a:rPr lang="en-US" sz="1100" i="0" dirty="0">
-                <a:solidFill>
-                  <a:srgbClr val="212121"/>
-                </a:solidFill>
-                <a:effectLst/>
-                <a:latin typeface="Tahoma" panose="020B0604030504040204" pitchFamily="34" charset="0"/>
-                <a:ea typeface="Tahoma" panose="020B0604030504040204" pitchFamily="34" charset="0"/>
-                <a:cs typeface="Tahoma" panose="020B0604030504040204" pitchFamily="34" charset="0"/>
-              </a:rPr>
-              <a:t>Temp, </a:t>
-            </a:r>
-            <a:r>
-              <a:rPr lang="en-US" sz="1100" dirty="0">
-                <a:solidFill>
-                  <a:srgbClr val="212121"/>
-                </a:solidFill>
-                <a:latin typeface="Tahoma" panose="020B0604030504040204" pitchFamily="34" charset="0"/>
-                <a:ea typeface="Tahoma" panose="020B0604030504040204" pitchFamily="34" charset="0"/>
-                <a:cs typeface="Tahoma" panose="020B0604030504040204" pitchFamily="34" charset="0"/>
-              </a:rPr>
-              <a:t>Rh</a:t>
-            </a:r>
-          </a:p>
-          <a:p>
-            <a:pPr marL="171450" indent="-171450">
-              <a:buFont typeface="Arial" panose="020B0604020202020204" pitchFamily="34" charset="0"/>
-              <a:buChar char="•"/>
-            </a:pPr>
-            <a:r>
-              <a:rPr lang="en-US" sz="1100" i="0" dirty="0">
-                <a:solidFill>
-                  <a:srgbClr val="212121"/>
-                </a:solidFill>
-                <a:effectLst/>
-                <a:latin typeface="Tahoma" panose="020B0604030504040204" pitchFamily="34" charset="0"/>
-                <a:ea typeface="Tahoma" panose="020B0604030504040204" pitchFamily="34" charset="0"/>
-                <a:cs typeface="Tahoma" panose="020B0604030504040204" pitchFamily="34" charset="0"/>
-              </a:rPr>
-              <a:t>Hourly</a:t>
-            </a:r>
-          </a:p>
-          <a:p>
-            <a:pPr marL="171450" indent="-171450">
-              <a:buFont typeface="Arial" panose="020B0604020202020204" pitchFamily="34" charset="0"/>
-              <a:buChar char="•"/>
-            </a:pPr>
-            <a:r>
-              <a:rPr lang="en-US" sz="1100" dirty="0">
-                <a:solidFill>
-                  <a:srgbClr val="212121"/>
-                </a:solidFill>
-                <a:latin typeface="Tahoma" panose="020B0604030504040204" pitchFamily="34" charset="0"/>
-                <a:ea typeface="Tahoma" panose="020B0604030504040204" pitchFamily="34" charset="0"/>
-                <a:cs typeface="Tahoma" panose="020B0604030504040204" pitchFamily="34" charset="0"/>
-              </a:rPr>
-              <a:t>Forecast (T to T+14 )</a:t>
-            </a:r>
-            <a:endParaRPr lang="en-US" sz="1100" i="0" dirty="0">
-              <a:solidFill>
-                <a:srgbClr val="212121"/>
-              </a:solidFill>
-              <a:effectLst/>
-              <a:latin typeface="Tahoma" panose="020B0604030504040204" pitchFamily="34" charset="0"/>
-              <a:ea typeface="Tahoma" panose="020B0604030504040204" pitchFamily="34" charset="0"/>
-              <a:cs typeface="Tahoma" panose="020B0604030504040204" pitchFamily="34" charset="0"/>
-            </a:endParaRPr>
-          </a:p>
-        </p:txBody>
-      </p:sp>
-      <p:cxnSp>
-        <p:nvCxnSpPr>
-          <p:cNvPr id="15" name="Straight Arrow Connector 14">
-            <a:extLst>
-              <a:ext uri="{FF2B5EF4-FFF2-40B4-BE49-F238E27FC236}">
-                <a16:creationId xmlns:a16="http://schemas.microsoft.com/office/drawing/2014/main" id="{A22B356F-F308-449A-800D-53DA3D775605}"/>
-              </a:ext>
-            </a:extLst>
-          </p:cNvPr>
-          <p:cNvCxnSpPr>
-            <a:cxnSpLocks/>
-            <a:stCxn id="11" idx="3"/>
-            <a:endCxn id="14" idx="1"/>
-          </p:cNvCxnSpPr>
-          <p:nvPr/>
-        </p:nvCxnSpPr>
-        <p:spPr>
-          <a:xfrm>
-            <a:off x="4472974" y="840618"/>
-            <a:ext cx="588253" cy="0"/>
-          </a:xfrm>
-          <a:prstGeom prst="straightConnector1">
-            <a:avLst/>
-          </a:prstGeom>
-          <a:ln w="28575">
-            <a:solidFill>
-              <a:srgbClr val="002060"/>
-            </a:solidFill>
-            <a:tailEnd type="triangle"/>
-          </a:ln>
-        </p:spPr>
-        <p:style>
-          <a:lnRef idx="1">
-            <a:schemeClr val="accent1"/>
-          </a:lnRef>
-          <a:fillRef idx="0">
-            <a:schemeClr val="accent1"/>
-          </a:fillRef>
-          <a:effectRef idx="0">
-            <a:schemeClr val="accent1"/>
-          </a:effectRef>
-          <a:fontRef idx="minor">
-            <a:schemeClr val="tx1"/>
-          </a:fontRef>
-        </p:style>
-      </p:cxnSp>
-      <p:sp>
-        <p:nvSpPr>
-          <p:cNvPr id="21" name="Rectangle 20">
-            <a:extLst>
-              <a:ext uri="{FF2B5EF4-FFF2-40B4-BE49-F238E27FC236}">
-                <a16:creationId xmlns:a16="http://schemas.microsoft.com/office/drawing/2014/main" id="{445ED57A-07E5-4145-9987-E08B423CE17F}"/>
-              </a:ext>
-            </a:extLst>
-          </p:cNvPr>
-          <p:cNvSpPr/>
-          <p:nvPr/>
-        </p:nvSpPr>
-        <p:spPr>
-          <a:xfrm>
-            <a:off x="5061227" y="1560618"/>
-            <a:ext cx="1728000" cy="720000"/>
-          </a:xfrm>
-          <a:prstGeom prst="rect">
-            <a:avLst/>
-          </a:prstGeom>
-          <a:noFill/>
-          <a:ln>
-            <a:solidFill>
-              <a:schemeClr val="tx1"/>
-            </a:solidFill>
-          </a:ln>
-        </p:spPr>
-        <p:style>
-          <a:lnRef idx="2">
-            <a:schemeClr val="accent1">
-              <a:shade val="50000"/>
-            </a:schemeClr>
-          </a:lnRef>
-          <a:fillRef idx="1">
-            <a:schemeClr val="accent1"/>
-          </a:fillRef>
-          <a:effectRef idx="0">
-            <a:schemeClr val="accent1"/>
-          </a:effectRef>
-          <a:fontRef idx="minor">
-            <a:schemeClr val="lt1"/>
-          </a:fontRef>
-        </p:style>
-        <p:txBody>
-          <a:bodyPr rtlCol="0" anchor="ctr"/>
-          <a:lstStyle/>
-          <a:p>
-            <a:r>
-              <a:rPr lang="en-US" sz="1100" b="1" dirty="0">
-                <a:solidFill>
-                  <a:srgbClr val="212121"/>
-                </a:solidFill>
-                <a:latin typeface="Tahoma" panose="020B0604030504040204" pitchFamily="34" charset="0"/>
-                <a:ea typeface="Tahoma" panose="020B0604030504040204" pitchFamily="34" charset="0"/>
-                <a:cs typeface="Tahoma" panose="020B0604030504040204" pitchFamily="34" charset="0"/>
-              </a:rPr>
-              <a:t>Historical data</a:t>
-            </a:r>
-            <a:endParaRPr lang="en-US" sz="1100" b="1" i="0" dirty="0">
-              <a:solidFill>
-                <a:srgbClr val="212121"/>
-              </a:solidFill>
-              <a:effectLst/>
-              <a:latin typeface="Tahoma" panose="020B0604030504040204" pitchFamily="34" charset="0"/>
-              <a:ea typeface="Tahoma" panose="020B0604030504040204" pitchFamily="34" charset="0"/>
-              <a:cs typeface="Tahoma" panose="020B0604030504040204" pitchFamily="34" charset="0"/>
-            </a:endParaRPr>
-          </a:p>
-          <a:p>
-            <a:pPr marL="171450" indent="-171450">
-              <a:buFont typeface="Arial" panose="020B0604020202020204" pitchFamily="34" charset="0"/>
-              <a:buChar char="•"/>
-            </a:pPr>
-            <a:r>
-              <a:rPr lang="en-US" sz="1100" i="0" dirty="0">
-                <a:solidFill>
-                  <a:srgbClr val="212121"/>
-                </a:solidFill>
-                <a:effectLst/>
-                <a:latin typeface="Tahoma" panose="020B0604030504040204" pitchFamily="34" charset="0"/>
-                <a:ea typeface="Tahoma" panose="020B0604030504040204" pitchFamily="34" charset="0"/>
-                <a:cs typeface="Tahoma" panose="020B0604030504040204" pitchFamily="34" charset="0"/>
-              </a:rPr>
-              <a:t>Temp, </a:t>
-            </a:r>
-            <a:r>
-              <a:rPr lang="en-US" sz="1100" dirty="0">
-                <a:solidFill>
-                  <a:srgbClr val="212121"/>
-                </a:solidFill>
-                <a:latin typeface="Tahoma" panose="020B0604030504040204" pitchFamily="34" charset="0"/>
-                <a:ea typeface="Tahoma" panose="020B0604030504040204" pitchFamily="34" charset="0"/>
-                <a:cs typeface="Tahoma" panose="020B0604030504040204" pitchFamily="34" charset="0"/>
-              </a:rPr>
-              <a:t>Rh</a:t>
-            </a:r>
-          </a:p>
-          <a:p>
-            <a:pPr marL="171450" indent="-171450">
-              <a:buFont typeface="Arial" panose="020B0604020202020204" pitchFamily="34" charset="0"/>
-              <a:buChar char="•"/>
-            </a:pPr>
-            <a:r>
-              <a:rPr lang="en-US" sz="1100" i="0" dirty="0">
-                <a:solidFill>
-                  <a:srgbClr val="212121"/>
-                </a:solidFill>
-                <a:effectLst/>
-                <a:latin typeface="Tahoma" panose="020B0604030504040204" pitchFamily="34" charset="0"/>
-                <a:ea typeface="Tahoma" panose="020B0604030504040204" pitchFamily="34" charset="0"/>
-                <a:cs typeface="Tahoma" panose="020B0604030504040204" pitchFamily="34" charset="0"/>
-              </a:rPr>
-              <a:t>Hourly</a:t>
-            </a:r>
-          </a:p>
-        </p:txBody>
-      </p:sp>
-      <p:cxnSp>
-        <p:nvCxnSpPr>
-          <p:cNvPr id="22" name="Connector: Elbow 21">
-            <a:extLst>
-              <a:ext uri="{FF2B5EF4-FFF2-40B4-BE49-F238E27FC236}">
-                <a16:creationId xmlns:a16="http://schemas.microsoft.com/office/drawing/2014/main" id="{BF070342-590D-4973-901F-93DC58A61200}"/>
-              </a:ext>
-            </a:extLst>
-          </p:cNvPr>
-          <p:cNvCxnSpPr>
-            <a:cxnSpLocks/>
-            <a:stCxn id="11" idx="3"/>
-            <a:endCxn id="21" idx="1"/>
-          </p:cNvCxnSpPr>
-          <p:nvPr/>
-        </p:nvCxnSpPr>
-        <p:spPr>
-          <a:xfrm>
-            <a:off x="4472974" y="840618"/>
-            <a:ext cx="588253" cy="1080000"/>
-          </a:xfrm>
-          <a:prstGeom prst="bentConnector3">
-            <a:avLst>
-              <a:gd name="adj1" fmla="val 50000"/>
-            </a:avLst>
-          </a:prstGeom>
-          <a:ln w="28575">
-            <a:solidFill>
-              <a:srgbClr val="002060"/>
-            </a:solidFill>
-            <a:tailEnd type="triangle"/>
-          </a:ln>
-        </p:spPr>
-        <p:style>
-          <a:lnRef idx="1">
-            <a:schemeClr val="accent1"/>
-          </a:lnRef>
-          <a:fillRef idx="0">
-            <a:schemeClr val="accent1"/>
-          </a:fillRef>
-          <a:effectRef idx="0">
-            <a:schemeClr val="accent1"/>
-          </a:effectRef>
-          <a:fontRef idx="minor">
-            <a:schemeClr val="tx1"/>
-          </a:fontRef>
-        </p:style>
-      </p:cxnSp>
-      <p:sp>
-        <p:nvSpPr>
-          <p:cNvPr id="30" name="Rectangle 29">
-            <a:extLst>
-              <a:ext uri="{FF2B5EF4-FFF2-40B4-BE49-F238E27FC236}">
-                <a16:creationId xmlns:a16="http://schemas.microsoft.com/office/drawing/2014/main" id="{17C6B3F0-90D6-47FB-9D60-81C8AA55F1B9}"/>
-              </a:ext>
-            </a:extLst>
-          </p:cNvPr>
-          <p:cNvSpPr/>
-          <p:nvPr/>
-        </p:nvSpPr>
-        <p:spPr>
-          <a:xfrm>
-            <a:off x="1016974" y="588618"/>
-            <a:ext cx="1728000" cy="504000"/>
-          </a:xfrm>
-          <a:prstGeom prst="rect">
-            <a:avLst/>
-          </a:prstGeom>
-          <a:noFill/>
-          <a:ln>
-            <a:solidFill>
-              <a:schemeClr val="tx1"/>
-            </a:solidFill>
-          </a:ln>
-        </p:spPr>
-        <p:style>
-          <a:lnRef idx="2">
-            <a:schemeClr val="accent1">
-              <a:shade val="50000"/>
-            </a:schemeClr>
-          </a:lnRef>
-          <a:fillRef idx="1">
-            <a:schemeClr val="accent1"/>
-          </a:fillRef>
-          <a:effectRef idx="0">
-            <a:schemeClr val="accent1"/>
-          </a:effectRef>
-          <a:fontRef idx="minor">
-            <a:schemeClr val="lt1"/>
-          </a:fontRef>
-        </p:style>
-        <p:txBody>
-          <a:bodyPr rtlCol="0" anchor="ctr"/>
-          <a:lstStyle/>
-          <a:p>
-            <a:r>
-              <a:rPr lang="en-US" sz="1100" b="1" dirty="0">
-                <a:solidFill>
-                  <a:srgbClr val="212121"/>
-                </a:solidFill>
-                <a:latin typeface="Tahoma" panose="020B0604030504040204" pitchFamily="34" charset="0"/>
-                <a:ea typeface="Tahoma" panose="020B0604030504040204" pitchFamily="34" charset="0"/>
-                <a:cs typeface="Tahoma" panose="020B0604030504040204" pitchFamily="34" charset="0"/>
-              </a:rPr>
-              <a:t>Input</a:t>
-            </a:r>
-            <a:endParaRPr lang="en-US" sz="1100" b="1" i="0" dirty="0">
-              <a:solidFill>
-                <a:srgbClr val="212121"/>
-              </a:solidFill>
-              <a:effectLst/>
-              <a:latin typeface="Tahoma" panose="020B0604030504040204" pitchFamily="34" charset="0"/>
-              <a:ea typeface="Tahoma" panose="020B0604030504040204" pitchFamily="34" charset="0"/>
-              <a:cs typeface="Tahoma" panose="020B0604030504040204" pitchFamily="34" charset="0"/>
-            </a:endParaRPr>
-          </a:p>
-          <a:p>
-            <a:pPr marL="171450" indent="-171450">
-              <a:buFont typeface="Arial" panose="020B0604020202020204" pitchFamily="34" charset="0"/>
-              <a:buChar char="•"/>
-            </a:pPr>
-            <a:r>
-              <a:rPr lang="en-US" sz="1100" i="0" dirty="0">
-                <a:solidFill>
-                  <a:srgbClr val="212121"/>
-                </a:solidFill>
-                <a:effectLst/>
-                <a:latin typeface="Tahoma" panose="020B0604030504040204" pitchFamily="34" charset="0"/>
-                <a:ea typeface="Tahoma" panose="020B0604030504040204" pitchFamily="34" charset="0"/>
-                <a:cs typeface="Tahoma" panose="020B0604030504040204" pitchFamily="34" charset="0"/>
-              </a:rPr>
-              <a:t>Lat, </a:t>
-            </a:r>
-            <a:r>
-              <a:rPr lang="en-US" sz="1100" dirty="0" err="1">
-                <a:solidFill>
-                  <a:srgbClr val="212121"/>
-                </a:solidFill>
-                <a:latin typeface="Tahoma" panose="020B0604030504040204" pitchFamily="34" charset="0"/>
-                <a:ea typeface="Tahoma" panose="020B0604030504040204" pitchFamily="34" charset="0"/>
-                <a:cs typeface="Tahoma" panose="020B0604030504040204" pitchFamily="34" charset="0"/>
-              </a:rPr>
-              <a:t>lon</a:t>
-            </a:r>
-            <a:endParaRPr lang="en-US" sz="1100" dirty="0">
-              <a:solidFill>
-                <a:srgbClr val="212121"/>
-              </a:solidFill>
-              <a:latin typeface="Tahoma" panose="020B0604030504040204" pitchFamily="34" charset="0"/>
-              <a:ea typeface="Tahoma" panose="020B0604030504040204" pitchFamily="34" charset="0"/>
-              <a:cs typeface="Tahoma" panose="020B0604030504040204" pitchFamily="34" charset="0"/>
-            </a:endParaRPr>
-          </a:p>
-          <a:p>
-            <a:pPr marL="171450" indent="-171450">
-              <a:buFont typeface="Arial" panose="020B0604020202020204" pitchFamily="34" charset="0"/>
-              <a:buChar char="•"/>
-            </a:pPr>
-            <a:r>
-              <a:rPr lang="en-US" sz="1100" i="0" dirty="0">
-                <a:solidFill>
-                  <a:srgbClr val="212121"/>
-                </a:solidFill>
-                <a:effectLst/>
-                <a:latin typeface="Tahoma" panose="020B0604030504040204" pitchFamily="34" charset="0"/>
-                <a:ea typeface="Tahoma" panose="020B0604030504040204" pitchFamily="34" charset="0"/>
-                <a:cs typeface="Tahoma" panose="020B0604030504040204" pitchFamily="34" charset="0"/>
-              </a:rPr>
-              <a:t>Start dat</a:t>
-            </a:r>
-            <a:r>
-              <a:rPr lang="en-US" sz="1100" dirty="0">
-                <a:solidFill>
-                  <a:srgbClr val="212121"/>
-                </a:solidFill>
-                <a:latin typeface="Tahoma" panose="020B0604030504040204" pitchFamily="34" charset="0"/>
-                <a:ea typeface="Tahoma" panose="020B0604030504040204" pitchFamily="34" charset="0"/>
-                <a:cs typeface="Tahoma" panose="020B0604030504040204" pitchFamily="34" charset="0"/>
-              </a:rPr>
-              <a:t>e to End date</a:t>
-            </a:r>
-            <a:endParaRPr lang="en-US" sz="1100" i="0" dirty="0">
-              <a:solidFill>
-                <a:srgbClr val="212121"/>
-              </a:solidFill>
-              <a:effectLst/>
-              <a:latin typeface="Tahoma" panose="020B0604030504040204" pitchFamily="34" charset="0"/>
-              <a:ea typeface="Tahoma" panose="020B0604030504040204" pitchFamily="34" charset="0"/>
-              <a:cs typeface="Tahoma" panose="020B0604030504040204" pitchFamily="34" charset="0"/>
-            </a:endParaRPr>
-          </a:p>
-        </p:txBody>
-      </p:sp>
-      <p:cxnSp>
-        <p:nvCxnSpPr>
-          <p:cNvPr id="31" name="Straight Arrow Connector 30">
-            <a:extLst>
-              <a:ext uri="{FF2B5EF4-FFF2-40B4-BE49-F238E27FC236}">
-                <a16:creationId xmlns:a16="http://schemas.microsoft.com/office/drawing/2014/main" id="{80D6D4BD-FCE7-4287-B445-9FDC0C9DAFA2}"/>
-              </a:ext>
-            </a:extLst>
-          </p:cNvPr>
-          <p:cNvCxnSpPr>
-            <a:cxnSpLocks/>
-            <a:stCxn id="30" idx="3"/>
-            <a:endCxn id="11" idx="1"/>
-          </p:cNvCxnSpPr>
-          <p:nvPr/>
-        </p:nvCxnSpPr>
-        <p:spPr>
-          <a:xfrm>
-            <a:off x="2744974" y="840618"/>
-            <a:ext cx="378234" cy="0"/>
-          </a:xfrm>
-          <a:prstGeom prst="straightConnector1">
-            <a:avLst/>
-          </a:prstGeom>
-          <a:ln w="28575">
-            <a:solidFill>
-              <a:srgbClr val="002060"/>
-            </a:solidFill>
-            <a:tailEnd type="triangle"/>
-          </a:ln>
-        </p:spPr>
-        <p:style>
-          <a:lnRef idx="1">
-            <a:schemeClr val="accent1"/>
-          </a:lnRef>
-          <a:fillRef idx="0">
-            <a:schemeClr val="accent1"/>
-          </a:fillRef>
-          <a:effectRef idx="0">
-            <a:schemeClr val="accent1"/>
-          </a:effectRef>
-          <a:fontRef idx="minor">
-            <a:schemeClr val="tx1"/>
-          </a:fontRef>
-        </p:style>
-      </p:cxnSp>
-    </p:spTree>
-    <p:extLst>
-      <p:ext uri="{BB962C8B-B14F-4D97-AF65-F5344CB8AC3E}">
-        <p14:creationId xmlns:p14="http://schemas.microsoft.com/office/powerpoint/2010/main" val="2462861717"/>
-      </p:ext>
-    </p:extLst>
-  </p:cSld>
-  <p:clrMapOvr>
-    <a:masterClrMapping/>
-  </p:clrMapOvr>
-</p:sld>
-</file>
-
-<file path=ppt/slides/slide9.xml><?xml version="1.0" encoding="utf-8"?>
-<p:sld xmlns:a="http://schemas.openxmlformats.org/drawingml/2006/main" xmlns:r="http://schemas.openxmlformats.org/officeDocument/2006/relationships" xmlns:p="http://schemas.openxmlformats.org/presentationml/2006/main">
-  <p:cSld>
-    <p:spTree>
-      <p:nvGrpSpPr>
-        <p:cNvPr id="1" name=""/>
-        <p:cNvGrpSpPr/>
-        <p:nvPr/>
-      </p:nvGrpSpPr>
-      <p:grpSpPr>
-        <a:xfrm>
-          <a:off x="0" y="0"/>
-          <a:ext cx="0" cy="0"/>
-          <a:chOff x="0" y="0"/>
-          <a:chExt cx="0" cy="0"/>
-        </a:xfrm>
-      </p:grpSpPr>
-      <p:pic>
-        <p:nvPicPr>
-          <p:cNvPr id="2" name="Picture 4" descr="Meteonorm - Top Competitors &amp; Alternatives | Datarade">
-            <a:extLst>
-              <a:ext uri="{FF2B5EF4-FFF2-40B4-BE49-F238E27FC236}">
-                <a16:creationId xmlns:a16="http://schemas.microsoft.com/office/drawing/2014/main" id="{ACE25D53-1EEE-4F07-9B43-D991689D24AA}"/>
-              </a:ext>
-            </a:extLst>
-          </p:cNvPr>
-          <p:cNvPicPr>
-            <a:picLocks noChangeAspect="1" noChangeArrowheads="1"/>
-          </p:cNvPicPr>
-          <p:nvPr/>
-        </p:nvPicPr>
-        <p:blipFill>
-          <a:blip r:embed="rId3">
-            <a:extLst>
-              <a:ext uri="{28A0092B-C50C-407E-A947-70E740481C1C}">
-                <a14:useLocalDpi xmlns:a14="http://schemas.microsoft.com/office/drawing/2010/main" val="0"/>
-              </a:ext>
-            </a:extLst>
-          </a:blip>
-          <a:srcRect/>
-          <a:stretch>
-            <a:fillRect/>
-          </a:stretch>
-        </p:blipFill>
-        <p:spPr bwMode="auto">
-          <a:xfrm>
-            <a:off x="9969357" y="0"/>
-            <a:ext cx="2222643" cy="485192"/>
-          </a:xfrm>
-          <a:prstGeom prst="rect">
-            <a:avLst/>
-          </a:prstGeom>
-          <a:noFill/>
-          <a:extLst>
-            <a:ext uri="{909E8E84-426E-40DD-AFC4-6F175D3DCCD1}">
-              <a14:hiddenFill xmlns:a14="http://schemas.microsoft.com/office/drawing/2010/main">
-                <a:solidFill>
-                  <a:srgbClr val="FFFFFF"/>
-                </a:solidFill>
-              </a14:hiddenFill>
-            </a:ext>
-          </a:extLst>
-        </p:spPr>
-      </p:pic>
-      <p:pic>
-        <p:nvPicPr>
-          <p:cNvPr id="69" name="Picture 68">
-            <a:extLst>
-              <a:ext uri="{FF2B5EF4-FFF2-40B4-BE49-F238E27FC236}">
-                <a16:creationId xmlns:a16="http://schemas.microsoft.com/office/drawing/2014/main" id="{1BDAF41D-9897-4848-BDAE-A929437E688F}"/>
-              </a:ext>
-            </a:extLst>
-          </p:cNvPr>
-          <p:cNvPicPr>
-            <a:picLocks noChangeAspect="1"/>
-          </p:cNvPicPr>
-          <p:nvPr/>
-        </p:nvPicPr>
-        <p:blipFill>
-          <a:blip r:embed="rId4"/>
-          <a:stretch>
-            <a:fillRect/>
-          </a:stretch>
-        </p:blipFill>
-        <p:spPr>
-          <a:xfrm>
-            <a:off x="2380615" y="572773"/>
-            <a:ext cx="2603218" cy="5712447"/>
-          </a:xfrm>
-          <a:prstGeom prst="rect">
-            <a:avLst/>
-          </a:prstGeom>
-        </p:spPr>
-      </p:pic>
-      <p:pic>
-        <p:nvPicPr>
-          <p:cNvPr id="96" name="Picture 95">
-            <a:extLst>
-              <a:ext uri="{FF2B5EF4-FFF2-40B4-BE49-F238E27FC236}">
-                <a16:creationId xmlns:a16="http://schemas.microsoft.com/office/drawing/2014/main" id="{21BD8701-EF56-4A96-B2C1-548D8240771E}"/>
-              </a:ext>
-            </a:extLst>
-          </p:cNvPr>
-          <p:cNvPicPr>
-            <a:picLocks noChangeAspect="1"/>
-          </p:cNvPicPr>
-          <p:nvPr/>
-        </p:nvPicPr>
-        <p:blipFill>
-          <a:blip r:embed="rId5"/>
-          <a:stretch>
-            <a:fillRect/>
-          </a:stretch>
-        </p:blipFill>
-        <p:spPr>
-          <a:xfrm>
-            <a:off x="6354833" y="758716"/>
-            <a:ext cx="2767824" cy="5340559"/>
-          </a:xfrm>
-          <a:prstGeom prst="rect">
-            <a:avLst/>
-          </a:prstGeom>
-        </p:spPr>
-      </p:pic>
-    </p:spTree>
-    <p:extLst>
-      <p:ext uri="{BB962C8B-B14F-4D97-AF65-F5344CB8AC3E}">
-        <p14:creationId xmlns:p14="http://schemas.microsoft.com/office/powerpoint/2010/main" val="3205364100"/>
       </p:ext>
     </p:extLst>
   </p:cSld>

--- a/manual.pptx
+++ b/manual.pptx
@@ -262,7 +262,7 @@
           <a:p>
             <a:fld id="{440994C5-2AEE-44F2-9B76-8FB84DF71958}" type="datetimeFigureOut">
               <a:rPr lang="th-TH" smtClean="0"/>
-              <a:t>22/04/65</a:t>
+              <a:t>23/04/65</a:t>
             </a:fld>
             <a:endParaRPr lang="th-TH"/>
           </a:p>
@@ -1015,7 +1015,7 @@
           <a:p>
             <a:fld id="{74A7171E-5335-404F-9BA2-2E83F9E2328B}" type="datetimeFigureOut">
               <a:rPr lang="th-TH" smtClean="0"/>
-              <a:t>22/04/65</a:t>
+              <a:t>23/04/65</a:t>
             </a:fld>
             <a:endParaRPr lang="th-TH"/>
           </a:p>
@@ -1215,7 +1215,7 @@
           <a:p>
             <a:fld id="{74A7171E-5335-404F-9BA2-2E83F9E2328B}" type="datetimeFigureOut">
               <a:rPr lang="th-TH" smtClean="0"/>
-              <a:t>22/04/65</a:t>
+              <a:t>23/04/65</a:t>
             </a:fld>
             <a:endParaRPr lang="th-TH"/>
           </a:p>
@@ -1425,7 +1425,7 @@
           <a:p>
             <a:fld id="{74A7171E-5335-404F-9BA2-2E83F9E2328B}" type="datetimeFigureOut">
               <a:rPr lang="th-TH" smtClean="0"/>
-              <a:t>22/04/65</a:t>
+              <a:t>23/04/65</a:t>
             </a:fld>
             <a:endParaRPr lang="th-TH"/>
           </a:p>
@@ -1625,7 +1625,7 @@
           <a:p>
             <a:fld id="{74A7171E-5335-404F-9BA2-2E83F9E2328B}" type="datetimeFigureOut">
               <a:rPr lang="th-TH" smtClean="0"/>
-              <a:t>22/04/65</a:t>
+              <a:t>23/04/65</a:t>
             </a:fld>
             <a:endParaRPr lang="th-TH"/>
           </a:p>
@@ -1901,7 +1901,7 @@
           <a:p>
             <a:fld id="{74A7171E-5335-404F-9BA2-2E83F9E2328B}" type="datetimeFigureOut">
               <a:rPr lang="th-TH" smtClean="0"/>
-              <a:t>22/04/65</a:t>
+              <a:t>23/04/65</a:t>
             </a:fld>
             <a:endParaRPr lang="th-TH"/>
           </a:p>
@@ -2169,7 +2169,7 @@
           <a:p>
             <a:fld id="{74A7171E-5335-404F-9BA2-2E83F9E2328B}" type="datetimeFigureOut">
               <a:rPr lang="th-TH" smtClean="0"/>
-              <a:t>22/04/65</a:t>
+              <a:t>23/04/65</a:t>
             </a:fld>
             <a:endParaRPr lang="th-TH"/>
           </a:p>
@@ -2584,7 +2584,7 @@
           <a:p>
             <a:fld id="{74A7171E-5335-404F-9BA2-2E83F9E2328B}" type="datetimeFigureOut">
               <a:rPr lang="th-TH" smtClean="0"/>
-              <a:t>22/04/65</a:t>
+              <a:t>23/04/65</a:t>
             </a:fld>
             <a:endParaRPr lang="th-TH"/>
           </a:p>
@@ -2726,7 +2726,7 @@
           <a:p>
             <a:fld id="{74A7171E-5335-404F-9BA2-2E83F9E2328B}" type="datetimeFigureOut">
               <a:rPr lang="th-TH" smtClean="0"/>
-              <a:t>22/04/65</a:t>
+              <a:t>23/04/65</a:t>
             </a:fld>
             <a:endParaRPr lang="th-TH"/>
           </a:p>
@@ -2839,7 +2839,7 @@
           <a:p>
             <a:fld id="{74A7171E-5335-404F-9BA2-2E83F9E2328B}" type="datetimeFigureOut">
               <a:rPr lang="th-TH" smtClean="0"/>
-              <a:t>22/04/65</a:t>
+              <a:t>23/04/65</a:t>
             </a:fld>
             <a:endParaRPr lang="th-TH"/>
           </a:p>
@@ -3152,7 +3152,7 @@
           <a:p>
             <a:fld id="{74A7171E-5335-404F-9BA2-2E83F9E2328B}" type="datetimeFigureOut">
               <a:rPr lang="th-TH" smtClean="0"/>
-              <a:t>22/04/65</a:t>
+              <a:t>23/04/65</a:t>
             </a:fld>
             <a:endParaRPr lang="th-TH"/>
           </a:p>
@@ -3441,7 +3441,7 @@
           <a:p>
             <a:fld id="{74A7171E-5335-404F-9BA2-2E83F9E2328B}" type="datetimeFigureOut">
               <a:rPr lang="th-TH" smtClean="0"/>
-              <a:t>22/04/65</a:t>
+              <a:t>23/04/65</a:t>
             </a:fld>
             <a:endParaRPr lang="th-TH"/>
           </a:p>
@@ -3684,7 +3684,7 @@
           <a:p>
             <a:fld id="{74A7171E-5335-404F-9BA2-2E83F9E2328B}" type="datetimeFigureOut">
               <a:rPr lang="th-TH" smtClean="0"/>
-              <a:t>22/04/65</a:t>
+              <a:t>23/04/65</a:t>
             </a:fld>
             <a:endParaRPr lang="th-TH"/>
           </a:p>
@@ -32553,10 +32553,10 @@
       </p:sp>
       <p:pic>
         <p:nvPicPr>
-          <p:cNvPr id="9" name="Picture 8">
+          <p:cNvPr id="3" name="Picture 2">
             <a:extLst>
               <a:ext uri="{FF2B5EF4-FFF2-40B4-BE49-F238E27FC236}">
-                <a16:creationId xmlns:a16="http://schemas.microsoft.com/office/drawing/2014/main" id="{D5A36F81-44A2-4139-9174-8AA6464203E5}"/>
+                <a16:creationId xmlns:a16="http://schemas.microsoft.com/office/drawing/2014/main" id="{9E7DF9A7-EAC3-4B55-A2C0-7989B663C0C9}"/>
               </a:ext>
             </a:extLst>
           </p:cNvPr>
@@ -32573,8 +32573,8 @@
         </p:blipFill>
         <p:spPr>
           <a:xfrm>
-            <a:off x="0" y="2651088"/>
-            <a:ext cx="12192000" cy="1555823"/>
+            <a:off x="208149" y="2470639"/>
+            <a:ext cx="11775701" cy="1427728"/>
           </a:xfrm>
           <a:prstGeom prst="rect">
             <a:avLst/>

--- a/manual.pptx
+++ b/manual.pptx
@@ -32553,10 +32553,10 @@
       </p:sp>
       <p:pic>
         <p:nvPicPr>
-          <p:cNvPr id="3" name="Picture 2">
+          <p:cNvPr id="5" name="Picture 4">
             <a:extLst>
               <a:ext uri="{FF2B5EF4-FFF2-40B4-BE49-F238E27FC236}">
-                <a16:creationId xmlns:a16="http://schemas.microsoft.com/office/drawing/2014/main" id="{9E7DF9A7-EAC3-4B55-A2C0-7989B663C0C9}"/>
+                <a16:creationId xmlns:a16="http://schemas.microsoft.com/office/drawing/2014/main" id="{80840BA2-2067-495D-823E-D7D21E8C4B98}"/>
               </a:ext>
             </a:extLst>
           </p:cNvPr>
@@ -32573,8 +32573,8 @@
         </p:blipFill>
         <p:spPr>
           <a:xfrm>
-            <a:off x="208149" y="2470639"/>
-            <a:ext cx="11775701" cy="1427728"/>
+            <a:off x="422041" y="2206789"/>
+            <a:ext cx="11061005" cy="1222211"/>
           </a:xfrm>
           <a:prstGeom prst="rect">
             <a:avLst/>
